--- a/analysis/output/mL/presentation/updated_mL.pptx
+++ b/analysis/output/mL/presentation/updated_mL.pptx
@@ -8,14 +8,15 @@
     <p:sldId id="256" r:id="rId2"/>
     <p:sldId id="257" r:id="rId3"/>
     <p:sldId id="258" r:id="rId4"/>
-    <p:sldId id="259" r:id="rId5"/>
-    <p:sldId id="260" r:id="rId6"/>
-    <p:sldId id="261" r:id="rId7"/>
-    <p:sldId id="266" r:id="rId8"/>
-    <p:sldId id="262" r:id="rId9"/>
-    <p:sldId id="263" r:id="rId10"/>
-    <p:sldId id="264" r:id="rId11"/>
-    <p:sldId id="265" r:id="rId12"/>
+    <p:sldId id="267" r:id="rId5"/>
+    <p:sldId id="259" r:id="rId6"/>
+    <p:sldId id="260" r:id="rId7"/>
+    <p:sldId id="261" r:id="rId8"/>
+    <p:sldId id="266" r:id="rId9"/>
+    <p:sldId id="262" r:id="rId10"/>
+    <p:sldId id="263" r:id="rId11"/>
+    <p:sldId id="264" r:id="rId12"/>
+    <p:sldId id="265" r:id="rId13"/>
   </p:sldIdLst>
   <p:sldSz cx="12192000" cy="6858000"/>
   <p:notesSz cx="6858000" cy="9144000"/>
@@ -3401,7 +3402,7 @@
           <p:cNvPr id="2" name="Title 1">
             <a:extLst>
               <a:ext uri="{FF2B5EF4-FFF2-40B4-BE49-F238E27FC236}">
-                <a16:creationId xmlns:a16="http://schemas.microsoft.com/office/drawing/2014/main" id="{CED2EEDA-544A-BA43-9936-A4E5D4B4D9C1}"/>
+                <a16:creationId xmlns:a16="http://schemas.microsoft.com/office/drawing/2014/main" id="{1D3A34D6-73C8-3046-A9F9-E75648BC7417}"/>
               </a:ext>
             </a:extLst>
           </p:cNvPr>
@@ -3412,12 +3413,7 @@
             <p:ph type="title"/>
           </p:nvPr>
         </p:nvSpPr>
-        <p:spPr>
-          <a:xfrm>
-            <a:off x="838200" y="321013"/>
-            <a:ext cx="6106751" cy="1369675"/>
-          </a:xfrm>
-        </p:spPr>
+        <p:spPr/>
         <p:txBody>
           <a:bodyPr>
             <a:normAutofit/>
@@ -3426,42 +3422,17 @@
           <a:p>
             <a:r>
               <a:rPr lang="en-US" sz="3200" dirty="0"/>
-              <a:t>Different subject, different task</a:t>
-            </a:r>
-          </a:p>
-        </p:txBody>
-      </p:sp>
-      <p:sp>
-        <p:nvSpPr>
-          <p:cNvPr id="3" name="Content Placeholder 2">
-            <a:extLst>
-              <a:ext uri="{FF2B5EF4-FFF2-40B4-BE49-F238E27FC236}">
-                <a16:creationId xmlns:a16="http://schemas.microsoft.com/office/drawing/2014/main" id="{D296A53E-56B1-E94C-8EB7-A91CCA96604C}"/>
-              </a:ext>
-            </a:extLst>
-          </p:cNvPr>
-          <p:cNvSpPr>
-            <a:spLocks noGrp="1"/>
-          </p:cNvSpPr>
-          <p:nvPr>
-            <p:ph idx="1"/>
-          </p:nvPr>
-        </p:nvSpPr>
-        <p:spPr/>
-        <p:txBody>
-          <a:bodyPr/>
-          <a:lstStyle/>
-          <a:p>
-            <a:endParaRPr lang="en-US" dirty="0"/>
+              <a:t>Different subject same task</a:t>
+            </a:r>
           </a:p>
         </p:txBody>
       </p:sp>
       <p:pic>
         <p:nvPicPr>
-          <p:cNvPr id="4" name="Picture 3">
-            <a:extLst>
-              <a:ext uri="{FF2B5EF4-FFF2-40B4-BE49-F238E27FC236}">
-                <a16:creationId xmlns:a16="http://schemas.microsoft.com/office/drawing/2014/main" id="{F8848854-FD01-884D-B033-A75C34C5C680}"/>
+          <p:cNvPr id="6" name="Picture 5">
+            <a:extLst>
+              <a:ext uri="{FF2B5EF4-FFF2-40B4-BE49-F238E27FC236}">
+                <a16:creationId xmlns:a16="http://schemas.microsoft.com/office/drawing/2014/main" id="{71AA2547-BB1D-1041-B90C-8DB365870AC9}"/>
               </a:ext>
             </a:extLst>
           </p:cNvPr>
@@ -3478,8 +3449,8 @@
         </p:blipFill>
         <p:spPr>
           <a:xfrm>
-            <a:off x="6236439" y="321013"/>
-            <a:ext cx="2515599" cy="1252943"/>
+            <a:off x="9586469" y="441371"/>
+            <a:ext cx="2299758" cy="1145440"/>
           </a:xfrm>
           <a:prstGeom prst="rect">
             <a:avLst/>
@@ -3488,10 +3459,10 @@
       </p:pic>
       <p:pic>
         <p:nvPicPr>
-          <p:cNvPr id="5" name="Picture 4">
-            <a:extLst>
-              <a:ext uri="{FF2B5EF4-FFF2-40B4-BE49-F238E27FC236}">
-                <a16:creationId xmlns:a16="http://schemas.microsoft.com/office/drawing/2014/main" id="{E9552F7D-EB1C-0148-BA65-B32144D746EE}"/>
+          <p:cNvPr id="7" name="Picture 6">
+            <a:extLst>
+              <a:ext uri="{FF2B5EF4-FFF2-40B4-BE49-F238E27FC236}">
+                <a16:creationId xmlns:a16="http://schemas.microsoft.com/office/drawing/2014/main" id="{F15E4A10-0663-364B-BCCE-D05742C90761}"/>
               </a:ext>
             </a:extLst>
           </p:cNvPr>
@@ -3508,8 +3479,8 @@
         </p:blipFill>
         <p:spPr>
           <a:xfrm>
-            <a:off x="6719508" y="664476"/>
-            <a:ext cx="579360" cy="559458"/>
+            <a:off x="9867108" y="761984"/>
+            <a:ext cx="545134" cy="397139"/>
           </a:xfrm>
           <a:prstGeom prst="rect">
             <a:avLst/>
@@ -3518,10 +3489,39 @@
       </p:pic>
       <p:pic>
         <p:nvPicPr>
-          <p:cNvPr id="6" name="Picture 5">
-            <a:extLst>
-              <a:ext uri="{FF2B5EF4-FFF2-40B4-BE49-F238E27FC236}">
-                <a16:creationId xmlns:a16="http://schemas.microsoft.com/office/drawing/2014/main" id="{810EFFC2-102F-4047-A1A1-CAA08811ABBD}"/>
+          <p:cNvPr id="14" name="Picture 13">
+            <a:extLst>
+              <a:ext uri="{FF2B5EF4-FFF2-40B4-BE49-F238E27FC236}">
+                <a16:creationId xmlns:a16="http://schemas.microsoft.com/office/drawing/2014/main" id="{6CB4F419-736A-9146-AE24-D114AF35A105}"/>
+              </a:ext>
+            </a:extLst>
+          </p:cNvPr>
+          <p:cNvPicPr>
+            <a:picLocks noChangeAspect="1"/>
+          </p:cNvPicPr>
+          <p:nvPr/>
+        </p:nvPicPr>
+        <p:blipFill rotWithShape="1">
+          <a:blip r:embed="rId4"/>
+          <a:srcRect l="1297" t="8770" r="5594"/>
+          <a:stretch/>
+        </p:blipFill>
+        <p:spPr>
+          <a:xfrm>
+            <a:off x="6872118" y="441371"/>
+            <a:ext cx="2391522" cy="1197379"/>
+          </a:xfrm>
+          <a:prstGeom prst="rect">
+            <a:avLst/>
+          </a:prstGeom>
+        </p:spPr>
+      </p:pic>
+      <p:pic>
+        <p:nvPicPr>
+          <p:cNvPr id="15" name="Picture 14">
+            <a:extLst>
+              <a:ext uri="{FF2B5EF4-FFF2-40B4-BE49-F238E27FC236}">
+                <a16:creationId xmlns:a16="http://schemas.microsoft.com/office/drawing/2014/main" id="{138BEE78-C707-5B41-A80E-5942DDE5A9E6}"/>
               </a:ext>
             </a:extLst>
           </p:cNvPr>
@@ -3531,15 +3531,15 @@
           <p:nvPr/>
         </p:nvPicPr>
         <p:blipFill>
-          <a:blip r:embed="rId4"/>
+          <a:blip r:embed="rId3"/>
           <a:stretch>
             <a:fillRect/>
           </a:stretch>
         </p:blipFill>
         <p:spPr>
           <a:xfrm>
-            <a:off x="9022763" y="321013"/>
-            <a:ext cx="2473464" cy="1263913"/>
+            <a:off x="8419226" y="749952"/>
+            <a:ext cx="545962" cy="397742"/>
           </a:xfrm>
           <a:prstGeom prst="rect">
             <a:avLst/>
@@ -3548,10 +3548,10 @@
       </p:pic>
       <p:pic>
         <p:nvPicPr>
-          <p:cNvPr id="7" name="Picture 6">
-            <a:extLst>
-              <a:ext uri="{FF2B5EF4-FFF2-40B4-BE49-F238E27FC236}">
-                <a16:creationId xmlns:a16="http://schemas.microsoft.com/office/drawing/2014/main" id="{20C7769D-078B-6C45-A2B4-13105E56B17E}"/>
+          <p:cNvPr id="17" name="Picture 16">
+            <a:extLst>
+              <a:ext uri="{FF2B5EF4-FFF2-40B4-BE49-F238E27FC236}">
+                <a16:creationId xmlns:a16="http://schemas.microsoft.com/office/drawing/2014/main" id="{739D6127-9CFF-A348-A258-CEE295EE7D6C}"/>
               </a:ext>
             </a:extLst>
           </p:cNvPr>
@@ -3568,8 +3568,222 @@
         </p:blipFill>
         <p:spPr>
           <a:xfrm>
-            <a:off x="10645344" y="745334"/>
+            <a:off x="1665514" y="1947331"/>
+            <a:ext cx="8507186" cy="4784715"/>
+          </a:xfrm>
+          <a:prstGeom prst="rect">
+            <a:avLst/>
+          </a:prstGeom>
+        </p:spPr>
+      </p:pic>
+    </p:spTree>
+    <p:extLst>
+      <p:ext uri="{BB962C8B-B14F-4D97-AF65-F5344CB8AC3E}">
+        <p14:creationId xmlns:p14="http://schemas.microsoft.com/office/powerpoint/2010/main" val="3198958329"/>
+      </p:ext>
+    </p:extLst>
+  </p:cSld>
+  <p:clrMapOvr>
+    <a:masterClrMapping/>
+  </p:clrMapOvr>
+</p:sld>
+</file>
+
+<file path=ppt/slides/slide11.xml><?xml version="1.0" encoding="utf-8"?>
+<p:sld xmlns:a="http://schemas.openxmlformats.org/drawingml/2006/main" xmlns:r="http://schemas.openxmlformats.org/officeDocument/2006/relationships" xmlns:p="http://schemas.openxmlformats.org/presentationml/2006/main">
+  <p:cSld>
+    <p:spTree>
+      <p:nvGrpSpPr>
+        <p:cNvPr id="1" name=""/>
+        <p:cNvGrpSpPr/>
+        <p:nvPr/>
+      </p:nvGrpSpPr>
+      <p:grpSpPr>
+        <a:xfrm>
+          <a:off x="0" y="0"/>
+          <a:ext cx="0" cy="0"/>
+          <a:chOff x="0" y="0"/>
+          <a:chExt cx="0" cy="0"/>
+        </a:xfrm>
+      </p:grpSpPr>
+      <p:sp>
+        <p:nvSpPr>
+          <p:cNvPr id="2" name="Title 1">
+            <a:extLst>
+              <a:ext uri="{FF2B5EF4-FFF2-40B4-BE49-F238E27FC236}">
+                <a16:creationId xmlns:a16="http://schemas.microsoft.com/office/drawing/2014/main" id="{CED2EEDA-544A-BA43-9936-A4E5D4B4D9C1}"/>
+              </a:ext>
+            </a:extLst>
+          </p:cNvPr>
+          <p:cNvSpPr>
+            <a:spLocks noGrp="1"/>
+          </p:cNvSpPr>
+          <p:nvPr>
+            <p:ph type="title"/>
+          </p:nvPr>
+        </p:nvSpPr>
+        <p:spPr>
+          <a:xfrm>
+            <a:off x="838200" y="321013"/>
+            <a:ext cx="6106751" cy="1369675"/>
+          </a:xfrm>
+        </p:spPr>
+        <p:txBody>
+          <a:bodyPr>
+            <a:normAutofit/>
+          </a:bodyPr>
+          <a:lstStyle/>
+          <a:p>
+            <a:r>
+              <a:rPr lang="en-US" sz="3200" dirty="0"/>
+              <a:t>Different subject, different task</a:t>
+            </a:r>
+          </a:p>
+        </p:txBody>
+      </p:sp>
+      <p:pic>
+        <p:nvPicPr>
+          <p:cNvPr id="4" name="Picture 3">
+            <a:extLst>
+              <a:ext uri="{FF2B5EF4-FFF2-40B4-BE49-F238E27FC236}">
+                <a16:creationId xmlns:a16="http://schemas.microsoft.com/office/drawing/2014/main" id="{F8848854-FD01-884D-B033-A75C34C5C680}"/>
+              </a:ext>
+            </a:extLst>
+          </p:cNvPr>
+          <p:cNvPicPr>
+            <a:picLocks noChangeAspect="1"/>
+          </p:cNvPicPr>
+          <p:nvPr/>
+        </p:nvPicPr>
+        <p:blipFill>
+          <a:blip r:embed="rId2"/>
+          <a:stretch>
+            <a:fillRect/>
+          </a:stretch>
+        </p:blipFill>
+        <p:spPr>
+          <a:xfrm>
+            <a:off x="6236439" y="321013"/>
+            <a:ext cx="2515599" cy="1252943"/>
+          </a:xfrm>
+          <a:prstGeom prst="rect">
+            <a:avLst/>
+          </a:prstGeom>
+        </p:spPr>
+      </p:pic>
+      <p:pic>
+        <p:nvPicPr>
+          <p:cNvPr id="5" name="Picture 4">
+            <a:extLst>
+              <a:ext uri="{FF2B5EF4-FFF2-40B4-BE49-F238E27FC236}">
+                <a16:creationId xmlns:a16="http://schemas.microsoft.com/office/drawing/2014/main" id="{E9552F7D-EB1C-0148-BA65-B32144D746EE}"/>
+              </a:ext>
+            </a:extLst>
+          </p:cNvPr>
+          <p:cNvPicPr>
+            <a:picLocks noChangeAspect="1"/>
+          </p:cNvPicPr>
+          <p:nvPr/>
+        </p:nvPicPr>
+        <p:blipFill>
+          <a:blip r:embed="rId3"/>
+          <a:stretch>
+            <a:fillRect/>
+          </a:stretch>
+        </p:blipFill>
+        <p:spPr>
+          <a:xfrm>
+            <a:off x="6514817" y="629594"/>
+            <a:ext cx="579360" cy="559458"/>
+          </a:xfrm>
+          <a:prstGeom prst="rect">
+            <a:avLst/>
+          </a:prstGeom>
+        </p:spPr>
+      </p:pic>
+      <p:pic>
+        <p:nvPicPr>
+          <p:cNvPr id="8" name="Picture 7">
+            <a:extLst>
+              <a:ext uri="{FF2B5EF4-FFF2-40B4-BE49-F238E27FC236}">
+                <a16:creationId xmlns:a16="http://schemas.microsoft.com/office/drawing/2014/main" id="{1EF11236-C44F-6948-80AC-E2B1B7DD6D76}"/>
+              </a:ext>
+            </a:extLst>
+          </p:cNvPr>
+          <p:cNvPicPr>
+            <a:picLocks noChangeAspect="1"/>
+          </p:cNvPicPr>
+          <p:nvPr/>
+        </p:nvPicPr>
+        <p:blipFill rotWithShape="1">
+          <a:blip r:embed="rId4"/>
+          <a:srcRect l="1297" t="8770" r="5594"/>
+          <a:stretch/>
+        </p:blipFill>
+        <p:spPr>
+          <a:xfrm>
+            <a:off x="9235107" y="321013"/>
+            <a:ext cx="2391522" cy="1197379"/>
+          </a:xfrm>
+          <a:prstGeom prst="rect">
+            <a:avLst/>
+          </a:prstGeom>
+        </p:spPr>
+      </p:pic>
+      <p:pic>
+        <p:nvPicPr>
+          <p:cNvPr id="9" name="Picture 8">
+            <a:extLst>
+              <a:ext uri="{FF2B5EF4-FFF2-40B4-BE49-F238E27FC236}">
+                <a16:creationId xmlns:a16="http://schemas.microsoft.com/office/drawing/2014/main" id="{3242A54C-7FBC-EB47-96A4-5A22A04F9BBB}"/>
+              </a:ext>
+            </a:extLst>
+          </p:cNvPr>
+          <p:cNvPicPr>
+            <a:picLocks noChangeAspect="1"/>
+          </p:cNvPicPr>
+          <p:nvPr/>
+        </p:nvPicPr>
+        <p:blipFill>
+          <a:blip r:embed="rId5"/>
+          <a:stretch>
+            <a:fillRect/>
+          </a:stretch>
+        </p:blipFill>
+        <p:spPr>
+          <a:xfrm>
+            <a:off x="10782215" y="629594"/>
             <a:ext cx="545962" cy="397742"/>
+          </a:xfrm>
+          <a:prstGeom prst="rect">
+            <a:avLst/>
+          </a:prstGeom>
+        </p:spPr>
+      </p:pic>
+      <p:pic>
+        <p:nvPicPr>
+          <p:cNvPr id="11" name="Picture 10">
+            <a:extLst>
+              <a:ext uri="{FF2B5EF4-FFF2-40B4-BE49-F238E27FC236}">
+                <a16:creationId xmlns:a16="http://schemas.microsoft.com/office/drawing/2014/main" id="{EA0E2716-0350-8545-8646-A405B487089C}"/>
+              </a:ext>
+            </a:extLst>
+          </p:cNvPr>
+          <p:cNvPicPr>
+            <a:picLocks noChangeAspect="1"/>
+          </p:cNvPicPr>
+          <p:nvPr/>
+        </p:nvPicPr>
+        <p:blipFill>
+          <a:blip r:embed="rId6"/>
+          <a:stretch>
+            <a:fillRect/>
+          </a:stretch>
+        </p:blipFill>
+        <p:spPr>
+          <a:xfrm>
+            <a:off x="1502228" y="1999269"/>
+            <a:ext cx="8583386" cy="4463569"/>
           </a:xfrm>
           <a:prstGeom prst="rect">
             <a:avLst/>
@@ -3589,7 +3803,7 @@
 </p:sld>
 </file>
 
-<file path=ppt/slides/slide11.xml><?xml version="1.0" encoding="utf-8"?>
+<file path=ppt/slides/slide12.xml><?xml version="1.0" encoding="utf-8"?>
 <p:sld xmlns:a="http://schemas.openxmlformats.org/drawingml/2006/main" xmlns:r="http://schemas.openxmlformats.org/officeDocument/2006/relationships" xmlns:p="http://schemas.openxmlformats.org/presentationml/2006/main">
   <p:cSld>
     <p:spTree>
@@ -3839,16 +4053,15 @@
           </p:cNvPicPr>
           <p:nvPr/>
         </p:nvPicPr>
-        <p:blipFill>
+        <p:blipFill rotWithShape="1">
           <a:blip r:embed="rId3"/>
-          <a:stretch>
-            <a:fillRect/>
-          </a:stretch>
+          <a:srcRect l="1297" t="8770"/>
+          <a:stretch/>
         </p:blipFill>
         <p:spPr>
           <a:xfrm>
-            <a:off x="548176" y="3408307"/>
-            <a:ext cx="2090137" cy="1068037"/>
+            <a:off x="295200" y="3454653"/>
+            <a:ext cx="2462563" cy="1163066"/>
           </a:xfrm>
           <a:prstGeom prst="rect">
             <a:avLst/>
@@ -4037,10 +4250,10 @@
       </p:pic>
       <p:pic>
         <p:nvPicPr>
-          <p:cNvPr id="16" name="Picture 15">
-            <a:extLst>
-              <a:ext uri="{FF2B5EF4-FFF2-40B4-BE49-F238E27FC236}">
-                <a16:creationId xmlns:a16="http://schemas.microsoft.com/office/drawing/2014/main" id="{7ACC8B2C-A1B7-0745-B8B9-255ACCFAA75D}"/>
+          <p:cNvPr id="18" name="Picture 17">
+            <a:extLst>
+              <a:ext uri="{FF2B5EF4-FFF2-40B4-BE49-F238E27FC236}">
+                <a16:creationId xmlns:a16="http://schemas.microsoft.com/office/drawing/2014/main" id="{D5BF4ACC-0A8C-FC42-86AF-607B2F3AA2CC}"/>
               </a:ext>
             </a:extLst>
           </p:cNvPr>
@@ -4050,15 +4263,15 @@
           <p:nvPr/>
         </p:nvPicPr>
         <p:blipFill>
-          <a:blip r:embed="rId3"/>
+          <a:blip r:embed="rId2"/>
           <a:stretch>
             <a:fillRect/>
           </a:stretch>
         </p:blipFill>
         <p:spPr>
           <a:xfrm>
-            <a:off x="3491277" y="5469649"/>
-            <a:ext cx="2090137" cy="1068037"/>
+            <a:off x="3134739" y="1676834"/>
+            <a:ext cx="2303255" cy="1147181"/>
           </a:xfrm>
           <a:prstGeom prst="rect">
             <a:avLst/>
@@ -4067,10 +4280,10 @@
       </p:pic>
       <p:pic>
         <p:nvPicPr>
-          <p:cNvPr id="17" name="Picture 16">
-            <a:extLst>
-              <a:ext uri="{FF2B5EF4-FFF2-40B4-BE49-F238E27FC236}">
-                <a16:creationId xmlns:a16="http://schemas.microsoft.com/office/drawing/2014/main" id="{8412985F-18EA-024B-A48C-FAA53954873D}"/>
+          <p:cNvPr id="19" name="Picture 18">
+            <a:extLst>
+              <a:ext uri="{FF2B5EF4-FFF2-40B4-BE49-F238E27FC236}">
+                <a16:creationId xmlns:a16="http://schemas.microsoft.com/office/drawing/2014/main" id="{9D24A528-FE03-5E45-937C-94CBF4867F7B}"/>
               </a:ext>
             </a:extLst>
           </p:cNvPr>
@@ -4087,7 +4300,7 @@
         </p:blipFill>
         <p:spPr>
           <a:xfrm>
-            <a:off x="4785409" y="5790263"/>
+            <a:off x="3457096" y="1981141"/>
             <a:ext cx="545962" cy="397742"/>
           </a:xfrm>
           <a:prstGeom prst="rect">
@@ -4097,10 +4310,10 @@
       </p:pic>
       <p:pic>
         <p:nvPicPr>
-          <p:cNvPr id="18" name="Picture 17">
-            <a:extLst>
-              <a:ext uri="{FF2B5EF4-FFF2-40B4-BE49-F238E27FC236}">
-                <a16:creationId xmlns:a16="http://schemas.microsoft.com/office/drawing/2014/main" id="{D5BF4ACC-0A8C-FC42-86AF-607B2F3AA2CC}"/>
+          <p:cNvPr id="20" name="Picture 19">
+            <a:extLst>
+              <a:ext uri="{FF2B5EF4-FFF2-40B4-BE49-F238E27FC236}">
+                <a16:creationId xmlns:a16="http://schemas.microsoft.com/office/drawing/2014/main" id="{98D0A450-4921-3149-A66A-1D8CE2F9E85A}"/>
               </a:ext>
             </a:extLst>
           </p:cNvPr>
@@ -4109,16 +4322,15 @@
           </p:cNvPicPr>
           <p:nvPr/>
         </p:nvPicPr>
-        <p:blipFill>
-          <a:blip r:embed="rId2"/>
-          <a:stretch>
-            <a:fillRect/>
-          </a:stretch>
+        <p:blipFill rotWithShape="1">
+          <a:blip r:embed="rId3"/>
+          <a:srcRect l="1297" t="8770"/>
+          <a:stretch/>
         </p:blipFill>
         <p:spPr>
           <a:xfrm>
-            <a:off x="3134739" y="1676834"/>
-            <a:ext cx="2303255" cy="1147181"/>
+            <a:off x="3336174" y="5480350"/>
+            <a:ext cx="2462563" cy="1163066"/>
           </a:xfrm>
           <a:prstGeom prst="rect">
             <a:avLst/>
@@ -4127,10 +4339,10 @@
       </p:pic>
       <p:pic>
         <p:nvPicPr>
-          <p:cNvPr id="19" name="Picture 18">
-            <a:extLst>
-              <a:ext uri="{FF2B5EF4-FFF2-40B4-BE49-F238E27FC236}">
-                <a16:creationId xmlns:a16="http://schemas.microsoft.com/office/drawing/2014/main" id="{9D24A528-FE03-5E45-937C-94CBF4867F7B}"/>
+          <p:cNvPr id="21" name="Picture 20">
+            <a:extLst>
+              <a:ext uri="{FF2B5EF4-FFF2-40B4-BE49-F238E27FC236}">
+                <a16:creationId xmlns:a16="http://schemas.microsoft.com/office/drawing/2014/main" id="{1595612D-DE82-AC4C-B895-A62094DC1531}"/>
               </a:ext>
             </a:extLst>
           </p:cNvPr>
@@ -4147,7 +4359,7 @@
         </p:blipFill>
         <p:spPr>
           <a:xfrm>
-            <a:off x="3457096" y="1981141"/>
+            <a:off x="4883282" y="5754618"/>
             <a:ext cx="545962" cy="397742"/>
           </a:xfrm>
           <a:prstGeom prst="rect">
@@ -4316,7 +4528,7 @@
           <p:cNvPr id="2" name="Title 1">
             <a:extLst>
               <a:ext uri="{FF2B5EF4-FFF2-40B4-BE49-F238E27FC236}">
-                <a16:creationId xmlns:a16="http://schemas.microsoft.com/office/drawing/2014/main" id="{881AB95C-E835-554A-B234-20B740E3ED0F}"/>
+                <a16:creationId xmlns:a16="http://schemas.microsoft.com/office/drawing/2014/main" id="{E8D02886-16F3-B341-A276-3F36ECC07A8D}"/>
               </a:ext>
             </a:extLst>
           </p:cNvPr>
@@ -4329,45 +4541,56 @@
         </p:nvSpPr>
         <p:spPr/>
         <p:txBody>
+          <a:bodyPr>
+            <a:normAutofit/>
+          </a:bodyPr>
+          <a:lstStyle/>
+          <a:p>
+            <a:r>
+              <a:rPr lang="en-US" sz="3200" dirty="0"/>
+              <a:t>Is there a tradeoff between quantity and quality?</a:t>
+            </a:r>
+          </a:p>
+        </p:txBody>
+      </p:sp>
+      <p:sp>
+        <p:nvSpPr>
+          <p:cNvPr id="3" name="Content Placeholder 2">
+            <a:extLst>
+              <a:ext uri="{FF2B5EF4-FFF2-40B4-BE49-F238E27FC236}">
+                <a16:creationId xmlns:a16="http://schemas.microsoft.com/office/drawing/2014/main" id="{702B0FF1-9434-2341-A4E7-B4EEDFBAC012}"/>
+              </a:ext>
+            </a:extLst>
+          </p:cNvPr>
+          <p:cNvSpPr>
+            <a:spLocks noGrp="1"/>
+          </p:cNvSpPr>
+          <p:nvPr>
+            <p:ph idx="1"/>
+          </p:nvPr>
+        </p:nvSpPr>
+        <p:spPr/>
+        <p:txBody>
           <a:bodyPr/>
           <a:lstStyle/>
           <a:p>
             <a:r>
               <a:rPr lang="en-US" dirty="0"/>
-              <a:t>Support Vector Machine Learning</a:t>
-            </a:r>
-          </a:p>
-        </p:txBody>
-      </p:sp>
-      <p:sp>
-        <p:nvSpPr>
-          <p:cNvPr id="3" name="Content Placeholder 2">
-            <a:extLst>
-              <a:ext uri="{FF2B5EF4-FFF2-40B4-BE49-F238E27FC236}">
-                <a16:creationId xmlns:a16="http://schemas.microsoft.com/office/drawing/2014/main" id="{1610FE8D-2E34-4342-A916-EFCAE9BFF255}"/>
-              </a:ext>
-            </a:extLst>
-          </p:cNvPr>
-          <p:cNvSpPr>
-            <a:spLocks noGrp="1"/>
-          </p:cNvSpPr>
-          <p:nvPr>
-            <p:ph idx="1"/>
-          </p:nvPr>
-        </p:nvSpPr>
-        <p:spPr/>
-        <p:txBody>
-          <a:bodyPr/>
-          <a:lstStyle/>
-          <a:p>
-            <a:endParaRPr lang="en-US"/>
+              <a:t>Functional connectivity independent on time</a:t>
+            </a:r>
+          </a:p>
+          <a:p>
+            <a:r>
+              <a:rPr lang="en-US" dirty="0"/>
+              <a:t>Functional connectivity matched for time</a:t>
+            </a:r>
           </a:p>
         </p:txBody>
       </p:sp>
     </p:spTree>
     <p:extLst>
       <p:ext uri="{BB962C8B-B14F-4D97-AF65-F5344CB8AC3E}">
-        <p14:creationId xmlns:p14="http://schemas.microsoft.com/office/powerpoint/2010/main" val="3271032793"/>
+        <p14:creationId xmlns:p14="http://schemas.microsoft.com/office/powerpoint/2010/main" val="1445629102"/>
       </p:ext>
     </p:extLst>
   </p:cSld>
@@ -4399,7 +4622,7 @@
           <p:cNvPr id="2" name="Title 1">
             <a:extLst>
               <a:ext uri="{FF2B5EF4-FFF2-40B4-BE49-F238E27FC236}">
-                <a16:creationId xmlns:a16="http://schemas.microsoft.com/office/drawing/2014/main" id="{CC3D2C63-AE77-4642-9EDF-062CDF396658}"/>
+                <a16:creationId xmlns:a16="http://schemas.microsoft.com/office/drawing/2014/main" id="{881AB95C-E835-554A-B234-20B740E3ED0F}"/>
               </a:ext>
             </a:extLst>
           </p:cNvPr>
@@ -4417,7 +4640,7 @@
           <a:p>
             <a:r>
               <a:rPr lang="en-US" dirty="0"/>
-              <a:t>Logistic Regression</a:t>
+              <a:t>Support Vector Machine Learning</a:t>
             </a:r>
           </a:p>
         </p:txBody>
@@ -4427,7 +4650,7 @@
           <p:cNvPr id="3" name="Content Placeholder 2">
             <a:extLst>
               <a:ext uri="{FF2B5EF4-FFF2-40B4-BE49-F238E27FC236}">
-                <a16:creationId xmlns:a16="http://schemas.microsoft.com/office/drawing/2014/main" id="{5307167F-04AC-5C44-BFFE-5008F7095201}"/>
+                <a16:creationId xmlns:a16="http://schemas.microsoft.com/office/drawing/2014/main" id="{1610FE8D-2E34-4342-A916-EFCAE9BFF255}"/>
               </a:ext>
             </a:extLst>
           </p:cNvPr>
@@ -4450,7 +4673,7 @@
     </p:spTree>
     <p:extLst>
       <p:ext uri="{BB962C8B-B14F-4D97-AF65-F5344CB8AC3E}">
-        <p14:creationId xmlns:p14="http://schemas.microsoft.com/office/powerpoint/2010/main" val="3056901069"/>
+        <p14:creationId xmlns:p14="http://schemas.microsoft.com/office/powerpoint/2010/main" val="3271032793"/>
       </p:ext>
     </p:extLst>
   </p:cSld>
@@ -4482,7 +4705,7 @@
           <p:cNvPr id="2" name="Title 1">
             <a:extLst>
               <a:ext uri="{FF2B5EF4-FFF2-40B4-BE49-F238E27FC236}">
-                <a16:creationId xmlns:a16="http://schemas.microsoft.com/office/drawing/2014/main" id="{3C0801F1-9F75-8349-ABD1-AE94A1CC07A3}"/>
+                <a16:creationId xmlns:a16="http://schemas.microsoft.com/office/drawing/2014/main" id="{CC3D2C63-AE77-4642-9EDF-062CDF396658}"/>
               </a:ext>
             </a:extLst>
           </p:cNvPr>
@@ -4500,7 +4723,7 @@
           <a:p>
             <a:r>
               <a:rPr lang="en-US" dirty="0"/>
-              <a:t>Ridge Regression</a:t>
+              <a:t>Logistic Regression</a:t>
             </a:r>
           </a:p>
         </p:txBody>
@@ -4510,7 +4733,7 @@
           <p:cNvPr id="3" name="Content Placeholder 2">
             <a:extLst>
               <a:ext uri="{FF2B5EF4-FFF2-40B4-BE49-F238E27FC236}">
-                <a16:creationId xmlns:a16="http://schemas.microsoft.com/office/drawing/2014/main" id="{17E0E932-7040-9F40-B9EC-1E6D08247215}"/>
+                <a16:creationId xmlns:a16="http://schemas.microsoft.com/office/drawing/2014/main" id="{5307167F-04AC-5C44-BFFE-5008F7095201}"/>
               </a:ext>
             </a:extLst>
           </p:cNvPr>
@@ -4533,7 +4756,7 @@
     </p:spTree>
     <p:extLst>
       <p:ext uri="{BB962C8B-B14F-4D97-AF65-F5344CB8AC3E}">
-        <p14:creationId xmlns:p14="http://schemas.microsoft.com/office/powerpoint/2010/main" val="3080609975"/>
+        <p14:creationId xmlns:p14="http://schemas.microsoft.com/office/powerpoint/2010/main" val="3056901069"/>
       </p:ext>
     </p:extLst>
   </p:cSld>
@@ -4565,7 +4788,7 @@
           <p:cNvPr id="2" name="Title 1">
             <a:extLst>
               <a:ext uri="{FF2B5EF4-FFF2-40B4-BE49-F238E27FC236}">
-                <a16:creationId xmlns:a16="http://schemas.microsoft.com/office/drawing/2014/main" id="{2D688D31-140C-514C-A51B-652CF1F0A2CB}"/>
+                <a16:creationId xmlns:a16="http://schemas.microsoft.com/office/drawing/2014/main" id="{3C0801F1-9F75-8349-ABD1-AE94A1CC07A3}"/>
               </a:ext>
             </a:extLst>
           </p:cNvPr>
@@ -4583,110 +4806,40 @@
           <a:p>
             <a:r>
               <a:rPr lang="en-US" dirty="0"/>
-              <a:t>Internal Validation of Model </a:t>
-            </a:r>
-          </a:p>
-        </p:txBody>
-      </p:sp>
-      <p:pic>
-        <p:nvPicPr>
-          <p:cNvPr id="5" name="Picture 4">
-            <a:extLst>
-              <a:ext uri="{FF2B5EF4-FFF2-40B4-BE49-F238E27FC236}">
-                <a16:creationId xmlns:a16="http://schemas.microsoft.com/office/drawing/2014/main" id="{4C4B9DFA-A7D9-9D48-BEE9-5AC397275421}"/>
-              </a:ext>
-            </a:extLst>
-          </p:cNvPr>
-          <p:cNvPicPr>
-            <a:picLocks noChangeAspect="1"/>
-          </p:cNvPicPr>
-          <p:nvPr/>
-        </p:nvPicPr>
-        <p:blipFill>
-          <a:blip r:embed="rId2"/>
-          <a:stretch>
-            <a:fillRect/>
-          </a:stretch>
-        </p:blipFill>
-        <p:spPr>
-          <a:xfrm>
-            <a:off x="8576482" y="164035"/>
-            <a:ext cx="3335379" cy="2773556"/>
-          </a:xfrm>
-          <a:prstGeom prst="rect">
-            <a:avLst/>
-          </a:prstGeom>
-        </p:spPr>
-      </p:pic>
-      <p:sp>
-        <p:nvSpPr>
-          <p:cNvPr id="6" name="TextBox 5">
-            <a:extLst>
-              <a:ext uri="{FF2B5EF4-FFF2-40B4-BE49-F238E27FC236}">
-                <a16:creationId xmlns:a16="http://schemas.microsoft.com/office/drawing/2014/main" id="{29FC51CF-9749-BA47-9781-72DFFCA6B8B3}"/>
-              </a:ext>
-            </a:extLst>
-          </p:cNvPr>
-          <p:cNvSpPr txBox="1"/>
-          <p:nvPr/>
-        </p:nvSpPr>
-        <p:spPr>
-          <a:xfrm>
-            <a:off x="8746113" y="353042"/>
-            <a:ext cx="1498059" cy="338554"/>
-          </a:xfrm>
-          <a:prstGeom prst="rect">
-            <a:avLst/>
-          </a:prstGeom>
-          <a:noFill/>
-        </p:spPr>
-        <p:txBody>
-          <a:bodyPr wrap="square" rtlCol="0">
-            <a:spAutoFit/>
-          </a:bodyPr>
-          <a:lstStyle/>
-          <a:p>
-            <a:r>
-              <a:rPr lang="en-US" sz="1600" dirty="0"/>
-              <a:t>Cross Validation</a:t>
-            </a:r>
-          </a:p>
-        </p:txBody>
-      </p:sp>
-      <p:pic>
-        <p:nvPicPr>
-          <p:cNvPr id="4" name="Picture 3">
-            <a:extLst>
-              <a:ext uri="{FF2B5EF4-FFF2-40B4-BE49-F238E27FC236}">
-                <a16:creationId xmlns:a16="http://schemas.microsoft.com/office/drawing/2014/main" id="{54AB8E90-FBB2-E142-ACF2-03172062F210}"/>
-              </a:ext>
-            </a:extLst>
-          </p:cNvPr>
-          <p:cNvPicPr>
-            <a:picLocks noChangeAspect="1"/>
-          </p:cNvPicPr>
-          <p:nvPr/>
-        </p:nvPicPr>
-        <p:blipFill>
-          <a:blip r:embed="rId3"/>
-          <a:stretch>
-            <a:fillRect/>
-          </a:stretch>
-        </p:blipFill>
-        <p:spPr>
-          <a:xfrm>
-            <a:off x="504810" y="1891778"/>
-            <a:ext cx="7643323" cy="4294188"/>
-          </a:xfrm>
-          <a:prstGeom prst="rect">
-            <a:avLst/>
-          </a:prstGeom>
-        </p:spPr>
-      </p:pic>
+              <a:t>Ridge Regression</a:t>
+            </a:r>
+          </a:p>
+        </p:txBody>
+      </p:sp>
+      <p:sp>
+        <p:nvSpPr>
+          <p:cNvPr id="3" name="Content Placeholder 2">
+            <a:extLst>
+              <a:ext uri="{FF2B5EF4-FFF2-40B4-BE49-F238E27FC236}">
+                <a16:creationId xmlns:a16="http://schemas.microsoft.com/office/drawing/2014/main" id="{17E0E932-7040-9F40-B9EC-1E6D08247215}"/>
+              </a:ext>
+            </a:extLst>
+          </p:cNvPr>
+          <p:cNvSpPr>
+            <a:spLocks noGrp="1"/>
+          </p:cNvSpPr>
+          <p:nvPr>
+            <p:ph idx="1"/>
+          </p:nvPr>
+        </p:nvSpPr>
+        <p:spPr/>
+        <p:txBody>
+          <a:bodyPr/>
+          <a:lstStyle/>
+          <a:p>
+            <a:endParaRPr lang="en-US"/>
+          </a:p>
+        </p:txBody>
+      </p:sp>
     </p:spTree>
     <p:extLst>
       <p:ext uri="{BB962C8B-B14F-4D97-AF65-F5344CB8AC3E}">
-        <p14:creationId xmlns:p14="http://schemas.microsoft.com/office/powerpoint/2010/main" val="4143652669"/>
+        <p14:creationId xmlns:p14="http://schemas.microsoft.com/office/powerpoint/2010/main" val="3080609975"/>
       </p:ext>
     </p:extLst>
   </p:cSld>
@@ -4718,7 +4871,7 @@
           <p:cNvPr id="2" name="Title 1">
             <a:extLst>
               <a:ext uri="{FF2B5EF4-FFF2-40B4-BE49-F238E27FC236}">
-                <a16:creationId xmlns:a16="http://schemas.microsoft.com/office/drawing/2014/main" id="{195ED5CE-821E-8B4A-A08C-F302397FA83C}"/>
+                <a16:creationId xmlns:a16="http://schemas.microsoft.com/office/drawing/2014/main" id="{2D688D31-140C-514C-A51B-652CF1F0A2CB}"/>
               </a:ext>
             </a:extLst>
           </p:cNvPr>
@@ -4731,24 +4884,22 @@
         </p:nvSpPr>
         <p:spPr/>
         <p:txBody>
-          <a:bodyPr>
-            <a:normAutofit/>
-          </a:bodyPr>
-          <a:lstStyle/>
-          <a:p>
-            <a:r>
-              <a:rPr lang="en-US" sz="3200" dirty="0"/>
-              <a:t>Same Subject, Between Task</a:t>
+          <a:bodyPr/>
+          <a:lstStyle/>
+          <a:p>
+            <a:r>
+              <a:rPr lang="en-US" dirty="0"/>
+              <a:t>Internal Validation of Model </a:t>
             </a:r>
           </a:p>
         </p:txBody>
       </p:sp>
       <p:pic>
         <p:nvPicPr>
-          <p:cNvPr id="4" name="Picture 3">
-            <a:extLst>
-              <a:ext uri="{FF2B5EF4-FFF2-40B4-BE49-F238E27FC236}">
-                <a16:creationId xmlns:a16="http://schemas.microsoft.com/office/drawing/2014/main" id="{2AF72CE0-CD59-1746-9B0D-03623F8CF9FF}"/>
+          <p:cNvPr id="5" name="Picture 4">
+            <a:extLst>
+              <a:ext uri="{FF2B5EF4-FFF2-40B4-BE49-F238E27FC236}">
+                <a16:creationId xmlns:a16="http://schemas.microsoft.com/office/drawing/2014/main" id="{4C4B9DFA-A7D9-9D48-BEE9-5AC397275421}"/>
               </a:ext>
             </a:extLst>
           </p:cNvPr>
@@ -4765,20 +4916,55 @@
         </p:blipFill>
         <p:spPr>
           <a:xfrm>
-            <a:off x="6463982" y="365125"/>
-            <a:ext cx="2303255" cy="1147181"/>
+            <a:off x="8576482" y="164035"/>
+            <a:ext cx="3335379" cy="2773556"/>
           </a:xfrm>
           <a:prstGeom prst="rect">
             <a:avLst/>
           </a:prstGeom>
         </p:spPr>
       </p:pic>
+      <p:sp>
+        <p:nvSpPr>
+          <p:cNvPr id="6" name="TextBox 5">
+            <a:extLst>
+              <a:ext uri="{FF2B5EF4-FFF2-40B4-BE49-F238E27FC236}">
+                <a16:creationId xmlns:a16="http://schemas.microsoft.com/office/drawing/2014/main" id="{29FC51CF-9749-BA47-9781-72DFFCA6B8B3}"/>
+              </a:ext>
+            </a:extLst>
+          </p:cNvPr>
+          <p:cNvSpPr txBox="1"/>
+          <p:nvPr/>
+        </p:nvSpPr>
+        <p:spPr>
+          <a:xfrm>
+            <a:off x="8746113" y="353042"/>
+            <a:ext cx="1498059" cy="338554"/>
+          </a:xfrm>
+          <a:prstGeom prst="rect">
+            <a:avLst/>
+          </a:prstGeom>
+          <a:noFill/>
+        </p:spPr>
+        <p:txBody>
+          <a:bodyPr wrap="square" rtlCol="0">
+            <a:spAutoFit/>
+          </a:bodyPr>
+          <a:lstStyle/>
+          <a:p>
+            <a:r>
+              <a:rPr lang="en-US" sz="1600" dirty="0"/>
+              <a:t>Cross Validation</a:t>
+            </a:r>
+          </a:p>
+        </p:txBody>
+      </p:sp>
       <p:pic>
         <p:nvPicPr>
-          <p:cNvPr id="5" name="Picture 4">
-            <a:extLst>
-              <a:ext uri="{FF2B5EF4-FFF2-40B4-BE49-F238E27FC236}">
-                <a16:creationId xmlns:a16="http://schemas.microsoft.com/office/drawing/2014/main" id="{AB76C223-56A7-0C4C-9B74-481FEAD69F03}"/>
+          <p:cNvPr id="4" name="Picture 3">
+            <a:extLst>
+              <a:ext uri="{FF2B5EF4-FFF2-40B4-BE49-F238E27FC236}">
+                <a16:creationId xmlns:a16="http://schemas.microsoft.com/office/drawing/2014/main" id="{54AB8E90-FBB2-E142-ACF2-03172062F210}"/>
               </a:ext>
             </a:extLst>
           </p:cNvPr>
@@ -4795,98 +4981,8 @@
         </p:blipFill>
         <p:spPr>
           <a:xfrm>
-            <a:off x="6734707" y="631525"/>
-            <a:ext cx="579360" cy="559458"/>
-          </a:xfrm>
-          <a:prstGeom prst="rect">
-            <a:avLst/>
-          </a:prstGeom>
-        </p:spPr>
-      </p:pic>
-      <p:pic>
-        <p:nvPicPr>
-          <p:cNvPr id="6" name="Picture 5">
-            <a:extLst>
-              <a:ext uri="{FF2B5EF4-FFF2-40B4-BE49-F238E27FC236}">
-                <a16:creationId xmlns:a16="http://schemas.microsoft.com/office/drawing/2014/main" id="{94D54403-0CEA-EA41-9405-9828372C2532}"/>
-              </a:ext>
-            </a:extLst>
-          </p:cNvPr>
-          <p:cNvPicPr>
-            <a:picLocks noChangeAspect="1"/>
-          </p:cNvPicPr>
-          <p:nvPr/>
-        </p:nvPicPr>
-        <p:blipFill>
-          <a:blip r:embed="rId2"/>
-          <a:stretch>
-            <a:fillRect/>
-          </a:stretch>
-        </p:blipFill>
-        <p:spPr>
-          <a:xfrm>
-            <a:off x="9050545" y="365125"/>
-            <a:ext cx="2303255" cy="1147181"/>
-          </a:xfrm>
-          <a:prstGeom prst="rect">
-            <a:avLst/>
-          </a:prstGeom>
-        </p:spPr>
-      </p:pic>
-      <p:pic>
-        <p:nvPicPr>
-          <p:cNvPr id="7" name="Picture 6">
-            <a:extLst>
-              <a:ext uri="{FF2B5EF4-FFF2-40B4-BE49-F238E27FC236}">
-                <a16:creationId xmlns:a16="http://schemas.microsoft.com/office/drawing/2014/main" id="{2311CE01-07D5-1748-B5EF-18418385570B}"/>
-              </a:ext>
-            </a:extLst>
-          </p:cNvPr>
-          <p:cNvPicPr>
-            <a:picLocks noChangeAspect="1"/>
-          </p:cNvPicPr>
-          <p:nvPr/>
-        </p:nvPicPr>
-        <p:blipFill>
-          <a:blip r:embed="rId4"/>
-          <a:stretch>
-            <a:fillRect/>
-          </a:stretch>
-        </p:blipFill>
-        <p:spPr>
-          <a:xfrm>
-            <a:off x="9372902" y="669432"/>
-            <a:ext cx="545962" cy="397742"/>
-          </a:xfrm>
-          <a:prstGeom prst="rect">
-            <a:avLst/>
-          </a:prstGeom>
-        </p:spPr>
-      </p:pic>
-      <p:pic>
-        <p:nvPicPr>
-          <p:cNvPr id="8" name="Picture 7">
-            <a:extLst>
-              <a:ext uri="{FF2B5EF4-FFF2-40B4-BE49-F238E27FC236}">
-                <a16:creationId xmlns:a16="http://schemas.microsoft.com/office/drawing/2014/main" id="{EF075B17-1EE5-D346-8474-58C4C4155E09}"/>
-              </a:ext>
-            </a:extLst>
-          </p:cNvPr>
-          <p:cNvPicPr>
-            <a:picLocks noChangeAspect="1"/>
-          </p:cNvPicPr>
-          <p:nvPr/>
-        </p:nvPicPr>
-        <p:blipFill>
-          <a:blip r:embed="rId5"/>
-          <a:stretch>
-            <a:fillRect/>
-          </a:stretch>
-        </p:blipFill>
-        <p:spPr>
-          <a:xfrm>
-            <a:off x="280061" y="2052535"/>
-            <a:ext cx="7525793" cy="4203597"/>
+            <a:off x="504810" y="1891778"/>
+            <a:ext cx="7643323" cy="4294188"/>
           </a:xfrm>
           <a:prstGeom prst="rect">
             <a:avLst/>
@@ -4896,7 +4992,7 @@
     </p:spTree>
     <p:extLst>
       <p:ext uri="{BB962C8B-B14F-4D97-AF65-F5344CB8AC3E}">
-        <p14:creationId xmlns:p14="http://schemas.microsoft.com/office/powerpoint/2010/main" val="1311489992"/>
+        <p14:creationId xmlns:p14="http://schemas.microsoft.com/office/powerpoint/2010/main" val="4143652669"/>
       </p:ext>
     </p:extLst>
   </p:cSld>
@@ -4928,7 +5024,7 @@
           <p:cNvPr id="2" name="Title 1">
             <a:extLst>
               <a:ext uri="{FF2B5EF4-FFF2-40B4-BE49-F238E27FC236}">
-                <a16:creationId xmlns:a16="http://schemas.microsoft.com/office/drawing/2014/main" id="{1D3A34D6-73C8-3046-A9F9-E75648BC7417}"/>
+                <a16:creationId xmlns:a16="http://schemas.microsoft.com/office/drawing/2014/main" id="{195ED5CE-821E-8B4A-A08C-F302397FA83C}"/>
               </a:ext>
             </a:extLst>
           </p:cNvPr>
@@ -4948,33 +5044,8 @@
           <a:p>
             <a:r>
               <a:rPr lang="en-US" sz="3200" dirty="0"/>
-              <a:t>Different subject same task</a:t>
-            </a:r>
-          </a:p>
-        </p:txBody>
-      </p:sp>
-      <p:sp>
-        <p:nvSpPr>
-          <p:cNvPr id="3" name="Content Placeholder 2">
-            <a:extLst>
-              <a:ext uri="{FF2B5EF4-FFF2-40B4-BE49-F238E27FC236}">
-                <a16:creationId xmlns:a16="http://schemas.microsoft.com/office/drawing/2014/main" id="{1CCC7112-BBF7-184F-B5F0-BABF4019D9C6}"/>
-              </a:ext>
-            </a:extLst>
-          </p:cNvPr>
-          <p:cNvSpPr>
-            <a:spLocks noGrp="1"/>
-          </p:cNvSpPr>
-          <p:nvPr>
-            <p:ph idx="1"/>
-          </p:nvPr>
-        </p:nvSpPr>
-        <p:spPr/>
-        <p:txBody>
-          <a:bodyPr/>
-          <a:lstStyle/>
-          <a:p>
-            <a:endParaRPr lang="en-US"/>
+              <a:t>Same Subject, Between Task</a:t>
+            </a:r>
           </a:p>
         </p:txBody>
       </p:sp>
@@ -4983,7 +5054,7 @@
           <p:cNvPr id="4" name="Picture 3">
             <a:extLst>
               <a:ext uri="{FF2B5EF4-FFF2-40B4-BE49-F238E27FC236}">
-                <a16:creationId xmlns:a16="http://schemas.microsoft.com/office/drawing/2014/main" id="{1D957839-2FC7-B741-93C2-E28EBFF89620}"/>
+                <a16:creationId xmlns:a16="http://schemas.microsoft.com/office/drawing/2014/main" id="{2AF72CE0-CD59-1746-9B0D-03623F8CF9FF}"/>
               </a:ext>
             </a:extLst>
           </p:cNvPr>
@@ -5000,8 +5071,8 @@
         </p:blipFill>
         <p:spPr>
           <a:xfrm>
-            <a:off x="7128240" y="441371"/>
-            <a:ext cx="2241613" cy="1145440"/>
+            <a:off x="6463982" y="365125"/>
+            <a:ext cx="2303255" cy="1147181"/>
           </a:xfrm>
           <a:prstGeom prst="rect">
             <a:avLst/>
@@ -5013,7 +5084,7 @@
           <p:cNvPr id="5" name="Picture 4">
             <a:extLst>
               <a:ext uri="{FF2B5EF4-FFF2-40B4-BE49-F238E27FC236}">
-                <a16:creationId xmlns:a16="http://schemas.microsoft.com/office/drawing/2014/main" id="{E345A4C6-47E9-6A48-A3F8-91F34C8F4754}"/>
+                <a16:creationId xmlns:a16="http://schemas.microsoft.com/office/drawing/2014/main" id="{AB76C223-56A7-0C4C-9B74-481FEAD69F03}"/>
               </a:ext>
             </a:extLst>
           </p:cNvPr>
@@ -5030,8 +5101,8 @@
         </p:blipFill>
         <p:spPr>
           <a:xfrm>
-            <a:off x="8508908" y="761984"/>
-            <a:ext cx="545134" cy="397139"/>
+            <a:off x="6734707" y="631525"/>
+            <a:ext cx="579360" cy="559458"/>
           </a:xfrm>
           <a:prstGeom prst="rect">
             <a:avLst/>
@@ -5043,7 +5114,37 @@
           <p:cNvPr id="6" name="Picture 5">
             <a:extLst>
               <a:ext uri="{FF2B5EF4-FFF2-40B4-BE49-F238E27FC236}">
-                <a16:creationId xmlns:a16="http://schemas.microsoft.com/office/drawing/2014/main" id="{71AA2547-BB1D-1041-B90C-8DB365870AC9}"/>
+                <a16:creationId xmlns:a16="http://schemas.microsoft.com/office/drawing/2014/main" id="{94D54403-0CEA-EA41-9405-9828372C2532}"/>
+              </a:ext>
+            </a:extLst>
+          </p:cNvPr>
+          <p:cNvPicPr>
+            <a:picLocks noChangeAspect="1"/>
+          </p:cNvPicPr>
+          <p:nvPr/>
+        </p:nvPicPr>
+        <p:blipFill>
+          <a:blip r:embed="rId2"/>
+          <a:stretch>
+            <a:fillRect/>
+          </a:stretch>
+        </p:blipFill>
+        <p:spPr>
+          <a:xfrm>
+            <a:off x="9050545" y="365125"/>
+            <a:ext cx="2303255" cy="1147181"/>
+          </a:xfrm>
+          <a:prstGeom prst="rect">
+            <a:avLst/>
+          </a:prstGeom>
+        </p:spPr>
+      </p:pic>
+      <p:pic>
+        <p:nvPicPr>
+          <p:cNvPr id="7" name="Picture 6">
+            <a:extLst>
+              <a:ext uri="{FF2B5EF4-FFF2-40B4-BE49-F238E27FC236}">
+                <a16:creationId xmlns:a16="http://schemas.microsoft.com/office/drawing/2014/main" id="{2311CE01-07D5-1748-B5EF-18418385570B}"/>
               </a:ext>
             </a:extLst>
           </p:cNvPr>
@@ -5060,8 +5161,8 @@
         </p:blipFill>
         <p:spPr>
           <a:xfrm>
-            <a:off x="9586469" y="441371"/>
-            <a:ext cx="2299758" cy="1145440"/>
+            <a:off x="9372902" y="669432"/>
+            <a:ext cx="545962" cy="397742"/>
           </a:xfrm>
           <a:prstGeom prst="rect">
             <a:avLst/>
@@ -5070,10 +5171,10 @@
       </p:pic>
       <p:pic>
         <p:nvPicPr>
-          <p:cNvPr id="7" name="Picture 6">
-            <a:extLst>
-              <a:ext uri="{FF2B5EF4-FFF2-40B4-BE49-F238E27FC236}">
-                <a16:creationId xmlns:a16="http://schemas.microsoft.com/office/drawing/2014/main" id="{F15E4A10-0663-364B-BCCE-D05742C90761}"/>
+          <p:cNvPr id="11" name="Picture 10">
+            <a:extLst>
+              <a:ext uri="{FF2B5EF4-FFF2-40B4-BE49-F238E27FC236}">
+                <a16:creationId xmlns:a16="http://schemas.microsoft.com/office/drawing/2014/main" id="{733BA769-C0F2-8B4D-B5FB-305EC6A3D427}"/>
               </a:ext>
             </a:extLst>
           </p:cNvPr>
@@ -5083,15 +5184,15 @@
           <p:nvPr/>
         </p:nvPicPr>
         <p:blipFill>
-          <a:blip r:embed="rId3"/>
+          <a:blip r:embed="rId5"/>
           <a:stretch>
             <a:fillRect/>
           </a:stretch>
         </p:blipFill>
         <p:spPr>
           <a:xfrm>
-            <a:off x="9867108" y="761984"/>
-            <a:ext cx="545134" cy="397139"/>
+            <a:off x="528833" y="2225391"/>
+            <a:ext cx="11134334" cy="3587580"/>
           </a:xfrm>
           <a:prstGeom prst="rect">
             <a:avLst/>
@@ -5101,7 +5202,7 @@
     </p:spTree>
     <p:extLst>
       <p:ext uri="{BB962C8B-B14F-4D97-AF65-F5344CB8AC3E}">
-        <p14:creationId xmlns:p14="http://schemas.microsoft.com/office/powerpoint/2010/main" val="3198958329"/>
+        <p14:creationId xmlns:p14="http://schemas.microsoft.com/office/powerpoint/2010/main" val="1311489992"/>
       </p:ext>
     </p:extLst>
   </p:cSld>

--- a/analysis/output/mL/presentation/updated_mL.pptx
+++ b/analysis/output/mL/presentation/updated_mL.pptx
@@ -17,6 +17,11 @@
     <p:sldId id="263" r:id="rId11"/>
     <p:sldId id="264" r:id="rId12"/>
     <p:sldId id="265" r:id="rId13"/>
+    <p:sldId id="269" r:id="rId14"/>
+    <p:sldId id="270" r:id="rId15"/>
+    <p:sldId id="271" r:id="rId16"/>
+    <p:sldId id="272" r:id="rId17"/>
+    <p:sldId id="268" r:id="rId18"/>
   </p:sldIdLst>
   <p:sldSz cx="12192000" cy="6858000"/>
   <p:notesSz cx="6858000" cy="9144000"/>
@@ -270,7 +275,7 @@
           <a:p>
             <a:fld id="{30E6044F-6CD6-FA47-BEE6-35ACDD53B394}" type="datetimeFigureOut">
               <a:rPr lang="en-US" smtClean="0"/>
-              <a:t>5/19/20</a:t>
+              <a:t>5/21/20</a:t>
             </a:fld>
             <a:endParaRPr lang="en-US"/>
           </a:p>
@@ -468,7 +473,7 @@
           <a:p>
             <a:fld id="{30E6044F-6CD6-FA47-BEE6-35ACDD53B394}" type="datetimeFigureOut">
               <a:rPr lang="en-US" smtClean="0"/>
-              <a:t>5/19/20</a:t>
+              <a:t>5/21/20</a:t>
             </a:fld>
             <a:endParaRPr lang="en-US"/>
           </a:p>
@@ -676,7 +681,7 @@
           <a:p>
             <a:fld id="{30E6044F-6CD6-FA47-BEE6-35ACDD53B394}" type="datetimeFigureOut">
               <a:rPr lang="en-US" smtClean="0"/>
-              <a:t>5/19/20</a:t>
+              <a:t>5/21/20</a:t>
             </a:fld>
             <a:endParaRPr lang="en-US"/>
           </a:p>
@@ -874,7 +879,7 @@
           <a:p>
             <a:fld id="{30E6044F-6CD6-FA47-BEE6-35ACDD53B394}" type="datetimeFigureOut">
               <a:rPr lang="en-US" smtClean="0"/>
-              <a:t>5/19/20</a:t>
+              <a:t>5/21/20</a:t>
             </a:fld>
             <a:endParaRPr lang="en-US"/>
           </a:p>
@@ -1149,7 +1154,7 @@
           <a:p>
             <a:fld id="{30E6044F-6CD6-FA47-BEE6-35ACDD53B394}" type="datetimeFigureOut">
               <a:rPr lang="en-US" smtClean="0"/>
-              <a:t>5/19/20</a:t>
+              <a:t>5/21/20</a:t>
             </a:fld>
             <a:endParaRPr lang="en-US"/>
           </a:p>
@@ -1414,7 +1419,7 @@
           <a:p>
             <a:fld id="{30E6044F-6CD6-FA47-BEE6-35ACDD53B394}" type="datetimeFigureOut">
               <a:rPr lang="en-US" smtClean="0"/>
-              <a:t>5/19/20</a:t>
+              <a:t>5/21/20</a:t>
             </a:fld>
             <a:endParaRPr lang="en-US"/>
           </a:p>
@@ -1826,7 +1831,7 @@
           <a:p>
             <a:fld id="{30E6044F-6CD6-FA47-BEE6-35ACDD53B394}" type="datetimeFigureOut">
               <a:rPr lang="en-US" smtClean="0"/>
-              <a:t>5/19/20</a:t>
+              <a:t>5/21/20</a:t>
             </a:fld>
             <a:endParaRPr lang="en-US"/>
           </a:p>
@@ -1967,7 +1972,7 @@
           <a:p>
             <a:fld id="{30E6044F-6CD6-FA47-BEE6-35ACDD53B394}" type="datetimeFigureOut">
               <a:rPr lang="en-US" smtClean="0"/>
-              <a:t>5/19/20</a:t>
+              <a:t>5/21/20</a:t>
             </a:fld>
             <a:endParaRPr lang="en-US"/>
           </a:p>
@@ -2080,7 +2085,7 @@
           <a:p>
             <a:fld id="{30E6044F-6CD6-FA47-BEE6-35ACDD53B394}" type="datetimeFigureOut">
               <a:rPr lang="en-US" smtClean="0"/>
-              <a:t>5/19/20</a:t>
+              <a:t>5/21/20</a:t>
             </a:fld>
             <a:endParaRPr lang="en-US"/>
           </a:p>
@@ -2391,7 +2396,7 @@
           <a:p>
             <a:fld id="{30E6044F-6CD6-FA47-BEE6-35ACDD53B394}" type="datetimeFigureOut">
               <a:rPr lang="en-US" smtClean="0"/>
-              <a:t>5/19/20</a:t>
+              <a:t>5/21/20</a:t>
             </a:fld>
             <a:endParaRPr lang="en-US"/>
           </a:p>
@@ -2679,7 +2684,7 @@
           <a:p>
             <a:fld id="{30E6044F-6CD6-FA47-BEE6-35ACDD53B394}" type="datetimeFigureOut">
               <a:rPr lang="en-US" smtClean="0"/>
-              <a:t>5/19/20</a:t>
+              <a:t>5/21/20</a:t>
             </a:fld>
             <a:endParaRPr lang="en-US"/>
           </a:p>
@@ -2920,7 +2925,7 @@
           <a:p>
             <a:fld id="{30E6044F-6CD6-FA47-BEE6-35ACDD53B394}" type="datetimeFigureOut">
               <a:rPr lang="en-US" smtClean="0"/>
-              <a:t>5/19/20</a:t>
+              <a:t>5/21/20</a:t>
             </a:fld>
             <a:endParaRPr lang="en-US"/>
           </a:p>
@@ -3548,10 +3553,10 @@
       </p:pic>
       <p:pic>
         <p:nvPicPr>
-          <p:cNvPr id="17" name="Picture 16">
-            <a:extLst>
-              <a:ext uri="{FF2B5EF4-FFF2-40B4-BE49-F238E27FC236}">
-                <a16:creationId xmlns:a16="http://schemas.microsoft.com/office/drawing/2014/main" id="{739D6127-9CFF-A348-A258-CEE295EE7D6C}"/>
+          <p:cNvPr id="4" name="Picture 3">
+            <a:extLst>
+              <a:ext uri="{FF2B5EF4-FFF2-40B4-BE49-F238E27FC236}">
+                <a16:creationId xmlns:a16="http://schemas.microsoft.com/office/drawing/2014/main" id="{C34BE948-57F6-1A42-B760-0379EA00C142}"/>
               </a:ext>
             </a:extLst>
           </p:cNvPr>
@@ -3568,8 +3573,8 @@
         </p:blipFill>
         <p:spPr>
           <a:xfrm>
-            <a:off x="1665514" y="1947331"/>
-            <a:ext cx="8507186" cy="4784715"/>
+            <a:off x="637413" y="1999269"/>
+            <a:ext cx="7882118" cy="4476905"/>
           </a:xfrm>
           <a:prstGeom prst="rect">
             <a:avLst/>
@@ -3762,10 +3767,10 @@
       </p:pic>
       <p:pic>
         <p:nvPicPr>
-          <p:cNvPr id="11" name="Picture 10">
-            <a:extLst>
-              <a:ext uri="{FF2B5EF4-FFF2-40B4-BE49-F238E27FC236}">
-                <a16:creationId xmlns:a16="http://schemas.microsoft.com/office/drawing/2014/main" id="{EA0E2716-0350-8545-8646-A405B487089C}"/>
+          <p:cNvPr id="6" name="Picture 5">
+            <a:extLst>
+              <a:ext uri="{FF2B5EF4-FFF2-40B4-BE49-F238E27FC236}">
+                <a16:creationId xmlns:a16="http://schemas.microsoft.com/office/drawing/2014/main" id="{283D1F8B-63DF-7E4C-9E57-DCBEDD3B7336}"/>
               </a:ext>
             </a:extLst>
           </p:cNvPr>
@@ -3782,8 +3787,8 @@
         </p:blipFill>
         <p:spPr>
           <a:xfrm>
-            <a:off x="1502228" y="1999269"/>
-            <a:ext cx="8583386" cy="4463569"/>
+            <a:off x="838200" y="1826973"/>
+            <a:ext cx="9091961" cy="4753496"/>
           </a:xfrm>
           <a:prstGeom prst="rect">
             <a:avLst/>
@@ -3841,7 +3846,10 @@
           <a:bodyPr/>
           <a:lstStyle/>
           <a:p>
-            <a:endParaRPr lang="en-US"/>
+            <a:r>
+              <a:rPr lang="en-US" dirty="0"/>
+              <a:t>Functional Connectivity Matched for Time</a:t>
+            </a:r>
           </a:p>
         </p:txBody>
       </p:sp>
@@ -3861,19 +3869,1847 @@
             <p:ph idx="1"/>
           </p:nvPr>
         </p:nvSpPr>
-        <p:spPr/>
+        <p:spPr>
+          <a:xfrm>
+            <a:off x="838200" y="1825625"/>
+            <a:ext cx="2150327" cy="4351338"/>
+          </a:xfrm>
+        </p:spPr>
         <p:txBody>
           <a:bodyPr/>
           <a:lstStyle/>
           <a:p>
-            <a:endParaRPr lang="en-US"/>
-          </a:p>
-        </p:txBody>
-      </p:sp>
+            <a:r>
+              <a:rPr lang="en-US" dirty="0"/>
+              <a:t>Motor</a:t>
+            </a:r>
+          </a:p>
+          <a:p>
+            <a:pPr marL="0" indent="0">
+              <a:buNone/>
+            </a:pPr>
+            <a:endParaRPr lang="en-US" dirty="0"/>
+          </a:p>
+          <a:p>
+            <a:r>
+              <a:rPr lang="en-US" dirty="0"/>
+              <a:t>Memory</a:t>
+            </a:r>
+          </a:p>
+          <a:p>
+            <a:pPr marL="0" indent="0">
+              <a:buNone/>
+            </a:pPr>
+            <a:endParaRPr lang="en-US" dirty="0"/>
+          </a:p>
+          <a:p>
+            <a:r>
+              <a:rPr lang="en-US" dirty="0"/>
+              <a:t>Mixed</a:t>
+            </a:r>
+          </a:p>
+          <a:p>
+            <a:pPr marL="0" indent="0">
+              <a:buNone/>
+            </a:pPr>
+            <a:endParaRPr lang="en-US" dirty="0"/>
+          </a:p>
+          <a:p>
+            <a:r>
+              <a:rPr lang="en-US" dirty="0"/>
+              <a:t>Rest </a:t>
+            </a:r>
+          </a:p>
+        </p:txBody>
+      </p:sp>
+      <p:sp>
+        <p:nvSpPr>
+          <p:cNvPr id="4" name="Content Placeholder 2">
+            <a:extLst>
+              <a:ext uri="{FF2B5EF4-FFF2-40B4-BE49-F238E27FC236}">
+                <a16:creationId xmlns:a16="http://schemas.microsoft.com/office/drawing/2014/main" id="{8E6889D8-986B-F24A-8039-5ED48F2E568F}"/>
+              </a:ext>
+            </a:extLst>
+          </p:cNvPr>
+          <p:cNvSpPr txBox="1">
+            <a:spLocks/>
+          </p:cNvSpPr>
+          <p:nvPr/>
+        </p:nvSpPr>
+        <p:spPr>
+          <a:xfrm>
+            <a:off x="8038170" y="1825625"/>
+            <a:ext cx="2150327" cy="4351338"/>
+          </a:xfrm>
+          <a:prstGeom prst="rect">
+            <a:avLst/>
+          </a:prstGeom>
+        </p:spPr>
+        <p:txBody>
+          <a:bodyPr vert="horz" lIns="91440" tIns="45720" rIns="91440" bIns="45720" rtlCol="0">
+            <a:normAutofit/>
+          </a:bodyPr>
+          <a:lstStyle>
+            <a:lvl1pPr marL="228600" indent="-228600" algn="l" defTabSz="914400" rtl="0" eaLnBrk="1" latinLnBrk="0" hangingPunct="1">
+              <a:lnSpc>
+                <a:spcPct val="90000"/>
+              </a:lnSpc>
+              <a:spcBef>
+                <a:spcPts val="1000"/>
+              </a:spcBef>
+              <a:buFont typeface="Arial" panose="020B0604020202020204" pitchFamily="34" charset="0"/>
+              <a:buChar char="•"/>
+              <a:defRPr sz="2800" kern="1200">
+                <a:solidFill>
+                  <a:schemeClr val="tx1"/>
+                </a:solidFill>
+                <a:latin typeface="+mn-lt"/>
+                <a:ea typeface="+mn-ea"/>
+                <a:cs typeface="+mn-cs"/>
+              </a:defRPr>
+            </a:lvl1pPr>
+            <a:lvl2pPr marL="685800" indent="-228600" algn="l" defTabSz="914400" rtl="0" eaLnBrk="1" latinLnBrk="0" hangingPunct="1">
+              <a:lnSpc>
+                <a:spcPct val="90000"/>
+              </a:lnSpc>
+              <a:spcBef>
+                <a:spcPts val="500"/>
+              </a:spcBef>
+              <a:buFont typeface="Arial" panose="020B0604020202020204" pitchFamily="34" charset="0"/>
+              <a:buChar char="•"/>
+              <a:defRPr sz="2400" kern="1200">
+                <a:solidFill>
+                  <a:schemeClr val="tx1"/>
+                </a:solidFill>
+                <a:latin typeface="+mn-lt"/>
+                <a:ea typeface="+mn-ea"/>
+                <a:cs typeface="+mn-cs"/>
+              </a:defRPr>
+            </a:lvl2pPr>
+            <a:lvl3pPr marL="1143000" indent="-228600" algn="l" defTabSz="914400" rtl="0" eaLnBrk="1" latinLnBrk="0" hangingPunct="1">
+              <a:lnSpc>
+                <a:spcPct val="90000"/>
+              </a:lnSpc>
+              <a:spcBef>
+                <a:spcPts val="500"/>
+              </a:spcBef>
+              <a:buFont typeface="Arial" panose="020B0604020202020204" pitchFamily="34" charset="0"/>
+              <a:buChar char="•"/>
+              <a:defRPr sz="2000" kern="1200">
+                <a:solidFill>
+                  <a:schemeClr val="tx1"/>
+                </a:solidFill>
+                <a:latin typeface="+mn-lt"/>
+                <a:ea typeface="+mn-ea"/>
+                <a:cs typeface="+mn-cs"/>
+              </a:defRPr>
+            </a:lvl3pPr>
+            <a:lvl4pPr marL="1600200" indent="-228600" algn="l" defTabSz="914400" rtl="0" eaLnBrk="1" latinLnBrk="0" hangingPunct="1">
+              <a:lnSpc>
+                <a:spcPct val="90000"/>
+              </a:lnSpc>
+              <a:spcBef>
+                <a:spcPts val="500"/>
+              </a:spcBef>
+              <a:buFont typeface="Arial" panose="020B0604020202020204" pitchFamily="34" charset="0"/>
+              <a:buChar char="•"/>
+              <a:defRPr sz="1800" kern="1200">
+                <a:solidFill>
+                  <a:schemeClr val="tx1"/>
+                </a:solidFill>
+                <a:latin typeface="+mn-lt"/>
+                <a:ea typeface="+mn-ea"/>
+                <a:cs typeface="+mn-cs"/>
+              </a:defRPr>
+            </a:lvl4pPr>
+            <a:lvl5pPr marL="2057400" indent="-228600" algn="l" defTabSz="914400" rtl="0" eaLnBrk="1" latinLnBrk="0" hangingPunct="1">
+              <a:lnSpc>
+                <a:spcPct val="90000"/>
+              </a:lnSpc>
+              <a:spcBef>
+                <a:spcPts val="500"/>
+              </a:spcBef>
+              <a:buFont typeface="Arial" panose="020B0604020202020204" pitchFamily="34" charset="0"/>
+              <a:buChar char="•"/>
+              <a:defRPr sz="1800" kern="1200">
+                <a:solidFill>
+                  <a:schemeClr val="tx1"/>
+                </a:solidFill>
+                <a:latin typeface="+mn-lt"/>
+                <a:ea typeface="+mn-ea"/>
+                <a:cs typeface="+mn-cs"/>
+              </a:defRPr>
+            </a:lvl5pPr>
+            <a:lvl6pPr marL="2514600" indent="-228600" algn="l" defTabSz="914400" rtl="0" eaLnBrk="1" latinLnBrk="0" hangingPunct="1">
+              <a:lnSpc>
+                <a:spcPct val="90000"/>
+              </a:lnSpc>
+              <a:spcBef>
+                <a:spcPts val="500"/>
+              </a:spcBef>
+              <a:buFont typeface="Arial" panose="020B0604020202020204" pitchFamily="34" charset="0"/>
+              <a:buChar char="•"/>
+              <a:defRPr sz="1800" kern="1200">
+                <a:solidFill>
+                  <a:schemeClr val="tx1"/>
+                </a:solidFill>
+                <a:latin typeface="+mn-lt"/>
+                <a:ea typeface="+mn-ea"/>
+                <a:cs typeface="+mn-cs"/>
+              </a:defRPr>
+            </a:lvl6pPr>
+            <a:lvl7pPr marL="2971800" indent="-228600" algn="l" defTabSz="914400" rtl="0" eaLnBrk="1" latinLnBrk="0" hangingPunct="1">
+              <a:lnSpc>
+                <a:spcPct val="90000"/>
+              </a:lnSpc>
+              <a:spcBef>
+                <a:spcPts val="500"/>
+              </a:spcBef>
+              <a:buFont typeface="Arial" panose="020B0604020202020204" pitchFamily="34" charset="0"/>
+              <a:buChar char="•"/>
+              <a:defRPr sz="1800" kern="1200">
+                <a:solidFill>
+                  <a:schemeClr val="tx1"/>
+                </a:solidFill>
+                <a:latin typeface="+mn-lt"/>
+                <a:ea typeface="+mn-ea"/>
+                <a:cs typeface="+mn-cs"/>
+              </a:defRPr>
+            </a:lvl7pPr>
+            <a:lvl8pPr marL="3429000" indent="-228600" algn="l" defTabSz="914400" rtl="0" eaLnBrk="1" latinLnBrk="0" hangingPunct="1">
+              <a:lnSpc>
+                <a:spcPct val="90000"/>
+              </a:lnSpc>
+              <a:spcBef>
+                <a:spcPts val="500"/>
+              </a:spcBef>
+              <a:buFont typeface="Arial" panose="020B0604020202020204" pitchFamily="34" charset="0"/>
+              <a:buChar char="•"/>
+              <a:defRPr sz="1800" kern="1200">
+                <a:solidFill>
+                  <a:schemeClr val="tx1"/>
+                </a:solidFill>
+                <a:latin typeface="+mn-lt"/>
+                <a:ea typeface="+mn-ea"/>
+                <a:cs typeface="+mn-cs"/>
+              </a:defRPr>
+            </a:lvl8pPr>
+            <a:lvl9pPr marL="3886200" indent="-228600" algn="l" defTabSz="914400" rtl="0" eaLnBrk="1" latinLnBrk="0" hangingPunct="1">
+              <a:lnSpc>
+                <a:spcPct val="90000"/>
+              </a:lnSpc>
+              <a:spcBef>
+                <a:spcPts val="500"/>
+              </a:spcBef>
+              <a:buFont typeface="Arial" panose="020B0604020202020204" pitchFamily="34" charset="0"/>
+              <a:buChar char="•"/>
+              <a:defRPr sz="1800" kern="1200">
+                <a:solidFill>
+                  <a:schemeClr val="tx1"/>
+                </a:solidFill>
+                <a:latin typeface="+mn-lt"/>
+                <a:ea typeface="+mn-ea"/>
+                <a:cs typeface="+mn-cs"/>
+              </a:defRPr>
+            </a:lvl9pPr>
+          </a:lstStyle>
+          <a:p>
+            <a:r>
+              <a:rPr lang="en-US" dirty="0"/>
+              <a:t>Motor</a:t>
+            </a:r>
+          </a:p>
+          <a:p>
+            <a:pPr marL="0" indent="0">
+              <a:buNone/>
+            </a:pPr>
+            <a:endParaRPr lang="en-US" dirty="0"/>
+          </a:p>
+          <a:p>
+            <a:r>
+              <a:rPr lang="en-US" dirty="0"/>
+              <a:t>Memory</a:t>
+            </a:r>
+          </a:p>
+          <a:p>
+            <a:pPr marL="0" indent="0">
+              <a:buNone/>
+            </a:pPr>
+            <a:endParaRPr lang="en-US" dirty="0"/>
+          </a:p>
+          <a:p>
+            <a:r>
+              <a:rPr lang="en-US" dirty="0"/>
+              <a:t>Mixed</a:t>
+            </a:r>
+          </a:p>
+          <a:p>
+            <a:pPr marL="0" indent="0">
+              <a:buNone/>
+            </a:pPr>
+            <a:endParaRPr lang="en-US" dirty="0"/>
+          </a:p>
+          <a:p>
+            <a:r>
+              <a:rPr lang="en-US" dirty="0"/>
+              <a:t>Rest </a:t>
+            </a:r>
+          </a:p>
+        </p:txBody>
+      </p:sp>
+      <p:pic>
+        <p:nvPicPr>
+          <p:cNvPr id="6" name="Picture 5">
+            <a:extLst>
+              <a:ext uri="{FF2B5EF4-FFF2-40B4-BE49-F238E27FC236}">
+                <a16:creationId xmlns:a16="http://schemas.microsoft.com/office/drawing/2014/main" id="{503E17E3-D32F-FA44-A2E1-1BDB938E0E8F}"/>
+              </a:ext>
+            </a:extLst>
+          </p:cNvPr>
+          <p:cNvPicPr>
+            <a:picLocks noChangeAspect="1"/>
+          </p:cNvPicPr>
+          <p:nvPr/>
+        </p:nvPicPr>
+        <p:blipFill rotWithShape="1">
+          <a:blip r:embed="rId2"/>
+          <a:srcRect r="41464" b="45317"/>
+          <a:stretch/>
+        </p:blipFill>
+        <p:spPr>
+          <a:xfrm>
+            <a:off x="2988527" y="4951698"/>
+            <a:ext cx="1373280" cy="1369222"/>
+          </a:xfrm>
+          <a:prstGeom prst="rect">
+            <a:avLst/>
+          </a:prstGeom>
+        </p:spPr>
+      </p:pic>
+      <p:pic>
+        <p:nvPicPr>
+          <p:cNvPr id="8" name="Picture 7">
+            <a:extLst>
+              <a:ext uri="{FF2B5EF4-FFF2-40B4-BE49-F238E27FC236}">
+                <a16:creationId xmlns:a16="http://schemas.microsoft.com/office/drawing/2014/main" id="{B4C9D2A6-CC64-374A-AF0C-2C5632268F79}"/>
+              </a:ext>
+            </a:extLst>
+          </p:cNvPr>
+          <p:cNvPicPr>
+            <a:picLocks noChangeAspect="1"/>
+          </p:cNvPicPr>
+          <p:nvPr/>
+        </p:nvPicPr>
+        <p:blipFill rotWithShape="1">
+          <a:blip r:embed="rId2"/>
+          <a:srcRect l="57451" t="11592" r="4059" b="51210"/>
+          <a:stretch/>
+        </p:blipFill>
+        <p:spPr>
+          <a:xfrm>
+            <a:off x="3419086" y="1377659"/>
+            <a:ext cx="942721" cy="972422"/>
+          </a:xfrm>
+          <a:prstGeom prst="rect">
+            <a:avLst/>
+          </a:prstGeom>
+        </p:spPr>
+      </p:pic>
+      <p:pic>
+        <p:nvPicPr>
+          <p:cNvPr id="9" name="Picture 8">
+            <a:extLst>
+              <a:ext uri="{FF2B5EF4-FFF2-40B4-BE49-F238E27FC236}">
+                <a16:creationId xmlns:a16="http://schemas.microsoft.com/office/drawing/2014/main" id="{6DF0E149-78E6-F84D-BFD6-AC3A5A188267}"/>
+              </a:ext>
+            </a:extLst>
+          </p:cNvPr>
+          <p:cNvPicPr>
+            <a:picLocks noChangeAspect="1"/>
+          </p:cNvPicPr>
+          <p:nvPr/>
+        </p:nvPicPr>
+        <p:blipFill rotWithShape="1">
+          <a:blip r:embed="rId2"/>
+          <a:srcRect l="50423" t="47667" r="9568" b="13657"/>
+          <a:stretch/>
+        </p:blipFill>
+        <p:spPr>
+          <a:xfrm>
+            <a:off x="3255227" y="2417549"/>
+            <a:ext cx="1106580" cy="1141702"/>
+          </a:xfrm>
+          <a:prstGeom prst="rect">
+            <a:avLst/>
+          </a:prstGeom>
+        </p:spPr>
+      </p:pic>
+      <p:pic>
+        <p:nvPicPr>
+          <p:cNvPr id="10" name="Picture 9">
+            <a:extLst>
+              <a:ext uri="{FF2B5EF4-FFF2-40B4-BE49-F238E27FC236}">
+                <a16:creationId xmlns:a16="http://schemas.microsoft.com/office/drawing/2014/main" id="{2290E300-2DB1-B447-9910-DCDBED00BCC4}"/>
+              </a:ext>
+            </a:extLst>
+          </p:cNvPr>
+          <p:cNvPicPr>
+            <a:picLocks noChangeAspect="1"/>
+          </p:cNvPicPr>
+          <p:nvPr/>
+        </p:nvPicPr>
+        <p:blipFill rotWithShape="1">
+          <a:blip r:embed="rId2"/>
+          <a:srcRect l="11420" t="54382" r="49484" b="8898"/>
+          <a:stretch/>
+        </p:blipFill>
+        <p:spPr>
+          <a:xfrm>
+            <a:off x="3108521" y="3626719"/>
+            <a:ext cx="1187189" cy="1190042"/>
+          </a:xfrm>
+          <a:prstGeom prst="rect">
+            <a:avLst/>
+          </a:prstGeom>
+        </p:spPr>
+      </p:pic>
+      <p:pic>
+        <p:nvPicPr>
+          <p:cNvPr id="11" name="Picture 10">
+            <a:extLst>
+              <a:ext uri="{FF2B5EF4-FFF2-40B4-BE49-F238E27FC236}">
+                <a16:creationId xmlns:a16="http://schemas.microsoft.com/office/drawing/2014/main" id="{1C3691EC-6961-A049-B567-37973655A45B}"/>
+              </a:ext>
+            </a:extLst>
+          </p:cNvPr>
+          <p:cNvPicPr>
+            <a:picLocks noChangeAspect="1"/>
+          </p:cNvPicPr>
+          <p:nvPr/>
+        </p:nvPicPr>
+        <p:blipFill rotWithShape="1">
+          <a:blip r:embed="rId2"/>
+          <a:srcRect l="57451" t="11592" r="4059" b="51210"/>
+          <a:stretch/>
+        </p:blipFill>
+        <p:spPr>
+          <a:xfrm>
+            <a:off x="10154998" y="1445127"/>
+            <a:ext cx="942721" cy="972422"/>
+          </a:xfrm>
+          <a:prstGeom prst="rect">
+            <a:avLst/>
+          </a:prstGeom>
+        </p:spPr>
+      </p:pic>
+      <p:pic>
+        <p:nvPicPr>
+          <p:cNvPr id="12" name="Picture 11">
+            <a:extLst>
+              <a:ext uri="{FF2B5EF4-FFF2-40B4-BE49-F238E27FC236}">
+                <a16:creationId xmlns:a16="http://schemas.microsoft.com/office/drawing/2014/main" id="{2733DDA4-5E20-294A-AAE8-7B753410F838}"/>
+              </a:ext>
+            </a:extLst>
+          </p:cNvPr>
+          <p:cNvPicPr>
+            <a:picLocks noChangeAspect="1"/>
+          </p:cNvPicPr>
+          <p:nvPr/>
+        </p:nvPicPr>
+        <p:blipFill rotWithShape="1">
+          <a:blip r:embed="rId2"/>
+          <a:srcRect l="57451" t="11592" r="4059" b="51210"/>
+          <a:stretch/>
+        </p:blipFill>
+        <p:spPr>
+          <a:xfrm>
+            <a:off x="10154998" y="2502189"/>
+            <a:ext cx="942721" cy="972422"/>
+          </a:xfrm>
+          <a:prstGeom prst="rect">
+            <a:avLst/>
+          </a:prstGeom>
+        </p:spPr>
+      </p:pic>
+      <p:pic>
+        <p:nvPicPr>
+          <p:cNvPr id="13" name="Picture 12">
+            <a:extLst>
+              <a:ext uri="{FF2B5EF4-FFF2-40B4-BE49-F238E27FC236}">
+                <a16:creationId xmlns:a16="http://schemas.microsoft.com/office/drawing/2014/main" id="{C885883F-8D68-BF45-9F52-34399FFF6D80}"/>
+              </a:ext>
+            </a:extLst>
+          </p:cNvPr>
+          <p:cNvPicPr>
+            <a:picLocks noChangeAspect="1"/>
+          </p:cNvPicPr>
+          <p:nvPr/>
+        </p:nvPicPr>
+        <p:blipFill rotWithShape="1">
+          <a:blip r:embed="rId2"/>
+          <a:srcRect l="57451" t="11592" r="4059" b="51210"/>
+          <a:stretch/>
+        </p:blipFill>
+        <p:spPr>
+          <a:xfrm>
+            <a:off x="10153668" y="3559251"/>
+            <a:ext cx="942721" cy="972422"/>
+          </a:xfrm>
+          <a:prstGeom prst="rect">
+            <a:avLst/>
+          </a:prstGeom>
+        </p:spPr>
+      </p:pic>
+      <p:pic>
+        <p:nvPicPr>
+          <p:cNvPr id="14" name="Picture 13">
+            <a:extLst>
+              <a:ext uri="{FF2B5EF4-FFF2-40B4-BE49-F238E27FC236}">
+                <a16:creationId xmlns:a16="http://schemas.microsoft.com/office/drawing/2014/main" id="{54625E68-C03E-E34E-ADDF-7D8DD9A14F3A}"/>
+              </a:ext>
+            </a:extLst>
+          </p:cNvPr>
+          <p:cNvPicPr>
+            <a:picLocks noChangeAspect="1"/>
+          </p:cNvPicPr>
+          <p:nvPr/>
+        </p:nvPicPr>
+        <p:blipFill rotWithShape="1">
+          <a:blip r:embed="rId2"/>
+          <a:srcRect l="57451" t="11592" r="4059" b="51210"/>
+          <a:stretch/>
+        </p:blipFill>
+        <p:spPr>
+          <a:xfrm>
+            <a:off x="10188497" y="4663887"/>
+            <a:ext cx="942721" cy="972422"/>
+          </a:xfrm>
+          <a:prstGeom prst="rect">
+            <a:avLst/>
+          </a:prstGeom>
+        </p:spPr>
+      </p:pic>
     </p:spTree>
     <p:extLst>
       <p:ext uri="{BB962C8B-B14F-4D97-AF65-F5344CB8AC3E}">
         <p14:creationId xmlns:p14="http://schemas.microsoft.com/office/powerpoint/2010/main" val="4035677527"/>
+      </p:ext>
+    </p:extLst>
+  </p:cSld>
+  <p:clrMapOvr>
+    <a:masterClrMapping/>
+  </p:clrMapOvr>
+</p:sld>
+</file>
+
+<file path=ppt/slides/slide13.xml><?xml version="1.0" encoding="utf-8"?>
+<p:sld xmlns:a="http://schemas.openxmlformats.org/drawingml/2006/main" xmlns:r="http://schemas.openxmlformats.org/officeDocument/2006/relationships" xmlns:p="http://schemas.openxmlformats.org/presentationml/2006/main">
+  <p:cSld>
+    <p:spTree>
+      <p:nvGrpSpPr>
+        <p:cNvPr id="1" name=""/>
+        <p:cNvGrpSpPr/>
+        <p:nvPr/>
+      </p:nvGrpSpPr>
+      <p:grpSpPr>
+        <a:xfrm>
+          <a:off x="0" y="0"/>
+          <a:ext cx="0" cy="0"/>
+          <a:chOff x="0" y="0"/>
+          <a:chExt cx="0" cy="0"/>
+        </a:xfrm>
+      </p:grpSpPr>
+      <p:pic>
+        <p:nvPicPr>
+          <p:cNvPr id="11" name="Picture 10">
+            <a:extLst>
+              <a:ext uri="{FF2B5EF4-FFF2-40B4-BE49-F238E27FC236}">
+                <a16:creationId xmlns:a16="http://schemas.microsoft.com/office/drawing/2014/main" id="{D06BA309-AD20-814A-BE1E-AFE6E334E872}"/>
+              </a:ext>
+            </a:extLst>
+          </p:cNvPr>
+          <p:cNvPicPr>
+            <a:picLocks noChangeAspect="1"/>
+          </p:cNvPicPr>
+          <p:nvPr/>
+        </p:nvPicPr>
+        <p:blipFill>
+          <a:blip r:embed="rId2"/>
+          <a:stretch>
+            <a:fillRect/>
+          </a:stretch>
+        </p:blipFill>
+        <p:spPr>
+          <a:xfrm>
+            <a:off x="0" y="3111191"/>
+            <a:ext cx="6014915" cy="3379312"/>
+          </a:xfrm>
+          <a:prstGeom prst="rect">
+            <a:avLst/>
+          </a:prstGeom>
+        </p:spPr>
+      </p:pic>
+      <p:pic>
+        <p:nvPicPr>
+          <p:cNvPr id="7" name="Picture 6">
+            <a:extLst>
+              <a:ext uri="{FF2B5EF4-FFF2-40B4-BE49-F238E27FC236}">
+                <a16:creationId xmlns:a16="http://schemas.microsoft.com/office/drawing/2014/main" id="{8796128A-659A-6242-9E50-C5BD3A452A49}"/>
+              </a:ext>
+            </a:extLst>
+          </p:cNvPr>
+          <p:cNvPicPr>
+            <a:picLocks noChangeAspect="1"/>
+          </p:cNvPicPr>
+          <p:nvPr/>
+        </p:nvPicPr>
+        <p:blipFill rotWithShape="1">
+          <a:blip r:embed="rId3"/>
+          <a:srcRect l="57451" t="11592" r="4059" b="51210"/>
+          <a:stretch/>
+        </p:blipFill>
+        <p:spPr>
+          <a:xfrm>
+            <a:off x="2772317" y="1914728"/>
+            <a:ext cx="942721" cy="972422"/>
+          </a:xfrm>
+          <a:prstGeom prst="rect">
+            <a:avLst/>
+          </a:prstGeom>
+        </p:spPr>
+      </p:pic>
+      <p:pic>
+        <p:nvPicPr>
+          <p:cNvPr id="4" name="Picture 3">
+            <a:extLst>
+              <a:ext uri="{FF2B5EF4-FFF2-40B4-BE49-F238E27FC236}">
+                <a16:creationId xmlns:a16="http://schemas.microsoft.com/office/drawing/2014/main" id="{8029379D-51B0-3E4E-9F03-60C2BDE5D82F}"/>
+              </a:ext>
+            </a:extLst>
+          </p:cNvPr>
+          <p:cNvPicPr>
+            <a:picLocks noChangeAspect="1"/>
+          </p:cNvPicPr>
+          <p:nvPr/>
+        </p:nvPicPr>
+        <p:blipFill>
+          <a:blip r:embed="rId4"/>
+          <a:stretch>
+            <a:fillRect/>
+          </a:stretch>
+        </p:blipFill>
+        <p:spPr>
+          <a:xfrm>
+            <a:off x="6096000" y="3111191"/>
+            <a:ext cx="6063108" cy="3406388"/>
+          </a:xfrm>
+          <a:prstGeom prst="rect">
+            <a:avLst/>
+          </a:prstGeom>
+        </p:spPr>
+      </p:pic>
+      <p:pic>
+        <p:nvPicPr>
+          <p:cNvPr id="9" name="Picture 8">
+            <a:extLst>
+              <a:ext uri="{FF2B5EF4-FFF2-40B4-BE49-F238E27FC236}">
+                <a16:creationId xmlns:a16="http://schemas.microsoft.com/office/drawing/2014/main" id="{04E86C95-364F-9044-ACEC-BCEFBD9F6A21}"/>
+              </a:ext>
+            </a:extLst>
+          </p:cNvPr>
+          <p:cNvPicPr>
+            <a:picLocks noChangeAspect="1"/>
+          </p:cNvPicPr>
+          <p:nvPr/>
+        </p:nvPicPr>
+        <p:blipFill rotWithShape="1">
+          <a:blip r:embed="rId3"/>
+          <a:srcRect b="9525"/>
+          <a:stretch/>
+        </p:blipFill>
+        <p:spPr>
+          <a:xfrm>
+            <a:off x="8385719" y="1115122"/>
+            <a:ext cx="1835077" cy="1772028"/>
+          </a:xfrm>
+          <a:prstGeom prst="rect">
+            <a:avLst/>
+          </a:prstGeom>
+        </p:spPr>
+      </p:pic>
+      <p:sp>
+        <p:nvSpPr>
+          <p:cNvPr id="13" name="Title 1">
+            <a:extLst>
+              <a:ext uri="{FF2B5EF4-FFF2-40B4-BE49-F238E27FC236}">
+                <a16:creationId xmlns:a16="http://schemas.microsoft.com/office/drawing/2014/main" id="{669F16E2-DDF8-FE4C-9E2F-391121223FE0}"/>
+              </a:ext>
+            </a:extLst>
+          </p:cNvPr>
+          <p:cNvSpPr>
+            <a:spLocks noGrp="1"/>
+          </p:cNvSpPr>
+          <p:nvPr>
+            <p:ph type="title"/>
+          </p:nvPr>
+        </p:nvSpPr>
+        <p:spPr>
+          <a:xfrm>
+            <a:off x="838200" y="365125"/>
+            <a:ext cx="10515600" cy="1325563"/>
+          </a:xfrm>
+        </p:spPr>
+        <p:txBody>
+          <a:bodyPr/>
+          <a:lstStyle/>
+          <a:p>
+            <a:r>
+              <a:rPr lang="en-US" dirty="0"/>
+              <a:t>Internal Validation of Model </a:t>
+            </a:r>
+          </a:p>
+        </p:txBody>
+      </p:sp>
+    </p:spTree>
+    <p:extLst>
+      <p:ext uri="{BB962C8B-B14F-4D97-AF65-F5344CB8AC3E}">
+        <p14:creationId xmlns:p14="http://schemas.microsoft.com/office/powerpoint/2010/main" val="4115949871"/>
+      </p:ext>
+    </p:extLst>
+  </p:cSld>
+  <p:clrMapOvr>
+    <a:masterClrMapping/>
+  </p:clrMapOvr>
+</p:sld>
+</file>
+
+<file path=ppt/slides/slide14.xml><?xml version="1.0" encoding="utf-8"?>
+<p:sld xmlns:a="http://schemas.openxmlformats.org/drawingml/2006/main" xmlns:r="http://schemas.openxmlformats.org/officeDocument/2006/relationships" xmlns:p="http://schemas.openxmlformats.org/presentationml/2006/main">
+  <p:cSld>
+    <p:spTree>
+      <p:nvGrpSpPr>
+        <p:cNvPr id="1" name=""/>
+        <p:cNvGrpSpPr/>
+        <p:nvPr/>
+      </p:nvGrpSpPr>
+      <p:grpSpPr>
+        <a:xfrm>
+          <a:off x="0" y="0"/>
+          <a:ext cx="0" cy="0"/>
+          <a:chOff x="0" y="0"/>
+          <a:chExt cx="0" cy="0"/>
+        </a:xfrm>
+      </p:grpSpPr>
+      <p:sp>
+        <p:nvSpPr>
+          <p:cNvPr id="2" name="Title 1">
+            <a:extLst>
+              <a:ext uri="{FF2B5EF4-FFF2-40B4-BE49-F238E27FC236}">
+                <a16:creationId xmlns:a16="http://schemas.microsoft.com/office/drawing/2014/main" id="{195ED5CE-821E-8B4A-A08C-F302397FA83C}"/>
+              </a:ext>
+            </a:extLst>
+          </p:cNvPr>
+          <p:cNvSpPr>
+            <a:spLocks noGrp="1"/>
+          </p:cNvSpPr>
+          <p:nvPr>
+            <p:ph type="title"/>
+          </p:nvPr>
+        </p:nvSpPr>
+        <p:spPr/>
+        <p:txBody>
+          <a:bodyPr>
+            <a:normAutofit/>
+          </a:bodyPr>
+          <a:lstStyle/>
+          <a:p>
+            <a:r>
+              <a:rPr lang="en-US" sz="3200" dirty="0"/>
+              <a:t>Same Subject, Between Task</a:t>
+            </a:r>
+          </a:p>
+        </p:txBody>
+      </p:sp>
+      <p:pic>
+        <p:nvPicPr>
+          <p:cNvPr id="4" name="Picture 3">
+            <a:extLst>
+              <a:ext uri="{FF2B5EF4-FFF2-40B4-BE49-F238E27FC236}">
+                <a16:creationId xmlns:a16="http://schemas.microsoft.com/office/drawing/2014/main" id="{2AF72CE0-CD59-1746-9B0D-03623F8CF9FF}"/>
+              </a:ext>
+            </a:extLst>
+          </p:cNvPr>
+          <p:cNvPicPr>
+            <a:picLocks noChangeAspect="1"/>
+          </p:cNvPicPr>
+          <p:nvPr/>
+        </p:nvPicPr>
+        <p:blipFill>
+          <a:blip r:embed="rId2"/>
+          <a:stretch>
+            <a:fillRect/>
+          </a:stretch>
+        </p:blipFill>
+        <p:spPr>
+          <a:xfrm>
+            <a:off x="6463982" y="365125"/>
+            <a:ext cx="2303255" cy="1147181"/>
+          </a:xfrm>
+          <a:prstGeom prst="rect">
+            <a:avLst/>
+          </a:prstGeom>
+        </p:spPr>
+      </p:pic>
+      <p:pic>
+        <p:nvPicPr>
+          <p:cNvPr id="5" name="Picture 4">
+            <a:extLst>
+              <a:ext uri="{FF2B5EF4-FFF2-40B4-BE49-F238E27FC236}">
+                <a16:creationId xmlns:a16="http://schemas.microsoft.com/office/drawing/2014/main" id="{AB76C223-56A7-0C4C-9B74-481FEAD69F03}"/>
+              </a:ext>
+            </a:extLst>
+          </p:cNvPr>
+          <p:cNvPicPr>
+            <a:picLocks noChangeAspect="1"/>
+          </p:cNvPicPr>
+          <p:nvPr/>
+        </p:nvPicPr>
+        <p:blipFill>
+          <a:blip r:embed="rId3"/>
+          <a:stretch>
+            <a:fillRect/>
+          </a:stretch>
+        </p:blipFill>
+        <p:spPr>
+          <a:xfrm>
+            <a:off x="6734707" y="631525"/>
+            <a:ext cx="579360" cy="559458"/>
+          </a:xfrm>
+          <a:prstGeom prst="rect">
+            <a:avLst/>
+          </a:prstGeom>
+        </p:spPr>
+      </p:pic>
+      <p:pic>
+        <p:nvPicPr>
+          <p:cNvPr id="6" name="Picture 5">
+            <a:extLst>
+              <a:ext uri="{FF2B5EF4-FFF2-40B4-BE49-F238E27FC236}">
+                <a16:creationId xmlns:a16="http://schemas.microsoft.com/office/drawing/2014/main" id="{94D54403-0CEA-EA41-9405-9828372C2532}"/>
+              </a:ext>
+            </a:extLst>
+          </p:cNvPr>
+          <p:cNvPicPr>
+            <a:picLocks noChangeAspect="1"/>
+          </p:cNvPicPr>
+          <p:nvPr/>
+        </p:nvPicPr>
+        <p:blipFill>
+          <a:blip r:embed="rId2"/>
+          <a:stretch>
+            <a:fillRect/>
+          </a:stretch>
+        </p:blipFill>
+        <p:spPr>
+          <a:xfrm>
+            <a:off x="9050545" y="365125"/>
+            <a:ext cx="2303255" cy="1147181"/>
+          </a:xfrm>
+          <a:prstGeom prst="rect">
+            <a:avLst/>
+          </a:prstGeom>
+        </p:spPr>
+      </p:pic>
+      <p:pic>
+        <p:nvPicPr>
+          <p:cNvPr id="7" name="Picture 6">
+            <a:extLst>
+              <a:ext uri="{FF2B5EF4-FFF2-40B4-BE49-F238E27FC236}">
+                <a16:creationId xmlns:a16="http://schemas.microsoft.com/office/drawing/2014/main" id="{2311CE01-07D5-1748-B5EF-18418385570B}"/>
+              </a:ext>
+            </a:extLst>
+          </p:cNvPr>
+          <p:cNvPicPr>
+            <a:picLocks noChangeAspect="1"/>
+          </p:cNvPicPr>
+          <p:nvPr/>
+        </p:nvPicPr>
+        <p:blipFill>
+          <a:blip r:embed="rId4"/>
+          <a:stretch>
+            <a:fillRect/>
+          </a:stretch>
+        </p:blipFill>
+        <p:spPr>
+          <a:xfrm>
+            <a:off x="9372902" y="669432"/>
+            <a:ext cx="545962" cy="397742"/>
+          </a:xfrm>
+          <a:prstGeom prst="rect">
+            <a:avLst/>
+          </a:prstGeom>
+        </p:spPr>
+      </p:pic>
+      <p:pic>
+        <p:nvPicPr>
+          <p:cNvPr id="13" name="Picture 12">
+            <a:extLst>
+              <a:ext uri="{FF2B5EF4-FFF2-40B4-BE49-F238E27FC236}">
+                <a16:creationId xmlns:a16="http://schemas.microsoft.com/office/drawing/2014/main" id="{2188BBE4-3A37-D148-AFE2-DD5731B74781}"/>
+              </a:ext>
+            </a:extLst>
+          </p:cNvPr>
+          <p:cNvPicPr>
+            <a:picLocks noChangeAspect="1"/>
+          </p:cNvPicPr>
+          <p:nvPr/>
+        </p:nvPicPr>
+        <p:blipFill>
+          <a:blip r:embed="rId5"/>
+          <a:stretch>
+            <a:fillRect/>
+          </a:stretch>
+        </p:blipFill>
+        <p:spPr>
+          <a:xfrm>
+            <a:off x="1317167" y="1690688"/>
+            <a:ext cx="7733378" cy="2508759"/>
+          </a:xfrm>
+          <a:prstGeom prst="rect">
+            <a:avLst/>
+          </a:prstGeom>
+        </p:spPr>
+      </p:pic>
+      <p:pic>
+        <p:nvPicPr>
+          <p:cNvPr id="8" name="Picture 7">
+            <a:extLst>
+              <a:ext uri="{FF2B5EF4-FFF2-40B4-BE49-F238E27FC236}">
+                <a16:creationId xmlns:a16="http://schemas.microsoft.com/office/drawing/2014/main" id="{D6699368-14CB-2F4D-99BC-C5EDC9547FA3}"/>
+              </a:ext>
+            </a:extLst>
+          </p:cNvPr>
+          <p:cNvPicPr>
+            <a:picLocks noChangeAspect="1"/>
+          </p:cNvPicPr>
+          <p:nvPr/>
+        </p:nvPicPr>
+        <p:blipFill>
+          <a:blip r:embed="rId6"/>
+          <a:stretch>
+            <a:fillRect/>
+          </a:stretch>
+        </p:blipFill>
+        <p:spPr>
+          <a:xfrm>
+            <a:off x="1317167" y="4199446"/>
+            <a:ext cx="7733378" cy="2508759"/>
+          </a:xfrm>
+          <a:prstGeom prst="rect">
+            <a:avLst/>
+          </a:prstGeom>
+        </p:spPr>
+      </p:pic>
+      <p:pic>
+        <p:nvPicPr>
+          <p:cNvPr id="10" name="Picture 9">
+            <a:extLst>
+              <a:ext uri="{FF2B5EF4-FFF2-40B4-BE49-F238E27FC236}">
+                <a16:creationId xmlns:a16="http://schemas.microsoft.com/office/drawing/2014/main" id="{F38C2F77-46DC-E644-8791-92B7F111784D}"/>
+              </a:ext>
+            </a:extLst>
+          </p:cNvPr>
+          <p:cNvPicPr>
+            <a:picLocks noChangeAspect="1"/>
+          </p:cNvPicPr>
+          <p:nvPr/>
+        </p:nvPicPr>
+        <p:blipFill rotWithShape="1">
+          <a:blip r:embed="rId7"/>
+          <a:srcRect l="57451" t="11592" r="4059" b="51210"/>
+          <a:stretch/>
+        </p:blipFill>
+        <p:spPr>
+          <a:xfrm>
+            <a:off x="9970864" y="2418994"/>
+            <a:ext cx="942721" cy="972422"/>
+          </a:xfrm>
+          <a:prstGeom prst="rect">
+            <a:avLst/>
+          </a:prstGeom>
+        </p:spPr>
+      </p:pic>
+      <p:pic>
+        <p:nvPicPr>
+          <p:cNvPr id="11" name="Picture 10">
+            <a:extLst>
+              <a:ext uri="{FF2B5EF4-FFF2-40B4-BE49-F238E27FC236}">
+                <a16:creationId xmlns:a16="http://schemas.microsoft.com/office/drawing/2014/main" id="{7F36A7AF-6D12-2C48-9C23-6082940E6639}"/>
+              </a:ext>
+            </a:extLst>
+          </p:cNvPr>
+          <p:cNvPicPr>
+            <a:picLocks noChangeAspect="1"/>
+          </p:cNvPicPr>
+          <p:nvPr/>
+        </p:nvPicPr>
+        <p:blipFill rotWithShape="1">
+          <a:blip r:embed="rId7"/>
+          <a:srcRect b="9525"/>
+          <a:stretch/>
+        </p:blipFill>
+        <p:spPr>
+          <a:xfrm>
+            <a:off x="9338254" y="4298103"/>
+            <a:ext cx="2207942" cy="2132082"/>
+          </a:xfrm>
+          <a:prstGeom prst="rect">
+            <a:avLst/>
+          </a:prstGeom>
+        </p:spPr>
+      </p:pic>
+    </p:spTree>
+    <p:extLst>
+      <p:ext uri="{BB962C8B-B14F-4D97-AF65-F5344CB8AC3E}">
+        <p14:creationId xmlns:p14="http://schemas.microsoft.com/office/powerpoint/2010/main" val="730327739"/>
+      </p:ext>
+    </p:extLst>
+  </p:cSld>
+  <p:clrMapOvr>
+    <a:masterClrMapping/>
+  </p:clrMapOvr>
+</p:sld>
+</file>
+
+<file path=ppt/slides/slide15.xml><?xml version="1.0" encoding="utf-8"?>
+<p:sld xmlns:a="http://schemas.openxmlformats.org/drawingml/2006/main" xmlns:r="http://schemas.openxmlformats.org/officeDocument/2006/relationships" xmlns:p="http://schemas.openxmlformats.org/presentationml/2006/main">
+  <p:cSld>
+    <p:spTree>
+      <p:nvGrpSpPr>
+        <p:cNvPr id="1" name=""/>
+        <p:cNvGrpSpPr/>
+        <p:nvPr/>
+      </p:nvGrpSpPr>
+      <p:grpSpPr>
+        <a:xfrm>
+          <a:off x="0" y="0"/>
+          <a:ext cx="0" cy="0"/>
+          <a:chOff x="0" y="0"/>
+          <a:chExt cx="0" cy="0"/>
+        </a:xfrm>
+      </p:grpSpPr>
+      <p:sp>
+        <p:nvSpPr>
+          <p:cNvPr id="2" name="Title 1">
+            <a:extLst>
+              <a:ext uri="{FF2B5EF4-FFF2-40B4-BE49-F238E27FC236}">
+                <a16:creationId xmlns:a16="http://schemas.microsoft.com/office/drawing/2014/main" id="{1D3A34D6-73C8-3046-A9F9-E75648BC7417}"/>
+              </a:ext>
+            </a:extLst>
+          </p:cNvPr>
+          <p:cNvSpPr>
+            <a:spLocks noGrp="1"/>
+          </p:cNvSpPr>
+          <p:nvPr>
+            <p:ph type="title"/>
+          </p:nvPr>
+        </p:nvSpPr>
+        <p:spPr/>
+        <p:txBody>
+          <a:bodyPr>
+            <a:normAutofit/>
+          </a:bodyPr>
+          <a:lstStyle/>
+          <a:p>
+            <a:r>
+              <a:rPr lang="en-US" sz="3200" dirty="0"/>
+              <a:t>Different subject same task</a:t>
+            </a:r>
+          </a:p>
+        </p:txBody>
+      </p:sp>
+      <p:pic>
+        <p:nvPicPr>
+          <p:cNvPr id="6" name="Picture 5">
+            <a:extLst>
+              <a:ext uri="{FF2B5EF4-FFF2-40B4-BE49-F238E27FC236}">
+                <a16:creationId xmlns:a16="http://schemas.microsoft.com/office/drawing/2014/main" id="{71AA2547-BB1D-1041-B90C-8DB365870AC9}"/>
+              </a:ext>
+            </a:extLst>
+          </p:cNvPr>
+          <p:cNvPicPr>
+            <a:picLocks noChangeAspect="1"/>
+          </p:cNvPicPr>
+          <p:nvPr/>
+        </p:nvPicPr>
+        <p:blipFill>
+          <a:blip r:embed="rId2"/>
+          <a:stretch>
+            <a:fillRect/>
+          </a:stretch>
+        </p:blipFill>
+        <p:spPr>
+          <a:xfrm>
+            <a:off x="9586469" y="441371"/>
+            <a:ext cx="2299758" cy="1145440"/>
+          </a:xfrm>
+          <a:prstGeom prst="rect">
+            <a:avLst/>
+          </a:prstGeom>
+        </p:spPr>
+      </p:pic>
+      <p:pic>
+        <p:nvPicPr>
+          <p:cNvPr id="7" name="Picture 6">
+            <a:extLst>
+              <a:ext uri="{FF2B5EF4-FFF2-40B4-BE49-F238E27FC236}">
+                <a16:creationId xmlns:a16="http://schemas.microsoft.com/office/drawing/2014/main" id="{F15E4A10-0663-364B-BCCE-D05742C90761}"/>
+              </a:ext>
+            </a:extLst>
+          </p:cNvPr>
+          <p:cNvPicPr>
+            <a:picLocks noChangeAspect="1"/>
+          </p:cNvPicPr>
+          <p:nvPr/>
+        </p:nvPicPr>
+        <p:blipFill>
+          <a:blip r:embed="rId3"/>
+          <a:stretch>
+            <a:fillRect/>
+          </a:stretch>
+        </p:blipFill>
+        <p:spPr>
+          <a:xfrm>
+            <a:off x="9867108" y="761984"/>
+            <a:ext cx="545134" cy="397139"/>
+          </a:xfrm>
+          <a:prstGeom prst="rect">
+            <a:avLst/>
+          </a:prstGeom>
+        </p:spPr>
+      </p:pic>
+      <p:pic>
+        <p:nvPicPr>
+          <p:cNvPr id="14" name="Picture 13">
+            <a:extLst>
+              <a:ext uri="{FF2B5EF4-FFF2-40B4-BE49-F238E27FC236}">
+                <a16:creationId xmlns:a16="http://schemas.microsoft.com/office/drawing/2014/main" id="{6CB4F419-736A-9146-AE24-D114AF35A105}"/>
+              </a:ext>
+            </a:extLst>
+          </p:cNvPr>
+          <p:cNvPicPr>
+            <a:picLocks noChangeAspect="1"/>
+          </p:cNvPicPr>
+          <p:nvPr/>
+        </p:nvPicPr>
+        <p:blipFill rotWithShape="1">
+          <a:blip r:embed="rId4"/>
+          <a:srcRect l="1297" t="8770" r="5594"/>
+          <a:stretch/>
+        </p:blipFill>
+        <p:spPr>
+          <a:xfrm>
+            <a:off x="6872118" y="441371"/>
+            <a:ext cx="2391522" cy="1197379"/>
+          </a:xfrm>
+          <a:prstGeom prst="rect">
+            <a:avLst/>
+          </a:prstGeom>
+        </p:spPr>
+      </p:pic>
+      <p:pic>
+        <p:nvPicPr>
+          <p:cNvPr id="15" name="Picture 14">
+            <a:extLst>
+              <a:ext uri="{FF2B5EF4-FFF2-40B4-BE49-F238E27FC236}">
+                <a16:creationId xmlns:a16="http://schemas.microsoft.com/office/drawing/2014/main" id="{138BEE78-C707-5B41-A80E-5942DDE5A9E6}"/>
+              </a:ext>
+            </a:extLst>
+          </p:cNvPr>
+          <p:cNvPicPr>
+            <a:picLocks noChangeAspect="1"/>
+          </p:cNvPicPr>
+          <p:nvPr/>
+        </p:nvPicPr>
+        <p:blipFill>
+          <a:blip r:embed="rId3"/>
+          <a:stretch>
+            <a:fillRect/>
+          </a:stretch>
+        </p:blipFill>
+        <p:spPr>
+          <a:xfrm>
+            <a:off x="8419226" y="749952"/>
+            <a:ext cx="545962" cy="397742"/>
+          </a:xfrm>
+          <a:prstGeom prst="rect">
+            <a:avLst/>
+          </a:prstGeom>
+        </p:spPr>
+      </p:pic>
+      <p:pic>
+        <p:nvPicPr>
+          <p:cNvPr id="4" name="Picture 3">
+            <a:extLst>
+              <a:ext uri="{FF2B5EF4-FFF2-40B4-BE49-F238E27FC236}">
+                <a16:creationId xmlns:a16="http://schemas.microsoft.com/office/drawing/2014/main" id="{BF45DF6F-67B9-3645-8FE5-914FD1036787}"/>
+              </a:ext>
+            </a:extLst>
+          </p:cNvPr>
+          <p:cNvPicPr>
+            <a:picLocks noChangeAspect="1"/>
+          </p:cNvPicPr>
+          <p:nvPr/>
+        </p:nvPicPr>
+        <p:blipFill>
+          <a:blip r:embed="rId5"/>
+          <a:stretch>
+            <a:fillRect/>
+          </a:stretch>
+        </p:blipFill>
+        <p:spPr>
+          <a:xfrm>
+            <a:off x="759187" y="1333100"/>
+            <a:ext cx="4713968" cy="2677451"/>
+          </a:xfrm>
+          <a:prstGeom prst="rect">
+            <a:avLst/>
+          </a:prstGeom>
+        </p:spPr>
+      </p:pic>
+      <p:pic>
+        <p:nvPicPr>
+          <p:cNvPr id="8" name="Picture 7">
+            <a:extLst>
+              <a:ext uri="{FF2B5EF4-FFF2-40B4-BE49-F238E27FC236}">
+                <a16:creationId xmlns:a16="http://schemas.microsoft.com/office/drawing/2014/main" id="{1B354E9F-6AE6-DB4B-9AFE-075975A8430B}"/>
+              </a:ext>
+            </a:extLst>
+          </p:cNvPr>
+          <p:cNvPicPr>
+            <a:picLocks noChangeAspect="1"/>
+          </p:cNvPicPr>
+          <p:nvPr/>
+        </p:nvPicPr>
+        <p:blipFill rotWithShape="1">
+          <a:blip r:embed="rId6"/>
+          <a:srcRect l="57451" t="11592" r="4059" b="51210"/>
+          <a:stretch/>
+        </p:blipFill>
+        <p:spPr>
+          <a:xfrm>
+            <a:off x="6400757" y="2051826"/>
+            <a:ext cx="942721" cy="972422"/>
+          </a:xfrm>
+          <a:prstGeom prst="rect">
+            <a:avLst/>
+          </a:prstGeom>
+        </p:spPr>
+      </p:pic>
+      <p:pic>
+        <p:nvPicPr>
+          <p:cNvPr id="5" name="Picture 4">
+            <a:extLst>
+              <a:ext uri="{FF2B5EF4-FFF2-40B4-BE49-F238E27FC236}">
+                <a16:creationId xmlns:a16="http://schemas.microsoft.com/office/drawing/2014/main" id="{67FC6147-70F7-684D-ACC8-C2312B170B93}"/>
+              </a:ext>
+            </a:extLst>
+          </p:cNvPr>
+          <p:cNvPicPr>
+            <a:picLocks noChangeAspect="1"/>
+          </p:cNvPicPr>
+          <p:nvPr/>
+        </p:nvPicPr>
+        <p:blipFill>
+          <a:blip r:embed="rId7"/>
+          <a:stretch>
+            <a:fillRect/>
+          </a:stretch>
+        </p:blipFill>
+        <p:spPr>
+          <a:xfrm>
+            <a:off x="667867" y="3958683"/>
+            <a:ext cx="4805288" cy="2729319"/>
+          </a:xfrm>
+          <a:prstGeom prst="rect">
+            <a:avLst/>
+          </a:prstGeom>
+        </p:spPr>
+      </p:pic>
+      <p:pic>
+        <p:nvPicPr>
+          <p:cNvPr id="11" name="Picture 10">
+            <a:extLst>
+              <a:ext uri="{FF2B5EF4-FFF2-40B4-BE49-F238E27FC236}">
+                <a16:creationId xmlns:a16="http://schemas.microsoft.com/office/drawing/2014/main" id="{CBE12CE6-04EC-1742-A0A3-998B03DFF9E1}"/>
+              </a:ext>
+            </a:extLst>
+          </p:cNvPr>
+          <p:cNvPicPr>
+            <a:picLocks noChangeAspect="1"/>
+          </p:cNvPicPr>
+          <p:nvPr/>
+        </p:nvPicPr>
+        <p:blipFill rotWithShape="1">
+          <a:blip r:embed="rId6"/>
+          <a:srcRect b="9525"/>
+          <a:stretch/>
+        </p:blipFill>
+        <p:spPr>
+          <a:xfrm>
+            <a:off x="5768147" y="4122848"/>
+            <a:ext cx="2207942" cy="2132082"/>
+          </a:xfrm>
+          <a:prstGeom prst="rect">
+            <a:avLst/>
+          </a:prstGeom>
+        </p:spPr>
+      </p:pic>
+    </p:spTree>
+    <p:extLst>
+      <p:ext uri="{BB962C8B-B14F-4D97-AF65-F5344CB8AC3E}">
+        <p14:creationId xmlns:p14="http://schemas.microsoft.com/office/powerpoint/2010/main" val="1328961298"/>
+      </p:ext>
+    </p:extLst>
+  </p:cSld>
+  <p:clrMapOvr>
+    <a:masterClrMapping/>
+  </p:clrMapOvr>
+</p:sld>
+</file>
+
+<file path=ppt/slides/slide16.xml><?xml version="1.0" encoding="utf-8"?>
+<p:sld xmlns:a="http://schemas.openxmlformats.org/drawingml/2006/main" xmlns:r="http://schemas.openxmlformats.org/officeDocument/2006/relationships" xmlns:p="http://schemas.openxmlformats.org/presentationml/2006/main">
+  <p:cSld>
+    <p:spTree>
+      <p:nvGrpSpPr>
+        <p:cNvPr id="1" name=""/>
+        <p:cNvGrpSpPr/>
+        <p:nvPr/>
+      </p:nvGrpSpPr>
+      <p:grpSpPr>
+        <a:xfrm>
+          <a:off x="0" y="0"/>
+          <a:ext cx="0" cy="0"/>
+          <a:chOff x="0" y="0"/>
+          <a:chExt cx="0" cy="0"/>
+        </a:xfrm>
+      </p:grpSpPr>
+      <p:sp>
+        <p:nvSpPr>
+          <p:cNvPr id="2" name="Title 1">
+            <a:extLst>
+              <a:ext uri="{FF2B5EF4-FFF2-40B4-BE49-F238E27FC236}">
+                <a16:creationId xmlns:a16="http://schemas.microsoft.com/office/drawing/2014/main" id="{CED2EEDA-544A-BA43-9936-A4E5D4B4D9C1}"/>
+              </a:ext>
+            </a:extLst>
+          </p:cNvPr>
+          <p:cNvSpPr>
+            <a:spLocks noGrp="1"/>
+          </p:cNvSpPr>
+          <p:nvPr>
+            <p:ph type="title"/>
+          </p:nvPr>
+        </p:nvSpPr>
+        <p:spPr>
+          <a:xfrm>
+            <a:off x="838200" y="321013"/>
+            <a:ext cx="6106751" cy="1369675"/>
+          </a:xfrm>
+        </p:spPr>
+        <p:txBody>
+          <a:bodyPr>
+            <a:normAutofit/>
+          </a:bodyPr>
+          <a:lstStyle/>
+          <a:p>
+            <a:r>
+              <a:rPr lang="en-US" sz="3200" dirty="0"/>
+              <a:t>Different subject, different task</a:t>
+            </a:r>
+          </a:p>
+        </p:txBody>
+      </p:sp>
+      <p:pic>
+        <p:nvPicPr>
+          <p:cNvPr id="4" name="Picture 3">
+            <a:extLst>
+              <a:ext uri="{FF2B5EF4-FFF2-40B4-BE49-F238E27FC236}">
+                <a16:creationId xmlns:a16="http://schemas.microsoft.com/office/drawing/2014/main" id="{F8848854-FD01-884D-B033-A75C34C5C680}"/>
+              </a:ext>
+            </a:extLst>
+          </p:cNvPr>
+          <p:cNvPicPr>
+            <a:picLocks noChangeAspect="1"/>
+          </p:cNvPicPr>
+          <p:nvPr/>
+        </p:nvPicPr>
+        <p:blipFill>
+          <a:blip r:embed="rId2"/>
+          <a:stretch>
+            <a:fillRect/>
+          </a:stretch>
+        </p:blipFill>
+        <p:spPr>
+          <a:xfrm>
+            <a:off x="6236439" y="321013"/>
+            <a:ext cx="2515599" cy="1252943"/>
+          </a:xfrm>
+          <a:prstGeom prst="rect">
+            <a:avLst/>
+          </a:prstGeom>
+        </p:spPr>
+      </p:pic>
+      <p:pic>
+        <p:nvPicPr>
+          <p:cNvPr id="5" name="Picture 4">
+            <a:extLst>
+              <a:ext uri="{FF2B5EF4-FFF2-40B4-BE49-F238E27FC236}">
+                <a16:creationId xmlns:a16="http://schemas.microsoft.com/office/drawing/2014/main" id="{E9552F7D-EB1C-0148-BA65-B32144D746EE}"/>
+              </a:ext>
+            </a:extLst>
+          </p:cNvPr>
+          <p:cNvPicPr>
+            <a:picLocks noChangeAspect="1"/>
+          </p:cNvPicPr>
+          <p:nvPr/>
+        </p:nvPicPr>
+        <p:blipFill>
+          <a:blip r:embed="rId3"/>
+          <a:stretch>
+            <a:fillRect/>
+          </a:stretch>
+        </p:blipFill>
+        <p:spPr>
+          <a:xfrm>
+            <a:off x="6514817" y="629594"/>
+            <a:ext cx="579360" cy="559458"/>
+          </a:xfrm>
+          <a:prstGeom prst="rect">
+            <a:avLst/>
+          </a:prstGeom>
+        </p:spPr>
+      </p:pic>
+      <p:pic>
+        <p:nvPicPr>
+          <p:cNvPr id="8" name="Picture 7">
+            <a:extLst>
+              <a:ext uri="{FF2B5EF4-FFF2-40B4-BE49-F238E27FC236}">
+                <a16:creationId xmlns:a16="http://schemas.microsoft.com/office/drawing/2014/main" id="{1EF11236-C44F-6948-80AC-E2B1B7DD6D76}"/>
+              </a:ext>
+            </a:extLst>
+          </p:cNvPr>
+          <p:cNvPicPr>
+            <a:picLocks noChangeAspect="1"/>
+          </p:cNvPicPr>
+          <p:nvPr/>
+        </p:nvPicPr>
+        <p:blipFill rotWithShape="1">
+          <a:blip r:embed="rId4"/>
+          <a:srcRect l="1297" t="8770" r="5594"/>
+          <a:stretch/>
+        </p:blipFill>
+        <p:spPr>
+          <a:xfrm>
+            <a:off x="9235107" y="321013"/>
+            <a:ext cx="2391522" cy="1197379"/>
+          </a:xfrm>
+          <a:prstGeom prst="rect">
+            <a:avLst/>
+          </a:prstGeom>
+        </p:spPr>
+      </p:pic>
+      <p:pic>
+        <p:nvPicPr>
+          <p:cNvPr id="9" name="Picture 8">
+            <a:extLst>
+              <a:ext uri="{FF2B5EF4-FFF2-40B4-BE49-F238E27FC236}">
+                <a16:creationId xmlns:a16="http://schemas.microsoft.com/office/drawing/2014/main" id="{3242A54C-7FBC-EB47-96A4-5A22A04F9BBB}"/>
+              </a:ext>
+            </a:extLst>
+          </p:cNvPr>
+          <p:cNvPicPr>
+            <a:picLocks noChangeAspect="1"/>
+          </p:cNvPicPr>
+          <p:nvPr/>
+        </p:nvPicPr>
+        <p:blipFill>
+          <a:blip r:embed="rId5"/>
+          <a:stretch>
+            <a:fillRect/>
+          </a:stretch>
+        </p:blipFill>
+        <p:spPr>
+          <a:xfrm>
+            <a:off x="10782215" y="629594"/>
+            <a:ext cx="545962" cy="397742"/>
+          </a:xfrm>
+          <a:prstGeom prst="rect">
+            <a:avLst/>
+          </a:prstGeom>
+        </p:spPr>
+      </p:pic>
+      <p:pic>
+        <p:nvPicPr>
+          <p:cNvPr id="10" name="Picture 9">
+            <a:extLst>
+              <a:ext uri="{FF2B5EF4-FFF2-40B4-BE49-F238E27FC236}">
+                <a16:creationId xmlns:a16="http://schemas.microsoft.com/office/drawing/2014/main" id="{09F1CFB0-F8CD-0949-8F48-F2BE694B695E}"/>
+              </a:ext>
+            </a:extLst>
+          </p:cNvPr>
+          <p:cNvPicPr>
+            <a:picLocks noChangeAspect="1"/>
+          </p:cNvPicPr>
+          <p:nvPr/>
+        </p:nvPicPr>
+        <p:blipFill>
+          <a:blip r:embed="rId6"/>
+          <a:stretch>
+            <a:fillRect/>
+          </a:stretch>
+        </p:blipFill>
+        <p:spPr>
+          <a:xfrm>
+            <a:off x="838200" y="1189052"/>
+            <a:ext cx="5206516" cy="2722092"/>
+          </a:xfrm>
+          <a:prstGeom prst="rect">
+            <a:avLst/>
+          </a:prstGeom>
+        </p:spPr>
+      </p:pic>
+      <p:pic>
+        <p:nvPicPr>
+          <p:cNvPr id="11" name="Picture 10">
+            <a:extLst>
+              <a:ext uri="{FF2B5EF4-FFF2-40B4-BE49-F238E27FC236}">
+                <a16:creationId xmlns:a16="http://schemas.microsoft.com/office/drawing/2014/main" id="{D17EE725-426F-1440-82A7-3ABC855600A7}"/>
+              </a:ext>
+            </a:extLst>
+          </p:cNvPr>
+          <p:cNvPicPr>
+            <a:picLocks noChangeAspect="1"/>
+          </p:cNvPicPr>
+          <p:nvPr/>
+        </p:nvPicPr>
+        <p:blipFill rotWithShape="1">
+          <a:blip r:embed="rId7"/>
+          <a:srcRect b="9525"/>
+          <a:stretch/>
+        </p:blipFill>
+        <p:spPr>
+          <a:xfrm>
+            <a:off x="6461566" y="4410021"/>
+            <a:ext cx="2207942" cy="2132082"/>
+          </a:xfrm>
+          <a:prstGeom prst="rect">
+            <a:avLst/>
+          </a:prstGeom>
+        </p:spPr>
+      </p:pic>
+      <p:pic>
+        <p:nvPicPr>
+          <p:cNvPr id="12" name="Picture 11">
+            <a:extLst>
+              <a:ext uri="{FF2B5EF4-FFF2-40B4-BE49-F238E27FC236}">
+                <a16:creationId xmlns:a16="http://schemas.microsoft.com/office/drawing/2014/main" id="{ADC4FDBC-9980-D44E-8E36-F88EE52D16B4}"/>
+              </a:ext>
+            </a:extLst>
+          </p:cNvPr>
+          <p:cNvPicPr>
+            <a:picLocks noChangeAspect="1"/>
+          </p:cNvPicPr>
+          <p:nvPr/>
+        </p:nvPicPr>
+        <p:blipFill rotWithShape="1">
+          <a:blip r:embed="rId7"/>
+          <a:srcRect l="57451" t="11592" r="4059" b="51210"/>
+          <a:stretch/>
+        </p:blipFill>
+        <p:spPr>
+          <a:xfrm>
+            <a:off x="7223731" y="1931135"/>
+            <a:ext cx="942721" cy="972422"/>
+          </a:xfrm>
+          <a:prstGeom prst="rect">
+            <a:avLst/>
+          </a:prstGeom>
+        </p:spPr>
+      </p:pic>
+      <p:pic>
+        <p:nvPicPr>
+          <p:cNvPr id="6" name="Picture 5">
+            <a:extLst>
+              <a:ext uri="{FF2B5EF4-FFF2-40B4-BE49-F238E27FC236}">
+                <a16:creationId xmlns:a16="http://schemas.microsoft.com/office/drawing/2014/main" id="{E5C9A1B4-7E36-D547-96AC-9802999ECA66}"/>
+              </a:ext>
+            </a:extLst>
+          </p:cNvPr>
+          <p:cNvPicPr>
+            <a:picLocks noChangeAspect="1"/>
+          </p:cNvPicPr>
+          <p:nvPr/>
+        </p:nvPicPr>
+        <p:blipFill>
+          <a:blip r:embed="rId8"/>
+          <a:stretch>
+            <a:fillRect/>
+          </a:stretch>
+        </p:blipFill>
+        <p:spPr>
+          <a:xfrm>
+            <a:off x="838200" y="4094125"/>
+            <a:ext cx="5286433" cy="2763875"/>
+          </a:xfrm>
+          <a:prstGeom prst="rect">
+            <a:avLst/>
+          </a:prstGeom>
+        </p:spPr>
+      </p:pic>
+    </p:spTree>
+    <p:extLst>
+      <p:ext uri="{BB962C8B-B14F-4D97-AF65-F5344CB8AC3E}">
+        <p14:creationId xmlns:p14="http://schemas.microsoft.com/office/powerpoint/2010/main" val="1836044456"/>
+      </p:ext>
+    </p:extLst>
+  </p:cSld>
+  <p:clrMapOvr>
+    <a:masterClrMapping/>
+  </p:clrMapOvr>
+</p:sld>
+</file>
+
+<file path=ppt/slides/slide17.xml><?xml version="1.0" encoding="utf-8"?>
+<p:sld xmlns:a="http://schemas.openxmlformats.org/drawingml/2006/main" xmlns:r="http://schemas.openxmlformats.org/officeDocument/2006/relationships" xmlns:p="http://schemas.openxmlformats.org/presentationml/2006/main">
+  <p:cSld>
+    <p:spTree>
+      <p:nvGrpSpPr>
+        <p:cNvPr id="1" name=""/>
+        <p:cNvGrpSpPr/>
+        <p:nvPr/>
+      </p:nvGrpSpPr>
+      <p:grpSpPr>
+        <a:xfrm>
+          <a:off x="0" y="0"/>
+          <a:ext cx="0" cy="0"/>
+          <a:chOff x="0" y="0"/>
+          <a:chExt cx="0" cy="0"/>
+        </a:xfrm>
+      </p:grpSpPr>
+      <p:sp>
+        <p:nvSpPr>
+          <p:cNvPr id="2" name="Title 1">
+            <a:extLst>
+              <a:ext uri="{FF2B5EF4-FFF2-40B4-BE49-F238E27FC236}">
+                <a16:creationId xmlns:a16="http://schemas.microsoft.com/office/drawing/2014/main" id="{AA8513AE-1E68-514B-BF0E-0A9F23FE4D64}"/>
+              </a:ext>
+            </a:extLst>
+          </p:cNvPr>
+          <p:cNvSpPr>
+            <a:spLocks noGrp="1"/>
+          </p:cNvSpPr>
+          <p:nvPr>
+            <p:ph type="title"/>
+          </p:nvPr>
+        </p:nvSpPr>
+        <p:spPr/>
+        <p:txBody>
+          <a:bodyPr/>
+          <a:lstStyle/>
+          <a:p>
+            <a:r>
+              <a:rPr lang="en-US" dirty="0"/>
+              <a:t>Splitting up task conditions</a:t>
+            </a:r>
+          </a:p>
+        </p:txBody>
+      </p:sp>
+      <p:pic>
+        <p:nvPicPr>
+          <p:cNvPr id="16" name="Content Placeholder 15">
+            <a:extLst>
+              <a:ext uri="{FF2B5EF4-FFF2-40B4-BE49-F238E27FC236}">
+                <a16:creationId xmlns:a16="http://schemas.microsoft.com/office/drawing/2014/main" id="{9A6471F0-BB5C-8B45-AF89-5D5C19076FBB}"/>
+              </a:ext>
+            </a:extLst>
+          </p:cNvPr>
+          <p:cNvPicPr>
+            <a:picLocks noGrp="1" noChangeAspect="1"/>
+          </p:cNvPicPr>
+          <p:nvPr>
+            <p:ph idx="1"/>
+          </p:nvPr>
+        </p:nvPicPr>
+        <p:blipFill>
+          <a:blip r:embed="rId2"/>
+          <a:stretch>
+            <a:fillRect/>
+          </a:stretch>
+        </p:blipFill>
+        <p:spPr>
+          <a:xfrm>
+            <a:off x="10575053" y="2058022"/>
+            <a:ext cx="1320800" cy="1320800"/>
+          </a:xfrm>
+        </p:spPr>
+      </p:pic>
+      <p:pic>
+        <p:nvPicPr>
+          <p:cNvPr id="4" name="Picture 3">
+            <a:extLst>
+              <a:ext uri="{FF2B5EF4-FFF2-40B4-BE49-F238E27FC236}">
+                <a16:creationId xmlns:a16="http://schemas.microsoft.com/office/drawing/2014/main" id="{77E931E4-84EC-4042-9F7D-4911ED16A6D4}"/>
+              </a:ext>
+            </a:extLst>
+          </p:cNvPr>
+          <p:cNvPicPr>
+            <a:picLocks noChangeAspect="1"/>
+          </p:cNvPicPr>
+          <p:nvPr/>
+        </p:nvPicPr>
+        <p:blipFill>
+          <a:blip r:embed="rId3"/>
+          <a:stretch>
+            <a:fillRect/>
+          </a:stretch>
+        </p:blipFill>
+        <p:spPr>
+          <a:xfrm>
+            <a:off x="7290407" y="3148028"/>
+            <a:ext cx="1372137" cy="1325002"/>
+          </a:xfrm>
+          <a:prstGeom prst="rect">
+            <a:avLst/>
+          </a:prstGeom>
+        </p:spPr>
+      </p:pic>
+      <p:sp>
+        <p:nvSpPr>
+          <p:cNvPr id="9" name="Right Arrow 8">
+            <a:extLst>
+              <a:ext uri="{FF2B5EF4-FFF2-40B4-BE49-F238E27FC236}">
+                <a16:creationId xmlns:a16="http://schemas.microsoft.com/office/drawing/2014/main" id="{8DEF5D02-1F1C-ED4E-BA46-643D84D55E10}"/>
+              </a:ext>
+            </a:extLst>
+          </p:cNvPr>
+          <p:cNvSpPr/>
+          <p:nvPr/>
+        </p:nvSpPr>
+        <p:spPr>
+          <a:xfrm rot="20308420">
+            <a:off x="9021336" y="2789458"/>
+            <a:ext cx="1393902" cy="345688"/>
+          </a:xfrm>
+          <a:prstGeom prst="rightArrow">
+            <a:avLst/>
+          </a:prstGeom>
+        </p:spPr>
+        <p:style>
+          <a:lnRef idx="2">
+            <a:schemeClr val="accent1">
+              <a:shade val="50000"/>
+            </a:schemeClr>
+          </a:lnRef>
+          <a:fillRef idx="1">
+            <a:schemeClr val="accent1"/>
+          </a:fillRef>
+          <a:effectRef idx="0">
+            <a:schemeClr val="accent1"/>
+          </a:effectRef>
+          <a:fontRef idx="minor">
+            <a:schemeClr val="lt1"/>
+          </a:fontRef>
+        </p:style>
+        <p:txBody>
+          <a:bodyPr rtlCol="0" anchor="ctr"/>
+          <a:lstStyle/>
+          <a:p>
+            <a:pPr algn="ctr"/>
+            <a:endParaRPr lang="en-US"/>
+          </a:p>
+        </p:txBody>
+      </p:sp>
+      <p:sp>
+        <p:nvSpPr>
+          <p:cNvPr id="10" name="Right Arrow 9">
+            <a:extLst>
+              <a:ext uri="{FF2B5EF4-FFF2-40B4-BE49-F238E27FC236}">
+                <a16:creationId xmlns:a16="http://schemas.microsoft.com/office/drawing/2014/main" id="{EC4D2C2D-3F63-6146-AC80-AC1F6601B5F8}"/>
+              </a:ext>
+            </a:extLst>
+          </p:cNvPr>
+          <p:cNvSpPr/>
+          <p:nvPr/>
+        </p:nvSpPr>
+        <p:spPr>
+          <a:xfrm rot="1332110">
+            <a:off x="9021337" y="4061072"/>
+            <a:ext cx="1393902" cy="345688"/>
+          </a:xfrm>
+          <a:prstGeom prst="rightArrow">
+            <a:avLst/>
+          </a:prstGeom>
+        </p:spPr>
+        <p:style>
+          <a:lnRef idx="2">
+            <a:schemeClr val="accent1">
+              <a:shade val="50000"/>
+            </a:schemeClr>
+          </a:lnRef>
+          <a:fillRef idx="1">
+            <a:schemeClr val="accent1"/>
+          </a:fillRef>
+          <a:effectRef idx="0">
+            <a:schemeClr val="accent1"/>
+          </a:effectRef>
+          <a:fontRef idx="minor">
+            <a:schemeClr val="lt1"/>
+          </a:fontRef>
+        </p:style>
+        <p:txBody>
+          <a:bodyPr rtlCol="0" anchor="ctr"/>
+          <a:lstStyle/>
+          <a:p>
+            <a:pPr algn="ctr"/>
+            <a:endParaRPr lang="en-US"/>
+          </a:p>
+        </p:txBody>
+      </p:sp>
+      <p:pic>
+        <p:nvPicPr>
+          <p:cNvPr id="18" name="Picture 17">
+            <a:extLst>
+              <a:ext uri="{FF2B5EF4-FFF2-40B4-BE49-F238E27FC236}">
+                <a16:creationId xmlns:a16="http://schemas.microsoft.com/office/drawing/2014/main" id="{711369E6-CA48-B64F-972C-C3A5B7CCDAC6}"/>
+              </a:ext>
+            </a:extLst>
+          </p:cNvPr>
+          <p:cNvPicPr>
+            <a:picLocks noChangeAspect="1"/>
+          </p:cNvPicPr>
+          <p:nvPr/>
+        </p:nvPicPr>
+        <p:blipFill>
+          <a:blip r:embed="rId4"/>
+          <a:stretch>
+            <a:fillRect/>
+          </a:stretch>
+        </p:blipFill>
+        <p:spPr>
+          <a:xfrm>
+            <a:off x="10524253" y="3946103"/>
+            <a:ext cx="1422400" cy="1422400"/>
+          </a:xfrm>
+          <a:prstGeom prst="rect">
+            <a:avLst/>
+          </a:prstGeom>
+        </p:spPr>
+      </p:pic>
+    </p:spTree>
+    <p:extLst>
+      <p:ext uri="{BB962C8B-B14F-4D97-AF65-F5344CB8AC3E}">
+        <p14:creationId xmlns:p14="http://schemas.microsoft.com/office/powerpoint/2010/main" val="2603874646"/>
       </p:ext>
     </p:extLst>
   </p:cSld>
@@ -4585,6 +6421,18 @@
               <a:t>Functional connectivity matched for time</a:t>
             </a:r>
           </a:p>
+          <a:p>
+            <a:r>
+              <a:rPr lang="en-US" dirty="0"/>
+              <a:t>Splitting up task conditions to yield more data</a:t>
+            </a:r>
+          </a:p>
+          <a:p>
+            <a:pPr marL="0" indent="0">
+              <a:buNone/>
+            </a:pPr>
+            <a:endParaRPr lang="en-US" dirty="0"/>
+          </a:p>
         </p:txBody>
       </p:sp>
     </p:spTree>
@@ -4961,10 +6809,10 @@
       </p:sp>
       <p:pic>
         <p:nvPicPr>
-          <p:cNvPr id="4" name="Picture 3">
-            <a:extLst>
-              <a:ext uri="{FF2B5EF4-FFF2-40B4-BE49-F238E27FC236}">
-                <a16:creationId xmlns:a16="http://schemas.microsoft.com/office/drawing/2014/main" id="{54AB8E90-FBB2-E142-ACF2-03172062F210}"/>
+          <p:cNvPr id="9" name="Picture 8">
+            <a:extLst>
+              <a:ext uri="{FF2B5EF4-FFF2-40B4-BE49-F238E27FC236}">
+                <a16:creationId xmlns:a16="http://schemas.microsoft.com/office/drawing/2014/main" id="{A86F89FD-36D5-2240-A576-2DC34D7A8F55}"/>
               </a:ext>
             </a:extLst>
           </p:cNvPr>
@@ -4981,8 +6829,8 @@
         </p:blipFill>
         <p:spPr>
           <a:xfrm>
-            <a:off x="504810" y="1891778"/>
-            <a:ext cx="7643323" cy="4294188"/>
+            <a:off x="142661" y="1702771"/>
+            <a:ext cx="8335823" cy="4683250"/>
           </a:xfrm>
           <a:prstGeom prst="rect">
             <a:avLst/>
@@ -5171,10 +7019,10 @@
       </p:pic>
       <p:pic>
         <p:nvPicPr>
-          <p:cNvPr id="11" name="Picture 10">
-            <a:extLst>
-              <a:ext uri="{FF2B5EF4-FFF2-40B4-BE49-F238E27FC236}">
-                <a16:creationId xmlns:a16="http://schemas.microsoft.com/office/drawing/2014/main" id="{733BA769-C0F2-8B4D-B5FB-305EC6A3D427}"/>
+          <p:cNvPr id="8" name="Picture 7">
+            <a:extLst>
+              <a:ext uri="{FF2B5EF4-FFF2-40B4-BE49-F238E27FC236}">
+                <a16:creationId xmlns:a16="http://schemas.microsoft.com/office/drawing/2014/main" id="{8277240A-C41E-DA47-BC60-7DE43DE8078D}"/>
               </a:ext>
             </a:extLst>
           </p:cNvPr>
@@ -5191,8 +7039,8 @@
         </p:blipFill>
         <p:spPr>
           <a:xfrm>
-            <a:off x="528833" y="2225391"/>
-            <a:ext cx="11134334" cy="3587580"/>
+            <a:off x="722971" y="1994995"/>
+            <a:ext cx="10630829" cy="3448711"/>
           </a:xfrm>
           <a:prstGeom prst="rect">
             <a:avLst/>

--- a/analysis/output/mL/presentation/updated_mL.pptx
+++ b/analysis/output/mL/presentation/updated_mL.pptx
@@ -22,6 +22,7 @@
     <p:sldId id="271" r:id="rId16"/>
     <p:sldId id="272" r:id="rId17"/>
     <p:sldId id="268" r:id="rId18"/>
+    <p:sldId id="273" r:id="rId19"/>
   </p:sldIdLst>
   <p:sldSz cx="12192000" cy="6858000"/>
   <p:notesSz cx="6858000" cy="9144000"/>
@@ -275,7 +276,7 @@
           <a:p>
             <a:fld id="{30E6044F-6CD6-FA47-BEE6-35ACDD53B394}" type="datetimeFigureOut">
               <a:rPr lang="en-US" smtClean="0"/>
-              <a:t>5/21/20</a:t>
+              <a:t>5/27/20</a:t>
             </a:fld>
             <a:endParaRPr lang="en-US"/>
           </a:p>
@@ -473,7 +474,7 @@
           <a:p>
             <a:fld id="{30E6044F-6CD6-FA47-BEE6-35ACDD53B394}" type="datetimeFigureOut">
               <a:rPr lang="en-US" smtClean="0"/>
-              <a:t>5/21/20</a:t>
+              <a:t>5/27/20</a:t>
             </a:fld>
             <a:endParaRPr lang="en-US"/>
           </a:p>
@@ -681,7 +682,7 @@
           <a:p>
             <a:fld id="{30E6044F-6CD6-FA47-BEE6-35ACDD53B394}" type="datetimeFigureOut">
               <a:rPr lang="en-US" smtClean="0"/>
-              <a:t>5/21/20</a:t>
+              <a:t>5/27/20</a:t>
             </a:fld>
             <a:endParaRPr lang="en-US"/>
           </a:p>
@@ -879,7 +880,7 @@
           <a:p>
             <a:fld id="{30E6044F-6CD6-FA47-BEE6-35ACDD53B394}" type="datetimeFigureOut">
               <a:rPr lang="en-US" smtClean="0"/>
-              <a:t>5/21/20</a:t>
+              <a:t>5/27/20</a:t>
             </a:fld>
             <a:endParaRPr lang="en-US"/>
           </a:p>
@@ -1154,7 +1155,7 @@
           <a:p>
             <a:fld id="{30E6044F-6CD6-FA47-BEE6-35ACDD53B394}" type="datetimeFigureOut">
               <a:rPr lang="en-US" smtClean="0"/>
-              <a:t>5/21/20</a:t>
+              <a:t>5/27/20</a:t>
             </a:fld>
             <a:endParaRPr lang="en-US"/>
           </a:p>
@@ -1419,7 +1420,7 @@
           <a:p>
             <a:fld id="{30E6044F-6CD6-FA47-BEE6-35ACDD53B394}" type="datetimeFigureOut">
               <a:rPr lang="en-US" smtClean="0"/>
-              <a:t>5/21/20</a:t>
+              <a:t>5/27/20</a:t>
             </a:fld>
             <a:endParaRPr lang="en-US"/>
           </a:p>
@@ -1831,7 +1832,7 @@
           <a:p>
             <a:fld id="{30E6044F-6CD6-FA47-BEE6-35ACDD53B394}" type="datetimeFigureOut">
               <a:rPr lang="en-US" smtClean="0"/>
-              <a:t>5/21/20</a:t>
+              <a:t>5/27/20</a:t>
             </a:fld>
             <a:endParaRPr lang="en-US"/>
           </a:p>
@@ -1972,7 +1973,7 @@
           <a:p>
             <a:fld id="{30E6044F-6CD6-FA47-BEE6-35ACDD53B394}" type="datetimeFigureOut">
               <a:rPr lang="en-US" smtClean="0"/>
-              <a:t>5/21/20</a:t>
+              <a:t>5/27/20</a:t>
             </a:fld>
             <a:endParaRPr lang="en-US"/>
           </a:p>
@@ -2085,7 +2086,7 @@
           <a:p>
             <a:fld id="{30E6044F-6CD6-FA47-BEE6-35ACDD53B394}" type="datetimeFigureOut">
               <a:rPr lang="en-US" smtClean="0"/>
-              <a:t>5/21/20</a:t>
+              <a:t>5/27/20</a:t>
             </a:fld>
             <a:endParaRPr lang="en-US"/>
           </a:p>
@@ -2396,7 +2397,7 @@
           <a:p>
             <a:fld id="{30E6044F-6CD6-FA47-BEE6-35ACDD53B394}" type="datetimeFigureOut">
               <a:rPr lang="en-US" smtClean="0"/>
-              <a:t>5/21/20</a:t>
+              <a:t>5/27/20</a:t>
             </a:fld>
             <a:endParaRPr lang="en-US"/>
           </a:p>
@@ -2684,7 +2685,7 @@
           <a:p>
             <a:fld id="{30E6044F-6CD6-FA47-BEE6-35ACDD53B394}" type="datetimeFigureOut">
               <a:rPr lang="en-US" smtClean="0"/>
-              <a:t>5/21/20</a:t>
+              <a:t>5/27/20</a:t>
             </a:fld>
             <a:endParaRPr lang="en-US"/>
           </a:p>
@@ -2925,7 +2926,7 @@
           <a:p>
             <a:fld id="{30E6044F-6CD6-FA47-BEE6-35ACDD53B394}" type="datetimeFigureOut">
               <a:rPr lang="en-US" smtClean="0"/>
-              <a:t>5/21/20</a:t>
+              <a:t>5/27/20</a:t>
             </a:fld>
             <a:endParaRPr lang="en-US"/>
           </a:p>
@@ -5520,26 +5521,126 @@
           <a:p>
             <a:r>
               <a:rPr lang="en-US" dirty="0"/>
-              <a:t>Splitting up task conditions</a:t>
+              <a:t>Rethinking data selection</a:t>
+            </a:r>
+          </a:p>
+        </p:txBody>
+      </p:sp>
+      <p:sp>
+        <p:nvSpPr>
+          <p:cNvPr id="5" name="Content Placeholder 4">
+            <a:extLst>
+              <a:ext uri="{FF2B5EF4-FFF2-40B4-BE49-F238E27FC236}">
+                <a16:creationId xmlns:a16="http://schemas.microsoft.com/office/drawing/2014/main" id="{A08A6588-F053-2E41-A043-605220D2809B}"/>
+              </a:ext>
+            </a:extLst>
+          </p:cNvPr>
+          <p:cNvSpPr>
+            <a:spLocks noGrp="1"/>
+          </p:cNvSpPr>
+          <p:nvPr>
+            <p:ph idx="1"/>
+          </p:nvPr>
+        </p:nvSpPr>
+        <p:spPr/>
+        <p:txBody>
+          <a:bodyPr/>
+          <a:lstStyle/>
+          <a:p>
+            <a:r>
+              <a:rPr lang="en-US" dirty="0"/>
+              <a:t>Within subject between task</a:t>
+            </a:r>
+          </a:p>
+          <a:p>
+            <a:pPr lvl="1"/>
+            <a:r>
+              <a:rPr lang="en-US" dirty="0"/>
+              <a:t>Originally rest is only used in the training set to avoid overfitting</a:t>
+            </a:r>
+          </a:p>
+          <a:p>
+            <a:pPr lvl="1"/>
+            <a:r>
+              <a:rPr lang="en-US" dirty="0"/>
+              <a:t>But what if we split up rest so that we can have 10 sessions for training, 10 for testing so that the within subject between task mirrors the analysis for between subject within task in regards to rest</a:t>
+            </a:r>
+          </a:p>
+        </p:txBody>
+      </p:sp>
+    </p:spTree>
+    <p:extLst>
+      <p:ext uri="{BB962C8B-B14F-4D97-AF65-F5344CB8AC3E}">
+        <p14:creationId xmlns:p14="http://schemas.microsoft.com/office/powerpoint/2010/main" val="2603874646"/>
+      </p:ext>
+    </p:extLst>
+  </p:cSld>
+  <p:clrMapOvr>
+    <a:masterClrMapping/>
+  </p:clrMapOvr>
+</p:sld>
+</file>
+
+<file path=ppt/slides/slide18.xml><?xml version="1.0" encoding="utf-8"?>
+<p:sld xmlns:a="http://schemas.openxmlformats.org/drawingml/2006/main" xmlns:r="http://schemas.openxmlformats.org/officeDocument/2006/relationships" xmlns:p="http://schemas.openxmlformats.org/presentationml/2006/main">
+  <p:cSld>
+    <p:spTree>
+      <p:nvGrpSpPr>
+        <p:cNvPr id="1" name=""/>
+        <p:cNvGrpSpPr/>
+        <p:nvPr/>
+      </p:nvGrpSpPr>
+      <p:grpSpPr>
+        <a:xfrm>
+          <a:off x="0" y="0"/>
+          <a:ext cx="0" cy="0"/>
+          <a:chOff x="0" y="0"/>
+          <a:chExt cx="0" cy="0"/>
+        </a:xfrm>
+      </p:grpSpPr>
+      <p:sp>
+        <p:nvSpPr>
+          <p:cNvPr id="2" name="Title 1">
+            <a:extLst>
+              <a:ext uri="{FF2B5EF4-FFF2-40B4-BE49-F238E27FC236}">
+                <a16:creationId xmlns:a16="http://schemas.microsoft.com/office/drawing/2014/main" id="{D64FC928-E07F-9447-ADED-6A832D55B0F3}"/>
+              </a:ext>
+            </a:extLst>
+          </p:cNvPr>
+          <p:cNvSpPr>
+            <a:spLocks noGrp="1"/>
+          </p:cNvSpPr>
+          <p:nvPr>
+            <p:ph type="title"/>
+          </p:nvPr>
+        </p:nvSpPr>
+        <p:spPr/>
+        <p:txBody>
+          <a:bodyPr>
+            <a:normAutofit/>
+          </a:bodyPr>
+          <a:lstStyle/>
+          <a:p>
+            <a:r>
+              <a:rPr lang="en-US" sz="3200" dirty="0"/>
+              <a:t>Same subject, Between Task</a:t>
             </a:r>
           </a:p>
         </p:txBody>
       </p:sp>
       <p:pic>
         <p:nvPicPr>
-          <p:cNvPr id="16" name="Content Placeholder 15">
-            <a:extLst>
-              <a:ext uri="{FF2B5EF4-FFF2-40B4-BE49-F238E27FC236}">
-                <a16:creationId xmlns:a16="http://schemas.microsoft.com/office/drawing/2014/main" id="{9A6471F0-BB5C-8B45-AF89-5D5C19076FBB}"/>
+          <p:cNvPr id="4" name="Picture 3">
+            <a:extLst>
+              <a:ext uri="{FF2B5EF4-FFF2-40B4-BE49-F238E27FC236}">
+                <a16:creationId xmlns:a16="http://schemas.microsoft.com/office/drawing/2014/main" id="{D3E98449-9C07-2B45-871F-A208EACB8F20}"/>
               </a:ext>
             </a:extLst>
           </p:cNvPr>
           <p:cNvPicPr>
-            <a:picLocks noGrp="1" noChangeAspect="1"/>
+            <a:picLocks noChangeAspect="1"/>
           </p:cNvPicPr>
-          <p:nvPr>
-            <p:ph idx="1"/>
-          </p:nvPr>
+          <p:nvPr/>
         </p:nvPicPr>
         <p:blipFill>
           <a:blip r:embed="rId2"/>
@@ -5549,17 +5650,20 @@
         </p:blipFill>
         <p:spPr>
           <a:xfrm>
-            <a:off x="10575053" y="2058022"/>
-            <a:ext cx="1320800" cy="1320800"/>
-          </a:xfrm>
+            <a:off x="6463982" y="365125"/>
+            <a:ext cx="2303255" cy="1147181"/>
+          </a:xfrm>
+          <a:prstGeom prst="rect">
+            <a:avLst/>
+          </a:prstGeom>
         </p:spPr>
       </p:pic>
       <p:pic>
         <p:nvPicPr>
-          <p:cNvPr id="4" name="Picture 3">
-            <a:extLst>
-              <a:ext uri="{FF2B5EF4-FFF2-40B4-BE49-F238E27FC236}">
-                <a16:creationId xmlns:a16="http://schemas.microsoft.com/office/drawing/2014/main" id="{77E931E4-84EC-4042-9F7D-4911ED16A6D4}"/>
+          <p:cNvPr id="5" name="Picture 4">
+            <a:extLst>
+              <a:ext uri="{FF2B5EF4-FFF2-40B4-BE49-F238E27FC236}">
+                <a16:creationId xmlns:a16="http://schemas.microsoft.com/office/drawing/2014/main" id="{7711D8B2-BE04-314A-979E-7457503E9407}"/>
               </a:ext>
             </a:extLst>
           </p:cNvPr>
@@ -5576,112 +5680,50 @@
         </p:blipFill>
         <p:spPr>
           <a:xfrm>
-            <a:off x="7290407" y="3148028"/>
-            <a:ext cx="1372137" cy="1325002"/>
+            <a:off x="6734707" y="631525"/>
+            <a:ext cx="579360" cy="559458"/>
           </a:xfrm>
           <a:prstGeom prst="rect">
             <a:avLst/>
           </a:prstGeom>
         </p:spPr>
       </p:pic>
-      <p:sp>
-        <p:nvSpPr>
-          <p:cNvPr id="9" name="Right Arrow 8">
-            <a:extLst>
-              <a:ext uri="{FF2B5EF4-FFF2-40B4-BE49-F238E27FC236}">
-                <a16:creationId xmlns:a16="http://schemas.microsoft.com/office/drawing/2014/main" id="{8DEF5D02-1F1C-ED4E-BA46-643D84D55E10}"/>
-              </a:ext>
-            </a:extLst>
-          </p:cNvPr>
-          <p:cNvSpPr/>
-          <p:nvPr/>
-        </p:nvSpPr>
-        <p:spPr>
-          <a:xfrm rot="20308420">
-            <a:off x="9021336" y="2789458"/>
-            <a:ext cx="1393902" cy="345688"/>
-          </a:xfrm>
-          <a:prstGeom prst="rightArrow">
-            <a:avLst/>
-          </a:prstGeom>
-        </p:spPr>
-        <p:style>
-          <a:lnRef idx="2">
-            <a:schemeClr val="accent1">
-              <a:shade val="50000"/>
-            </a:schemeClr>
-          </a:lnRef>
-          <a:fillRef idx="1">
-            <a:schemeClr val="accent1"/>
-          </a:fillRef>
-          <a:effectRef idx="0">
-            <a:schemeClr val="accent1"/>
-          </a:effectRef>
-          <a:fontRef idx="minor">
-            <a:schemeClr val="lt1"/>
-          </a:fontRef>
-        </p:style>
-        <p:txBody>
-          <a:bodyPr rtlCol="0" anchor="ctr"/>
-          <a:lstStyle/>
-          <a:p>
-            <a:pPr algn="ctr"/>
-            <a:endParaRPr lang="en-US"/>
-          </a:p>
-        </p:txBody>
-      </p:sp>
-      <p:sp>
-        <p:nvSpPr>
-          <p:cNvPr id="10" name="Right Arrow 9">
-            <a:extLst>
-              <a:ext uri="{FF2B5EF4-FFF2-40B4-BE49-F238E27FC236}">
-                <a16:creationId xmlns:a16="http://schemas.microsoft.com/office/drawing/2014/main" id="{EC4D2C2D-3F63-6146-AC80-AC1F6601B5F8}"/>
-              </a:ext>
-            </a:extLst>
-          </p:cNvPr>
-          <p:cNvSpPr/>
-          <p:nvPr/>
-        </p:nvSpPr>
-        <p:spPr>
-          <a:xfrm rot="1332110">
-            <a:off x="9021337" y="4061072"/>
-            <a:ext cx="1393902" cy="345688"/>
-          </a:xfrm>
-          <a:prstGeom prst="rightArrow">
-            <a:avLst/>
-          </a:prstGeom>
-        </p:spPr>
-        <p:style>
-          <a:lnRef idx="2">
-            <a:schemeClr val="accent1">
-              <a:shade val="50000"/>
-            </a:schemeClr>
-          </a:lnRef>
-          <a:fillRef idx="1">
-            <a:schemeClr val="accent1"/>
-          </a:fillRef>
-          <a:effectRef idx="0">
-            <a:schemeClr val="accent1"/>
-          </a:effectRef>
-          <a:fontRef idx="minor">
-            <a:schemeClr val="lt1"/>
-          </a:fontRef>
-        </p:style>
-        <p:txBody>
-          <a:bodyPr rtlCol="0" anchor="ctr"/>
-          <a:lstStyle/>
-          <a:p>
-            <a:pPr algn="ctr"/>
-            <a:endParaRPr lang="en-US"/>
-          </a:p>
-        </p:txBody>
-      </p:sp>
       <p:pic>
         <p:nvPicPr>
-          <p:cNvPr id="18" name="Picture 17">
-            <a:extLst>
-              <a:ext uri="{FF2B5EF4-FFF2-40B4-BE49-F238E27FC236}">
-                <a16:creationId xmlns:a16="http://schemas.microsoft.com/office/drawing/2014/main" id="{711369E6-CA48-B64F-972C-C3A5B7CCDAC6}"/>
+          <p:cNvPr id="6" name="Picture 5">
+            <a:extLst>
+              <a:ext uri="{FF2B5EF4-FFF2-40B4-BE49-F238E27FC236}">
+                <a16:creationId xmlns:a16="http://schemas.microsoft.com/office/drawing/2014/main" id="{A915BFAA-067E-404A-9249-575ED679654C}"/>
+              </a:ext>
+            </a:extLst>
+          </p:cNvPr>
+          <p:cNvPicPr>
+            <a:picLocks noChangeAspect="1"/>
+          </p:cNvPicPr>
+          <p:nvPr/>
+        </p:nvPicPr>
+        <p:blipFill>
+          <a:blip r:embed="rId2"/>
+          <a:stretch>
+            <a:fillRect/>
+          </a:stretch>
+        </p:blipFill>
+        <p:spPr>
+          <a:xfrm>
+            <a:off x="9050545" y="365125"/>
+            <a:ext cx="2303255" cy="1147181"/>
+          </a:xfrm>
+          <a:prstGeom prst="rect">
+            <a:avLst/>
+          </a:prstGeom>
+        </p:spPr>
+      </p:pic>
+      <p:pic>
+        <p:nvPicPr>
+          <p:cNvPr id="7" name="Picture 6">
+            <a:extLst>
+              <a:ext uri="{FF2B5EF4-FFF2-40B4-BE49-F238E27FC236}">
+                <a16:creationId xmlns:a16="http://schemas.microsoft.com/office/drawing/2014/main" id="{A2AC86E3-209F-3048-9E4B-EF651ED39EF6}"/>
               </a:ext>
             </a:extLst>
           </p:cNvPr>
@@ -5698,18 +5740,148 @@
         </p:blipFill>
         <p:spPr>
           <a:xfrm>
-            <a:off x="10524253" y="3946103"/>
-            <a:ext cx="1422400" cy="1422400"/>
+            <a:off x="9372902" y="669432"/>
+            <a:ext cx="545962" cy="397742"/>
           </a:xfrm>
           <a:prstGeom prst="rect">
             <a:avLst/>
           </a:prstGeom>
         </p:spPr>
       </p:pic>
+      <p:pic>
+        <p:nvPicPr>
+          <p:cNvPr id="9" name="Picture 8">
+            <a:extLst>
+              <a:ext uri="{FF2B5EF4-FFF2-40B4-BE49-F238E27FC236}">
+                <a16:creationId xmlns:a16="http://schemas.microsoft.com/office/drawing/2014/main" id="{37A2617B-D058-DE43-8553-6F8A97E60E16}"/>
+              </a:ext>
+            </a:extLst>
+          </p:cNvPr>
+          <p:cNvPicPr>
+            <a:picLocks noChangeAspect="1"/>
+          </p:cNvPicPr>
+          <p:nvPr/>
+        </p:nvPicPr>
+        <p:blipFill>
+          <a:blip r:embed="rId5"/>
+          <a:stretch>
+            <a:fillRect/>
+          </a:stretch>
+        </p:blipFill>
+        <p:spPr>
+          <a:xfrm>
+            <a:off x="215063" y="1539361"/>
+            <a:ext cx="7904884" cy="2564397"/>
+          </a:xfrm>
+          <a:prstGeom prst="rect">
+            <a:avLst/>
+          </a:prstGeom>
+        </p:spPr>
+      </p:pic>
+      <p:sp>
+        <p:nvSpPr>
+          <p:cNvPr id="10" name="TextBox 9">
+            <a:extLst>
+              <a:ext uri="{FF2B5EF4-FFF2-40B4-BE49-F238E27FC236}">
+                <a16:creationId xmlns:a16="http://schemas.microsoft.com/office/drawing/2014/main" id="{9247A7EA-4A5E-D742-B4DD-FEE8CB5F06CD}"/>
+              </a:ext>
+            </a:extLst>
+          </p:cNvPr>
+          <p:cNvSpPr txBox="1"/>
+          <p:nvPr/>
+        </p:nvSpPr>
+        <p:spPr>
+          <a:xfrm>
+            <a:off x="8767237" y="2250891"/>
+            <a:ext cx="2239017" cy="369332"/>
+          </a:xfrm>
+          <a:prstGeom prst="rect">
+            <a:avLst/>
+          </a:prstGeom>
+          <a:noFill/>
+        </p:spPr>
+        <p:txBody>
+          <a:bodyPr wrap="square" rtlCol="0">
+            <a:spAutoFit/>
+          </a:bodyPr>
+          <a:lstStyle/>
+          <a:p>
+            <a:r>
+              <a:rPr lang="en-US" dirty="0"/>
+              <a:t>Splitting-up Rest</a:t>
+            </a:r>
+          </a:p>
+        </p:txBody>
+      </p:sp>
+      <p:pic>
+        <p:nvPicPr>
+          <p:cNvPr id="11" name="Picture 10">
+            <a:extLst>
+              <a:ext uri="{FF2B5EF4-FFF2-40B4-BE49-F238E27FC236}">
+                <a16:creationId xmlns:a16="http://schemas.microsoft.com/office/drawing/2014/main" id="{5B19354E-FDFF-0A4A-83A4-738D0F81A26E}"/>
+              </a:ext>
+            </a:extLst>
+          </p:cNvPr>
+          <p:cNvPicPr>
+            <a:picLocks noChangeAspect="1"/>
+          </p:cNvPicPr>
+          <p:nvPr/>
+        </p:nvPicPr>
+        <p:blipFill>
+          <a:blip r:embed="rId6"/>
+          <a:stretch>
+            <a:fillRect/>
+          </a:stretch>
+        </p:blipFill>
+        <p:spPr>
+          <a:xfrm>
+            <a:off x="312234" y="4170921"/>
+            <a:ext cx="7807712" cy="2532873"/>
+          </a:xfrm>
+          <a:prstGeom prst="rect">
+            <a:avLst/>
+          </a:prstGeom>
+        </p:spPr>
+      </p:pic>
+      <p:sp>
+        <p:nvSpPr>
+          <p:cNvPr id="12" name="TextBox 11">
+            <a:extLst>
+              <a:ext uri="{FF2B5EF4-FFF2-40B4-BE49-F238E27FC236}">
+                <a16:creationId xmlns:a16="http://schemas.microsoft.com/office/drawing/2014/main" id="{C58AE706-FEE6-814A-BBF1-A030E57B5C00}"/>
+              </a:ext>
+            </a:extLst>
+          </p:cNvPr>
+          <p:cNvSpPr txBox="1"/>
+          <p:nvPr/>
+        </p:nvSpPr>
+        <p:spPr>
+          <a:xfrm>
+            <a:off x="8876371" y="5241073"/>
+            <a:ext cx="1661531" cy="369332"/>
+          </a:xfrm>
+          <a:prstGeom prst="rect">
+            <a:avLst/>
+          </a:prstGeom>
+          <a:noFill/>
+        </p:spPr>
+        <p:txBody>
+          <a:bodyPr wrap="square" rtlCol="0">
+            <a:spAutoFit/>
+          </a:bodyPr>
+          <a:lstStyle/>
+          <a:p>
+            <a:r>
+              <a:rPr lang="en-US" dirty="0"/>
+              <a:t>Original Data</a:t>
+            </a:r>
+          </a:p>
+        </p:txBody>
+      </p:sp>
     </p:spTree>
     <p:extLst>
       <p:ext uri="{BB962C8B-B14F-4D97-AF65-F5344CB8AC3E}">
-        <p14:creationId xmlns:p14="http://schemas.microsoft.com/office/powerpoint/2010/main" val="2603874646"/>
+        <p14:creationId xmlns:p14="http://schemas.microsoft.com/office/powerpoint/2010/main" val="399963960"/>
       </p:ext>
     </p:extLst>
   </p:cSld>

--- a/analysis/output/mL/presentation/updated_mL.pptx
+++ b/analysis/output/mL/presentation/updated_mL.pptx
@@ -16,13 +16,14 @@
     <p:sldId id="262" r:id="rId10"/>
     <p:sldId id="263" r:id="rId11"/>
     <p:sldId id="264" r:id="rId12"/>
-    <p:sldId id="265" r:id="rId13"/>
-    <p:sldId id="269" r:id="rId14"/>
-    <p:sldId id="270" r:id="rId15"/>
-    <p:sldId id="271" r:id="rId16"/>
-    <p:sldId id="272" r:id="rId17"/>
-    <p:sldId id="268" r:id="rId18"/>
-    <p:sldId id="273" r:id="rId19"/>
+    <p:sldId id="274" r:id="rId13"/>
+    <p:sldId id="265" r:id="rId14"/>
+    <p:sldId id="269" r:id="rId15"/>
+    <p:sldId id="270" r:id="rId16"/>
+    <p:sldId id="271" r:id="rId17"/>
+    <p:sldId id="272" r:id="rId18"/>
+    <p:sldId id="268" r:id="rId19"/>
+    <p:sldId id="273" r:id="rId20"/>
   </p:sldIdLst>
   <p:sldSz cx="12192000" cy="6858000"/>
   <p:notesSz cx="6858000" cy="9144000"/>
@@ -276,7 +277,7 @@
           <a:p>
             <a:fld id="{30E6044F-6CD6-FA47-BEE6-35ACDD53B394}" type="datetimeFigureOut">
               <a:rPr lang="en-US" smtClean="0"/>
-              <a:t>5/27/20</a:t>
+              <a:t>5/29/20</a:t>
             </a:fld>
             <a:endParaRPr lang="en-US"/>
           </a:p>
@@ -474,7 +475,7 @@
           <a:p>
             <a:fld id="{30E6044F-6CD6-FA47-BEE6-35ACDD53B394}" type="datetimeFigureOut">
               <a:rPr lang="en-US" smtClean="0"/>
-              <a:t>5/27/20</a:t>
+              <a:t>5/29/20</a:t>
             </a:fld>
             <a:endParaRPr lang="en-US"/>
           </a:p>
@@ -682,7 +683,7 @@
           <a:p>
             <a:fld id="{30E6044F-6CD6-FA47-BEE6-35ACDD53B394}" type="datetimeFigureOut">
               <a:rPr lang="en-US" smtClean="0"/>
-              <a:t>5/27/20</a:t>
+              <a:t>5/29/20</a:t>
             </a:fld>
             <a:endParaRPr lang="en-US"/>
           </a:p>
@@ -880,7 +881,7 @@
           <a:p>
             <a:fld id="{30E6044F-6CD6-FA47-BEE6-35ACDD53B394}" type="datetimeFigureOut">
               <a:rPr lang="en-US" smtClean="0"/>
-              <a:t>5/27/20</a:t>
+              <a:t>5/29/20</a:t>
             </a:fld>
             <a:endParaRPr lang="en-US"/>
           </a:p>
@@ -1155,7 +1156,7 @@
           <a:p>
             <a:fld id="{30E6044F-6CD6-FA47-BEE6-35ACDD53B394}" type="datetimeFigureOut">
               <a:rPr lang="en-US" smtClean="0"/>
-              <a:t>5/27/20</a:t>
+              <a:t>5/29/20</a:t>
             </a:fld>
             <a:endParaRPr lang="en-US"/>
           </a:p>
@@ -1420,7 +1421,7 @@
           <a:p>
             <a:fld id="{30E6044F-6CD6-FA47-BEE6-35ACDD53B394}" type="datetimeFigureOut">
               <a:rPr lang="en-US" smtClean="0"/>
-              <a:t>5/27/20</a:t>
+              <a:t>5/29/20</a:t>
             </a:fld>
             <a:endParaRPr lang="en-US"/>
           </a:p>
@@ -1832,7 +1833,7 @@
           <a:p>
             <a:fld id="{30E6044F-6CD6-FA47-BEE6-35ACDD53B394}" type="datetimeFigureOut">
               <a:rPr lang="en-US" smtClean="0"/>
-              <a:t>5/27/20</a:t>
+              <a:t>5/29/20</a:t>
             </a:fld>
             <a:endParaRPr lang="en-US"/>
           </a:p>
@@ -1973,7 +1974,7 @@
           <a:p>
             <a:fld id="{30E6044F-6CD6-FA47-BEE6-35ACDD53B394}" type="datetimeFigureOut">
               <a:rPr lang="en-US" smtClean="0"/>
-              <a:t>5/27/20</a:t>
+              <a:t>5/29/20</a:t>
             </a:fld>
             <a:endParaRPr lang="en-US"/>
           </a:p>
@@ -2086,7 +2087,7 @@
           <a:p>
             <a:fld id="{30E6044F-6CD6-FA47-BEE6-35ACDD53B394}" type="datetimeFigureOut">
               <a:rPr lang="en-US" smtClean="0"/>
-              <a:t>5/27/20</a:t>
+              <a:t>5/29/20</a:t>
             </a:fld>
             <a:endParaRPr lang="en-US"/>
           </a:p>
@@ -2397,7 +2398,7 @@
           <a:p>
             <a:fld id="{30E6044F-6CD6-FA47-BEE6-35ACDD53B394}" type="datetimeFigureOut">
               <a:rPr lang="en-US" smtClean="0"/>
-              <a:t>5/27/20</a:t>
+              <a:t>5/29/20</a:t>
             </a:fld>
             <a:endParaRPr lang="en-US"/>
           </a:p>
@@ -2685,7 +2686,7 @@
           <a:p>
             <a:fld id="{30E6044F-6CD6-FA47-BEE6-35ACDD53B394}" type="datetimeFigureOut">
               <a:rPr lang="en-US" smtClean="0"/>
-              <a:t>5/27/20</a:t>
+              <a:t>5/29/20</a:t>
             </a:fld>
             <a:endParaRPr lang="en-US"/>
           </a:p>
@@ -2926,7 +2927,7 @@
           <a:p>
             <a:fld id="{30E6044F-6CD6-FA47-BEE6-35ACDD53B394}" type="datetimeFigureOut">
               <a:rPr lang="en-US" smtClean="0"/>
-              <a:t>5/27/20</a:t>
+              <a:t>5/29/20</a:t>
             </a:fld>
             <a:endParaRPr lang="en-US"/>
           </a:p>
@@ -3554,10 +3555,10 @@
       </p:pic>
       <p:pic>
         <p:nvPicPr>
-          <p:cNvPr id="4" name="Picture 3">
-            <a:extLst>
-              <a:ext uri="{FF2B5EF4-FFF2-40B4-BE49-F238E27FC236}">
-                <a16:creationId xmlns:a16="http://schemas.microsoft.com/office/drawing/2014/main" id="{C34BE948-57F6-1A42-B760-0379EA00C142}"/>
+          <p:cNvPr id="5" name="Picture 4">
+            <a:extLst>
+              <a:ext uri="{FF2B5EF4-FFF2-40B4-BE49-F238E27FC236}">
+                <a16:creationId xmlns:a16="http://schemas.microsoft.com/office/drawing/2014/main" id="{77E9D14F-4DEC-A242-A29C-7446CF5A8B5C}"/>
               </a:ext>
             </a:extLst>
           </p:cNvPr>
@@ -3574,8 +3575,8 @@
         </p:blipFill>
         <p:spPr>
           <a:xfrm>
-            <a:off x="637413" y="1999269"/>
-            <a:ext cx="7882118" cy="4476905"/>
+            <a:off x="1053762" y="1714996"/>
+            <a:ext cx="8923556" cy="5068423"/>
           </a:xfrm>
           <a:prstGeom prst="rect">
             <a:avLst/>
@@ -3768,10 +3769,10 @@
       </p:pic>
       <p:pic>
         <p:nvPicPr>
-          <p:cNvPr id="6" name="Picture 5">
-            <a:extLst>
-              <a:ext uri="{FF2B5EF4-FFF2-40B4-BE49-F238E27FC236}">
-                <a16:creationId xmlns:a16="http://schemas.microsoft.com/office/drawing/2014/main" id="{283D1F8B-63DF-7E4C-9E57-DCBEDD3B7336}"/>
+          <p:cNvPr id="7" name="Picture 6">
+            <a:extLst>
+              <a:ext uri="{FF2B5EF4-FFF2-40B4-BE49-F238E27FC236}">
+                <a16:creationId xmlns:a16="http://schemas.microsoft.com/office/drawing/2014/main" id="{DDA2B76E-6EF7-934E-BBFB-4D78EDD7EDA6}"/>
               </a:ext>
             </a:extLst>
           </p:cNvPr>
@@ -3788,8 +3789,8 @@
         </p:blipFill>
         <p:spPr>
           <a:xfrm>
-            <a:off x="838200" y="1826973"/>
-            <a:ext cx="9091961" cy="4753496"/>
+            <a:off x="947854" y="1690688"/>
+            <a:ext cx="9737366" cy="5090929"/>
           </a:xfrm>
           <a:prstGeom prst="rect">
             <a:avLst/>
@@ -3810,6 +3811,284 @@
 </file>
 
 <file path=ppt/slides/slide12.xml><?xml version="1.0" encoding="utf-8"?>
+<p:sld xmlns:a="http://schemas.openxmlformats.org/drawingml/2006/main" xmlns:r="http://schemas.openxmlformats.org/officeDocument/2006/relationships" xmlns:p="http://schemas.openxmlformats.org/presentationml/2006/main">
+  <p:cSld>
+    <p:spTree>
+      <p:nvGrpSpPr>
+        <p:cNvPr id="1" name=""/>
+        <p:cNvGrpSpPr/>
+        <p:nvPr/>
+      </p:nvGrpSpPr>
+      <p:grpSpPr>
+        <a:xfrm>
+          <a:off x="0" y="0"/>
+          <a:ext cx="0" cy="0"/>
+          <a:chOff x="0" y="0"/>
+          <a:chExt cx="0" cy="0"/>
+        </a:xfrm>
+      </p:grpSpPr>
+      <p:sp>
+        <p:nvSpPr>
+          <p:cNvPr id="2" name="Title 1">
+            <a:extLst>
+              <a:ext uri="{FF2B5EF4-FFF2-40B4-BE49-F238E27FC236}">
+                <a16:creationId xmlns:a16="http://schemas.microsoft.com/office/drawing/2014/main" id="{D337AD4A-A6FB-5942-8470-DDE73BAAE408}"/>
+              </a:ext>
+            </a:extLst>
+          </p:cNvPr>
+          <p:cNvSpPr>
+            <a:spLocks noGrp="1"/>
+          </p:cNvSpPr>
+          <p:nvPr>
+            <p:ph type="title"/>
+          </p:nvPr>
+        </p:nvSpPr>
+        <p:spPr/>
+        <p:txBody>
+          <a:bodyPr/>
+          <a:lstStyle/>
+          <a:p>
+            <a:r>
+              <a:rPr lang="en-US" dirty="0"/>
+              <a:t>Memory split up</a:t>
+            </a:r>
+          </a:p>
+        </p:txBody>
+      </p:sp>
+      <p:pic>
+        <p:nvPicPr>
+          <p:cNvPr id="4" name="Picture 3">
+            <a:extLst>
+              <a:ext uri="{FF2B5EF4-FFF2-40B4-BE49-F238E27FC236}">
+                <a16:creationId xmlns:a16="http://schemas.microsoft.com/office/drawing/2014/main" id="{4610969C-02C4-754D-8CC4-96D3FC59A8AF}"/>
+              </a:ext>
+            </a:extLst>
+          </p:cNvPr>
+          <p:cNvPicPr>
+            <a:picLocks noChangeAspect="1"/>
+          </p:cNvPicPr>
+          <p:nvPr/>
+        </p:nvPicPr>
+        <p:blipFill>
+          <a:blip r:embed="rId2"/>
+          <a:stretch>
+            <a:fillRect/>
+          </a:stretch>
+        </p:blipFill>
+        <p:spPr>
+          <a:xfrm>
+            <a:off x="6463982" y="365125"/>
+            <a:ext cx="2303255" cy="1147181"/>
+          </a:xfrm>
+          <a:prstGeom prst="rect">
+            <a:avLst/>
+          </a:prstGeom>
+        </p:spPr>
+      </p:pic>
+      <p:pic>
+        <p:nvPicPr>
+          <p:cNvPr id="6" name="Picture 5">
+            <a:extLst>
+              <a:ext uri="{FF2B5EF4-FFF2-40B4-BE49-F238E27FC236}">
+                <a16:creationId xmlns:a16="http://schemas.microsoft.com/office/drawing/2014/main" id="{F51278D1-4981-9341-8625-BA6A9FA927DE}"/>
+              </a:ext>
+            </a:extLst>
+          </p:cNvPr>
+          <p:cNvPicPr>
+            <a:picLocks noChangeAspect="1"/>
+          </p:cNvPicPr>
+          <p:nvPr/>
+        </p:nvPicPr>
+        <p:blipFill>
+          <a:blip r:embed="rId2"/>
+          <a:stretch>
+            <a:fillRect/>
+          </a:stretch>
+        </p:blipFill>
+        <p:spPr>
+          <a:xfrm>
+            <a:off x="9050545" y="365125"/>
+            <a:ext cx="2303255" cy="1147181"/>
+          </a:xfrm>
+          <a:prstGeom prst="rect">
+            <a:avLst/>
+          </a:prstGeom>
+        </p:spPr>
+      </p:pic>
+      <p:pic>
+        <p:nvPicPr>
+          <p:cNvPr id="7" name="Picture 6">
+            <a:extLst>
+              <a:ext uri="{FF2B5EF4-FFF2-40B4-BE49-F238E27FC236}">
+                <a16:creationId xmlns:a16="http://schemas.microsoft.com/office/drawing/2014/main" id="{125C33B3-3B15-9F4A-AC4E-B90FC8D0EAE1}"/>
+              </a:ext>
+            </a:extLst>
+          </p:cNvPr>
+          <p:cNvPicPr>
+            <a:picLocks noChangeAspect="1"/>
+          </p:cNvPicPr>
+          <p:nvPr/>
+        </p:nvPicPr>
+        <p:blipFill>
+          <a:blip r:embed="rId3"/>
+          <a:stretch>
+            <a:fillRect/>
+          </a:stretch>
+        </p:blipFill>
+        <p:spPr>
+          <a:xfrm>
+            <a:off x="9372902" y="669432"/>
+            <a:ext cx="545962" cy="397742"/>
+          </a:xfrm>
+          <a:prstGeom prst="rect">
+            <a:avLst/>
+          </a:prstGeom>
+        </p:spPr>
+      </p:pic>
+      <p:pic>
+        <p:nvPicPr>
+          <p:cNvPr id="8" name="Picture 7">
+            <a:extLst>
+              <a:ext uri="{FF2B5EF4-FFF2-40B4-BE49-F238E27FC236}">
+                <a16:creationId xmlns:a16="http://schemas.microsoft.com/office/drawing/2014/main" id="{606B21F7-B9D1-3141-B4BD-65F7FA573F60}"/>
+              </a:ext>
+            </a:extLst>
+          </p:cNvPr>
+          <p:cNvPicPr>
+            <a:picLocks noChangeAspect="1"/>
+          </p:cNvPicPr>
+          <p:nvPr/>
+        </p:nvPicPr>
+        <p:blipFill>
+          <a:blip r:embed="rId3"/>
+          <a:stretch>
+            <a:fillRect/>
+          </a:stretch>
+        </p:blipFill>
+        <p:spPr>
+          <a:xfrm>
+            <a:off x="6770951" y="688391"/>
+            <a:ext cx="545962" cy="397742"/>
+          </a:xfrm>
+          <a:prstGeom prst="rect">
+            <a:avLst/>
+          </a:prstGeom>
+        </p:spPr>
+      </p:pic>
+      <p:sp>
+        <p:nvSpPr>
+          <p:cNvPr id="9" name="TextBox 8">
+            <a:extLst>
+              <a:ext uri="{FF2B5EF4-FFF2-40B4-BE49-F238E27FC236}">
+                <a16:creationId xmlns:a16="http://schemas.microsoft.com/office/drawing/2014/main" id="{198D8A5E-3004-8541-B78C-254FB2E38977}"/>
+              </a:ext>
+            </a:extLst>
+          </p:cNvPr>
+          <p:cNvSpPr txBox="1"/>
+          <p:nvPr/>
+        </p:nvSpPr>
+        <p:spPr>
+          <a:xfrm>
+            <a:off x="7023343" y="738660"/>
+            <a:ext cx="546410" cy="400110"/>
+          </a:xfrm>
+          <a:prstGeom prst="rect">
+            <a:avLst/>
+          </a:prstGeom>
+          <a:noFill/>
+        </p:spPr>
+        <p:txBody>
+          <a:bodyPr wrap="square" rtlCol="0">
+            <a:spAutoFit/>
+          </a:bodyPr>
+          <a:lstStyle/>
+          <a:p>
+            <a:r>
+              <a:rPr lang="en-US" sz="2000" b="1" dirty="0"/>
+              <a:t>1</a:t>
+            </a:r>
+          </a:p>
+        </p:txBody>
+      </p:sp>
+      <p:sp>
+        <p:nvSpPr>
+          <p:cNvPr id="10" name="TextBox 9">
+            <a:extLst>
+              <a:ext uri="{FF2B5EF4-FFF2-40B4-BE49-F238E27FC236}">
+                <a16:creationId xmlns:a16="http://schemas.microsoft.com/office/drawing/2014/main" id="{69C74ED7-E581-BF41-87A5-8A664E8F3D96}"/>
+              </a:ext>
+            </a:extLst>
+          </p:cNvPr>
+          <p:cNvSpPr txBox="1"/>
+          <p:nvPr/>
+        </p:nvSpPr>
+        <p:spPr>
+          <a:xfrm>
+            <a:off x="9642331" y="734533"/>
+            <a:ext cx="546410" cy="400110"/>
+          </a:xfrm>
+          <a:prstGeom prst="rect">
+            <a:avLst/>
+          </a:prstGeom>
+          <a:noFill/>
+        </p:spPr>
+        <p:txBody>
+          <a:bodyPr wrap="square" rtlCol="0">
+            <a:spAutoFit/>
+          </a:bodyPr>
+          <a:lstStyle/>
+          <a:p>
+            <a:r>
+              <a:rPr lang="en-US" sz="2000" b="1" dirty="0"/>
+              <a:t>2</a:t>
+            </a:r>
+          </a:p>
+        </p:txBody>
+      </p:sp>
+      <p:pic>
+        <p:nvPicPr>
+          <p:cNvPr id="12" name="Picture 11">
+            <a:extLst>
+              <a:ext uri="{FF2B5EF4-FFF2-40B4-BE49-F238E27FC236}">
+                <a16:creationId xmlns:a16="http://schemas.microsoft.com/office/drawing/2014/main" id="{1A106BAE-FD7C-6E4E-B88B-3A2F4B49EF93}"/>
+              </a:ext>
+            </a:extLst>
+          </p:cNvPr>
+          <p:cNvPicPr>
+            <a:picLocks noChangeAspect="1"/>
+          </p:cNvPicPr>
+          <p:nvPr/>
+        </p:nvPicPr>
+        <p:blipFill>
+          <a:blip r:embed="rId4"/>
+          <a:stretch>
+            <a:fillRect/>
+          </a:stretch>
+        </p:blipFill>
+        <p:spPr>
+          <a:xfrm>
+            <a:off x="490653" y="2013954"/>
+            <a:ext cx="11088029" cy="3597030"/>
+          </a:xfrm>
+          <a:prstGeom prst="rect">
+            <a:avLst/>
+          </a:prstGeom>
+        </p:spPr>
+      </p:pic>
+    </p:spTree>
+    <p:extLst>
+      <p:ext uri="{BB962C8B-B14F-4D97-AF65-F5344CB8AC3E}">
+        <p14:creationId xmlns:p14="http://schemas.microsoft.com/office/powerpoint/2010/main" val="4120899257"/>
+      </p:ext>
+    </p:extLst>
+  </p:cSld>
+  <p:clrMapOvr>
+    <a:masterClrMapping/>
+  </p:clrMapOvr>
+</p:sld>
+</file>
+
+<file path=ppt/slides/slide13.xml><?xml version="1.0" encoding="utf-8"?>
 <p:sld xmlns:a="http://schemas.openxmlformats.org/drawingml/2006/main" xmlns:r="http://schemas.openxmlformats.org/officeDocument/2006/relationships" xmlns:p="http://schemas.openxmlformats.org/presentationml/2006/main">
   <p:cSld>
     <p:spTree>
@@ -4403,7 +4682,7 @@
 </p:sld>
 </file>
 
-<file path=ppt/slides/slide13.xml><?xml version="1.0" encoding="utf-8"?>
+<file path=ppt/slides/slide14.xml><?xml version="1.0" encoding="utf-8"?>
 <p:sld xmlns:a="http://schemas.openxmlformats.org/drawingml/2006/main" xmlns:r="http://schemas.openxmlformats.org/officeDocument/2006/relationships" xmlns:p="http://schemas.openxmlformats.org/presentationml/2006/main">
   <p:cSld>
     <p:spTree>
@@ -4422,36 +4701,6 @@
       </p:grpSpPr>
       <p:pic>
         <p:nvPicPr>
-          <p:cNvPr id="11" name="Picture 10">
-            <a:extLst>
-              <a:ext uri="{FF2B5EF4-FFF2-40B4-BE49-F238E27FC236}">
-                <a16:creationId xmlns:a16="http://schemas.microsoft.com/office/drawing/2014/main" id="{D06BA309-AD20-814A-BE1E-AFE6E334E872}"/>
-              </a:ext>
-            </a:extLst>
-          </p:cNvPr>
-          <p:cNvPicPr>
-            <a:picLocks noChangeAspect="1"/>
-          </p:cNvPicPr>
-          <p:nvPr/>
-        </p:nvPicPr>
-        <p:blipFill>
-          <a:blip r:embed="rId2"/>
-          <a:stretch>
-            <a:fillRect/>
-          </a:stretch>
-        </p:blipFill>
-        <p:spPr>
-          <a:xfrm>
-            <a:off x="0" y="3111191"/>
-            <a:ext cx="6014915" cy="3379312"/>
-          </a:xfrm>
-          <a:prstGeom prst="rect">
-            <a:avLst/>
-          </a:prstGeom>
-        </p:spPr>
-      </p:pic>
-      <p:pic>
-        <p:nvPicPr>
           <p:cNvPr id="7" name="Picture 6">
             <a:extLst>
               <a:ext uri="{FF2B5EF4-FFF2-40B4-BE49-F238E27FC236}">
@@ -4465,7 +4714,7 @@
           <p:nvPr/>
         </p:nvPicPr>
         <p:blipFill rotWithShape="1">
-          <a:blip r:embed="rId3"/>
+          <a:blip r:embed="rId2"/>
           <a:srcRect l="57451" t="11592" r="4059" b="51210"/>
           <a:stretch/>
         </p:blipFill>
@@ -4473,36 +4722,6 @@
           <a:xfrm>
             <a:off x="2772317" y="1914728"/>
             <a:ext cx="942721" cy="972422"/>
-          </a:xfrm>
-          <a:prstGeom prst="rect">
-            <a:avLst/>
-          </a:prstGeom>
-        </p:spPr>
-      </p:pic>
-      <p:pic>
-        <p:nvPicPr>
-          <p:cNvPr id="4" name="Picture 3">
-            <a:extLst>
-              <a:ext uri="{FF2B5EF4-FFF2-40B4-BE49-F238E27FC236}">
-                <a16:creationId xmlns:a16="http://schemas.microsoft.com/office/drawing/2014/main" id="{8029379D-51B0-3E4E-9F03-60C2BDE5D82F}"/>
-              </a:ext>
-            </a:extLst>
-          </p:cNvPr>
-          <p:cNvPicPr>
-            <a:picLocks noChangeAspect="1"/>
-          </p:cNvPicPr>
-          <p:nvPr/>
-        </p:nvPicPr>
-        <p:blipFill>
-          <a:blip r:embed="rId4"/>
-          <a:stretch>
-            <a:fillRect/>
-          </a:stretch>
-        </p:blipFill>
-        <p:spPr>
-          <a:xfrm>
-            <a:off x="6096000" y="3111191"/>
-            <a:ext cx="6063108" cy="3406388"/>
           </a:xfrm>
           <a:prstGeom prst="rect">
             <a:avLst/>
@@ -4524,7 +4743,7 @@
           <p:nvPr/>
         </p:nvPicPr>
         <p:blipFill rotWithShape="1">
-          <a:blip r:embed="rId3"/>
+          <a:blip r:embed="rId2"/>
           <a:srcRect b="9525"/>
           <a:stretch/>
         </p:blipFill>
@@ -4575,304 +4794,6 @@
     <p:extLst>
       <p:ext uri="{BB962C8B-B14F-4D97-AF65-F5344CB8AC3E}">
         <p14:creationId xmlns:p14="http://schemas.microsoft.com/office/powerpoint/2010/main" val="4115949871"/>
-      </p:ext>
-    </p:extLst>
-  </p:cSld>
-  <p:clrMapOvr>
-    <a:masterClrMapping/>
-  </p:clrMapOvr>
-</p:sld>
-</file>
-
-<file path=ppt/slides/slide14.xml><?xml version="1.0" encoding="utf-8"?>
-<p:sld xmlns:a="http://schemas.openxmlformats.org/drawingml/2006/main" xmlns:r="http://schemas.openxmlformats.org/officeDocument/2006/relationships" xmlns:p="http://schemas.openxmlformats.org/presentationml/2006/main">
-  <p:cSld>
-    <p:spTree>
-      <p:nvGrpSpPr>
-        <p:cNvPr id="1" name=""/>
-        <p:cNvGrpSpPr/>
-        <p:nvPr/>
-      </p:nvGrpSpPr>
-      <p:grpSpPr>
-        <a:xfrm>
-          <a:off x="0" y="0"/>
-          <a:ext cx="0" cy="0"/>
-          <a:chOff x="0" y="0"/>
-          <a:chExt cx="0" cy="0"/>
-        </a:xfrm>
-      </p:grpSpPr>
-      <p:sp>
-        <p:nvSpPr>
-          <p:cNvPr id="2" name="Title 1">
-            <a:extLst>
-              <a:ext uri="{FF2B5EF4-FFF2-40B4-BE49-F238E27FC236}">
-                <a16:creationId xmlns:a16="http://schemas.microsoft.com/office/drawing/2014/main" id="{195ED5CE-821E-8B4A-A08C-F302397FA83C}"/>
-              </a:ext>
-            </a:extLst>
-          </p:cNvPr>
-          <p:cNvSpPr>
-            <a:spLocks noGrp="1"/>
-          </p:cNvSpPr>
-          <p:nvPr>
-            <p:ph type="title"/>
-          </p:nvPr>
-        </p:nvSpPr>
-        <p:spPr/>
-        <p:txBody>
-          <a:bodyPr>
-            <a:normAutofit/>
-          </a:bodyPr>
-          <a:lstStyle/>
-          <a:p>
-            <a:r>
-              <a:rPr lang="en-US" sz="3200" dirty="0"/>
-              <a:t>Same Subject, Between Task</a:t>
-            </a:r>
-          </a:p>
-        </p:txBody>
-      </p:sp>
-      <p:pic>
-        <p:nvPicPr>
-          <p:cNvPr id="4" name="Picture 3">
-            <a:extLst>
-              <a:ext uri="{FF2B5EF4-FFF2-40B4-BE49-F238E27FC236}">
-                <a16:creationId xmlns:a16="http://schemas.microsoft.com/office/drawing/2014/main" id="{2AF72CE0-CD59-1746-9B0D-03623F8CF9FF}"/>
-              </a:ext>
-            </a:extLst>
-          </p:cNvPr>
-          <p:cNvPicPr>
-            <a:picLocks noChangeAspect="1"/>
-          </p:cNvPicPr>
-          <p:nvPr/>
-        </p:nvPicPr>
-        <p:blipFill>
-          <a:blip r:embed="rId2"/>
-          <a:stretch>
-            <a:fillRect/>
-          </a:stretch>
-        </p:blipFill>
-        <p:spPr>
-          <a:xfrm>
-            <a:off x="6463982" y="365125"/>
-            <a:ext cx="2303255" cy="1147181"/>
-          </a:xfrm>
-          <a:prstGeom prst="rect">
-            <a:avLst/>
-          </a:prstGeom>
-        </p:spPr>
-      </p:pic>
-      <p:pic>
-        <p:nvPicPr>
-          <p:cNvPr id="5" name="Picture 4">
-            <a:extLst>
-              <a:ext uri="{FF2B5EF4-FFF2-40B4-BE49-F238E27FC236}">
-                <a16:creationId xmlns:a16="http://schemas.microsoft.com/office/drawing/2014/main" id="{AB76C223-56A7-0C4C-9B74-481FEAD69F03}"/>
-              </a:ext>
-            </a:extLst>
-          </p:cNvPr>
-          <p:cNvPicPr>
-            <a:picLocks noChangeAspect="1"/>
-          </p:cNvPicPr>
-          <p:nvPr/>
-        </p:nvPicPr>
-        <p:blipFill>
-          <a:blip r:embed="rId3"/>
-          <a:stretch>
-            <a:fillRect/>
-          </a:stretch>
-        </p:blipFill>
-        <p:spPr>
-          <a:xfrm>
-            <a:off x="6734707" y="631525"/>
-            <a:ext cx="579360" cy="559458"/>
-          </a:xfrm>
-          <a:prstGeom prst="rect">
-            <a:avLst/>
-          </a:prstGeom>
-        </p:spPr>
-      </p:pic>
-      <p:pic>
-        <p:nvPicPr>
-          <p:cNvPr id="6" name="Picture 5">
-            <a:extLst>
-              <a:ext uri="{FF2B5EF4-FFF2-40B4-BE49-F238E27FC236}">
-                <a16:creationId xmlns:a16="http://schemas.microsoft.com/office/drawing/2014/main" id="{94D54403-0CEA-EA41-9405-9828372C2532}"/>
-              </a:ext>
-            </a:extLst>
-          </p:cNvPr>
-          <p:cNvPicPr>
-            <a:picLocks noChangeAspect="1"/>
-          </p:cNvPicPr>
-          <p:nvPr/>
-        </p:nvPicPr>
-        <p:blipFill>
-          <a:blip r:embed="rId2"/>
-          <a:stretch>
-            <a:fillRect/>
-          </a:stretch>
-        </p:blipFill>
-        <p:spPr>
-          <a:xfrm>
-            <a:off x="9050545" y="365125"/>
-            <a:ext cx="2303255" cy="1147181"/>
-          </a:xfrm>
-          <a:prstGeom prst="rect">
-            <a:avLst/>
-          </a:prstGeom>
-        </p:spPr>
-      </p:pic>
-      <p:pic>
-        <p:nvPicPr>
-          <p:cNvPr id="7" name="Picture 6">
-            <a:extLst>
-              <a:ext uri="{FF2B5EF4-FFF2-40B4-BE49-F238E27FC236}">
-                <a16:creationId xmlns:a16="http://schemas.microsoft.com/office/drawing/2014/main" id="{2311CE01-07D5-1748-B5EF-18418385570B}"/>
-              </a:ext>
-            </a:extLst>
-          </p:cNvPr>
-          <p:cNvPicPr>
-            <a:picLocks noChangeAspect="1"/>
-          </p:cNvPicPr>
-          <p:nvPr/>
-        </p:nvPicPr>
-        <p:blipFill>
-          <a:blip r:embed="rId4"/>
-          <a:stretch>
-            <a:fillRect/>
-          </a:stretch>
-        </p:blipFill>
-        <p:spPr>
-          <a:xfrm>
-            <a:off x="9372902" y="669432"/>
-            <a:ext cx="545962" cy="397742"/>
-          </a:xfrm>
-          <a:prstGeom prst="rect">
-            <a:avLst/>
-          </a:prstGeom>
-        </p:spPr>
-      </p:pic>
-      <p:pic>
-        <p:nvPicPr>
-          <p:cNvPr id="13" name="Picture 12">
-            <a:extLst>
-              <a:ext uri="{FF2B5EF4-FFF2-40B4-BE49-F238E27FC236}">
-                <a16:creationId xmlns:a16="http://schemas.microsoft.com/office/drawing/2014/main" id="{2188BBE4-3A37-D148-AFE2-DD5731B74781}"/>
-              </a:ext>
-            </a:extLst>
-          </p:cNvPr>
-          <p:cNvPicPr>
-            <a:picLocks noChangeAspect="1"/>
-          </p:cNvPicPr>
-          <p:nvPr/>
-        </p:nvPicPr>
-        <p:blipFill>
-          <a:blip r:embed="rId5"/>
-          <a:stretch>
-            <a:fillRect/>
-          </a:stretch>
-        </p:blipFill>
-        <p:spPr>
-          <a:xfrm>
-            <a:off x="1317167" y="1690688"/>
-            <a:ext cx="7733378" cy="2508759"/>
-          </a:xfrm>
-          <a:prstGeom prst="rect">
-            <a:avLst/>
-          </a:prstGeom>
-        </p:spPr>
-      </p:pic>
-      <p:pic>
-        <p:nvPicPr>
-          <p:cNvPr id="8" name="Picture 7">
-            <a:extLst>
-              <a:ext uri="{FF2B5EF4-FFF2-40B4-BE49-F238E27FC236}">
-                <a16:creationId xmlns:a16="http://schemas.microsoft.com/office/drawing/2014/main" id="{D6699368-14CB-2F4D-99BC-C5EDC9547FA3}"/>
-              </a:ext>
-            </a:extLst>
-          </p:cNvPr>
-          <p:cNvPicPr>
-            <a:picLocks noChangeAspect="1"/>
-          </p:cNvPicPr>
-          <p:nvPr/>
-        </p:nvPicPr>
-        <p:blipFill>
-          <a:blip r:embed="rId6"/>
-          <a:stretch>
-            <a:fillRect/>
-          </a:stretch>
-        </p:blipFill>
-        <p:spPr>
-          <a:xfrm>
-            <a:off x="1317167" y="4199446"/>
-            <a:ext cx="7733378" cy="2508759"/>
-          </a:xfrm>
-          <a:prstGeom prst="rect">
-            <a:avLst/>
-          </a:prstGeom>
-        </p:spPr>
-      </p:pic>
-      <p:pic>
-        <p:nvPicPr>
-          <p:cNvPr id="10" name="Picture 9">
-            <a:extLst>
-              <a:ext uri="{FF2B5EF4-FFF2-40B4-BE49-F238E27FC236}">
-                <a16:creationId xmlns:a16="http://schemas.microsoft.com/office/drawing/2014/main" id="{F38C2F77-46DC-E644-8791-92B7F111784D}"/>
-              </a:ext>
-            </a:extLst>
-          </p:cNvPr>
-          <p:cNvPicPr>
-            <a:picLocks noChangeAspect="1"/>
-          </p:cNvPicPr>
-          <p:nvPr/>
-        </p:nvPicPr>
-        <p:blipFill rotWithShape="1">
-          <a:blip r:embed="rId7"/>
-          <a:srcRect l="57451" t="11592" r="4059" b="51210"/>
-          <a:stretch/>
-        </p:blipFill>
-        <p:spPr>
-          <a:xfrm>
-            <a:off x="9970864" y="2418994"/>
-            <a:ext cx="942721" cy="972422"/>
-          </a:xfrm>
-          <a:prstGeom prst="rect">
-            <a:avLst/>
-          </a:prstGeom>
-        </p:spPr>
-      </p:pic>
-      <p:pic>
-        <p:nvPicPr>
-          <p:cNvPr id="11" name="Picture 10">
-            <a:extLst>
-              <a:ext uri="{FF2B5EF4-FFF2-40B4-BE49-F238E27FC236}">
-                <a16:creationId xmlns:a16="http://schemas.microsoft.com/office/drawing/2014/main" id="{7F36A7AF-6D12-2C48-9C23-6082940E6639}"/>
-              </a:ext>
-            </a:extLst>
-          </p:cNvPr>
-          <p:cNvPicPr>
-            <a:picLocks noChangeAspect="1"/>
-          </p:cNvPicPr>
-          <p:nvPr/>
-        </p:nvPicPr>
-        <p:blipFill rotWithShape="1">
-          <a:blip r:embed="rId7"/>
-          <a:srcRect b="9525"/>
-          <a:stretch/>
-        </p:blipFill>
-        <p:spPr>
-          <a:xfrm>
-            <a:off x="9338254" y="4298103"/>
-            <a:ext cx="2207942" cy="2132082"/>
-          </a:xfrm>
-          <a:prstGeom prst="rect">
-            <a:avLst/>
-          </a:prstGeom>
-        </p:spPr>
-      </p:pic>
-    </p:spTree>
-    <p:extLst>
-      <p:ext uri="{BB962C8B-B14F-4D97-AF65-F5344CB8AC3E}">
-        <p14:creationId xmlns:p14="http://schemas.microsoft.com/office/powerpoint/2010/main" val="730327739"/>
       </p:ext>
     </p:extLst>
   </p:cSld>
@@ -4904,7 +4825,7 @@
           <p:cNvPr id="2" name="Title 1">
             <a:extLst>
               <a:ext uri="{FF2B5EF4-FFF2-40B4-BE49-F238E27FC236}">
-                <a16:creationId xmlns:a16="http://schemas.microsoft.com/office/drawing/2014/main" id="{1D3A34D6-73C8-3046-A9F9-E75648BC7417}"/>
+                <a16:creationId xmlns:a16="http://schemas.microsoft.com/office/drawing/2014/main" id="{195ED5CE-821E-8B4A-A08C-F302397FA83C}"/>
               </a:ext>
             </a:extLst>
           </p:cNvPr>
@@ -4924,17 +4845,17 @@
           <a:p>
             <a:r>
               <a:rPr lang="en-US" sz="3200" dirty="0"/>
-              <a:t>Different subject same task</a:t>
+              <a:t>Same Subject, Between Task</a:t>
             </a:r>
           </a:p>
         </p:txBody>
       </p:sp>
       <p:pic>
         <p:nvPicPr>
-          <p:cNvPr id="6" name="Picture 5">
-            <a:extLst>
-              <a:ext uri="{FF2B5EF4-FFF2-40B4-BE49-F238E27FC236}">
-                <a16:creationId xmlns:a16="http://schemas.microsoft.com/office/drawing/2014/main" id="{71AA2547-BB1D-1041-B90C-8DB365870AC9}"/>
+          <p:cNvPr id="4" name="Picture 3">
+            <a:extLst>
+              <a:ext uri="{FF2B5EF4-FFF2-40B4-BE49-F238E27FC236}">
+                <a16:creationId xmlns:a16="http://schemas.microsoft.com/office/drawing/2014/main" id="{2AF72CE0-CD59-1746-9B0D-03623F8CF9FF}"/>
               </a:ext>
             </a:extLst>
           </p:cNvPr>
@@ -4951,8 +4872,8 @@
         </p:blipFill>
         <p:spPr>
           <a:xfrm>
-            <a:off x="9586469" y="441371"/>
-            <a:ext cx="2299758" cy="1145440"/>
+            <a:off x="6463982" y="365125"/>
+            <a:ext cx="2303255" cy="1147181"/>
           </a:xfrm>
           <a:prstGeom prst="rect">
             <a:avLst/>
@@ -4961,10 +4882,10 @@
       </p:pic>
       <p:pic>
         <p:nvPicPr>
-          <p:cNvPr id="7" name="Picture 6">
-            <a:extLst>
-              <a:ext uri="{FF2B5EF4-FFF2-40B4-BE49-F238E27FC236}">
-                <a16:creationId xmlns:a16="http://schemas.microsoft.com/office/drawing/2014/main" id="{F15E4A10-0663-364B-BCCE-D05742C90761}"/>
+          <p:cNvPr id="5" name="Picture 4">
+            <a:extLst>
+              <a:ext uri="{FF2B5EF4-FFF2-40B4-BE49-F238E27FC236}">
+                <a16:creationId xmlns:a16="http://schemas.microsoft.com/office/drawing/2014/main" id="{AB76C223-56A7-0C4C-9B74-481FEAD69F03}"/>
               </a:ext>
             </a:extLst>
           </p:cNvPr>
@@ -4981,8 +4902,8 @@
         </p:blipFill>
         <p:spPr>
           <a:xfrm>
-            <a:off x="9867108" y="761984"/>
-            <a:ext cx="545134" cy="397139"/>
+            <a:off x="6734707" y="631525"/>
+            <a:ext cx="579360" cy="559458"/>
           </a:xfrm>
           <a:prstGeom prst="rect">
             <a:avLst/>
@@ -4991,10 +4912,70 @@
       </p:pic>
       <p:pic>
         <p:nvPicPr>
-          <p:cNvPr id="14" name="Picture 13">
-            <a:extLst>
-              <a:ext uri="{FF2B5EF4-FFF2-40B4-BE49-F238E27FC236}">
-                <a16:creationId xmlns:a16="http://schemas.microsoft.com/office/drawing/2014/main" id="{6CB4F419-736A-9146-AE24-D114AF35A105}"/>
+          <p:cNvPr id="6" name="Picture 5">
+            <a:extLst>
+              <a:ext uri="{FF2B5EF4-FFF2-40B4-BE49-F238E27FC236}">
+                <a16:creationId xmlns:a16="http://schemas.microsoft.com/office/drawing/2014/main" id="{94D54403-0CEA-EA41-9405-9828372C2532}"/>
+              </a:ext>
+            </a:extLst>
+          </p:cNvPr>
+          <p:cNvPicPr>
+            <a:picLocks noChangeAspect="1"/>
+          </p:cNvPicPr>
+          <p:nvPr/>
+        </p:nvPicPr>
+        <p:blipFill>
+          <a:blip r:embed="rId2"/>
+          <a:stretch>
+            <a:fillRect/>
+          </a:stretch>
+        </p:blipFill>
+        <p:spPr>
+          <a:xfrm>
+            <a:off x="9050545" y="365125"/>
+            <a:ext cx="2303255" cy="1147181"/>
+          </a:xfrm>
+          <a:prstGeom prst="rect">
+            <a:avLst/>
+          </a:prstGeom>
+        </p:spPr>
+      </p:pic>
+      <p:pic>
+        <p:nvPicPr>
+          <p:cNvPr id="7" name="Picture 6">
+            <a:extLst>
+              <a:ext uri="{FF2B5EF4-FFF2-40B4-BE49-F238E27FC236}">
+                <a16:creationId xmlns:a16="http://schemas.microsoft.com/office/drawing/2014/main" id="{2311CE01-07D5-1748-B5EF-18418385570B}"/>
+              </a:ext>
+            </a:extLst>
+          </p:cNvPr>
+          <p:cNvPicPr>
+            <a:picLocks noChangeAspect="1"/>
+          </p:cNvPicPr>
+          <p:nvPr/>
+        </p:nvPicPr>
+        <p:blipFill>
+          <a:blip r:embed="rId4"/>
+          <a:stretch>
+            <a:fillRect/>
+          </a:stretch>
+        </p:blipFill>
+        <p:spPr>
+          <a:xfrm>
+            <a:off x="9372902" y="669432"/>
+            <a:ext cx="545962" cy="397742"/>
+          </a:xfrm>
+          <a:prstGeom prst="rect">
+            <a:avLst/>
+          </a:prstGeom>
+        </p:spPr>
+      </p:pic>
+      <p:pic>
+        <p:nvPicPr>
+          <p:cNvPr id="10" name="Picture 9">
+            <a:extLst>
+              <a:ext uri="{FF2B5EF4-FFF2-40B4-BE49-F238E27FC236}">
+                <a16:creationId xmlns:a16="http://schemas.microsoft.com/office/drawing/2014/main" id="{F38C2F77-46DC-E644-8791-92B7F111784D}"/>
               </a:ext>
             </a:extLst>
           </p:cNvPr>
@@ -5004,14 +4985,14 @@
           <p:nvPr/>
         </p:nvPicPr>
         <p:blipFill rotWithShape="1">
-          <a:blip r:embed="rId4"/>
-          <a:srcRect l="1297" t="8770" r="5594"/>
+          <a:blip r:embed="rId5"/>
+          <a:srcRect l="57451" t="11592" r="4059" b="51210"/>
           <a:stretch/>
         </p:blipFill>
         <p:spPr>
           <a:xfrm>
-            <a:off x="6872118" y="441371"/>
-            <a:ext cx="2391522" cy="1197379"/>
+            <a:off x="9970864" y="2418994"/>
+            <a:ext cx="942721" cy="972422"/>
           </a:xfrm>
           <a:prstGeom prst="rect">
             <a:avLst/>
@@ -5020,70 +5001,10 @@
       </p:pic>
       <p:pic>
         <p:nvPicPr>
-          <p:cNvPr id="15" name="Picture 14">
-            <a:extLst>
-              <a:ext uri="{FF2B5EF4-FFF2-40B4-BE49-F238E27FC236}">
-                <a16:creationId xmlns:a16="http://schemas.microsoft.com/office/drawing/2014/main" id="{138BEE78-C707-5B41-A80E-5942DDE5A9E6}"/>
-              </a:ext>
-            </a:extLst>
-          </p:cNvPr>
-          <p:cNvPicPr>
-            <a:picLocks noChangeAspect="1"/>
-          </p:cNvPicPr>
-          <p:nvPr/>
-        </p:nvPicPr>
-        <p:blipFill>
-          <a:blip r:embed="rId3"/>
-          <a:stretch>
-            <a:fillRect/>
-          </a:stretch>
-        </p:blipFill>
-        <p:spPr>
-          <a:xfrm>
-            <a:off x="8419226" y="749952"/>
-            <a:ext cx="545962" cy="397742"/>
-          </a:xfrm>
-          <a:prstGeom prst="rect">
-            <a:avLst/>
-          </a:prstGeom>
-        </p:spPr>
-      </p:pic>
-      <p:pic>
-        <p:nvPicPr>
-          <p:cNvPr id="4" name="Picture 3">
-            <a:extLst>
-              <a:ext uri="{FF2B5EF4-FFF2-40B4-BE49-F238E27FC236}">
-                <a16:creationId xmlns:a16="http://schemas.microsoft.com/office/drawing/2014/main" id="{BF45DF6F-67B9-3645-8FE5-914FD1036787}"/>
-              </a:ext>
-            </a:extLst>
-          </p:cNvPr>
-          <p:cNvPicPr>
-            <a:picLocks noChangeAspect="1"/>
-          </p:cNvPicPr>
-          <p:nvPr/>
-        </p:nvPicPr>
-        <p:blipFill>
-          <a:blip r:embed="rId5"/>
-          <a:stretch>
-            <a:fillRect/>
-          </a:stretch>
-        </p:blipFill>
-        <p:spPr>
-          <a:xfrm>
-            <a:off x="759187" y="1333100"/>
-            <a:ext cx="4713968" cy="2677451"/>
-          </a:xfrm>
-          <a:prstGeom prst="rect">
-            <a:avLst/>
-          </a:prstGeom>
-        </p:spPr>
-      </p:pic>
-      <p:pic>
-        <p:nvPicPr>
-          <p:cNvPr id="8" name="Picture 7">
-            <a:extLst>
-              <a:ext uri="{FF2B5EF4-FFF2-40B4-BE49-F238E27FC236}">
-                <a16:creationId xmlns:a16="http://schemas.microsoft.com/office/drawing/2014/main" id="{1B354E9F-6AE6-DB4B-9AFE-075975A8430B}"/>
+          <p:cNvPr id="11" name="Picture 10">
+            <a:extLst>
+              <a:ext uri="{FF2B5EF4-FFF2-40B4-BE49-F238E27FC236}">
+                <a16:creationId xmlns:a16="http://schemas.microsoft.com/office/drawing/2014/main" id="{7F36A7AF-6D12-2C48-9C23-6082940E6639}"/>
               </a:ext>
             </a:extLst>
           </p:cNvPr>
@@ -5093,72 +5014,13 @@
           <p:nvPr/>
         </p:nvPicPr>
         <p:blipFill rotWithShape="1">
-          <a:blip r:embed="rId6"/>
-          <a:srcRect l="57451" t="11592" r="4059" b="51210"/>
-          <a:stretch/>
-        </p:blipFill>
-        <p:spPr>
-          <a:xfrm>
-            <a:off x="6400757" y="2051826"/>
-            <a:ext cx="942721" cy="972422"/>
-          </a:xfrm>
-          <a:prstGeom prst="rect">
-            <a:avLst/>
-          </a:prstGeom>
-        </p:spPr>
-      </p:pic>
-      <p:pic>
-        <p:nvPicPr>
-          <p:cNvPr id="5" name="Picture 4">
-            <a:extLst>
-              <a:ext uri="{FF2B5EF4-FFF2-40B4-BE49-F238E27FC236}">
-                <a16:creationId xmlns:a16="http://schemas.microsoft.com/office/drawing/2014/main" id="{67FC6147-70F7-684D-ACC8-C2312B170B93}"/>
-              </a:ext>
-            </a:extLst>
-          </p:cNvPr>
-          <p:cNvPicPr>
-            <a:picLocks noChangeAspect="1"/>
-          </p:cNvPicPr>
-          <p:nvPr/>
-        </p:nvPicPr>
-        <p:blipFill>
-          <a:blip r:embed="rId7"/>
-          <a:stretch>
-            <a:fillRect/>
-          </a:stretch>
-        </p:blipFill>
-        <p:spPr>
-          <a:xfrm>
-            <a:off x="667867" y="3958683"/>
-            <a:ext cx="4805288" cy="2729319"/>
-          </a:xfrm>
-          <a:prstGeom prst="rect">
-            <a:avLst/>
-          </a:prstGeom>
-        </p:spPr>
-      </p:pic>
-      <p:pic>
-        <p:nvPicPr>
-          <p:cNvPr id="11" name="Picture 10">
-            <a:extLst>
-              <a:ext uri="{FF2B5EF4-FFF2-40B4-BE49-F238E27FC236}">
-                <a16:creationId xmlns:a16="http://schemas.microsoft.com/office/drawing/2014/main" id="{CBE12CE6-04EC-1742-A0A3-998B03DFF9E1}"/>
-              </a:ext>
-            </a:extLst>
-          </p:cNvPr>
-          <p:cNvPicPr>
-            <a:picLocks noChangeAspect="1"/>
-          </p:cNvPicPr>
-          <p:nvPr/>
-        </p:nvPicPr>
-        <p:blipFill rotWithShape="1">
-          <a:blip r:embed="rId6"/>
+          <a:blip r:embed="rId5"/>
           <a:srcRect b="9525"/>
           <a:stretch/>
         </p:blipFill>
         <p:spPr>
           <a:xfrm>
-            <a:off x="5768147" y="4122848"/>
+            <a:off x="9338254" y="4298103"/>
             <a:ext cx="2207942" cy="2132082"/>
           </a:xfrm>
           <a:prstGeom prst="rect">
@@ -5169,7 +5031,7 @@
     </p:spTree>
     <p:extLst>
       <p:ext uri="{BB962C8B-B14F-4D97-AF65-F5344CB8AC3E}">
-        <p14:creationId xmlns:p14="http://schemas.microsoft.com/office/powerpoint/2010/main" val="1328961298"/>
+        <p14:creationId xmlns:p14="http://schemas.microsoft.com/office/powerpoint/2010/main" val="730327739"/>
       </p:ext>
     </p:extLst>
   </p:cSld>
@@ -5201,7 +5063,7 @@
           <p:cNvPr id="2" name="Title 1">
             <a:extLst>
               <a:ext uri="{FF2B5EF4-FFF2-40B4-BE49-F238E27FC236}">
-                <a16:creationId xmlns:a16="http://schemas.microsoft.com/office/drawing/2014/main" id="{CED2EEDA-544A-BA43-9936-A4E5D4B4D9C1}"/>
+                <a16:creationId xmlns:a16="http://schemas.microsoft.com/office/drawing/2014/main" id="{1D3A34D6-73C8-3046-A9F9-E75648BC7417}"/>
               </a:ext>
             </a:extLst>
           </p:cNvPr>
@@ -5212,12 +5074,7 @@
             <p:ph type="title"/>
           </p:nvPr>
         </p:nvSpPr>
-        <p:spPr>
-          <a:xfrm>
-            <a:off x="838200" y="321013"/>
-            <a:ext cx="6106751" cy="1369675"/>
-          </a:xfrm>
-        </p:spPr>
+        <p:spPr/>
         <p:txBody>
           <a:bodyPr>
             <a:normAutofit/>
@@ -5226,17 +5083,17 @@
           <a:p>
             <a:r>
               <a:rPr lang="en-US" sz="3200" dirty="0"/>
-              <a:t>Different subject, different task</a:t>
+              <a:t>Different subject same task</a:t>
             </a:r>
           </a:p>
         </p:txBody>
       </p:sp>
       <p:pic>
         <p:nvPicPr>
-          <p:cNvPr id="4" name="Picture 3">
-            <a:extLst>
-              <a:ext uri="{FF2B5EF4-FFF2-40B4-BE49-F238E27FC236}">
-                <a16:creationId xmlns:a16="http://schemas.microsoft.com/office/drawing/2014/main" id="{F8848854-FD01-884D-B033-A75C34C5C680}"/>
+          <p:cNvPr id="6" name="Picture 5">
+            <a:extLst>
+              <a:ext uri="{FF2B5EF4-FFF2-40B4-BE49-F238E27FC236}">
+                <a16:creationId xmlns:a16="http://schemas.microsoft.com/office/drawing/2014/main" id="{71AA2547-BB1D-1041-B90C-8DB365870AC9}"/>
               </a:ext>
             </a:extLst>
           </p:cNvPr>
@@ -5253,8 +5110,8 @@
         </p:blipFill>
         <p:spPr>
           <a:xfrm>
-            <a:off x="6236439" y="321013"/>
-            <a:ext cx="2515599" cy="1252943"/>
+            <a:off x="9586469" y="441371"/>
+            <a:ext cx="2299758" cy="1145440"/>
           </a:xfrm>
           <a:prstGeom prst="rect">
             <a:avLst/>
@@ -5263,10 +5120,10 @@
       </p:pic>
       <p:pic>
         <p:nvPicPr>
-          <p:cNvPr id="5" name="Picture 4">
-            <a:extLst>
-              <a:ext uri="{FF2B5EF4-FFF2-40B4-BE49-F238E27FC236}">
-                <a16:creationId xmlns:a16="http://schemas.microsoft.com/office/drawing/2014/main" id="{E9552F7D-EB1C-0148-BA65-B32144D746EE}"/>
+          <p:cNvPr id="7" name="Picture 6">
+            <a:extLst>
+              <a:ext uri="{FF2B5EF4-FFF2-40B4-BE49-F238E27FC236}">
+                <a16:creationId xmlns:a16="http://schemas.microsoft.com/office/drawing/2014/main" id="{F15E4A10-0663-364B-BCCE-D05742C90761}"/>
               </a:ext>
             </a:extLst>
           </p:cNvPr>
@@ -5283,8 +5140,8 @@
         </p:blipFill>
         <p:spPr>
           <a:xfrm>
-            <a:off x="6514817" y="629594"/>
-            <a:ext cx="579360" cy="559458"/>
+            <a:off x="9867108" y="761984"/>
+            <a:ext cx="545134" cy="397139"/>
           </a:xfrm>
           <a:prstGeom prst="rect">
             <a:avLst/>
@@ -5293,10 +5150,10 @@
       </p:pic>
       <p:pic>
         <p:nvPicPr>
-          <p:cNvPr id="8" name="Picture 7">
-            <a:extLst>
-              <a:ext uri="{FF2B5EF4-FFF2-40B4-BE49-F238E27FC236}">
-                <a16:creationId xmlns:a16="http://schemas.microsoft.com/office/drawing/2014/main" id="{1EF11236-C44F-6948-80AC-E2B1B7DD6D76}"/>
+          <p:cNvPr id="14" name="Picture 13">
+            <a:extLst>
+              <a:ext uri="{FF2B5EF4-FFF2-40B4-BE49-F238E27FC236}">
+                <a16:creationId xmlns:a16="http://schemas.microsoft.com/office/drawing/2014/main" id="{6CB4F419-736A-9146-AE24-D114AF35A105}"/>
               </a:ext>
             </a:extLst>
           </p:cNvPr>
@@ -5312,7 +5169,7 @@
         </p:blipFill>
         <p:spPr>
           <a:xfrm>
-            <a:off x="9235107" y="321013"/>
+            <a:off x="6872118" y="441371"/>
             <a:ext cx="2391522" cy="1197379"/>
           </a:xfrm>
           <a:prstGeom prst="rect">
@@ -5322,10 +5179,10 @@
       </p:pic>
       <p:pic>
         <p:nvPicPr>
-          <p:cNvPr id="9" name="Picture 8">
-            <a:extLst>
-              <a:ext uri="{FF2B5EF4-FFF2-40B4-BE49-F238E27FC236}">
-                <a16:creationId xmlns:a16="http://schemas.microsoft.com/office/drawing/2014/main" id="{3242A54C-7FBC-EB47-96A4-5A22A04F9BBB}"/>
+          <p:cNvPr id="15" name="Picture 14">
+            <a:extLst>
+              <a:ext uri="{FF2B5EF4-FFF2-40B4-BE49-F238E27FC236}">
+                <a16:creationId xmlns:a16="http://schemas.microsoft.com/office/drawing/2014/main" id="{138BEE78-C707-5B41-A80E-5942DDE5A9E6}"/>
               </a:ext>
             </a:extLst>
           </p:cNvPr>
@@ -5335,14 +5192,14 @@
           <p:nvPr/>
         </p:nvPicPr>
         <p:blipFill>
-          <a:blip r:embed="rId5"/>
+          <a:blip r:embed="rId3"/>
           <a:stretch>
             <a:fillRect/>
           </a:stretch>
         </p:blipFill>
         <p:spPr>
           <a:xfrm>
-            <a:off x="10782215" y="629594"/>
+            <a:off x="8419226" y="749952"/>
             <a:ext cx="545962" cy="397742"/>
           </a:xfrm>
           <a:prstGeom prst="rect">
@@ -5352,40 +5209,10 @@
       </p:pic>
       <p:pic>
         <p:nvPicPr>
-          <p:cNvPr id="10" name="Picture 9">
-            <a:extLst>
-              <a:ext uri="{FF2B5EF4-FFF2-40B4-BE49-F238E27FC236}">
-                <a16:creationId xmlns:a16="http://schemas.microsoft.com/office/drawing/2014/main" id="{09F1CFB0-F8CD-0949-8F48-F2BE694B695E}"/>
-              </a:ext>
-            </a:extLst>
-          </p:cNvPr>
-          <p:cNvPicPr>
-            <a:picLocks noChangeAspect="1"/>
-          </p:cNvPicPr>
-          <p:nvPr/>
-        </p:nvPicPr>
-        <p:blipFill>
-          <a:blip r:embed="rId6"/>
-          <a:stretch>
-            <a:fillRect/>
-          </a:stretch>
-        </p:blipFill>
-        <p:spPr>
-          <a:xfrm>
-            <a:off x="838200" y="1189052"/>
-            <a:ext cx="5206516" cy="2722092"/>
-          </a:xfrm>
-          <a:prstGeom prst="rect">
-            <a:avLst/>
-          </a:prstGeom>
-        </p:spPr>
-      </p:pic>
-      <p:pic>
-        <p:nvPicPr>
-          <p:cNvPr id="11" name="Picture 10">
-            <a:extLst>
-              <a:ext uri="{FF2B5EF4-FFF2-40B4-BE49-F238E27FC236}">
-                <a16:creationId xmlns:a16="http://schemas.microsoft.com/office/drawing/2014/main" id="{D17EE725-426F-1440-82A7-3ABC855600A7}"/>
+          <p:cNvPr id="8" name="Picture 7">
+            <a:extLst>
+              <a:ext uri="{FF2B5EF4-FFF2-40B4-BE49-F238E27FC236}">
+                <a16:creationId xmlns:a16="http://schemas.microsoft.com/office/drawing/2014/main" id="{1B354E9F-6AE6-DB4B-9AFE-075975A8430B}"/>
               </a:ext>
             </a:extLst>
           </p:cNvPr>
@@ -5395,14 +5222,14 @@
           <p:nvPr/>
         </p:nvPicPr>
         <p:blipFill rotWithShape="1">
-          <a:blip r:embed="rId7"/>
-          <a:srcRect b="9525"/>
+          <a:blip r:embed="rId5"/>
+          <a:srcRect l="57451" t="11592" r="4059" b="51210"/>
           <a:stretch/>
         </p:blipFill>
         <p:spPr>
           <a:xfrm>
-            <a:off x="6461566" y="4410021"/>
-            <a:ext cx="2207942" cy="2132082"/>
+            <a:off x="6400757" y="2051826"/>
+            <a:ext cx="942721" cy="972422"/>
           </a:xfrm>
           <a:prstGeom prst="rect">
             <a:avLst/>
@@ -5411,10 +5238,10 @@
       </p:pic>
       <p:pic>
         <p:nvPicPr>
-          <p:cNvPr id="12" name="Picture 11">
-            <a:extLst>
-              <a:ext uri="{FF2B5EF4-FFF2-40B4-BE49-F238E27FC236}">
-                <a16:creationId xmlns:a16="http://schemas.microsoft.com/office/drawing/2014/main" id="{ADC4FDBC-9980-D44E-8E36-F88EE52D16B4}"/>
+          <p:cNvPr id="11" name="Picture 10">
+            <a:extLst>
+              <a:ext uri="{FF2B5EF4-FFF2-40B4-BE49-F238E27FC236}">
+                <a16:creationId xmlns:a16="http://schemas.microsoft.com/office/drawing/2014/main" id="{CBE12CE6-04EC-1742-A0A3-998B03DFF9E1}"/>
               </a:ext>
             </a:extLst>
           </p:cNvPr>
@@ -5424,44 +5251,14 @@
           <p:nvPr/>
         </p:nvPicPr>
         <p:blipFill rotWithShape="1">
-          <a:blip r:embed="rId7"/>
-          <a:srcRect l="57451" t="11592" r="4059" b="51210"/>
+          <a:blip r:embed="rId5"/>
+          <a:srcRect b="9525"/>
           <a:stretch/>
         </p:blipFill>
         <p:spPr>
           <a:xfrm>
-            <a:off x="7223731" y="1931135"/>
-            <a:ext cx="942721" cy="972422"/>
-          </a:xfrm>
-          <a:prstGeom prst="rect">
-            <a:avLst/>
-          </a:prstGeom>
-        </p:spPr>
-      </p:pic>
-      <p:pic>
-        <p:nvPicPr>
-          <p:cNvPr id="6" name="Picture 5">
-            <a:extLst>
-              <a:ext uri="{FF2B5EF4-FFF2-40B4-BE49-F238E27FC236}">
-                <a16:creationId xmlns:a16="http://schemas.microsoft.com/office/drawing/2014/main" id="{E5C9A1B4-7E36-D547-96AC-9802999ECA66}"/>
-              </a:ext>
-            </a:extLst>
-          </p:cNvPr>
-          <p:cNvPicPr>
-            <a:picLocks noChangeAspect="1"/>
-          </p:cNvPicPr>
-          <p:nvPr/>
-        </p:nvPicPr>
-        <p:blipFill>
-          <a:blip r:embed="rId8"/>
-          <a:stretch>
-            <a:fillRect/>
-          </a:stretch>
-        </p:blipFill>
-        <p:spPr>
-          <a:xfrm>
-            <a:off x="838200" y="4094125"/>
-            <a:ext cx="5286433" cy="2763875"/>
+            <a:off x="5768147" y="4122848"/>
+            <a:ext cx="2207942" cy="2132082"/>
           </a:xfrm>
           <a:prstGeom prst="rect">
             <a:avLst/>
@@ -5471,7 +5268,7 @@
     </p:spTree>
     <p:extLst>
       <p:ext uri="{BB962C8B-B14F-4D97-AF65-F5344CB8AC3E}">
-        <p14:creationId xmlns:p14="http://schemas.microsoft.com/office/powerpoint/2010/main" val="1836044456"/>
+        <p14:creationId xmlns:p14="http://schemas.microsoft.com/office/powerpoint/2010/main" val="1328961298"/>
       </p:ext>
     </p:extLst>
   </p:cSld>
@@ -5503,7 +5300,7 @@
           <p:cNvPr id="2" name="Title 1">
             <a:extLst>
               <a:ext uri="{FF2B5EF4-FFF2-40B4-BE49-F238E27FC236}">
-                <a16:creationId xmlns:a16="http://schemas.microsoft.com/office/drawing/2014/main" id="{AA8513AE-1E68-514B-BF0E-0A9F23FE4D64}"/>
+                <a16:creationId xmlns:a16="http://schemas.microsoft.com/office/drawing/2014/main" id="{CED2EEDA-544A-BA43-9936-A4E5D4B4D9C1}"/>
               </a:ext>
             </a:extLst>
           </p:cNvPr>
@@ -5514,64 +5311,206 @@
             <p:ph type="title"/>
           </p:nvPr>
         </p:nvSpPr>
-        <p:spPr/>
-        <p:txBody>
-          <a:bodyPr/>
-          <a:lstStyle/>
-          <a:p>
-            <a:r>
-              <a:rPr lang="en-US" dirty="0"/>
-              <a:t>Rethinking data selection</a:t>
-            </a:r>
-          </a:p>
-        </p:txBody>
-      </p:sp>
-      <p:sp>
-        <p:nvSpPr>
-          <p:cNvPr id="5" name="Content Placeholder 4">
-            <a:extLst>
-              <a:ext uri="{FF2B5EF4-FFF2-40B4-BE49-F238E27FC236}">
-                <a16:creationId xmlns:a16="http://schemas.microsoft.com/office/drawing/2014/main" id="{A08A6588-F053-2E41-A043-605220D2809B}"/>
-              </a:ext>
-            </a:extLst>
-          </p:cNvPr>
-          <p:cNvSpPr>
-            <a:spLocks noGrp="1"/>
-          </p:cNvSpPr>
-          <p:nvPr>
-            <p:ph idx="1"/>
-          </p:nvPr>
-        </p:nvSpPr>
-        <p:spPr/>
-        <p:txBody>
-          <a:bodyPr/>
-          <a:lstStyle/>
-          <a:p>
-            <a:r>
-              <a:rPr lang="en-US" dirty="0"/>
-              <a:t>Within subject between task</a:t>
-            </a:r>
-          </a:p>
-          <a:p>
-            <a:pPr lvl="1"/>
-            <a:r>
-              <a:rPr lang="en-US" dirty="0"/>
-              <a:t>Originally rest is only used in the training set to avoid overfitting</a:t>
-            </a:r>
-          </a:p>
-          <a:p>
-            <a:pPr lvl="1"/>
-            <a:r>
-              <a:rPr lang="en-US" dirty="0"/>
-              <a:t>But what if we split up rest so that we can have 10 sessions for training, 10 for testing so that the within subject between task mirrors the analysis for between subject within task in regards to rest</a:t>
-            </a:r>
-          </a:p>
-        </p:txBody>
-      </p:sp>
+        <p:spPr>
+          <a:xfrm>
+            <a:off x="838200" y="321013"/>
+            <a:ext cx="6106751" cy="1369675"/>
+          </a:xfrm>
+        </p:spPr>
+        <p:txBody>
+          <a:bodyPr>
+            <a:normAutofit/>
+          </a:bodyPr>
+          <a:lstStyle/>
+          <a:p>
+            <a:r>
+              <a:rPr lang="en-US" sz="3200" dirty="0"/>
+              <a:t>Different subject, different task</a:t>
+            </a:r>
+          </a:p>
+        </p:txBody>
+      </p:sp>
+      <p:pic>
+        <p:nvPicPr>
+          <p:cNvPr id="4" name="Picture 3">
+            <a:extLst>
+              <a:ext uri="{FF2B5EF4-FFF2-40B4-BE49-F238E27FC236}">
+                <a16:creationId xmlns:a16="http://schemas.microsoft.com/office/drawing/2014/main" id="{F8848854-FD01-884D-B033-A75C34C5C680}"/>
+              </a:ext>
+            </a:extLst>
+          </p:cNvPr>
+          <p:cNvPicPr>
+            <a:picLocks noChangeAspect="1"/>
+          </p:cNvPicPr>
+          <p:nvPr/>
+        </p:nvPicPr>
+        <p:blipFill>
+          <a:blip r:embed="rId2"/>
+          <a:stretch>
+            <a:fillRect/>
+          </a:stretch>
+        </p:blipFill>
+        <p:spPr>
+          <a:xfrm>
+            <a:off x="6236439" y="321013"/>
+            <a:ext cx="2515599" cy="1252943"/>
+          </a:xfrm>
+          <a:prstGeom prst="rect">
+            <a:avLst/>
+          </a:prstGeom>
+        </p:spPr>
+      </p:pic>
+      <p:pic>
+        <p:nvPicPr>
+          <p:cNvPr id="5" name="Picture 4">
+            <a:extLst>
+              <a:ext uri="{FF2B5EF4-FFF2-40B4-BE49-F238E27FC236}">
+                <a16:creationId xmlns:a16="http://schemas.microsoft.com/office/drawing/2014/main" id="{E9552F7D-EB1C-0148-BA65-B32144D746EE}"/>
+              </a:ext>
+            </a:extLst>
+          </p:cNvPr>
+          <p:cNvPicPr>
+            <a:picLocks noChangeAspect="1"/>
+          </p:cNvPicPr>
+          <p:nvPr/>
+        </p:nvPicPr>
+        <p:blipFill>
+          <a:blip r:embed="rId3"/>
+          <a:stretch>
+            <a:fillRect/>
+          </a:stretch>
+        </p:blipFill>
+        <p:spPr>
+          <a:xfrm>
+            <a:off x="6514817" y="629594"/>
+            <a:ext cx="579360" cy="559458"/>
+          </a:xfrm>
+          <a:prstGeom prst="rect">
+            <a:avLst/>
+          </a:prstGeom>
+        </p:spPr>
+      </p:pic>
+      <p:pic>
+        <p:nvPicPr>
+          <p:cNvPr id="8" name="Picture 7">
+            <a:extLst>
+              <a:ext uri="{FF2B5EF4-FFF2-40B4-BE49-F238E27FC236}">
+                <a16:creationId xmlns:a16="http://schemas.microsoft.com/office/drawing/2014/main" id="{1EF11236-C44F-6948-80AC-E2B1B7DD6D76}"/>
+              </a:ext>
+            </a:extLst>
+          </p:cNvPr>
+          <p:cNvPicPr>
+            <a:picLocks noChangeAspect="1"/>
+          </p:cNvPicPr>
+          <p:nvPr/>
+        </p:nvPicPr>
+        <p:blipFill rotWithShape="1">
+          <a:blip r:embed="rId4"/>
+          <a:srcRect l="1297" t="8770" r="5594"/>
+          <a:stretch/>
+        </p:blipFill>
+        <p:spPr>
+          <a:xfrm>
+            <a:off x="9235107" y="321013"/>
+            <a:ext cx="2391522" cy="1197379"/>
+          </a:xfrm>
+          <a:prstGeom prst="rect">
+            <a:avLst/>
+          </a:prstGeom>
+        </p:spPr>
+      </p:pic>
+      <p:pic>
+        <p:nvPicPr>
+          <p:cNvPr id="9" name="Picture 8">
+            <a:extLst>
+              <a:ext uri="{FF2B5EF4-FFF2-40B4-BE49-F238E27FC236}">
+                <a16:creationId xmlns:a16="http://schemas.microsoft.com/office/drawing/2014/main" id="{3242A54C-7FBC-EB47-96A4-5A22A04F9BBB}"/>
+              </a:ext>
+            </a:extLst>
+          </p:cNvPr>
+          <p:cNvPicPr>
+            <a:picLocks noChangeAspect="1"/>
+          </p:cNvPicPr>
+          <p:nvPr/>
+        </p:nvPicPr>
+        <p:blipFill>
+          <a:blip r:embed="rId5"/>
+          <a:stretch>
+            <a:fillRect/>
+          </a:stretch>
+        </p:blipFill>
+        <p:spPr>
+          <a:xfrm>
+            <a:off x="10782215" y="629594"/>
+            <a:ext cx="545962" cy="397742"/>
+          </a:xfrm>
+          <a:prstGeom prst="rect">
+            <a:avLst/>
+          </a:prstGeom>
+        </p:spPr>
+      </p:pic>
+      <p:pic>
+        <p:nvPicPr>
+          <p:cNvPr id="11" name="Picture 10">
+            <a:extLst>
+              <a:ext uri="{FF2B5EF4-FFF2-40B4-BE49-F238E27FC236}">
+                <a16:creationId xmlns:a16="http://schemas.microsoft.com/office/drawing/2014/main" id="{D17EE725-426F-1440-82A7-3ABC855600A7}"/>
+              </a:ext>
+            </a:extLst>
+          </p:cNvPr>
+          <p:cNvPicPr>
+            <a:picLocks noChangeAspect="1"/>
+          </p:cNvPicPr>
+          <p:nvPr/>
+        </p:nvPicPr>
+        <p:blipFill rotWithShape="1">
+          <a:blip r:embed="rId6"/>
+          <a:srcRect b="9525"/>
+          <a:stretch/>
+        </p:blipFill>
+        <p:spPr>
+          <a:xfrm>
+            <a:off x="6461566" y="4410021"/>
+            <a:ext cx="2207942" cy="2132082"/>
+          </a:xfrm>
+          <a:prstGeom prst="rect">
+            <a:avLst/>
+          </a:prstGeom>
+        </p:spPr>
+      </p:pic>
+      <p:pic>
+        <p:nvPicPr>
+          <p:cNvPr id="12" name="Picture 11">
+            <a:extLst>
+              <a:ext uri="{FF2B5EF4-FFF2-40B4-BE49-F238E27FC236}">
+                <a16:creationId xmlns:a16="http://schemas.microsoft.com/office/drawing/2014/main" id="{ADC4FDBC-9980-D44E-8E36-F88EE52D16B4}"/>
+              </a:ext>
+            </a:extLst>
+          </p:cNvPr>
+          <p:cNvPicPr>
+            <a:picLocks noChangeAspect="1"/>
+          </p:cNvPicPr>
+          <p:nvPr/>
+        </p:nvPicPr>
+        <p:blipFill rotWithShape="1">
+          <a:blip r:embed="rId6"/>
+          <a:srcRect l="57451" t="11592" r="4059" b="51210"/>
+          <a:stretch/>
+        </p:blipFill>
+        <p:spPr>
+          <a:xfrm>
+            <a:off x="7223731" y="1931135"/>
+            <a:ext cx="942721" cy="972422"/>
+          </a:xfrm>
+          <a:prstGeom prst="rect">
+            <a:avLst/>
+          </a:prstGeom>
+        </p:spPr>
+      </p:pic>
     </p:spTree>
     <p:extLst>
       <p:ext uri="{BB962C8B-B14F-4D97-AF65-F5344CB8AC3E}">
-        <p14:creationId xmlns:p14="http://schemas.microsoft.com/office/powerpoint/2010/main" val="2603874646"/>
+        <p14:creationId xmlns:p14="http://schemas.microsoft.com/office/powerpoint/2010/main" val="1836044456"/>
       </p:ext>
     </p:extLst>
   </p:cSld>
@@ -5603,6 +5542,106 @@
           <p:cNvPr id="2" name="Title 1">
             <a:extLst>
               <a:ext uri="{FF2B5EF4-FFF2-40B4-BE49-F238E27FC236}">
+                <a16:creationId xmlns:a16="http://schemas.microsoft.com/office/drawing/2014/main" id="{AA8513AE-1E68-514B-BF0E-0A9F23FE4D64}"/>
+              </a:ext>
+            </a:extLst>
+          </p:cNvPr>
+          <p:cNvSpPr>
+            <a:spLocks noGrp="1"/>
+          </p:cNvSpPr>
+          <p:nvPr>
+            <p:ph type="title"/>
+          </p:nvPr>
+        </p:nvSpPr>
+        <p:spPr/>
+        <p:txBody>
+          <a:bodyPr/>
+          <a:lstStyle/>
+          <a:p>
+            <a:r>
+              <a:rPr lang="en-US" dirty="0"/>
+              <a:t>Rethinking data selection</a:t>
+            </a:r>
+          </a:p>
+        </p:txBody>
+      </p:sp>
+      <p:sp>
+        <p:nvSpPr>
+          <p:cNvPr id="5" name="Content Placeholder 4">
+            <a:extLst>
+              <a:ext uri="{FF2B5EF4-FFF2-40B4-BE49-F238E27FC236}">
+                <a16:creationId xmlns:a16="http://schemas.microsoft.com/office/drawing/2014/main" id="{A08A6588-F053-2E41-A043-605220D2809B}"/>
+              </a:ext>
+            </a:extLst>
+          </p:cNvPr>
+          <p:cNvSpPr>
+            <a:spLocks noGrp="1"/>
+          </p:cNvSpPr>
+          <p:nvPr>
+            <p:ph idx="1"/>
+          </p:nvPr>
+        </p:nvSpPr>
+        <p:spPr/>
+        <p:txBody>
+          <a:bodyPr/>
+          <a:lstStyle/>
+          <a:p>
+            <a:r>
+              <a:rPr lang="en-US" dirty="0"/>
+              <a:t>Within subject between task</a:t>
+            </a:r>
+          </a:p>
+          <a:p>
+            <a:pPr lvl="1"/>
+            <a:r>
+              <a:rPr lang="en-US" dirty="0"/>
+              <a:t>Originally rest is only used in the training set to avoid overfitting</a:t>
+            </a:r>
+          </a:p>
+          <a:p>
+            <a:pPr lvl="1"/>
+            <a:r>
+              <a:rPr lang="en-US" dirty="0"/>
+              <a:t>But what if we split up rest so that we can have 10 sessions for training, 10 for testing so that the within subject between task mirrors the analysis for between subject within task in regards to rest</a:t>
+            </a:r>
+          </a:p>
+        </p:txBody>
+      </p:sp>
+    </p:spTree>
+    <p:extLst>
+      <p:ext uri="{BB962C8B-B14F-4D97-AF65-F5344CB8AC3E}">
+        <p14:creationId xmlns:p14="http://schemas.microsoft.com/office/powerpoint/2010/main" val="2603874646"/>
+      </p:ext>
+    </p:extLst>
+  </p:cSld>
+  <p:clrMapOvr>
+    <a:masterClrMapping/>
+  </p:clrMapOvr>
+</p:sld>
+</file>
+
+<file path=ppt/slides/slide19.xml><?xml version="1.0" encoding="utf-8"?>
+<p:sld xmlns:a="http://schemas.openxmlformats.org/drawingml/2006/main" xmlns:r="http://schemas.openxmlformats.org/officeDocument/2006/relationships" xmlns:p="http://schemas.openxmlformats.org/presentationml/2006/main">
+  <p:cSld>
+    <p:spTree>
+      <p:nvGrpSpPr>
+        <p:cNvPr id="1" name=""/>
+        <p:cNvGrpSpPr/>
+        <p:nvPr/>
+      </p:nvGrpSpPr>
+      <p:grpSpPr>
+        <a:xfrm>
+          <a:off x="0" y="0"/>
+          <a:ext cx="0" cy="0"/>
+          <a:chOff x="0" y="0"/>
+          <a:chExt cx="0" cy="0"/>
+        </a:xfrm>
+      </p:grpSpPr>
+      <p:sp>
+        <p:nvSpPr>
+          <p:cNvPr id="2" name="Title 1">
+            <a:extLst>
+              <a:ext uri="{FF2B5EF4-FFF2-40B4-BE49-F238E27FC236}">
                 <a16:creationId xmlns:a16="http://schemas.microsoft.com/office/drawing/2014/main" id="{D64FC928-E07F-9447-ADED-6A832D55B0F3}"/>
               </a:ext>
             </a:extLst>
@@ -5748,36 +5787,6 @@
           </a:prstGeom>
         </p:spPr>
       </p:pic>
-      <p:pic>
-        <p:nvPicPr>
-          <p:cNvPr id="9" name="Picture 8">
-            <a:extLst>
-              <a:ext uri="{FF2B5EF4-FFF2-40B4-BE49-F238E27FC236}">
-                <a16:creationId xmlns:a16="http://schemas.microsoft.com/office/drawing/2014/main" id="{37A2617B-D058-DE43-8553-6F8A97E60E16}"/>
-              </a:ext>
-            </a:extLst>
-          </p:cNvPr>
-          <p:cNvPicPr>
-            <a:picLocks noChangeAspect="1"/>
-          </p:cNvPicPr>
-          <p:nvPr/>
-        </p:nvPicPr>
-        <p:blipFill>
-          <a:blip r:embed="rId5"/>
-          <a:stretch>
-            <a:fillRect/>
-          </a:stretch>
-        </p:blipFill>
-        <p:spPr>
-          <a:xfrm>
-            <a:off x="215063" y="1539361"/>
-            <a:ext cx="7904884" cy="2564397"/>
-          </a:xfrm>
-          <a:prstGeom prst="rect">
-            <a:avLst/>
-          </a:prstGeom>
-        </p:spPr>
-      </p:pic>
       <p:sp>
         <p:nvSpPr>
           <p:cNvPr id="10" name="TextBox 9">
@@ -5813,36 +5822,6 @@
           </a:p>
         </p:txBody>
       </p:sp>
-      <p:pic>
-        <p:nvPicPr>
-          <p:cNvPr id="11" name="Picture 10">
-            <a:extLst>
-              <a:ext uri="{FF2B5EF4-FFF2-40B4-BE49-F238E27FC236}">
-                <a16:creationId xmlns:a16="http://schemas.microsoft.com/office/drawing/2014/main" id="{5B19354E-FDFF-0A4A-83A4-738D0F81A26E}"/>
-              </a:ext>
-            </a:extLst>
-          </p:cNvPr>
-          <p:cNvPicPr>
-            <a:picLocks noChangeAspect="1"/>
-          </p:cNvPicPr>
-          <p:nvPr/>
-        </p:nvPicPr>
-        <p:blipFill>
-          <a:blip r:embed="rId6"/>
-          <a:stretch>
-            <a:fillRect/>
-          </a:stretch>
-        </p:blipFill>
-        <p:spPr>
-          <a:xfrm>
-            <a:off x="312234" y="4170921"/>
-            <a:ext cx="7807712" cy="2532873"/>
-          </a:xfrm>
-          <a:prstGeom prst="rect">
-            <a:avLst/>
-          </a:prstGeom>
-        </p:spPr>
-      </p:pic>
       <p:sp>
         <p:nvSpPr>
           <p:cNvPr id="12" name="TextBox 11">
@@ -6981,10 +6960,10 @@
       </p:sp>
       <p:pic>
         <p:nvPicPr>
-          <p:cNvPr id="9" name="Picture 8">
-            <a:extLst>
-              <a:ext uri="{FF2B5EF4-FFF2-40B4-BE49-F238E27FC236}">
-                <a16:creationId xmlns:a16="http://schemas.microsoft.com/office/drawing/2014/main" id="{A86F89FD-36D5-2240-A576-2DC34D7A8F55}"/>
+          <p:cNvPr id="13" name="Picture 12">
+            <a:extLst>
+              <a:ext uri="{FF2B5EF4-FFF2-40B4-BE49-F238E27FC236}">
+                <a16:creationId xmlns:a16="http://schemas.microsoft.com/office/drawing/2014/main" id="{D3F7B99F-A76B-D54A-AA1C-6EED07AB75FA}"/>
               </a:ext>
             </a:extLst>
           </p:cNvPr>
@@ -7001,8 +6980,8 @@
         </p:blipFill>
         <p:spPr>
           <a:xfrm>
-            <a:off x="142661" y="1702771"/>
-            <a:ext cx="8335823" cy="4683250"/>
+            <a:off x="156116" y="1891778"/>
+            <a:ext cx="8248495" cy="4634187"/>
           </a:xfrm>
           <a:prstGeom prst="rect">
             <a:avLst/>
@@ -7191,10 +7170,10 @@
       </p:pic>
       <p:pic>
         <p:nvPicPr>
-          <p:cNvPr id="8" name="Picture 7">
-            <a:extLst>
-              <a:ext uri="{FF2B5EF4-FFF2-40B4-BE49-F238E27FC236}">
-                <a16:creationId xmlns:a16="http://schemas.microsoft.com/office/drawing/2014/main" id="{8277240A-C41E-DA47-BC60-7DE43DE8078D}"/>
+          <p:cNvPr id="9" name="Picture 8">
+            <a:extLst>
+              <a:ext uri="{FF2B5EF4-FFF2-40B4-BE49-F238E27FC236}">
+                <a16:creationId xmlns:a16="http://schemas.microsoft.com/office/drawing/2014/main" id="{DFCC461F-A335-2F4D-9ABE-1C7E47411CB2}"/>
               </a:ext>
             </a:extLst>
           </p:cNvPr>
@@ -7211,8 +7190,8 @@
         </p:blipFill>
         <p:spPr>
           <a:xfrm>
-            <a:off x="722971" y="1994995"/>
-            <a:ext cx="10630829" cy="3448711"/>
+            <a:off x="170134" y="2096430"/>
+            <a:ext cx="11888051" cy="3856562"/>
           </a:xfrm>
           <a:prstGeom prst="rect">
             <a:avLst/>

--- a/analysis/output/mL/presentation/updated_mL.pptx
+++ b/analysis/output/mL/presentation/updated_mL.pptx
@@ -22,8 +22,6 @@
     <p:sldId id="270" r:id="rId16"/>
     <p:sldId id="271" r:id="rId17"/>
     <p:sldId id="272" r:id="rId18"/>
-    <p:sldId id="268" r:id="rId19"/>
-    <p:sldId id="273" r:id="rId20"/>
   </p:sldIdLst>
   <p:sldSz cx="12192000" cy="6858000"/>
   <p:notesSz cx="6858000" cy="9144000"/>
@@ -277,7 +275,7 @@
           <a:p>
             <a:fld id="{30E6044F-6CD6-FA47-BEE6-35ACDD53B394}" type="datetimeFigureOut">
               <a:rPr lang="en-US" smtClean="0"/>
-              <a:t>5/29/20</a:t>
+              <a:t>6/2/20</a:t>
             </a:fld>
             <a:endParaRPr lang="en-US"/>
           </a:p>
@@ -475,7 +473,7 @@
           <a:p>
             <a:fld id="{30E6044F-6CD6-FA47-BEE6-35ACDD53B394}" type="datetimeFigureOut">
               <a:rPr lang="en-US" smtClean="0"/>
-              <a:t>5/29/20</a:t>
+              <a:t>6/2/20</a:t>
             </a:fld>
             <a:endParaRPr lang="en-US"/>
           </a:p>
@@ -683,7 +681,7 @@
           <a:p>
             <a:fld id="{30E6044F-6CD6-FA47-BEE6-35ACDD53B394}" type="datetimeFigureOut">
               <a:rPr lang="en-US" smtClean="0"/>
-              <a:t>5/29/20</a:t>
+              <a:t>6/2/20</a:t>
             </a:fld>
             <a:endParaRPr lang="en-US"/>
           </a:p>
@@ -881,7 +879,7 @@
           <a:p>
             <a:fld id="{30E6044F-6CD6-FA47-BEE6-35ACDD53B394}" type="datetimeFigureOut">
               <a:rPr lang="en-US" smtClean="0"/>
-              <a:t>5/29/20</a:t>
+              <a:t>6/2/20</a:t>
             </a:fld>
             <a:endParaRPr lang="en-US"/>
           </a:p>
@@ -1156,7 +1154,7 @@
           <a:p>
             <a:fld id="{30E6044F-6CD6-FA47-BEE6-35ACDD53B394}" type="datetimeFigureOut">
               <a:rPr lang="en-US" smtClean="0"/>
-              <a:t>5/29/20</a:t>
+              <a:t>6/2/20</a:t>
             </a:fld>
             <a:endParaRPr lang="en-US"/>
           </a:p>
@@ -1421,7 +1419,7 @@
           <a:p>
             <a:fld id="{30E6044F-6CD6-FA47-BEE6-35ACDD53B394}" type="datetimeFigureOut">
               <a:rPr lang="en-US" smtClean="0"/>
-              <a:t>5/29/20</a:t>
+              <a:t>6/2/20</a:t>
             </a:fld>
             <a:endParaRPr lang="en-US"/>
           </a:p>
@@ -1833,7 +1831,7 @@
           <a:p>
             <a:fld id="{30E6044F-6CD6-FA47-BEE6-35ACDD53B394}" type="datetimeFigureOut">
               <a:rPr lang="en-US" smtClean="0"/>
-              <a:t>5/29/20</a:t>
+              <a:t>6/2/20</a:t>
             </a:fld>
             <a:endParaRPr lang="en-US"/>
           </a:p>
@@ -1974,7 +1972,7 @@
           <a:p>
             <a:fld id="{30E6044F-6CD6-FA47-BEE6-35ACDD53B394}" type="datetimeFigureOut">
               <a:rPr lang="en-US" smtClean="0"/>
-              <a:t>5/29/20</a:t>
+              <a:t>6/2/20</a:t>
             </a:fld>
             <a:endParaRPr lang="en-US"/>
           </a:p>
@@ -2087,7 +2085,7 @@
           <a:p>
             <a:fld id="{30E6044F-6CD6-FA47-BEE6-35ACDD53B394}" type="datetimeFigureOut">
               <a:rPr lang="en-US" smtClean="0"/>
-              <a:t>5/29/20</a:t>
+              <a:t>6/2/20</a:t>
             </a:fld>
             <a:endParaRPr lang="en-US"/>
           </a:p>
@@ -2398,7 +2396,7 @@
           <a:p>
             <a:fld id="{30E6044F-6CD6-FA47-BEE6-35ACDD53B394}" type="datetimeFigureOut">
               <a:rPr lang="en-US" smtClean="0"/>
-              <a:t>5/29/20</a:t>
+              <a:t>6/2/20</a:t>
             </a:fld>
             <a:endParaRPr lang="en-US"/>
           </a:p>
@@ -2686,7 +2684,7 @@
           <a:p>
             <a:fld id="{30E6044F-6CD6-FA47-BEE6-35ACDD53B394}" type="datetimeFigureOut">
               <a:rPr lang="en-US" smtClean="0"/>
-              <a:t>5/29/20</a:t>
+              <a:t>6/2/20</a:t>
             </a:fld>
             <a:endParaRPr lang="en-US"/>
           </a:p>
@@ -2927,7 +2925,7 @@
           <a:p>
             <a:fld id="{30E6044F-6CD6-FA47-BEE6-35ACDD53B394}" type="datetimeFigureOut">
               <a:rPr lang="en-US" smtClean="0"/>
-              <a:t>5/29/20</a:t>
+              <a:t>6/2/20</a:t>
             </a:fld>
             <a:endParaRPr lang="en-US"/>
           </a:p>
@@ -4123,12 +4121,14 @@
         </p:nvSpPr>
         <p:spPr/>
         <p:txBody>
-          <a:bodyPr/>
-          <a:lstStyle/>
-          <a:p>
-            <a:r>
-              <a:rPr lang="en-US" dirty="0"/>
-              <a:t>Functional Connectivity Matched for Time</a:t>
+          <a:bodyPr>
+            <a:normAutofit/>
+          </a:bodyPr>
+          <a:lstStyle/>
+          <a:p>
+            <a:r>
+              <a:rPr lang="en-US" sz="3600" dirty="0"/>
+              <a:t>Functional Connectivity without condition indices</a:t>
             </a:r>
           </a:p>
         </p:txBody>
@@ -4790,6 +4790,66 @@
           </a:p>
         </p:txBody>
       </p:sp>
+      <p:pic>
+        <p:nvPicPr>
+          <p:cNvPr id="8" name="Picture 7">
+            <a:extLst>
+              <a:ext uri="{FF2B5EF4-FFF2-40B4-BE49-F238E27FC236}">
+                <a16:creationId xmlns:a16="http://schemas.microsoft.com/office/drawing/2014/main" id="{5D1CE1A6-0B66-5340-92A2-C9C188A5195F}"/>
+              </a:ext>
+            </a:extLst>
+          </p:cNvPr>
+          <p:cNvPicPr>
+            <a:picLocks noChangeAspect="1"/>
+          </p:cNvPicPr>
+          <p:nvPr/>
+        </p:nvPicPr>
+        <p:blipFill>
+          <a:blip r:embed="rId3"/>
+          <a:stretch>
+            <a:fillRect/>
+          </a:stretch>
+        </p:blipFill>
+        <p:spPr>
+          <a:xfrm>
+            <a:off x="167268" y="3256156"/>
+            <a:ext cx="5675972" cy="3188887"/>
+          </a:xfrm>
+          <a:prstGeom prst="rect">
+            <a:avLst/>
+          </a:prstGeom>
+        </p:spPr>
+      </p:pic>
+      <p:pic>
+        <p:nvPicPr>
+          <p:cNvPr id="5" name="Picture 4">
+            <a:extLst>
+              <a:ext uri="{FF2B5EF4-FFF2-40B4-BE49-F238E27FC236}">
+                <a16:creationId xmlns:a16="http://schemas.microsoft.com/office/drawing/2014/main" id="{C5D885BF-0CB8-8943-B41F-F1007F07FDE5}"/>
+              </a:ext>
+            </a:extLst>
+          </p:cNvPr>
+          <p:cNvPicPr>
+            <a:picLocks noChangeAspect="1"/>
+          </p:cNvPicPr>
+          <p:nvPr/>
+        </p:nvPicPr>
+        <p:blipFill>
+          <a:blip r:embed="rId4"/>
+          <a:stretch>
+            <a:fillRect/>
+          </a:stretch>
+        </p:blipFill>
+        <p:spPr>
+          <a:xfrm>
+            <a:off x="6236166" y="3256156"/>
+            <a:ext cx="5725684" cy="3216816"/>
+          </a:xfrm>
+          <a:prstGeom prst="rect">
+            <a:avLst/>
+          </a:prstGeom>
+        </p:spPr>
+      </p:pic>
     </p:spTree>
     <p:extLst>
       <p:ext uri="{BB962C8B-B14F-4D97-AF65-F5344CB8AC3E}">
@@ -5022,6 +5082,66 @@
           <a:xfrm>
             <a:off x="9338254" y="4298103"/>
             <a:ext cx="2207942" cy="2132082"/>
+          </a:xfrm>
+          <a:prstGeom prst="rect">
+            <a:avLst/>
+          </a:prstGeom>
+        </p:spPr>
+      </p:pic>
+      <p:pic>
+        <p:nvPicPr>
+          <p:cNvPr id="12" name="Picture 11">
+            <a:extLst>
+              <a:ext uri="{FF2B5EF4-FFF2-40B4-BE49-F238E27FC236}">
+                <a16:creationId xmlns:a16="http://schemas.microsoft.com/office/drawing/2014/main" id="{99175FC4-CF51-F14D-A528-F2CB4899B740}"/>
+              </a:ext>
+            </a:extLst>
+          </p:cNvPr>
+          <p:cNvPicPr>
+            <a:picLocks noChangeAspect="1"/>
+          </p:cNvPicPr>
+          <p:nvPr/>
+        </p:nvPicPr>
+        <p:blipFill>
+          <a:blip r:embed="rId6"/>
+          <a:stretch>
+            <a:fillRect/>
+          </a:stretch>
+        </p:blipFill>
+        <p:spPr>
+          <a:xfrm>
+            <a:off x="591598" y="1558356"/>
+            <a:ext cx="8175639" cy="2652231"/>
+          </a:xfrm>
+          <a:prstGeom prst="rect">
+            <a:avLst/>
+          </a:prstGeom>
+        </p:spPr>
+      </p:pic>
+      <p:pic>
+        <p:nvPicPr>
+          <p:cNvPr id="13" name="Picture 12">
+            <a:extLst>
+              <a:ext uri="{FF2B5EF4-FFF2-40B4-BE49-F238E27FC236}">
+                <a16:creationId xmlns:a16="http://schemas.microsoft.com/office/drawing/2014/main" id="{B86DA788-CD03-9F4A-960A-2AFDD5C4D805}"/>
+              </a:ext>
+            </a:extLst>
+          </p:cNvPr>
+          <p:cNvPicPr>
+            <a:picLocks noChangeAspect="1"/>
+          </p:cNvPicPr>
+          <p:nvPr/>
+        </p:nvPicPr>
+        <p:blipFill>
+          <a:blip r:embed="rId7"/>
+          <a:stretch>
+            <a:fillRect/>
+          </a:stretch>
+        </p:blipFill>
+        <p:spPr>
+          <a:xfrm>
+            <a:off x="591597" y="4256637"/>
+            <a:ext cx="8175639" cy="2652231"/>
           </a:xfrm>
           <a:prstGeom prst="rect">
             <a:avLst/>
@@ -5228,7 +5348,7 @@
         </p:blipFill>
         <p:spPr>
           <a:xfrm>
-            <a:off x="6400757" y="2051826"/>
+            <a:off x="9199349" y="5555091"/>
             <a:ext cx="942721" cy="972422"/>
           </a:xfrm>
           <a:prstGeom prst="rect">
@@ -5257,8 +5377,68 @@
         </p:blipFill>
         <p:spPr>
           <a:xfrm>
-            <a:off x="5768147" y="4122848"/>
+            <a:off x="1698702" y="4725918"/>
             <a:ext cx="2207942" cy="2132082"/>
+          </a:xfrm>
+          <a:prstGeom prst="rect">
+            <a:avLst/>
+          </a:prstGeom>
+        </p:spPr>
+      </p:pic>
+      <p:pic>
+        <p:nvPicPr>
+          <p:cNvPr id="12" name="Picture 11">
+            <a:extLst>
+              <a:ext uri="{FF2B5EF4-FFF2-40B4-BE49-F238E27FC236}">
+                <a16:creationId xmlns:a16="http://schemas.microsoft.com/office/drawing/2014/main" id="{7FE6CD4C-03B6-C046-BD28-DCFD931D33EF}"/>
+              </a:ext>
+            </a:extLst>
+          </p:cNvPr>
+          <p:cNvPicPr>
+            <a:picLocks noChangeAspect="1"/>
+          </p:cNvPicPr>
+          <p:nvPr/>
+        </p:nvPicPr>
+        <p:blipFill>
+          <a:blip r:embed="rId6"/>
+          <a:stretch>
+            <a:fillRect/>
+          </a:stretch>
+        </p:blipFill>
+        <p:spPr>
+          <a:xfrm>
+            <a:off x="6417348" y="1690688"/>
+            <a:ext cx="5692584" cy="3233288"/>
+          </a:xfrm>
+          <a:prstGeom prst="rect">
+            <a:avLst/>
+          </a:prstGeom>
+        </p:spPr>
+      </p:pic>
+      <p:pic>
+        <p:nvPicPr>
+          <p:cNvPr id="9" name="Picture 8">
+            <a:extLst>
+              <a:ext uri="{FF2B5EF4-FFF2-40B4-BE49-F238E27FC236}">
+                <a16:creationId xmlns:a16="http://schemas.microsoft.com/office/drawing/2014/main" id="{CDF4F348-E350-F548-9F5F-692C0FE34E3A}"/>
+              </a:ext>
+            </a:extLst>
+          </p:cNvPr>
+          <p:cNvPicPr>
+            <a:picLocks noChangeAspect="1"/>
+          </p:cNvPicPr>
+          <p:nvPr/>
+        </p:nvPicPr>
+        <p:blipFill>
+          <a:blip r:embed="rId7"/>
+          <a:stretch>
+            <a:fillRect/>
+          </a:stretch>
+        </p:blipFill>
+        <p:spPr>
+          <a:xfrm>
+            <a:off x="400825" y="1690688"/>
+            <a:ext cx="5832009" cy="3312479"/>
           </a:xfrm>
           <a:prstGeom prst="rect">
             <a:avLst/>
@@ -5507,172 +5687,12 @@
           </a:prstGeom>
         </p:spPr>
       </p:pic>
-    </p:spTree>
-    <p:extLst>
-      <p:ext uri="{BB962C8B-B14F-4D97-AF65-F5344CB8AC3E}">
-        <p14:creationId xmlns:p14="http://schemas.microsoft.com/office/powerpoint/2010/main" val="1836044456"/>
-      </p:ext>
-    </p:extLst>
-  </p:cSld>
-  <p:clrMapOvr>
-    <a:masterClrMapping/>
-  </p:clrMapOvr>
-</p:sld>
-</file>
-
-<file path=ppt/slides/slide18.xml><?xml version="1.0" encoding="utf-8"?>
-<p:sld xmlns:a="http://schemas.openxmlformats.org/drawingml/2006/main" xmlns:r="http://schemas.openxmlformats.org/officeDocument/2006/relationships" xmlns:p="http://schemas.openxmlformats.org/presentationml/2006/main">
-  <p:cSld>
-    <p:spTree>
-      <p:nvGrpSpPr>
-        <p:cNvPr id="1" name=""/>
-        <p:cNvGrpSpPr/>
-        <p:nvPr/>
-      </p:nvGrpSpPr>
-      <p:grpSpPr>
-        <a:xfrm>
-          <a:off x="0" y="0"/>
-          <a:ext cx="0" cy="0"/>
-          <a:chOff x="0" y="0"/>
-          <a:chExt cx="0" cy="0"/>
-        </a:xfrm>
-      </p:grpSpPr>
-      <p:sp>
-        <p:nvSpPr>
-          <p:cNvPr id="2" name="Title 1">
-            <a:extLst>
-              <a:ext uri="{FF2B5EF4-FFF2-40B4-BE49-F238E27FC236}">
-                <a16:creationId xmlns:a16="http://schemas.microsoft.com/office/drawing/2014/main" id="{AA8513AE-1E68-514B-BF0E-0A9F23FE4D64}"/>
-              </a:ext>
-            </a:extLst>
-          </p:cNvPr>
-          <p:cNvSpPr>
-            <a:spLocks noGrp="1"/>
-          </p:cNvSpPr>
-          <p:nvPr>
-            <p:ph type="title"/>
-          </p:nvPr>
-        </p:nvSpPr>
-        <p:spPr/>
-        <p:txBody>
-          <a:bodyPr/>
-          <a:lstStyle/>
-          <a:p>
-            <a:r>
-              <a:rPr lang="en-US" dirty="0"/>
-              <a:t>Rethinking data selection</a:t>
-            </a:r>
-          </a:p>
-        </p:txBody>
-      </p:sp>
-      <p:sp>
-        <p:nvSpPr>
-          <p:cNvPr id="5" name="Content Placeholder 4">
-            <a:extLst>
-              <a:ext uri="{FF2B5EF4-FFF2-40B4-BE49-F238E27FC236}">
-                <a16:creationId xmlns:a16="http://schemas.microsoft.com/office/drawing/2014/main" id="{A08A6588-F053-2E41-A043-605220D2809B}"/>
-              </a:ext>
-            </a:extLst>
-          </p:cNvPr>
-          <p:cNvSpPr>
-            <a:spLocks noGrp="1"/>
-          </p:cNvSpPr>
-          <p:nvPr>
-            <p:ph idx="1"/>
-          </p:nvPr>
-        </p:nvSpPr>
-        <p:spPr/>
-        <p:txBody>
-          <a:bodyPr/>
-          <a:lstStyle/>
-          <a:p>
-            <a:r>
-              <a:rPr lang="en-US" dirty="0"/>
-              <a:t>Within subject between task</a:t>
-            </a:r>
-          </a:p>
-          <a:p>
-            <a:pPr lvl="1"/>
-            <a:r>
-              <a:rPr lang="en-US" dirty="0"/>
-              <a:t>Originally rest is only used in the training set to avoid overfitting</a:t>
-            </a:r>
-          </a:p>
-          <a:p>
-            <a:pPr lvl="1"/>
-            <a:r>
-              <a:rPr lang="en-US" dirty="0"/>
-              <a:t>But what if we split up rest so that we can have 10 sessions for training, 10 for testing so that the within subject between task mirrors the analysis for between subject within task in regards to rest</a:t>
-            </a:r>
-          </a:p>
-        </p:txBody>
-      </p:sp>
-    </p:spTree>
-    <p:extLst>
-      <p:ext uri="{BB962C8B-B14F-4D97-AF65-F5344CB8AC3E}">
-        <p14:creationId xmlns:p14="http://schemas.microsoft.com/office/powerpoint/2010/main" val="2603874646"/>
-      </p:ext>
-    </p:extLst>
-  </p:cSld>
-  <p:clrMapOvr>
-    <a:masterClrMapping/>
-  </p:clrMapOvr>
-</p:sld>
-</file>
-
-<file path=ppt/slides/slide19.xml><?xml version="1.0" encoding="utf-8"?>
-<p:sld xmlns:a="http://schemas.openxmlformats.org/drawingml/2006/main" xmlns:r="http://schemas.openxmlformats.org/officeDocument/2006/relationships" xmlns:p="http://schemas.openxmlformats.org/presentationml/2006/main">
-  <p:cSld>
-    <p:spTree>
-      <p:nvGrpSpPr>
-        <p:cNvPr id="1" name=""/>
-        <p:cNvGrpSpPr/>
-        <p:nvPr/>
-      </p:nvGrpSpPr>
-      <p:grpSpPr>
-        <a:xfrm>
-          <a:off x="0" y="0"/>
-          <a:ext cx="0" cy="0"/>
-          <a:chOff x="0" y="0"/>
-          <a:chExt cx="0" cy="0"/>
-        </a:xfrm>
-      </p:grpSpPr>
-      <p:sp>
-        <p:nvSpPr>
-          <p:cNvPr id="2" name="Title 1">
-            <a:extLst>
-              <a:ext uri="{FF2B5EF4-FFF2-40B4-BE49-F238E27FC236}">
-                <a16:creationId xmlns:a16="http://schemas.microsoft.com/office/drawing/2014/main" id="{D64FC928-E07F-9447-ADED-6A832D55B0F3}"/>
-              </a:ext>
-            </a:extLst>
-          </p:cNvPr>
-          <p:cNvSpPr>
-            <a:spLocks noGrp="1"/>
-          </p:cNvSpPr>
-          <p:nvPr>
-            <p:ph type="title"/>
-          </p:nvPr>
-        </p:nvSpPr>
-        <p:spPr/>
-        <p:txBody>
-          <a:bodyPr>
-            <a:normAutofit/>
-          </a:bodyPr>
-          <a:lstStyle/>
-          <a:p>
-            <a:r>
-              <a:rPr lang="en-US" sz="3200" dirty="0"/>
-              <a:t>Same subject, Between Task</a:t>
-            </a:r>
-          </a:p>
-        </p:txBody>
-      </p:sp>
       <p:pic>
         <p:nvPicPr>
-          <p:cNvPr id="4" name="Picture 3">
-            <a:extLst>
-              <a:ext uri="{FF2B5EF4-FFF2-40B4-BE49-F238E27FC236}">
-                <a16:creationId xmlns:a16="http://schemas.microsoft.com/office/drawing/2014/main" id="{D3E98449-9C07-2B45-871F-A208EACB8F20}"/>
+          <p:cNvPr id="10" name="Picture 9">
+            <a:extLst>
+              <a:ext uri="{FF2B5EF4-FFF2-40B4-BE49-F238E27FC236}">
+                <a16:creationId xmlns:a16="http://schemas.microsoft.com/office/drawing/2014/main" id="{315D2D75-CEA1-2847-A35B-F67F15E926F5}"/>
               </a:ext>
             </a:extLst>
           </p:cNvPr>
@@ -5682,15 +5702,15 @@
           <p:nvPr/>
         </p:nvPicPr>
         <p:blipFill>
-          <a:blip r:embed="rId2"/>
+          <a:blip r:embed="rId7"/>
           <a:stretch>
             <a:fillRect/>
           </a:stretch>
         </p:blipFill>
         <p:spPr>
           <a:xfrm>
-            <a:off x="6463982" y="365125"/>
-            <a:ext cx="2303255" cy="1147181"/>
+            <a:off x="964577" y="1462681"/>
+            <a:ext cx="4946262" cy="2586025"/>
           </a:xfrm>
           <a:prstGeom prst="rect">
             <a:avLst/>
@@ -5699,10 +5719,10 @@
       </p:pic>
       <p:pic>
         <p:nvPicPr>
-          <p:cNvPr id="5" name="Picture 4">
-            <a:extLst>
-              <a:ext uri="{FF2B5EF4-FFF2-40B4-BE49-F238E27FC236}">
-                <a16:creationId xmlns:a16="http://schemas.microsoft.com/office/drawing/2014/main" id="{7711D8B2-BE04-314A-979E-7457503E9407}"/>
+          <p:cNvPr id="6" name="Picture 5">
+            <a:extLst>
+              <a:ext uri="{FF2B5EF4-FFF2-40B4-BE49-F238E27FC236}">
+                <a16:creationId xmlns:a16="http://schemas.microsoft.com/office/drawing/2014/main" id="{47A91191-6B52-1C46-8E31-F43A618DCB16}"/>
               </a:ext>
             </a:extLst>
           </p:cNvPr>
@@ -5712,155 +5732,25 @@
           <p:nvPr/>
         </p:nvPicPr>
         <p:blipFill>
-          <a:blip r:embed="rId3"/>
+          <a:blip r:embed="rId8"/>
           <a:stretch>
             <a:fillRect/>
           </a:stretch>
         </p:blipFill>
         <p:spPr>
           <a:xfrm>
-            <a:off x="6734707" y="631525"/>
-            <a:ext cx="579360" cy="559458"/>
+            <a:off x="1049449" y="4149893"/>
+            <a:ext cx="4861390" cy="2541652"/>
           </a:xfrm>
           <a:prstGeom prst="rect">
             <a:avLst/>
           </a:prstGeom>
         </p:spPr>
       </p:pic>
-      <p:pic>
-        <p:nvPicPr>
-          <p:cNvPr id="6" name="Picture 5">
-            <a:extLst>
-              <a:ext uri="{FF2B5EF4-FFF2-40B4-BE49-F238E27FC236}">
-                <a16:creationId xmlns:a16="http://schemas.microsoft.com/office/drawing/2014/main" id="{A915BFAA-067E-404A-9249-575ED679654C}"/>
-              </a:ext>
-            </a:extLst>
-          </p:cNvPr>
-          <p:cNvPicPr>
-            <a:picLocks noChangeAspect="1"/>
-          </p:cNvPicPr>
-          <p:nvPr/>
-        </p:nvPicPr>
-        <p:blipFill>
-          <a:blip r:embed="rId2"/>
-          <a:stretch>
-            <a:fillRect/>
-          </a:stretch>
-        </p:blipFill>
-        <p:spPr>
-          <a:xfrm>
-            <a:off x="9050545" y="365125"/>
-            <a:ext cx="2303255" cy="1147181"/>
-          </a:xfrm>
-          <a:prstGeom prst="rect">
-            <a:avLst/>
-          </a:prstGeom>
-        </p:spPr>
-      </p:pic>
-      <p:pic>
-        <p:nvPicPr>
-          <p:cNvPr id="7" name="Picture 6">
-            <a:extLst>
-              <a:ext uri="{FF2B5EF4-FFF2-40B4-BE49-F238E27FC236}">
-                <a16:creationId xmlns:a16="http://schemas.microsoft.com/office/drawing/2014/main" id="{A2AC86E3-209F-3048-9E4B-EF651ED39EF6}"/>
-              </a:ext>
-            </a:extLst>
-          </p:cNvPr>
-          <p:cNvPicPr>
-            <a:picLocks noChangeAspect="1"/>
-          </p:cNvPicPr>
-          <p:nvPr/>
-        </p:nvPicPr>
-        <p:blipFill>
-          <a:blip r:embed="rId4"/>
-          <a:stretch>
-            <a:fillRect/>
-          </a:stretch>
-        </p:blipFill>
-        <p:spPr>
-          <a:xfrm>
-            <a:off x="9372902" y="669432"/>
-            <a:ext cx="545962" cy="397742"/>
-          </a:xfrm>
-          <a:prstGeom prst="rect">
-            <a:avLst/>
-          </a:prstGeom>
-        </p:spPr>
-      </p:pic>
-      <p:sp>
-        <p:nvSpPr>
-          <p:cNvPr id="10" name="TextBox 9">
-            <a:extLst>
-              <a:ext uri="{FF2B5EF4-FFF2-40B4-BE49-F238E27FC236}">
-                <a16:creationId xmlns:a16="http://schemas.microsoft.com/office/drawing/2014/main" id="{9247A7EA-4A5E-D742-B4DD-FEE8CB5F06CD}"/>
-              </a:ext>
-            </a:extLst>
-          </p:cNvPr>
-          <p:cNvSpPr txBox="1"/>
-          <p:nvPr/>
-        </p:nvSpPr>
-        <p:spPr>
-          <a:xfrm>
-            <a:off x="8767237" y="2250891"/>
-            <a:ext cx="2239017" cy="369332"/>
-          </a:xfrm>
-          <a:prstGeom prst="rect">
-            <a:avLst/>
-          </a:prstGeom>
-          <a:noFill/>
-        </p:spPr>
-        <p:txBody>
-          <a:bodyPr wrap="square" rtlCol="0">
-            <a:spAutoFit/>
-          </a:bodyPr>
-          <a:lstStyle/>
-          <a:p>
-            <a:r>
-              <a:rPr lang="en-US" dirty="0"/>
-              <a:t>Splitting-up Rest</a:t>
-            </a:r>
-          </a:p>
-        </p:txBody>
-      </p:sp>
-      <p:sp>
-        <p:nvSpPr>
-          <p:cNvPr id="12" name="TextBox 11">
-            <a:extLst>
-              <a:ext uri="{FF2B5EF4-FFF2-40B4-BE49-F238E27FC236}">
-                <a16:creationId xmlns:a16="http://schemas.microsoft.com/office/drawing/2014/main" id="{C58AE706-FEE6-814A-BBF1-A030E57B5C00}"/>
-              </a:ext>
-            </a:extLst>
-          </p:cNvPr>
-          <p:cNvSpPr txBox="1"/>
-          <p:nvPr/>
-        </p:nvSpPr>
-        <p:spPr>
-          <a:xfrm>
-            <a:off x="8876371" y="5241073"/>
-            <a:ext cx="1661531" cy="369332"/>
-          </a:xfrm>
-          <a:prstGeom prst="rect">
-            <a:avLst/>
-          </a:prstGeom>
-          <a:noFill/>
-        </p:spPr>
-        <p:txBody>
-          <a:bodyPr wrap="square" rtlCol="0">
-            <a:spAutoFit/>
-          </a:bodyPr>
-          <a:lstStyle/>
-          <a:p>
-            <a:r>
-              <a:rPr lang="en-US" dirty="0"/>
-              <a:t>Original Data</a:t>
-            </a:r>
-          </a:p>
-        </p:txBody>
-      </p:sp>
     </p:spTree>
     <p:extLst>
       <p:ext uri="{BB962C8B-B14F-4D97-AF65-F5344CB8AC3E}">
-        <p14:creationId xmlns:p14="http://schemas.microsoft.com/office/powerpoint/2010/main" val="399963960"/>
+        <p14:creationId xmlns:p14="http://schemas.microsoft.com/office/powerpoint/2010/main" val="1836044456"/>
       </p:ext>
     </p:extLst>
   </p:cSld>

--- a/analysis/output/mL/presentation/updated_mL.pptx
+++ b/analysis/output/mL/presentation/updated_mL.pptx
@@ -275,7 +275,7 @@
           <a:p>
             <a:fld id="{30E6044F-6CD6-FA47-BEE6-35ACDD53B394}" type="datetimeFigureOut">
               <a:rPr lang="en-US" smtClean="0"/>
-              <a:t>6/2/20</a:t>
+              <a:t>6/3/20</a:t>
             </a:fld>
             <a:endParaRPr lang="en-US"/>
           </a:p>
@@ -473,7 +473,7 @@
           <a:p>
             <a:fld id="{30E6044F-6CD6-FA47-BEE6-35ACDD53B394}" type="datetimeFigureOut">
               <a:rPr lang="en-US" smtClean="0"/>
-              <a:t>6/2/20</a:t>
+              <a:t>6/3/20</a:t>
             </a:fld>
             <a:endParaRPr lang="en-US"/>
           </a:p>
@@ -681,7 +681,7 @@
           <a:p>
             <a:fld id="{30E6044F-6CD6-FA47-BEE6-35ACDD53B394}" type="datetimeFigureOut">
               <a:rPr lang="en-US" smtClean="0"/>
-              <a:t>6/2/20</a:t>
+              <a:t>6/3/20</a:t>
             </a:fld>
             <a:endParaRPr lang="en-US"/>
           </a:p>
@@ -879,7 +879,7 @@
           <a:p>
             <a:fld id="{30E6044F-6CD6-FA47-BEE6-35ACDD53B394}" type="datetimeFigureOut">
               <a:rPr lang="en-US" smtClean="0"/>
-              <a:t>6/2/20</a:t>
+              <a:t>6/3/20</a:t>
             </a:fld>
             <a:endParaRPr lang="en-US"/>
           </a:p>
@@ -1154,7 +1154,7 @@
           <a:p>
             <a:fld id="{30E6044F-6CD6-FA47-BEE6-35ACDD53B394}" type="datetimeFigureOut">
               <a:rPr lang="en-US" smtClean="0"/>
-              <a:t>6/2/20</a:t>
+              <a:t>6/3/20</a:t>
             </a:fld>
             <a:endParaRPr lang="en-US"/>
           </a:p>
@@ -1419,7 +1419,7 @@
           <a:p>
             <a:fld id="{30E6044F-6CD6-FA47-BEE6-35ACDD53B394}" type="datetimeFigureOut">
               <a:rPr lang="en-US" smtClean="0"/>
-              <a:t>6/2/20</a:t>
+              <a:t>6/3/20</a:t>
             </a:fld>
             <a:endParaRPr lang="en-US"/>
           </a:p>
@@ -1831,7 +1831,7 @@
           <a:p>
             <a:fld id="{30E6044F-6CD6-FA47-BEE6-35ACDD53B394}" type="datetimeFigureOut">
               <a:rPr lang="en-US" smtClean="0"/>
-              <a:t>6/2/20</a:t>
+              <a:t>6/3/20</a:t>
             </a:fld>
             <a:endParaRPr lang="en-US"/>
           </a:p>
@@ -1972,7 +1972,7 @@
           <a:p>
             <a:fld id="{30E6044F-6CD6-FA47-BEE6-35ACDD53B394}" type="datetimeFigureOut">
               <a:rPr lang="en-US" smtClean="0"/>
-              <a:t>6/2/20</a:t>
+              <a:t>6/3/20</a:t>
             </a:fld>
             <a:endParaRPr lang="en-US"/>
           </a:p>
@@ -2085,7 +2085,7 @@
           <a:p>
             <a:fld id="{30E6044F-6CD6-FA47-BEE6-35ACDD53B394}" type="datetimeFigureOut">
               <a:rPr lang="en-US" smtClean="0"/>
-              <a:t>6/2/20</a:t>
+              <a:t>6/3/20</a:t>
             </a:fld>
             <a:endParaRPr lang="en-US"/>
           </a:p>
@@ -2396,7 +2396,7 @@
           <a:p>
             <a:fld id="{30E6044F-6CD6-FA47-BEE6-35ACDD53B394}" type="datetimeFigureOut">
               <a:rPr lang="en-US" smtClean="0"/>
-              <a:t>6/2/20</a:t>
+              <a:t>6/3/20</a:t>
             </a:fld>
             <a:endParaRPr lang="en-US"/>
           </a:p>
@@ -2684,7 +2684,7 @@
           <a:p>
             <a:fld id="{30E6044F-6CD6-FA47-BEE6-35ACDD53B394}" type="datetimeFigureOut">
               <a:rPr lang="en-US" smtClean="0"/>
-              <a:t>6/2/20</a:t>
+              <a:t>6/3/20</a:t>
             </a:fld>
             <a:endParaRPr lang="en-US"/>
           </a:p>
@@ -2925,7 +2925,7 @@
           <a:p>
             <a:fld id="{30E6044F-6CD6-FA47-BEE6-35ACDD53B394}" type="datetimeFigureOut">
               <a:rPr lang="en-US" smtClean="0"/>
-              <a:t>6/2/20</a:t>
+              <a:t>6/3/20</a:t>
             </a:fld>
             <a:endParaRPr lang="en-US"/>
           </a:p>
@@ -3553,10 +3553,10 @@
       </p:pic>
       <p:pic>
         <p:nvPicPr>
-          <p:cNvPr id="5" name="Picture 4">
-            <a:extLst>
-              <a:ext uri="{FF2B5EF4-FFF2-40B4-BE49-F238E27FC236}">
-                <a16:creationId xmlns:a16="http://schemas.microsoft.com/office/drawing/2014/main" id="{77E9D14F-4DEC-A242-A29C-7446CF5A8B5C}"/>
+          <p:cNvPr id="4" name="Picture 3">
+            <a:extLst>
+              <a:ext uri="{FF2B5EF4-FFF2-40B4-BE49-F238E27FC236}">
+                <a16:creationId xmlns:a16="http://schemas.microsoft.com/office/drawing/2014/main" id="{7A0F5C73-8BA7-EE46-BCCA-5311804F1D83}"/>
               </a:ext>
             </a:extLst>
           </p:cNvPr>
@@ -3573,8 +3573,8 @@
         </p:blipFill>
         <p:spPr>
           <a:xfrm>
-            <a:off x="1053762" y="1714996"/>
-            <a:ext cx="8923556" cy="5068423"/>
+            <a:off x="1274456" y="1766934"/>
+            <a:ext cx="8865219" cy="5035289"/>
           </a:xfrm>
           <a:prstGeom prst="rect">
             <a:avLst/>
@@ -3767,10 +3767,10 @@
       </p:pic>
       <p:pic>
         <p:nvPicPr>
-          <p:cNvPr id="7" name="Picture 6">
-            <a:extLst>
-              <a:ext uri="{FF2B5EF4-FFF2-40B4-BE49-F238E27FC236}">
-                <a16:creationId xmlns:a16="http://schemas.microsoft.com/office/drawing/2014/main" id="{DDA2B76E-6EF7-934E-BBFB-4D78EDD7EDA6}"/>
+          <p:cNvPr id="6" name="Picture 5">
+            <a:extLst>
+              <a:ext uri="{FF2B5EF4-FFF2-40B4-BE49-F238E27FC236}">
+                <a16:creationId xmlns:a16="http://schemas.microsoft.com/office/drawing/2014/main" id="{950BED68-7356-CB44-8072-4757D36724E7}"/>
               </a:ext>
             </a:extLst>
           </p:cNvPr>
@@ -3787,8 +3787,8 @@
         </p:blipFill>
         <p:spPr>
           <a:xfrm>
-            <a:off x="947854" y="1690688"/>
-            <a:ext cx="9737366" cy="5090929"/>
+            <a:off x="1000975" y="1826973"/>
+            <a:ext cx="9519275" cy="4976906"/>
           </a:xfrm>
           <a:prstGeom prst="rect">
             <a:avLst/>
@@ -4045,10 +4045,10 @@
       </p:sp>
       <p:pic>
         <p:nvPicPr>
-          <p:cNvPr id="12" name="Picture 11">
-            <a:extLst>
-              <a:ext uri="{FF2B5EF4-FFF2-40B4-BE49-F238E27FC236}">
-                <a16:creationId xmlns:a16="http://schemas.microsoft.com/office/drawing/2014/main" id="{1A106BAE-FD7C-6E4E-B88B-3A2F4B49EF93}"/>
+          <p:cNvPr id="5" name="Picture 4">
+            <a:extLst>
+              <a:ext uri="{FF2B5EF4-FFF2-40B4-BE49-F238E27FC236}">
+                <a16:creationId xmlns:a16="http://schemas.microsoft.com/office/drawing/2014/main" id="{79F55586-74F6-FA4C-A716-33F18780BED4}"/>
               </a:ext>
             </a:extLst>
           </p:cNvPr>
@@ -4065,8 +4065,8 @@
         </p:blipFill>
         <p:spPr>
           <a:xfrm>
-            <a:off x="490653" y="2013954"/>
-            <a:ext cx="11088029" cy="3597030"/>
+            <a:off x="0" y="2060096"/>
+            <a:ext cx="12192000" cy="3955165"/>
           </a:xfrm>
           <a:prstGeom prst="rect">
             <a:avLst/>
@@ -4792,10 +4792,10 @@
       </p:sp>
       <p:pic>
         <p:nvPicPr>
-          <p:cNvPr id="8" name="Picture 7">
-            <a:extLst>
-              <a:ext uri="{FF2B5EF4-FFF2-40B4-BE49-F238E27FC236}">
-                <a16:creationId xmlns:a16="http://schemas.microsoft.com/office/drawing/2014/main" id="{5D1CE1A6-0B66-5340-92A2-C9C188A5195F}"/>
+          <p:cNvPr id="10" name="Picture 9">
+            <a:extLst>
+              <a:ext uri="{FF2B5EF4-FFF2-40B4-BE49-F238E27FC236}">
+                <a16:creationId xmlns:a16="http://schemas.microsoft.com/office/drawing/2014/main" id="{BD67A8E6-AA88-5E43-8A8D-424A32F0446F}"/>
               </a:ext>
             </a:extLst>
           </p:cNvPr>
@@ -4812,8 +4812,8 @@
         </p:blipFill>
         <p:spPr>
           <a:xfrm>
-            <a:off x="167268" y="3256156"/>
-            <a:ext cx="5675972" cy="3188887"/>
+            <a:off x="332131" y="3021372"/>
+            <a:ext cx="5667225" cy="3183972"/>
           </a:xfrm>
           <a:prstGeom prst="rect">
             <a:avLst/>
@@ -4822,10 +4822,10 @@
       </p:pic>
       <p:pic>
         <p:nvPicPr>
-          <p:cNvPr id="5" name="Picture 4">
-            <a:extLst>
-              <a:ext uri="{FF2B5EF4-FFF2-40B4-BE49-F238E27FC236}">
-                <a16:creationId xmlns:a16="http://schemas.microsoft.com/office/drawing/2014/main" id="{C5D885BF-0CB8-8943-B41F-F1007F07FDE5}"/>
+          <p:cNvPr id="3" name="Picture 2">
+            <a:extLst>
+              <a:ext uri="{FF2B5EF4-FFF2-40B4-BE49-F238E27FC236}">
+                <a16:creationId xmlns:a16="http://schemas.microsoft.com/office/drawing/2014/main" id="{ACB1923A-CDC5-154D-B22A-AE9106272333}"/>
               </a:ext>
             </a:extLst>
           </p:cNvPr>
@@ -4842,8 +4842,8 @@
         </p:blipFill>
         <p:spPr>
           <a:xfrm>
-            <a:off x="6236166" y="3256156"/>
-            <a:ext cx="5725684" cy="3216816"/>
+            <a:off x="6366123" y="3021372"/>
+            <a:ext cx="5484215" cy="3081153"/>
           </a:xfrm>
           <a:prstGeom prst="rect">
             <a:avLst/>
@@ -5090,10 +5090,10 @@
       </p:pic>
       <p:pic>
         <p:nvPicPr>
-          <p:cNvPr id="12" name="Picture 11">
-            <a:extLst>
-              <a:ext uri="{FF2B5EF4-FFF2-40B4-BE49-F238E27FC236}">
-                <a16:creationId xmlns:a16="http://schemas.microsoft.com/office/drawing/2014/main" id="{99175FC4-CF51-F14D-A528-F2CB4899B740}"/>
+          <p:cNvPr id="14" name="Picture 13">
+            <a:extLst>
+              <a:ext uri="{FF2B5EF4-FFF2-40B4-BE49-F238E27FC236}">
+                <a16:creationId xmlns:a16="http://schemas.microsoft.com/office/drawing/2014/main" id="{D34ADA4A-3241-CF4C-9BA3-3DD4F5381223}"/>
               </a:ext>
             </a:extLst>
           </p:cNvPr>
@@ -5110,8 +5110,8 @@
         </p:blipFill>
         <p:spPr>
           <a:xfrm>
-            <a:off x="591598" y="1558356"/>
-            <a:ext cx="8175639" cy="2652231"/>
+            <a:off x="715695" y="1917404"/>
+            <a:ext cx="7338627" cy="2380699"/>
           </a:xfrm>
           <a:prstGeom prst="rect">
             <a:avLst/>
@@ -5120,10 +5120,10 @@
       </p:pic>
       <p:pic>
         <p:nvPicPr>
-          <p:cNvPr id="13" name="Picture 12">
-            <a:extLst>
-              <a:ext uri="{FF2B5EF4-FFF2-40B4-BE49-F238E27FC236}">
-                <a16:creationId xmlns:a16="http://schemas.microsoft.com/office/drawing/2014/main" id="{B86DA788-CD03-9F4A-960A-2AFDD5C4D805}"/>
+          <p:cNvPr id="8" name="Picture 7">
+            <a:extLst>
+              <a:ext uri="{FF2B5EF4-FFF2-40B4-BE49-F238E27FC236}">
+                <a16:creationId xmlns:a16="http://schemas.microsoft.com/office/drawing/2014/main" id="{B31B4A7A-0D01-0E4F-B485-E7F4F553C0FB}"/>
               </a:ext>
             </a:extLst>
           </p:cNvPr>
@@ -5140,8 +5140,8 @@
         </p:blipFill>
         <p:spPr>
           <a:xfrm>
-            <a:off x="591597" y="4256637"/>
-            <a:ext cx="8175639" cy="2652231"/>
+            <a:off x="715694" y="4298103"/>
+            <a:ext cx="7338627" cy="2380699"/>
           </a:xfrm>
           <a:prstGeom prst="rect">
             <a:avLst/>
@@ -5377,8 +5377,8 @@
         </p:blipFill>
         <p:spPr>
           <a:xfrm>
-            <a:off x="1698702" y="4725918"/>
-            <a:ext cx="2207942" cy="2132082"/>
+            <a:off x="2791521" y="5430644"/>
+            <a:ext cx="1478142" cy="1427356"/>
           </a:xfrm>
           <a:prstGeom prst="rect">
             <a:avLst/>
@@ -5387,10 +5387,10 @@
       </p:pic>
       <p:pic>
         <p:nvPicPr>
-          <p:cNvPr id="12" name="Picture 11">
-            <a:extLst>
-              <a:ext uri="{FF2B5EF4-FFF2-40B4-BE49-F238E27FC236}">
-                <a16:creationId xmlns:a16="http://schemas.microsoft.com/office/drawing/2014/main" id="{7FE6CD4C-03B6-C046-BD28-DCFD931D33EF}"/>
+          <p:cNvPr id="13" name="Picture 12">
+            <a:extLst>
+              <a:ext uri="{FF2B5EF4-FFF2-40B4-BE49-F238E27FC236}">
+                <a16:creationId xmlns:a16="http://schemas.microsoft.com/office/drawing/2014/main" id="{CA1692E5-C28A-0F4A-8A95-2BD39E714504}"/>
               </a:ext>
             </a:extLst>
           </p:cNvPr>
@@ -5407,8 +5407,8 @@
         </p:blipFill>
         <p:spPr>
           <a:xfrm>
-            <a:off x="6417348" y="1690688"/>
-            <a:ext cx="5692584" cy="3233288"/>
+            <a:off x="6515033" y="2183927"/>
+            <a:ext cx="5497214" cy="3122321"/>
           </a:xfrm>
           <a:prstGeom prst="rect">
             <a:avLst/>
@@ -5417,10 +5417,10 @@
       </p:pic>
       <p:pic>
         <p:nvPicPr>
-          <p:cNvPr id="9" name="Picture 8">
-            <a:extLst>
-              <a:ext uri="{FF2B5EF4-FFF2-40B4-BE49-F238E27FC236}">
-                <a16:creationId xmlns:a16="http://schemas.microsoft.com/office/drawing/2014/main" id="{CDF4F348-E350-F548-9F5F-692C0FE34E3A}"/>
+          <p:cNvPr id="4" name="Picture 3">
+            <a:extLst>
+              <a:ext uri="{FF2B5EF4-FFF2-40B4-BE49-F238E27FC236}">
+                <a16:creationId xmlns:a16="http://schemas.microsoft.com/office/drawing/2014/main" id="{72C4040A-A805-B640-B75F-8E83506B366C}"/>
               </a:ext>
             </a:extLst>
           </p:cNvPr>
@@ -5437,8 +5437,8 @@
         </p:blipFill>
         <p:spPr>
           <a:xfrm>
-            <a:off x="400825" y="1690688"/>
-            <a:ext cx="5832009" cy="3312479"/>
+            <a:off x="719826" y="2257497"/>
+            <a:ext cx="5367685" cy="3048751"/>
           </a:xfrm>
           <a:prstGeom prst="rect">
             <a:avLst/>
@@ -5650,7 +5650,7 @@
         </p:blipFill>
         <p:spPr>
           <a:xfrm>
-            <a:off x="6461566" y="4410021"/>
+            <a:off x="6514817" y="4309660"/>
             <a:ext cx="2207942" cy="2132082"/>
           </a:xfrm>
           <a:prstGeom prst="rect">
@@ -5679,7 +5679,7 @@
         </p:blipFill>
         <p:spPr>
           <a:xfrm>
-            <a:off x="7223731" y="1931135"/>
+            <a:off x="7094177" y="2265672"/>
             <a:ext cx="942721" cy="972422"/>
           </a:xfrm>
           <a:prstGeom prst="rect">
@@ -5689,10 +5689,10 @@
       </p:pic>
       <p:pic>
         <p:nvPicPr>
-          <p:cNvPr id="10" name="Picture 9">
-            <a:extLst>
-              <a:ext uri="{FF2B5EF4-FFF2-40B4-BE49-F238E27FC236}">
-                <a16:creationId xmlns:a16="http://schemas.microsoft.com/office/drawing/2014/main" id="{315D2D75-CEA1-2847-A35B-F67F15E926F5}"/>
+          <p:cNvPr id="13" name="Picture 12">
+            <a:extLst>
+              <a:ext uri="{FF2B5EF4-FFF2-40B4-BE49-F238E27FC236}">
+                <a16:creationId xmlns:a16="http://schemas.microsoft.com/office/drawing/2014/main" id="{17F66FD2-74BD-E744-9CE7-C2C80A572B83}"/>
               </a:ext>
             </a:extLst>
           </p:cNvPr>
@@ -5709,8 +5709,8 @@
         </p:blipFill>
         <p:spPr>
           <a:xfrm>
-            <a:off x="964577" y="1462681"/>
-            <a:ext cx="4946262" cy="2586025"/>
+            <a:off x="688975" y="1434988"/>
+            <a:ext cx="5064396" cy="2647788"/>
           </a:xfrm>
           <a:prstGeom prst="rect">
             <a:avLst/>
@@ -5722,7 +5722,7 @@
           <p:cNvPr id="6" name="Picture 5">
             <a:extLst>
               <a:ext uri="{FF2B5EF4-FFF2-40B4-BE49-F238E27FC236}">
-                <a16:creationId xmlns:a16="http://schemas.microsoft.com/office/drawing/2014/main" id="{47A91191-6B52-1C46-8E31-F43A618DCB16}"/>
+                <a16:creationId xmlns:a16="http://schemas.microsoft.com/office/drawing/2014/main" id="{A71E8F9B-7E7A-CC40-A087-442376868D27}"/>
               </a:ext>
             </a:extLst>
           </p:cNvPr>
@@ -5739,8 +5739,8 @@
         </p:blipFill>
         <p:spPr>
           <a:xfrm>
-            <a:off x="1049449" y="4149893"/>
-            <a:ext cx="4861390" cy="2541652"/>
+            <a:off x="689177" y="4152221"/>
+            <a:ext cx="5064193" cy="2647682"/>
           </a:xfrm>
           <a:prstGeom prst="rect">
             <a:avLst/>
@@ -6850,10 +6850,10 @@
       </p:sp>
       <p:pic>
         <p:nvPicPr>
-          <p:cNvPr id="13" name="Picture 12">
-            <a:extLst>
-              <a:ext uri="{FF2B5EF4-FFF2-40B4-BE49-F238E27FC236}">
-                <a16:creationId xmlns:a16="http://schemas.microsoft.com/office/drawing/2014/main" id="{D3F7B99F-A76B-D54A-AA1C-6EED07AB75FA}"/>
+          <p:cNvPr id="4" name="Picture 3">
+            <a:extLst>
+              <a:ext uri="{FF2B5EF4-FFF2-40B4-BE49-F238E27FC236}">
+                <a16:creationId xmlns:a16="http://schemas.microsoft.com/office/drawing/2014/main" id="{EF5FAA5D-4268-514D-98C8-B04B76B09C51}"/>
               </a:ext>
             </a:extLst>
           </p:cNvPr>
@@ -6870,8 +6870,8 @@
         </p:blipFill>
         <p:spPr>
           <a:xfrm>
-            <a:off x="156116" y="1891778"/>
-            <a:ext cx="8248495" cy="4634187"/>
+            <a:off x="365585" y="2040673"/>
+            <a:ext cx="7849456" cy="4409998"/>
           </a:xfrm>
           <a:prstGeom prst="rect">
             <a:avLst/>
@@ -7060,10 +7060,10 @@
       </p:pic>
       <p:pic>
         <p:nvPicPr>
-          <p:cNvPr id="9" name="Picture 8">
-            <a:extLst>
-              <a:ext uri="{FF2B5EF4-FFF2-40B4-BE49-F238E27FC236}">
-                <a16:creationId xmlns:a16="http://schemas.microsoft.com/office/drawing/2014/main" id="{DFCC461F-A335-2F4D-9ABE-1C7E47411CB2}"/>
+          <p:cNvPr id="11" name="Picture 10">
+            <a:extLst>
+              <a:ext uri="{FF2B5EF4-FFF2-40B4-BE49-F238E27FC236}">
+                <a16:creationId xmlns:a16="http://schemas.microsoft.com/office/drawing/2014/main" id="{954F478C-9CD7-1343-A43A-93F7ED2882C8}"/>
               </a:ext>
             </a:extLst>
           </p:cNvPr>
@@ -7080,8 +7080,8 @@
         </p:blipFill>
         <p:spPr>
           <a:xfrm>
-            <a:off x="170134" y="2096430"/>
-            <a:ext cx="11888051" cy="3856562"/>
+            <a:off x="122664" y="1994995"/>
+            <a:ext cx="11656166" cy="3781337"/>
           </a:xfrm>
           <a:prstGeom prst="rect">
             <a:avLst/>

--- a/analysis/output/mL/presentation/updated_mL.pptx
+++ b/analysis/output/mL/presentation/updated_mL.pptx
@@ -22,6 +22,11 @@
     <p:sldId id="270" r:id="rId16"/>
     <p:sldId id="271" r:id="rId17"/>
     <p:sldId id="272" r:id="rId18"/>
+    <p:sldId id="275" r:id="rId19"/>
+    <p:sldId id="276" r:id="rId20"/>
+    <p:sldId id="277" r:id="rId21"/>
+    <p:sldId id="278" r:id="rId22"/>
+    <p:sldId id="279" r:id="rId23"/>
   </p:sldIdLst>
   <p:sldSz cx="12192000" cy="6858000"/>
   <p:notesSz cx="6858000" cy="9144000"/>
@@ -275,7 +280,7 @@
           <a:p>
             <a:fld id="{30E6044F-6CD6-FA47-BEE6-35ACDD53B394}" type="datetimeFigureOut">
               <a:rPr lang="en-US" smtClean="0"/>
-              <a:t>6/3/20</a:t>
+              <a:t>6/5/20</a:t>
             </a:fld>
             <a:endParaRPr lang="en-US"/>
           </a:p>
@@ -473,7 +478,7 @@
           <a:p>
             <a:fld id="{30E6044F-6CD6-FA47-BEE6-35ACDD53B394}" type="datetimeFigureOut">
               <a:rPr lang="en-US" smtClean="0"/>
-              <a:t>6/3/20</a:t>
+              <a:t>6/5/20</a:t>
             </a:fld>
             <a:endParaRPr lang="en-US"/>
           </a:p>
@@ -681,7 +686,7 @@
           <a:p>
             <a:fld id="{30E6044F-6CD6-FA47-BEE6-35ACDD53B394}" type="datetimeFigureOut">
               <a:rPr lang="en-US" smtClean="0"/>
-              <a:t>6/3/20</a:t>
+              <a:t>6/5/20</a:t>
             </a:fld>
             <a:endParaRPr lang="en-US"/>
           </a:p>
@@ -879,7 +884,7 @@
           <a:p>
             <a:fld id="{30E6044F-6CD6-FA47-BEE6-35ACDD53B394}" type="datetimeFigureOut">
               <a:rPr lang="en-US" smtClean="0"/>
-              <a:t>6/3/20</a:t>
+              <a:t>6/5/20</a:t>
             </a:fld>
             <a:endParaRPr lang="en-US"/>
           </a:p>
@@ -1154,7 +1159,7 @@
           <a:p>
             <a:fld id="{30E6044F-6CD6-FA47-BEE6-35ACDD53B394}" type="datetimeFigureOut">
               <a:rPr lang="en-US" smtClean="0"/>
-              <a:t>6/3/20</a:t>
+              <a:t>6/5/20</a:t>
             </a:fld>
             <a:endParaRPr lang="en-US"/>
           </a:p>
@@ -1419,7 +1424,7 @@
           <a:p>
             <a:fld id="{30E6044F-6CD6-FA47-BEE6-35ACDD53B394}" type="datetimeFigureOut">
               <a:rPr lang="en-US" smtClean="0"/>
-              <a:t>6/3/20</a:t>
+              <a:t>6/5/20</a:t>
             </a:fld>
             <a:endParaRPr lang="en-US"/>
           </a:p>
@@ -1831,7 +1836,7 @@
           <a:p>
             <a:fld id="{30E6044F-6CD6-FA47-BEE6-35ACDD53B394}" type="datetimeFigureOut">
               <a:rPr lang="en-US" smtClean="0"/>
-              <a:t>6/3/20</a:t>
+              <a:t>6/5/20</a:t>
             </a:fld>
             <a:endParaRPr lang="en-US"/>
           </a:p>
@@ -1972,7 +1977,7 @@
           <a:p>
             <a:fld id="{30E6044F-6CD6-FA47-BEE6-35ACDD53B394}" type="datetimeFigureOut">
               <a:rPr lang="en-US" smtClean="0"/>
-              <a:t>6/3/20</a:t>
+              <a:t>6/5/20</a:t>
             </a:fld>
             <a:endParaRPr lang="en-US"/>
           </a:p>
@@ -2085,7 +2090,7 @@
           <a:p>
             <a:fld id="{30E6044F-6CD6-FA47-BEE6-35ACDD53B394}" type="datetimeFigureOut">
               <a:rPr lang="en-US" smtClean="0"/>
-              <a:t>6/3/20</a:t>
+              <a:t>6/5/20</a:t>
             </a:fld>
             <a:endParaRPr lang="en-US"/>
           </a:p>
@@ -2396,7 +2401,7 @@
           <a:p>
             <a:fld id="{30E6044F-6CD6-FA47-BEE6-35ACDD53B394}" type="datetimeFigureOut">
               <a:rPr lang="en-US" smtClean="0"/>
-              <a:t>6/3/20</a:t>
+              <a:t>6/5/20</a:t>
             </a:fld>
             <a:endParaRPr lang="en-US"/>
           </a:p>
@@ -2684,7 +2689,7 @@
           <a:p>
             <a:fld id="{30E6044F-6CD6-FA47-BEE6-35ACDD53B394}" type="datetimeFigureOut">
               <a:rPr lang="en-US" smtClean="0"/>
-              <a:t>6/3/20</a:t>
+              <a:t>6/5/20</a:t>
             </a:fld>
             <a:endParaRPr lang="en-US"/>
           </a:p>
@@ -2925,7 +2930,7 @@
           <a:p>
             <a:fld id="{30E6044F-6CD6-FA47-BEE6-35ACDD53B394}" type="datetimeFigureOut">
               <a:rPr lang="en-US" smtClean="0"/>
-              <a:t>6/3/20</a:t>
+              <a:t>6/5/20</a:t>
             </a:fld>
             <a:endParaRPr lang="en-US"/>
           </a:p>
@@ -5760,6 +5765,211 @@
 </p:sld>
 </file>
 
+<file path=ppt/slides/slide18.xml><?xml version="1.0" encoding="utf-8"?>
+<p:sld xmlns:a="http://schemas.openxmlformats.org/drawingml/2006/main" xmlns:r="http://schemas.openxmlformats.org/officeDocument/2006/relationships" xmlns:p="http://schemas.openxmlformats.org/presentationml/2006/main">
+  <p:cSld>
+    <p:spTree>
+      <p:nvGrpSpPr>
+        <p:cNvPr id="1" name=""/>
+        <p:cNvGrpSpPr/>
+        <p:nvPr/>
+      </p:nvGrpSpPr>
+      <p:grpSpPr>
+        <a:xfrm>
+          <a:off x="0" y="0"/>
+          <a:ext cx="0" cy="0"/>
+          <a:chOff x="0" y="0"/>
+          <a:chExt cx="0" cy="0"/>
+        </a:xfrm>
+      </p:grpSpPr>
+      <p:sp>
+        <p:nvSpPr>
+          <p:cNvPr id="2" name="Title 1">
+            <a:extLst>
+              <a:ext uri="{FF2B5EF4-FFF2-40B4-BE49-F238E27FC236}">
+                <a16:creationId xmlns:a16="http://schemas.microsoft.com/office/drawing/2014/main" id="{AC221868-9534-4542-821E-E8FBEFAB7B1F}"/>
+              </a:ext>
+            </a:extLst>
+          </p:cNvPr>
+          <p:cNvSpPr>
+            <a:spLocks noGrp="1"/>
+          </p:cNvSpPr>
+          <p:nvPr>
+            <p:ph type="title"/>
+          </p:nvPr>
+        </p:nvSpPr>
+        <p:spPr/>
+        <p:txBody>
+          <a:bodyPr/>
+          <a:lstStyle/>
+          <a:p>
+            <a:r>
+              <a:rPr lang="en-US" dirty="0" err="1"/>
+              <a:t>Hyperalignment</a:t>
+            </a:r>
+            <a:endParaRPr lang="en-US" dirty="0"/>
+          </a:p>
+        </p:txBody>
+      </p:sp>
+      <p:sp>
+        <p:nvSpPr>
+          <p:cNvPr id="3" name="Content Placeholder 2">
+            <a:extLst>
+              <a:ext uri="{FF2B5EF4-FFF2-40B4-BE49-F238E27FC236}">
+                <a16:creationId xmlns:a16="http://schemas.microsoft.com/office/drawing/2014/main" id="{55EA0592-23F2-E64E-B75D-880BC33EE76F}"/>
+              </a:ext>
+            </a:extLst>
+          </p:cNvPr>
+          <p:cNvSpPr>
+            <a:spLocks noGrp="1"/>
+          </p:cNvSpPr>
+          <p:nvPr>
+            <p:ph idx="1"/>
+          </p:nvPr>
+        </p:nvSpPr>
+        <p:spPr/>
+        <p:txBody>
+          <a:bodyPr/>
+          <a:lstStyle/>
+          <a:p>
+            <a:r>
+              <a:rPr lang="en-US" dirty="0"/>
+              <a:t>Within subject within task</a:t>
+            </a:r>
+          </a:p>
+        </p:txBody>
+      </p:sp>
+    </p:spTree>
+    <p:extLst>
+      <p:ext uri="{BB962C8B-B14F-4D97-AF65-F5344CB8AC3E}">
+        <p14:creationId xmlns:p14="http://schemas.microsoft.com/office/powerpoint/2010/main" val="1463749554"/>
+      </p:ext>
+    </p:extLst>
+  </p:cSld>
+  <p:clrMapOvr>
+    <a:masterClrMapping/>
+  </p:clrMapOvr>
+</p:sld>
+</file>
+
+<file path=ppt/slides/slide19.xml><?xml version="1.0" encoding="utf-8"?>
+<p:sld xmlns:a="http://schemas.openxmlformats.org/drawingml/2006/main" xmlns:r="http://schemas.openxmlformats.org/officeDocument/2006/relationships" xmlns:p="http://schemas.openxmlformats.org/presentationml/2006/main">
+  <p:cSld>
+    <p:spTree>
+      <p:nvGrpSpPr>
+        <p:cNvPr id="1" name=""/>
+        <p:cNvGrpSpPr/>
+        <p:nvPr/>
+      </p:nvGrpSpPr>
+      <p:grpSpPr>
+        <a:xfrm>
+          <a:off x="0" y="0"/>
+          <a:ext cx="0" cy="0"/>
+          <a:chOff x="0" y="0"/>
+          <a:chExt cx="0" cy="0"/>
+        </a:xfrm>
+      </p:grpSpPr>
+      <p:sp>
+        <p:nvSpPr>
+          <p:cNvPr id="2" name="Title 1">
+            <a:extLst>
+              <a:ext uri="{FF2B5EF4-FFF2-40B4-BE49-F238E27FC236}">
+                <a16:creationId xmlns:a16="http://schemas.microsoft.com/office/drawing/2014/main" id="{D8B3184E-3903-284A-B2E9-672CE705752C}"/>
+              </a:ext>
+            </a:extLst>
+          </p:cNvPr>
+          <p:cNvSpPr>
+            <a:spLocks noGrp="1"/>
+          </p:cNvSpPr>
+          <p:nvPr>
+            <p:ph type="title"/>
+          </p:nvPr>
+        </p:nvSpPr>
+        <p:spPr/>
+        <p:txBody>
+          <a:bodyPr/>
+          <a:lstStyle/>
+          <a:p>
+            <a:r>
+              <a:rPr lang="en-US" dirty="0"/>
+              <a:t>Cross-validation</a:t>
+            </a:r>
+          </a:p>
+        </p:txBody>
+      </p:sp>
+      <p:pic>
+        <p:nvPicPr>
+          <p:cNvPr id="6" name="Picture 5">
+            <a:extLst>
+              <a:ext uri="{FF2B5EF4-FFF2-40B4-BE49-F238E27FC236}">
+                <a16:creationId xmlns:a16="http://schemas.microsoft.com/office/drawing/2014/main" id="{69787804-C161-B546-8720-2BF38ADE039E}"/>
+              </a:ext>
+            </a:extLst>
+          </p:cNvPr>
+          <p:cNvPicPr>
+            <a:picLocks noChangeAspect="1"/>
+          </p:cNvPicPr>
+          <p:nvPr/>
+        </p:nvPicPr>
+        <p:blipFill>
+          <a:blip r:embed="rId2"/>
+          <a:stretch>
+            <a:fillRect/>
+          </a:stretch>
+        </p:blipFill>
+        <p:spPr>
+          <a:xfrm>
+            <a:off x="7635178" y="0"/>
+            <a:ext cx="4387860" cy="2465197"/>
+          </a:xfrm>
+          <a:prstGeom prst="rect">
+            <a:avLst/>
+          </a:prstGeom>
+        </p:spPr>
+      </p:pic>
+      <p:pic>
+        <p:nvPicPr>
+          <p:cNvPr id="4" name="Picture 3">
+            <a:extLst>
+              <a:ext uri="{FF2B5EF4-FFF2-40B4-BE49-F238E27FC236}">
+                <a16:creationId xmlns:a16="http://schemas.microsoft.com/office/drawing/2014/main" id="{578BC3F6-6CC9-AF48-907F-09B07F50D6B7}"/>
+              </a:ext>
+            </a:extLst>
+          </p:cNvPr>
+          <p:cNvPicPr>
+            <a:picLocks noChangeAspect="1"/>
+          </p:cNvPicPr>
+          <p:nvPr/>
+        </p:nvPicPr>
+        <p:blipFill>
+          <a:blip r:embed="rId3"/>
+          <a:stretch>
+            <a:fillRect/>
+          </a:stretch>
+        </p:blipFill>
+        <p:spPr>
+          <a:xfrm>
+            <a:off x="635619" y="2250775"/>
+            <a:ext cx="7356398" cy="4132987"/>
+          </a:xfrm>
+          <a:prstGeom prst="rect">
+            <a:avLst/>
+          </a:prstGeom>
+        </p:spPr>
+      </p:pic>
+    </p:spTree>
+    <p:extLst>
+      <p:ext uri="{BB962C8B-B14F-4D97-AF65-F5344CB8AC3E}">
+        <p14:creationId xmlns:p14="http://schemas.microsoft.com/office/powerpoint/2010/main" val="3300908807"/>
+      </p:ext>
+    </p:extLst>
+  </p:cSld>
+  <p:clrMapOvr>
+    <a:masterClrMapping/>
+  </p:clrMapOvr>
+</p:sld>
+</file>
+
 <file path=ppt/slides/slide2.xml><?xml version="1.0" encoding="utf-8"?>
 <p:sld xmlns:a="http://schemas.openxmlformats.org/drawingml/2006/main" xmlns:r="http://schemas.openxmlformats.org/officeDocument/2006/relationships" xmlns:p="http://schemas.openxmlformats.org/presentationml/2006/main">
   <p:cSld>
@@ -6248,6 +6458,724 @@
     <p:extLst>
       <p:ext uri="{BB962C8B-B14F-4D97-AF65-F5344CB8AC3E}">
         <p14:creationId xmlns:p14="http://schemas.microsoft.com/office/powerpoint/2010/main" val="920488280"/>
+      </p:ext>
+    </p:extLst>
+  </p:cSld>
+  <p:clrMapOvr>
+    <a:masterClrMapping/>
+  </p:clrMapOvr>
+</p:sld>
+</file>
+
+<file path=ppt/slides/slide20.xml><?xml version="1.0" encoding="utf-8"?>
+<p:sld xmlns:a="http://schemas.openxmlformats.org/drawingml/2006/main" xmlns:r="http://schemas.openxmlformats.org/officeDocument/2006/relationships" xmlns:p="http://schemas.openxmlformats.org/presentationml/2006/main">
+  <p:cSld>
+    <p:spTree>
+      <p:nvGrpSpPr>
+        <p:cNvPr id="1" name=""/>
+        <p:cNvGrpSpPr/>
+        <p:nvPr/>
+      </p:nvGrpSpPr>
+      <p:grpSpPr>
+        <a:xfrm>
+          <a:off x="0" y="0"/>
+          <a:ext cx="0" cy="0"/>
+          <a:chOff x="0" y="0"/>
+          <a:chExt cx="0" cy="0"/>
+        </a:xfrm>
+      </p:grpSpPr>
+      <p:sp>
+        <p:nvSpPr>
+          <p:cNvPr id="2" name="Title 1">
+            <a:extLst>
+              <a:ext uri="{FF2B5EF4-FFF2-40B4-BE49-F238E27FC236}">
+                <a16:creationId xmlns:a16="http://schemas.microsoft.com/office/drawing/2014/main" id="{FC48A37C-284F-7449-9573-DC2898CAF457}"/>
+              </a:ext>
+            </a:extLst>
+          </p:cNvPr>
+          <p:cNvSpPr>
+            <a:spLocks noGrp="1"/>
+          </p:cNvSpPr>
+          <p:nvPr>
+            <p:ph type="title"/>
+          </p:nvPr>
+        </p:nvSpPr>
+        <p:spPr/>
+        <p:txBody>
+          <a:bodyPr>
+            <a:normAutofit/>
+          </a:bodyPr>
+          <a:lstStyle/>
+          <a:p>
+            <a:r>
+              <a:rPr lang="en-US" sz="3200" dirty="0"/>
+              <a:t>Same Subject, Between Task</a:t>
+            </a:r>
+          </a:p>
+        </p:txBody>
+      </p:sp>
+      <p:pic>
+        <p:nvPicPr>
+          <p:cNvPr id="4" name="Picture 3">
+            <a:extLst>
+              <a:ext uri="{FF2B5EF4-FFF2-40B4-BE49-F238E27FC236}">
+                <a16:creationId xmlns:a16="http://schemas.microsoft.com/office/drawing/2014/main" id="{F4558B89-2EF2-524C-A485-252BD1E5140D}"/>
+              </a:ext>
+            </a:extLst>
+          </p:cNvPr>
+          <p:cNvPicPr>
+            <a:picLocks noChangeAspect="1"/>
+          </p:cNvPicPr>
+          <p:nvPr/>
+        </p:nvPicPr>
+        <p:blipFill>
+          <a:blip r:embed="rId2"/>
+          <a:stretch>
+            <a:fillRect/>
+          </a:stretch>
+        </p:blipFill>
+        <p:spPr>
+          <a:xfrm>
+            <a:off x="6463982" y="365125"/>
+            <a:ext cx="2303255" cy="1147181"/>
+          </a:xfrm>
+          <a:prstGeom prst="rect">
+            <a:avLst/>
+          </a:prstGeom>
+        </p:spPr>
+      </p:pic>
+      <p:pic>
+        <p:nvPicPr>
+          <p:cNvPr id="5" name="Picture 4">
+            <a:extLst>
+              <a:ext uri="{FF2B5EF4-FFF2-40B4-BE49-F238E27FC236}">
+                <a16:creationId xmlns:a16="http://schemas.microsoft.com/office/drawing/2014/main" id="{68374BEB-60DD-F449-A53B-731FC931615D}"/>
+              </a:ext>
+            </a:extLst>
+          </p:cNvPr>
+          <p:cNvPicPr>
+            <a:picLocks noChangeAspect="1"/>
+          </p:cNvPicPr>
+          <p:nvPr/>
+        </p:nvPicPr>
+        <p:blipFill>
+          <a:blip r:embed="rId3"/>
+          <a:stretch>
+            <a:fillRect/>
+          </a:stretch>
+        </p:blipFill>
+        <p:spPr>
+          <a:xfrm>
+            <a:off x="6734707" y="631525"/>
+            <a:ext cx="579360" cy="559458"/>
+          </a:xfrm>
+          <a:prstGeom prst="rect">
+            <a:avLst/>
+          </a:prstGeom>
+        </p:spPr>
+      </p:pic>
+      <p:pic>
+        <p:nvPicPr>
+          <p:cNvPr id="6" name="Picture 5">
+            <a:extLst>
+              <a:ext uri="{FF2B5EF4-FFF2-40B4-BE49-F238E27FC236}">
+                <a16:creationId xmlns:a16="http://schemas.microsoft.com/office/drawing/2014/main" id="{6828A4C0-2940-0A44-8CD0-E468F0EF01A2}"/>
+              </a:ext>
+            </a:extLst>
+          </p:cNvPr>
+          <p:cNvPicPr>
+            <a:picLocks noChangeAspect="1"/>
+          </p:cNvPicPr>
+          <p:nvPr/>
+        </p:nvPicPr>
+        <p:blipFill>
+          <a:blip r:embed="rId2"/>
+          <a:stretch>
+            <a:fillRect/>
+          </a:stretch>
+        </p:blipFill>
+        <p:spPr>
+          <a:xfrm>
+            <a:off x="9050545" y="365125"/>
+            <a:ext cx="2303255" cy="1147181"/>
+          </a:xfrm>
+          <a:prstGeom prst="rect">
+            <a:avLst/>
+          </a:prstGeom>
+        </p:spPr>
+      </p:pic>
+      <p:pic>
+        <p:nvPicPr>
+          <p:cNvPr id="7" name="Picture 6">
+            <a:extLst>
+              <a:ext uri="{FF2B5EF4-FFF2-40B4-BE49-F238E27FC236}">
+                <a16:creationId xmlns:a16="http://schemas.microsoft.com/office/drawing/2014/main" id="{4735149F-6565-B540-818C-4D4214AF6A7B}"/>
+              </a:ext>
+            </a:extLst>
+          </p:cNvPr>
+          <p:cNvPicPr>
+            <a:picLocks noChangeAspect="1"/>
+          </p:cNvPicPr>
+          <p:nvPr/>
+        </p:nvPicPr>
+        <p:blipFill>
+          <a:blip r:embed="rId4"/>
+          <a:stretch>
+            <a:fillRect/>
+          </a:stretch>
+        </p:blipFill>
+        <p:spPr>
+          <a:xfrm>
+            <a:off x="9372902" y="669432"/>
+            <a:ext cx="545962" cy="397742"/>
+          </a:xfrm>
+          <a:prstGeom prst="rect">
+            <a:avLst/>
+          </a:prstGeom>
+        </p:spPr>
+      </p:pic>
+      <p:pic>
+        <p:nvPicPr>
+          <p:cNvPr id="8" name="Picture 7">
+            <a:extLst>
+              <a:ext uri="{FF2B5EF4-FFF2-40B4-BE49-F238E27FC236}">
+                <a16:creationId xmlns:a16="http://schemas.microsoft.com/office/drawing/2014/main" id="{FF5D8ADF-E922-DE48-98E2-B53AE31A6FFD}"/>
+              </a:ext>
+            </a:extLst>
+          </p:cNvPr>
+          <p:cNvPicPr>
+            <a:picLocks noChangeAspect="1"/>
+          </p:cNvPicPr>
+          <p:nvPr/>
+        </p:nvPicPr>
+        <p:blipFill>
+          <a:blip r:embed="rId5"/>
+          <a:stretch>
+            <a:fillRect/>
+          </a:stretch>
+        </p:blipFill>
+        <p:spPr>
+          <a:xfrm>
+            <a:off x="1705846" y="3492492"/>
+            <a:ext cx="10374350" cy="3365508"/>
+          </a:xfrm>
+          <a:prstGeom prst="rect">
+            <a:avLst/>
+          </a:prstGeom>
+        </p:spPr>
+      </p:pic>
+      <p:pic>
+        <p:nvPicPr>
+          <p:cNvPr id="9" name="Picture 8">
+            <a:extLst>
+              <a:ext uri="{FF2B5EF4-FFF2-40B4-BE49-F238E27FC236}">
+                <a16:creationId xmlns:a16="http://schemas.microsoft.com/office/drawing/2014/main" id="{74664487-29EF-FE4B-994F-7C10C18DD9E4}"/>
+              </a:ext>
+            </a:extLst>
+          </p:cNvPr>
+          <p:cNvPicPr>
+            <a:picLocks noChangeAspect="1"/>
+          </p:cNvPicPr>
+          <p:nvPr/>
+        </p:nvPicPr>
+        <p:blipFill>
+          <a:blip r:embed="rId6"/>
+          <a:stretch>
+            <a:fillRect/>
+          </a:stretch>
+        </p:blipFill>
+        <p:spPr>
+          <a:xfrm>
+            <a:off x="78059" y="1331361"/>
+            <a:ext cx="6180674" cy="2005051"/>
+          </a:xfrm>
+          <a:prstGeom prst="rect">
+            <a:avLst/>
+          </a:prstGeom>
+        </p:spPr>
+      </p:pic>
+    </p:spTree>
+    <p:extLst>
+      <p:ext uri="{BB962C8B-B14F-4D97-AF65-F5344CB8AC3E}">
+        <p14:creationId xmlns:p14="http://schemas.microsoft.com/office/powerpoint/2010/main" val="564593858"/>
+      </p:ext>
+    </p:extLst>
+  </p:cSld>
+  <p:clrMapOvr>
+    <a:masterClrMapping/>
+  </p:clrMapOvr>
+</p:sld>
+</file>
+
+<file path=ppt/slides/slide21.xml><?xml version="1.0" encoding="utf-8"?>
+<p:sld xmlns:a="http://schemas.openxmlformats.org/drawingml/2006/main" xmlns:r="http://schemas.openxmlformats.org/officeDocument/2006/relationships" xmlns:p="http://schemas.openxmlformats.org/presentationml/2006/main">
+  <p:cSld>
+    <p:spTree>
+      <p:nvGrpSpPr>
+        <p:cNvPr id="1" name=""/>
+        <p:cNvGrpSpPr/>
+        <p:nvPr/>
+      </p:nvGrpSpPr>
+      <p:grpSpPr>
+        <a:xfrm>
+          <a:off x="0" y="0"/>
+          <a:ext cx="0" cy="0"/>
+          <a:chOff x="0" y="0"/>
+          <a:chExt cx="0" cy="0"/>
+        </a:xfrm>
+      </p:grpSpPr>
+      <p:sp>
+        <p:nvSpPr>
+          <p:cNvPr id="2" name="Title 1">
+            <a:extLst>
+              <a:ext uri="{FF2B5EF4-FFF2-40B4-BE49-F238E27FC236}">
+                <a16:creationId xmlns:a16="http://schemas.microsoft.com/office/drawing/2014/main" id="{35F3BE46-6B8F-A842-9A1C-1ED4502350B9}"/>
+              </a:ext>
+            </a:extLst>
+          </p:cNvPr>
+          <p:cNvSpPr>
+            <a:spLocks noGrp="1"/>
+          </p:cNvSpPr>
+          <p:nvPr>
+            <p:ph type="title"/>
+          </p:nvPr>
+        </p:nvSpPr>
+        <p:spPr/>
+        <p:txBody>
+          <a:bodyPr>
+            <a:normAutofit/>
+          </a:bodyPr>
+          <a:lstStyle/>
+          <a:p>
+            <a:r>
+              <a:rPr lang="en-US" sz="3200" dirty="0"/>
+              <a:t>Different subject same task</a:t>
+            </a:r>
+          </a:p>
+        </p:txBody>
+      </p:sp>
+      <p:pic>
+        <p:nvPicPr>
+          <p:cNvPr id="4" name="Picture 3">
+            <a:extLst>
+              <a:ext uri="{FF2B5EF4-FFF2-40B4-BE49-F238E27FC236}">
+                <a16:creationId xmlns:a16="http://schemas.microsoft.com/office/drawing/2014/main" id="{1750BFF9-9672-EE4B-A1DD-AF4A5BAE418C}"/>
+              </a:ext>
+            </a:extLst>
+          </p:cNvPr>
+          <p:cNvPicPr>
+            <a:picLocks noChangeAspect="1"/>
+          </p:cNvPicPr>
+          <p:nvPr/>
+        </p:nvPicPr>
+        <p:blipFill>
+          <a:blip r:embed="rId2"/>
+          <a:stretch>
+            <a:fillRect/>
+          </a:stretch>
+        </p:blipFill>
+        <p:spPr>
+          <a:xfrm>
+            <a:off x="9586469" y="441371"/>
+            <a:ext cx="2299758" cy="1145440"/>
+          </a:xfrm>
+          <a:prstGeom prst="rect">
+            <a:avLst/>
+          </a:prstGeom>
+        </p:spPr>
+      </p:pic>
+      <p:pic>
+        <p:nvPicPr>
+          <p:cNvPr id="5" name="Picture 4">
+            <a:extLst>
+              <a:ext uri="{FF2B5EF4-FFF2-40B4-BE49-F238E27FC236}">
+                <a16:creationId xmlns:a16="http://schemas.microsoft.com/office/drawing/2014/main" id="{4186CEFB-CAC0-AB4B-8976-B065604984D0}"/>
+              </a:ext>
+            </a:extLst>
+          </p:cNvPr>
+          <p:cNvPicPr>
+            <a:picLocks noChangeAspect="1"/>
+          </p:cNvPicPr>
+          <p:nvPr/>
+        </p:nvPicPr>
+        <p:blipFill>
+          <a:blip r:embed="rId3"/>
+          <a:stretch>
+            <a:fillRect/>
+          </a:stretch>
+        </p:blipFill>
+        <p:spPr>
+          <a:xfrm>
+            <a:off x="9867108" y="761984"/>
+            <a:ext cx="545134" cy="397139"/>
+          </a:xfrm>
+          <a:prstGeom prst="rect">
+            <a:avLst/>
+          </a:prstGeom>
+        </p:spPr>
+      </p:pic>
+      <p:pic>
+        <p:nvPicPr>
+          <p:cNvPr id="6" name="Picture 5">
+            <a:extLst>
+              <a:ext uri="{FF2B5EF4-FFF2-40B4-BE49-F238E27FC236}">
+                <a16:creationId xmlns:a16="http://schemas.microsoft.com/office/drawing/2014/main" id="{56F72194-7AAE-214A-B407-DE123802B313}"/>
+              </a:ext>
+            </a:extLst>
+          </p:cNvPr>
+          <p:cNvPicPr>
+            <a:picLocks noChangeAspect="1"/>
+          </p:cNvPicPr>
+          <p:nvPr/>
+        </p:nvPicPr>
+        <p:blipFill rotWithShape="1">
+          <a:blip r:embed="rId4"/>
+          <a:srcRect l="1297" t="8770" r="5594"/>
+          <a:stretch/>
+        </p:blipFill>
+        <p:spPr>
+          <a:xfrm>
+            <a:off x="6872118" y="441371"/>
+            <a:ext cx="2391522" cy="1197379"/>
+          </a:xfrm>
+          <a:prstGeom prst="rect">
+            <a:avLst/>
+          </a:prstGeom>
+        </p:spPr>
+      </p:pic>
+      <p:pic>
+        <p:nvPicPr>
+          <p:cNvPr id="7" name="Picture 6">
+            <a:extLst>
+              <a:ext uri="{FF2B5EF4-FFF2-40B4-BE49-F238E27FC236}">
+                <a16:creationId xmlns:a16="http://schemas.microsoft.com/office/drawing/2014/main" id="{46DD9E9A-48F6-774E-86DB-CEB524C7ABCF}"/>
+              </a:ext>
+            </a:extLst>
+          </p:cNvPr>
+          <p:cNvPicPr>
+            <a:picLocks noChangeAspect="1"/>
+          </p:cNvPicPr>
+          <p:nvPr/>
+        </p:nvPicPr>
+        <p:blipFill>
+          <a:blip r:embed="rId3"/>
+          <a:stretch>
+            <a:fillRect/>
+          </a:stretch>
+        </p:blipFill>
+        <p:spPr>
+          <a:xfrm>
+            <a:off x="8419226" y="749952"/>
+            <a:ext cx="545962" cy="397742"/>
+          </a:xfrm>
+          <a:prstGeom prst="rect">
+            <a:avLst/>
+          </a:prstGeom>
+        </p:spPr>
+      </p:pic>
+      <p:pic>
+        <p:nvPicPr>
+          <p:cNvPr id="9" name="Picture 8">
+            <a:extLst>
+              <a:ext uri="{FF2B5EF4-FFF2-40B4-BE49-F238E27FC236}">
+                <a16:creationId xmlns:a16="http://schemas.microsoft.com/office/drawing/2014/main" id="{90BECA6C-668E-924B-813F-8136AD51B8DD}"/>
+              </a:ext>
+            </a:extLst>
+          </p:cNvPr>
+          <p:cNvPicPr>
+            <a:picLocks noChangeAspect="1"/>
+          </p:cNvPicPr>
+          <p:nvPr/>
+        </p:nvPicPr>
+        <p:blipFill>
+          <a:blip r:embed="rId5"/>
+          <a:stretch>
+            <a:fillRect/>
+          </a:stretch>
+        </p:blipFill>
+        <p:spPr>
+          <a:xfrm>
+            <a:off x="4337870" y="2230246"/>
+            <a:ext cx="7548357" cy="4287334"/>
+          </a:xfrm>
+          <a:prstGeom prst="rect">
+            <a:avLst/>
+          </a:prstGeom>
+        </p:spPr>
+      </p:pic>
+      <p:pic>
+        <p:nvPicPr>
+          <p:cNvPr id="10" name="Picture 9">
+            <a:extLst>
+              <a:ext uri="{FF2B5EF4-FFF2-40B4-BE49-F238E27FC236}">
+                <a16:creationId xmlns:a16="http://schemas.microsoft.com/office/drawing/2014/main" id="{1BF8F036-24C3-0F49-8443-1A78847418D9}"/>
+              </a:ext>
+            </a:extLst>
+          </p:cNvPr>
+          <p:cNvPicPr>
+            <a:picLocks noChangeAspect="1"/>
+          </p:cNvPicPr>
+          <p:nvPr/>
+        </p:nvPicPr>
+        <p:blipFill>
+          <a:blip r:embed="rId6"/>
+          <a:stretch>
+            <a:fillRect/>
+          </a:stretch>
+        </p:blipFill>
+        <p:spPr>
+          <a:xfrm>
+            <a:off x="0" y="1400810"/>
+            <a:ext cx="4136249" cy="2349317"/>
+          </a:xfrm>
+          <a:prstGeom prst="rect">
+            <a:avLst/>
+          </a:prstGeom>
+        </p:spPr>
+      </p:pic>
+    </p:spTree>
+    <p:extLst>
+      <p:ext uri="{BB962C8B-B14F-4D97-AF65-F5344CB8AC3E}">
+        <p14:creationId xmlns:p14="http://schemas.microsoft.com/office/powerpoint/2010/main" val="1331667772"/>
+      </p:ext>
+    </p:extLst>
+  </p:cSld>
+  <p:clrMapOvr>
+    <a:masterClrMapping/>
+  </p:clrMapOvr>
+</p:sld>
+</file>
+
+<file path=ppt/slides/slide22.xml><?xml version="1.0" encoding="utf-8"?>
+<p:sld xmlns:a="http://schemas.openxmlformats.org/drawingml/2006/main" xmlns:r="http://schemas.openxmlformats.org/officeDocument/2006/relationships" xmlns:p="http://schemas.openxmlformats.org/presentationml/2006/main">
+  <p:cSld>
+    <p:spTree>
+      <p:nvGrpSpPr>
+        <p:cNvPr id="1" name=""/>
+        <p:cNvGrpSpPr/>
+        <p:nvPr/>
+      </p:nvGrpSpPr>
+      <p:grpSpPr>
+        <a:xfrm>
+          <a:off x="0" y="0"/>
+          <a:ext cx="0" cy="0"/>
+          <a:chOff x="0" y="0"/>
+          <a:chExt cx="0" cy="0"/>
+        </a:xfrm>
+      </p:grpSpPr>
+      <p:sp>
+        <p:nvSpPr>
+          <p:cNvPr id="2" name="Title 1">
+            <a:extLst>
+              <a:ext uri="{FF2B5EF4-FFF2-40B4-BE49-F238E27FC236}">
+                <a16:creationId xmlns:a16="http://schemas.microsoft.com/office/drawing/2014/main" id="{C7F35183-A0C3-BB43-B3FD-340076DF896C}"/>
+              </a:ext>
+            </a:extLst>
+          </p:cNvPr>
+          <p:cNvSpPr>
+            <a:spLocks noGrp="1"/>
+          </p:cNvSpPr>
+          <p:nvPr>
+            <p:ph type="title"/>
+          </p:nvPr>
+        </p:nvSpPr>
+        <p:spPr/>
+        <p:txBody>
+          <a:bodyPr>
+            <a:normAutofit/>
+          </a:bodyPr>
+          <a:lstStyle/>
+          <a:p>
+            <a:r>
+              <a:rPr lang="en-US" sz="3200" dirty="0"/>
+              <a:t>Different subject, different task</a:t>
+            </a:r>
+          </a:p>
+        </p:txBody>
+      </p:sp>
+      <p:pic>
+        <p:nvPicPr>
+          <p:cNvPr id="4" name="Picture 3">
+            <a:extLst>
+              <a:ext uri="{FF2B5EF4-FFF2-40B4-BE49-F238E27FC236}">
+                <a16:creationId xmlns:a16="http://schemas.microsoft.com/office/drawing/2014/main" id="{6D780AE2-B2B3-274B-8381-20531A0FC8D6}"/>
+              </a:ext>
+            </a:extLst>
+          </p:cNvPr>
+          <p:cNvPicPr>
+            <a:picLocks noChangeAspect="1"/>
+          </p:cNvPicPr>
+          <p:nvPr/>
+        </p:nvPicPr>
+        <p:blipFill>
+          <a:blip r:embed="rId2"/>
+          <a:stretch>
+            <a:fillRect/>
+          </a:stretch>
+        </p:blipFill>
+        <p:spPr>
+          <a:xfrm>
+            <a:off x="6236439" y="321013"/>
+            <a:ext cx="2515599" cy="1252943"/>
+          </a:xfrm>
+          <a:prstGeom prst="rect">
+            <a:avLst/>
+          </a:prstGeom>
+        </p:spPr>
+      </p:pic>
+      <p:pic>
+        <p:nvPicPr>
+          <p:cNvPr id="5" name="Picture 4">
+            <a:extLst>
+              <a:ext uri="{FF2B5EF4-FFF2-40B4-BE49-F238E27FC236}">
+                <a16:creationId xmlns:a16="http://schemas.microsoft.com/office/drawing/2014/main" id="{FB689305-D828-E045-97A3-3286C59DE3B6}"/>
+              </a:ext>
+            </a:extLst>
+          </p:cNvPr>
+          <p:cNvPicPr>
+            <a:picLocks noChangeAspect="1"/>
+          </p:cNvPicPr>
+          <p:nvPr/>
+        </p:nvPicPr>
+        <p:blipFill>
+          <a:blip r:embed="rId3"/>
+          <a:stretch>
+            <a:fillRect/>
+          </a:stretch>
+        </p:blipFill>
+        <p:spPr>
+          <a:xfrm>
+            <a:off x="6514817" y="629594"/>
+            <a:ext cx="579360" cy="559458"/>
+          </a:xfrm>
+          <a:prstGeom prst="rect">
+            <a:avLst/>
+          </a:prstGeom>
+        </p:spPr>
+      </p:pic>
+      <p:pic>
+        <p:nvPicPr>
+          <p:cNvPr id="6" name="Picture 5">
+            <a:extLst>
+              <a:ext uri="{FF2B5EF4-FFF2-40B4-BE49-F238E27FC236}">
+                <a16:creationId xmlns:a16="http://schemas.microsoft.com/office/drawing/2014/main" id="{D1748AB1-F88F-7846-9E88-3C8CF37F1608}"/>
+              </a:ext>
+            </a:extLst>
+          </p:cNvPr>
+          <p:cNvPicPr>
+            <a:picLocks noChangeAspect="1"/>
+          </p:cNvPicPr>
+          <p:nvPr/>
+        </p:nvPicPr>
+        <p:blipFill rotWithShape="1">
+          <a:blip r:embed="rId4"/>
+          <a:srcRect l="1297" t="8770" r="5594"/>
+          <a:stretch/>
+        </p:blipFill>
+        <p:spPr>
+          <a:xfrm>
+            <a:off x="9235107" y="321013"/>
+            <a:ext cx="2391522" cy="1197379"/>
+          </a:xfrm>
+          <a:prstGeom prst="rect">
+            <a:avLst/>
+          </a:prstGeom>
+        </p:spPr>
+      </p:pic>
+      <p:pic>
+        <p:nvPicPr>
+          <p:cNvPr id="7" name="Picture 6">
+            <a:extLst>
+              <a:ext uri="{FF2B5EF4-FFF2-40B4-BE49-F238E27FC236}">
+                <a16:creationId xmlns:a16="http://schemas.microsoft.com/office/drawing/2014/main" id="{2C9E6978-A7F9-ED49-904B-5EC8425C48B3}"/>
+              </a:ext>
+            </a:extLst>
+          </p:cNvPr>
+          <p:cNvPicPr>
+            <a:picLocks noChangeAspect="1"/>
+          </p:cNvPicPr>
+          <p:nvPr/>
+        </p:nvPicPr>
+        <p:blipFill>
+          <a:blip r:embed="rId5"/>
+          <a:stretch>
+            <a:fillRect/>
+          </a:stretch>
+        </p:blipFill>
+        <p:spPr>
+          <a:xfrm>
+            <a:off x="10782215" y="629594"/>
+            <a:ext cx="545962" cy="397742"/>
+          </a:xfrm>
+          <a:prstGeom prst="rect">
+            <a:avLst/>
+          </a:prstGeom>
+        </p:spPr>
+      </p:pic>
+      <p:pic>
+        <p:nvPicPr>
+          <p:cNvPr id="9" name="Picture 8">
+            <a:extLst>
+              <a:ext uri="{FF2B5EF4-FFF2-40B4-BE49-F238E27FC236}">
+                <a16:creationId xmlns:a16="http://schemas.microsoft.com/office/drawing/2014/main" id="{94D98806-FDF9-1840-9D3F-C7896191005F}"/>
+              </a:ext>
+            </a:extLst>
+          </p:cNvPr>
+          <p:cNvPicPr>
+            <a:picLocks noChangeAspect="1"/>
+          </p:cNvPicPr>
+          <p:nvPr/>
+        </p:nvPicPr>
+        <p:blipFill>
+          <a:blip r:embed="rId6"/>
+          <a:stretch>
+            <a:fillRect/>
+          </a:stretch>
+        </p:blipFill>
+        <p:spPr>
+          <a:xfrm>
+            <a:off x="5263376" y="3235548"/>
+            <a:ext cx="6928624" cy="3622451"/>
+          </a:xfrm>
+          <a:prstGeom prst="rect">
+            <a:avLst/>
+          </a:prstGeom>
+        </p:spPr>
+      </p:pic>
+      <p:pic>
+        <p:nvPicPr>
+          <p:cNvPr id="10" name="Picture 9">
+            <a:extLst>
+              <a:ext uri="{FF2B5EF4-FFF2-40B4-BE49-F238E27FC236}">
+                <a16:creationId xmlns:a16="http://schemas.microsoft.com/office/drawing/2014/main" id="{88757AE1-94C5-8347-9371-69A514E3D6AC}"/>
+              </a:ext>
+            </a:extLst>
+          </p:cNvPr>
+          <p:cNvPicPr>
+            <a:picLocks noChangeAspect="1"/>
+          </p:cNvPicPr>
+          <p:nvPr/>
+        </p:nvPicPr>
+        <p:blipFill>
+          <a:blip r:embed="rId7"/>
+          <a:stretch>
+            <a:fillRect/>
+          </a:stretch>
+        </p:blipFill>
+        <p:spPr>
+          <a:xfrm>
+            <a:off x="-4990" y="1387370"/>
+            <a:ext cx="6100990" cy="1979201"/>
+          </a:xfrm>
+          <a:prstGeom prst="rect">
+            <a:avLst/>
+          </a:prstGeom>
+        </p:spPr>
+      </p:pic>
+    </p:spTree>
+    <p:extLst>
+      <p:ext uri="{BB962C8B-B14F-4D97-AF65-F5344CB8AC3E}">
+        <p14:creationId xmlns:p14="http://schemas.microsoft.com/office/powerpoint/2010/main" val="2034548416"/>
       </p:ext>
     </p:extLst>
   </p:cSld>

--- a/analysis/output/mL/presentation/updated_mL.pptx
+++ b/analysis/output/mL/presentation/updated_mL.pptx
@@ -4,29 +4,31 @@
   <p:sldMasterIdLst>
     <p:sldMasterId id="2147483648" r:id="rId1"/>
   </p:sldMasterIdLst>
+  <p:notesMasterIdLst>
+    <p:notesMasterId r:id="rId23"/>
+  </p:notesMasterIdLst>
   <p:sldIdLst>
     <p:sldId id="256" r:id="rId2"/>
     <p:sldId id="257" r:id="rId3"/>
     <p:sldId id="258" r:id="rId4"/>
-    <p:sldId id="267" r:id="rId5"/>
-    <p:sldId id="259" r:id="rId6"/>
-    <p:sldId id="260" r:id="rId7"/>
-    <p:sldId id="261" r:id="rId8"/>
-    <p:sldId id="266" r:id="rId9"/>
-    <p:sldId id="262" r:id="rId10"/>
-    <p:sldId id="263" r:id="rId11"/>
-    <p:sldId id="264" r:id="rId12"/>
-    <p:sldId id="274" r:id="rId13"/>
-    <p:sldId id="265" r:id="rId14"/>
-    <p:sldId id="269" r:id="rId15"/>
-    <p:sldId id="270" r:id="rId16"/>
-    <p:sldId id="271" r:id="rId17"/>
-    <p:sldId id="272" r:id="rId18"/>
-    <p:sldId id="275" r:id="rId19"/>
-    <p:sldId id="276" r:id="rId20"/>
-    <p:sldId id="277" r:id="rId21"/>
-    <p:sldId id="278" r:id="rId22"/>
-    <p:sldId id="279" r:id="rId23"/>
+    <p:sldId id="259" r:id="rId5"/>
+    <p:sldId id="260" r:id="rId6"/>
+    <p:sldId id="261" r:id="rId7"/>
+    <p:sldId id="266" r:id="rId8"/>
+    <p:sldId id="262" r:id="rId9"/>
+    <p:sldId id="263" r:id="rId10"/>
+    <p:sldId id="264" r:id="rId11"/>
+    <p:sldId id="274" r:id="rId12"/>
+    <p:sldId id="265" r:id="rId13"/>
+    <p:sldId id="269" r:id="rId14"/>
+    <p:sldId id="270" r:id="rId15"/>
+    <p:sldId id="271" r:id="rId16"/>
+    <p:sldId id="272" r:id="rId17"/>
+    <p:sldId id="275" r:id="rId18"/>
+    <p:sldId id="276" r:id="rId19"/>
+    <p:sldId id="277" r:id="rId20"/>
+    <p:sldId id="278" r:id="rId21"/>
+    <p:sldId id="279" r:id="rId22"/>
   </p:sldIdLst>
   <p:sldSz cx="12192000" cy="6858000"/>
   <p:notesSz cx="6858000" cy="9144000"/>
@@ -133,6 +135,806 @@
 </p:presentation>
 </file>
 
+<file path=ppt/notesMasters/notesMaster1.xml><?xml version="1.0" encoding="utf-8"?>
+<p:notesMaster xmlns:a="http://schemas.openxmlformats.org/drawingml/2006/main" xmlns:r="http://schemas.openxmlformats.org/officeDocument/2006/relationships" xmlns:p="http://schemas.openxmlformats.org/presentationml/2006/main">
+  <p:cSld>
+    <p:bg>
+      <p:bgRef idx="1001">
+        <a:schemeClr val="bg1"/>
+      </p:bgRef>
+    </p:bg>
+    <p:spTree>
+      <p:nvGrpSpPr>
+        <p:cNvPr id="1" name=""/>
+        <p:cNvGrpSpPr/>
+        <p:nvPr/>
+      </p:nvGrpSpPr>
+      <p:grpSpPr>
+        <a:xfrm>
+          <a:off x="0" y="0"/>
+          <a:ext cx="0" cy="0"/>
+          <a:chOff x="0" y="0"/>
+          <a:chExt cx="0" cy="0"/>
+        </a:xfrm>
+      </p:grpSpPr>
+      <p:sp>
+        <p:nvSpPr>
+          <p:cNvPr id="2" name="Header Placeholder 1"/>
+          <p:cNvSpPr>
+            <a:spLocks noGrp="1"/>
+          </p:cNvSpPr>
+          <p:nvPr>
+            <p:ph type="hdr" sz="quarter"/>
+          </p:nvPr>
+        </p:nvSpPr>
+        <p:spPr>
+          <a:xfrm>
+            <a:off x="0" y="0"/>
+            <a:ext cx="2971800" cy="458788"/>
+          </a:xfrm>
+          <a:prstGeom prst="rect">
+            <a:avLst/>
+          </a:prstGeom>
+        </p:spPr>
+        <p:txBody>
+          <a:bodyPr vert="horz" lIns="91440" tIns="45720" rIns="91440" bIns="45720" rtlCol="0"/>
+          <a:lstStyle>
+            <a:lvl1pPr algn="l">
+              <a:defRPr sz="1200"/>
+            </a:lvl1pPr>
+          </a:lstStyle>
+          <a:p>
+            <a:endParaRPr lang="en-US"/>
+          </a:p>
+        </p:txBody>
+      </p:sp>
+      <p:sp>
+        <p:nvSpPr>
+          <p:cNvPr id="3" name="Date Placeholder 2"/>
+          <p:cNvSpPr>
+            <a:spLocks noGrp="1"/>
+          </p:cNvSpPr>
+          <p:nvPr>
+            <p:ph type="dt" idx="1"/>
+          </p:nvPr>
+        </p:nvSpPr>
+        <p:spPr>
+          <a:xfrm>
+            <a:off x="3884613" y="0"/>
+            <a:ext cx="2971800" cy="458788"/>
+          </a:xfrm>
+          <a:prstGeom prst="rect">
+            <a:avLst/>
+          </a:prstGeom>
+        </p:spPr>
+        <p:txBody>
+          <a:bodyPr vert="horz" lIns="91440" tIns="45720" rIns="91440" bIns="45720" rtlCol="0"/>
+          <a:lstStyle>
+            <a:lvl1pPr algn="r">
+              <a:defRPr sz="1200"/>
+            </a:lvl1pPr>
+          </a:lstStyle>
+          <a:p>
+            <a:fld id="{B867A404-75F8-EE4B-8665-239A00A102E8}" type="datetimeFigureOut">
+              <a:rPr lang="en-US" smtClean="0"/>
+              <a:t>6/16/20</a:t>
+            </a:fld>
+            <a:endParaRPr lang="en-US"/>
+          </a:p>
+        </p:txBody>
+      </p:sp>
+      <p:sp>
+        <p:nvSpPr>
+          <p:cNvPr id="4" name="Slide Image Placeholder 3"/>
+          <p:cNvSpPr>
+            <a:spLocks noGrp="1" noRot="1" noChangeAspect="1"/>
+          </p:cNvSpPr>
+          <p:nvPr>
+            <p:ph type="sldImg" idx="2"/>
+          </p:nvPr>
+        </p:nvSpPr>
+        <p:spPr>
+          <a:xfrm>
+            <a:off x="685800" y="1143000"/>
+            <a:ext cx="5486400" cy="3086100"/>
+          </a:xfrm>
+          <a:prstGeom prst="rect">
+            <a:avLst/>
+          </a:prstGeom>
+          <a:noFill/>
+          <a:ln w="12700">
+            <a:solidFill>
+              <a:prstClr val="black"/>
+            </a:solidFill>
+          </a:ln>
+        </p:spPr>
+        <p:txBody>
+          <a:bodyPr vert="horz" lIns="91440" tIns="45720" rIns="91440" bIns="45720" rtlCol="0" anchor="ctr"/>
+          <a:lstStyle/>
+          <a:p>
+            <a:endParaRPr lang="en-US"/>
+          </a:p>
+        </p:txBody>
+      </p:sp>
+      <p:sp>
+        <p:nvSpPr>
+          <p:cNvPr id="5" name="Notes Placeholder 4"/>
+          <p:cNvSpPr>
+            <a:spLocks noGrp="1"/>
+          </p:cNvSpPr>
+          <p:nvPr>
+            <p:ph type="body" sz="quarter" idx="3"/>
+          </p:nvPr>
+        </p:nvSpPr>
+        <p:spPr>
+          <a:xfrm>
+            <a:off x="685800" y="4400550"/>
+            <a:ext cx="5486400" cy="3600450"/>
+          </a:xfrm>
+          <a:prstGeom prst="rect">
+            <a:avLst/>
+          </a:prstGeom>
+        </p:spPr>
+        <p:txBody>
+          <a:bodyPr vert="horz" lIns="91440" tIns="45720" rIns="91440" bIns="45720" rtlCol="0"/>
+          <a:lstStyle/>
+          <a:p>
+            <a:pPr lvl="0"/>
+            <a:r>
+              <a:rPr lang="en-US"/>
+              <a:t>Edit Master text styles</a:t>
+            </a:r>
+          </a:p>
+          <a:p>
+            <a:pPr lvl="1"/>
+            <a:r>
+              <a:rPr lang="en-US"/>
+              <a:t>Second level</a:t>
+            </a:r>
+          </a:p>
+          <a:p>
+            <a:pPr lvl="2"/>
+            <a:r>
+              <a:rPr lang="en-US"/>
+              <a:t>Third level</a:t>
+            </a:r>
+          </a:p>
+          <a:p>
+            <a:pPr lvl="3"/>
+            <a:r>
+              <a:rPr lang="en-US"/>
+              <a:t>Fourth level</a:t>
+            </a:r>
+          </a:p>
+          <a:p>
+            <a:pPr lvl="4"/>
+            <a:r>
+              <a:rPr lang="en-US"/>
+              <a:t>Fifth level</a:t>
+            </a:r>
+          </a:p>
+        </p:txBody>
+      </p:sp>
+      <p:sp>
+        <p:nvSpPr>
+          <p:cNvPr id="6" name="Footer Placeholder 5"/>
+          <p:cNvSpPr>
+            <a:spLocks noGrp="1"/>
+          </p:cNvSpPr>
+          <p:nvPr>
+            <p:ph type="ftr" sz="quarter" idx="4"/>
+          </p:nvPr>
+        </p:nvSpPr>
+        <p:spPr>
+          <a:xfrm>
+            <a:off x="0" y="8685213"/>
+            <a:ext cx="2971800" cy="458787"/>
+          </a:xfrm>
+          <a:prstGeom prst="rect">
+            <a:avLst/>
+          </a:prstGeom>
+        </p:spPr>
+        <p:txBody>
+          <a:bodyPr vert="horz" lIns="91440" tIns="45720" rIns="91440" bIns="45720" rtlCol="0" anchor="b"/>
+          <a:lstStyle>
+            <a:lvl1pPr algn="l">
+              <a:defRPr sz="1200"/>
+            </a:lvl1pPr>
+          </a:lstStyle>
+          <a:p>
+            <a:endParaRPr lang="en-US"/>
+          </a:p>
+        </p:txBody>
+      </p:sp>
+      <p:sp>
+        <p:nvSpPr>
+          <p:cNvPr id="7" name="Slide Number Placeholder 6"/>
+          <p:cNvSpPr>
+            <a:spLocks noGrp="1"/>
+          </p:cNvSpPr>
+          <p:nvPr>
+            <p:ph type="sldNum" sz="quarter" idx="5"/>
+          </p:nvPr>
+        </p:nvSpPr>
+        <p:spPr>
+          <a:xfrm>
+            <a:off x="3884613" y="8685213"/>
+            <a:ext cx="2971800" cy="458787"/>
+          </a:xfrm>
+          <a:prstGeom prst="rect">
+            <a:avLst/>
+          </a:prstGeom>
+        </p:spPr>
+        <p:txBody>
+          <a:bodyPr vert="horz" lIns="91440" tIns="45720" rIns="91440" bIns="45720" rtlCol="0" anchor="b"/>
+          <a:lstStyle>
+            <a:lvl1pPr algn="r">
+              <a:defRPr sz="1200"/>
+            </a:lvl1pPr>
+          </a:lstStyle>
+          <a:p>
+            <a:fld id="{7966DBB1-7F97-C344-B0D6-0799E2CF9DF0}" type="slidenum">
+              <a:rPr lang="en-US" smtClean="0"/>
+              <a:t>‹#›</a:t>
+            </a:fld>
+            <a:endParaRPr lang="en-US"/>
+          </a:p>
+        </p:txBody>
+      </p:sp>
+    </p:spTree>
+    <p:extLst>
+      <p:ext uri="{BB962C8B-B14F-4D97-AF65-F5344CB8AC3E}">
+        <p14:creationId xmlns:p14="http://schemas.microsoft.com/office/powerpoint/2010/main" val="2851361324"/>
+      </p:ext>
+    </p:extLst>
+  </p:cSld>
+  <p:clrMap bg1="lt1" tx1="dk1" bg2="lt2" tx2="dk2" accent1="accent1" accent2="accent2" accent3="accent3" accent4="accent4" accent5="accent5" accent6="accent6" hlink="hlink" folHlink="folHlink"/>
+  <p:notesStyle>
+    <a:lvl1pPr marL="0" algn="l" defTabSz="914400" rtl="0" eaLnBrk="1" latinLnBrk="0" hangingPunct="1">
+      <a:defRPr sz="1200" kern="1200">
+        <a:solidFill>
+          <a:schemeClr val="tx1"/>
+        </a:solidFill>
+        <a:latin typeface="+mn-lt"/>
+        <a:ea typeface="+mn-ea"/>
+        <a:cs typeface="+mn-cs"/>
+      </a:defRPr>
+    </a:lvl1pPr>
+    <a:lvl2pPr marL="457200" algn="l" defTabSz="914400" rtl="0" eaLnBrk="1" latinLnBrk="0" hangingPunct="1">
+      <a:defRPr sz="1200" kern="1200">
+        <a:solidFill>
+          <a:schemeClr val="tx1"/>
+        </a:solidFill>
+        <a:latin typeface="+mn-lt"/>
+        <a:ea typeface="+mn-ea"/>
+        <a:cs typeface="+mn-cs"/>
+      </a:defRPr>
+    </a:lvl2pPr>
+    <a:lvl3pPr marL="914400" algn="l" defTabSz="914400" rtl="0" eaLnBrk="1" latinLnBrk="0" hangingPunct="1">
+      <a:defRPr sz="1200" kern="1200">
+        <a:solidFill>
+          <a:schemeClr val="tx1"/>
+        </a:solidFill>
+        <a:latin typeface="+mn-lt"/>
+        <a:ea typeface="+mn-ea"/>
+        <a:cs typeface="+mn-cs"/>
+      </a:defRPr>
+    </a:lvl3pPr>
+    <a:lvl4pPr marL="1371600" algn="l" defTabSz="914400" rtl="0" eaLnBrk="1" latinLnBrk="0" hangingPunct="1">
+      <a:defRPr sz="1200" kern="1200">
+        <a:solidFill>
+          <a:schemeClr val="tx1"/>
+        </a:solidFill>
+        <a:latin typeface="+mn-lt"/>
+        <a:ea typeface="+mn-ea"/>
+        <a:cs typeface="+mn-cs"/>
+      </a:defRPr>
+    </a:lvl4pPr>
+    <a:lvl5pPr marL="1828800" algn="l" defTabSz="914400" rtl="0" eaLnBrk="1" latinLnBrk="0" hangingPunct="1">
+      <a:defRPr sz="1200" kern="1200">
+        <a:solidFill>
+          <a:schemeClr val="tx1"/>
+        </a:solidFill>
+        <a:latin typeface="+mn-lt"/>
+        <a:ea typeface="+mn-ea"/>
+        <a:cs typeface="+mn-cs"/>
+      </a:defRPr>
+    </a:lvl5pPr>
+    <a:lvl6pPr marL="2286000" algn="l" defTabSz="914400" rtl="0" eaLnBrk="1" latinLnBrk="0" hangingPunct="1">
+      <a:defRPr sz="1200" kern="1200">
+        <a:solidFill>
+          <a:schemeClr val="tx1"/>
+        </a:solidFill>
+        <a:latin typeface="+mn-lt"/>
+        <a:ea typeface="+mn-ea"/>
+        <a:cs typeface="+mn-cs"/>
+      </a:defRPr>
+    </a:lvl6pPr>
+    <a:lvl7pPr marL="2743200" algn="l" defTabSz="914400" rtl="0" eaLnBrk="1" latinLnBrk="0" hangingPunct="1">
+      <a:defRPr sz="1200" kern="1200">
+        <a:solidFill>
+          <a:schemeClr val="tx1"/>
+        </a:solidFill>
+        <a:latin typeface="+mn-lt"/>
+        <a:ea typeface="+mn-ea"/>
+        <a:cs typeface="+mn-cs"/>
+      </a:defRPr>
+    </a:lvl7pPr>
+    <a:lvl8pPr marL="3200400" algn="l" defTabSz="914400" rtl="0" eaLnBrk="1" latinLnBrk="0" hangingPunct="1">
+      <a:defRPr sz="1200" kern="1200">
+        <a:solidFill>
+          <a:schemeClr val="tx1"/>
+        </a:solidFill>
+        <a:latin typeface="+mn-lt"/>
+        <a:ea typeface="+mn-ea"/>
+        <a:cs typeface="+mn-cs"/>
+      </a:defRPr>
+    </a:lvl8pPr>
+    <a:lvl9pPr marL="3657600" algn="l" defTabSz="914400" rtl="0" eaLnBrk="1" latinLnBrk="0" hangingPunct="1">
+      <a:defRPr sz="1200" kern="1200">
+        <a:solidFill>
+          <a:schemeClr val="tx1"/>
+        </a:solidFill>
+        <a:latin typeface="+mn-lt"/>
+        <a:ea typeface="+mn-ea"/>
+        <a:cs typeface="+mn-cs"/>
+      </a:defRPr>
+    </a:lvl9pPr>
+  </p:notesStyle>
+</p:notesMaster>
+</file>
+
+<file path=ppt/notesSlides/notesSlide1.xml><?xml version="1.0" encoding="utf-8"?>
+<p:notes xmlns:a="http://schemas.openxmlformats.org/drawingml/2006/main" xmlns:r="http://schemas.openxmlformats.org/officeDocument/2006/relationships" xmlns:p="http://schemas.openxmlformats.org/presentationml/2006/main">
+  <p:cSld>
+    <p:spTree>
+      <p:nvGrpSpPr>
+        <p:cNvPr id="1" name=""/>
+        <p:cNvGrpSpPr/>
+        <p:nvPr/>
+      </p:nvGrpSpPr>
+      <p:grpSpPr>
+        <a:xfrm>
+          <a:off x="0" y="0"/>
+          <a:ext cx="0" cy="0"/>
+          <a:chOff x="0" y="0"/>
+          <a:chExt cx="0" cy="0"/>
+        </a:xfrm>
+      </p:grpSpPr>
+      <p:sp>
+        <p:nvSpPr>
+          <p:cNvPr id="2" name="Slide Image Placeholder 1"/>
+          <p:cNvSpPr>
+            <a:spLocks noGrp="1" noRot="1" noChangeAspect="1"/>
+          </p:cNvSpPr>
+          <p:nvPr>
+            <p:ph type="sldImg"/>
+          </p:nvPr>
+        </p:nvSpPr>
+        <p:spPr/>
+      </p:sp>
+      <p:sp>
+        <p:nvSpPr>
+          <p:cNvPr id="3" name="Notes Placeholder 2"/>
+          <p:cNvSpPr>
+            <a:spLocks noGrp="1"/>
+          </p:cNvSpPr>
+          <p:nvPr>
+            <p:ph type="body" idx="1"/>
+          </p:nvPr>
+        </p:nvSpPr>
+        <p:spPr/>
+        <p:txBody>
+          <a:bodyPr/>
+          <a:lstStyle/>
+          <a:p>
+            <a:r>
+              <a:rPr lang="en-US" dirty="0"/>
+              <a:t>Hyperplanes are decision boundaries that help classify data. Data falling on either side of the hyperplane are classified to a specific group. The hyperplane dimensions depend on the number of features used. The more features used, the higher the dimensional space. Support vectors are points that lie closer to the hyperplane and influence the position and orientation of the hyperplane. Support vectors are used to maximize the margin of the classifier. SVM takes the output of a linear function and if the output is greater than 1 we classify with one group, if the output is -1 we classify with the other group. The reinforcement range of values acts as a margin. Hinge loss function helps maximize the margin. This function calculates the loss value if the predicted value and actual value are not the same (</a:t>
+            </a:r>
+            <a:r>
+              <a:rPr lang="en-US" dirty="0" err="1"/>
+              <a:t>ie</a:t>
+            </a:r>
+            <a:r>
+              <a:rPr lang="en-US" dirty="0"/>
+              <a:t> the classifier was incorrect). A regularization parameter is added to the model. The regularization parameter helps balance maximum margin and loss by finding gradients to update our weights. </a:t>
+            </a:r>
+          </a:p>
+        </p:txBody>
+      </p:sp>
+      <p:sp>
+        <p:nvSpPr>
+          <p:cNvPr id="4" name="Slide Number Placeholder 3"/>
+          <p:cNvSpPr>
+            <a:spLocks noGrp="1"/>
+          </p:cNvSpPr>
+          <p:nvPr>
+            <p:ph type="sldNum" sz="quarter" idx="5"/>
+          </p:nvPr>
+        </p:nvSpPr>
+        <p:spPr/>
+        <p:txBody>
+          <a:bodyPr/>
+          <a:lstStyle/>
+          <a:p>
+            <a:fld id="{7966DBB1-7F97-C344-B0D6-0799E2CF9DF0}" type="slidenum">
+              <a:rPr lang="en-US" smtClean="0"/>
+              <a:t>4</a:t>
+            </a:fld>
+            <a:endParaRPr lang="en-US"/>
+          </a:p>
+        </p:txBody>
+      </p:sp>
+    </p:spTree>
+    <p:extLst>
+      <p:ext uri="{BB962C8B-B14F-4D97-AF65-F5344CB8AC3E}">
+        <p14:creationId xmlns:p14="http://schemas.microsoft.com/office/powerpoint/2010/main" val="4249561439"/>
+      </p:ext>
+    </p:extLst>
+  </p:cSld>
+  <p:clrMapOvr>
+    <a:masterClrMapping/>
+  </p:clrMapOvr>
+</p:notes>
+</file>
+
+<file path=ppt/notesSlides/notesSlide2.xml><?xml version="1.0" encoding="utf-8"?>
+<p:notes xmlns:a="http://schemas.openxmlformats.org/drawingml/2006/main" xmlns:r="http://schemas.openxmlformats.org/officeDocument/2006/relationships" xmlns:p="http://schemas.openxmlformats.org/presentationml/2006/main">
+  <p:cSld>
+    <p:spTree>
+      <p:nvGrpSpPr>
+        <p:cNvPr id="1" name=""/>
+        <p:cNvGrpSpPr/>
+        <p:nvPr/>
+      </p:nvGrpSpPr>
+      <p:grpSpPr>
+        <a:xfrm>
+          <a:off x="0" y="0"/>
+          <a:ext cx="0" cy="0"/>
+          <a:chOff x="0" y="0"/>
+          <a:chExt cx="0" cy="0"/>
+        </a:xfrm>
+      </p:grpSpPr>
+      <p:sp>
+        <p:nvSpPr>
+          <p:cNvPr id="2" name="Slide Image Placeholder 1"/>
+          <p:cNvSpPr>
+            <a:spLocks noGrp="1" noRot="1" noChangeAspect="1"/>
+          </p:cNvSpPr>
+          <p:nvPr>
+            <p:ph type="sldImg"/>
+          </p:nvPr>
+        </p:nvSpPr>
+        <p:spPr/>
+      </p:sp>
+      <p:sp>
+        <p:nvSpPr>
+          <p:cNvPr id="3" name="Notes Placeholder 2"/>
+          <p:cNvSpPr>
+            <a:spLocks noGrp="1"/>
+          </p:cNvSpPr>
+          <p:nvPr>
+            <p:ph type="body" idx="1"/>
+          </p:nvPr>
+        </p:nvSpPr>
+        <p:spPr/>
+        <p:txBody>
+          <a:bodyPr/>
+          <a:lstStyle/>
+          <a:p>
+            <a:r>
+              <a:rPr lang="en-US" dirty="0"/>
+              <a:t>Log Regression works by applying a sigmoid function to the output of a linear regression model. The values are between 0 and 1. If the weighted sum of inputs is greater than zero, the predicted class is 1 and so on. The decision boundary separating the classes is found by setting the weighted sum of inputs to 0. A cost function is applied to penalize the model for misclassification. </a:t>
+            </a:r>
+          </a:p>
+        </p:txBody>
+      </p:sp>
+      <p:sp>
+        <p:nvSpPr>
+          <p:cNvPr id="4" name="Slide Number Placeholder 3"/>
+          <p:cNvSpPr>
+            <a:spLocks noGrp="1"/>
+          </p:cNvSpPr>
+          <p:nvPr>
+            <p:ph type="sldNum" sz="quarter" idx="5"/>
+          </p:nvPr>
+        </p:nvSpPr>
+        <p:spPr/>
+        <p:txBody>
+          <a:bodyPr/>
+          <a:lstStyle/>
+          <a:p>
+            <a:fld id="{7966DBB1-7F97-C344-B0D6-0799E2CF9DF0}" type="slidenum">
+              <a:rPr lang="en-US" smtClean="0"/>
+              <a:t>5</a:t>
+            </a:fld>
+            <a:endParaRPr lang="en-US"/>
+          </a:p>
+        </p:txBody>
+      </p:sp>
+    </p:spTree>
+    <p:extLst>
+      <p:ext uri="{BB962C8B-B14F-4D97-AF65-F5344CB8AC3E}">
+        <p14:creationId xmlns:p14="http://schemas.microsoft.com/office/powerpoint/2010/main" val="3125733025"/>
+      </p:ext>
+    </p:extLst>
+  </p:cSld>
+  <p:clrMapOvr>
+    <a:masterClrMapping/>
+  </p:clrMapOvr>
+</p:notes>
+</file>
+
+<file path=ppt/notesSlides/notesSlide3.xml><?xml version="1.0" encoding="utf-8"?>
+<p:notes xmlns:a="http://schemas.openxmlformats.org/drawingml/2006/main" xmlns:r="http://schemas.openxmlformats.org/officeDocument/2006/relationships" xmlns:p="http://schemas.openxmlformats.org/presentationml/2006/main">
+  <p:cSld>
+    <p:spTree>
+      <p:nvGrpSpPr>
+        <p:cNvPr id="1" name=""/>
+        <p:cNvGrpSpPr/>
+        <p:nvPr/>
+      </p:nvGrpSpPr>
+      <p:grpSpPr>
+        <a:xfrm>
+          <a:off x="0" y="0"/>
+          <a:ext cx="0" cy="0"/>
+          <a:chOff x="0" y="0"/>
+          <a:chExt cx="0" cy="0"/>
+        </a:xfrm>
+      </p:grpSpPr>
+      <p:sp>
+        <p:nvSpPr>
+          <p:cNvPr id="2" name="Slide Image Placeholder 1"/>
+          <p:cNvSpPr>
+            <a:spLocks noGrp="1" noRot="1" noChangeAspect="1"/>
+          </p:cNvSpPr>
+          <p:nvPr>
+            <p:ph type="sldImg"/>
+          </p:nvPr>
+        </p:nvSpPr>
+        <p:spPr/>
+      </p:sp>
+      <p:sp>
+        <p:nvSpPr>
+          <p:cNvPr id="3" name="Notes Placeholder 2"/>
+          <p:cNvSpPr>
+            <a:spLocks noGrp="1"/>
+          </p:cNvSpPr>
+          <p:nvPr>
+            <p:ph type="body" idx="1"/>
+          </p:nvPr>
+        </p:nvSpPr>
+        <p:spPr/>
+        <p:txBody>
+          <a:bodyPr/>
+          <a:lstStyle/>
+          <a:p>
+            <a:r>
+              <a:rPr lang="en-US" dirty="0"/>
+              <a:t>Ridge regression is a biased estimator. Ridge is helpful in that it can account for independent variables that may be highly collinear. This is done by adjusting the model coefficients through a regularization parameter (lambda). Ridge regression makes adjustments to determine the best bias variance tradeoff with the data. Linear regression would normally work to minimize bias without accounting for variance. Ridge however would work towards biasing the modeling in order to try and minimize variance. </a:t>
+            </a:r>
+          </a:p>
+        </p:txBody>
+      </p:sp>
+      <p:sp>
+        <p:nvSpPr>
+          <p:cNvPr id="4" name="Slide Number Placeholder 3"/>
+          <p:cNvSpPr>
+            <a:spLocks noGrp="1"/>
+          </p:cNvSpPr>
+          <p:nvPr>
+            <p:ph type="sldNum" sz="quarter" idx="5"/>
+          </p:nvPr>
+        </p:nvSpPr>
+        <p:spPr/>
+        <p:txBody>
+          <a:bodyPr/>
+          <a:lstStyle/>
+          <a:p>
+            <a:fld id="{7966DBB1-7F97-C344-B0D6-0799E2CF9DF0}" type="slidenum">
+              <a:rPr lang="en-US" smtClean="0"/>
+              <a:t>6</a:t>
+            </a:fld>
+            <a:endParaRPr lang="en-US"/>
+          </a:p>
+        </p:txBody>
+      </p:sp>
+    </p:spTree>
+    <p:extLst>
+      <p:ext uri="{BB962C8B-B14F-4D97-AF65-F5344CB8AC3E}">
+        <p14:creationId xmlns:p14="http://schemas.microsoft.com/office/powerpoint/2010/main" val="3423682624"/>
+      </p:ext>
+    </p:extLst>
+  </p:cSld>
+  <p:clrMapOvr>
+    <a:masterClrMapping/>
+  </p:clrMapOvr>
+</p:notes>
+</file>
+
+<file path=ppt/notesSlides/notesSlide4.xml><?xml version="1.0" encoding="utf-8"?>
+<p:notes xmlns:a="http://schemas.openxmlformats.org/drawingml/2006/main" xmlns:r="http://schemas.openxmlformats.org/officeDocument/2006/relationships" xmlns:p="http://schemas.openxmlformats.org/presentationml/2006/main">
+  <p:cSld>
+    <p:spTree>
+      <p:nvGrpSpPr>
+        <p:cNvPr id="1" name=""/>
+        <p:cNvGrpSpPr/>
+        <p:nvPr/>
+      </p:nvGrpSpPr>
+      <p:grpSpPr>
+        <a:xfrm>
+          <a:off x="0" y="0"/>
+          <a:ext cx="0" cy="0"/>
+          <a:chOff x="0" y="0"/>
+          <a:chExt cx="0" cy="0"/>
+        </a:xfrm>
+      </p:grpSpPr>
+      <p:sp>
+        <p:nvSpPr>
+          <p:cNvPr id="2" name="Slide Image Placeholder 1"/>
+          <p:cNvSpPr>
+            <a:spLocks noGrp="1" noRot="1" noChangeAspect="1"/>
+          </p:cNvSpPr>
+          <p:nvPr>
+            <p:ph type="sldImg"/>
+          </p:nvPr>
+        </p:nvSpPr>
+        <p:spPr/>
+      </p:sp>
+      <p:sp>
+        <p:nvSpPr>
+          <p:cNvPr id="3" name="Notes Placeholder 2"/>
+          <p:cNvSpPr>
+            <a:spLocks noGrp="1"/>
+          </p:cNvSpPr>
+          <p:nvPr>
+            <p:ph type="body" idx="1"/>
+          </p:nvPr>
+        </p:nvSpPr>
+        <p:spPr/>
+        <p:txBody>
+          <a:bodyPr/>
+          <a:lstStyle/>
+          <a:p>
+            <a:r>
+              <a:rPr lang="en-US" dirty="0"/>
+              <a:t>Using just the </a:t>
+            </a:r>
+            <a:r>
+              <a:rPr lang="en-US" dirty="0" err="1"/>
+              <a:t>tmasks</a:t>
+            </a:r>
+            <a:r>
+              <a:rPr lang="en-US" dirty="0"/>
+              <a:t> instead of the more conservative fc measures</a:t>
+            </a:r>
+          </a:p>
+        </p:txBody>
+      </p:sp>
+      <p:sp>
+        <p:nvSpPr>
+          <p:cNvPr id="4" name="Slide Number Placeholder 3"/>
+          <p:cNvSpPr>
+            <a:spLocks noGrp="1"/>
+          </p:cNvSpPr>
+          <p:nvPr>
+            <p:ph type="sldNum" sz="quarter" idx="5"/>
+          </p:nvPr>
+        </p:nvSpPr>
+        <p:spPr/>
+        <p:txBody>
+          <a:bodyPr/>
+          <a:lstStyle/>
+          <a:p>
+            <a:fld id="{7966DBB1-7F97-C344-B0D6-0799E2CF9DF0}" type="slidenum">
+              <a:rPr lang="en-US" smtClean="0"/>
+              <a:t>12</a:t>
+            </a:fld>
+            <a:endParaRPr lang="en-US"/>
+          </a:p>
+        </p:txBody>
+      </p:sp>
+    </p:spTree>
+    <p:extLst>
+      <p:ext uri="{BB962C8B-B14F-4D97-AF65-F5344CB8AC3E}">
+        <p14:creationId xmlns:p14="http://schemas.microsoft.com/office/powerpoint/2010/main" val="3344767708"/>
+      </p:ext>
+    </p:extLst>
+  </p:cSld>
+  <p:clrMapOvr>
+    <a:masterClrMapping/>
+  </p:clrMapOvr>
+</p:notes>
+</file>
+
+<file path=ppt/notesSlides/notesSlide5.xml><?xml version="1.0" encoding="utf-8"?>
+<p:notes xmlns:a="http://schemas.openxmlformats.org/drawingml/2006/main" xmlns:r="http://schemas.openxmlformats.org/officeDocument/2006/relationships" xmlns:p="http://schemas.openxmlformats.org/presentationml/2006/main">
+  <p:cSld>
+    <p:spTree>
+      <p:nvGrpSpPr>
+        <p:cNvPr id="1" name=""/>
+        <p:cNvGrpSpPr/>
+        <p:nvPr/>
+      </p:nvGrpSpPr>
+      <p:grpSpPr>
+        <a:xfrm>
+          <a:off x="0" y="0"/>
+          <a:ext cx="0" cy="0"/>
+          <a:chOff x="0" y="0"/>
+          <a:chExt cx="0" cy="0"/>
+        </a:xfrm>
+      </p:grpSpPr>
+      <p:sp>
+        <p:nvSpPr>
+          <p:cNvPr id="2" name="Slide Image Placeholder 1"/>
+          <p:cNvSpPr>
+            <a:spLocks noGrp="1" noRot="1" noChangeAspect="1"/>
+          </p:cNvSpPr>
+          <p:nvPr>
+            <p:ph type="sldImg"/>
+          </p:nvPr>
+        </p:nvSpPr>
+        <p:spPr/>
+      </p:sp>
+      <p:sp>
+        <p:nvSpPr>
+          <p:cNvPr id="3" name="Notes Placeholder 2"/>
+          <p:cNvSpPr>
+            <a:spLocks noGrp="1"/>
+          </p:cNvSpPr>
+          <p:nvPr>
+            <p:ph type="body" idx="1"/>
+          </p:nvPr>
+        </p:nvSpPr>
+        <p:spPr/>
+        <p:txBody>
+          <a:bodyPr/>
+          <a:lstStyle/>
+          <a:p>
+            <a:r>
+              <a:rPr lang="en-US" dirty="0"/>
+              <a:t>Using hyper alignment along the timeseries data within the subjects task. We then plug back into the model to see how well it performs. </a:t>
+            </a:r>
+          </a:p>
+        </p:txBody>
+      </p:sp>
+      <p:sp>
+        <p:nvSpPr>
+          <p:cNvPr id="4" name="Slide Number Placeholder 3"/>
+          <p:cNvSpPr>
+            <a:spLocks noGrp="1"/>
+          </p:cNvSpPr>
+          <p:nvPr>
+            <p:ph type="sldNum" sz="quarter" idx="5"/>
+          </p:nvPr>
+        </p:nvSpPr>
+        <p:spPr/>
+        <p:txBody>
+          <a:bodyPr/>
+          <a:lstStyle/>
+          <a:p>
+            <a:fld id="{7966DBB1-7F97-C344-B0D6-0799E2CF9DF0}" type="slidenum">
+              <a:rPr lang="en-US" smtClean="0"/>
+              <a:t>17</a:t>
+            </a:fld>
+            <a:endParaRPr lang="en-US"/>
+          </a:p>
+        </p:txBody>
+      </p:sp>
+    </p:spTree>
+    <p:extLst>
+      <p:ext uri="{BB962C8B-B14F-4D97-AF65-F5344CB8AC3E}">
+        <p14:creationId xmlns:p14="http://schemas.microsoft.com/office/powerpoint/2010/main" val="2077704602"/>
+      </p:ext>
+    </p:extLst>
+  </p:cSld>
+  <p:clrMapOvr>
+    <a:masterClrMapping/>
+  </p:clrMapOvr>
+</p:notes>
+</file>
+
 <file path=ppt/slideLayouts/slideLayout1.xml><?xml version="1.0" encoding="utf-8"?>
 <p:sldLayout xmlns:a="http://schemas.openxmlformats.org/drawingml/2006/main" xmlns:r="http://schemas.openxmlformats.org/officeDocument/2006/relationships" xmlns:p="http://schemas.openxmlformats.org/presentationml/2006/main" type="title" preserve="1">
   <p:cSld name="Title Slide">
@@ -280,7 +1082,7 @@
           <a:p>
             <a:fld id="{30E6044F-6CD6-FA47-BEE6-35ACDD53B394}" type="datetimeFigureOut">
               <a:rPr lang="en-US" smtClean="0"/>
-              <a:t>6/5/20</a:t>
+              <a:t>6/16/20</a:t>
             </a:fld>
             <a:endParaRPr lang="en-US"/>
           </a:p>
@@ -478,7 +1280,7 @@
           <a:p>
             <a:fld id="{30E6044F-6CD6-FA47-BEE6-35ACDD53B394}" type="datetimeFigureOut">
               <a:rPr lang="en-US" smtClean="0"/>
-              <a:t>6/5/20</a:t>
+              <a:t>6/16/20</a:t>
             </a:fld>
             <a:endParaRPr lang="en-US"/>
           </a:p>
@@ -686,7 +1488,7 @@
           <a:p>
             <a:fld id="{30E6044F-6CD6-FA47-BEE6-35ACDD53B394}" type="datetimeFigureOut">
               <a:rPr lang="en-US" smtClean="0"/>
-              <a:t>6/5/20</a:t>
+              <a:t>6/16/20</a:t>
             </a:fld>
             <a:endParaRPr lang="en-US"/>
           </a:p>
@@ -884,7 +1686,7 @@
           <a:p>
             <a:fld id="{30E6044F-6CD6-FA47-BEE6-35ACDD53B394}" type="datetimeFigureOut">
               <a:rPr lang="en-US" smtClean="0"/>
-              <a:t>6/5/20</a:t>
+              <a:t>6/16/20</a:t>
             </a:fld>
             <a:endParaRPr lang="en-US"/>
           </a:p>
@@ -1159,7 +1961,7 @@
           <a:p>
             <a:fld id="{30E6044F-6CD6-FA47-BEE6-35ACDD53B394}" type="datetimeFigureOut">
               <a:rPr lang="en-US" smtClean="0"/>
-              <a:t>6/5/20</a:t>
+              <a:t>6/16/20</a:t>
             </a:fld>
             <a:endParaRPr lang="en-US"/>
           </a:p>
@@ -1424,7 +2226,7 @@
           <a:p>
             <a:fld id="{30E6044F-6CD6-FA47-BEE6-35ACDD53B394}" type="datetimeFigureOut">
               <a:rPr lang="en-US" smtClean="0"/>
-              <a:t>6/5/20</a:t>
+              <a:t>6/16/20</a:t>
             </a:fld>
             <a:endParaRPr lang="en-US"/>
           </a:p>
@@ -1836,7 +2638,7 @@
           <a:p>
             <a:fld id="{30E6044F-6CD6-FA47-BEE6-35ACDD53B394}" type="datetimeFigureOut">
               <a:rPr lang="en-US" smtClean="0"/>
-              <a:t>6/5/20</a:t>
+              <a:t>6/16/20</a:t>
             </a:fld>
             <a:endParaRPr lang="en-US"/>
           </a:p>
@@ -1977,7 +2779,7 @@
           <a:p>
             <a:fld id="{30E6044F-6CD6-FA47-BEE6-35ACDD53B394}" type="datetimeFigureOut">
               <a:rPr lang="en-US" smtClean="0"/>
-              <a:t>6/5/20</a:t>
+              <a:t>6/16/20</a:t>
             </a:fld>
             <a:endParaRPr lang="en-US"/>
           </a:p>
@@ -2090,7 +2892,7 @@
           <a:p>
             <a:fld id="{30E6044F-6CD6-FA47-BEE6-35ACDD53B394}" type="datetimeFigureOut">
               <a:rPr lang="en-US" smtClean="0"/>
-              <a:t>6/5/20</a:t>
+              <a:t>6/16/20</a:t>
             </a:fld>
             <a:endParaRPr lang="en-US"/>
           </a:p>
@@ -2401,7 +3203,7 @@
           <a:p>
             <a:fld id="{30E6044F-6CD6-FA47-BEE6-35ACDD53B394}" type="datetimeFigureOut">
               <a:rPr lang="en-US" smtClean="0"/>
-              <a:t>6/5/20</a:t>
+              <a:t>6/16/20</a:t>
             </a:fld>
             <a:endParaRPr lang="en-US"/>
           </a:p>
@@ -2689,7 +3491,7 @@
           <a:p>
             <a:fld id="{30E6044F-6CD6-FA47-BEE6-35ACDD53B394}" type="datetimeFigureOut">
               <a:rPr lang="en-US" smtClean="0"/>
-              <a:t>6/5/20</a:t>
+              <a:t>6/16/20</a:t>
             </a:fld>
             <a:endParaRPr lang="en-US"/>
           </a:p>
@@ -2930,7 +3732,7 @@
           <a:p>
             <a:fld id="{30E6044F-6CD6-FA47-BEE6-35ACDD53B394}" type="datetimeFigureOut">
               <a:rPr lang="en-US" smtClean="0"/>
-              <a:t>6/5/20</a:t>
+              <a:t>6/16/20</a:t>
             </a:fld>
             <a:endParaRPr lang="en-US"/>
           </a:p>
@@ -3412,7 +4214,7 @@
           <p:cNvPr id="2" name="Title 1">
             <a:extLst>
               <a:ext uri="{FF2B5EF4-FFF2-40B4-BE49-F238E27FC236}">
-                <a16:creationId xmlns:a16="http://schemas.microsoft.com/office/drawing/2014/main" id="{1D3A34D6-73C8-3046-A9F9-E75648BC7417}"/>
+                <a16:creationId xmlns:a16="http://schemas.microsoft.com/office/drawing/2014/main" id="{CED2EEDA-544A-BA43-9936-A4E5D4B4D9C1}"/>
               </a:ext>
             </a:extLst>
           </p:cNvPr>
@@ -3423,7 +4225,12 @@
             <p:ph type="title"/>
           </p:nvPr>
         </p:nvSpPr>
-        <p:spPr/>
+        <p:spPr>
+          <a:xfrm>
+            <a:off x="838200" y="321013"/>
+            <a:ext cx="6106751" cy="1369675"/>
+          </a:xfrm>
+        </p:spPr>
         <p:txBody>
           <a:bodyPr>
             <a:normAutofit/>
@@ -3432,17 +4239,17 @@
           <a:p>
             <a:r>
               <a:rPr lang="en-US" sz="3200" dirty="0"/>
-              <a:t>Different subject same task</a:t>
+              <a:t>Different subject, different task</a:t>
             </a:r>
           </a:p>
         </p:txBody>
       </p:sp>
       <p:pic>
         <p:nvPicPr>
-          <p:cNvPr id="6" name="Picture 5">
-            <a:extLst>
-              <a:ext uri="{FF2B5EF4-FFF2-40B4-BE49-F238E27FC236}">
-                <a16:creationId xmlns:a16="http://schemas.microsoft.com/office/drawing/2014/main" id="{71AA2547-BB1D-1041-B90C-8DB365870AC9}"/>
+          <p:cNvPr id="4" name="Picture 3">
+            <a:extLst>
+              <a:ext uri="{FF2B5EF4-FFF2-40B4-BE49-F238E27FC236}">
+                <a16:creationId xmlns:a16="http://schemas.microsoft.com/office/drawing/2014/main" id="{F8848854-FD01-884D-B033-A75C34C5C680}"/>
               </a:ext>
             </a:extLst>
           </p:cNvPr>
@@ -3459,8 +4266,8 @@
         </p:blipFill>
         <p:spPr>
           <a:xfrm>
-            <a:off x="9586469" y="441371"/>
-            <a:ext cx="2299758" cy="1145440"/>
+            <a:off x="6236439" y="321013"/>
+            <a:ext cx="2515599" cy="1252943"/>
           </a:xfrm>
           <a:prstGeom prst="rect">
             <a:avLst/>
@@ -3469,10 +4276,10 @@
       </p:pic>
       <p:pic>
         <p:nvPicPr>
-          <p:cNvPr id="7" name="Picture 6">
-            <a:extLst>
-              <a:ext uri="{FF2B5EF4-FFF2-40B4-BE49-F238E27FC236}">
-                <a16:creationId xmlns:a16="http://schemas.microsoft.com/office/drawing/2014/main" id="{F15E4A10-0663-364B-BCCE-D05742C90761}"/>
+          <p:cNvPr id="5" name="Picture 4">
+            <a:extLst>
+              <a:ext uri="{FF2B5EF4-FFF2-40B4-BE49-F238E27FC236}">
+                <a16:creationId xmlns:a16="http://schemas.microsoft.com/office/drawing/2014/main" id="{E9552F7D-EB1C-0148-BA65-B32144D746EE}"/>
               </a:ext>
             </a:extLst>
           </p:cNvPr>
@@ -3489,8 +4296,8 @@
         </p:blipFill>
         <p:spPr>
           <a:xfrm>
-            <a:off x="9867108" y="761984"/>
-            <a:ext cx="545134" cy="397139"/>
+            <a:off x="6514817" y="629594"/>
+            <a:ext cx="579360" cy="559458"/>
           </a:xfrm>
           <a:prstGeom prst="rect">
             <a:avLst/>
@@ -3499,10 +4306,10 @@
       </p:pic>
       <p:pic>
         <p:nvPicPr>
-          <p:cNvPr id="14" name="Picture 13">
-            <a:extLst>
-              <a:ext uri="{FF2B5EF4-FFF2-40B4-BE49-F238E27FC236}">
-                <a16:creationId xmlns:a16="http://schemas.microsoft.com/office/drawing/2014/main" id="{6CB4F419-736A-9146-AE24-D114AF35A105}"/>
+          <p:cNvPr id="8" name="Picture 7">
+            <a:extLst>
+              <a:ext uri="{FF2B5EF4-FFF2-40B4-BE49-F238E27FC236}">
+                <a16:creationId xmlns:a16="http://schemas.microsoft.com/office/drawing/2014/main" id="{1EF11236-C44F-6948-80AC-E2B1B7DD6D76}"/>
               </a:ext>
             </a:extLst>
           </p:cNvPr>
@@ -3518,7 +4325,7 @@
         </p:blipFill>
         <p:spPr>
           <a:xfrm>
-            <a:off x="6872118" y="441371"/>
+            <a:off x="9235107" y="321013"/>
             <a:ext cx="2391522" cy="1197379"/>
           </a:xfrm>
           <a:prstGeom prst="rect">
@@ -3528,40 +4335,10 @@
       </p:pic>
       <p:pic>
         <p:nvPicPr>
-          <p:cNvPr id="15" name="Picture 14">
-            <a:extLst>
-              <a:ext uri="{FF2B5EF4-FFF2-40B4-BE49-F238E27FC236}">
-                <a16:creationId xmlns:a16="http://schemas.microsoft.com/office/drawing/2014/main" id="{138BEE78-C707-5B41-A80E-5942DDE5A9E6}"/>
-              </a:ext>
-            </a:extLst>
-          </p:cNvPr>
-          <p:cNvPicPr>
-            <a:picLocks noChangeAspect="1"/>
-          </p:cNvPicPr>
-          <p:nvPr/>
-        </p:nvPicPr>
-        <p:blipFill>
-          <a:blip r:embed="rId3"/>
-          <a:stretch>
-            <a:fillRect/>
-          </a:stretch>
-        </p:blipFill>
-        <p:spPr>
-          <a:xfrm>
-            <a:off x="8419226" y="749952"/>
-            <a:ext cx="545962" cy="397742"/>
-          </a:xfrm>
-          <a:prstGeom prst="rect">
-            <a:avLst/>
-          </a:prstGeom>
-        </p:spPr>
-      </p:pic>
-      <p:pic>
-        <p:nvPicPr>
-          <p:cNvPr id="4" name="Picture 3">
-            <a:extLst>
-              <a:ext uri="{FF2B5EF4-FFF2-40B4-BE49-F238E27FC236}">
-                <a16:creationId xmlns:a16="http://schemas.microsoft.com/office/drawing/2014/main" id="{7A0F5C73-8BA7-EE46-BCCA-5311804F1D83}"/>
+          <p:cNvPr id="9" name="Picture 8">
+            <a:extLst>
+              <a:ext uri="{FF2B5EF4-FFF2-40B4-BE49-F238E27FC236}">
+                <a16:creationId xmlns:a16="http://schemas.microsoft.com/office/drawing/2014/main" id="{3242A54C-7FBC-EB47-96A4-5A22A04F9BBB}"/>
               </a:ext>
             </a:extLst>
           </p:cNvPr>
@@ -3578,8 +4355,38 @@
         </p:blipFill>
         <p:spPr>
           <a:xfrm>
-            <a:off x="1274456" y="1766934"/>
-            <a:ext cx="8865219" cy="5035289"/>
+            <a:off x="10782215" y="629594"/>
+            <a:ext cx="545962" cy="397742"/>
+          </a:xfrm>
+          <a:prstGeom prst="rect">
+            <a:avLst/>
+          </a:prstGeom>
+        </p:spPr>
+      </p:pic>
+      <p:pic>
+        <p:nvPicPr>
+          <p:cNvPr id="6" name="Picture 5">
+            <a:extLst>
+              <a:ext uri="{FF2B5EF4-FFF2-40B4-BE49-F238E27FC236}">
+                <a16:creationId xmlns:a16="http://schemas.microsoft.com/office/drawing/2014/main" id="{950BED68-7356-CB44-8072-4757D36724E7}"/>
+              </a:ext>
+            </a:extLst>
+          </p:cNvPr>
+          <p:cNvPicPr>
+            <a:picLocks noChangeAspect="1"/>
+          </p:cNvPicPr>
+          <p:nvPr/>
+        </p:nvPicPr>
+        <p:blipFill>
+          <a:blip r:embed="rId6"/>
+          <a:stretch>
+            <a:fillRect/>
+          </a:stretch>
+        </p:blipFill>
+        <p:spPr>
+          <a:xfrm>
+            <a:off x="1000975" y="1826973"/>
+            <a:ext cx="9519275" cy="4976906"/>
           </a:xfrm>
           <a:prstGeom prst="rect">
             <a:avLst/>
@@ -3589,7 +4396,7 @@
     </p:spTree>
     <p:extLst>
       <p:ext uri="{BB962C8B-B14F-4D97-AF65-F5344CB8AC3E}">
-        <p14:creationId xmlns:p14="http://schemas.microsoft.com/office/powerpoint/2010/main" val="3198958329"/>
+        <p14:creationId xmlns:p14="http://schemas.microsoft.com/office/powerpoint/2010/main" val="155246950"/>
       </p:ext>
     </p:extLst>
   </p:cSld>
@@ -3621,220 +4428,6 @@
           <p:cNvPr id="2" name="Title 1">
             <a:extLst>
               <a:ext uri="{FF2B5EF4-FFF2-40B4-BE49-F238E27FC236}">
-                <a16:creationId xmlns:a16="http://schemas.microsoft.com/office/drawing/2014/main" id="{CED2EEDA-544A-BA43-9936-A4E5D4B4D9C1}"/>
-              </a:ext>
-            </a:extLst>
-          </p:cNvPr>
-          <p:cNvSpPr>
-            <a:spLocks noGrp="1"/>
-          </p:cNvSpPr>
-          <p:nvPr>
-            <p:ph type="title"/>
-          </p:nvPr>
-        </p:nvSpPr>
-        <p:spPr>
-          <a:xfrm>
-            <a:off x="838200" y="321013"/>
-            <a:ext cx="6106751" cy="1369675"/>
-          </a:xfrm>
-        </p:spPr>
-        <p:txBody>
-          <a:bodyPr>
-            <a:normAutofit/>
-          </a:bodyPr>
-          <a:lstStyle/>
-          <a:p>
-            <a:r>
-              <a:rPr lang="en-US" sz="3200" dirty="0"/>
-              <a:t>Different subject, different task</a:t>
-            </a:r>
-          </a:p>
-        </p:txBody>
-      </p:sp>
-      <p:pic>
-        <p:nvPicPr>
-          <p:cNvPr id="4" name="Picture 3">
-            <a:extLst>
-              <a:ext uri="{FF2B5EF4-FFF2-40B4-BE49-F238E27FC236}">
-                <a16:creationId xmlns:a16="http://schemas.microsoft.com/office/drawing/2014/main" id="{F8848854-FD01-884D-B033-A75C34C5C680}"/>
-              </a:ext>
-            </a:extLst>
-          </p:cNvPr>
-          <p:cNvPicPr>
-            <a:picLocks noChangeAspect="1"/>
-          </p:cNvPicPr>
-          <p:nvPr/>
-        </p:nvPicPr>
-        <p:blipFill>
-          <a:blip r:embed="rId2"/>
-          <a:stretch>
-            <a:fillRect/>
-          </a:stretch>
-        </p:blipFill>
-        <p:spPr>
-          <a:xfrm>
-            <a:off x="6236439" y="321013"/>
-            <a:ext cx="2515599" cy="1252943"/>
-          </a:xfrm>
-          <a:prstGeom prst="rect">
-            <a:avLst/>
-          </a:prstGeom>
-        </p:spPr>
-      </p:pic>
-      <p:pic>
-        <p:nvPicPr>
-          <p:cNvPr id="5" name="Picture 4">
-            <a:extLst>
-              <a:ext uri="{FF2B5EF4-FFF2-40B4-BE49-F238E27FC236}">
-                <a16:creationId xmlns:a16="http://schemas.microsoft.com/office/drawing/2014/main" id="{E9552F7D-EB1C-0148-BA65-B32144D746EE}"/>
-              </a:ext>
-            </a:extLst>
-          </p:cNvPr>
-          <p:cNvPicPr>
-            <a:picLocks noChangeAspect="1"/>
-          </p:cNvPicPr>
-          <p:nvPr/>
-        </p:nvPicPr>
-        <p:blipFill>
-          <a:blip r:embed="rId3"/>
-          <a:stretch>
-            <a:fillRect/>
-          </a:stretch>
-        </p:blipFill>
-        <p:spPr>
-          <a:xfrm>
-            <a:off x="6514817" y="629594"/>
-            <a:ext cx="579360" cy="559458"/>
-          </a:xfrm>
-          <a:prstGeom prst="rect">
-            <a:avLst/>
-          </a:prstGeom>
-        </p:spPr>
-      </p:pic>
-      <p:pic>
-        <p:nvPicPr>
-          <p:cNvPr id="8" name="Picture 7">
-            <a:extLst>
-              <a:ext uri="{FF2B5EF4-FFF2-40B4-BE49-F238E27FC236}">
-                <a16:creationId xmlns:a16="http://schemas.microsoft.com/office/drawing/2014/main" id="{1EF11236-C44F-6948-80AC-E2B1B7DD6D76}"/>
-              </a:ext>
-            </a:extLst>
-          </p:cNvPr>
-          <p:cNvPicPr>
-            <a:picLocks noChangeAspect="1"/>
-          </p:cNvPicPr>
-          <p:nvPr/>
-        </p:nvPicPr>
-        <p:blipFill rotWithShape="1">
-          <a:blip r:embed="rId4"/>
-          <a:srcRect l="1297" t="8770" r="5594"/>
-          <a:stretch/>
-        </p:blipFill>
-        <p:spPr>
-          <a:xfrm>
-            <a:off x="9235107" y="321013"/>
-            <a:ext cx="2391522" cy="1197379"/>
-          </a:xfrm>
-          <a:prstGeom prst="rect">
-            <a:avLst/>
-          </a:prstGeom>
-        </p:spPr>
-      </p:pic>
-      <p:pic>
-        <p:nvPicPr>
-          <p:cNvPr id="9" name="Picture 8">
-            <a:extLst>
-              <a:ext uri="{FF2B5EF4-FFF2-40B4-BE49-F238E27FC236}">
-                <a16:creationId xmlns:a16="http://schemas.microsoft.com/office/drawing/2014/main" id="{3242A54C-7FBC-EB47-96A4-5A22A04F9BBB}"/>
-              </a:ext>
-            </a:extLst>
-          </p:cNvPr>
-          <p:cNvPicPr>
-            <a:picLocks noChangeAspect="1"/>
-          </p:cNvPicPr>
-          <p:nvPr/>
-        </p:nvPicPr>
-        <p:blipFill>
-          <a:blip r:embed="rId5"/>
-          <a:stretch>
-            <a:fillRect/>
-          </a:stretch>
-        </p:blipFill>
-        <p:spPr>
-          <a:xfrm>
-            <a:off x="10782215" y="629594"/>
-            <a:ext cx="545962" cy="397742"/>
-          </a:xfrm>
-          <a:prstGeom prst="rect">
-            <a:avLst/>
-          </a:prstGeom>
-        </p:spPr>
-      </p:pic>
-      <p:pic>
-        <p:nvPicPr>
-          <p:cNvPr id="6" name="Picture 5">
-            <a:extLst>
-              <a:ext uri="{FF2B5EF4-FFF2-40B4-BE49-F238E27FC236}">
-                <a16:creationId xmlns:a16="http://schemas.microsoft.com/office/drawing/2014/main" id="{950BED68-7356-CB44-8072-4757D36724E7}"/>
-              </a:ext>
-            </a:extLst>
-          </p:cNvPr>
-          <p:cNvPicPr>
-            <a:picLocks noChangeAspect="1"/>
-          </p:cNvPicPr>
-          <p:nvPr/>
-        </p:nvPicPr>
-        <p:blipFill>
-          <a:blip r:embed="rId6"/>
-          <a:stretch>
-            <a:fillRect/>
-          </a:stretch>
-        </p:blipFill>
-        <p:spPr>
-          <a:xfrm>
-            <a:off x="1000975" y="1826973"/>
-            <a:ext cx="9519275" cy="4976906"/>
-          </a:xfrm>
-          <a:prstGeom prst="rect">
-            <a:avLst/>
-          </a:prstGeom>
-        </p:spPr>
-      </p:pic>
-    </p:spTree>
-    <p:extLst>
-      <p:ext uri="{BB962C8B-B14F-4D97-AF65-F5344CB8AC3E}">
-        <p14:creationId xmlns:p14="http://schemas.microsoft.com/office/powerpoint/2010/main" val="155246950"/>
-      </p:ext>
-    </p:extLst>
-  </p:cSld>
-  <p:clrMapOvr>
-    <a:masterClrMapping/>
-  </p:clrMapOvr>
-</p:sld>
-</file>
-
-<file path=ppt/slides/slide12.xml><?xml version="1.0" encoding="utf-8"?>
-<p:sld xmlns:a="http://schemas.openxmlformats.org/drawingml/2006/main" xmlns:r="http://schemas.openxmlformats.org/officeDocument/2006/relationships" xmlns:p="http://schemas.openxmlformats.org/presentationml/2006/main">
-  <p:cSld>
-    <p:spTree>
-      <p:nvGrpSpPr>
-        <p:cNvPr id="1" name=""/>
-        <p:cNvGrpSpPr/>
-        <p:nvPr/>
-      </p:nvGrpSpPr>
-      <p:grpSpPr>
-        <a:xfrm>
-          <a:off x="0" y="0"/>
-          <a:ext cx="0" cy="0"/>
-          <a:chOff x="0" y="0"/>
-          <a:chExt cx="0" cy="0"/>
-        </a:xfrm>
-      </p:grpSpPr>
-      <p:sp>
-        <p:nvSpPr>
-          <p:cNvPr id="2" name="Title 1">
-            <a:extLst>
-              <a:ext uri="{FF2B5EF4-FFF2-40B4-BE49-F238E27FC236}">
                 <a16:creationId xmlns:a16="http://schemas.microsoft.com/office/drawing/2014/main" id="{D337AD4A-A6FB-5942-8470-DDE73BAAE408}"/>
               </a:ext>
             </a:extLst>
@@ -4091,7 +4684,7 @@
 </p:sld>
 </file>
 
-<file path=ppt/slides/slide13.xml><?xml version="1.0" encoding="utf-8"?>
+<file path=ppt/slides/slide12.xml><?xml version="1.0" encoding="utf-8"?>
 <p:sld xmlns:a="http://schemas.openxmlformats.org/drawingml/2006/main" xmlns:r="http://schemas.openxmlformats.org/officeDocument/2006/relationships" xmlns:p="http://schemas.openxmlformats.org/presentationml/2006/main">
   <p:cSld>
     <p:spTree>
@@ -4457,7 +5050,7 @@
           <p:nvPr/>
         </p:nvPicPr>
         <p:blipFill rotWithShape="1">
-          <a:blip r:embed="rId2"/>
+          <a:blip r:embed="rId3"/>
           <a:srcRect r="41464" b="45317"/>
           <a:stretch/>
         </p:blipFill>
@@ -4477,6 +5070,239 @@
             <a:extLst>
               <a:ext uri="{FF2B5EF4-FFF2-40B4-BE49-F238E27FC236}">
                 <a16:creationId xmlns:a16="http://schemas.microsoft.com/office/drawing/2014/main" id="{B4C9D2A6-CC64-374A-AF0C-2C5632268F79}"/>
+              </a:ext>
+            </a:extLst>
+          </p:cNvPr>
+          <p:cNvPicPr>
+            <a:picLocks noChangeAspect="1"/>
+          </p:cNvPicPr>
+          <p:nvPr/>
+        </p:nvPicPr>
+        <p:blipFill rotWithShape="1">
+          <a:blip r:embed="rId3"/>
+          <a:srcRect l="57451" t="11592" r="4059" b="51210"/>
+          <a:stretch/>
+        </p:blipFill>
+        <p:spPr>
+          <a:xfrm>
+            <a:off x="3419086" y="1377659"/>
+            <a:ext cx="942721" cy="972422"/>
+          </a:xfrm>
+          <a:prstGeom prst="rect">
+            <a:avLst/>
+          </a:prstGeom>
+        </p:spPr>
+      </p:pic>
+      <p:pic>
+        <p:nvPicPr>
+          <p:cNvPr id="9" name="Picture 8">
+            <a:extLst>
+              <a:ext uri="{FF2B5EF4-FFF2-40B4-BE49-F238E27FC236}">
+                <a16:creationId xmlns:a16="http://schemas.microsoft.com/office/drawing/2014/main" id="{6DF0E149-78E6-F84D-BFD6-AC3A5A188267}"/>
+              </a:ext>
+            </a:extLst>
+          </p:cNvPr>
+          <p:cNvPicPr>
+            <a:picLocks noChangeAspect="1"/>
+          </p:cNvPicPr>
+          <p:nvPr/>
+        </p:nvPicPr>
+        <p:blipFill rotWithShape="1">
+          <a:blip r:embed="rId3"/>
+          <a:srcRect l="50423" t="47667" r="9568" b="13657"/>
+          <a:stretch/>
+        </p:blipFill>
+        <p:spPr>
+          <a:xfrm>
+            <a:off x="3255227" y="2417549"/>
+            <a:ext cx="1106580" cy="1141702"/>
+          </a:xfrm>
+          <a:prstGeom prst="rect">
+            <a:avLst/>
+          </a:prstGeom>
+        </p:spPr>
+      </p:pic>
+      <p:pic>
+        <p:nvPicPr>
+          <p:cNvPr id="10" name="Picture 9">
+            <a:extLst>
+              <a:ext uri="{FF2B5EF4-FFF2-40B4-BE49-F238E27FC236}">
+                <a16:creationId xmlns:a16="http://schemas.microsoft.com/office/drawing/2014/main" id="{2290E300-2DB1-B447-9910-DCDBED00BCC4}"/>
+              </a:ext>
+            </a:extLst>
+          </p:cNvPr>
+          <p:cNvPicPr>
+            <a:picLocks noChangeAspect="1"/>
+          </p:cNvPicPr>
+          <p:nvPr/>
+        </p:nvPicPr>
+        <p:blipFill rotWithShape="1">
+          <a:blip r:embed="rId3"/>
+          <a:srcRect l="11420" t="54382" r="49484" b="8898"/>
+          <a:stretch/>
+        </p:blipFill>
+        <p:spPr>
+          <a:xfrm>
+            <a:off x="3108521" y="3626719"/>
+            <a:ext cx="1187189" cy="1190042"/>
+          </a:xfrm>
+          <a:prstGeom prst="rect">
+            <a:avLst/>
+          </a:prstGeom>
+        </p:spPr>
+      </p:pic>
+      <p:pic>
+        <p:nvPicPr>
+          <p:cNvPr id="11" name="Picture 10">
+            <a:extLst>
+              <a:ext uri="{FF2B5EF4-FFF2-40B4-BE49-F238E27FC236}">
+                <a16:creationId xmlns:a16="http://schemas.microsoft.com/office/drawing/2014/main" id="{1C3691EC-6961-A049-B567-37973655A45B}"/>
+              </a:ext>
+            </a:extLst>
+          </p:cNvPr>
+          <p:cNvPicPr>
+            <a:picLocks noChangeAspect="1"/>
+          </p:cNvPicPr>
+          <p:nvPr/>
+        </p:nvPicPr>
+        <p:blipFill rotWithShape="1">
+          <a:blip r:embed="rId3"/>
+          <a:srcRect l="57451" t="11592" r="4059" b="51210"/>
+          <a:stretch/>
+        </p:blipFill>
+        <p:spPr>
+          <a:xfrm>
+            <a:off x="10154998" y="1445127"/>
+            <a:ext cx="942721" cy="972422"/>
+          </a:xfrm>
+          <a:prstGeom prst="rect">
+            <a:avLst/>
+          </a:prstGeom>
+        </p:spPr>
+      </p:pic>
+      <p:pic>
+        <p:nvPicPr>
+          <p:cNvPr id="12" name="Picture 11">
+            <a:extLst>
+              <a:ext uri="{FF2B5EF4-FFF2-40B4-BE49-F238E27FC236}">
+                <a16:creationId xmlns:a16="http://schemas.microsoft.com/office/drawing/2014/main" id="{2733DDA4-5E20-294A-AAE8-7B753410F838}"/>
+              </a:ext>
+            </a:extLst>
+          </p:cNvPr>
+          <p:cNvPicPr>
+            <a:picLocks noChangeAspect="1"/>
+          </p:cNvPicPr>
+          <p:nvPr/>
+        </p:nvPicPr>
+        <p:blipFill rotWithShape="1">
+          <a:blip r:embed="rId3"/>
+          <a:srcRect l="57451" t="11592" r="4059" b="51210"/>
+          <a:stretch/>
+        </p:blipFill>
+        <p:spPr>
+          <a:xfrm>
+            <a:off x="10154998" y="2502189"/>
+            <a:ext cx="942721" cy="972422"/>
+          </a:xfrm>
+          <a:prstGeom prst="rect">
+            <a:avLst/>
+          </a:prstGeom>
+        </p:spPr>
+      </p:pic>
+      <p:pic>
+        <p:nvPicPr>
+          <p:cNvPr id="13" name="Picture 12">
+            <a:extLst>
+              <a:ext uri="{FF2B5EF4-FFF2-40B4-BE49-F238E27FC236}">
+                <a16:creationId xmlns:a16="http://schemas.microsoft.com/office/drawing/2014/main" id="{C885883F-8D68-BF45-9F52-34399FFF6D80}"/>
+              </a:ext>
+            </a:extLst>
+          </p:cNvPr>
+          <p:cNvPicPr>
+            <a:picLocks noChangeAspect="1"/>
+          </p:cNvPicPr>
+          <p:nvPr/>
+        </p:nvPicPr>
+        <p:blipFill rotWithShape="1">
+          <a:blip r:embed="rId3"/>
+          <a:srcRect l="57451" t="11592" r="4059" b="51210"/>
+          <a:stretch/>
+        </p:blipFill>
+        <p:spPr>
+          <a:xfrm>
+            <a:off x="10153668" y="3559251"/>
+            <a:ext cx="942721" cy="972422"/>
+          </a:xfrm>
+          <a:prstGeom prst="rect">
+            <a:avLst/>
+          </a:prstGeom>
+        </p:spPr>
+      </p:pic>
+      <p:pic>
+        <p:nvPicPr>
+          <p:cNvPr id="14" name="Picture 13">
+            <a:extLst>
+              <a:ext uri="{FF2B5EF4-FFF2-40B4-BE49-F238E27FC236}">
+                <a16:creationId xmlns:a16="http://schemas.microsoft.com/office/drawing/2014/main" id="{54625E68-C03E-E34E-ADDF-7D8DD9A14F3A}"/>
+              </a:ext>
+            </a:extLst>
+          </p:cNvPr>
+          <p:cNvPicPr>
+            <a:picLocks noChangeAspect="1"/>
+          </p:cNvPicPr>
+          <p:nvPr/>
+        </p:nvPicPr>
+        <p:blipFill rotWithShape="1">
+          <a:blip r:embed="rId3"/>
+          <a:srcRect l="57451" t="11592" r="4059" b="51210"/>
+          <a:stretch/>
+        </p:blipFill>
+        <p:spPr>
+          <a:xfrm>
+            <a:off x="10188497" y="4663887"/>
+            <a:ext cx="942721" cy="972422"/>
+          </a:xfrm>
+          <a:prstGeom prst="rect">
+            <a:avLst/>
+          </a:prstGeom>
+        </p:spPr>
+      </p:pic>
+    </p:spTree>
+    <p:extLst>
+      <p:ext uri="{BB962C8B-B14F-4D97-AF65-F5344CB8AC3E}">
+        <p14:creationId xmlns:p14="http://schemas.microsoft.com/office/powerpoint/2010/main" val="4035677527"/>
+      </p:ext>
+    </p:extLst>
+  </p:cSld>
+  <p:clrMapOvr>
+    <a:masterClrMapping/>
+  </p:clrMapOvr>
+</p:sld>
+</file>
+
+<file path=ppt/slides/slide13.xml><?xml version="1.0" encoding="utf-8"?>
+<p:sld xmlns:a="http://schemas.openxmlformats.org/drawingml/2006/main" xmlns:r="http://schemas.openxmlformats.org/officeDocument/2006/relationships" xmlns:p="http://schemas.openxmlformats.org/presentationml/2006/main">
+  <p:cSld>
+    <p:spTree>
+      <p:nvGrpSpPr>
+        <p:cNvPr id="1" name=""/>
+        <p:cNvGrpSpPr/>
+        <p:nvPr/>
+      </p:nvGrpSpPr>
+      <p:grpSpPr>
+        <a:xfrm>
+          <a:off x="0" y="0"/>
+          <a:ext cx="0" cy="0"/>
+          <a:chOff x="0" y="0"/>
+          <a:chExt cx="0" cy="0"/>
+        </a:xfrm>
+      </p:grpSpPr>
+      <p:pic>
+        <p:nvPicPr>
+          <p:cNvPr id="7" name="Picture 6">
+            <a:extLst>
+              <a:ext uri="{FF2B5EF4-FFF2-40B4-BE49-F238E27FC236}">
+                <a16:creationId xmlns:a16="http://schemas.microsoft.com/office/drawing/2014/main" id="{8796128A-659A-6242-9E50-C5BD3A452A49}"/>
               </a:ext>
             </a:extLst>
           </p:cNvPr>
@@ -4492,7 +5318,7 @@
         </p:blipFill>
         <p:spPr>
           <a:xfrm>
-            <a:off x="3419086" y="1377659"/>
+            <a:off x="2772317" y="1914728"/>
             <a:ext cx="942721" cy="972422"/>
           </a:xfrm>
           <a:prstGeom prst="rect">
@@ -4505,7 +5331,7 @@
           <p:cNvPr id="9" name="Picture 8">
             <a:extLst>
               <a:ext uri="{FF2B5EF4-FFF2-40B4-BE49-F238E27FC236}">
-                <a16:creationId xmlns:a16="http://schemas.microsoft.com/office/drawing/2014/main" id="{6DF0E149-78E6-F84D-BFD6-AC3A5A188267}"/>
+                <a16:creationId xmlns:a16="http://schemas.microsoft.com/office/drawing/2014/main" id="{04E86C95-364F-9044-ACEC-BCEFBD9F6A21}"/>
               </a:ext>
             </a:extLst>
           </p:cNvPr>
@@ -4516,25 +5342,58 @@
         </p:nvPicPr>
         <p:blipFill rotWithShape="1">
           <a:blip r:embed="rId2"/>
-          <a:srcRect l="50423" t="47667" r="9568" b="13657"/>
+          <a:srcRect b="9525"/>
           <a:stretch/>
         </p:blipFill>
         <p:spPr>
           <a:xfrm>
-            <a:off x="3255227" y="2417549"/>
-            <a:ext cx="1106580" cy="1141702"/>
+            <a:off x="8385719" y="1115122"/>
+            <a:ext cx="1835077" cy="1772028"/>
           </a:xfrm>
           <a:prstGeom prst="rect">
             <a:avLst/>
           </a:prstGeom>
         </p:spPr>
       </p:pic>
+      <p:sp>
+        <p:nvSpPr>
+          <p:cNvPr id="13" name="Title 1">
+            <a:extLst>
+              <a:ext uri="{FF2B5EF4-FFF2-40B4-BE49-F238E27FC236}">
+                <a16:creationId xmlns:a16="http://schemas.microsoft.com/office/drawing/2014/main" id="{669F16E2-DDF8-FE4C-9E2F-391121223FE0}"/>
+              </a:ext>
+            </a:extLst>
+          </p:cNvPr>
+          <p:cNvSpPr>
+            <a:spLocks noGrp="1"/>
+          </p:cNvSpPr>
+          <p:nvPr>
+            <p:ph type="title"/>
+          </p:nvPr>
+        </p:nvSpPr>
+        <p:spPr>
+          <a:xfrm>
+            <a:off x="838200" y="365125"/>
+            <a:ext cx="10515600" cy="1325563"/>
+          </a:xfrm>
+        </p:spPr>
+        <p:txBody>
+          <a:bodyPr/>
+          <a:lstStyle/>
+          <a:p>
+            <a:r>
+              <a:rPr lang="en-US" dirty="0"/>
+              <a:t>Internal Validation of Model </a:t>
+            </a:r>
+          </a:p>
+        </p:txBody>
+      </p:sp>
       <p:pic>
         <p:nvPicPr>
           <p:cNvPr id="10" name="Picture 9">
             <a:extLst>
               <a:ext uri="{FF2B5EF4-FFF2-40B4-BE49-F238E27FC236}">
-                <a16:creationId xmlns:a16="http://schemas.microsoft.com/office/drawing/2014/main" id="{2290E300-2DB1-B447-9910-DCDBED00BCC4}"/>
+                <a16:creationId xmlns:a16="http://schemas.microsoft.com/office/drawing/2014/main" id="{BD67A8E6-AA88-5E43-8A8D-424A32F0446F}"/>
               </a:ext>
             </a:extLst>
           </p:cNvPr>
@@ -4543,15 +5402,16 @@
           </p:cNvPicPr>
           <p:nvPr/>
         </p:nvPicPr>
-        <p:blipFill rotWithShape="1">
-          <a:blip r:embed="rId2"/>
-          <a:srcRect l="11420" t="54382" r="49484" b="8898"/>
-          <a:stretch/>
+        <p:blipFill>
+          <a:blip r:embed="rId3"/>
+          <a:stretch>
+            <a:fillRect/>
+          </a:stretch>
         </p:blipFill>
         <p:spPr>
           <a:xfrm>
-            <a:off x="3108521" y="3626719"/>
-            <a:ext cx="1187189" cy="1190042"/>
+            <a:off x="332131" y="3021372"/>
+            <a:ext cx="5667225" cy="3183972"/>
           </a:xfrm>
           <a:prstGeom prst="rect">
             <a:avLst/>
@@ -4560,10 +5420,10 @@
       </p:pic>
       <p:pic>
         <p:nvPicPr>
-          <p:cNvPr id="11" name="Picture 10">
-            <a:extLst>
-              <a:ext uri="{FF2B5EF4-FFF2-40B4-BE49-F238E27FC236}">
-                <a16:creationId xmlns:a16="http://schemas.microsoft.com/office/drawing/2014/main" id="{1C3691EC-6961-A049-B567-37973655A45B}"/>
+          <p:cNvPr id="3" name="Picture 2">
+            <a:extLst>
+              <a:ext uri="{FF2B5EF4-FFF2-40B4-BE49-F238E27FC236}">
+                <a16:creationId xmlns:a16="http://schemas.microsoft.com/office/drawing/2014/main" id="{ACB1923A-CDC5-154D-B22A-AE9106272333}"/>
               </a:ext>
             </a:extLst>
           </p:cNvPr>
@@ -4572,102 +5432,16 @@
           </p:cNvPicPr>
           <p:nvPr/>
         </p:nvPicPr>
-        <p:blipFill rotWithShape="1">
-          <a:blip r:embed="rId2"/>
-          <a:srcRect l="57451" t="11592" r="4059" b="51210"/>
-          <a:stretch/>
+        <p:blipFill>
+          <a:blip r:embed="rId4"/>
+          <a:stretch>
+            <a:fillRect/>
+          </a:stretch>
         </p:blipFill>
         <p:spPr>
           <a:xfrm>
-            <a:off x="10154998" y="1445127"/>
-            <a:ext cx="942721" cy="972422"/>
-          </a:xfrm>
-          <a:prstGeom prst="rect">
-            <a:avLst/>
-          </a:prstGeom>
-        </p:spPr>
-      </p:pic>
-      <p:pic>
-        <p:nvPicPr>
-          <p:cNvPr id="12" name="Picture 11">
-            <a:extLst>
-              <a:ext uri="{FF2B5EF4-FFF2-40B4-BE49-F238E27FC236}">
-                <a16:creationId xmlns:a16="http://schemas.microsoft.com/office/drawing/2014/main" id="{2733DDA4-5E20-294A-AAE8-7B753410F838}"/>
-              </a:ext>
-            </a:extLst>
-          </p:cNvPr>
-          <p:cNvPicPr>
-            <a:picLocks noChangeAspect="1"/>
-          </p:cNvPicPr>
-          <p:nvPr/>
-        </p:nvPicPr>
-        <p:blipFill rotWithShape="1">
-          <a:blip r:embed="rId2"/>
-          <a:srcRect l="57451" t="11592" r="4059" b="51210"/>
-          <a:stretch/>
-        </p:blipFill>
-        <p:spPr>
-          <a:xfrm>
-            <a:off x="10154998" y="2502189"/>
-            <a:ext cx="942721" cy="972422"/>
-          </a:xfrm>
-          <a:prstGeom prst="rect">
-            <a:avLst/>
-          </a:prstGeom>
-        </p:spPr>
-      </p:pic>
-      <p:pic>
-        <p:nvPicPr>
-          <p:cNvPr id="13" name="Picture 12">
-            <a:extLst>
-              <a:ext uri="{FF2B5EF4-FFF2-40B4-BE49-F238E27FC236}">
-                <a16:creationId xmlns:a16="http://schemas.microsoft.com/office/drawing/2014/main" id="{C885883F-8D68-BF45-9F52-34399FFF6D80}"/>
-              </a:ext>
-            </a:extLst>
-          </p:cNvPr>
-          <p:cNvPicPr>
-            <a:picLocks noChangeAspect="1"/>
-          </p:cNvPicPr>
-          <p:nvPr/>
-        </p:nvPicPr>
-        <p:blipFill rotWithShape="1">
-          <a:blip r:embed="rId2"/>
-          <a:srcRect l="57451" t="11592" r="4059" b="51210"/>
-          <a:stretch/>
-        </p:blipFill>
-        <p:spPr>
-          <a:xfrm>
-            <a:off x="10153668" y="3559251"/>
-            <a:ext cx="942721" cy="972422"/>
-          </a:xfrm>
-          <a:prstGeom prst="rect">
-            <a:avLst/>
-          </a:prstGeom>
-        </p:spPr>
-      </p:pic>
-      <p:pic>
-        <p:nvPicPr>
-          <p:cNvPr id="14" name="Picture 13">
-            <a:extLst>
-              <a:ext uri="{FF2B5EF4-FFF2-40B4-BE49-F238E27FC236}">
-                <a16:creationId xmlns:a16="http://schemas.microsoft.com/office/drawing/2014/main" id="{54625E68-C03E-E34E-ADDF-7D8DD9A14F3A}"/>
-              </a:ext>
-            </a:extLst>
-          </p:cNvPr>
-          <p:cNvPicPr>
-            <a:picLocks noChangeAspect="1"/>
-          </p:cNvPicPr>
-          <p:nvPr/>
-        </p:nvPicPr>
-        <p:blipFill rotWithShape="1">
-          <a:blip r:embed="rId2"/>
-          <a:srcRect l="57451" t="11592" r="4059" b="51210"/>
-          <a:stretch/>
-        </p:blipFill>
-        <p:spPr>
-          <a:xfrm>
-            <a:off x="10188497" y="4663887"/>
-            <a:ext cx="942721" cy="972422"/>
+            <a:off x="6366123" y="3021372"/>
+            <a:ext cx="5484215" cy="3081153"/>
           </a:xfrm>
           <a:prstGeom prst="rect">
             <a:avLst/>
@@ -4677,7 +5451,7 @@
     </p:spTree>
     <p:extLst>
       <p:ext uri="{BB962C8B-B14F-4D97-AF65-F5344CB8AC3E}">
-        <p14:creationId xmlns:p14="http://schemas.microsoft.com/office/powerpoint/2010/main" val="4035677527"/>
+        <p14:creationId xmlns:p14="http://schemas.microsoft.com/office/powerpoint/2010/main" val="4115949871"/>
       </p:ext>
     </p:extLst>
   </p:cSld>
@@ -4704,12 +5478,42 @@
           <a:chExt cx="0" cy="0"/>
         </a:xfrm>
       </p:grpSpPr>
+      <p:sp>
+        <p:nvSpPr>
+          <p:cNvPr id="2" name="Title 1">
+            <a:extLst>
+              <a:ext uri="{FF2B5EF4-FFF2-40B4-BE49-F238E27FC236}">
+                <a16:creationId xmlns:a16="http://schemas.microsoft.com/office/drawing/2014/main" id="{195ED5CE-821E-8B4A-A08C-F302397FA83C}"/>
+              </a:ext>
+            </a:extLst>
+          </p:cNvPr>
+          <p:cNvSpPr>
+            <a:spLocks noGrp="1"/>
+          </p:cNvSpPr>
+          <p:nvPr>
+            <p:ph type="title"/>
+          </p:nvPr>
+        </p:nvSpPr>
+        <p:spPr/>
+        <p:txBody>
+          <a:bodyPr>
+            <a:normAutofit/>
+          </a:bodyPr>
+          <a:lstStyle/>
+          <a:p>
+            <a:r>
+              <a:rPr lang="en-US" sz="3200" dirty="0"/>
+              <a:t>Same Subject, Between Task</a:t>
+            </a:r>
+          </a:p>
+        </p:txBody>
+      </p:sp>
       <p:pic>
         <p:nvPicPr>
-          <p:cNvPr id="7" name="Picture 6">
-            <a:extLst>
-              <a:ext uri="{FF2B5EF4-FFF2-40B4-BE49-F238E27FC236}">
-                <a16:creationId xmlns:a16="http://schemas.microsoft.com/office/drawing/2014/main" id="{8796128A-659A-6242-9E50-C5BD3A452A49}"/>
+          <p:cNvPr id="4" name="Picture 3">
+            <a:extLst>
+              <a:ext uri="{FF2B5EF4-FFF2-40B4-BE49-F238E27FC236}">
+                <a16:creationId xmlns:a16="http://schemas.microsoft.com/office/drawing/2014/main" id="{2AF72CE0-CD59-1746-9B0D-03623F8CF9FF}"/>
               </a:ext>
             </a:extLst>
           </p:cNvPr>
@@ -4718,15 +5522,16 @@
           </p:cNvPicPr>
           <p:nvPr/>
         </p:nvPicPr>
-        <p:blipFill rotWithShape="1">
+        <p:blipFill>
           <a:blip r:embed="rId2"/>
-          <a:srcRect l="57451" t="11592" r="4059" b="51210"/>
-          <a:stretch/>
+          <a:stretch>
+            <a:fillRect/>
+          </a:stretch>
         </p:blipFill>
         <p:spPr>
           <a:xfrm>
-            <a:off x="2772317" y="1914728"/>
-            <a:ext cx="942721" cy="972422"/>
+            <a:off x="6463982" y="365125"/>
+            <a:ext cx="2303255" cy="1147181"/>
           </a:xfrm>
           <a:prstGeom prst="rect">
             <a:avLst/>
@@ -4735,72 +5540,10 @@
       </p:pic>
       <p:pic>
         <p:nvPicPr>
-          <p:cNvPr id="9" name="Picture 8">
-            <a:extLst>
-              <a:ext uri="{FF2B5EF4-FFF2-40B4-BE49-F238E27FC236}">
-                <a16:creationId xmlns:a16="http://schemas.microsoft.com/office/drawing/2014/main" id="{04E86C95-364F-9044-ACEC-BCEFBD9F6A21}"/>
-              </a:ext>
-            </a:extLst>
-          </p:cNvPr>
-          <p:cNvPicPr>
-            <a:picLocks noChangeAspect="1"/>
-          </p:cNvPicPr>
-          <p:nvPr/>
-        </p:nvPicPr>
-        <p:blipFill rotWithShape="1">
-          <a:blip r:embed="rId2"/>
-          <a:srcRect b="9525"/>
-          <a:stretch/>
-        </p:blipFill>
-        <p:spPr>
-          <a:xfrm>
-            <a:off x="8385719" y="1115122"/>
-            <a:ext cx="1835077" cy="1772028"/>
-          </a:xfrm>
-          <a:prstGeom prst="rect">
-            <a:avLst/>
-          </a:prstGeom>
-        </p:spPr>
-      </p:pic>
-      <p:sp>
-        <p:nvSpPr>
-          <p:cNvPr id="13" name="Title 1">
-            <a:extLst>
-              <a:ext uri="{FF2B5EF4-FFF2-40B4-BE49-F238E27FC236}">
-                <a16:creationId xmlns:a16="http://schemas.microsoft.com/office/drawing/2014/main" id="{669F16E2-DDF8-FE4C-9E2F-391121223FE0}"/>
-              </a:ext>
-            </a:extLst>
-          </p:cNvPr>
-          <p:cNvSpPr>
-            <a:spLocks noGrp="1"/>
-          </p:cNvSpPr>
-          <p:nvPr>
-            <p:ph type="title"/>
-          </p:nvPr>
-        </p:nvSpPr>
-        <p:spPr>
-          <a:xfrm>
-            <a:off x="838200" y="365125"/>
-            <a:ext cx="10515600" cy="1325563"/>
-          </a:xfrm>
-        </p:spPr>
-        <p:txBody>
-          <a:bodyPr/>
-          <a:lstStyle/>
-          <a:p>
-            <a:r>
-              <a:rPr lang="en-US" dirty="0"/>
-              <a:t>Internal Validation of Model </a:t>
-            </a:r>
-          </a:p>
-        </p:txBody>
-      </p:sp>
-      <p:pic>
-        <p:nvPicPr>
-          <p:cNvPr id="10" name="Picture 9">
-            <a:extLst>
-              <a:ext uri="{FF2B5EF4-FFF2-40B4-BE49-F238E27FC236}">
-                <a16:creationId xmlns:a16="http://schemas.microsoft.com/office/drawing/2014/main" id="{BD67A8E6-AA88-5E43-8A8D-424A32F0446F}"/>
+          <p:cNvPr id="5" name="Picture 4">
+            <a:extLst>
+              <a:ext uri="{FF2B5EF4-FFF2-40B4-BE49-F238E27FC236}">
+                <a16:creationId xmlns:a16="http://schemas.microsoft.com/office/drawing/2014/main" id="{AB76C223-56A7-0C4C-9B74-481FEAD69F03}"/>
               </a:ext>
             </a:extLst>
           </p:cNvPr>
@@ -4817,8 +5560,8 @@
         </p:blipFill>
         <p:spPr>
           <a:xfrm>
-            <a:off x="332131" y="3021372"/>
-            <a:ext cx="5667225" cy="3183972"/>
+            <a:off x="6734707" y="631525"/>
+            <a:ext cx="579360" cy="559458"/>
           </a:xfrm>
           <a:prstGeom prst="rect">
             <a:avLst/>
@@ -4827,10 +5570,40 @@
       </p:pic>
       <p:pic>
         <p:nvPicPr>
-          <p:cNvPr id="3" name="Picture 2">
-            <a:extLst>
-              <a:ext uri="{FF2B5EF4-FFF2-40B4-BE49-F238E27FC236}">
-                <a16:creationId xmlns:a16="http://schemas.microsoft.com/office/drawing/2014/main" id="{ACB1923A-CDC5-154D-B22A-AE9106272333}"/>
+          <p:cNvPr id="6" name="Picture 5">
+            <a:extLst>
+              <a:ext uri="{FF2B5EF4-FFF2-40B4-BE49-F238E27FC236}">
+                <a16:creationId xmlns:a16="http://schemas.microsoft.com/office/drawing/2014/main" id="{94D54403-0CEA-EA41-9405-9828372C2532}"/>
+              </a:ext>
+            </a:extLst>
+          </p:cNvPr>
+          <p:cNvPicPr>
+            <a:picLocks noChangeAspect="1"/>
+          </p:cNvPicPr>
+          <p:nvPr/>
+        </p:nvPicPr>
+        <p:blipFill>
+          <a:blip r:embed="rId2"/>
+          <a:stretch>
+            <a:fillRect/>
+          </a:stretch>
+        </p:blipFill>
+        <p:spPr>
+          <a:xfrm>
+            <a:off x="9050545" y="365125"/>
+            <a:ext cx="2303255" cy="1147181"/>
+          </a:xfrm>
+          <a:prstGeom prst="rect">
+            <a:avLst/>
+          </a:prstGeom>
+        </p:spPr>
+      </p:pic>
+      <p:pic>
+        <p:nvPicPr>
+          <p:cNvPr id="7" name="Picture 6">
+            <a:extLst>
+              <a:ext uri="{FF2B5EF4-FFF2-40B4-BE49-F238E27FC236}">
+                <a16:creationId xmlns:a16="http://schemas.microsoft.com/office/drawing/2014/main" id="{2311CE01-07D5-1748-B5EF-18418385570B}"/>
               </a:ext>
             </a:extLst>
           </p:cNvPr>
@@ -4847,8 +5620,126 @@
         </p:blipFill>
         <p:spPr>
           <a:xfrm>
-            <a:off x="6366123" y="3021372"/>
-            <a:ext cx="5484215" cy="3081153"/>
+            <a:off x="9372902" y="669432"/>
+            <a:ext cx="545962" cy="397742"/>
+          </a:xfrm>
+          <a:prstGeom prst="rect">
+            <a:avLst/>
+          </a:prstGeom>
+        </p:spPr>
+      </p:pic>
+      <p:pic>
+        <p:nvPicPr>
+          <p:cNvPr id="10" name="Picture 9">
+            <a:extLst>
+              <a:ext uri="{FF2B5EF4-FFF2-40B4-BE49-F238E27FC236}">
+                <a16:creationId xmlns:a16="http://schemas.microsoft.com/office/drawing/2014/main" id="{F38C2F77-46DC-E644-8791-92B7F111784D}"/>
+              </a:ext>
+            </a:extLst>
+          </p:cNvPr>
+          <p:cNvPicPr>
+            <a:picLocks noChangeAspect="1"/>
+          </p:cNvPicPr>
+          <p:nvPr/>
+        </p:nvPicPr>
+        <p:blipFill rotWithShape="1">
+          <a:blip r:embed="rId5"/>
+          <a:srcRect l="57451" t="11592" r="4059" b="51210"/>
+          <a:stretch/>
+        </p:blipFill>
+        <p:spPr>
+          <a:xfrm>
+            <a:off x="9970864" y="2418994"/>
+            <a:ext cx="942721" cy="972422"/>
+          </a:xfrm>
+          <a:prstGeom prst="rect">
+            <a:avLst/>
+          </a:prstGeom>
+        </p:spPr>
+      </p:pic>
+      <p:pic>
+        <p:nvPicPr>
+          <p:cNvPr id="11" name="Picture 10">
+            <a:extLst>
+              <a:ext uri="{FF2B5EF4-FFF2-40B4-BE49-F238E27FC236}">
+                <a16:creationId xmlns:a16="http://schemas.microsoft.com/office/drawing/2014/main" id="{7F36A7AF-6D12-2C48-9C23-6082940E6639}"/>
+              </a:ext>
+            </a:extLst>
+          </p:cNvPr>
+          <p:cNvPicPr>
+            <a:picLocks noChangeAspect="1"/>
+          </p:cNvPicPr>
+          <p:nvPr/>
+        </p:nvPicPr>
+        <p:blipFill rotWithShape="1">
+          <a:blip r:embed="rId5"/>
+          <a:srcRect b="9525"/>
+          <a:stretch/>
+        </p:blipFill>
+        <p:spPr>
+          <a:xfrm>
+            <a:off x="9338254" y="4298103"/>
+            <a:ext cx="2207942" cy="2132082"/>
+          </a:xfrm>
+          <a:prstGeom prst="rect">
+            <a:avLst/>
+          </a:prstGeom>
+        </p:spPr>
+      </p:pic>
+      <p:pic>
+        <p:nvPicPr>
+          <p:cNvPr id="14" name="Picture 13">
+            <a:extLst>
+              <a:ext uri="{FF2B5EF4-FFF2-40B4-BE49-F238E27FC236}">
+                <a16:creationId xmlns:a16="http://schemas.microsoft.com/office/drawing/2014/main" id="{D34ADA4A-3241-CF4C-9BA3-3DD4F5381223}"/>
+              </a:ext>
+            </a:extLst>
+          </p:cNvPr>
+          <p:cNvPicPr>
+            <a:picLocks noChangeAspect="1"/>
+          </p:cNvPicPr>
+          <p:nvPr/>
+        </p:nvPicPr>
+        <p:blipFill>
+          <a:blip r:embed="rId6"/>
+          <a:stretch>
+            <a:fillRect/>
+          </a:stretch>
+        </p:blipFill>
+        <p:spPr>
+          <a:xfrm>
+            <a:off x="715695" y="1917404"/>
+            <a:ext cx="7338627" cy="2380699"/>
+          </a:xfrm>
+          <a:prstGeom prst="rect">
+            <a:avLst/>
+          </a:prstGeom>
+        </p:spPr>
+      </p:pic>
+      <p:pic>
+        <p:nvPicPr>
+          <p:cNvPr id="8" name="Picture 7">
+            <a:extLst>
+              <a:ext uri="{FF2B5EF4-FFF2-40B4-BE49-F238E27FC236}">
+                <a16:creationId xmlns:a16="http://schemas.microsoft.com/office/drawing/2014/main" id="{B31B4A7A-0D01-0E4F-B485-E7F4F553C0FB}"/>
+              </a:ext>
+            </a:extLst>
+          </p:cNvPr>
+          <p:cNvPicPr>
+            <a:picLocks noChangeAspect="1"/>
+          </p:cNvPicPr>
+          <p:nvPr/>
+        </p:nvPicPr>
+        <p:blipFill>
+          <a:blip r:embed="rId7"/>
+          <a:stretch>
+            <a:fillRect/>
+          </a:stretch>
+        </p:blipFill>
+        <p:spPr>
+          <a:xfrm>
+            <a:off x="715694" y="4298103"/>
+            <a:ext cx="7338627" cy="2380699"/>
           </a:xfrm>
           <a:prstGeom prst="rect">
             <a:avLst/>
@@ -4858,7 +5749,7 @@
     </p:spTree>
     <p:extLst>
       <p:ext uri="{BB962C8B-B14F-4D97-AF65-F5344CB8AC3E}">
-        <p14:creationId xmlns:p14="http://schemas.microsoft.com/office/powerpoint/2010/main" val="4115949871"/>
+        <p14:creationId xmlns:p14="http://schemas.microsoft.com/office/powerpoint/2010/main" val="730327739"/>
       </p:ext>
     </p:extLst>
   </p:cSld>
@@ -4890,7 +5781,7 @@
           <p:cNvPr id="2" name="Title 1">
             <a:extLst>
               <a:ext uri="{FF2B5EF4-FFF2-40B4-BE49-F238E27FC236}">
-                <a16:creationId xmlns:a16="http://schemas.microsoft.com/office/drawing/2014/main" id="{195ED5CE-821E-8B4A-A08C-F302397FA83C}"/>
+                <a16:creationId xmlns:a16="http://schemas.microsoft.com/office/drawing/2014/main" id="{1D3A34D6-73C8-3046-A9F9-E75648BC7417}"/>
               </a:ext>
             </a:extLst>
           </p:cNvPr>
@@ -4910,17 +5801,17 @@
           <a:p>
             <a:r>
               <a:rPr lang="en-US" sz="3200" dirty="0"/>
-              <a:t>Same Subject, Between Task</a:t>
+              <a:t>Different subject same task</a:t>
             </a:r>
           </a:p>
         </p:txBody>
       </p:sp>
       <p:pic>
         <p:nvPicPr>
-          <p:cNvPr id="4" name="Picture 3">
-            <a:extLst>
-              <a:ext uri="{FF2B5EF4-FFF2-40B4-BE49-F238E27FC236}">
-                <a16:creationId xmlns:a16="http://schemas.microsoft.com/office/drawing/2014/main" id="{2AF72CE0-CD59-1746-9B0D-03623F8CF9FF}"/>
+          <p:cNvPr id="6" name="Picture 5">
+            <a:extLst>
+              <a:ext uri="{FF2B5EF4-FFF2-40B4-BE49-F238E27FC236}">
+                <a16:creationId xmlns:a16="http://schemas.microsoft.com/office/drawing/2014/main" id="{71AA2547-BB1D-1041-B90C-8DB365870AC9}"/>
               </a:ext>
             </a:extLst>
           </p:cNvPr>
@@ -4937,8 +5828,8 @@
         </p:blipFill>
         <p:spPr>
           <a:xfrm>
-            <a:off x="6463982" y="365125"/>
-            <a:ext cx="2303255" cy="1147181"/>
+            <a:off x="9586469" y="441371"/>
+            <a:ext cx="2299758" cy="1145440"/>
           </a:xfrm>
           <a:prstGeom prst="rect">
             <a:avLst/>
@@ -4947,10 +5838,10 @@
       </p:pic>
       <p:pic>
         <p:nvPicPr>
-          <p:cNvPr id="5" name="Picture 4">
-            <a:extLst>
-              <a:ext uri="{FF2B5EF4-FFF2-40B4-BE49-F238E27FC236}">
-                <a16:creationId xmlns:a16="http://schemas.microsoft.com/office/drawing/2014/main" id="{AB76C223-56A7-0C4C-9B74-481FEAD69F03}"/>
+          <p:cNvPr id="7" name="Picture 6">
+            <a:extLst>
+              <a:ext uri="{FF2B5EF4-FFF2-40B4-BE49-F238E27FC236}">
+                <a16:creationId xmlns:a16="http://schemas.microsoft.com/office/drawing/2014/main" id="{F15E4A10-0663-364B-BCCE-D05742C90761}"/>
               </a:ext>
             </a:extLst>
           </p:cNvPr>
@@ -4967,8 +5858,8 @@
         </p:blipFill>
         <p:spPr>
           <a:xfrm>
-            <a:off x="6734707" y="631525"/>
-            <a:ext cx="579360" cy="559458"/>
+            <a:off x="9867108" y="761984"/>
+            <a:ext cx="545134" cy="397139"/>
           </a:xfrm>
           <a:prstGeom prst="rect">
             <a:avLst/>
@@ -4977,10 +5868,39 @@
       </p:pic>
       <p:pic>
         <p:nvPicPr>
-          <p:cNvPr id="6" name="Picture 5">
-            <a:extLst>
-              <a:ext uri="{FF2B5EF4-FFF2-40B4-BE49-F238E27FC236}">
-                <a16:creationId xmlns:a16="http://schemas.microsoft.com/office/drawing/2014/main" id="{94D54403-0CEA-EA41-9405-9828372C2532}"/>
+          <p:cNvPr id="14" name="Picture 13">
+            <a:extLst>
+              <a:ext uri="{FF2B5EF4-FFF2-40B4-BE49-F238E27FC236}">
+                <a16:creationId xmlns:a16="http://schemas.microsoft.com/office/drawing/2014/main" id="{6CB4F419-736A-9146-AE24-D114AF35A105}"/>
+              </a:ext>
+            </a:extLst>
+          </p:cNvPr>
+          <p:cNvPicPr>
+            <a:picLocks noChangeAspect="1"/>
+          </p:cNvPicPr>
+          <p:nvPr/>
+        </p:nvPicPr>
+        <p:blipFill rotWithShape="1">
+          <a:blip r:embed="rId4"/>
+          <a:srcRect l="1297" t="8770" r="5594"/>
+          <a:stretch/>
+        </p:blipFill>
+        <p:spPr>
+          <a:xfrm>
+            <a:off x="6872118" y="441371"/>
+            <a:ext cx="2391522" cy="1197379"/>
+          </a:xfrm>
+          <a:prstGeom prst="rect">
+            <a:avLst/>
+          </a:prstGeom>
+        </p:spPr>
+      </p:pic>
+      <p:pic>
+        <p:nvPicPr>
+          <p:cNvPr id="15" name="Picture 14">
+            <a:extLst>
+              <a:ext uri="{FF2B5EF4-FFF2-40B4-BE49-F238E27FC236}">
+                <a16:creationId xmlns:a16="http://schemas.microsoft.com/office/drawing/2014/main" id="{138BEE78-C707-5B41-A80E-5942DDE5A9E6}"/>
               </a:ext>
             </a:extLst>
           </p:cNvPr>
@@ -4990,15 +5910,15 @@
           <p:nvPr/>
         </p:nvPicPr>
         <p:blipFill>
-          <a:blip r:embed="rId2"/>
+          <a:blip r:embed="rId3"/>
           <a:stretch>
             <a:fillRect/>
           </a:stretch>
         </p:blipFill>
         <p:spPr>
           <a:xfrm>
-            <a:off x="9050545" y="365125"/>
-            <a:ext cx="2303255" cy="1147181"/>
+            <a:off x="8419226" y="749952"/>
+            <a:ext cx="545962" cy="397742"/>
           </a:xfrm>
           <a:prstGeom prst="rect">
             <a:avLst/>
@@ -5007,40 +5927,10 @@
       </p:pic>
       <p:pic>
         <p:nvPicPr>
-          <p:cNvPr id="7" name="Picture 6">
-            <a:extLst>
-              <a:ext uri="{FF2B5EF4-FFF2-40B4-BE49-F238E27FC236}">
-                <a16:creationId xmlns:a16="http://schemas.microsoft.com/office/drawing/2014/main" id="{2311CE01-07D5-1748-B5EF-18418385570B}"/>
-              </a:ext>
-            </a:extLst>
-          </p:cNvPr>
-          <p:cNvPicPr>
-            <a:picLocks noChangeAspect="1"/>
-          </p:cNvPicPr>
-          <p:nvPr/>
-        </p:nvPicPr>
-        <p:blipFill>
-          <a:blip r:embed="rId4"/>
-          <a:stretch>
-            <a:fillRect/>
-          </a:stretch>
-        </p:blipFill>
-        <p:spPr>
-          <a:xfrm>
-            <a:off x="9372902" y="669432"/>
-            <a:ext cx="545962" cy="397742"/>
-          </a:xfrm>
-          <a:prstGeom prst="rect">
-            <a:avLst/>
-          </a:prstGeom>
-        </p:spPr>
-      </p:pic>
-      <p:pic>
-        <p:nvPicPr>
-          <p:cNvPr id="10" name="Picture 9">
-            <a:extLst>
-              <a:ext uri="{FF2B5EF4-FFF2-40B4-BE49-F238E27FC236}">
-                <a16:creationId xmlns:a16="http://schemas.microsoft.com/office/drawing/2014/main" id="{F38C2F77-46DC-E644-8791-92B7F111784D}"/>
+          <p:cNvPr id="8" name="Picture 7">
+            <a:extLst>
+              <a:ext uri="{FF2B5EF4-FFF2-40B4-BE49-F238E27FC236}">
+                <a16:creationId xmlns:a16="http://schemas.microsoft.com/office/drawing/2014/main" id="{1B354E9F-6AE6-DB4B-9AFE-075975A8430B}"/>
               </a:ext>
             </a:extLst>
           </p:cNvPr>
@@ -5056,7 +5946,7 @@
         </p:blipFill>
         <p:spPr>
           <a:xfrm>
-            <a:off x="9970864" y="2418994"/>
+            <a:off x="9199349" y="5555091"/>
             <a:ext cx="942721" cy="972422"/>
           </a:xfrm>
           <a:prstGeom prst="rect">
@@ -5069,7 +5959,7 @@
           <p:cNvPr id="11" name="Picture 10">
             <a:extLst>
               <a:ext uri="{FF2B5EF4-FFF2-40B4-BE49-F238E27FC236}">
-                <a16:creationId xmlns:a16="http://schemas.microsoft.com/office/drawing/2014/main" id="{7F36A7AF-6D12-2C48-9C23-6082940E6639}"/>
+                <a16:creationId xmlns:a16="http://schemas.microsoft.com/office/drawing/2014/main" id="{CBE12CE6-04EC-1742-A0A3-998B03DFF9E1}"/>
               </a:ext>
             </a:extLst>
           </p:cNvPr>
@@ -5085,8 +5975,8 @@
         </p:blipFill>
         <p:spPr>
           <a:xfrm>
-            <a:off x="9338254" y="4298103"/>
-            <a:ext cx="2207942" cy="2132082"/>
+            <a:off x="2791521" y="5430644"/>
+            <a:ext cx="1478142" cy="1427356"/>
           </a:xfrm>
           <a:prstGeom prst="rect">
             <a:avLst/>
@@ -5095,10 +5985,10 @@
       </p:pic>
       <p:pic>
         <p:nvPicPr>
-          <p:cNvPr id="14" name="Picture 13">
-            <a:extLst>
-              <a:ext uri="{FF2B5EF4-FFF2-40B4-BE49-F238E27FC236}">
-                <a16:creationId xmlns:a16="http://schemas.microsoft.com/office/drawing/2014/main" id="{D34ADA4A-3241-CF4C-9BA3-3DD4F5381223}"/>
+          <p:cNvPr id="13" name="Picture 12">
+            <a:extLst>
+              <a:ext uri="{FF2B5EF4-FFF2-40B4-BE49-F238E27FC236}">
+                <a16:creationId xmlns:a16="http://schemas.microsoft.com/office/drawing/2014/main" id="{CA1692E5-C28A-0F4A-8A95-2BD39E714504}"/>
               </a:ext>
             </a:extLst>
           </p:cNvPr>
@@ -5115,8 +6005,8 @@
         </p:blipFill>
         <p:spPr>
           <a:xfrm>
-            <a:off x="715695" y="1917404"/>
-            <a:ext cx="7338627" cy="2380699"/>
+            <a:off x="6515033" y="2183927"/>
+            <a:ext cx="5497214" cy="3122321"/>
           </a:xfrm>
           <a:prstGeom prst="rect">
             <a:avLst/>
@@ -5125,10 +6015,10 @@
       </p:pic>
       <p:pic>
         <p:nvPicPr>
-          <p:cNvPr id="8" name="Picture 7">
-            <a:extLst>
-              <a:ext uri="{FF2B5EF4-FFF2-40B4-BE49-F238E27FC236}">
-                <a16:creationId xmlns:a16="http://schemas.microsoft.com/office/drawing/2014/main" id="{B31B4A7A-0D01-0E4F-B485-E7F4F553C0FB}"/>
+          <p:cNvPr id="4" name="Picture 3">
+            <a:extLst>
+              <a:ext uri="{FF2B5EF4-FFF2-40B4-BE49-F238E27FC236}">
+                <a16:creationId xmlns:a16="http://schemas.microsoft.com/office/drawing/2014/main" id="{72C4040A-A805-B640-B75F-8E83506B366C}"/>
               </a:ext>
             </a:extLst>
           </p:cNvPr>
@@ -5145,8 +6035,8 @@
         </p:blipFill>
         <p:spPr>
           <a:xfrm>
-            <a:off x="715694" y="4298103"/>
-            <a:ext cx="7338627" cy="2380699"/>
+            <a:off x="719826" y="2257497"/>
+            <a:ext cx="5367685" cy="3048751"/>
           </a:xfrm>
           <a:prstGeom prst="rect">
             <a:avLst/>
@@ -5156,7 +6046,7 @@
     </p:spTree>
     <p:extLst>
       <p:ext uri="{BB962C8B-B14F-4D97-AF65-F5344CB8AC3E}">
-        <p14:creationId xmlns:p14="http://schemas.microsoft.com/office/powerpoint/2010/main" val="730327739"/>
+        <p14:creationId xmlns:p14="http://schemas.microsoft.com/office/powerpoint/2010/main" val="1328961298"/>
       </p:ext>
     </p:extLst>
   </p:cSld>
@@ -5188,7 +6078,7 @@
           <p:cNvPr id="2" name="Title 1">
             <a:extLst>
               <a:ext uri="{FF2B5EF4-FFF2-40B4-BE49-F238E27FC236}">
-                <a16:creationId xmlns:a16="http://schemas.microsoft.com/office/drawing/2014/main" id="{1D3A34D6-73C8-3046-A9F9-E75648BC7417}"/>
+                <a16:creationId xmlns:a16="http://schemas.microsoft.com/office/drawing/2014/main" id="{CED2EEDA-544A-BA43-9936-A4E5D4B4D9C1}"/>
               </a:ext>
             </a:extLst>
           </p:cNvPr>
@@ -5199,7 +6089,12 @@
             <p:ph type="title"/>
           </p:nvPr>
         </p:nvSpPr>
-        <p:spPr/>
+        <p:spPr>
+          <a:xfrm>
+            <a:off x="838200" y="321013"/>
+            <a:ext cx="6106751" cy="1369675"/>
+          </a:xfrm>
+        </p:spPr>
         <p:txBody>
           <a:bodyPr>
             <a:normAutofit/>
@@ -5208,17 +6103,17 @@
           <a:p>
             <a:r>
               <a:rPr lang="en-US" sz="3200" dirty="0"/>
-              <a:t>Different subject same task</a:t>
+              <a:t>Different subject, different task</a:t>
             </a:r>
           </a:p>
         </p:txBody>
       </p:sp>
       <p:pic>
         <p:nvPicPr>
-          <p:cNvPr id="6" name="Picture 5">
-            <a:extLst>
-              <a:ext uri="{FF2B5EF4-FFF2-40B4-BE49-F238E27FC236}">
-                <a16:creationId xmlns:a16="http://schemas.microsoft.com/office/drawing/2014/main" id="{71AA2547-BB1D-1041-B90C-8DB365870AC9}"/>
+          <p:cNvPr id="4" name="Picture 3">
+            <a:extLst>
+              <a:ext uri="{FF2B5EF4-FFF2-40B4-BE49-F238E27FC236}">
+                <a16:creationId xmlns:a16="http://schemas.microsoft.com/office/drawing/2014/main" id="{F8848854-FD01-884D-B033-A75C34C5C680}"/>
               </a:ext>
             </a:extLst>
           </p:cNvPr>
@@ -5235,8 +6130,8 @@
         </p:blipFill>
         <p:spPr>
           <a:xfrm>
-            <a:off x="9586469" y="441371"/>
-            <a:ext cx="2299758" cy="1145440"/>
+            <a:off x="6236439" y="321013"/>
+            <a:ext cx="2515599" cy="1252943"/>
           </a:xfrm>
           <a:prstGeom prst="rect">
             <a:avLst/>
@@ -5245,10 +6140,10 @@
       </p:pic>
       <p:pic>
         <p:nvPicPr>
-          <p:cNvPr id="7" name="Picture 6">
-            <a:extLst>
-              <a:ext uri="{FF2B5EF4-FFF2-40B4-BE49-F238E27FC236}">
-                <a16:creationId xmlns:a16="http://schemas.microsoft.com/office/drawing/2014/main" id="{F15E4A10-0663-364B-BCCE-D05742C90761}"/>
+          <p:cNvPr id="5" name="Picture 4">
+            <a:extLst>
+              <a:ext uri="{FF2B5EF4-FFF2-40B4-BE49-F238E27FC236}">
+                <a16:creationId xmlns:a16="http://schemas.microsoft.com/office/drawing/2014/main" id="{E9552F7D-EB1C-0148-BA65-B32144D746EE}"/>
               </a:ext>
             </a:extLst>
           </p:cNvPr>
@@ -5265,8 +6160,8 @@
         </p:blipFill>
         <p:spPr>
           <a:xfrm>
-            <a:off x="9867108" y="761984"/>
-            <a:ext cx="545134" cy="397139"/>
+            <a:off x="6514817" y="629594"/>
+            <a:ext cx="579360" cy="559458"/>
           </a:xfrm>
           <a:prstGeom prst="rect">
             <a:avLst/>
@@ -5275,10 +6170,10 @@
       </p:pic>
       <p:pic>
         <p:nvPicPr>
-          <p:cNvPr id="14" name="Picture 13">
-            <a:extLst>
-              <a:ext uri="{FF2B5EF4-FFF2-40B4-BE49-F238E27FC236}">
-                <a16:creationId xmlns:a16="http://schemas.microsoft.com/office/drawing/2014/main" id="{6CB4F419-736A-9146-AE24-D114AF35A105}"/>
+          <p:cNvPr id="8" name="Picture 7">
+            <a:extLst>
+              <a:ext uri="{FF2B5EF4-FFF2-40B4-BE49-F238E27FC236}">
+                <a16:creationId xmlns:a16="http://schemas.microsoft.com/office/drawing/2014/main" id="{1EF11236-C44F-6948-80AC-E2B1B7DD6D76}"/>
               </a:ext>
             </a:extLst>
           </p:cNvPr>
@@ -5294,7 +6189,7 @@
         </p:blipFill>
         <p:spPr>
           <a:xfrm>
-            <a:off x="6872118" y="441371"/>
+            <a:off x="9235107" y="321013"/>
             <a:ext cx="2391522" cy="1197379"/>
           </a:xfrm>
           <a:prstGeom prst="rect">
@@ -5304,10 +6199,10 @@
       </p:pic>
       <p:pic>
         <p:nvPicPr>
-          <p:cNvPr id="15" name="Picture 14">
-            <a:extLst>
-              <a:ext uri="{FF2B5EF4-FFF2-40B4-BE49-F238E27FC236}">
-                <a16:creationId xmlns:a16="http://schemas.microsoft.com/office/drawing/2014/main" id="{138BEE78-C707-5B41-A80E-5942DDE5A9E6}"/>
+          <p:cNvPr id="9" name="Picture 8">
+            <a:extLst>
+              <a:ext uri="{FF2B5EF4-FFF2-40B4-BE49-F238E27FC236}">
+                <a16:creationId xmlns:a16="http://schemas.microsoft.com/office/drawing/2014/main" id="{3242A54C-7FBC-EB47-96A4-5A22A04F9BBB}"/>
               </a:ext>
             </a:extLst>
           </p:cNvPr>
@@ -5317,14 +6212,14 @@
           <p:nvPr/>
         </p:nvPicPr>
         <p:blipFill>
-          <a:blip r:embed="rId3"/>
+          <a:blip r:embed="rId5"/>
           <a:stretch>
             <a:fillRect/>
           </a:stretch>
         </p:blipFill>
         <p:spPr>
           <a:xfrm>
-            <a:off x="8419226" y="749952"/>
+            <a:off x="10782215" y="629594"/>
             <a:ext cx="545962" cy="397742"/>
           </a:xfrm>
           <a:prstGeom prst="rect">
@@ -5334,10 +6229,10 @@
       </p:pic>
       <p:pic>
         <p:nvPicPr>
-          <p:cNvPr id="8" name="Picture 7">
-            <a:extLst>
-              <a:ext uri="{FF2B5EF4-FFF2-40B4-BE49-F238E27FC236}">
-                <a16:creationId xmlns:a16="http://schemas.microsoft.com/office/drawing/2014/main" id="{1B354E9F-6AE6-DB4B-9AFE-075975A8430B}"/>
+          <p:cNvPr id="11" name="Picture 10">
+            <a:extLst>
+              <a:ext uri="{FF2B5EF4-FFF2-40B4-BE49-F238E27FC236}">
+                <a16:creationId xmlns:a16="http://schemas.microsoft.com/office/drawing/2014/main" id="{D17EE725-426F-1440-82A7-3ABC855600A7}"/>
               </a:ext>
             </a:extLst>
           </p:cNvPr>
@@ -5347,14 +6242,14 @@
           <p:nvPr/>
         </p:nvPicPr>
         <p:blipFill rotWithShape="1">
-          <a:blip r:embed="rId5"/>
-          <a:srcRect l="57451" t="11592" r="4059" b="51210"/>
+          <a:blip r:embed="rId6"/>
+          <a:srcRect b="9525"/>
           <a:stretch/>
         </p:blipFill>
         <p:spPr>
           <a:xfrm>
-            <a:off x="9199349" y="5555091"/>
-            <a:ext cx="942721" cy="972422"/>
+            <a:off x="6514817" y="4309660"/>
+            <a:ext cx="2207942" cy="2132082"/>
           </a:xfrm>
           <a:prstGeom prst="rect">
             <a:avLst/>
@@ -5363,10 +6258,10 @@
       </p:pic>
       <p:pic>
         <p:nvPicPr>
-          <p:cNvPr id="11" name="Picture 10">
-            <a:extLst>
-              <a:ext uri="{FF2B5EF4-FFF2-40B4-BE49-F238E27FC236}">
-                <a16:creationId xmlns:a16="http://schemas.microsoft.com/office/drawing/2014/main" id="{CBE12CE6-04EC-1742-A0A3-998B03DFF9E1}"/>
+          <p:cNvPr id="12" name="Picture 11">
+            <a:extLst>
+              <a:ext uri="{FF2B5EF4-FFF2-40B4-BE49-F238E27FC236}">
+                <a16:creationId xmlns:a16="http://schemas.microsoft.com/office/drawing/2014/main" id="{ADC4FDBC-9980-D44E-8E36-F88EE52D16B4}"/>
               </a:ext>
             </a:extLst>
           </p:cNvPr>
@@ -5376,14 +6271,14 @@
           <p:nvPr/>
         </p:nvPicPr>
         <p:blipFill rotWithShape="1">
-          <a:blip r:embed="rId5"/>
-          <a:srcRect b="9525"/>
+          <a:blip r:embed="rId6"/>
+          <a:srcRect l="57451" t="11592" r="4059" b="51210"/>
           <a:stretch/>
         </p:blipFill>
         <p:spPr>
           <a:xfrm>
-            <a:off x="2791521" y="5430644"/>
-            <a:ext cx="1478142" cy="1427356"/>
+            <a:off x="7094177" y="2265672"/>
+            <a:ext cx="942721" cy="972422"/>
           </a:xfrm>
           <a:prstGeom prst="rect">
             <a:avLst/>
@@ -5395,37 +6290,7 @@
           <p:cNvPr id="13" name="Picture 12">
             <a:extLst>
               <a:ext uri="{FF2B5EF4-FFF2-40B4-BE49-F238E27FC236}">
-                <a16:creationId xmlns:a16="http://schemas.microsoft.com/office/drawing/2014/main" id="{CA1692E5-C28A-0F4A-8A95-2BD39E714504}"/>
-              </a:ext>
-            </a:extLst>
-          </p:cNvPr>
-          <p:cNvPicPr>
-            <a:picLocks noChangeAspect="1"/>
-          </p:cNvPicPr>
-          <p:nvPr/>
-        </p:nvPicPr>
-        <p:blipFill>
-          <a:blip r:embed="rId6"/>
-          <a:stretch>
-            <a:fillRect/>
-          </a:stretch>
-        </p:blipFill>
-        <p:spPr>
-          <a:xfrm>
-            <a:off x="6515033" y="2183927"/>
-            <a:ext cx="5497214" cy="3122321"/>
-          </a:xfrm>
-          <a:prstGeom prst="rect">
-            <a:avLst/>
-          </a:prstGeom>
-        </p:spPr>
-      </p:pic>
-      <p:pic>
-        <p:nvPicPr>
-          <p:cNvPr id="4" name="Picture 3">
-            <a:extLst>
-              <a:ext uri="{FF2B5EF4-FFF2-40B4-BE49-F238E27FC236}">
-                <a16:creationId xmlns:a16="http://schemas.microsoft.com/office/drawing/2014/main" id="{72C4040A-A805-B640-B75F-8E83506B366C}"/>
+                <a16:creationId xmlns:a16="http://schemas.microsoft.com/office/drawing/2014/main" id="{17F66FD2-74BD-E744-9CE7-C2C80A572B83}"/>
               </a:ext>
             </a:extLst>
           </p:cNvPr>
@@ -5442,8 +6307,38 @@
         </p:blipFill>
         <p:spPr>
           <a:xfrm>
-            <a:off x="719826" y="2257497"/>
-            <a:ext cx="5367685" cy="3048751"/>
+            <a:off x="688975" y="1434988"/>
+            <a:ext cx="5064396" cy="2647788"/>
+          </a:xfrm>
+          <a:prstGeom prst="rect">
+            <a:avLst/>
+          </a:prstGeom>
+        </p:spPr>
+      </p:pic>
+      <p:pic>
+        <p:nvPicPr>
+          <p:cNvPr id="6" name="Picture 5">
+            <a:extLst>
+              <a:ext uri="{FF2B5EF4-FFF2-40B4-BE49-F238E27FC236}">
+                <a16:creationId xmlns:a16="http://schemas.microsoft.com/office/drawing/2014/main" id="{A71E8F9B-7E7A-CC40-A087-442376868D27}"/>
+              </a:ext>
+            </a:extLst>
+          </p:cNvPr>
+          <p:cNvPicPr>
+            <a:picLocks noChangeAspect="1"/>
+          </p:cNvPicPr>
+          <p:nvPr/>
+        </p:nvPicPr>
+        <p:blipFill>
+          <a:blip r:embed="rId8"/>
+          <a:stretch>
+            <a:fillRect/>
+          </a:stretch>
+        </p:blipFill>
+        <p:spPr>
+          <a:xfrm>
+            <a:off x="689177" y="4152221"/>
+            <a:ext cx="5064193" cy="2647682"/>
           </a:xfrm>
           <a:prstGeom prst="rect">
             <a:avLst/>
@@ -5453,7 +6348,7 @@
     </p:spTree>
     <p:extLst>
       <p:ext uri="{BB962C8B-B14F-4D97-AF65-F5344CB8AC3E}">
-        <p14:creationId xmlns:p14="http://schemas.microsoft.com/office/powerpoint/2010/main" val="1328961298"/>
+        <p14:creationId xmlns:p14="http://schemas.microsoft.com/office/powerpoint/2010/main" val="1836044456"/>
       </p:ext>
     </p:extLst>
   </p:cSld>
@@ -5485,7 +6380,7 @@
           <p:cNvPr id="2" name="Title 1">
             <a:extLst>
               <a:ext uri="{FF2B5EF4-FFF2-40B4-BE49-F238E27FC236}">
-                <a16:creationId xmlns:a16="http://schemas.microsoft.com/office/drawing/2014/main" id="{CED2EEDA-544A-BA43-9936-A4E5D4B4D9C1}"/>
+                <a16:creationId xmlns:a16="http://schemas.microsoft.com/office/drawing/2014/main" id="{AC221868-9534-4542-821E-E8FBEFAB7B1F}"/>
               </a:ext>
             </a:extLst>
           </p:cNvPr>
@@ -5496,266 +6391,51 @@
             <p:ph type="title"/>
           </p:nvPr>
         </p:nvSpPr>
-        <p:spPr>
-          <a:xfrm>
-            <a:off x="838200" y="321013"/>
-            <a:ext cx="6106751" cy="1369675"/>
-          </a:xfrm>
-        </p:spPr>
-        <p:txBody>
-          <a:bodyPr>
-            <a:normAutofit/>
-          </a:bodyPr>
+        <p:spPr/>
+        <p:txBody>
+          <a:bodyPr/>
           <a:lstStyle/>
           <a:p>
             <a:r>
-              <a:rPr lang="en-US" sz="3200" dirty="0"/>
-              <a:t>Different subject, different task</a:t>
-            </a:r>
-          </a:p>
-        </p:txBody>
-      </p:sp>
-      <p:pic>
-        <p:nvPicPr>
-          <p:cNvPr id="4" name="Picture 3">
-            <a:extLst>
-              <a:ext uri="{FF2B5EF4-FFF2-40B4-BE49-F238E27FC236}">
-                <a16:creationId xmlns:a16="http://schemas.microsoft.com/office/drawing/2014/main" id="{F8848854-FD01-884D-B033-A75C34C5C680}"/>
-              </a:ext>
-            </a:extLst>
-          </p:cNvPr>
-          <p:cNvPicPr>
-            <a:picLocks noChangeAspect="1"/>
-          </p:cNvPicPr>
-          <p:nvPr/>
-        </p:nvPicPr>
-        <p:blipFill>
-          <a:blip r:embed="rId2"/>
-          <a:stretch>
-            <a:fillRect/>
-          </a:stretch>
-        </p:blipFill>
-        <p:spPr>
-          <a:xfrm>
-            <a:off x="6236439" y="321013"/>
-            <a:ext cx="2515599" cy="1252943"/>
-          </a:xfrm>
-          <a:prstGeom prst="rect">
-            <a:avLst/>
-          </a:prstGeom>
-        </p:spPr>
-      </p:pic>
-      <p:pic>
-        <p:nvPicPr>
-          <p:cNvPr id="5" name="Picture 4">
-            <a:extLst>
-              <a:ext uri="{FF2B5EF4-FFF2-40B4-BE49-F238E27FC236}">
-                <a16:creationId xmlns:a16="http://schemas.microsoft.com/office/drawing/2014/main" id="{E9552F7D-EB1C-0148-BA65-B32144D746EE}"/>
-              </a:ext>
-            </a:extLst>
-          </p:cNvPr>
-          <p:cNvPicPr>
-            <a:picLocks noChangeAspect="1"/>
-          </p:cNvPicPr>
-          <p:nvPr/>
-        </p:nvPicPr>
-        <p:blipFill>
-          <a:blip r:embed="rId3"/>
-          <a:stretch>
-            <a:fillRect/>
-          </a:stretch>
-        </p:blipFill>
-        <p:spPr>
-          <a:xfrm>
-            <a:off x="6514817" y="629594"/>
-            <a:ext cx="579360" cy="559458"/>
-          </a:xfrm>
-          <a:prstGeom prst="rect">
-            <a:avLst/>
-          </a:prstGeom>
-        </p:spPr>
-      </p:pic>
-      <p:pic>
-        <p:nvPicPr>
-          <p:cNvPr id="8" name="Picture 7">
-            <a:extLst>
-              <a:ext uri="{FF2B5EF4-FFF2-40B4-BE49-F238E27FC236}">
-                <a16:creationId xmlns:a16="http://schemas.microsoft.com/office/drawing/2014/main" id="{1EF11236-C44F-6948-80AC-E2B1B7DD6D76}"/>
-              </a:ext>
-            </a:extLst>
-          </p:cNvPr>
-          <p:cNvPicPr>
-            <a:picLocks noChangeAspect="1"/>
-          </p:cNvPicPr>
-          <p:nvPr/>
-        </p:nvPicPr>
-        <p:blipFill rotWithShape="1">
-          <a:blip r:embed="rId4"/>
-          <a:srcRect l="1297" t="8770" r="5594"/>
-          <a:stretch/>
-        </p:blipFill>
-        <p:spPr>
-          <a:xfrm>
-            <a:off x="9235107" y="321013"/>
-            <a:ext cx="2391522" cy="1197379"/>
-          </a:xfrm>
-          <a:prstGeom prst="rect">
-            <a:avLst/>
-          </a:prstGeom>
-        </p:spPr>
-      </p:pic>
-      <p:pic>
-        <p:nvPicPr>
-          <p:cNvPr id="9" name="Picture 8">
-            <a:extLst>
-              <a:ext uri="{FF2B5EF4-FFF2-40B4-BE49-F238E27FC236}">
-                <a16:creationId xmlns:a16="http://schemas.microsoft.com/office/drawing/2014/main" id="{3242A54C-7FBC-EB47-96A4-5A22A04F9BBB}"/>
-              </a:ext>
-            </a:extLst>
-          </p:cNvPr>
-          <p:cNvPicPr>
-            <a:picLocks noChangeAspect="1"/>
-          </p:cNvPicPr>
-          <p:nvPr/>
-        </p:nvPicPr>
-        <p:blipFill>
-          <a:blip r:embed="rId5"/>
-          <a:stretch>
-            <a:fillRect/>
-          </a:stretch>
-        </p:blipFill>
-        <p:spPr>
-          <a:xfrm>
-            <a:off x="10782215" y="629594"/>
-            <a:ext cx="545962" cy="397742"/>
-          </a:xfrm>
-          <a:prstGeom prst="rect">
-            <a:avLst/>
-          </a:prstGeom>
-        </p:spPr>
-      </p:pic>
-      <p:pic>
-        <p:nvPicPr>
-          <p:cNvPr id="11" name="Picture 10">
-            <a:extLst>
-              <a:ext uri="{FF2B5EF4-FFF2-40B4-BE49-F238E27FC236}">
-                <a16:creationId xmlns:a16="http://schemas.microsoft.com/office/drawing/2014/main" id="{D17EE725-426F-1440-82A7-3ABC855600A7}"/>
-              </a:ext>
-            </a:extLst>
-          </p:cNvPr>
-          <p:cNvPicPr>
-            <a:picLocks noChangeAspect="1"/>
-          </p:cNvPicPr>
-          <p:nvPr/>
-        </p:nvPicPr>
-        <p:blipFill rotWithShape="1">
-          <a:blip r:embed="rId6"/>
-          <a:srcRect b="9525"/>
-          <a:stretch/>
-        </p:blipFill>
-        <p:spPr>
-          <a:xfrm>
-            <a:off x="6514817" y="4309660"/>
-            <a:ext cx="2207942" cy="2132082"/>
-          </a:xfrm>
-          <a:prstGeom prst="rect">
-            <a:avLst/>
-          </a:prstGeom>
-        </p:spPr>
-      </p:pic>
-      <p:pic>
-        <p:nvPicPr>
-          <p:cNvPr id="12" name="Picture 11">
-            <a:extLst>
-              <a:ext uri="{FF2B5EF4-FFF2-40B4-BE49-F238E27FC236}">
-                <a16:creationId xmlns:a16="http://schemas.microsoft.com/office/drawing/2014/main" id="{ADC4FDBC-9980-D44E-8E36-F88EE52D16B4}"/>
-              </a:ext>
-            </a:extLst>
-          </p:cNvPr>
-          <p:cNvPicPr>
-            <a:picLocks noChangeAspect="1"/>
-          </p:cNvPicPr>
-          <p:nvPr/>
-        </p:nvPicPr>
-        <p:blipFill rotWithShape="1">
-          <a:blip r:embed="rId6"/>
-          <a:srcRect l="57451" t="11592" r="4059" b="51210"/>
-          <a:stretch/>
-        </p:blipFill>
-        <p:spPr>
-          <a:xfrm>
-            <a:off x="7094177" y="2265672"/>
-            <a:ext cx="942721" cy="972422"/>
-          </a:xfrm>
-          <a:prstGeom prst="rect">
-            <a:avLst/>
-          </a:prstGeom>
-        </p:spPr>
-      </p:pic>
-      <p:pic>
-        <p:nvPicPr>
-          <p:cNvPr id="13" name="Picture 12">
-            <a:extLst>
-              <a:ext uri="{FF2B5EF4-FFF2-40B4-BE49-F238E27FC236}">
-                <a16:creationId xmlns:a16="http://schemas.microsoft.com/office/drawing/2014/main" id="{17F66FD2-74BD-E744-9CE7-C2C80A572B83}"/>
-              </a:ext>
-            </a:extLst>
-          </p:cNvPr>
-          <p:cNvPicPr>
-            <a:picLocks noChangeAspect="1"/>
-          </p:cNvPicPr>
-          <p:nvPr/>
-        </p:nvPicPr>
-        <p:blipFill>
-          <a:blip r:embed="rId7"/>
-          <a:stretch>
-            <a:fillRect/>
-          </a:stretch>
-        </p:blipFill>
-        <p:spPr>
-          <a:xfrm>
-            <a:off x="688975" y="1434988"/>
-            <a:ext cx="5064396" cy="2647788"/>
-          </a:xfrm>
-          <a:prstGeom prst="rect">
-            <a:avLst/>
-          </a:prstGeom>
-        </p:spPr>
-      </p:pic>
-      <p:pic>
-        <p:nvPicPr>
-          <p:cNvPr id="6" name="Picture 5">
-            <a:extLst>
-              <a:ext uri="{FF2B5EF4-FFF2-40B4-BE49-F238E27FC236}">
-                <a16:creationId xmlns:a16="http://schemas.microsoft.com/office/drawing/2014/main" id="{A71E8F9B-7E7A-CC40-A087-442376868D27}"/>
-              </a:ext>
-            </a:extLst>
-          </p:cNvPr>
-          <p:cNvPicPr>
-            <a:picLocks noChangeAspect="1"/>
-          </p:cNvPicPr>
-          <p:nvPr/>
-        </p:nvPicPr>
-        <p:blipFill>
-          <a:blip r:embed="rId8"/>
-          <a:stretch>
-            <a:fillRect/>
-          </a:stretch>
-        </p:blipFill>
-        <p:spPr>
-          <a:xfrm>
-            <a:off x="689177" y="4152221"/>
-            <a:ext cx="5064193" cy="2647682"/>
-          </a:xfrm>
-          <a:prstGeom prst="rect">
-            <a:avLst/>
-          </a:prstGeom>
-        </p:spPr>
-      </p:pic>
+              <a:rPr lang="en-US" dirty="0" err="1"/>
+              <a:t>Hyperalignment</a:t>
+            </a:r>
+            <a:endParaRPr lang="en-US" dirty="0"/>
+          </a:p>
+        </p:txBody>
+      </p:sp>
+      <p:sp>
+        <p:nvSpPr>
+          <p:cNvPr id="3" name="Content Placeholder 2">
+            <a:extLst>
+              <a:ext uri="{FF2B5EF4-FFF2-40B4-BE49-F238E27FC236}">
+                <a16:creationId xmlns:a16="http://schemas.microsoft.com/office/drawing/2014/main" id="{55EA0592-23F2-E64E-B75D-880BC33EE76F}"/>
+              </a:ext>
+            </a:extLst>
+          </p:cNvPr>
+          <p:cNvSpPr>
+            <a:spLocks noGrp="1"/>
+          </p:cNvSpPr>
+          <p:nvPr>
+            <p:ph idx="1"/>
+          </p:nvPr>
+        </p:nvSpPr>
+        <p:spPr/>
+        <p:txBody>
+          <a:bodyPr/>
+          <a:lstStyle/>
+          <a:p>
+            <a:r>
+              <a:rPr lang="en-US" dirty="0"/>
+              <a:t>Within subject within task</a:t>
+            </a:r>
+          </a:p>
+        </p:txBody>
+      </p:sp>
     </p:spTree>
     <p:extLst>
       <p:ext uri="{BB962C8B-B14F-4D97-AF65-F5344CB8AC3E}">
-        <p14:creationId xmlns:p14="http://schemas.microsoft.com/office/powerpoint/2010/main" val="1836044456"/>
+        <p14:creationId xmlns:p14="http://schemas.microsoft.com/office/powerpoint/2010/main" val="1463749554"/>
       </p:ext>
     </p:extLst>
   </p:cSld>
@@ -5787,7 +6467,7 @@
           <p:cNvPr id="2" name="Title 1">
             <a:extLst>
               <a:ext uri="{FF2B5EF4-FFF2-40B4-BE49-F238E27FC236}">
-                <a16:creationId xmlns:a16="http://schemas.microsoft.com/office/drawing/2014/main" id="{AC221868-9534-4542-821E-E8FBEFAB7B1F}"/>
+                <a16:creationId xmlns:a16="http://schemas.microsoft.com/office/drawing/2014/main" id="{D8B3184E-3903-284A-B2E9-672CE705752C}"/>
               </a:ext>
             </a:extLst>
           </p:cNvPr>
@@ -5804,45 +6484,76 @@
           <a:lstStyle/>
           <a:p>
             <a:r>
-              <a:rPr lang="en-US" dirty="0" err="1"/>
-              <a:t>Hyperalignment</a:t>
-            </a:r>
-            <a:endParaRPr lang="en-US" dirty="0"/>
-          </a:p>
-        </p:txBody>
-      </p:sp>
-      <p:sp>
-        <p:nvSpPr>
-          <p:cNvPr id="3" name="Content Placeholder 2">
-            <a:extLst>
-              <a:ext uri="{FF2B5EF4-FFF2-40B4-BE49-F238E27FC236}">
-                <a16:creationId xmlns:a16="http://schemas.microsoft.com/office/drawing/2014/main" id="{55EA0592-23F2-E64E-B75D-880BC33EE76F}"/>
-              </a:ext>
-            </a:extLst>
-          </p:cNvPr>
-          <p:cNvSpPr>
-            <a:spLocks noGrp="1"/>
-          </p:cNvSpPr>
-          <p:nvPr>
-            <p:ph idx="1"/>
-          </p:nvPr>
-        </p:nvSpPr>
-        <p:spPr/>
-        <p:txBody>
-          <a:bodyPr/>
-          <a:lstStyle/>
-          <a:p>
-            <a:r>
               <a:rPr lang="en-US" dirty="0"/>
-              <a:t>Within subject within task</a:t>
-            </a:r>
-          </a:p>
-        </p:txBody>
-      </p:sp>
+              <a:t>Cross-validation</a:t>
+            </a:r>
+          </a:p>
+        </p:txBody>
+      </p:sp>
+      <p:pic>
+        <p:nvPicPr>
+          <p:cNvPr id="6" name="Picture 5">
+            <a:extLst>
+              <a:ext uri="{FF2B5EF4-FFF2-40B4-BE49-F238E27FC236}">
+                <a16:creationId xmlns:a16="http://schemas.microsoft.com/office/drawing/2014/main" id="{69787804-C161-B546-8720-2BF38ADE039E}"/>
+              </a:ext>
+            </a:extLst>
+          </p:cNvPr>
+          <p:cNvPicPr>
+            <a:picLocks noChangeAspect="1"/>
+          </p:cNvPicPr>
+          <p:nvPr/>
+        </p:nvPicPr>
+        <p:blipFill>
+          <a:blip r:embed="rId2"/>
+          <a:stretch>
+            <a:fillRect/>
+          </a:stretch>
+        </p:blipFill>
+        <p:spPr>
+          <a:xfrm>
+            <a:off x="7635178" y="0"/>
+            <a:ext cx="4387860" cy="2465197"/>
+          </a:xfrm>
+          <a:prstGeom prst="rect">
+            <a:avLst/>
+          </a:prstGeom>
+        </p:spPr>
+      </p:pic>
+      <p:pic>
+        <p:nvPicPr>
+          <p:cNvPr id="4" name="Picture 3">
+            <a:extLst>
+              <a:ext uri="{FF2B5EF4-FFF2-40B4-BE49-F238E27FC236}">
+                <a16:creationId xmlns:a16="http://schemas.microsoft.com/office/drawing/2014/main" id="{578BC3F6-6CC9-AF48-907F-09B07F50D6B7}"/>
+              </a:ext>
+            </a:extLst>
+          </p:cNvPr>
+          <p:cNvPicPr>
+            <a:picLocks noChangeAspect="1"/>
+          </p:cNvPicPr>
+          <p:nvPr/>
+        </p:nvPicPr>
+        <p:blipFill>
+          <a:blip r:embed="rId3"/>
+          <a:stretch>
+            <a:fillRect/>
+          </a:stretch>
+        </p:blipFill>
+        <p:spPr>
+          <a:xfrm>
+            <a:off x="635619" y="2250775"/>
+            <a:ext cx="7356398" cy="4132987"/>
+          </a:xfrm>
+          <a:prstGeom prst="rect">
+            <a:avLst/>
+          </a:prstGeom>
+        </p:spPr>
+      </p:pic>
     </p:spTree>
     <p:extLst>
       <p:ext uri="{BB962C8B-B14F-4D97-AF65-F5344CB8AC3E}">
-        <p14:creationId xmlns:p14="http://schemas.microsoft.com/office/powerpoint/2010/main" val="1463749554"/>
+        <p14:creationId xmlns:p14="http://schemas.microsoft.com/office/powerpoint/2010/main" val="3300908807"/>
       </p:ext>
     </p:extLst>
   </p:cSld>
@@ -5874,7 +6585,7 @@
           <p:cNvPr id="2" name="Title 1">
             <a:extLst>
               <a:ext uri="{FF2B5EF4-FFF2-40B4-BE49-F238E27FC236}">
-                <a16:creationId xmlns:a16="http://schemas.microsoft.com/office/drawing/2014/main" id="{D8B3184E-3903-284A-B2E9-672CE705752C}"/>
+                <a16:creationId xmlns:a16="http://schemas.microsoft.com/office/drawing/2014/main" id="{FC48A37C-284F-7449-9573-DC2898CAF457}"/>
               </a:ext>
             </a:extLst>
           </p:cNvPr>
@@ -5887,22 +6598,24 @@
         </p:nvSpPr>
         <p:spPr/>
         <p:txBody>
-          <a:bodyPr/>
+          <a:bodyPr>
+            <a:normAutofit/>
+          </a:bodyPr>
           <a:lstStyle/>
           <a:p>
             <a:r>
-              <a:rPr lang="en-US" dirty="0"/>
-              <a:t>Cross-validation</a:t>
+              <a:rPr lang="en-US" sz="3200" dirty="0"/>
+              <a:t>Same Subject, Between Task</a:t>
             </a:r>
           </a:p>
         </p:txBody>
       </p:sp>
       <p:pic>
         <p:nvPicPr>
-          <p:cNvPr id="6" name="Picture 5">
-            <a:extLst>
-              <a:ext uri="{FF2B5EF4-FFF2-40B4-BE49-F238E27FC236}">
-                <a16:creationId xmlns:a16="http://schemas.microsoft.com/office/drawing/2014/main" id="{69787804-C161-B546-8720-2BF38ADE039E}"/>
+          <p:cNvPr id="4" name="Picture 3">
+            <a:extLst>
+              <a:ext uri="{FF2B5EF4-FFF2-40B4-BE49-F238E27FC236}">
+                <a16:creationId xmlns:a16="http://schemas.microsoft.com/office/drawing/2014/main" id="{F4558B89-2EF2-524C-A485-252BD1E5140D}"/>
               </a:ext>
             </a:extLst>
           </p:cNvPr>
@@ -5919,8 +6632,8 @@
         </p:blipFill>
         <p:spPr>
           <a:xfrm>
-            <a:off x="7635178" y="0"/>
-            <a:ext cx="4387860" cy="2465197"/>
+            <a:off x="6463982" y="365125"/>
+            <a:ext cx="2303255" cy="1147181"/>
           </a:xfrm>
           <a:prstGeom prst="rect">
             <a:avLst/>
@@ -5929,10 +6642,10 @@
       </p:pic>
       <p:pic>
         <p:nvPicPr>
-          <p:cNvPr id="4" name="Picture 3">
-            <a:extLst>
-              <a:ext uri="{FF2B5EF4-FFF2-40B4-BE49-F238E27FC236}">
-                <a16:creationId xmlns:a16="http://schemas.microsoft.com/office/drawing/2014/main" id="{578BC3F6-6CC9-AF48-907F-09B07F50D6B7}"/>
+          <p:cNvPr id="5" name="Picture 4">
+            <a:extLst>
+              <a:ext uri="{FF2B5EF4-FFF2-40B4-BE49-F238E27FC236}">
+                <a16:creationId xmlns:a16="http://schemas.microsoft.com/office/drawing/2014/main" id="{68374BEB-60DD-F449-A53B-731FC931615D}"/>
               </a:ext>
             </a:extLst>
           </p:cNvPr>
@@ -5949,8 +6662,128 @@
         </p:blipFill>
         <p:spPr>
           <a:xfrm>
-            <a:off x="635619" y="2250775"/>
-            <a:ext cx="7356398" cy="4132987"/>
+            <a:off x="6734707" y="631525"/>
+            <a:ext cx="579360" cy="559458"/>
+          </a:xfrm>
+          <a:prstGeom prst="rect">
+            <a:avLst/>
+          </a:prstGeom>
+        </p:spPr>
+      </p:pic>
+      <p:pic>
+        <p:nvPicPr>
+          <p:cNvPr id="6" name="Picture 5">
+            <a:extLst>
+              <a:ext uri="{FF2B5EF4-FFF2-40B4-BE49-F238E27FC236}">
+                <a16:creationId xmlns:a16="http://schemas.microsoft.com/office/drawing/2014/main" id="{6828A4C0-2940-0A44-8CD0-E468F0EF01A2}"/>
+              </a:ext>
+            </a:extLst>
+          </p:cNvPr>
+          <p:cNvPicPr>
+            <a:picLocks noChangeAspect="1"/>
+          </p:cNvPicPr>
+          <p:nvPr/>
+        </p:nvPicPr>
+        <p:blipFill>
+          <a:blip r:embed="rId2"/>
+          <a:stretch>
+            <a:fillRect/>
+          </a:stretch>
+        </p:blipFill>
+        <p:spPr>
+          <a:xfrm>
+            <a:off x="9050545" y="365125"/>
+            <a:ext cx="2303255" cy="1147181"/>
+          </a:xfrm>
+          <a:prstGeom prst="rect">
+            <a:avLst/>
+          </a:prstGeom>
+        </p:spPr>
+      </p:pic>
+      <p:pic>
+        <p:nvPicPr>
+          <p:cNvPr id="7" name="Picture 6">
+            <a:extLst>
+              <a:ext uri="{FF2B5EF4-FFF2-40B4-BE49-F238E27FC236}">
+                <a16:creationId xmlns:a16="http://schemas.microsoft.com/office/drawing/2014/main" id="{4735149F-6565-B540-818C-4D4214AF6A7B}"/>
+              </a:ext>
+            </a:extLst>
+          </p:cNvPr>
+          <p:cNvPicPr>
+            <a:picLocks noChangeAspect="1"/>
+          </p:cNvPicPr>
+          <p:nvPr/>
+        </p:nvPicPr>
+        <p:blipFill>
+          <a:blip r:embed="rId4"/>
+          <a:stretch>
+            <a:fillRect/>
+          </a:stretch>
+        </p:blipFill>
+        <p:spPr>
+          <a:xfrm>
+            <a:off x="9372902" y="669432"/>
+            <a:ext cx="545962" cy="397742"/>
+          </a:xfrm>
+          <a:prstGeom prst="rect">
+            <a:avLst/>
+          </a:prstGeom>
+        </p:spPr>
+      </p:pic>
+      <p:pic>
+        <p:nvPicPr>
+          <p:cNvPr id="8" name="Picture 7">
+            <a:extLst>
+              <a:ext uri="{FF2B5EF4-FFF2-40B4-BE49-F238E27FC236}">
+                <a16:creationId xmlns:a16="http://schemas.microsoft.com/office/drawing/2014/main" id="{FF5D8ADF-E922-DE48-98E2-B53AE31A6FFD}"/>
+              </a:ext>
+            </a:extLst>
+          </p:cNvPr>
+          <p:cNvPicPr>
+            <a:picLocks noChangeAspect="1"/>
+          </p:cNvPicPr>
+          <p:nvPr/>
+        </p:nvPicPr>
+        <p:blipFill>
+          <a:blip r:embed="rId5"/>
+          <a:stretch>
+            <a:fillRect/>
+          </a:stretch>
+        </p:blipFill>
+        <p:spPr>
+          <a:xfrm>
+            <a:off x="1705846" y="3492492"/>
+            <a:ext cx="10374350" cy="3365508"/>
+          </a:xfrm>
+          <a:prstGeom prst="rect">
+            <a:avLst/>
+          </a:prstGeom>
+        </p:spPr>
+      </p:pic>
+      <p:pic>
+        <p:nvPicPr>
+          <p:cNvPr id="9" name="Picture 8">
+            <a:extLst>
+              <a:ext uri="{FF2B5EF4-FFF2-40B4-BE49-F238E27FC236}">
+                <a16:creationId xmlns:a16="http://schemas.microsoft.com/office/drawing/2014/main" id="{74664487-29EF-FE4B-994F-7C10C18DD9E4}"/>
+              </a:ext>
+            </a:extLst>
+          </p:cNvPr>
+          <p:cNvPicPr>
+            <a:picLocks noChangeAspect="1"/>
+          </p:cNvPicPr>
+          <p:nvPr/>
+        </p:nvPicPr>
+        <p:blipFill>
+          <a:blip r:embed="rId6"/>
+          <a:stretch>
+            <a:fillRect/>
+          </a:stretch>
+        </p:blipFill>
+        <p:spPr>
+          <a:xfrm>
+            <a:off x="78059" y="1331361"/>
+            <a:ext cx="6180674" cy="2005051"/>
           </a:xfrm>
           <a:prstGeom prst="rect">
             <a:avLst/>
@@ -5960,7 +6793,7 @@
     </p:spTree>
     <p:extLst>
       <p:ext uri="{BB962C8B-B14F-4D97-AF65-F5344CB8AC3E}">
-        <p14:creationId xmlns:p14="http://schemas.microsoft.com/office/powerpoint/2010/main" val="3300908807"/>
+        <p14:creationId xmlns:p14="http://schemas.microsoft.com/office/powerpoint/2010/main" val="564593858"/>
       </p:ext>
     </p:extLst>
   </p:cSld>
@@ -6147,7 +6980,7 @@
         </p:blipFill>
         <p:spPr>
           <a:xfrm>
-            <a:off x="295200" y="3454653"/>
+            <a:off x="508954" y="3454653"/>
             <a:ext cx="2462563" cy="1163066"/>
           </a:xfrm>
           <a:prstGeom prst="rect">
@@ -6177,7 +7010,7 @@
         </p:blipFill>
         <p:spPr>
           <a:xfrm>
-            <a:off x="1842308" y="3728921"/>
+            <a:off x="2079813" y="3728921"/>
             <a:ext cx="545962" cy="397742"/>
           </a:xfrm>
           <a:prstGeom prst="rect">
@@ -6237,7 +7070,7 @@
         </p:blipFill>
         <p:spPr>
           <a:xfrm>
-            <a:off x="676397" y="5480350"/>
+            <a:off x="498267" y="5480350"/>
             <a:ext cx="2303255" cy="1147181"/>
           </a:xfrm>
           <a:prstGeom prst="rect">
@@ -6267,7 +7100,7 @@
         </p:blipFill>
         <p:spPr>
           <a:xfrm>
-            <a:off x="947122" y="5707350"/>
+            <a:off x="768992" y="5707350"/>
             <a:ext cx="579360" cy="559458"/>
           </a:xfrm>
           <a:prstGeom prst="rect">
@@ -6297,7 +7130,7 @@
         </p:blipFill>
         <p:spPr>
           <a:xfrm>
-            <a:off x="2851431" y="3408307"/>
+            <a:off x="3065185" y="3408307"/>
             <a:ext cx="2303255" cy="1147181"/>
           </a:xfrm>
           <a:prstGeom prst="rect">
@@ -6327,7 +7160,7 @@
         </p:blipFill>
         <p:spPr>
           <a:xfrm>
-            <a:off x="3134739" y="3728921"/>
+            <a:off x="3348493" y="3728921"/>
             <a:ext cx="545962" cy="397742"/>
           </a:xfrm>
           <a:prstGeom prst="rect">
@@ -6416,7 +7249,7 @@
         </p:blipFill>
         <p:spPr>
           <a:xfrm>
-            <a:off x="3336174" y="5480350"/>
+            <a:off x="3158044" y="5480350"/>
             <a:ext cx="2462563" cy="1163066"/>
           </a:xfrm>
           <a:prstGeom prst="rect">
@@ -6446,7 +7279,7 @@
         </p:blipFill>
         <p:spPr>
           <a:xfrm>
-            <a:off x="4883282" y="5754618"/>
+            <a:off x="4705152" y="5754618"/>
             <a:ext cx="545962" cy="397742"/>
           </a:xfrm>
           <a:prstGeom prst="rect">
@@ -6489,246 +7322,6 @@
           <p:cNvPr id="2" name="Title 1">
             <a:extLst>
               <a:ext uri="{FF2B5EF4-FFF2-40B4-BE49-F238E27FC236}">
-                <a16:creationId xmlns:a16="http://schemas.microsoft.com/office/drawing/2014/main" id="{FC48A37C-284F-7449-9573-DC2898CAF457}"/>
-              </a:ext>
-            </a:extLst>
-          </p:cNvPr>
-          <p:cNvSpPr>
-            <a:spLocks noGrp="1"/>
-          </p:cNvSpPr>
-          <p:nvPr>
-            <p:ph type="title"/>
-          </p:nvPr>
-        </p:nvSpPr>
-        <p:spPr/>
-        <p:txBody>
-          <a:bodyPr>
-            <a:normAutofit/>
-          </a:bodyPr>
-          <a:lstStyle/>
-          <a:p>
-            <a:r>
-              <a:rPr lang="en-US" sz="3200" dirty="0"/>
-              <a:t>Same Subject, Between Task</a:t>
-            </a:r>
-          </a:p>
-        </p:txBody>
-      </p:sp>
-      <p:pic>
-        <p:nvPicPr>
-          <p:cNvPr id="4" name="Picture 3">
-            <a:extLst>
-              <a:ext uri="{FF2B5EF4-FFF2-40B4-BE49-F238E27FC236}">
-                <a16:creationId xmlns:a16="http://schemas.microsoft.com/office/drawing/2014/main" id="{F4558B89-2EF2-524C-A485-252BD1E5140D}"/>
-              </a:ext>
-            </a:extLst>
-          </p:cNvPr>
-          <p:cNvPicPr>
-            <a:picLocks noChangeAspect="1"/>
-          </p:cNvPicPr>
-          <p:nvPr/>
-        </p:nvPicPr>
-        <p:blipFill>
-          <a:blip r:embed="rId2"/>
-          <a:stretch>
-            <a:fillRect/>
-          </a:stretch>
-        </p:blipFill>
-        <p:spPr>
-          <a:xfrm>
-            <a:off x="6463982" y="365125"/>
-            <a:ext cx="2303255" cy="1147181"/>
-          </a:xfrm>
-          <a:prstGeom prst="rect">
-            <a:avLst/>
-          </a:prstGeom>
-        </p:spPr>
-      </p:pic>
-      <p:pic>
-        <p:nvPicPr>
-          <p:cNvPr id="5" name="Picture 4">
-            <a:extLst>
-              <a:ext uri="{FF2B5EF4-FFF2-40B4-BE49-F238E27FC236}">
-                <a16:creationId xmlns:a16="http://schemas.microsoft.com/office/drawing/2014/main" id="{68374BEB-60DD-F449-A53B-731FC931615D}"/>
-              </a:ext>
-            </a:extLst>
-          </p:cNvPr>
-          <p:cNvPicPr>
-            <a:picLocks noChangeAspect="1"/>
-          </p:cNvPicPr>
-          <p:nvPr/>
-        </p:nvPicPr>
-        <p:blipFill>
-          <a:blip r:embed="rId3"/>
-          <a:stretch>
-            <a:fillRect/>
-          </a:stretch>
-        </p:blipFill>
-        <p:spPr>
-          <a:xfrm>
-            <a:off x="6734707" y="631525"/>
-            <a:ext cx="579360" cy="559458"/>
-          </a:xfrm>
-          <a:prstGeom prst="rect">
-            <a:avLst/>
-          </a:prstGeom>
-        </p:spPr>
-      </p:pic>
-      <p:pic>
-        <p:nvPicPr>
-          <p:cNvPr id="6" name="Picture 5">
-            <a:extLst>
-              <a:ext uri="{FF2B5EF4-FFF2-40B4-BE49-F238E27FC236}">
-                <a16:creationId xmlns:a16="http://schemas.microsoft.com/office/drawing/2014/main" id="{6828A4C0-2940-0A44-8CD0-E468F0EF01A2}"/>
-              </a:ext>
-            </a:extLst>
-          </p:cNvPr>
-          <p:cNvPicPr>
-            <a:picLocks noChangeAspect="1"/>
-          </p:cNvPicPr>
-          <p:nvPr/>
-        </p:nvPicPr>
-        <p:blipFill>
-          <a:blip r:embed="rId2"/>
-          <a:stretch>
-            <a:fillRect/>
-          </a:stretch>
-        </p:blipFill>
-        <p:spPr>
-          <a:xfrm>
-            <a:off x="9050545" y="365125"/>
-            <a:ext cx="2303255" cy="1147181"/>
-          </a:xfrm>
-          <a:prstGeom prst="rect">
-            <a:avLst/>
-          </a:prstGeom>
-        </p:spPr>
-      </p:pic>
-      <p:pic>
-        <p:nvPicPr>
-          <p:cNvPr id="7" name="Picture 6">
-            <a:extLst>
-              <a:ext uri="{FF2B5EF4-FFF2-40B4-BE49-F238E27FC236}">
-                <a16:creationId xmlns:a16="http://schemas.microsoft.com/office/drawing/2014/main" id="{4735149F-6565-B540-818C-4D4214AF6A7B}"/>
-              </a:ext>
-            </a:extLst>
-          </p:cNvPr>
-          <p:cNvPicPr>
-            <a:picLocks noChangeAspect="1"/>
-          </p:cNvPicPr>
-          <p:nvPr/>
-        </p:nvPicPr>
-        <p:blipFill>
-          <a:blip r:embed="rId4"/>
-          <a:stretch>
-            <a:fillRect/>
-          </a:stretch>
-        </p:blipFill>
-        <p:spPr>
-          <a:xfrm>
-            <a:off x="9372902" y="669432"/>
-            <a:ext cx="545962" cy="397742"/>
-          </a:xfrm>
-          <a:prstGeom prst="rect">
-            <a:avLst/>
-          </a:prstGeom>
-        </p:spPr>
-      </p:pic>
-      <p:pic>
-        <p:nvPicPr>
-          <p:cNvPr id="8" name="Picture 7">
-            <a:extLst>
-              <a:ext uri="{FF2B5EF4-FFF2-40B4-BE49-F238E27FC236}">
-                <a16:creationId xmlns:a16="http://schemas.microsoft.com/office/drawing/2014/main" id="{FF5D8ADF-E922-DE48-98E2-B53AE31A6FFD}"/>
-              </a:ext>
-            </a:extLst>
-          </p:cNvPr>
-          <p:cNvPicPr>
-            <a:picLocks noChangeAspect="1"/>
-          </p:cNvPicPr>
-          <p:nvPr/>
-        </p:nvPicPr>
-        <p:blipFill>
-          <a:blip r:embed="rId5"/>
-          <a:stretch>
-            <a:fillRect/>
-          </a:stretch>
-        </p:blipFill>
-        <p:spPr>
-          <a:xfrm>
-            <a:off x="1705846" y="3492492"/>
-            <a:ext cx="10374350" cy="3365508"/>
-          </a:xfrm>
-          <a:prstGeom prst="rect">
-            <a:avLst/>
-          </a:prstGeom>
-        </p:spPr>
-      </p:pic>
-      <p:pic>
-        <p:nvPicPr>
-          <p:cNvPr id="9" name="Picture 8">
-            <a:extLst>
-              <a:ext uri="{FF2B5EF4-FFF2-40B4-BE49-F238E27FC236}">
-                <a16:creationId xmlns:a16="http://schemas.microsoft.com/office/drawing/2014/main" id="{74664487-29EF-FE4B-994F-7C10C18DD9E4}"/>
-              </a:ext>
-            </a:extLst>
-          </p:cNvPr>
-          <p:cNvPicPr>
-            <a:picLocks noChangeAspect="1"/>
-          </p:cNvPicPr>
-          <p:nvPr/>
-        </p:nvPicPr>
-        <p:blipFill>
-          <a:blip r:embed="rId6"/>
-          <a:stretch>
-            <a:fillRect/>
-          </a:stretch>
-        </p:blipFill>
-        <p:spPr>
-          <a:xfrm>
-            <a:off x="78059" y="1331361"/>
-            <a:ext cx="6180674" cy="2005051"/>
-          </a:xfrm>
-          <a:prstGeom prst="rect">
-            <a:avLst/>
-          </a:prstGeom>
-        </p:spPr>
-      </p:pic>
-    </p:spTree>
-    <p:extLst>
-      <p:ext uri="{BB962C8B-B14F-4D97-AF65-F5344CB8AC3E}">
-        <p14:creationId xmlns:p14="http://schemas.microsoft.com/office/powerpoint/2010/main" val="564593858"/>
-      </p:ext>
-    </p:extLst>
-  </p:cSld>
-  <p:clrMapOvr>
-    <a:masterClrMapping/>
-  </p:clrMapOvr>
-</p:sld>
-</file>
-
-<file path=ppt/slides/slide21.xml><?xml version="1.0" encoding="utf-8"?>
-<p:sld xmlns:a="http://schemas.openxmlformats.org/drawingml/2006/main" xmlns:r="http://schemas.openxmlformats.org/officeDocument/2006/relationships" xmlns:p="http://schemas.openxmlformats.org/presentationml/2006/main">
-  <p:cSld>
-    <p:spTree>
-      <p:nvGrpSpPr>
-        <p:cNvPr id="1" name=""/>
-        <p:cNvGrpSpPr/>
-        <p:nvPr/>
-      </p:nvGrpSpPr>
-      <p:grpSpPr>
-        <a:xfrm>
-          <a:off x="0" y="0"/>
-          <a:ext cx="0" cy="0"/>
-          <a:chOff x="0" y="0"/>
-          <a:chExt cx="0" cy="0"/>
-        </a:xfrm>
-      </p:grpSpPr>
-      <p:sp>
-        <p:nvSpPr>
-          <p:cNvPr id="2" name="Title 1">
-            <a:extLst>
-              <a:ext uri="{FF2B5EF4-FFF2-40B4-BE49-F238E27FC236}">
                 <a16:creationId xmlns:a16="http://schemas.microsoft.com/office/drawing/2014/main" id="{35F3BE46-6B8F-A842-9A1C-1ED4502350B9}"/>
               </a:ext>
             </a:extLst>
@@ -6946,7 +7539,7 @@
 </p:sld>
 </file>
 
-<file path=ppt/slides/slide22.xml><?xml version="1.0" encoding="utf-8"?>
+<file path=ppt/slides/slide21.xml><?xml version="1.0" encoding="utf-8"?>
 <p:sld xmlns:a="http://schemas.openxmlformats.org/drawingml/2006/main" xmlns:r="http://schemas.openxmlformats.org/officeDocument/2006/relationships" xmlns:p="http://schemas.openxmlformats.org/presentationml/2006/main">
   <p:cSld>
     <p:spTree>
@@ -7328,12 +7921,42 @@
           <a:chExt cx="0" cy="0"/>
         </a:xfrm>
       </p:grpSpPr>
+      <p:pic>
+        <p:nvPicPr>
+          <p:cNvPr id="15" name="Picture 14">
+            <a:extLst>
+              <a:ext uri="{FF2B5EF4-FFF2-40B4-BE49-F238E27FC236}">
+                <a16:creationId xmlns:a16="http://schemas.microsoft.com/office/drawing/2014/main" id="{9D8CB90B-8DD3-8445-8706-3CB8B55EAA20}"/>
+              </a:ext>
+            </a:extLst>
+          </p:cNvPr>
+          <p:cNvPicPr>
+            <a:picLocks noChangeAspect="1"/>
+          </p:cNvPicPr>
+          <p:nvPr/>
+        </p:nvPicPr>
+        <p:blipFill>
+          <a:blip r:embed="rId3"/>
+          <a:stretch>
+            <a:fillRect/>
+          </a:stretch>
+        </p:blipFill>
+        <p:spPr>
+          <a:xfrm>
+            <a:off x="7908791" y="4170556"/>
+            <a:ext cx="3645636" cy="2430424"/>
+          </a:xfrm>
+          <a:prstGeom prst="rect">
+            <a:avLst/>
+          </a:prstGeom>
+        </p:spPr>
+      </p:pic>
       <p:sp>
         <p:nvSpPr>
           <p:cNvPr id="2" name="Title 1">
             <a:extLst>
               <a:ext uri="{FF2B5EF4-FFF2-40B4-BE49-F238E27FC236}">
-                <a16:creationId xmlns:a16="http://schemas.microsoft.com/office/drawing/2014/main" id="{E8D02886-16F3-B341-A276-3F36ECC07A8D}"/>
+                <a16:creationId xmlns:a16="http://schemas.microsoft.com/office/drawing/2014/main" id="{881AB95C-E835-554A-B234-20B740E3ED0F}"/>
               </a:ext>
             </a:extLst>
           </p:cNvPr>
@@ -7353,61 +7976,641 @@
           <a:p>
             <a:r>
               <a:rPr lang="en-US" sz="3200" dirty="0"/>
-              <a:t>Is there a tradeoff between quantity and quality?</a:t>
-            </a:r>
-          </a:p>
-        </p:txBody>
-      </p:sp>
-      <p:sp>
-        <p:nvSpPr>
-          <p:cNvPr id="3" name="Content Placeholder 2">
-            <a:extLst>
-              <a:ext uri="{FF2B5EF4-FFF2-40B4-BE49-F238E27FC236}">
-                <a16:creationId xmlns:a16="http://schemas.microsoft.com/office/drawing/2014/main" id="{702B0FF1-9434-2341-A4E7-B4EEDFBAC012}"/>
-              </a:ext>
-            </a:extLst>
-          </p:cNvPr>
-          <p:cNvSpPr>
-            <a:spLocks noGrp="1"/>
-          </p:cNvSpPr>
-          <p:nvPr>
-            <p:ph idx="1"/>
-          </p:nvPr>
-        </p:nvSpPr>
-        <p:spPr/>
-        <p:txBody>
-          <a:bodyPr/>
+              <a:t>Support Vector Machine Learning</a:t>
+            </a:r>
+          </a:p>
+        </p:txBody>
+      </p:sp>
+      <p:sp>
+        <p:nvSpPr>
+          <p:cNvPr id="8" name="Down Arrow 7">
+            <a:extLst>
+              <a:ext uri="{FF2B5EF4-FFF2-40B4-BE49-F238E27FC236}">
+                <a16:creationId xmlns:a16="http://schemas.microsoft.com/office/drawing/2014/main" id="{C95E4861-E1E7-6245-BE1B-3F66FAD94277}"/>
+              </a:ext>
+            </a:extLst>
+          </p:cNvPr>
+          <p:cNvSpPr/>
+          <p:nvPr/>
+        </p:nvSpPr>
+        <p:spPr>
+          <a:xfrm>
+            <a:off x="9288968" y="3147743"/>
+            <a:ext cx="758283" cy="1022813"/>
+          </a:xfrm>
+          <a:prstGeom prst="downArrow">
+            <a:avLst/>
+          </a:prstGeom>
+        </p:spPr>
+        <p:style>
+          <a:lnRef idx="2">
+            <a:schemeClr val="accent1">
+              <a:shade val="50000"/>
+            </a:schemeClr>
+          </a:lnRef>
+          <a:fillRef idx="1">
+            <a:schemeClr val="accent1"/>
+          </a:fillRef>
+          <a:effectRef idx="0">
+            <a:schemeClr val="accent1"/>
+          </a:effectRef>
+          <a:fontRef idx="minor">
+            <a:schemeClr val="lt1"/>
+          </a:fontRef>
+        </p:style>
+        <p:txBody>
+          <a:bodyPr rtlCol="0" anchor="ctr"/>
           <a:lstStyle/>
           <a:p>
+            <a:pPr algn="ctr"/>
+            <a:endParaRPr lang="en-US"/>
+          </a:p>
+        </p:txBody>
+      </p:sp>
+      <p:pic>
+        <p:nvPicPr>
+          <p:cNvPr id="11" name="Picture 10">
+            <a:extLst>
+              <a:ext uri="{FF2B5EF4-FFF2-40B4-BE49-F238E27FC236}">
+                <a16:creationId xmlns:a16="http://schemas.microsoft.com/office/drawing/2014/main" id="{74F17BE5-1ADC-284D-A6ED-3EABC5BE4B7D}"/>
+              </a:ext>
+            </a:extLst>
+          </p:cNvPr>
+          <p:cNvPicPr>
+            <a:picLocks noChangeAspect="1"/>
+          </p:cNvPicPr>
+          <p:nvPr/>
+        </p:nvPicPr>
+        <p:blipFill>
+          <a:blip r:embed="rId4"/>
+          <a:stretch>
+            <a:fillRect/>
+          </a:stretch>
+        </p:blipFill>
+        <p:spPr>
+          <a:xfrm>
+            <a:off x="7845291" y="376276"/>
+            <a:ext cx="3645636" cy="2430424"/>
+          </a:xfrm>
+          <a:prstGeom prst="rect">
+            <a:avLst/>
+          </a:prstGeom>
+        </p:spPr>
+      </p:pic>
+      <p:sp>
+        <p:nvSpPr>
+          <p:cNvPr id="18" name="TextBox 17">
+            <a:extLst>
+              <a:ext uri="{FF2B5EF4-FFF2-40B4-BE49-F238E27FC236}">
+                <a16:creationId xmlns:a16="http://schemas.microsoft.com/office/drawing/2014/main" id="{62EA6DE2-519B-524F-A3C8-293B6E335E8D}"/>
+              </a:ext>
+            </a:extLst>
+          </p:cNvPr>
+          <p:cNvSpPr txBox="1"/>
+          <p:nvPr/>
+        </p:nvSpPr>
+        <p:spPr>
+          <a:xfrm>
+            <a:off x="838200" y="1505415"/>
+            <a:ext cx="7101468" cy="2031325"/>
+          </a:xfrm>
+          <a:prstGeom prst="rect">
+            <a:avLst/>
+          </a:prstGeom>
+          <a:noFill/>
+        </p:spPr>
+        <p:txBody>
+          <a:bodyPr wrap="square" rtlCol="0">
+            <a:spAutoFit/>
+          </a:bodyPr>
+          <a:lstStyle/>
+          <a:p>
+            <a:pPr marL="285750" indent="-285750">
+              <a:buFont typeface="Arial" panose="020B0604020202020204" pitchFamily="34" charset="0"/>
+              <a:buChar char="•"/>
+            </a:pPr>
             <a:r>
               <a:rPr lang="en-US" dirty="0"/>
-              <a:t>Functional connectivity independent on time</a:t>
-            </a:r>
-          </a:p>
-          <a:p>
+              <a:t>Locate optimal hyperplane in a multi-dimensional space to classify between groups</a:t>
+            </a:r>
+          </a:p>
+          <a:p>
+            <a:pPr marL="742950" lvl="1" indent="-285750">
+              <a:buFont typeface="Arial" panose="020B0604020202020204" pitchFamily="34" charset="0"/>
+              <a:buChar char="•"/>
+            </a:pPr>
             <a:r>
               <a:rPr lang="en-US" dirty="0"/>
-              <a:t>Functional connectivity matched for time</a:t>
-            </a:r>
-          </a:p>
-          <a:p>
+              <a:t>Find the soft margin;</a:t>
+            </a:r>
+          </a:p>
+          <a:p>
+            <a:pPr marL="1200150" lvl="2" indent="-285750">
+              <a:buFont typeface="Arial" panose="020B0604020202020204" pitchFamily="34" charset="0"/>
+              <a:buChar char="•"/>
+            </a:pPr>
             <a:r>
               <a:rPr lang="en-US" dirty="0"/>
-              <a:t>Splitting up task conditions to yield more data</a:t>
-            </a:r>
-          </a:p>
-          <a:p>
-            <a:pPr marL="0" indent="0">
-              <a:buNone/>
+              <a:t>Optimized using Hinge Loss Function </a:t>
+            </a:r>
+          </a:p>
+          <a:p>
+            <a:pPr marL="1200150" lvl="2" indent="-285750">
+              <a:buFont typeface="Arial" panose="020B0604020202020204" pitchFamily="34" charset="0"/>
+              <a:buChar char="•"/>
             </a:pPr>
             <a:endParaRPr lang="en-US" dirty="0"/>
           </a:p>
-        </p:txBody>
-      </p:sp>
+          <a:p>
+            <a:pPr marL="1200150" lvl="2" indent="-285750">
+              <a:buFont typeface="Arial" panose="020B0604020202020204" pitchFamily="34" charset="0"/>
+              <a:buChar char="•"/>
+            </a:pPr>
+            <a:endParaRPr lang="en-US" dirty="0"/>
+          </a:p>
+          <a:p>
+            <a:pPr lvl="2"/>
+            <a:endParaRPr lang="en-US" dirty="0"/>
+          </a:p>
+        </p:txBody>
+      </p:sp>
+      <p:sp>
+        <p:nvSpPr>
+          <p:cNvPr id="19" name="TextBox 18">
+            <a:extLst>
+              <a:ext uri="{FF2B5EF4-FFF2-40B4-BE49-F238E27FC236}">
+                <a16:creationId xmlns:a16="http://schemas.microsoft.com/office/drawing/2014/main" id="{813B71F5-76ED-0D46-A0B7-D014468FFD8A}"/>
+              </a:ext>
+            </a:extLst>
+          </p:cNvPr>
+          <p:cNvSpPr txBox="1"/>
+          <p:nvPr/>
+        </p:nvSpPr>
+        <p:spPr>
+          <a:xfrm rot="20527703">
+            <a:off x="8737582" y="5113599"/>
+            <a:ext cx="1645577" cy="261610"/>
+          </a:xfrm>
+          <a:prstGeom prst="rect">
+            <a:avLst/>
+          </a:prstGeom>
+          <a:noFill/>
+        </p:spPr>
+        <p:txBody>
+          <a:bodyPr wrap="square" rtlCol="0">
+            <a:spAutoFit/>
+          </a:bodyPr>
+          <a:lstStyle/>
+          <a:p>
+            <a:r>
+              <a:rPr lang="en-US" sz="1100" dirty="0"/>
+              <a:t>Optimal hyperplane</a:t>
+            </a:r>
+          </a:p>
+        </p:txBody>
+      </p:sp>
+      <p:cxnSp>
+        <p:nvCxnSpPr>
+          <p:cNvPr id="21" name="Straight Arrow Connector 20">
+            <a:extLst>
+              <a:ext uri="{FF2B5EF4-FFF2-40B4-BE49-F238E27FC236}">
+                <a16:creationId xmlns:a16="http://schemas.microsoft.com/office/drawing/2014/main" id="{CA69F34C-DA9B-D547-85A6-E77BC645B75B}"/>
+              </a:ext>
+            </a:extLst>
+          </p:cNvPr>
+          <p:cNvCxnSpPr/>
+          <p:nvPr/>
+        </p:nvCxnSpPr>
+        <p:spPr>
+          <a:xfrm>
+            <a:off x="10383599" y="4867409"/>
+            <a:ext cx="120650" cy="387350"/>
+          </a:xfrm>
+          <a:prstGeom prst="straightConnector1">
+            <a:avLst/>
+          </a:prstGeom>
+          <a:ln>
+            <a:headEnd type="triangle"/>
+            <a:tailEnd type="triangle"/>
+          </a:ln>
+        </p:spPr>
+        <p:style>
+          <a:lnRef idx="1">
+            <a:schemeClr val="accent1"/>
+          </a:lnRef>
+          <a:fillRef idx="0">
+            <a:schemeClr val="accent1"/>
+          </a:fillRef>
+          <a:effectRef idx="0">
+            <a:schemeClr val="accent1"/>
+          </a:effectRef>
+          <a:fontRef idx="minor">
+            <a:schemeClr val="tx1"/>
+          </a:fontRef>
+        </p:style>
+      </p:cxnSp>
+      <p:sp>
+        <p:nvSpPr>
+          <p:cNvPr id="22" name="TextBox 21">
+            <a:extLst>
+              <a:ext uri="{FF2B5EF4-FFF2-40B4-BE49-F238E27FC236}">
+                <a16:creationId xmlns:a16="http://schemas.microsoft.com/office/drawing/2014/main" id="{09ED896D-9A11-D842-BCDD-243DED9B3A40}"/>
+              </a:ext>
+            </a:extLst>
+          </p:cNvPr>
+          <p:cNvSpPr txBox="1"/>
+          <p:nvPr/>
+        </p:nvSpPr>
+        <p:spPr>
+          <a:xfrm rot="20491063">
+            <a:off x="10480953" y="4659661"/>
+            <a:ext cx="828351" cy="415498"/>
+          </a:xfrm>
+          <a:prstGeom prst="rect">
+            <a:avLst/>
+          </a:prstGeom>
+          <a:noFill/>
+        </p:spPr>
+        <p:txBody>
+          <a:bodyPr wrap="square" rtlCol="0">
+            <a:spAutoFit/>
+          </a:bodyPr>
+          <a:lstStyle/>
+          <a:p>
+            <a:r>
+              <a:rPr lang="en-US" sz="1050" dirty="0"/>
+              <a:t>Maximum margin</a:t>
+            </a:r>
+          </a:p>
+        </p:txBody>
+      </p:sp>
+      <mc:AlternateContent xmlns:mc="http://schemas.openxmlformats.org/markup-compatibility/2006" xmlns:a14="http://schemas.microsoft.com/office/drawing/2010/main">
+        <mc:Choice Requires="a14">
+          <p:sp>
+            <p:nvSpPr>
+              <p:cNvPr id="23" name="TextBox 22">
+                <a:extLst>
+                  <a:ext uri="{FF2B5EF4-FFF2-40B4-BE49-F238E27FC236}">
+                    <a16:creationId xmlns:a16="http://schemas.microsoft.com/office/drawing/2014/main" id="{9F7B4473-4B6F-5148-92B4-14EAB09E31A1}"/>
+                  </a:ext>
+                </a:extLst>
+              </p:cNvPr>
+              <p:cNvSpPr txBox="1"/>
+              <p:nvPr/>
+            </p:nvSpPr>
+            <p:spPr>
+              <a:xfrm>
+                <a:off x="838200" y="3783036"/>
+                <a:ext cx="6539122" cy="756041"/>
+              </a:xfrm>
+              <a:prstGeom prst="rect">
+                <a:avLst/>
+              </a:prstGeom>
+              <a:noFill/>
+            </p:spPr>
+            <p:txBody>
+              <a:bodyPr wrap="square" lIns="0" tIns="0" rIns="0" bIns="0" rtlCol="0">
+                <a:spAutoFit/>
+              </a:bodyPr>
+              <a:lstStyle/>
+              <a:p>
+                <a:pPr/>
+                <a14:m>
+                  <m:oMathPara xmlns:m="http://schemas.openxmlformats.org/officeDocument/2006/math">
+                    <m:oMathParaPr>
+                      <m:jc m:val="centerGroup"/>
+                    </m:oMathParaPr>
+                    <m:oMath xmlns:m="http://schemas.openxmlformats.org/officeDocument/2006/math">
+                      <m:r>
+                        <a:rPr lang="en-US" b="0" i="1" smtClean="0">
+                          <a:latin typeface="Cambria Math" panose="02040503050406030204" pitchFamily="18" charset="0"/>
+                        </a:rPr>
+                        <m:t>[</m:t>
+                      </m:r>
+                      <m:f>
+                        <m:fPr>
+                          <m:ctrlPr>
+                            <a:rPr lang="en-US" i="1" smtClean="0">
+                              <a:latin typeface="Cambria Math" panose="02040503050406030204" pitchFamily="18" charset="0"/>
+                            </a:rPr>
+                          </m:ctrlPr>
+                        </m:fPr>
+                        <m:num>
+                          <m:r>
+                            <a:rPr lang="en-US" b="0" i="1" smtClean="0">
+                              <a:latin typeface="Cambria Math" panose="02040503050406030204" pitchFamily="18" charset="0"/>
+                            </a:rPr>
+                            <m:t>1</m:t>
+                          </m:r>
+                        </m:num>
+                        <m:den>
+                          <m:r>
+                            <a:rPr lang="en-US" i="1" smtClean="0">
+                              <a:latin typeface="Cambria Math" panose="02040503050406030204" pitchFamily="18" charset="0"/>
+                              <a:ea typeface="Cambria Math" panose="02040503050406030204" pitchFamily="18" charset="0"/>
+                            </a:rPr>
+                            <m:t>𝜂</m:t>
+                          </m:r>
+                        </m:den>
+                      </m:f>
+                      <m:nary>
+                        <m:naryPr>
+                          <m:chr m:val="∑"/>
+                          <m:ctrlPr>
+                            <a:rPr lang="el-GR" i="1" smtClean="0">
+                              <a:latin typeface="Cambria Math" panose="02040503050406030204" pitchFamily="18" charset="0"/>
+                              <a:ea typeface="Cambria Math" panose="02040503050406030204" pitchFamily="18" charset="0"/>
+                            </a:rPr>
+                          </m:ctrlPr>
+                        </m:naryPr>
+                        <m:sub>
+                          <m:r>
+                            <m:rPr>
+                              <m:brk m:alnAt="23"/>
+                            </m:rPr>
+                            <a:rPr lang="el-GR" i="1" smtClean="0">
+                              <a:latin typeface="Cambria Math" panose="02040503050406030204" pitchFamily="18" charset="0"/>
+                              <a:ea typeface="Cambria Math" panose="02040503050406030204" pitchFamily="18" charset="0"/>
+                            </a:rPr>
+                            <m:t>𝒾</m:t>
+                          </m:r>
+                          <m:r>
+                            <m:rPr>
+                              <m:brk m:alnAt="23"/>
+                            </m:rPr>
+                            <a:rPr lang="en-US" b="0" i="1" smtClean="0">
+                              <a:latin typeface="Cambria Math" panose="02040503050406030204" pitchFamily="18" charset="0"/>
+                              <a:ea typeface="Cambria Math" panose="02040503050406030204" pitchFamily="18" charset="0"/>
+                            </a:rPr>
+                            <m:t>=</m:t>
+                          </m:r>
+                          <m:r>
+                            <a:rPr lang="en-US" b="0" i="1" smtClean="0">
+                              <a:latin typeface="Cambria Math" panose="02040503050406030204" pitchFamily="18" charset="0"/>
+                              <a:ea typeface="Cambria Math" panose="02040503050406030204" pitchFamily="18" charset="0"/>
+                            </a:rPr>
+                            <m:t>1</m:t>
+                          </m:r>
+                        </m:sub>
+                        <m:sup>
+                          <m:r>
+                            <a:rPr lang="el-GR" i="1" smtClean="0">
+                              <a:latin typeface="Cambria Math" panose="02040503050406030204" pitchFamily="18" charset="0"/>
+                              <a:ea typeface="Cambria Math" panose="02040503050406030204" pitchFamily="18" charset="0"/>
+                            </a:rPr>
+                            <m:t>𝜂</m:t>
+                          </m:r>
+                        </m:sup>
+                        <m:e>
+                          <m:r>
+                            <m:rPr>
+                              <m:sty m:val="p"/>
+                            </m:rPr>
+                            <a:rPr lang="en-US" b="0" i="0" smtClean="0">
+                              <a:latin typeface="Cambria Math" panose="02040503050406030204" pitchFamily="18" charset="0"/>
+                              <a:ea typeface="Cambria Math" panose="02040503050406030204" pitchFamily="18" charset="0"/>
+                            </a:rPr>
+                            <m:t>max</m:t>
+                          </m:r>
+                          <m:r>
+                            <a:rPr lang="en-US" b="0" i="1" smtClean="0">
+                              <a:latin typeface="Cambria Math" panose="02040503050406030204" pitchFamily="18" charset="0"/>
+                              <a:ea typeface="Cambria Math" panose="02040503050406030204" pitchFamily="18" charset="0"/>
+                            </a:rPr>
+                            <m:t>⁡(0,1−</m:t>
+                          </m:r>
+                          <m:sSub>
+                            <m:sSubPr>
+                              <m:ctrlPr>
+                                <a:rPr lang="en-US" b="0" i="1" smtClean="0">
+                                  <a:latin typeface="Cambria Math" panose="02040503050406030204" pitchFamily="18" charset="0"/>
+                                  <a:ea typeface="Cambria Math" panose="02040503050406030204" pitchFamily="18" charset="0"/>
+                                </a:rPr>
+                              </m:ctrlPr>
+                            </m:sSubPr>
+                            <m:e>
+                              <m:r>
+                                <a:rPr lang="en-US" b="0" i="1" smtClean="0">
+                                  <a:latin typeface="Cambria Math" panose="02040503050406030204" pitchFamily="18" charset="0"/>
+                                  <a:ea typeface="Cambria Math" panose="02040503050406030204" pitchFamily="18" charset="0"/>
+                                </a:rPr>
+                                <m:t>𝑦</m:t>
+                              </m:r>
+                            </m:e>
+                            <m:sub>
+                              <m:r>
+                                <a:rPr lang="en-US" b="0" i="1" smtClean="0">
+                                  <a:latin typeface="Cambria Math" panose="02040503050406030204" pitchFamily="18" charset="0"/>
+                                  <a:ea typeface="Cambria Math" panose="02040503050406030204" pitchFamily="18" charset="0"/>
+                                </a:rPr>
+                                <m:t>𝒾</m:t>
+                              </m:r>
+                            </m:sub>
+                          </m:sSub>
+                          <m:d>
+                            <m:dPr>
+                              <m:ctrlPr>
+                                <a:rPr lang="en-US" b="0" i="1" smtClean="0">
+                                  <a:latin typeface="Cambria Math" panose="02040503050406030204" pitchFamily="18" charset="0"/>
+                                  <a:ea typeface="Cambria Math" panose="02040503050406030204" pitchFamily="18" charset="0"/>
+                                </a:rPr>
+                              </m:ctrlPr>
+                            </m:dPr>
+                            <m:e>
+                              <m:r>
+                                <a:rPr lang="en-US" b="0" i="1" smtClean="0">
+                                  <a:latin typeface="Cambria Math" panose="02040503050406030204" pitchFamily="18" charset="0"/>
+                                  <a:ea typeface="Cambria Math" panose="02040503050406030204" pitchFamily="18" charset="0"/>
+                                </a:rPr>
+                                <m:t>𝑤</m:t>
+                              </m:r>
+                              <m:r>
+                                <a:rPr lang="en-US" b="0" i="1" smtClean="0">
+                                  <a:latin typeface="Cambria Math" panose="02040503050406030204" pitchFamily="18" charset="0"/>
+                                  <a:ea typeface="Cambria Math" panose="02040503050406030204" pitchFamily="18" charset="0"/>
+                                </a:rPr>
+                                <m:t>∙</m:t>
+                              </m:r>
+                              <m:sSub>
+                                <m:sSubPr>
+                                  <m:ctrlPr>
+                                    <a:rPr lang="en-US" b="0" i="1" smtClean="0">
+                                      <a:latin typeface="Cambria Math" panose="02040503050406030204" pitchFamily="18" charset="0"/>
+                                      <a:ea typeface="Cambria Math" panose="02040503050406030204" pitchFamily="18" charset="0"/>
+                                    </a:rPr>
+                                  </m:ctrlPr>
+                                </m:sSubPr>
+                                <m:e>
+                                  <m:r>
+                                    <a:rPr lang="en-US" b="0" i="1" smtClean="0">
+                                      <a:latin typeface="Cambria Math" panose="02040503050406030204" pitchFamily="18" charset="0"/>
+                                      <a:ea typeface="Cambria Math" panose="02040503050406030204" pitchFamily="18" charset="0"/>
+                                    </a:rPr>
+                                    <m:t>𝑥</m:t>
+                                  </m:r>
+                                </m:e>
+                                <m:sub>
+                                  <m:r>
+                                    <a:rPr lang="en-US" b="0" i="1" smtClean="0">
+                                      <a:latin typeface="Cambria Math" panose="02040503050406030204" pitchFamily="18" charset="0"/>
+                                      <a:ea typeface="Cambria Math" panose="02040503050406030204" pitchFamily="18" charset="0"/>
+                                    </a:rPr>
+                                    <m:t>𝒾</m:t>
+                                  </m:r>
+                                </m:sub>
+                              </m:sSub>
+                              <m:r>
+                                <a:rPr lang="en-US" b="0" i="1" smtClean="0">
+                                  <a:latin typeface="Cambria Math" panose="02040503050406030204" pitchFamily="18" charset="0"/>
+                                  <a:ea typeface="Cambria Math" panose="02040503050406030204" pitchFamily="18" charset="0"/>
+                                </a:rPr>
+                                <m:t>−</m:t>
+                              </m:r>
+                              <m:r>
+                                <a:rPr lang="en-US" b="0" i="1" smtClean="0">
+                                  <a:latin typeface="Cambria Math" panose="02040503050406030204" pitchFamily="18" charset="0"/>
+                                  <a:ea typeface="Cambria Math" panose="02040503050406030204" pitchFamily="18" charset="0"/>
+                                </a:rPr>
+                                <m:t>𝑏</m:t>
+                              </m:r>
+                            </m:e>
+                          </m:d>
+                          <m:r>
+                            <a:rPr lang="en-US" b="0" i="1" smtClean="0">
+                              <a:latin typeface="Cambria Math" panose="02040503050406030204" pitchFamily="18" charset="0"/>
+                              <a:ea typeface="Cambria Math" panose="02040503050406030204" pitchFamily="18" charset="0"/>
+                            </a:rPr>
+                            <m:t>)</m:t>
+                          </m:r>
+                        </m:e>
+                      </m:nary>
+                      <m:r>
+                        <a:rPr lang="en-US" b="0" i="1" smtClean="0">
+                          <a:latin typeface="Cambria Math" panose="02040503050406030204" pitchFamily="18" charset="0"/>
+                          <a:ea typeface="Cambria Math" panose="02040503050406030204" pitchFamily="18" charset="0"/>
+                        </a:rPr>
+                        <m:t>]+</m:t>
+                      </m:r>
+                      <m:r>
+                        <a:rPr lang="en-US" b="0" i="1" smtClean="0">
+                          <a:latin typeface="Cambria Math" panose="02040503050406030204" pitchFamily="18" charset="0"/>
+                          <a:ea typeface="Cambria Math" panose="02040503050406030204" pitchFamily="18" charset="0"/>
+                        </a:rPr>
+                        <m:t>𝜆</m:t>
+                      </m:r>
+                      <m:sSup>
+                        <m:sSupPr>
+                          <m:ctrlPr>
+                            <a:rPr lang="en-US" b="0" i="1" smtClean="0">
+                              <a:latin typeface="Cambria Math" panose="02040503050406030204" pitchFamily="18" charset="0"/>
+                              <a:ea typeface="Cambria Math" panose="02040503050406030204" pitchFamily="18" charset="0"/>
+                            </a:rPr>
+                          </m:ctrlPr>
+                        </m:sSupPr>
+                        <m:e>
+                          <m:r>
+                            <a:rPr lang="en-US" b="0" i="1" smtClean="0">
+                              <a:latin typeface="Cambria Math" panose="02040503050406030204" pitchFamily="18" charset="0"/>
+                              <a:ea typeface="Cambria Math" panose="02040503050406030204" pitchFamily="18" charset="0"/>
+                            </a:rPr>
+                            <m:t>|</m:t>
+                          </m:r>
+                          <m:d>
+                            <m:dPr>
+                              <m:begChr m:val="|"/>
+                              <m:endChr m:val="|"/>
+                              <m:ctrlPr>
+                                <a:rPr lang="en-US" b="0" i="1" smtClean="0">
+                                  <a:latin typeface="Cambria Math" panose="02040503050406030204" pitchFamily="18" charset="0"/>
+                                  <a:ea typeface="Cambria Math" panose="02040503050406030204" pitchFamily="18" charset="0"/>
+                                </a:rPr>
+                              </m:ctrlPr>
+                            </m:dPr>
+                            <m:e>
+                              <m:r>
+                                <a:rPr lang="en-US" b="0" i="1" smtClean="0">
+                                  <a:latin typeface="Cambria Math" panose="02040503050406030204" pitchFamily="18" charset="0"/>
+                                  <a:ea typeface="Cambria Math" panose="02040503050406030204" pitchFamily="18" charset="0"/>
+                                </a:rPr>
+                                <m:t>𝑤</m:t>
+                              </m:r>
+                            </m:e>
+                          </m:d>
+                          <m:r>
+                            <a:rPr lang="en-US" b="0" i="1" smtClean="0">
+                              <a:latin typeface="Cambria Math" panose="02040503050406030204" pitchFamily="18" charset="0"/>
+                              <a:ea typeface="Cambria Math" panose="02040503050406030204" pitchFamily="18" charset="0"/>
+                            </a:rPr>
+                            <m:t>|</m:t>
+                          </m:r>
+                        </m:e>
+                        <m:sup>
+                          <m:r>
+                            <a:rPr lang="en-US" b="0" i="1" smtClean="0">
+                              <a:latin typeface="Cambria Math" panose="02040503050406030204" pitchFamily="18" charset="0"/>
+                              <a:ea typeface="Cambria Math" panose="02040503050406030204" pitchFamily="18" charset="0"/>
+                            </a:rPr>
+                            <m:t>2</m:t>
+                          </m:r>
+                        </m:sup>
+                      </m:sSup>
+                    </m:oMath>
+                  </m:oMathPara>
+                </a14:m>
+                <a:endParaRPr lang="en-US" dirty="0"/>
+              </a:p>
+            </p:txBody>
+          </p:sp>
+        </mc:Choice>
+        <mc:Fallback xmlns="">
+          <p:sp>
+            <p:nvSpPr>
+              <p:cNvPr id="23" name="TextBox 22">
+                <a:extLst>
+                  <a:ext uri="{FF2B5EF4-FFF2-40B4-BE49-F238E27FC236}">
+                    <a16:creationId xmlns:a16="http://schemas.microsoft.com/office/drawing/2014/main" id="{9F7B4473-4B6F-5148-92B4-14EAB09E31A1}"/>
+                  </a:ext>
+                </a:extLst>
+              </p:cNvPr>
+              <p:cNvSpPr txBox="1">
+                <a:spLocks noRot="1" noChangeAspect="1" noMove="1" noResize="1" noEditPoints="1" noAdjustHandles="1" noChangeArrowheads="1" noChangeShapeType="1" noTextEdit="1"/>
+              </p:cNvSpPr>
+              <p:nvPr/>
+            </p:nvSpPr>
+            <p:spPr>
+              <a:xfrm>
+                <a:off x="838200" y="3783036"/>
+                <a:ext cx="6539122" cy="756041"/>
+              </a:xfrm>
+              <a:prstGeom prst="rect">
+                <a:avLst/>
+              </a:prstGeom>
+              <a:blipFill>
+                <a:blip r:embed="rId5"/>
+                <a:stretch>
+                  <a:fillRect t="-118333" b="-180000"/>
+                </a:stretch>
+              </a:blipFill>
+            </p:spPr>
+            <p:txBody>
+              <a:bodyPr/>
+              <a:lstStyle/>
+              <a:p>
+                <a:r>
+                  <a:rPr lang="en-US">
+                    <a:noFill/>
+                  </a:rPr>
+                  <a:t> </a:t>
+                </a:r>
+              </a:p>
+            </p:txBody>
+          </p:sp>
+        </mc:Fallback>
+      </mc:AlternateContent>
     </p:spTree>
     <p:extLst>
       <p:ext uri="{BB962C8B-B14F-4D97-AF65-F5344CB8AC3E}">
-        <p14:creationId xmlns:p14="http://schemas.microsoft.com/office/powerpoint/2010/main" val="1445629102"/>
+        <p14:creationId xmlns:p14="http://schemas.microsoft.com/office/powerpoint/2010/main" val="3271032793"/>
       </p:ext>
     </p:extLst>
   </p:cSld>
@@ -7439,7 +8642,7 @@
           <p:cNvPr id="2" name="Title 1">
             <a:extLst>
               <a:ext uri="{FF2B5EF4-FFF2-40B4-BE49-F238E27FC236}">
-                <a16:creationId xmlns:a16="http://schemas.microsoft.com/office/drawing/2014/main" id="{881AB95C-E835-554A-B234-20B740E3ED0F}"/>
+                <a16:creationId xmlns:a16="http://schemas.microsoft.com/office/drawing/2014/main" id="{CC3D2C63-AE77-4642-9EDF-062CDF396658}"/>
               </a:ext>
             </a:extLst>
           </p:cNvPr>
@@ -7457,40 +8660,423 @@
           <a:p>
             <a:r>
               <a:rPr lang="en-US" dirty="0"/>
-              <a:t>Support Vector Machine Learning</a:t>
-            </a:r>
-          </a:p>
-        </p:txBody>
-      </p:sp>
-      <p:sp>
-        <p:nvSpPr>
-          <p:cNvPr id="3" name="Content Placeholder 2">
-            <a:extLst>
-              <a:ext uri="{FF2B5EF4-FFF2-40B4-BE49-F238E27FC236}">
-                <a16:creationId xmlns:a16="http://schemas.microsoft.com/office/drawing/2014/main" id="{1610FE8D-2E34-4342-A916-EFCAE9BFF255}"/>
-              </a:ext>
-            </a:extLst>
-          </p:cNvPr>
-          <p:cNvSpPr>
-            <a:spLocks noGrp="1"/>
-          </p:cNvSpPr>
+              <a:t>Logistic Regression</a:t>
+            </a:r>
+          </a:p>
+        </p:txBody>
+      </p:sp>
+      <p:pic>
+        <p:nvPicPr>
+          <p:cNvPr id="11" name="Content Placeholder 10">
+            <a:extLst>
+              <a:ext uri="{FF2B5EF4-FFF2-40B4-BE49-F238E27FC236}">
+                <a16:creationId xmlns:a16="http://schemas.microsoft.com/office/drawing/2014/main" id="{2A53D84A-CAE7-4748-9352-27632E1A37E0}"/>
+              </a:ext>
+            </a:extLst>
+          </p:cNvPr>
+          <p:cNvPicPr>
+            <a:picLocks noGrp="1" noChangeAspect="1"/>
+          </p:cNvPicPr>
           <p:nvPr>
             <p:ph idx="1"/>
           </p:nvPr>
-        </p:nvSpPr>
-        <p:spPr/>
-        <p:txBody>
-          <a:bodyPr/>
+        </p:nvPicPr>
+        <p:blipFill>
+          <a:blip r:embed="rId3"/>
+          <a:stretch>
+            <a:fillRect/>
+          </a:stretch>
+        </p:blipFill>
+        <p:spPr>
+          <a:xfrm>
+            <a:off x="6914909" y="2351755"/>
+            <a:ext cx="4740275" cy="3160183"/>
+          </a:xfrm>
+        </p:spPr>
+      </p:pic>
+      <p:sp>
+        <p:nvSpPr>
+          <p:cNvPr id="12" name="TextBox 11">
+            <a:extLst>
+              <a:ext uri="{FF2B5EF4-FFF2-40B4-BE49-F238E27FC236}">
+                <a16:creationId xmlns:a16="http://schemas.microsoft.com/office/drawing/2014/main" id="{76EA9B18-C59D-0742-98CA-CCEB9A5DE73A}"/>
+              </a:ext>
+            </a:extLst>
+          </p:cNvPr>
+          <p:cNvSpPr txBox="1"/>
+          <p:nvPr/>
+        </p:nvSpPr>
+        <p:spPr>
+          <a:xfrm>
+            <a:off x="567159" y="1909823"/>
+            <a:ext cx="6493398" cy="2308324"/>
+          </a:xfrm>
+          <a:prstGeom prst="rect">
+            <a:avLst/>
+          </a:prstGeom>
+          <a:noFill/>
+        </p:spPr>
+        <p:txBody>
+          <a:bodyPr wrap="square" rtlCol="0">
+            <a:spAutoFit/>
+          </a:bodyPr>
           <a:lstStyle/>
           <a:p>
-            <a:endParaRPr lang="en-US"/>
-          </a:p>
-        </p:txBody>
-      </p:sp>
+            <a:pPr marL="285750" indent="-285750">
+              <a:buFont typeface="Arial" panose="020B0604020202020204" pitchFamily="34" charset="0"/>
+              <a:buChar char="•"/>
+            </a:pPr>
+            <a:r>
+              <a:rPr lang="en-US" dirty="0"/>
+              <a:t>Compute sum of weights and input into a sigmoid function to map values between 0 and 1 </a:t>
+            </a:r>
+          </a:p>
+          <a:p>
+            <a:pPr marL="742950" lvl="1" indent="-285750">
+              <a:buFont typeface="Arial" panose="020B0604020202020204" pitchFamily="34" charset="0"/>
+              <a:buChar char="•"/>
+            </a:pPr>
+            <a:r>
+              <a:rPr lang="en-US" dirty="0"/>
+              <a:t>Parameters are calculated using maximum likelihood</a:t>
+            </a:r>
+          </a:p>
+          <a:p>
+            <a:pPr marL="742950" lvl="1" indent="-285750">
+              <a:buFont typeface="Arial" panose="020B0604020202020204" pitchFamily="34" charset="0"/>
+              <a:buChar char="•"/>
+            </a:pPr>
+            <a:r>
+              <a:rPr lang="en-US" dirty="0"/>
+              <a:t>These parameters are used to calculate the probability used for classification</a:t>
+            </a:r>
+          </a:p>
+          <a:p>
+            <a:pPr marL="742950" lvl="1" indent="-285750">
+              <a:buFont typeface="Arial" panose="020B0604020202020204" pitchFamily="34" charset="0"/>
+              <a:buChar char="•"/>
+            </a:pPr>
+            <a:r>
+              <a:rPr lang="en-US" dirty="0"/>
+              <a:t>L2 penalty-squared magnitude of coefficient is the penalty term to the loss function</a:t>
+            </a:r>
+          </a:p>
+          <a:p>
+            <a:pPr marL="742950" lvl="1" indent="-285750">
+              <a:buFont typeface="Arial" panose="020B0604020202020204" pitchFamily="34" charset="0"/>
+              <a:buChar char="•"/>
+            </a:pPr>
+            <a:endParaRPr lang="en-US" dirty="0"/>
+          </a:p>
+        </p:txBody>
+      </p:sp>
+      <mc:AlternateContent xmlns:mc="http://schemas.openxmlformats.org/markup-compatibility/2006" xmlns:a14="http://schemas.microsoft.com/office/drawing/2010/main">
+        <mc:Choice Requires="a14">
+          <p:sp>
+            <p:nvSpPr>
+              <p:cNvPr id="13" name="TextBox 12">
+                <a:extLst>
+                  <a:ext uri="{FF2B5EF4-FFF2-40B4-BE49-F238E27FC236}">
+                    <a16:creationId xmlns:a16="http://schemas.microsoft.com/office/drawing/2014/main" id="{CD1D8CA3-EBB1-0244-AEBB-B3FD50BDA9CE}"/>
+                  </a:ext>
+                </a:extLst>
+              </p:cNvPr>
+              <p:cNvSpPr txBox="1"/>
+              <p:nvPr/>
+            </p:nvSpPr>
+            <p:spPr>
+              <a:xfrm>
+                <a:off x="1250066" y="4604522"/>
+                <a:ext cx="3218125" cy="521040"/>
+              </a:xfrm>
+              <a:prstGeom prst="rect">
+                <a:avLst/>
+              </a:prstGeom>
+              <a:noFill/>
+            </p:spPr>
+            <p:txBody>
+              <a:bodyPr wrap="none" lIns="0" tIns="0" rIns="0" bIns="0" rtlCol="0">
+                <a:spAutoFit/>
+              </a:bodyPr>
+              <a:lstStyle/>
+              <a:p>
+                <a:pPr/>
+                <a14:m>
+                  <m:oMathPara xmlns:m="http://schemas.openxmlformats.org/officeDocument/2006/math">
+                    <m:oMathParaPr>
+                      <m:jc m:val="centerGroup"/>
+                    </m:oMathParaPr>
+                    <m:oMath xmlns:m="http://schemas.openxmlformats.org/officeDocument/2006/math">
+                      <m:r>
+                        <a:rPr lang="en-US" i="1" smtClean="0">
+                          <a:latin typeface="Cambria Math" panose="02040503050406030204" pitchFamily="18" charset="0"/>
+                          <a:ea typeface="Cambria Math" panose="02040503050406030204" pitchFamily="18" charset="0"/>
+                        </a:rPr>
+                        <m:t>ℓ</m:t>
+                      </m:r>
+                      <m:r>
+                        <a:rPr lang="en-US" b="0" i="1" smtClean="0">
+                          <a:latin typeface="Cambria Math" panose="02040503050406030204" pitchFamily="18" charset="0"/>
+                          <a:ea typeface="Cambria Math" panose="02040503050406030204" pitchFamily="18" charset="0"/>
+                        </a:rPr>
+                        <m:t>=</m:t>
+                      </m:r>
+                      <m:func>
+                        <m:funcPr>
+                          <m:ctrlPr>
+                            <a:rPr lang="en-US" b="0" i="1" smtClean="0">
+                              <a:latin typeface="Cambria Math" panose="02040503050406030204" pitchFamily="18" charset="0"/>
+                              <a:ea typeface="Cambria Math" panose="02040503050406030204" pitchFamily="18" charset="0"/>
+                            </a:rPr>
+                          </m:ctrlPr>
+                        </m:funcPr>
+                        <m:fName>
+                          <m:sSub>
+                            <m:sSubPr>
+                              <m:ctrlPr>
+                                <a:rPr lang="en-US" b="0" i="1" smtClean="0">
+                                  <a:latin typeface="Cambria Math" panose="02040503050406030204" pitchFamily="18" charset="0"/>
+                                  <a:ea typeface="Cambria Math" panose="02040503050406030204" pitchFamily="18" charset="0"/>
+                                </a:rPr>
+                              </m:ctrlPr>
+                            </m:sSubPr>
+                            <m:e>
+                              <m:r>
+                                <m:rPr>
+                                  <m:sty m:val="p"/>
+                                </m:rPr>
+                                <a:rPr lang="en-US" b="0" i="0" smtClean="0">
+                                  <a:latin typeface="Cambria Math" panose="02040503050406030204" pitchFamily="18" charset="0"/>
+                                  <a:ea typeface="Cambria Math" panose="02040503050406030204" pitchFamily="18" charset="0"/>
+                                </a:rPr>
+                                <m:t>log</m:t>
+                              </m:r>
+                            </m:e>
+                            <m:sub>
+                              <m:r>
+                                <a:rPr lang="en-US" b="0" i="1" smtClean="0">
+                                  <a:latin typeface="Cambria Math" panose="02040503050406030204" pitchFamily="18" charset="0"/>
+                                  <a:ea typeface="Cambria Math" panose="02040503050406030204" pitchFamily="18" charset="0"/>
+                                </a:rPr>
+                                <m:t>𝑏</m:t>
+                              </m:r>
+                            </m:sub>
+                          </m:sSub>
+                        </m:fName>
+                        <m:e>
+                          <m:f>
+                            <m:fPr>
+                              <m:ctrlPr>
+                                <a:rPr lang="en-US" b="0" i="1" smtClean="0">
+                                  <a:latin typeface="Cambria Math" panose="02040503050406030204" pitchFamily="18" charset="0"/>
+                                  <a:ea typeface="Cambria Math" panose="02040503050406030204" pitchFamily="18" charset="0"/>
+                                </a:rPr>
+                              </m:ctrlPr>
+                            </m:fPr>
+                            <m:num>
+                              <m:r>
+                                <a:rPr lang="en-US" b="0" i="1" smtClean="0">
+                                  <a:latin typeface="Cambria Math" panose="02040503050406030204" pitchFamily="18" charset="0"/>
+                                  <a:ea typeface="Cambria Math" panose="02040503050406030204" pitchFamily="18" charset="0"/>
+                                </a:rPr>
+                                <m:t>𝑝</m:t>
+                              </m:r>
+                            </m:num>
+                            <m:den>
+                              <m:r>
+                                <a:rPr lang="en-US" b="0" i="1" smtClean="0">
+                                  <a:latin typeface="Cambria Math" panose="02040503050406030204" pitchFamily="18" charset="0"/>
+                                  <a:ea typeface="Cambria Math" panose="02040503050406030204" pitchFamily="18" charset="0"/>
+                                </a:rPr>
+                                <m:t>1−</m:t>
+                              </m:r>
+                              <m:r>
+                                <a:rPr lang="en-US" b="0" i="1" smtClean="0">
+                                  <a:latin typeface="Cambria Math" panose="02040503050406030204" pitchFamily="18" charset="0"/>
+                                  <a:ea typeface="Cambria Math" panose="02040503050406030204" pitchFamily="18" charset="0"/>
+                                </a:rPr>
+                                <m:t>𝑝</m:t>
+                              </m:r>
+                            </m:den>
+                          </m:f>
+                          <m:r>
+                            <a:rPr lang="en-US" b="0" i="1" smtClean="0">
+                              <a:latin typeface="Cambria Math" panose="02040503050406030204" pitchFamily="18" charset="0"/>
+                              <a:ea typeface="Cambria Math" panose="02040503050406030204" pitchFamily="18" charset="0"/>
+                            </a:rPr>
+                            <m:t>=</m:t>
+                          </m:r>
+                          <m:sSub>
+                            <m:sSubPr>
+                              <m:ctrlPr>
+                                <a:rPr lang="en-US" b="0" i="1" smtClean="0">
+                                  <a:latin typeface="Cambria Math" panose="02040503050406030204" pitchFamily="18" charset="0"/>
+                                  <a:ea typeface="Cambria Math" panose="02040503050406030204" pitchFamily="18" charset="0"/>
+                                </a:rPr>
+                              </m:ctrlPr>
+                            </m:sSubPr>
+                            <m:e>
+                              <m:r>
+                                <a:rPr lang="en-US" b="0" i="1" smtClean="0">
+                                  <a:latin typeface="Cambria Math" panose="02040503050406030204" pitchFamily="18" charset="0"/>
+                                  <a:ea typeface="Cambria Math" panose="02040503050406030204" pitchFamily="18" charset="0"/>
+                                </a:rPr>
+                                <m:t>𝛽</m:t>
+                              </m:r>
+                            </m:e>
+                            <m:sub>
+                              <m:r>
+                                <a:rPr lang="en-US" b="0" i="1" smtClean="0">
+                                  <a:latin typeface="Cambria Math" panose="02040503050406030204" pitchFamily="18" charset="0"/>
+                                  <a:ea typeface="Cambria Math" panose="02040503050406030204" pitchFamily="18" charset="0"/>
+                                </a:rPr>
+                                <m:t>0</m:t>
+                              </m:r>
+                            </m:sub>
+                          </m:sSub>
+                          <m:r>
+                            <a:rPr lang="en-US" b="0" i="1" smtClean="0">
+                              <a:latin typeface="Cambria Math" panose="02040503050406030204" pitchFamily="18" charset="0"/>
+                              <a:ea typeface="Cambria Math" panose="02040503050406030204" pitchFamily="18" charset="0"/>
+                            </a:rPr>
+                            <m:t>+</m:t>
+                          </m:r>
+                          <m:sSub>
+                            <m:sSubPr>
+                              <m:ctrlPr>
+                                <a:rPr lang="en-US" b="0" i="1" smtClean="0">
+                                  <a:latin typeface="Cambria Math" panose="02040503050406030204" pitchFamily="18" charset="0"/>
+                                  <a:ea typeface="Cambria Math" panose="02040503050406030204" pitchFamily="18" charset="0"/>
+                                </a:rPr>
+                              </m:ctrlPr>
+                            </m:sSubPr>
+                            <m:e>
+                              <m:r>
+                                <a:rPr lang="en-US" b="0" i="1" smtClean="0">
+                                  <a:latin typeface="Cambria Math" panose="02040503050406030204" pitchFamily="18" charset="0"/>
+                                  <a:ea typeface="Cambria Math" panose="02040503050406030204" pitchFamily="18" charset="0"/>
+                                </a:rPr>
+                                <m:t>𝛽</m:t>
+                              </m:r>
+                            </m:e>
+                            <m:sub>
+                              <m:r>
+                                <a:rPr lang="en-US" b="0" i="1" smtClean="0">
+                                  <a:latin typeface="Cambria Math" panose="02040503050406030204" pitchFamily="18" charset="0"/>
+                                  <a:ea typeface="Cambria Math" panose="02040503050406030204" pitchFamily="18" charset="0"/>
+                                </a:rPr>
+                                <m:t>𝑥</m:t>
+                              </m:r>
+                              <m:r>
+                                <a:rPr lang="en-US" b="0" i="1" smtClean="0">
+                                  <a:latin typeface="Cambria Math" panose="02040503050406030204" pitchFamily="18" charset="0"/>
+                                  <a:ea typeface="Cambria Math" panose="02040503050406030204" pitchFamily="18" charset="0"/>
+                                </a:rPr>
+                                <m:t>1</m:t>
+                              </m:r>
+                            </m:sub>
+                          </m:sSub>
+                          <m:r>
+                            <a:rPr lang="en-US" b="0" i="1" smtClean="0">
+                              <a:latin typeface="Cambria Math" panose="02040503050406030204" pitchFamily="18" charset="0"/>
+                              <a:ea typeface="Cambria Math" panose="02040503050406030204" pitchFamily="18" charset="0"/>
+                            </a:rPr>
+                            <m:t>+</m:t>
+                          </m:r>
+                          <m:sSub>
+                            <m:sSubPr>
+                              <m:ctrlPr>
+                                <a:rPr lang="en-US" b="0" i="1" smtClean="0">
+                                  <a:latin typeface="Cambria Math" panose="02040503050406030204" pitchFamily="18" charset="0"/>
+                                  <a:ea typeface="Cambria Math" panose="02040503050406030204" pitchFamily="18" charset="0"/>
+                                </a:rPr>
+                              </m:ctrlPr>
+                            </m:sSubPr>
+                            <m:e>
+                              <m:r>
+                                <a:rPr lang="en-US" b="0" i="1" smtClean="0">
+                                  <a:latin typeface="Cambria Math" panose="02040503050406030204" pitchFamily="18" charset="0"/>
+                                  <a:ea typeface="Cambria Math" panose="02040503050406030204" pitchFamily="18" charset="0"/>
+                                </a:rPr>
+                                <m:t>𝛽</m:t>
+                              </m:r>
+                            </m:e>
+                            <m:sub>
+                              <m:r>
+                                <a:rPr lang="en-US" b="0" i="1" smtClean="0">
+                                  <a:latin typeface="Cambria Math" panose="02040503050406030204" pitchFamily="18" charset="0"/>
+                                  <a:ea typeface="Cambria Math" panose="02040503050406030204" pitchFamily="18" charset="0"/>
+                                </a:rPr>
+                                <m:t>𝑥</m:t>
+                              </m:r>
+                              <m:r>
+                                <a:rPr lang="en-US" b="0" i="1" smtClean="0">
+                                  <a:latin typeface="Cambria Math" panose="02040503050406030204" pitchFamily="18" charset="0"/>
+                                  <a:ea typeface="Cambria Math" panose="02040503050406030204" pitchFamily="18" charset="0"/>
+                                </a:rPr>
+                                <m:t>2</m:t>
+                              </m:r>
+                            </m:sub>
+                          </m:sSub>
+                        </m:e>
+                      </m:func>
+                    </m:oMath>
+                  </m:oMathPara>
+                </a14:m>
+                <a:endParaRPr lang="en-US" dirty="0"/>
+              </a:p>
+            </p:txBody>
+          </p:sp>
+        </mc:Choice>
+        <mc:Fallback xmlns="">
+          <p:sp>
+            <p:nvSpPr>
+              <p:cNvPr id="13" name="TextBox 12">
+                <a:extLst>
+                  <a:ext uri="{FF2B5EF4-FFF2-40B4-BE49-F238E27FC236}">
+                    <a16:creationId xmlns:a16="http://schemas.microsoft.com/office/drawing/2014/main" id="{CD1D8CA3-EBB1-0244-AEBB-B3FD50BDA9CE}"/>
+                  </a:ext>
+                </a:extLst>
+              </p:cNvPr>
+              <p:cNvSpPr txBox="1">
+                <a:spLocks noRot="1" noChangeAspect="1" noMove="1" noResize="1" noEditPoints="1" noAdjustHandles="1" noChangeArrowheads="1" noChangeShapeType="1" noTextEdit="1"/>
+              </p:cNvSpPr>
+              <p:nvPr/>
+            </p:nvSpPr>
+            <p:spPr>
+              <a:xfrm>
+                <a:off x="1250066" y="4604522"/>
+                <a:ext cx="3218125" cy="521040"/>
+              </a:xfrm>
+              <a:prstGeom prst="rect">
+                <a:avLst/>
+              </a:prstGeom>
+              <a:blipFill>
+                <a:blip r:embed="rId4"/>
+                <a:stretch>
+                  <a:fillRect l="-784" t="-2381" b="-14286"/>
+                </a:stretch>
+              </a:blipFill>
+            </p:spPr>
+            <p:txBody>
+              <a:bodyPr/>
+              <a:lstStyle/>
+              <a:p>
+                <a:r>
+                  <a:rPr lang="en-US">
+                    <a:noFill/>
+                  </a:rPr>
+                  <a:t> </a:t>
+                </a:r>
+              </a:p>
+            </p:txBody>
+          </p:sp>
+        </mc:Fallback>
+      </mc:AlternateContent>
     </p:spTree>
     <p:extLst>
       <p:ext uri="{BB962C8B-B14F-4D97-AF65-F5344CB8AC3E}">
-        <p14:creationId xmlns:p14="http://schemas.microsoft.com/office/powerpoint/2010/main" val="3271032793"/>
+        <p14:creationId xmlns:p14="http://schemas.microsoft.com/office/powerpoint/2010/main" val="3056901069"/>
       </p:ext>
     </p:extLst>
   </p:cSld>
@@ -7522,7 +9108,7 @@
           <p:cNvPr id="2" name="Title 1">
             <a:extLst>
               <a:ext uri="{FF2B5EF4-FFF2-40B4-BE49-F238E27FC236}">
-                <a16:creationId xmlns:a16="http://schemas.microsoft.com/office/drawing/2014/main" id="{CC3D2C63-AE77-4642-9EDF-062CDF396658}"/>
+                <a16:creationId xmlns:a16="http://schemas.microsoft.com/office/drawing/2014/main" id="{3C0801F1-9F75-8349-ABD1-AE94A1CC07A3}"/>
               </a:ext>
             </a:extLst>
           </p:cNvPr>
@@ -7540,40 +9126,477 @@
           <a:p>
             <a:r>
               <a:rPr lang="en-US" dirty="0"/>
-              <a:t>Logistic Regression</a:t>
-            </a:r>
-          </a:p>
-        </p:txBody>
-      </p:sp>
-      <p:sp>
-        <p:nvSpPr>
-          <p:cNvPr id="3" name="Content Placeholder 2">
-            <a:extLst>
-              <a:ext uri="{FF2B5EF4-FFF2-40B4-BE49-F238E27FC236}">
-                <a16:creationId xmlns:a16="http://schemas.microsoft.com/office/drawing/2014/main" id="{5307167F-04AC-5C44-BFFE-5008F7095201}"/>
-              </a:ext>
-            </a:extLst>
-          </p:cNvPr>
-          <p:cNvSpPr>
-            <a:spLocks noGrp="1"/>
-          </p:cNvSpPr>
-          <p:nvPr>
-            <p:ph idx="1"/>
-          </p:nvPr>
-        </p:nvSpPr>
-        <p:spPr/>
-        <p:txBody>
-          <a:bodyPr/>
-          <a:lstStyle/>
-          <a:p>
-            <a:endParaRPr lang="en-US"/>
-          </a:p>
-        </p:txBody>
-      </p:sp>
+              <a:t>Ridge Regression</a:t>
+            </a:r>
+          </a:p>
+        </p:txBody>
+      </p:sp>
+      <mc:AlternateContent xmlns:mc="http://schemas.openxmlformats.org/markup-compatibility/2006">
+        <mc:Choice xmlns:a14="http://schemas.microsoft.com/office/drawing/2010/main" Requires="a14">
+          <p:sp>
+            <p:nvSpPr>
+              <p:cNvPr id="3" name="Content Placeholder 2">
+                <a:extLst>
+                  <a:ext uri="{FF2B5EF4-FFF2-40B4-BE49-F238E27FC236}">
+                    <a16:creationId xmlns:a16="http://schemas.microsoft.com/office/drawing/2014/main" id="{17E0E932-7040-9F40-B9EC-1E6D08247215}"/>
+                  </a:ext>
+                </a:extLst>
+              </p:cNvPr>
+              <p:cNvSpPr>
+                <a:spLocks noGrp="1"/>
+              </p:cNvSpPr>
+              <p:nvPr>
+                <p:ph idx="1"/>
+              </p:nvPr>
+            </p:nvSpPr>
+            <p:spPr>
+              <a:xfrm>
+                <a:off x="838201" y="1825625"/>
+                <a:ext cx="7213270" cy="4351338"/>
+              </a:xfrm>
+            </p:spPr>
+            <p:txBody>
+              <a:bodyPr/>
+              <a:lstStyle/>
+              <a:p>
+                <a:r>
+                  <a:rPr lang="en-US" dirty="0"/>
+                  <a:t>Adjusting the model coefficients through regularization (</a:t>
+                </a:r>
+                <a14:m>
+                  <m:oMath xmlns:m="http://schemas.openxmlformats.org/officeDocument/2006/math">
+                    <m:r>
+                      <a:rPr lang="en-US" i="1" smtClean="0">
+                        <a:latin typeface="Cambria Math" panose="02040503050406030204" pitchFamily="18" charset="0"/>
+                        <a:ea typeface="Cambria Math" panose="02040503050406030204" pitchFamily="18" charset="0"/>
+                      </a:rPr>
+                      <m:t>𝜆</m:t>
+                    </m:r>
+                  </m:oMath>
+                </a14:m>
+                <a:r>
+                  <a:rPr lang="en-US" dirty="0"/>
+                  <a:t>)</a:t>
+                </a:r>
+              </a:p>
+            </p:txBody>
+          </p:sp>
+        </mc:Choice>
+        <mc:Fallback>
+          <p:sp>
+            <p:nvSpPr>
+              <p:cNvPr id="3" name="Content Placeholder 2">
+                <a:extLst>
+                  <a:ext uri="{FF2B5EF4-FFF2-40B4-BE49-F238E27FC236}">
+                    <a16:creationId xmlns:a16="http://schemas.microsoft.com/office/drawing/2014/main" id="{17E0E932-7040-9F40-B9EC-1E6D08247215}"/>
+                  </a:ext>
+                </a:extLst>
+              </p:cNvPr>
+              <p:cNvSpPr>
+                <a:spLocks noGrp="1" noRot="1" noChangeAspect="1" noMove="1" noResize="1" noEditPoints="1" noAdjustHandles="1" noChangeArrowheads="1" noChangeShapeType="1" noTextEdit="1"/>
+              </p:cNvSpPr>
+              <p:nvPr>
+                <p:ph idx="1"/>
+              </p:nvPr>
+            </p:nvSpPr>
+            <p:spPr>
+              <a:xfrm>
+                <a:off x="838201" y="1825625"/>
+                <a:ext cx="7213270" cy="4351338"/>
+              </a:xfrm>
+              <a:blipFill>
+                <a:blip r:embed="rId3"/>
+                <a:stretch>
+                  <a:fillRect l="-1406" t="-2632"/>
+                </a:stretch>
+              </a:blipFill>
+            </p:spPr>
+            <p:txBody>
+              <a:bodyPr/>
+              <a:lstStyle/>
+              <a:p>
+                <a:r>
+                  <a:rPr lang="en-US">
+                    <a:noFill/>
+                  </a:rPr>
+                  <a:t> </a:t>
+                </a:r>
+              </a:p>
+            </p:txBody>
+          </p:sp>
+        </mc:Fallback>
+      </mc:AlternateContent>
+      <mc:AlternateContent xmlns:mc="http://schemas.openxmlformats.org/markup-compatibility/2006" xmlns:a14="http://schemas.microsoft.com/office/drawing/2010/main">
+        <mc:Choice Requires="a14">
+          <p:sp>
+            <p:nvSpPr>
+              <p:cNvPr id="4" name="TextBox 3">
+                <a:extLst>
+                  <a:ext uri="{FF2B5EF4-FFF2-40B4-BE49-F238E27FC236}">
+                    <a16:creationId xmlns:a16="http://schemas.microsoft.com/office/drawing/2014/main" id="{8BE23903-7E7F-7047-8666-6C26A86C3D04}"/>
+                  </a:ext>
+                </a:extLst>
+              </p:cNvPr>
+              <p:cNvSpPr txBox="1"/>
+              <p:nvPr/>
+            </p:nvSpPr>
+            <p:spPr>
+              <a:xfrm>
+                <a:off x="1678329" y="4641448"/>
+                <a:ext cx="3719223" cy="460126"/>
+              </a:xfrm>
+              <a:prstGeom prst="rect">
+                <a:avLst/>
+              </a:prstGeom>
+              <a:noFill/>
+            </p:spPr>
+            <p:txBody>
+              <a:bodyPr wrap="none" lIns="0" tIns="0" rIns="0" bIns="0" rtlCol="0">
+                <a:spAutoFit/>
+              </a:bodyPr>
+              <a:lstStyle/>
+              <a:p>
+                <a:pPr/>
+                <a14:m>
+                  <m:oMathPara xmlns:m="http://schemas.openxmlformats.org/officeDocument/2006/math">
+                    <m:oMathParaPr>
+                      <m:jc m:val="centerGroup"/>
+                    </m:oMathParaPr>
+                    <m:oMath xmlns:m="http://schemas.openxmlformats.org/officeDocument/2006/math">
+                      <m:sSup>
+                        <m:sSupPr>
+                          <m:ctrlPr>
+                            <a:rPr lang="en-US" i="1" smtClean="0">
+                              <a:latin typeface="Cambria Math" panose="02040503050406030204" pitchFamily="18" charset="0"/>
+                            </a:rPr>
+                          </m:ctrlPr>
+                        </m:sSupPr>
+                        <m:e>
+                          <m:acc>
+                            <m:accPr>
+                              <m:chr m:val="̂"/>
+                              <m:ctrlPr>
+                                <a:rPr lang="en-US" i="1" smtClean="0">
+                                  <a:latin typeface="Cambria Math" panose="02040503050406030204" pitchFamily="18" charset="0"/>
+                                </a:rPr>
+                              </m:ctrlPr>
+                            </m:accPr>
+                            <m:e>
+                              <m:r>
+                                <a:rPr lang="en-US" i="1" smtClean="0">
+                                  <a:latin typeface="Cambria Math" panose="02040503050406030204" pitchFamily="18" charset="0"/>
+                                  <a:ea typeface="Cambria Math" panose="02040503050406030204" pitchFamily="18" charset="0"/>
+                                </a:rPr>
+                                <m:t>𝛽</m:t>
+                              </m:r>
+                            </m:e>
+                          </m:acc>
+                        </m:e>
+                        <m:sup>
+                          <m:r>
+                            <a:rPr lang="en-US" b="0" i="1" smtClean="0">
+                              <a:latin typeface="Cambria Math" panose="02040503050406030204" pitchFamily="18" charset="0"/>
+                            </a:rPr>
+                            <m:t>𝑟𝑖𝑑𝑔𝑒</m:t>
+                          </m:r>
+                        </m:sup>
+                      </m:sSup>
+                      <m:r>
+                        <a:rPr lang="en-US" b="0" i="1" smtClean="0">
+                          <a:latin typeface="Cambria Math" panose="02040503050406030204" pitchFamily="18" charset="0"/>
+                        </a:rPr>
+                        <m:t>=</m:t>
+                      </m:r>
+                      <m:sPre>
+                        <m:sPrePr>
+                          <m:ctrlPr>
+                            <a:rPr lang="en-US" b="0" i="1" smtClean="0">
+                              <a:latin typeface="Cambria Math" panose="02040503050406030204" pitchFamily="18" charset="0"/>
+                            </a:rPr>
+                          </m:ctrlPr>
+                        </m:sPrePr>
+                        <m:sub>
+                          <m:r>
+                            <a:rPr lang="en-US" b="0" i="1" smtClean="0">
+                              <a:latin typeface="Cambria Math" panose="02040503050406030204" pitchFamily="18" charset="0"/>
+                              <a:ea typeface="Cambria Math" panose="02040503050406030204" pitchFamily="18" charset="0"/>
+                            </a:rPr>
+                            <m:t>𝛽</m:t>
+                          </m:r>
+                          <m:r>
+                            <a:rPr lang="en-US" b="0" i="1" smtClean="0">
+                              <a:latin typeface="Cambria Math" panose="02040503050406030204" pitchFamily="18" charset="0"/>
+                              <a:ea typeface="Cambria Math" panose="02040503050406030204" pitchFamily="18" charset="0"/>
+                            </a:rPr>
+                            <m:t>∈</m:t>
+                          </m:r>
+                          <m:r>
+                            <a:rPr lang="en-US" b="0" i="1" smtClean="0">
+                              <a:latin typeface="Cambria Math" panose="02040503050406030204" pitchFamily="18" charset="0"/>
+                              <a:ea typeface="Cambria Math" panose="02040503050406030204" pitchFamily="18" charset="0"/>
+                            </a:rPr>
+                            <m:t>ℝ</m:t>
+                          </m:r>
+                        </m:sub>
+                        <m:sup>
+                          <m:r>
+                            <a:rPr lang="en-US" b="0" i="1" smtClean="0">
+                              <a:latin typeface="Cambria Math" panose="02040503050406030204" pitchFamily="18" charset="0"/>
+                            </a:rPr>
+                            <m:t>𝑎𝑟𝑔𝑚𝑖𝑛</m:t>
+                          </m:r>
+                        </m:sup>
+                        <m:e>
+                          <m:r>
+                            <a:rPr lang="en-US" b="0" i="1" smtClean="0">
+                              <a:latin typeface="Cambria Math" panose="02040503050406030204" pitchFamily="18" charset="0"/>
+                            </a:rPr>
+                            <m:t>|</m:t>
+                          </m:r>
+                          <m:d>
+                            <m:dPr>
+                              <m:begChr m:val="|"/>
+                              <m:endChr m:val="|"/>
+                              <m:ctrlPr>
+                                <a:rPr lang="en-US" b="0" i="1" smtClean="0">
+                                  <a:latin typeface="Cambria Math" panose="02040503050406030204" pitchFamily="18" charset="0"/>
+                                </a:rPr>
+                              </m:ctrlPr>
+                            </m:dPr>
+                            <m:e>
+                              <m:r>
+                                <a:rPr lang="en-US" b="0" i="1" smtClean="0">
+                                  <a:latin typeface="Cambria Math" panose="02040503050406030204" pitchFamily="18" charset="0"/>
+                                </a:rPr>
+                                <m:t>𝑦</m:t>
+                              </m:r>
+                              <m:r>
+                                <a:rPr lang="en-US" b="0" i="1" smtClean="0">
+                                  <a:latin typeface="Cambria Math" panose="02040503050406030204" pitchFamily="18" charset="0"/>
+                                </a:rPr>
+                                <m:t>=</m:t>
+                              </m:r>
+                              <m:r>
+                                <a:rPr lang="en-US" b="0" i="1" smtClean="0">
+                                  <a:latin typeface="Cambria Math" panose="02040503050406030204" pitchFamily="18" charset="0"/>
+                                </a:rPr>
+                                <m:t>𝑋𝐵</m:t>
+                              </m:r>
+                            </m:e>
+                          </m:d>
+                          <m:r>
+                            <a:rPr lang="en-US" b="0" i="1" smtClean="0">
+                              <a:latin typeface="Cambria Math" panose="02040503050406030204" pitchFamily="18" charset="0"/>
+                            </a:rPr>
+                            <m:t>|</m:t>
+                          </m:r>
+                          <m:sPre>
+                            <m:sPrePr>
+                              <m:ctrlPr>
+                                <a:rPr lang="en-US" b="0" i="1" smtClean="0">
+                                  <a:latin typeface="Cambria Math" panose="02040503050406030204" pitchFamily="18" charset="0"/>
+                                </a:rPr>
+                              </m:ctrlPr>
+                            </m:sPrePr>
+                            <m:sub>
+                              <m:r>
+                                <a:rPr lang="en-US" b="0" i="1" smtClean="0">
+                                  <a:latin typeface="Cambria Math" panose="02040503050406030204" pitchFamily="18" charset="0"/>
+                                </a:rPr>
+                                <m:t>2</m:t>
+                              </m:r>
+                            </m:sub>
+                            <m:sup>
+                              <m:r>
+                                <a:rPr lang="en-US" b="0" i="1" smtClean="0">
+                                  <a:latin typeface="Cambria Math" panose="02040503050406030204" pitchFamily="18" charset="0"/>
+                                </a:rPr>
+                                <m:t>2</m:t>
+                              </m:r>
+                            </m:sup>
+                            <m:e>
+                              <m:r>
+                                <a:rPr lang="en-US" b="0" i="1" smtClean="0">
+                                  <a:latin typeface="Cambria Math" panose="02040503050406030204" pitchFamily="18" charset="0"/>
+                                </a:rPr>
+                                <m:t>+</m:t>
+                              </m:r>
+                              <m:r>
+                                <a:rPr lang="en-US" b="0" i="1" smtClean="0">
+                                  <a:latin typeface="Cambria Math" panose="02040503050406030204" pitchFamily="18" charset="0"/>
+                                  <a:ea typeface="Cambria Math" panose="02040503050406030204" pitchFamily="18" charset="0"/>
+                                </a:rPr>
+                                <m:t>𝜆</m:t>
+                              </m:r>
+                              <m:r>
+                                <a:rPr lang="en-US" b="0" i="1" smtClean="0">
+                                  <a:latin typeface="Cambria Math" panose="02040503050406030204" pitchFamily="18" charset="0"/>
+                                  <a:ea typeface="Cambria Math" panose="02040503050406030204" pitchFamily="18" charset="0"/>
+                                </a:rPr>
+                                <m:t>|</m:t>
+                              </m:r>
+                              <m:d>
+                                <m:dPr>
+                                  <m:begChr m:val="|"/>
+                                  <m:endChr m:val="|"/>
+                                  <m:ctrlPr>
+                                    <a:rPr lang="en-US" b="0" i="1" smtClean="0">
+                                      <a:latin typeface="Cambria Math" panose="02040503050406030204" pitchFamily="18" charset="0"/>
+                                      <a:ea typeface="Cambria Math" panose="02040503050406030204" pitchFamily="18" charset="0"/>
+                                    </a:rPr>
+                                  </m:ctrlPr>
+                                </m:dPr>
+                                <m:e>
+                                  <m:r>
+                                    <a:rPr lang="en-US" b="0" i="1" smtClean="0">
+                                      <a:latin typeface="Cambria Math" panose="02040503050406030204" pitchFamily="18" charset="0"/>
+                                      <a:ea typeface="Cambria Math" panose="02040503050406030204" pitchFamily="18" charset="0"/>
+                                    </a:rPr>
+                                    <m:t>𝐵</m:t>
+                                  </m:r>
+                                </m:e>
+                              </m:d>
+                              <m:r>
+                                <a:rPr lang="en-US" b="0" i="1" smtClean="0">
+                                  <a:latin typeface="Cambria Math" panose="02040503050406030204" pitchFamily="18" charset="0"/>
+                                  <a:ea typeface="Cambria Math" panose="02040503050406030204" pitchFamily="18" charset="0"/>
+                                </a:rPr>
+                                <m:t>|</m:t>
+                              </m:r>
+                              <m:m>
+                                <m:mPr>
+                                  <m:mcs>
+                                    <m:mc>
+                                      <m:mcPr>
+                                        <m:count m:val="1"/>
+                                        <m:mcJc m:val="center"/>
+                                      </m:mcPr>
+                                    </m:mc>
+                                  </m:mcs>
+                                  <m:ctrlPr>
+                                    <a:rPr lang="en-US" b="0" i="1" smtClean="0">
+                                      <a:latin typeface="Cambria Math" panose="02040503050406030204" pitchFamily="18" charset="0"/>
+                                      <a:ea typeface="Cambria Math" panose="02040503050406030204" pitchFamily="18" charset="0"/>
+                                    </a:rPr>
+                                  </m:ctrlPr>
+                                </m:mPr>
+                                <m:mr>
+                                  <m:e>
+                                    <m:r>
+                                      <m:rPr>
+                                        <m:brk m:alnAt="7"/>
+                                      </m:rPr>
+                                      <a:rPr lang="en-US" b="0" i="1" smtClean="0">
+                                        <a:latin typeface="Cambria Math" panose="02040503050406030204" pitchFamily="18" charset="0"/>
+                                        <a:ea typeface="Cambria Math" panose="02040503050406030204" pitchFamily="18" charset="0"/>
+                                      </a:rPr>
+                                      <m:t>2</m:t>
+                                    </m:r>
+                                  </m:e>
+                                </m:mr>
+                                <m:mr>
+                                  <m:e>
+                                    <m:r>
+                                      <a:rPr lang="en-US" b="0" i="1" smtClean="0">
+                                        <a:latin typeface="Cambria Math" panose="02040503050406030204" pitchFamily="18" charset="0"/>
+                                        <a:ea typeface="Cambria Math" panose="02040503050406030204" pitchFamily="18" charset="0"/>
+                                      </a:rPr>
+                                      <m:t>2</m:t>
+                                    </m:r>
+                                  </m:e>
+                                </m:mr>
+                              </m:m>
+                            </m:e>
+                          </m:sPre>
+                        </m:e>
+                      </m:sPre>
+                    </m:oMath>
+                  </m:oMathPara>
+                </a14:m>
+                <a:endParaRPr lang="en-US" dirty="0"/>
+              </a:p>
+            </p:txBody>
+          </p:sp>
+        </mc:Choice>
+        <mc:Fallback xmlns="">
+          <p:sp>
+            <p:nvSpPr>
+              <p:cNvPr id="4" name="TextBox 3">
+                <a:extLst>
+                  <a:ext uri="{FF2B5EF4-FFF2-40B4-BE49-F238E27FC236}">
+                    <a16:creationId xmlns:a16="http://schemas.microsoft.com/office/drawing/2014/main" id="{8BE23903-7E7F-7047-8666-6C26A86C3D04}"/>
+                  </a:ext>
+                </a:extLst>
+              </p:cNvPr>
+              <p:cNvSpPr txBox="1">
+                <a:spLocks noRot="1" noChangeAspect="1" noMove="1" noResize="1" noEditPoints="1" noAdjustHandles="1" noChangeArrowheads="1" noChangeShapeType="1" noTextEdit="1"/>
+              </p:cNvSpPr>
+              <p:nvPr/>
+            </p:nvSpPr>
+            <p:spPr>
+              <a:xfrm>
+                <a:off x="1678329" y="4641448"/>
+                <a:ext cx="3719223" cy="460126"/>
+              </a:xfrm>
+              <a:prstGeom prst="rect">
+                <a:avLst/>
+              </a:prstGeom>
+              <a:blipFill>
+                <a:blip r:embed="rId4"/>
+                <a:stretch>
+                  <a:fillRect l="-683" t="-2632" b="-13158"/>
+                </a:stretch>
+              </a:blipFill>
+            </p:spPr>
+            <p:txBody>
+              <a:bodyPr/>
+              <a:lstStyle/>
+              <a:p>
+                <a:r>
+                  <a:rPr lang="en-US">
+                    <a:noFill/>
+                  </a:rPr>
+                  <a:t> </a:t>
+                </a:r>
+              </a:p>
+            </p:txBody>
+          </p:sp>
+        </mc:Fallback>
+      </mc:AlternateContent>
+      <p:pic>
+        <p:nvPicPr>
+          <p:cNvPr id="6" name="Picture 5">
+            <a:extLst>
+              <a:ext uri="{FF2B5EF4-FFF2-40B4-BE49-F238E27FC236}">
+                <a16:creationId xmlns:a16="http://schemas.microsoft.com/office/drawing/2014/main" id="{2AF19206-DD36-8D41-B49D-62F1E787D5BD}"/>
+              </a:ext>
+            </a:extLst>
+          </p:cNvPr>
+          <p:cNvPicPr>
+            <a:picLocks noChangeAspect="1"/>
+          </p:cNvPicPr>
+          <p:nvPr/>
+        </p:nvPicPr>
+        <p:blipFill>
+          <a:blip r:embed="rId5"/>
+          <a:stretch>
+            <a:fillRect/>
+          </a:stretch>
+        </p:blipFill>
+        <p:spPr>
+          <a:xfrm>
+            <a:off x="6635231" y="2395846"/>
+            <a:ext cx="5486400" cy="3657600"/>
+          </a:xfrm>
+          <a:prstGeom prst="rect">
+            <a:avLst/>
+          </a:prstGeom>
+        </p:spPr>
+      </p:pic>
     </p:spTree>
     <p:extLst>
       <p:ext uri="{BB962C8B-B14F-4D97-AF65-F5344CB8AC3E}">
-        <p14:creationId xmlns:p14="http://schemas.microsoft.com/office/powerpoint/2010/main" val="3056901069"/>
+        <p14:creationId xmlns:p14="http://schemas.microsoft.com/office/powerpoint/2010/main" val="3080609975"/>
       </p:ext>
     </p:extLst>
   </p:cSld>
@@ -7605,7 +9628,7 @@
           <p:cNvPr id="2" name="Title 1">
             <a:extLst>
               <a:ext uri="{FF2B5EF4-FFF2-40B4-BE49-F238E27FC236}">
-                <a16:creationId xmlns:a16="http://schemas.microsoft.com/office/drawing/2014/main" id="{3C0801F1-9F75-8349-ABD1-AE94A1CC07A3}"/>
+                <a16:creationId xmlns:a16="http://schemas.microsoft.com/office/drawing/2014/main" id="{2D688D31-140C-514C-A51B-652CF1F0A2CB}"/>
               </a:ext>
             </a:extLst>
           </p:cNvPr>
@@ -7623,40 +9646,110 @@
           <a:p>
             <a:r>
               <a:rPr lang="en-US" dirty="0"/>
-              <a:t>Ridge Regression</a:t>
-            </a:r>
-          </a:p>
-        </p:txBody>
-      </p:sp>
-      <p:sp>
-        <p:nvSpPr>
-          <p:cNvPr id="3" name="Content Placeholder 2">
-            <a:extLst>
-              <a:ext uri="{FF2B5EF4-FFF2-40B4-BE49-F238E27FC236}">
-                <a16:creationId xmlns:a16="http://schemas.microsoft.com/office/drawing/2014/main" id="{17E0E932-7040-9F40-B9EC-1E6D08247215}"/>
-              </a:ext>
-            </a:extLst>
-          </p:cNvPr>
-          <p:cNvSpPr>
-            <a:spLocks noGrp="1"/>
-          </p:cNvSpPr>
-          <p:nvPr>
-            <p:ph idx="1"/>
-          </p:nvPr>
-        </p:nvSpPr>
-        <p:spPr/>
-        <p:txBody>
-          <a:bodyPr/>
+              <a:t>Internal Validation of Model </a:t>
+            </a:r>
+          </a:p>
+        </p:txBody>
+      </p:sp>
+      <p:pic>
+        <p:nvPicPr>
+          <p:cNvPr id="5" name="Picture 4">
+            <a:extLst>
+              <a:ext uri="{FF2B5EF4-FFF2-40B4-BE49-F238E27FC236}">
+                <a16:creationId xmlns:a16="http://schemas.microsoft.com/office/drawing/2014/main" id="{4C4B9DFA-A7D9-9D48-BEE9-5AC397275421}"/>
+              </a:ext>
+            </a:extLst>
+          </p:cNvPr>
+          <p:cNvPicPr>
+            <a:picLocks noChangeAspect="1"/>
+          </p:cNvPicPr>
+          <p:nvPr/>
+        </p:nvPicPr>
+        <p:blipFill>
+          <a:blip r:embed="rId2"/>
+          <a:stretch>
+            <a:fillRect/>
+          </a:stretch>
+        </p:blipFill>
+        <p:spPr>
+          <a:xfrm>
+            <a:off x="8576482" y="164035"/>
+            <a:ext cx="3335379" cy="2773556"/>
+          </a:xfrm>
+          <a:prstGeom prst="rect">
+            <a:avLst/>
+          </a:prstGeom>
+        </p:spPr>
+      </p:pic>
+      <p:sp>
+        <p:nvSpPr>
+          <p:cNvPr id="6" name="TextBox 5">
+            <a:extLst>
+              <a:ext uri="{FF2B5EF4-FFF2-40B4-BE49-F238E27FC236}">
+                <a16:creationId xmlns:a16="http://schemas.microsoft.com/office/drawing/2014/main" id="{29FC51CF-9749-BA47-9781-72DFFCA6B8B3}"/>
+              </a:ext>
+            </a:extLst>
+          </p:cNvPr>
+          <p:cNvSpPr txBox="1"/>
+          <p:nvPr/>
+        </p:nvSpPr>
+        <p:spPr>
+          <a:xfrm>
+            <a:off x="8746113" y="353042"/>
+            <a:ext cx="1498059" cy="338554"/>
+          </a:xfrm>
+          <a:prstGeom prst="rect">
+            <a:avLst/>
+          </a:prstGeom>
+          <a:noFill/>
+        </p:spPr>
+        <p:txBody>
+          <a:bodyPr wrap="square" rtlCol="0">
+            <a:spAutoFit/>
+          </a:bodyPr>
           <a:lstStyle/>
           <a:p>
-            <a:endParaRPr lang="en-US"/>
-          </a:p>
-        </p:txBody>
-      </p:sp>
+            <a:r>
+              <a:rPr lang="en-US" sz="1600" dirty="0"/>
+              <a:t>Cross Validation</a:t>
+            </a:r>
+          </a:p>
+        </p:txBody>
+      </p:sp>
+      <p:pic>
+        <p:nvPicPr>
+          <p:cNvPr id="4" name="Picture 3">
+            <a:extLst>
+              <a:ext uri="{FF2B5EF4-FFF2-40B4-BE49-F238E27FC236}">
+                <a16:creationId xmlns:a16="http://schemas.microsoft.com/office/drawing/2014/main" id="{EF5FAA5D-4268-514D-98C8-B04B76B09C51}"/>
+              </a:ext>
+            </a:extLst>
+          </p:cNvPr>
+          <p:cNvPicPr>
+            <a:picLocks noChangeAspect="1"/>
+          </p:cNvPicPr>
+          <p:nvPr/>
+        </p:nvPicPr>
+        <p:blipFill>
+          <a:blip r:embed="rId3"/>
+          <a:stretch>
+            <a:fillRect/>
+          </a:stretch>
+        </p:blipFill>
+        <p:spPr>
+          <a:xfrm>
+            <a:off x="365585" y="2040673"/>
+            <a:ext cx="7849456" cy="4409998"/>
+          </a:xfrm>
+          <a:prstGeom prst="rect">
+            <a:avLst/>
+          </a:prstGeom>
+        </p:spPr>
+      </p:pic>
     </p:spTree>
     <p:extLst>
       <p:ext uri="{BB962C8B-B14F-4D97-AF65-F5344CB8AC3E}">
-        <p14:creationId xmlns:p14="http://schemas.microsoft.com/office/powerpoint/2010/main" val="3080609975"/>
+        <p14:creationId xmlns:p14="http://schemas.microsoft.com/office/powerpoint/2010/main" val="4143652669"/>
       </p:ext>
     </p:extLst>
   </p:cSld>
@@ -7688,7 +9781,7 @@
           <p:cNvPr id="2" name="Title 1">
             <a:extLst>
               <a:ext uri="{FF2B5EF4-FFF2-40B4-BE49-F238E27FC236}">
-                <a16:creationId xmlns:a16="http://schemas.microsoft.com/office/drawing/2014/main" id="{2D688D31-140C-514C-A51B-652CF1F0A2CB}"/>
+                <a16:creationId xmlns:a16="http://schemas.microsoft.com/office/drawing/2014/main" id="{195ED5CE-821E-8B4A-A08C-F302397FA83C}"/>
               </a:ext>
             </a:extLst>
           </p:cNvPr>
@@ -7701,22 +9794,24 @@
         </p:nvSpPr>
         <p:spPr/>
         <p:txBody>
-          <a:bodyPr/>
+          <a:bodyPr>
+            <a:normAutofit/>
+          </a:bodyPr>
           <a:lstStyle/>
           <a:p>
             <a:r>
-              <a:rPr lang="en-US" dirty="0"/>
-              <a:t>Internal Validation of Model </a:t>
+              <a:rPr lang="en-US" sz="3200" dirty="0"/>
+              <a:t>Same Subject, Between Task</a:t>
             </a:r>
           </a:p>
         </p:txBody>
       </p:sp>
       <p:pic>
         <p:nvPicPr>
-          <p:cNvPr id="5" name="Picture 4">
-            <a:extLst>
-              <a:ext uri="{FF2B5EF4-FFF2-40B4-BE49-F238E27FC236}">
-                <a16:creationId xmlns:a16="http://schemas.microsoft.com/office/drawing/2014/main" id="{4C4B9DFA-A7D9-9D48-BEE9-5AC397275421}"/>
+          <p:cNvPr id="4" name="Picture 3">
+            <a:extLst>
+              <a:ext uri="{FF2B5EF4-FFF2-40B4-BE49-F238E27FC236}">
+                <a16:creationId xmlns:a16="http://schemas.microsoft.com/office/drawing/2014/main" id="{2AF72CE0-CD59-1746-9B0D-03623F8CF9FF}"/>
               </a:ext>
             </a:extLst>
           </p:cNvPr>
@@ -7733,55 +9828,20 @@
         </p:blipFill>
         <p:spPr>
           <a:xfrm>
-            <a:off x="8576482" y="164035"/>
-            <a:ext cx="3335379" cy="2773556"/>
+            <a:off x="6463982" y="365125"/>
+            <a:ext cx="2303255" cy="1147181"/>
           </a:xfrm>
           <a:prstGeom prst="rect">
             <a:avLst/>
           </a:prstGeom>
         </p:spPr>
       </p:pic>
-      <p:sp>
-        <p:nvSpPr>
-          <p:cNvPr id="6" name="TextBox 5">
-            <a:extLst>
-              <a:ext uri="{FF2B5EF4-FFF2-40B4-BE49-F238E27FC236}">
-                <a16:creationId xmlns:a16="http://schemas.microsoft.com/office/drawing/2014/main" id="{29FC51CF-9749-BA47-9781-72DFFCA6B8B3}"/>
-              </a:ext>
-            </a:extLst>
-          </p:cNvPr>
-          <p:cNvSpPr txBox="1"/>
-          <p:nvPr/>
-        </p:nvSpPr>
-        <p:spPr>
-          <a:xfrm>
-            <a:off x="8746113" y="353042"/>
-            <a:ext cx="1498059" cy="338554"/>
-          </a:xfrm>
-          <a:prstGeom prst="rect">
-            <a:avLst/>
-          </a:prstGeom>
-          <a:noFill/>
-        </p:spPr>
-        <p:txBody>
-          <a:bodyPr wrap="square" rtlCol="0">
-            <a:spAutoFit/>
-          </a:bodyPr>
-          <a:lstStyle/>
-          <a:p>
-            <a:r>
-              <a:rPr lang="en-US" sz="1600" dirty="0"/>
-              <a:t>Cross Validation</a:t>
-            </a:r>
-          </a:p>
-        </p:txBody>
-      </p:sp>
       <p:pic>
         <p:nvPicPr>
-          <p:cNvPr id="4" name="Picture 3">
-            <a:extLst>
-              <a:ext uri="{FF2B5EF4-FFF2-40B4-BE49-F238E27FC236}">
-                <a16:creationId xmlns:a16="http://schemas.microsoft.com/office/drawing/2014/main" id="{EF5FAA5D-4268-514D-98C8-B04B76B09C51}"/>
+          <p:cNvPr id="5" name="Picture 4">
+            <a:extLst>
+              <a:ext uri="{FF2B5EF4-FFF2-40B4-BE49-F238E27FC236}">
+                <a16:creationId xmlns:a16="http://schemas.microsoft.com/office/drawing/2014/main" id="{AB76C223-56A7-0C4C-9B74-481FEAD69F03}"/>
               </a:ext>
             </a:extLst>
           </p:cNvPr>
@@ -7798,8 +9858,98 @@
         </p:blipFill>
         <p:spPr>
           <a:xfrm>
-            <a:off x="365585" y="2040673"/>
-            <a:ext cx="7849456" cy="4409998"/>
+            <a:off x="6734707" y="631525"/>
+            <a:ext cx="579360" cy="559458"/>
+          </a:xfrm>
+          <a:prstGeom prst="rect">
+            <a:avLst/>
+          </a:prstGeom>
+        </p:spPr>
+      </p:pic>
+      <p:pic>
+        <p:nvPicPr>
+          <p:cNvPr id="6" name="Picture 5">
+            <a:extLst>
+              <a:ext uri="{FF2B5EF4-FFF2-40B4-BE49-F238E27FC236}">
+                <a16:creationId xmlns:a16="http://schemas.microsoft.com/office/drawing/2014/main" id="{94D54403-0CEA-EA41-9405-9828372C2532}"/>
+              </a:ext>
+            </a:extLst>
+          </p:cNvPr>
+          <p:cNvPicPr>
+            <a:picLocks noChangeAspect="1"/>
+          </p:cNvPicPr>
+          <p:nvPr/>
+        </p:nvPicPr>
+        <p:blipFill>
+          <a:blip r:embed="rId2"/>
+          <a:stretch>
+            <a:fillRect/>
+          </a:stretch>
+        </p:blipFill>
+        <p:spPr>
+          <a:xfrm>
+            <a:off x="9050545" y="365125"/>
+            <a:ext cx="2303255" cy="1147181"/>
+          </a:xfrm>
+          <a:prstGeom prst="rect">
+            <a:avLst/>
+          </a:prstGeom>
+        </p:spPr>
+      </p:pic>
+      <p:pic>
+        <p:nvPicPr>
+          <p:cNvPr id="7" name="Picture 6">
+            <a:extLst>
+              <a:ext uri="{FF2B5EF4-FFF2-40B4-BE49-F238E27FC236}">
+                <a16:creationId xmlns:a16="http://schemas.microsoft.com/office/drawing/2014/main" id="{2311CE01-07D5-1748-B5EF-18418385570B}"/>
+              </a:ext>
+            </a:extLst>
+          </p:cNvPr>
+          <p:cNvPicPr>
+            <a:picLocks noChangeAspect="1"/>
+          </p:cNvPicPr>
+          <p:nvPr/>
+        </p:nvPicPr>
+        <p:blipFill>
+          <a:blip r:embed="rId4"/>
+          <a:stretch>
+            <a:fillRect/>
+          </a:stretch>
+        </p:blipFill>
+        <p:spPr>
+          <a:xfrm>
+            <a:off x="9372902" y="669432"/>
+            <a:ext cx="545962" cy="397742"/>
+          </a:xfrm>
+          <a:prstGeom prst="rect">
+            <a:avLst/>
+          </a:prstGeom>
+        </p:spPr>
+      </p:pic>
+      <p:pic>
+        <p:nvPicPr>
+          <p:cNvPr id="11" name="Picture 10">
+            <a:extLst>
+              <a:ext uri="{FF2B5EF4-FFF2-40B4-BE49-F238E27FC236}">
+                <a16:creationId xmlns:a16="http://schemas.microsoft.com/office/drawing/2014/main" id="{954F478C-9CD7-1343-A43A-93F7ED2882C8}"/>
+              </a:ext>
+            </a:extLst>
+          </p:cNvPr>
+          <p:cNvPicPr>
+            <a:picLocks noChangeAspect="1"/>
+          </p:cNvPicPr>
+          <p:nvPr/>
+        </p:nvPicPr>
+        <p:blipFill>
+          <a:blip r:embed="rId5"/>
+          <a:stretch>
+            <a:fillRect/>
+          </a:stretch>
+        </p:blipFill>
+        <p:spPr>
+          <a:xfrm>
+            <a:off x="122664" y="1994995"/>
+            <a:ext cx="11656166" cy="3781337"/>
           </a:xfrm>
           <a:prstGeom prst="rect">
             <a:avLst/>
@@ -7809,7 +9959,7 @@
     </p:spTree>
     <p:extLst>
       <p:ext uri="{BB962C8B-B14F-4D97-AF65-F5344CB8AC3E}">
-        <p14:creationId xmlns:p14="http://schemas.microsoft.com/office/powerpoint/2010/main" val="4143652669"/>
+        <p14:creationId xmlns:p14="http://schemas.microsoft.com/office/powerpoint/2010/main" val="1311489992"/>
       </p:ext>
     </p:extLst>
   </p:cSld>
@@ -7841,7 +9991,7 @@
           <p:cNvPr id="2" name="Title 1">
             <a:extLst>
               <a:ext uri="{FF2B5EF4-FFF2-40B4-BE49-F238E27FC236}">
-                <a16:creationId xmlns:a16="http://schemas.microsoft.com/office/drawing/2014/main" id="{195ED5CE-821E-8B4A-A08C-F302397FA83C}"/>
+                <a16:creationId xmlns:a16="http://schemas.microsoft.com/office/drawing/2014/main" id="{1D3A34D6-73C8-3046-A9F9-E75648BC7417}"/>
               </a:ext>
             </a:extLst>
           </p:cNvPr>
@@ -7861,17 +10011,17 @@
           <a:p>
             <a:r>
               <a:rPr lang="en-US" sz="3200" dirty="0"/>
-              <a:t>Same Subject, Between Task</a:t>
+              <a:t>Different subject same task</a:t>
             </a:r>
           </a:p>
         </p:txBody>
       </p:sp>
       <p:pic>
         <p:nvPicPr>
-          <p:cNvPr id="4" name="Picture 3">
-            <a:extLst>
-              <a:ext uri="{FF2B5EF4-FFF2-40B4-BE49-F238E27FC236}">
-                <a16:creationId xmlns:a16="http://schemas.microsoft.com/office/drawing/2014/main" id="{2AF72CE0-CD59-1746-9B0D-03623F8CF9FF}"/>
+          <p:cNvPr id="6" name="Picture 5">
+            <a:extLst>
+              <a:ext uri="{FF2B5EF4-FFF2-40B4-BE49-F238E27FC236}">
+                <a16:creationId xmlns:a16="http://schemas.microsoft.com/office/drawing/2014/main" id="{71AA2547-BB1D-1041-B90C-8DB365870AC9}"/>
               </a:ext>
             </a:extLst>
           </p:cNvPr>
@@ -7888,8 +10038,8 @@
         </p:blipFill>
         <p:spPr>
           <a:xfrm>
-            <a:off x="6463982" y="365125"/>
-            <a:ext cx="2303255" cy="1147181"/>
+            <a:off x="9586469" y="441371"/>
+            <a:ext cx="2299758" cy="1145440"/>
           </a:xfrm>
           <a:prstGeom prst="rect">
             <a:avLst/>
@@ -7898,10 +10048,10 @@
       </p:pic>
       <p:pic>
         <p:nvPicPr>
-          <p:cNvPr id="5" name="Picture 4">
-            <a:extLst>
-              <a:ext uri="{FF2B5EF4-FFF2-40B4-BE49-F238E27FC236}">
-                <a16:creationId xmlns:a16="http://schemas.microsoft.com/office/drawing/2014/main" id="{AB76C223-56A7-0C4C-9B74-481FEAD69F03}"/>
+          <p:cNvPr id="7" name="Picture 6">
+            <a:extLst>
+              <a:ext uri="{FF2B5EF4-FFF2-40B4-BE49-F238E27FC236}">
+                <a16:creationId xmlns:a16="http://schemas.microsoft.com/office/drawing/2014/main" id="{F15E4A10-0663-364B-BCCE-D05742C90761}"/>
               </a:ext>
             </a:extLst>
           </p:cNvPr>
@@ -7918,8 +10068,8 @@
         </p:blipFill>
         <p:spPr>
           <a:xfrm>
-            <a:off x="6734707" y="631525"/>
-            <a:ext cx="579360" cy="559458"/>
+            <a:off x="9867108" y="761984"/>
+            <a:ext cx="545134" cy="397139"/>
           </a:xfrm>
           <a:prstGeom prst="rect">
             <a:avLst/>
@@ -7928,10 +10078,39 @@
       </p:pic>
       <p:pic>
         <p:nvPicPr>
-          <p:cNvPr id="6" name="Picture 5">
-            <a:extLst>
-              <a:ext uri="{FF2B5EF4-FFF2-40B4-BE49-F238E27FC236}">
-                <a16:creationId xmlns:a16="http://schemas.microsoft.com/office/drawing/2014/main" id="{94D54403-0CEA-EA41-9405-9828372C2532}"/>
+          <p:cNvPr id="14" name="Picture 13">
+            <a:extLst>
+              <a:ext uri="{FF2B5EF4-FFF2-40B4-BE49-F238E27FC236}">
+                <a16:creationId xmlns:a16="http://schemas.microsoft.com/office/drawing/2014/main" id="{6CB4F419-736A-9146-AE24-D114AF35A105}"/>
+              </a:ext>
+            </a:extLst>
+          </p:cNvPr>
+          <p:cNvPicPr>
+            <a:picLocks noChangeAspect="1"/>
+          </p:cNvPicPr>
+          <p:nvPr/>
+        </p:nvPicPr>
+        <p:blipFill rotWithShape="1">
+          <a:blip r:embed="rId4"/>
+          <a:srcRect l="1297" t="8770" r="5594"/>
+          <a:stretch/>
+        </p:blipFill>
+        <p:spPr>
+          <a:xfrm>
+            <a:off x="6872118" y="441371"/>
+            <a:ext cx="2391522" cy="1197379"/>
+          </a:xfrm>
+          <a:prstGeom prst="rect">
+            <a:avLst/>
+          </a:prstGeom>
+        </p:spPr>
+      </p:pic>
+      <p:pic>
+        <p:nvPicPr>
+          <p:cNvPr id="15" name="Picture 14">
+            <a:extLst>
+              <a:ext uri="{FF2B5EF4-FFF2-40B4-BE49-F238E27FC236}">
+                <a16:creationId xmlns:a16="http://schemas.microsoft.com/office/drawing/2014/main" id="{138BEE78-C707-5B41-A80E-5942DDE5A9E6}"/>
               </a:ext>
             </a:extLst>
           </p:cNvPr>
@@ -7941,15 +10120,15 @@
           <p:nvPr/>
         </p:nvPicPr>
         <p:blipFill>
-          <a:blip r:embed="rId2"/>
+          <a:blip r:embed="rId3"/>
           <a:stretch>
             <a:fillRect/>
           </a:stretch>
         </p:blipFill>
         <p:spPr>
           <a:xfrm>
-            <a:off x="9050545" y="365125"/>
-            <a:ext cx="2303255" cy="1147181"/>
+            <a:off x="8419226" y="749952"/>
+            <a:ext cx="545962" cy="397742"/>
           </a:xfrm>
           <a:prstGeom prst="rect">
             <a:avLst/>
@@ -7958,40 +10137,10 @@
       </p:pic>
       <p:pic>
         <p:nvPicPr>
-          <p:cNvPr id="7" name="Picture 6">
-            <a:extLst>
-              <a:ext uri="{FF2B5EF4-FFF2-40B4-BE49-F238E27FC236}">
-                <a16:creationId xmlns:a16="http://schemas.microsoft.com/office/drawing/2014/main" id="{2311CE01-07D5-1748-B5EF-18418385570B}"/>
-              </a:ext>
-            </a:extLst>
-          </p:cNvPr>
-          <p:cNvPicPr>
-            <a:picLocks noChangeAspect="1"/>
-          </p:cNvPicPr>
-          <p:nvPr/>
-        </p:nvPicPr>
-        <p:blipFill>
-          <a:blip r:embed="rId4"/>
-          <a:stretch>
-            <a:fillRect/>
-          </a:stretch>
-        </p:blipFill>
-        <p:spPr>
-          <a:xfrm>
-            <a:off x="9372902" y="669432"/>
-            <a:ext cx="545962" cy="397742"/>
-          </a:xfrm>
-          <a:prstGeom prst="rect">
-            <a:avLst/>
-          </a:prstGeom>
-        </p:spPr>
-      </p:pic>
-      <p:pic>
-        <p:nvPicPr>
-          <p:cNvPr id="11" name="Picture 10">
-            <a:extLst>
-              <a:ext uri="{FF2B5EF4-FFF2-40B4-BE49-F238E27FC236}">
-                <a16:creationId xmlns:a16="http://schemas.microsoft.com/office/drawing/2014/main" id="{954F478C-9CD7-1343-A43A-93F7ED2882C8}"/>
+          <p:cNvPr id="4" name="Picture 3">
+            <a:extLst>
+              <a:ext uri="{FF2B5EF4-FFF2-40B4-BE49-F238E27FC236}">
+                <a16:creationId xmlns:a16="http://schemas.microsoft.com/office/drawing/2014/main" id="{7A0F5C73-8BA7-EE46-BCCA-5311804F1D83}"/>
               </a:ext>
             </a:extLst>
           </p:cNvPr>
@@ -8008,8 +10157,8 @@
         </p:blipFill>
         <p:spPr>
           <a:xfrm>
-            <a:off x="122664" y="1994995"/>
-            <a:ext cx="11656166" cy="3781337"/>
+            <a:off x="1274456" y="1766934"/>
+            <a:ext cx="8865219" cy="5035289"/>
           </a:xfrm>
           <a:prstGeom prst="rect">
             <a:avLst/>
@@ -8019,7 +10168,7 @@
     </p:spTree>
     <p:extLst>
       <p:ext uri="{BB962C8B-B14F-4D97-AF65-F5344CB8AC3E}">
-        <p14:creationId xmlns:p14="http://schemas.microsoft.com/office/powerpoint/2010/main" val="1311489992"/>
+        <p14:creationId xmlns:p14="http://schemas.microsoft.com/office/powerpoint/2010/main" val="3198958329"/>
       </p:ext>
     </p:extLst>
   </p:cSld>
@@ -8322,4 +10471,299 @@
     </a:ext>
   </a:extLst>
 </a:theme>
+</file>
+
+<file path=ppt/theme/theme2.xml><?xml version="1.0" encoding="utf-8"?>
+<a:theme xmlns:a="http://schemas.openxmlformats.org/drawingml/2006/main" name="Office Theme">
+  <a:themeElements>
+    <a:clrScheme name="Office">
+      <a:dk1>
+        <a:sysClr val="windowText" lastClr="000000"/>
+      </a:dk1>
+      <a:lt1>
+        <a:sysClr val="window" lastClr="FFFFFF"/>
+      </a:lt1>
+      <a:dk2>
+        <a:srgbClr val="44546A"/>
+      </a:dk2>
+      <a:lt2>
+        <a:srgbClr val="E7E6E6"/>
+      </a:lt2>
+      <a:accent1>
+        <a:srgbClr val="4472C4"/>
+      </a:accent1>
+      <a:accent2>
+        <a:srgbClr val="ED7D31"/>
+      </a:accent2>
+      <a:accent3>
+        <a:srgbClr val="A5A5A5"/>
+      </a:accent3>
+      <a:accent4>
+        <a:srgbClr val="FFC000"/>
+      </a:accent4>
+      <a:accent5>
+        <a:srgbClr val="5B9BD5"/>
+      </a:accent5>
+      <a:accent6>
+        <a:srgbClr val="70AD47"/>
+      </a:accent6>
+      <a:hlink>
+        <a:srgbClr val="0563C1"/>
+      </a:hlink>
+      <a:folHlink>
+        <a:srgbClr val="954F72"/>
+      </a:folHlink>
+    </a:clrScheme>
+    <a:fontScheme name="Office">
+      <a:majorFont>
+        <a:latin typeface="Calibri Light" panose="020F0302020204030204"/>
+        <a:ea typeface=""/>
+        <a:cs typeface=""/>
+        <a:font script="Jpan" typeface="游ゴシック Light"/>
+        <a:font script="Hang" typeface="맑은 고딕"/>
+        <a:font script="Hans" typeface="等线 Light"/>
+        <a:font script="Hant" typeface="新細明體"/>
+        <a:font script="Arab" typeface="Times New Roman"/>
+        <a:font script="Hebr" typeface="Times New Roman"/>
+        <a:font script="Thai" typeface="Angsana New"/>
+        <a:font script="Ethi" typeface="Nyala"/>
+        <a:font script="Beng" typeface="Vrinda"/>
+        <a:font script="Gujr" typeface="Shruti"/>
+        <a:font script="Khmr" typeface="MoolBoran"/>
+        <a:font script="Knda" typeface="Tunga"/>
+        <a:font script="Guru" typeface="Raavi"/>
+        <a:font script="Cans" typeface="Euphemia"/>
+        <a:font script="Cher" typeface="Plantagenet Cherokee"/>
+        <a:font script="Yiii" typeface="Microsoft Yi Baiti"/>
+        <a:font script="Tibt" typeface="Microsoft Himalaya"/>
+        <a:font script="Thaa" typeface="MV Boli"/>
+        <a:font script="Deva" typeface="Mangal"/>
+        <a:font script="Telu" typeface="Gautami"/>
+        <a:font script="Taml" typeface="Latha"/>
+        <a:font script="Syrc" typeface="Estrangelo Edessa"/>
+        <a:font script="Orya" typeface="Kalinga"/>
+        <a:font script="Mlym" typeface="Kartika"/>
+        <a:font script="Laoo" typeface="DokChampa"/>
+        <a:font script="Sinh" typeface="Iskoola Pota"/>
+        <a:font script="Mong" typeface="Mongolian Baiti"/>
+        <a:font script="Viet" typeface="Times New Roman"/>
+        <a:font script="Uigh" typeface="Microsoft Uighur"/>
+        <a:font script="Geor" typeface="Sylfaen"/>
+        <a:font script="Armn" typeface="Arial"/>
+        <a:font script="Bugi" typeface="Leelawadee UI"/>
+        <a:font script="Bopo" typeface="Microsoft JhengHei"/>
+        <a:font script="Java" typeface="Javanese Text"/>
+        <a:font script="Lisu" typeface="Segoe UI"/>
+        <a:font script="Mymr" typeface="Myanmar Text"/>
+        <a:font script="Nkoo" typeface="Ebrima"/>
+        <a:font script="Olck" typeface="Nirmala UI"/>
+        <a:font script="Osma" typeface="Ebrima"/>
+        <a:font script="Phag" typeface="Phagspa"/>
+        <a:font script="Syrn" typeface="Estrangelo Edessa"/>
+        <a:font script="Syrj" typeface="Estrangelo Edessa"/>
+        <a:font script="Syre" typeface="Estrangelo Edessa"/>
+        <a:font script="Sora" typeface="Nirmala UI"/>
+        <a:font script="Tale" typeface="Microsoft Tai Le"/>
+        <a:font script="Talu" typeface="Microsoft New Tai Lue"/>
+        <a:font script="Tfng" typeface="Ebrima"/>
+      </a:majorFont>
+      <a:minorFont>
+        <a:latin typeface="Calibri" panose="020F0502020204030204"/>
+        <a:ea typeface=""/>
+        <a:cs typeface=""/>
+        <a:font script="Jpan" typeface="游ゴシック"/>
+        <a:font script="Hang" typeface="맑은 고딕"/>
+        <a:font script="Hans" typeface="等线"/>
+        <a:font script="Hant" typeface="新細明體"/>
+        <a:font script="Arab" typeface="Arial"/>
+        <a:font script="Hebr" typeface="Arial"/>
+        <a:font script="Thai" typeface="Cordia New"/>
+        <a:font script="Ethi" typeface="Nyala"/>
+        <a:font script="Beng" typeface="Vrinda"/>
+        <a:font script="Gujr" typeface="Shruti"/>
+        <a:font script="Khmr" typeface="DaunPenh"/>
+        <a:font script="Knda" typeface="Tunga"/>
+        <a:font script="Guru" typeface="Raavi"/>
+        <a:font script="Cans" typeface="Euphemia"/>
+        <a:font script="Cher" typeface="Plantagenet Cherokee"/>
+        <a:font script="Yiii" typeface="Microsoft Yi Baiti"/>
+        <a:font script="Tibt" typeface="Microsoft Himalaya"/>
+        <a:font script="Thaa" typeface="MV Boli"/>
+        <a:font script="Deva" typeface="Mangal"/>
+        <a:font script="Telu" typeface="Gautami"/>
+        <a:font script="Taml" typeface="Latha"/>
+        <a:font script="Syrc" typeface="Estrangelo Edessa"/>
+        <a:font script="Orya" typeface="Kalinga"/>
+        <a:font script="Mlym" typeface="Kartika"/>
+        <a:font script="Laoo" typeface="DokChampa"/>
+        <a:font script="Sinh" typeface="Iskoola Pota"/>
+        <a:font script="Mong" typeface="Mongolian Baiti"/>
+        <a:font script="Viet" typeface="Arial"/>
+        <a:font script="Uigh" typeface="Microsoft Uighur"/>
+        <a:font script="Geor" typeface="Sylfaen"/>
+        <a:font script="Armn" typeface="Arial"/>
+        <a:font script="Bugi" typeface="Leelawadee UI"/>
+        <a:font script="Bopo" typeface="Microsoft JhengHei"/>
+        <a:font script="Java" typeface="Javanese Text"/>
+        <a:font script="Lisu" typeface="Segoe UI"/>
+        <a:font script="Mymr" typeface="Myanmar Text"/>
+        <a:font script="Nkoo" typeface="Ebrima"/>
+        <a:font script="Olck" typeface="Nirmala UI"/>
+        <a:font script="Osma" typeface="Ebrima"/>
+        <a:font script="Phag" typeface="Phagspa"/>
+        <a:font script="Syrn" typeface="Estrangelo Edessa"/>
+        <a:font script="Syrj" typeface="Estrangelo Edessa"/>
+        <a:font script="Syre" typeface="Estrangelo Edessa"/>
+        <a:font script="Sora" typeface="Nirmala UI"/>
+        <a:font script="Tale" typeface="Microsoft Tai Le"/>
+        <a:font script="Talu" typeface="Microsoft New Tai Lue"/>
+        <a:font script="Tfng" typeface="Ebrima"/>
+      </a:minorFont>
+    </a:fontScheme>
+    <a:fmtScheme name="Office">
+      <a:fillStyleLst>
+        <a:solidFill>
+          <a:schemeClr val="phClr"/>
+        </a:solidFill>
+        <a:gradFill rotWithShape="1">
+          <a:gsLst>
+            <a:gs pos="0">
+              <a:schemeClr val="phClr">
+                <a:lumMod val="110000"/>
+                <a:satMod val="105000"/>
+                <a:tint val="67000"/>
+              </a:schemeClr>
+            </a:gs>
+            <a:gs pos="50000">
+              <a:schemeClr val="phClr">
+                <a:lumMod val="105000"/>
+                <a:satMod val="103000"/>
+                <a:tint val="73000"/>
+              </a:schemeClr>
+            </a:gs>
+            <a:gs pos="100000">
+              <a:schemeClr val="phClr">
+                <a:lumMod val="105000"/>
+                <a:satMod val="109000"/>
+                <a:tint val="81000"/>
+              </a:schemeClr>
+            </a:gs>
+          </a:gsLst>
+          <a:lin ang="5400000" scaled="0"/>
+        </a:gradFill>
+        <a:gradFill rotWithShape="1">
+          <a:gsLst>
+            <a:gs pos="0">
+              <a:schemeClr val="phClr">
+                <a:satMod val="103000"/>
+                <a:lumMod val="102000"/>
+                <a:tint val="94000"/>
+              </a:schemeClr>
+            </a:gs>
+            <a:gs pos="50000">
+              <a:schemeClr val="phClr">
+                <a:satMod val="110000"/>
+                <a:lumMod val="100000"/>
+                <a:shade val="100000"/>
+              </a:schemeClr>
+            </a:gs>
+            <a:gs pos="100000">
+              <a:schemeClr val="phClr">
+                <a:lumMod val="99000"/>
+                <a:satMod val="120000"/>
+                <a:shade val="78000"/>
+              </a:schemeClr>
+            </a:gs>
+          </a:gsLst>
+          <a:lin ang="5400000" scaled="0"/>
+        </a:gradFill>
+      </a:fillStyleLst>
+      <a:lnStyleLst>
+        <a:ln w="6350" cap="flat" cmpd="sng" algn="ctr">
+          <a:solidFill>
+            <a:schemeClr val="phClr"/>
+          </a:solidFill>
+          <a:prstDash val="solid"/>
+          <a:miter lim="800000"/>
+        </a:ln>
+        <a:ln w="12700" cap="flat" cmpd="sng" algn="ctr">
+          <a:solidFill>
+            <a:schemeClr val="phClr"/>
+          </a:solidFill>
+          <a:prstDash val="solid"/>
+          <a:miter lim="800000"/>
+        </a:ln>
+        <a:ln w="19050" cap="flat" cmpd="sng" algn="ctr">
+          <a:solidFill>
+            <a:schemeClr val="phClr"/>
+          </a:solidFill>
+          <a:prstDash val="solid"/>
+          <a:miter lim="800000"/>
+        </a:ln>
+      </a:lnStyleLst>
+      <a:effectStyleLst>
+        <a:effectStyle>
+          <a:effectLst/>
+        </a:effectStyle>
+        <a:effectStyle>
+          <a:effectLst/>
+        </a:effectStyle>
+        <a:effectStyle>
+          <a:effectLst>
+            <a:outerShdw blurRad="57150" dist="19050" dir="5400000" algn="ctr" rotWithShape="0">
+              <a:srgbClr val="000000">
+                <a:alpha val="63000"/>
+              </a:srgbClr>
+            </a:outerShdw>
+          </a:effectLst>
+        </a:effectStyle>
+      </a:effectStyleLst>
+      <a:bgFillStyleLst>
+        <a:solidFill>
+          <a:schemeClr val="phClr"/>
+        </a:solidFill>
+        <a:solidFill>
+          <a:schemeClr val="phClr">
+            <a:tint val="95000"/>
+            <a:satMod val="170000"/>
+          </a:schemeClr>
+        </a:solidFill>
+        <a:gradFill rotWithShape="1">
+          <a:gsLst>
+            <a:gs pos="0">
+              <a:schemeClr val="phClr">
+                <a:tint val="93000"/>
+                <a:satMod val="150000"/>
+                <a:shade val="98000"/>
+                <a:lumMod val="102000"/>
+              </a:schemeClr>
+            </a:gs>
+            <a:gs pos="50000">
+              <a:schemeClr val="phClr">
+                <a:tint val="98000"/>
+                <a:satMod val="130000"/>
+                <a:shade val="90000"/>
+                <a:lumMod val="103000"/>
+              </a:schemeClr>
+            </a:gs>
+            <a:gs pos="100000">
+              <a:schemeClr val="phClr">
+                <a:shade val="63000"/>
+                <a:satMod val="120000"/>
+              </a:schemeClr>
+            </a:gs>
+          </a:gsLst>
+          <a:lin ang="5400000" scaled="0"/>
+        </a:gradFill>
+      </a:bgFillStyleLst>
+    </a:fmtScheme>
+  </a:themeElements>
+  <a:objectDefaults/>
+  <a:extraClrSchemeLst/>
+  <a:extLst>
+    <a:ext uri="{05A4C25C-085E-4340-85A3-A5531E510DB2}">
+      <thm15:themeFamily xmlns:thm15="http://schemas.microsoft.com/office/thememl/2012/main" name="Office Theme" id="{62F939B6-93AF-4DB8-9C6B-D6C7DFDC589F}" vid="{4A3C46E8-61CC-4603-A589-7422A47A8E4A}"/>
+    </a:ext>
+  </a:extLst>
+</a:theme>
 </file>
--- a/analysis/output/mL/presentation/updated_mL.pptx
+++ b/analysis/output/mL/presentation/updated_mL.pptx
@@ -6850,7 +6850,7 @@
           <a:p>
             <a:r>
               <a:rPr lang="en-US" sz="3200" dirty="0"/>
-              <a:t>Does variation between individuals influence classification?</a:t>
+              <a:t>Could variation between individuals influence classification?</a:t>
             </a:r>
           </a:p>
         </p:txBody>
@@ -9131,8 +9131,8 @@
           </a:p>
         </p:txBody>
       </p:sp>
-      <mc:AlternateContent xmlns:mc="http://schemas.openxmlformats.org/markup-compatibility/2006">
-        <mc:Choice xmlns:a14="http://schemas.microsoft.com/office/drawing/2010/main" Requires="a14">
+      <mc:AlternateContent xmlns:mc="http://schemas.openxmlformats.org/markup-compatibility/2006" xmlns:a14="http://schemas.microsoft.com/office/drawing/2010/main">
+        <mc:Choice Requires="a14">
           <p:sp>
             <p:nvSpPr>
               <p:cNvPr id="3" name="Content Placeholder 2">
@@ -9182,7 +9182,7 @@
             </p:txBody>
           </p:sp>
         </mc:Choice>
-        <mc:Fallback>
+        <mc:Fallback xmlns="">
           <p:sp>
             <p:nvSpPr>
               <p:cNvPr id="3" name="Content Placeholder 2">

--- a/analysis/output/mL/presentation/updated_mL.pptx
+++ b/analysis/output/mL/presentation/updated_mL.pptx
@@ -5,7 +5,7 @@
     <p:sldMasterId id="2147483648" r:id="rId1"/>
   </p:sldMasterIdLst>
   <p:notesMasterIdLst>
-    <p:notesMasterId r:id="rId23"/>
+    <p:notesMasterId r:id="rId18"/>
   </p:notesMasterIdLst>
   <p:sldIdLst>
     <p:sldId id="256" r:id="rId2"/>
@@ -24,11 +24,6 @@
     <p:sldId id="270" r:id="rId15"/>
     <p:sldId id="271" r:id="rId16"/>
     <p:sldId id="272" r:id="rId17"/>
-    <p:sldId id="275" r:id="rId18"/>
-    <p:sldId id="276" r:id="rId19"/>
-    <p:sldId id="277" r:id="rId20"/>
-    <p:sldId id="278" r:id="rId21"/>
-    <p:sldId id="279" r:id="rId22"/>
   </p:sldIdLst>
   <p:sldSz cx="12192000" cy="6858000"/>
   <p:notesSz cx="6858000" cy="9144000"/>
@@ -217,7 +212,7 @@
           <a:p>
             <a:fld id="{B867A404-75F8-EE4B-8665-239A00A102E8}" type="datetimeFigureOut">
               <a:rPr lang="en-US" smtClean="0"/>
-              <a:t>6/16/20</a:t>
+              <a:t>6/25/20</a:t>
             </a:fld>
             <a:endParaRPr lang="en-US"/>
           </a:p>
@@ -848,93 +843,6 @@
 </p:notes>
 </file>
 
-<file path=ppt/notesSlides/notesSlide5.xml><?xml version="1.0" encoding="utf-8"?>
-<p:notes xmlns:a="http://schemas.openxmlformats.org/drawingml/2006/main" xmlns:r="http://schemas.openxmlformats.org/officeDocument/2006/relationships" xmlns:p="http://schemas.openxmlformats.org/presentationml/2006/main">
-  <p:cSld>
-    <p:spTree>
-      <p:nvGrpSpPr>
-        <p:cNvPr id="1" name=""/>
-        <p:cNvGrpSpPr/>
-        <p:nvPr/>
-      </p:nvGrpSpPr>
-      <p:grpSpPr>
-        <a:xfrm>
-          <a:off x="0" y="0"/>
-          <a:ext cx="0" cy="0"/>
-          <a:chOff x="0" y="0"/>
-          <a:chExt cx="0" cy="0"/>
-        </a:xfrm>
-      </p:grpSpPr>
-      <p:sp>
-        <p:nvSpPr>
-          <p:cNvPr id="2" name="Slide Image Placeholder 1"/>
-          <p:cNvSpPr>
-            <a:spLocks noGrp="1" noRot="1" noChangeAspect="1"/>
-          </p:cNvSpPr>
-          <p:nvPr>
-            <p:ph type="sldImg"/>
-          </p:nvPr>
-        </p:nvSpPr>
-        <p:spPr/>
-      </p:sp>
-      <p:sp>
-        <p:nvSpPr>
-          <p:cNvPr id="3" name="Notes Placeholder 2"/>
-          <p:cNvSpPr>
-            <a:spLocks noGrp="1"/>
-          </p:cNvSpPr>
-          <p:nvPr>
-            <p:ph type="body" idx="1"/>
-          </p:nvPr>
-        </p:nvSpPr>
-        <p:spPr/>
-        <p:txBody>
-          <a:bodyPr/>
-          <a:lstStyle/>
-          <a:p>
-            <a:r>
-              <a:rPr lang="en-US" dirty="0"/>
-              <a:t>Using hyper alignment along the timeseries data within the subjects task. We then plug back into the model to see how well it performs. </a:t>
-            </a:r>
-          </a:p>
-        </p:txBody>
-      </p:sp>
-      <p:sp>
-        <p:nvSpPr>
-          <p:cNvPr id="4" name="Slide Number Placeholder 3"/>
-          <p:cNvSpPr>
-            <a:spLocks noGrp="1"/>
-          </p:cNvSpPr>
-          <p:nvPr>
-            <p:ph type="sldNum" sz="quarter" idx="5"/>
-          </p:nvPr>
-        </p:nvSpPr>
-        <p:spPr/>
-        <p:txBody>
-          <a:bodyPr/>
-          <a:lstStyle/>
-          <a:p>
-            <a:fld id="{7966DBB1-7F97-C344-B0D6-0799E2CF9DF0}" type="slidenum">
-              <a:rPr lang="en-US" smtClean="0"/>
-              <a:t>17</a:t>
-            </a:fld>
-            <a:endParaRPr lang="en-US"/>
-          </a:p>
-        </p:txBody>
-      </p:sp>
-    </p:spTree>
-    <p:extLst>
-      <p:ext uri="{BB962C8B-B14F-4D97-AF65-F5344CB8AC3E}">
-        <p14:creationId xmlns:p14="http://schemas.microsoft.com/office/powerpoint/2010/main" val="2077704602"/>
-      </p:ext>
-    </p:extLst>
-  </p:cSld>
-  <p:clrMapOvr>
-    <a:masterClrMapping/>
-  </p:clrMapOvr>
-</p:notes>
-</file>
-
 <file path=ppt/slideLayouts/slideLayout1.xml><?xml version="1.0" encoding="utf-8"?>
 <p:sldLayout xmlns:a="http://schemas.openxmlformats.org/drawingml/2006/main" xmlns:r="http://schemas.openxmlformats.org/officeDocument/2006/relationships" xmlns:p="http://schemas.openxmlformats.org/presentationml/2006/main" type="title" preserve="1">
   <p:cSld name="Title Slide">
@@ -1082,7 +990,7 @@
           <a:p>
             <a:fld id="{30E6044F-6CD6-FA47-BEE6-35ACDD53B394}" type="datetimeFigureOut">
               <a:rPr lang="en-US" smtClean="0"/>
-              <a:t>6/16/20</a:t>
+              <a:t>6/25/20</a:t>
             </a:fld>
             <a:endParaRPr lang="en-US"/>
           </a:p>
@@ -1280,7 +1188,7 @@
           <a:p>
             <a:fld id="{30E6044F-6CD6-FA47-BEE6-35ACDD53B394}" type="datetimeFigureOut">
               <a:rPr lang="en-US" smtClean="0"/>
-              <a:t>6/16/20</a:t>
+              <a:t>6/25/20</a:t>
             </a:fld>
             <a:endParaRPr lang="en-US"/>
           </a:p>
@@ -1488,7 +1396,7 @@
           <a:p>
             <a:fld id="{30E6044F-6CD6-FA47-BEE6-35ACDD53B394}" type="datetimeFigureOut">
               <a:rPr lang="en-US" smtClean="0"/>
-              <a:t>6/16/20</a:t>
+              <a:t>6/25/20</a:t>
             </a:fld>
             <a:endParaRPr lang="en-US"/>
           </a:p>
@@ -1686,7 +1594,7 @@
           <a:p>
             <a:fld id="{30E6044F-6CD6-FA47-BEE6-35ACDD53B394}" type="datetimeFigureOut">
               <a:rPr lang="en-US" smtClean="0"/>
-              <a:t>6/16/20</a:t>
+              <a:t>6/25/20</a:t>
             </a:fld>
             <a:endParaRPr lang="en-US"/>
           </a:p>
@@ -1961,7 +1869,7 @@
           <a:p>
             <a:fld id="{30E6044F-6CD6-FA47-BEE6-35ACDD53B394}" type="datetimeFigureOut">
               <a:rPr lang="en-US" smtClean="0"/>
-              <a:t>6/16/20</a:t>
+              <a:t>6/25/20</a:t>
             </a:fld>
             <a:endParaRPr lang="en-US"/>
           </a:p>
@@ -2226,7 +2134,7 @@
           <a:p>
             <a:fld id="{30E6044F-6CD6-FA47-BEE6-35ACDD53B394}" type="datetimeFigureOut">
               <a:rPr lang="en-US" smtClean="0"/>
-              <a:t>6/16/20</a:t>
+              <a:t>6/25/20</a:t>
             </a:fld>
             <a:endParaRPr lang="en-US"/>
           </a:p>
@@ -2638,7 +2546,7 @@
           <a:p>
             <a:fld id="{30E6044F-6CD6-FA47-BEE6-35ACDD53B394}" type="datetimeFigureOut">
               <a:rPr lang="en-US" smtClean="0"/>
-              <a:t>6/16/20</a:t>
+              <a:t>6/25/20</a:t>
             </a:fld>
             <a:endParaRPr lang="en-US"/>
           </a:p>
@@ -2779,7 +2687,7 @@
           <a:p>
             <a:fld id="{30E6044F-6CD6-FA47-BEE6-35ACDD53B394}" type="datetimeFigureOut">
               <a:rPr lang="en-US" smtClean="0"/>
-              <a:t>6/16/20</a:t>
+              <a:t>6/25/20</a:t>
             </a:fld>
             <a:endParaRPr lang="en-US"/>
           </a:p>
@@ -2892,7 +2800,7 @@
           <a:p>
             <a:fld id="{30E6044F-6CD6-FA47-BEE6-35ACDD53B394}" type="datetimeFigureOut">
               <a:rPr lang="en-US" smtClean="0"/>
-              <a:t>6/16/20</a:t>
+              <a:t>6/25/20</a:t>
             </a:fld>
             <a:endParaRPr lang="en-US"/>
           </a:p>
@@ -3203,7 +3111,7 @@
           <a:p>
             <a:fld id="{30E6044F-6CD6-FA47-BEE6-35ACDD53B394}" type="datetimeFigureOut">
               <a:rPr lang="en-US" smtClean="0"/>
-              <a:t>6/16/20</a:t>
+              <a:t>6/25/20</a:t>
             </a:fld>
             <a:endParaRPr lang="en-US"/>
           </a:p>
@@ -3491,7 +3399,7 @@
           <a:p>
             <a:fld id="{30E6044F-6CD6-FA47-BEE6-35ACDD53B394}" type="datetimeFigureOut">
               <a:rPr lang="en-US" smtClean="0"/>
-              <a:t>6/16/20</a:t>
+              <a:t>6/25/20</a:t>
             </a:fld>
             <a:endParaRPr lang="en-US"/>
           </a:p>
@@ -3732,7 +3640,7 @@
           <a:p>
             <a:fld id="{30E6044F-6CD6-FA47-BEE6-35ACDD53B394}" type="datetimeFigureOut">
               <a:rPr lang="en-US" smtClean="0"/>
-              <a:t>6/16/20</a:t>
+              <a:t>6/25/20</a:t>
             </a:fld>
             <a:endParaRPr lang="en-US"/>
           </a:p>
@@ -6358,451 +6266,6 @@
 </p:sld>
 </file>
 
-<file path=ppt/slides/slide17.xml><?xml version="1.0" encoding="utf-8"?>
-<p:sld xmlns:a="http://schemas.openxmlformats.org/drawingml/2006/main" xmlns:r="http://schemas.openxmlformats.org/officeDocument/2006/relationships" xmlns:p="http://schemas.openxmlformats.org/presentationml/2006/main">
-  <p:cSld>
-    <p:spTree>
-      <p:nvGrpSpPr>
-        <p:cNvPr id="1" name=""/>
-        <p:cNvGrpSpPr/>
-        <p:nvPr/>
-      </p:nvGrpSpPr>
-      <p:grpSpPr>
-        <a:xfrm>
-          <a:off x="0" y="0"/>
-          <a:ext cx="0" cy="0"/>
-          <a:chOff x="0" y="0"/>
-          <a:chExt cx="0" cy="0"/>
-        </a:xfrm>
-      </p:grpSpPr>
-      <p:sp>
-        <p:nvSpPr>
-          <p:cNvPr id="2" name="Title 1">
-            <a:extLst>
-              <a:ext uri="{FF2B5EF4-FFF2-40B4-BE49-F238E27FC236}">
-                <a16:creationId xmlns:a16="http://schemas.microsoft.com/office/drawing/2014/main" id="{AC221868-9534-4542-821E-E8FBEFAB7B1F}"/>
-              </a:ext>
-            </a:extLst>
-          </p:cNvPr>
-          <p:cNvSpPr>
-            <a:spLocks noGrp="1"/>
-          </p:cNvSpPr>
-          <p:nvPr>
-            <p:ph type="title"/>
-          </p:nvPr>
-        </p:nvSpPr>
-        <p:spPr/>
-        <p:txBody>
-          <a:bodyPr/>
-          <a:lstStyle/>
-          <a:p>
-            <a:r>
-              <a:rPr lang="en-US" dirty="0" err="1"/>
-              <a:t>Hyperalignment</a:t>
-            </a:r>
-            <a:endParaRPr lang="en-US" dirty="0"/>
-          </a:p>
-        </p:txBody>
-      </p:sp>
-      <p:sp>
-        <p:nvSpPr>
-          <p:cNvPr id="3" name="Content Placeholder 2">
-            <a:extLst>
-              <a:ext uri="{FF2B5EF4-FFF2-40B4-BE49-F238E27FC236}">
-                <a16:creationId xmlns:a16="http://schemas.microsoft.com/office/drawing/2014/main" id="{55EA0592-23F2-E64E-B75D-880BC33EE76F}"/>
-              </a:ext>
-            </a:extLst>
-          </p:cNvPr>
-          <p:cNvSpPr>
-            <a:spLocks noGrp="1"/>
-          </p:cNvSpPr>
-          <p:nvPr>
-            <p:ph idx="1"/>
-          </p:nvPr>
-        </p:nvSpPr>
-        <p:spPr/>
-        <p:txBody>
-          <a:bodyPr/>
-          <a:lstStyle/>
-          <a:p>
-            <a:r>
-              <a:rPr lang="en-US" dirty="0"/>
-              <a:t>Within subject within task</a:t>
-            </a:r>
-          </a:p>
-        </p:txBody>
-      </p:sp>
-    </p:spTree>
-    <p:extLst>
-      <p:ext uri="{BB962C8B-B14F-4D97-AF65-F5344CB8AC3E}">
-        <p14:creationId xmlns:p14="http://schemas.microsoft.com/office/powerpoint/2010/main" val="1463749554"/>
-      </p:ext>
-    </p:extLst>
-  </p:cSld>
-  <p:clrMapOvr>
-    <a:masterClrMapping/>
-  </p:clrMapOvr>
-</p:sld>
-</file>
-
-<file path=ppt/slides/slide18.xml><?xml version="1.0" encoding="utf-8"?>
-<p:sld xmlns:a="http://schemas.openxmlformats.org/drawingml/2006/main" xmlns:r="http://schemas.openxmlformats.org/officeDocument/2006/relationships" xmlns:p="http://schemas.openxmlformats.org/presentationml/2006/main">
-  <p:cSld>
-    <p:spTree>
-      <p:nvGrpSpPr>
-        <p:cNvPr id="1" name=""/>
-        <p:cNvGrpSpPr/>
-        <p:nvPr/>
-      </p:nvGrpSpPr>
-      <p:grpSpPr>
-        <a:xfrm>
-          <a:off x="0" y="0"/>
-          <a:ext cx="0" cy="0"/>
-          <a:chOff x="0" y="0"/>
-          <a:chExt cx="0" cy="0"/>
-        </a:xfrm>
-      </p:grpSpPr>
-      <p:sp>
-        <p:nvSpPr>
-          <p:cNvPr id="2" name="Title 1">
-            <a:extLst>
-              <a:ext uri="{FF2B5EF4-FFF2-40B4-BE49-F238E27FC236}">
-                <a16:creationId xmlns:a16="http://schemas.microsoft.com/office/drawing/2014/main" id="{D8B3184E-3903-284A-B2E9-672CE705752C}"/>
-              </a:ext>
-            </a:extLst>
-          </p:cNvPr>
-          <p:cNvSpPr>
-            <a:spLocks noGrp="1"/>
-          </p:cNvSpPr>
-          <p:nvPr>
-            <p:ph type="title"/>
-          </p:nvPr>
-        </p:nvSpPr>
-        <p:spPr/>
-        <p:txBody>
-          <a:bodyPr/>
-          <a:lstStyle/>
-          <a:p>
-            <a:r>
-              <a:rPr lang="en-US" dirty="0"/>
-              <a:t>Cross-validation</a:t>
-            </a:r>
-          </a:p>
-        </p:txBody>
-      </p:sp>
-      <p:pic>
-        <p:nvPicPr>
-          <p:cNvPr id="6" name="Picture 5">
-            <a:extLst>
-              <a:ext uri="{FF2B5EF4-FFF2-40B4-BE49-F238E27FC236}">
-                <a16:creationId xmlns:a16="http://schemas.microsoft.com/office/drawing/2014/main" id="{69787804-C161-B546-8720-2BF38ADE039E}"/>
-              </a:ext>
-            </a:extLst>
-          </p:cNvPr>
-          <p:cNvPicPr>
-            <a:picLocks noChangeAspect="1"/>
-          </p:cNvPicPr>
-          <p:nvPr/>
-        </p:nvPicPr>
-        <p:blipFill>
-          <a:blip r:embed="rId2"/>
-          <a:stretch>
-            <a:fillRect/>
-          </a:stretch>
-        </p:blipFill>
-        <p:spPr>
-          <a:xfrm>
-            <a:off x="7635178" y="0"/>
-            <a:ext cx="4387860" cy="2465197"/>
-          </a:xfrm>
-          <a:prstGeom prst="rect">
-            <a:avLst/>
-          </a:prstGeom>
-        </p:spPr>
-      </p:pic>
-      <p:pic>
-        <p:nvPicPr>
-          <p:cNvPr id="4" name="Picture 3">
-            <a:extLst>
-              <a:ext uri="{FF2B5EF4-FFF2-40B4-BE49-F238E27FC236}">
-                <a16:creationId xmlns:a16="http://schemas.microsoft.com/office/drawing/2014/main" id="{578BC3F6-6CC9-AF48-907F-09B07F50D6B7}"/>
-              </a:ext>
-            </a:extLst>
-          </p:cNvPr>
-          <p:cNvPicPr>
-            <a:picLocks noChangeAspect="1"/>
-          </p:cNvPicPr>
-          <p:nvPr/>
-        </p:nvPicPr>
-        <p:blipFill>
-          <a:blip r:embed="rId3"/>
-          <a:stretch>
-            <a:fillRect/>
-          </a:stretch>
-        </p:blipFill>
-        <p:spPr>
-          <a:xfrm>
-            <a:off x="635619" y="2250775"/>
-            <a:ext cx="7356398" cy="4132987"/>
-          </a:xfrm>
-          <a:prstGeom prst="rect">
-            <a:avLst/>
-          </a:prstGeom>
-        </p:spPr>
-      </p:pic>
-    </p:spTree>
-    <p:extLst>
-      <p:ext uri="{BB962C8B-B14F-4D97-AF65-F5344CB8AC3E}">
-        <p14:creationId xmlns:p14="http://schemas.microsoft.com/office/powerpoint/2010/main" val="3300908807"/>
-      </p:ext>
-    </p:extLst>
-  </p:cSld>
-  <p:clrMapOvr>
-    <a:masterClrMapping/>
-  </p:clrMapOvr>
-</p:sld>
-</file>
-
-<file path=ppt/slides/slide19.xml><?xml version="1.0" encoding="utf-8"?>
-<p:sld xmlns:a="http://schemas.openxmlformats.org/drawingml/2006/main" xmlns:r="http://schemas.openxmlformats.org/officeDocument/2006/relationships" xmlns:p="http://schemas.openxmlformats.org/presentationml/2006/main">
-  <p:cSld>
-    <p:spTree>
-      <p:nvGrpSpPr>
-        <p:cNvPr id="1" name=""/>
-        <p:cNvGrpSpPr/>
-        <p:nvPr/>
-      </p:nvGrpSpPr>
-      <p:grpSpPr>
-        <a:xfrm>
-          <a:off x="0" y="0"/>
-          <a:ext cx="0" cy="0"/>
-          <a:chOff x="0" y="0"/>
-          <a:chExt cx="0" cy="0"/>
-        </a:xfrm>
-      </p:grpSpPr>
-      <p:sp>
-        <p:nvSpPr>
-          <p:cNvPr id="2" name="Title 1">
-            <a:extLst>
-              <a:ext uri="{FF2B5EF4-FFF2-40B4-BE49-F238E27FC236}">
-                <a16:creationId xmlns:a16="http://schemas.microsoft.com/office/drawing/2014/main" id="{FC48A37C-284F-7449-9573-DC2898CAF457}"/>
-              </a:ext>
-            </a:extLst>
-          </p:cNvPr>
-          <p:cNvSpPr>
-            <a:spLocks noGrp="1"/>
-          </p:cNvSpPr>
-          <p:nvPr>
-            <p:ph type="title"/>
-          </p:nvPr>
-        </p:nvSpPr>
-        <p:spPr/>
-        <p:txBody>
-          <a:bodyPr>
-            <a:normAutofit/>
-          </a:bodyPr>
-          <a:lstStyle/>
-          <a:p>
-            <a:r>
-              <a:rPr lang="en-US" sz="3200" dirty="0"/>
-              <a:t>Same Subject, Between Task</a:t>
-            </a:r>
-          </a:p>
-        </p:txBody>
-      </p:sp>
-      <p:pic>
-        <p:nvPicPr>
-          <p:cNvPr id="4" name="Picture 3">
-            <a:extLst>
-              <a:ext uri="{FF2B5EF4-FFF2-40B4-BE49-F238E27FC236}">
-                <a16:creationId xmlns:a16="http://schemas.microsoft.com/office/drawing/2014/main" id="{F4558B89-2EF2-524C-A485-252BD1E5140D}"/>
-              </a:ext>
-            </a:extLst>
-          </p:cNvPr>
-          <p:cNvPicPr>
-            <a:picLocks noChangeAspect="1"/>
-          </p:cNvPicPr>
-          <p:nvPr/>
-        </p:nvPicPr>
-        <p:blipFill>
-          <a:blip r:embed="rId2"/>
-          <a:stretch>
-            <a:fillRect/>
-          </a:stretch>
-        </p:blipFill>
-        <p:spPr>
-          <a:xfrm>
-            <a:off x="6463982" y="365125"/>
-            <a:ext cx="2303255" cy="1147181"/>
-          </a:xfrm>
-          <a:prstGeom prst="rect">
-            <a:avLst/>
-          </a:prstGeom>
-        </p:spPr>
-      </p:pic>
-      <p:pic>
-        <p:nvPicPr>
-          <p:cNvPr id="5" name="Picture 4">
-            <a:extLst>
-              <a:ext uri="{FF2B5EF4-FFF2-40B4-BE49-F238E27FC236}">
-                <a16:creationId xmlns:a16="http://schemas.microsoft.com/office/drawing/2014/main" id="{68374BEB-60DD-F449-A53B-731FC931615D}"/>
-              </a:ext>
-            </a:extLst>
-          </p:cNvPr>
-          <p:cNvPicPr>
-            <a:picLocks noChangeAspect="1"/>
-          </p:cNvPicPr>
-          <p:nvPr/>
-        </p:nvPicPr>
-        <p:blipFill>
-          <a:blip r:embed="rId3"/>
-          <a:stretch>
-            <a:fillRect/>
-          </a:stretch>
-        </p:blipFill>
-        <p:spPr>
-          <a:xfrm>
-            <a:off x="6734707" y="631525"/>
-            <a:ext cx="579360" cy="559458"/>
-          </a:xfrm>
-          <a:prstGeom prst="rect">
-            <a:avLst/>
-          </a:prstGeom>
-        </p:spPr>
-      </p:pic>
-      <p:pic>
-        <p:nvPicPr>
-          <p:cNvPr id="6" name="Picture 5">
-            <a:extLst>
-              <a:ext uri="{FF2B5EF4-FFF2-40B4-BE49-F238E27FC236}">
-                <a16:creationId xmlns:a16="http://schemas.microsoft.com/office/drawing/2014/main" id="{6828A4C0-2940-0A44-8CD0-E468F0EF01A2}"/>
-              </a:ext>
-            </a:extLst>
-          </p:cNvPr>
-          <p:cNvPicPr>
-            <a:picLocks noChangeAspect="1"/>
-          </p:cNvPicPr>
-          <p:nvPr/>
-        </p:nvPicPr>
-        <p:blipFill>
-          <a:blip r:embed="rId2"/>
-          <a:stretch>
-            <a:fillRect/>
-          </a:stretch>
-        </p:blipFill>
-        <p:spPr>
-          <a:xfrm>
-            <a:off x="9050545" y="365125"/>
-            <a:ext cx="2303255" cy="1147181"/>
-          </a:xfrm>
-          <a:prstGeom prst="rect">
-            <a:avLst/>
-          </a:prstGeom>
-        </p:spPr>
-      </p:pic>
-      <p:pic>
-        <p:nvPicPr>
-          <p:cNvPr id="7" name="Picture 6">
-            <a:extLst>
-              <a:ext uri="{FF2B5EF4-FFF2-40B4-BE49-F238E27FC236}">
-                <a16:creationId xmlns:a16="http://schemas.microsoft.com/office/drawing/2014/main" id="{4735149F-6565-B540-818C-4D4214AF6A7B}"/>
-              </a:ext>
-            </a:extLst>
-          </p:cNvPr>
-          <p:cNvPicPr>
-            <a:picLocks noChangeAspect="1"/>
-          </p:cNvPicPr>
-          <p:nvPr/>
-        </p:nvPicPr>
-        <p:blipFill>
-          <a:blip r:embed="rId4"/>
-          <a:stretch>
-            <a:fillRect/>
-          </a:stretch>
-        </p:blipFill>
-        <p:spPr>
-          <a:xfrm>
-            <a:off x="9372902" y="669432"/>
-            <a:ext cx="545962" cy="397742"/>
-          </a:xfrm>
-          <a:prstGeom prst="rect">
-            <a:avLst/>
-          </a:prstGeom>
-        </p:spPr>
-      </p:pic>
-      <p:pic>
-        <p:nvPicPr>
-          <p:cNvPr id="8" name="Picture 7">
-            <a:extLst>
-              <a:ext uri="{FF2B5EF4-FFF2-40B4-BE49-F238E27FC236}">
-                <a16:creationId xmlns:a16="http://schemas.microsoft.com/office/drawing/2014/main" id="{FF5D8ADF-E922-DE48-98E2-B53AE31A6FFD}"/>
-              </a:ext>
-            </a:extLst>
-          </p:cNvPr>
-          <p:cNvPicPr>
-            <a:picLocks noChangeAspect="1"/>
-          </p:cNvPicPr>
-          <p:nvPr/>
-        </p:nvPicPr>
-        <p:blipFill>
-          <a:blip r:embed="rId5"/>
-          <a:stretch>
-            <a:fillRect/>
-          </a:stretch>
-        </p:blipFill>
-        <p:spPr>
-          <a:xfrm>
-            <a:off x="1705846" y="3492492"/>
-            <a:ext cx="10374350" cy="3365508"/>
-          </a:xfrm>
-          <a:prstGeom prst="rect">
-            <a:avLst/>
-          </a:prstGeom>
-        </p:spPr>
-      </p:pic>
-      <p:pic>
-        <p:nvPicPr>
-          <p:cNvPr id="9" name="Picture 8">
-            <a:extLst>
-              <a:ext uri="{FF2B5EF4-FFF2-40B4-BE49-F238E27FC236}">
-                <a16:creationId xmlns:a16="http://schemas.microsoft.com/office/drawing/2014/main" id="{74664487-29EF-FE4B-994F-7C10C18DD9E4}"/>
-              </a:ext>
-            </a:extLst>
-          </p:cNvPr>
-          <p:cNvPicPr>
-            <a:picLocks noChangeAspect="1"/>
-          </p:cNvPicPr>
-          <p:nvPr/>
-        </p:nvPicPr>
-        <p:blipFill>
-          <a:blip r:embed="rId6"/>
-          <a:stretch>
-            <a:fillRect/>
-          </a:stretch>
-        </p:blipFill>
-        <p:spPr>
-          <a:xfrm>
-            <a:off x="78059" y="1331361"/>
-            <a:ext cx="6180674" cy="2005051"/>
-          </a:xfrm>
-          <a:prstGeom prst="rect">
-            <a:avLst/>
-          </a:prstGeom>
-        </p:spPr>
-      </p:pic>
-    </p:spTree>
-    <p:extLst>
-      <p:ext uri="{BB962C8B-B14F-4D97-AF65-F5344CB8AC3E}">
-        <p14:creationId xmlns:p14="http://schemas.microsoft.com/office/powerpoint/2010/main" val="564593858"/>
-      </p:ext>
-    </p:extLst>
-  </p:cSld>
-  <p:clrMapOvr>
-    <a:masterClrMapping/>
-  </p:clrMapOvr>
-</p:sld>
-</file>
-
 <file path=ppt/slides/slide2.xml><?xml version="1.0" encoding="utf-8"?>
 <p:sld xmlns:a="http://schemas.openxmlformats.org/drawingml/2006/main" xmlns:r="http://schemas.openxmlformats.org/officeDocument/2006/relationships" xmlns:p="http://schemas.openxmlformats.org/presentationml/2006/main">
   <p:cSld>
@@ -7291,484 +6754,6 @@
     <p:extLst>
       <p:ext uri="{BB962C8B-B14F-4D97-AF65-F5344CB8AC3E}">
         <p14:creationId xmlns:p14="http://schemas.microsoft.com/office/powerpoint/2010/main" val="920488280"/>
-      </p:ext>
-    </p:extLst>
-  </p:cSld>
-  <p:clrMapOvr>
-    <a:masterClrMapping/>
-  </p:clrMapOvr>
-</p:sld>
-</file>
-
-<file path=ppt/slides/slide20.xml><?xml version="1.0" encoding="utf-8"?>
-<p:sld xmlns:a="http://schemas.openxmlformats.org/drawingml/2006/main" xmlns:r="http://schemas.openxmlformats.org/officeDocument/2006/relationships" xmlns:p="http://schemas.openxmlformats.org/presentationml/2006/main">
-  <p:cSld>
-    <p:spTree>
-      <p:nvGrpSpPr>
-        <p:cNvPr id="1" name=""/>
-        <p:cNvGrpSpPr/>
-        <p:nvPr/>
-      </p:nvGrpSpPr>
-      <p:grpSpPr>
-        <a:xfrm>
-          <a:off x="0" y="0"/>
-          <a:ext cx="0" cy="0"/>
-          <a:chOff x="0" y="0"/>
-          <a:chExt cx="0" cy="0"/>
-        </a:xfrm>
-      </p:grpSpPr>
-      <p:sp>
-        <p:nvSpPr>
-          <p:cNvPr id="2" name="Title 1">
-            <a:extLst>
-              <a:ext uri="{FF2B5EF4-FFF2-40B4-BE49-F238E27FC236}">
-                <a16:creationId xmlns:a16="http://schemas.microsoft.com/office/drawing/2014/main" id="{35F3BE46-6B8F-A842-9A1C-1ED4502350B9}"/>
-              </a:ext>
-            </a:extLst>
-          </p:cNvPr>
-          <p:cNvSpPr>
-            <a:spLocks noGrp="1"/>
-          </p:cNvSpPr>
-          <p:nvPr>
-            <p:ph type="title"/>
-          </p:nvPr>
-        </p:nvSpPr>
-        <p:spPr/>
-        <p:txBody>
-          <a:bodyPr>
-            <a:normAutofit/>
-          </a:bodyPr>
-          <a:lstStyle/>
-          <a:p>
-            <a:r>
-              <a:rPr lang="en-US" sz="3200" dirty="0"/>
-              <a:t>Different subject same task</a:t>
-            </a:r>
-          </a:p>
-        </p:txBody>
-      </p:sp>
-      <p:pic>
-        <p:nvPicPr>
-          <p:cNvPr id="4" name="Picture 3">
-            <a:extLst>
-              <a:ext uri="{FF2B5EF4-FFF2-40B4-BE49-F238E27FC236}">
-                <a16:creationId xmlns:a16="http://schemas.microsoft.com/office/drawing/2014/main" id="{1750BFF9-9672-EE4B-A1DD-AF4A5BAE418C}"/>
-              </a:ext>
-            </a:extLst>
-          </p:cNvPr>
-          <p:cNvPicPr>
-            <a:picLocks noChangeAspect="1"/>
-          </p:cNvPicPr>
-          <p:nvPr/>
-        </p:nvPicPr>
-        <p:blipFill>
-          <a:blip r:embed="rId2"/>
-          <a:stretch>
-            <a:fillRect/>
-          </a:stretch>
-        </p:blipFill>
-        <p:spPr>
-          <a:xfrm>
-            <a:off x="9586469" y="441371"/>
-            <a:ext cx="2299758" cy="1145440"/>
-          </a:xfrm>
-          <a:prstGeom prst="rect">
-            <a:avLst/>
-          </a:prstGeom>
-        </p:spPr>
-      </p:pic>
-      <p:pic>
-        <p:nvPicPr>
-          <p:cNvPr id="5" name="Picture 4">
-            <a:extLst>
-              <a:ext uri="{FF2B5EF4-FFF2-40B4-BE49-F238E27FC236}">
-                <a16:creationId xmlns:a16="http://schemas.microsoft.com/office/drawing/2014/main" id="{4186CEFB-CAC0-AB4B-8976-B065604984D0}"/>
-              </a:ext>
-            </a:extLst>
-          </p:cNvPr>
-          <p:cNvPicPr>
-            <a:picLocks noChangeAspect="1"/>
-          </p:cNvPicPr>
-          <p:nvPr/>
-        </p:nvPicPr>
-        <p:blipFill>
-          <a:blip r:embed="rId3"/>
-          <a:stretch>
-            <a:fillRect/>
-          </a:stretch>
-        </p:blipFill>
-        <p:spPr>
-          <a:xfrm>
-            <a:off x="9867108" y="761984"/>
-            <a:ext cx="545134" cy="397139"/>
-          </a:xfrm>
-          <a:prstGeom prst="rect">
-            <a:avLst/>
-          </a:prstGeom>
-        </p:spPr>
-      </p:pic>
-      <p:pic>
-        <p:nvPicPr>
-          <p:cNvPr id="6" name="Picture 5">
-            <a:extLst>
-              <a:ext uri="{FF2B5EF4-FFF2-40B4-BE49-F238E27FC236}">
-                <a16:creationId xmlns:a16="http://schemas.microsoft.com/office/drawing/2014/main" id="{56F72194-7AAE-214A-B407-DE123802B313}"/>
-              </a:ext>
-            </a:extLst>
-          </p:cNvPr>
-          <p:cNvPicPr>
-            <a:picLocks noChangeAspect="1"/>
-          </p:cNvPicPr>
-          <p:nvPr/>
-        </p:nvPicPr>
-        <p:blipFill rotWithShape="1">
-          <a:blip r:embed="rId4"/>
-          <a:srcRect l="1297" t="8770" r="5594"/>
-          <a:stretch/>
-        </p:blipFill>
-        <p:spPr>
-          <a:xfrm>
-            <a:off x="6872118" y="441371"/>
-            <a:ext cx="2391522" cy="1197379"/>
-          </a:xfrm>
-          <a:prstGeom prst="rect">
-            <a:avLst/>
-          </a:prstGeom>
-        </p:spPr>
-      </p:pic>
-      <p:pic>
-        <p:nvPicPr>
-          <p:cNvPr id="7" name="Picture 6">
-            <a:extLst>
-              <a:ext uri="{FF2B5EF4-FFF2-40B4-BE49-F238E27FC236}">
-                <a16:creationId xmlns:a16="http://schemas.microsoft.com/office/drawing/2014/main" id="{46DD9E9A-48F6-774E-86DB-CEB524C7ABCF}"/>
-              </a:ext>
-            </a:extLst>
-          </p:cNvPr>
-          <p:cNvPicPr>
-            <a:picLocks noChangeAspect="1"/>
-          </p:cNvPicPr>
-          <p:nvPr/>
-        </p:nvPicPr>
-        <p:blipFill>
-          <a:blip r:embed="rId3"/>
-          <a:stretch>
-            <a:fillRect/>
-          </a:stretch>
-        </p:blipFill>
-        <p:spPr>
-          <a:xfrm>
-            <a:off x="8419226" y="749952"/>
-            <a:ext cx="545962" cy="397742"/>
-          </a:xfrm>
-          <a:prstGeom prst="rect">
-            <a:avLst/>
-          </a:prstGeom>
-        </p:spPr>
-      </p:pic>
-      <p:pic>
-        <p:nvPicPr>
-          <p:cNvPr id="9" name="Picture 8">
-            <a:extLst>
-              <a:ext uri="{FF2B5EF4-FFF2-40B4-BE49-F238E27FC236}">
-                <a16:creationId xmlns:a16="http://schemas.microsoft.com/office/drawing/2014/main" id="{90BECA6C-668E-924B-813F-8136AD51B8DD}"/>
-              </a:ext>
-            </a:extLst>
-          </p:cNvPr>
-          <p:cNvPicPr>
-            <a:picLocks noChangeAspect="1"/>
-          </p:cNvPicPr>
-          <p:nvPr/>
-        </p:nvPicPr>
-        <p:blipFill>
-          <a:blip r:embed="rId5"/>
-          <a:stretch>
-            <a:fillRect/>
-          </a:stretch>
-        </p:blipFill>
-        <p:spPr>
-          <a:xfrm>
-            <a:off x="4337870" y="2230246"/>
-            <a:ext cx="7548357" cy="4287334"/>
-          </a:xfrm>
-          <a:prstGeom prst="rect">
-            <a:avLst/>
-          </a:prstGeom>
-        </p:spPr>
-      </p:pic>
-      <p:pic>
-        <p:nvPicPr>
-          <p:cNvPr id="10" name="Picture 9">
-            <a:extLst>
-              <a:ext uri="{FF2B5EF4-FFF2-40B4-BE49-F238E27FC236}">
-                <a16:creationId xmlns:a16="http://schemas.microsoft.com/office/drawing/2014/main" id="{1BF8F036-24C3-0F49-8443-1A78847418D9}"/>
-              </a:ext>
-            </a:extLst>
-          </p:cNvPr>
-          <p:cNvPicPr>
-            <a:picLocks noChangeAspect="1"/>
-          </p:cNvPicPr>
-          <p:nvPr/>
-        </p:nvPicPr>
-        <p:blipFill>
-          <a:blip r:embed="rId6"/>
-          <a:stretch>
-            <a:fillRect/>
-          </a:stretch>
-        </p:blipFill>
-        <p:spPr>
-          <a:xfrm>
-            <a:off x="0" y="1400810"/>
-            <a:ext cx="4136249" cy="2349317"/>
-          </a:xfrm>
-          <a:prstGeom prst="rect">
-            <a:avLst/>
-          </a:prstGeom>
-        </p:spPr>
-      </p:pic>
-    </p:spTree>
-    <p:extLst>
-      <p:ext uri="{BB962C8B-B14F-4D97-AF65-F5344CB8AC3E}">
-        <p14:creationId xmlns:p14="http://schemas.microsoft.com/office/powerpoint/2010/main" val="1331667772"/>
-      </p:ext>
-    </p:extLst>
-  </p:cSld>
-  <p:clrMapOvr>
-    <a:masterClrMapping/>
-  </p:clrMapOvr>
-</p:sld>
-</file>
-
-<file path=ppt/slides/slide21.xml><?xml version="1.0" encoding="utf-8"?>
-<p:sld xmlns:a="http://schemas.openxmlformats.org/drawingml/2006/main" xmlns:r="http://schemas.openxmlformats.org/officeDocument/2006/relationships" xmlns:p="http://schemas.openxmlformats.org/presentationml/2006/main">
-  <p:cSld>
-    <p:spTree>
-      <p:nvGrpSpPr>
-        <p:cNvPr id="1" name=""/>
-        <p:cNvGrpSpPr/>
-        <p:nvPr/>
-      </p:nvGrpSpPr>
-      <p:grpSpPr>
-        <a:xfrm>
-          <a:off x="0" y="0"/>
-          <a:ext cx="0" cy="0"/>
-          <a:chOff x="0" y="0"/>
-          <a:chExt cx="0" cy="0"/>
-        </a:xfrm>
-      </p:grpSpPr>
-      <p:sp>
-        <p:nvSpPr>
-          <p:cNvPr id="2" name="Title 1">
-            <a:extLst>
-              <a:ext uri="{FF2B5EF4-FFF2-40B4-BE49-F238E27FC236}">
-                <a16:creationId xmlns:a16="http://schemas.microsoft.com/office/drawing/2014/main" id="{C7F35183-A0C3-BB43-B3FD-340076DF896C}"/>
-              </a:ext>
-            </a:extLst>
-          </p:cNvPr>
-          <p:cNvSpPr>
-            <a:spLocks noGrp="1"/>
-          </p:cNvSpPr>
-          <p:nvPr>
-            <p:ph type="title"/>
-          </p:nvPr>
-        </p:nvSpPr>
-        <p:spPr/>
-        <p:txBody>
-          <a:bodyPr>
-            <a:normAutofit/>
-          </a:bodyPr>
-          <a:lstStyle/>
-          <a:p>
-            <a:r>
-              <a:rPr lang="en-US" sz="3200" dirty="0"/>
-              <a:t>Different subject, different task</a:t>
-            </a:r>
-          </a:p>
-        </p:txBody>
-      </p:sp>
-      <p:pic>
-        <p:nvPicPr>
-          <p:cNvPr id="4" name="Picture 3">
-            <a:extLst>
-              <a:ext uri="{FF2B5EF4-FFF2-40B4-BE49-F238E27FC236}">
-                <a16:creationId xmlns:a16="http://schemas.microsoft.com/office/drawing/2014/main" id="{6D780AE2-B2B3-274B-8381-20531A0FC8D6}"/>
-              </a:ext>
-            </a:extLst>
-          </p:cNvPr>
-          <p:cNvPicPr>
-            <a:picLocks noChangeAspect="1"/>
-          </p:cNvPicPr>
-          <p:nvPr/>
-        </p:nvPicPr>
-        <p:blipFill>
-          <a:blip r:embed="rId2"/>
-          <a:stretch>
-            <a:fillRect/>
-          </a:stretch>
-        </p:blipFill>
-        <p:spPr>
-          <a:xfrm>
-            <a:off x="6236439" y="321013"/>
-            <a:ext cx="2515599" cy="1252943"/>
-          </a:xfrm>
-          <a:prstGeom prst="rect">
-            <a:avLst/>
-          </a:prstGeom>
-        </p:spPr>
-      </p:pic>
-      <p:pic>
-        <p:nvPicPr>
-          <p:cNvPr id="5" name="Picture 4">
-            <a:extLst>
-              <a:ext uri="{FF2B5EF4-FFF2-40B4-BE49-F238E27FC236}">
-                <a16:creationId xmlns:a16="http://schemas.microsoft.com/office/drawing/2014/main" id="{FB689305-D828-E045-97A3-3286C59DE3B6}"/>
-              </a:ext>
-            </a:extLst>
-          </p:cNvPr>
-          <p:cNvPicPr>
-            <a:picLocks noChangeAspect="1"/>
-          </p:cNvPicPr>
-          <p:nvPr/>
-        </p:nvPicPr>
-        <p:blipFill>
-          <a:blip r:embed="rId3"/>
-          <a:stretch>
-            <a:fillRect/>
-          </a:stretch>
-        </p:blipFill>
-        <p:spPr>
-          <a:xfrm>
-            <a:off x="6514817" y="629594"/>
-            <a:ext cx="579360" cy="559458"/>
-          </a:xfrm>
-          <a:prstGeom prst="rect">
-            <a:avLst/>
-          </a:prstGeom>
-        </p:spPr>
-      </p:pic>
-      <p:pic>
-        <p:nvPicPr>
-          <p:cNvPr id="6" name="Picture 5">
-            <a:extLst>
-              <a:ext uri="{FF2B5EF4-FFF2-40B4-BE49-F238E27FC236}">
-                <a16:creationId xmlns:a16="http://schemas.microsoft.com/office/drawing/2014/main" id="{D1748AB1-F88F-7846-9E88-3C8CF37F1608}"/>
-              </a:ext>
-            </a:extLst>
-          </p:cNvPr>
-          <p:cNvPicPr>
-            <a:picLocks noChangeAspect="1"/>
-          </p:cNvPicPr>
-          <p:nvPr/>
-        </p:nvPicPr>
-        <p:blipFill rotWithShape="1">
-          <a:blip r:embed="rId4"/>
-          <a:srcRect l="1297" t="8770" r="5594"/>
-          <a:stretch/>
-        </p:blipFill>
-        <p:spPr>
-          <a:xfrm>
-            <a:off x="9235107" y="321013"/>
-            <a:ext cx="2391522" cy="1197379"/>
-          </a:xfrm>
-          <a:prstGeom prst="rect">
-            <a:avLst/>
-          </a:prstGeom>
-        </p:spPr>
-      </p:pic>
-      <p:pic>
-        <p:nvPicPr>
-          <p:cNvPr id="7" name="Picture 6">
-            <a:extLst>
-              <a:ext uri="{FF2B5EF4-FFF2-40B4-BE49-F238E27FC236}">
-                <a16:creationId xmlns:a16="http://schemas.microsoft.com/office/drawing/2014/main" id="{2C9E6978-A7F9-ED49-904B-5EC8425C48B3}"/>
-              </a:ext>
-            </a:extLst>
-          </p:cNvPr>
-          <p:cNvPicPr>
-            <a:picLocks noChangeAspect="1"/>
-          </p:cNvPicPr>
-          <p:nvPr/>
-        </p:nvPicPr>
-        <p:blipFill>
-          <a:blip r:embed="rId5"/>
-          <a:stretch>
-            <a:fillRect/>
-          </a:stretch>
-        </p:blipFill>
-        <p:spPr>
-          <a:xfrm>
-            <a:off x="10782215" y="629594"/>
-            <a:ext cx="545962" cy="397742"/>
-          </a:xfrm>
-          <a:prstGeom prst="rect">
-            <a:avLst/>
-          </a:prstGeom>
-        </p:spPr>
-      </p:pic>
-      <p:pic>
-        <p:nvPicPr>
-          <p:cNvPr id="9" name="Picture 8">
-            <a:extLst>
-              <a:ext uri="{FF2B5EF4-FFF2-40B4-BE49-F238E27FC236}">
-                <a16:creationId xmlns:a16="http://schemas.microsoft.com/office/drawing/2014/main" id="{94D98806-FDF9-1840-9D3F-C7896191005F}"/>
-              </a:ext>
-            </a:extLst>
-          </p:cNvPr>
-          <p:cNvPicPr>
-            <a:picLocks noChangeAspect="1"/>
-          </p:cNvPicPr>
-          <p:nvPr/>
-        </p:nvPicPr>
-        <p:blipFill>
-          <a:blip r:embed="rId6"/>
-          <a:stretch>
-            <a:fillRect/>
-          </a:stretch>
-        </p:blipFill>
-        <p:spPr>
-          <a:xfrm>
-            <a:off x="5263376" y="3235548"/>
-            <a:ext cx="6928624" cy="3622451"/>
-          </a:xfrm>
-          <a:prstGeom prst="rect">
-            <a:avLst/>
-          </a:prstGeom>
-        </p:spPr>
-      </p:pic>
-      <p:pic>
-        <p:nvPicPr>
-          <p:cNvPr id="10" name="Picture 9">
-            <a:extLst>
-              <a:ext uri="{FF2B5EF4-FFF2-40B4-BE49-F238E27FC236}">
-                <a16:creationId xmlns:a16="http://schemas.microsoft.com/office/drawing/2014/main" id="{88757AE1-94C5-8347-9371-69A514E3D6AC}"/>
-              </a:ext>
-            </a:extLst>
-          </p:cNvPr>
-          <p:cNvPicPr>
-            <a:picLocks noChangeAspect="1"/>
-          </p:cNvPicPr>
-          <p:nvPr/>
-        </p:nvPicPr>
-        <p:blipFill>
-          <a:blip r:embed="rId7"/>
-          <a:stretch>
-            <a:fillRect/>
-          </a:stretch>
-        </p:blipFill>
-        <p:spPr>
-          <a:xfrm>
-            <a:off x="-4990" y="1387370"/>
-            <a:ext cx="6100990" cy="1979201"/>
-          </a:xfrm>
-          <a:prstGeom prst="rect">
-            <a:avLst/>
-          </a:prstGeom>
-        </p:spPr>
-      </p:pic>
-    </p:spTree>
-    <p:extLst>
-      <p:ext uri="{BB962C8B-B14F-4D97-AF65-F5344CB8AC3E}">
-        <p14:creationId xmlns:p14="http://schemas.microsoft.com/office/powerpoint/2010/main" val="2034548416"/>
       </p:ext>
     </p:extLst>
   </p:cSld>

--- a/analysis/output/mL/presentation/updated_mL.pptx
+++ b/analysis/output/mL/presentation/updated_mL.pptx
@@ -5,7 +5,7 @@
     <p:sldMasterId id="2147483648" r:id="rId1"/>
   </p:sldMasterIdLst>
   <p:notesMasterIdLst>
-    <p:notesMasterId r:id="rId18"/>
+    <p:notesMasterId r:id="rId29"/>
   </p:notesMasterIdLst>
   <p:sldIdLst>
     <p:sldId id="256" r:id="rId2"/>
@@ -24,6 +24,17 @@
     <p:sldId id="270" r:id="rId15"/>
     <p:sldId id="271" r:id="rId16"/>
     <p:sldId id="272" r:id="rId17"/>
+    <p:sldId id="275" r:id="rId18"/>
+    <p:sldId id="276" r:id="rId19"/>
+    <p:sldId id="277" r:id="rId20"/>
+    <p:sldId id="278" r:id="rId21"/>
+    <p:sldId id="279" r:id="rId22"/>
+    <p:sldId id="280" r:id="rId23"/>
+    <p:sldId id="281" r:id="rId24"/>
+    <p:sldId id="282" r:id="rId25"/>
+    <p:sldId id="283" r:id="rId26"/>
+    <p:sldId id="284" r:id="rId27"/>
+    <p:sldId id="285" r:id="rId28"/>
   </p:sldIdLst>
   <p:sldSz cx="12192000" cy="6858000"/>
   <p:notesSz cx="6858000" cy="9144000"/>
@@ -212,7 +223,7 @@
           <a:p>
             <a:fld id="{B867A404-75F8-EE4B-8665-239A00A102E8}" type="datetimeFigureOut">
               <a:rPr lang="en-US" smtClean="0"/>
-              <a:t>6/25/20</a:t>
+              <a:t>6/30/20</a:t>
             </a:fld>
             <a:endParaRPr lang="en-US"/>
           </a:p>
@@ -990,7 +1001,7 @@
           <a:p>
             <a:fld id="{30E6044F-6CD6-FA47-BEE6-35ACDD53B394}" type="datetimeFigureOut">
               <a:rPr lang="en-US" smtClean="0"/>
-              <a:t>6/25/20</a:t>
+              <a:t>6/30/20</a:t>
             </a:fld>
             <a:endParaRPr lang="en-US"/>
           </a:p>
@@ -1188,7 +1199,7 @@
           <a:p>
             <a:fld id="{30E6044F-6CD6-FA47-BEE6-35ACDD53B394}" type="datetimeFigureOut">
               <a:rPr lang="en-US" smtClean="0"/>
-              <a:t>6/25/20</a:t>
+              <a:t>6/30/20</a:t>
             </a:fld>
             <a:endParaRPr lang="en-US"/>
           </a:p>
@@ -1396,7 +1407,7 @@
           <a:p>
             <a:fld id="{30E6044F-6CD6-FA47-BEE6-35ACDD53B394}" type="datetimeFigureOut">
               <a:rPr lang="en-US" smtClean="0"/>
-              <a:t>6/25/20</a:t>
+              <a:t>6/30/20</a:t>
             </a:fld>
             <a:endParaRPr lang="en-US"/>
           </a:p>
@@ -1594,7 +1605,7 @@
           <a:p>
             <a:fld id="{30E6044F-6CD6-FA47-BEE6-35ACDD53B394}" type="datetimeFigureOut">
               <a:rPr lang="en-US" smtClean="0"/>
-              <a:t>6/25/20</a:t>
+              <a:t>6/30/20</a:t>
             </a:fld>
             <a:endParaRPr lang="en-US"/>
           </a:p>
@@ -1869,7 +1880,7 @@
           <a:p>
             <a:fld id="{30E6044F-6CD6-FA47-BEE6-35ACDD53B394}" type="datetimeFigureOut">
               <a:rPr lang="en-US" smtClean="0"/>
-              <a:t>6/25/20</a:t>
+              <a:t>6/30/20</a:t>
             </a:fld>
             <a:endParaRPr lang="en-US"/>
           </a:p>
@@ -2134,7 +2145,7 @@
           <a:p>
             <a:fld id="{30E6044F-6CD6-FA47-BEE6-35ACDD53B394}" type="datetimeFigureOut">
               <a:rPr lang="en-US" smtClean="0"/>
-              <a:t>6/25/20</a:t>
+              <a:t>6/30/20</a:t>
             </a:fld>
             <a:endParaRPr lang="en-US"/>
           </a:p>
@@ -2546,7 +2557,7 @@
           <a:p>
             <a:fld id="{30E6044F-6CD6-FA47-BEE6-35ACDD53B394}" type="datetimeFigureOut">
               <a:rPr lang="en-US" smtClean="0"/>
-              <a:t>6/25/20</a:t>
+              <a:t>6/30/20</a:t>
             </a:fld>
             <a:endParaRPr lang="en-US"/>
           </a:p>
@@ -2687,7 +2698,7 @@
           <a:p>
             <a:fld id="{30E6044F-6CD6-FA47-BEE6-35ACDD53B394}" type="datetimeFigureOut">
               <a:rPr lang="en-US" smtClean="0"/>
-              <a:t>6/25/20</a:t>
+              <a:t>6/30/20</a:t>
             </a:fld>
             <a:endParaRPr lang="en-US"/>
           </a:p>
@@ -2800,7 +2811,7 @@
           <a:p>
             <a:fld id="{30E6044F-6CD6-FA47-BEE6-35ACDD53B394}" type="datetimeFigureOut">
               <a:rPr lang="en-US" smtClean="0"/>
-              <a:t>6/25/20</a:t>
+              <a:t>6/30/20</a:t>
             </a:fld>
             <a:endParaRPr lang="en-US"/>
           </a:p>
@@ -3111,7 +3122,7 @@
           <a:p>
             <a:fld id="{30E6044F-6CD6-FA47-BEE6-35ACDD53B394}" type="datetimeFigureOut">
               <a:rPr lang="en-US" smtClean="0"/>
-              <a:t>6/25/20</a:t>
+              <a:t>6/30/20</a:t>
             </a:fld>
             <a:endParaRPr lang="en-US"/>
           </a:p>
@@ -3399,7 +3410,7 @@
           <a:p>
             <a:fld id="{30E6044F-6CD6-FA47-BEE6-35ACDD53B394}" type="datetimeFigureOut">
               <a:rPr lang="en-US" smtClean="0"/>
-              <a:t>6/25/20</a:t>
+              <a:t>6/30/20</a:t>
             </a:fld>
             <a:endParaRPr lang="en-US"/>
           </a:p>
@@ -3640,7 +3651,7 @@
           <a:p>
             <a:fld id="{30E6044F-6CD6-FA47-BEE6-35ACDD53B394}" type="datetimeFigureOut">
               <a:rPr lang="en-US" smtClean="0"/>
-              <a:t>6/25/20</a:t>
+              <a:t>6/30/20</a:t>
             </a:fld>
             <a:endParaRPr lang="en-US"/>
           </a:p>
@@ -6266,6 +6277,240 @@
 </p:sld>
 </file>
 
+<file path=ppt/slides/slide17.xml><?xml version="1.0" encoding="utf-8"?>
+<p:sld xmlns:a="http://schemas.openxmlformats.org/drawingml/2006/main" xmlns:r="http://schemas.openxmlformats.org/officeDocument/2006/relationships" xmlns:p="http://schemas.openxmlformats.org/presentationml/2006/main">
+  <p:cSld>
+    <p:spTree>
+      <p:nvGrpSpPr>
+        <p:cNvPr id="1" name=""/>
+        <p:cNvGrpSpPr/>
+        <p:nvPr/>
+      </p:nvGrpSpPr>
+      <p:grpSpPr>
+        <a:xfrm>
+          <a:off x="0" y="0"/>
+          <a:ext cx="0" cy="0"/>
+          <a:chOff x="0" y="0"/>
+          <a:chExt cx="0" cy="0"/>
+        </a:xfrm>
+      </p:grpSpPr>
+      <p:sp>
+        <p:nvSpPr>
+          <p:cNvPr id="2" name="Title 1">
+            <a:extLst>
+              <a:ext uri="{FF2B5EF4-FFF2-40B4-BE49-F238E27FC236}">
+                <a16:creationId xmlns:a16="http://schemas.microsoft.com/office/drawing/2014/main" id="{13AB5DDE-79B8-4142-AF1C-1B443367E773}"/>
+              </a:ext>
+            </a:extLst>
+          </p:cNvPr>
+          <p:cNvSpPr>
+            <a:spLocks noGrp="1"/>
+          </p:cNvSpPr>
+          <p:nvPr>
+            <p:ph type="title"/>
+          </p:nvPr>
+        </p:nvSpPr>
+        <p:spPr/>
+        <p:txBody>
+          <a:bodyPr/>
+          <a:lstStyle/>
+          <a:p>
+            <a:r>
+              <a:rPr lang="en-US" dirty="0"/>
+              <a:t>Feature Selection by Functional Network</a:t>
+            </a:r>
+          </a:p>
+        </p:txBody>
+      </p:sp>
+      <p:sp>
+        <p:nvSpPr>
+          <p:cNvPr id="3" name="Content Placeholder 2">
+            <a:extLst>
+              <a:ext uri="{FF2B5EF4-FFF2-40B4-BE49-F238E27FC236}">
+                <a16:creationId xmlns:a16="http://schemas.microsoft.com/office/drawing/2014/main" id="{3C68F6ED-66CD-974B-BA01-DDD5A514300F}"/>
+              </a:ext>
+            </a:extLst>
+          </p:cNvPr>
+          <p:cNvSpPr>
+            <a:spLocks noGrp="1"/>
+          </p:cNvSpPr>
+          <p:nvPr>
+            <p:ph idx="1"/>
+          </p:nvPr>
+        </p:nvSpPr>
+        <p:spPr/>
+        <p:txBody>
+          <a:bodyPr/>
+          <a:lstStyle/>
+          <a:p>
+            <a:r>
+              <a:rPr lang="en-US" dirty="0"/>
+              <a:t>Could some networks be more individual specific and result in greater performance of accuracy classification?</a:t>
+            </a:r>
+          </a:p>
+        </p:txBody>
+      </p:sp>
+    </p:spTree>
+    <p:extLst>
+      <p:ext uri="{BB962C8B-B14F-4D97-AF65-F5344CB8AC3E}">
+        <p14:creationId xmlns:p14="http://schemas.microsoft.com/office/powerpoint/2010/main" val="1993099271"/>
+      </p:ext>
+    </p:extLst>
+  </p:cSld>
+  <p:clrMapOvr>
+    <a:masterClrMapping/>
+  </p:clrMapOvr>
+</p:sld>
+</file>
+
+<file path=ppt/slides/slide18.xml><?xml version="1.0" encoding="utf-8"?>
+<p:sld xmlns:a="http://schemas.openxmlformats.org/drawingml/2006/main" xmlns:r="http://schemas.openxmlformats.org/officeDocument/2006/relationships" xmlns:p="http://schemas.openxmlformats.org/presentationml/2006/main">
+  <p:cSld>
+    <p:spTree>
+      <p:nvGrpSpPr>
+        <p:cNvPr id="1" name=""/>
+        <p:cNvGrpSpPr/>
+        <p:nvPr/>
+      </p:nvGrpSpPr>
+      <p:grpSpPr>
+        <a:xfrm>
+          <a:off x="0" y="0"/>
+          <a:ext cx="0" cy="0"/>
+          <a:chOff x="0" y="0"/>
+          <a:chExt cx="0" cy="0"/>
+        </a:xfrm>
+      </p:grpSpPr>
+      <p:sp>
+        <p:nvSpPr>
+          <p:cNvPr id="2" name="Title 1">
+            <a:extLst>
+              <a:ext uri="{FF2B5EF4-FFF2-40B4-BE49-F238E27FC236}">
+                <a16:creationId xmlns:a16="http://schemas.microsoft.com/office/drawing/2014/main" id="{9CCA7FB6-E90C-A043-A5FC-86686F492CBE}"/>
+              </a:ext>
+            </a:extLst>
+          </p:cNvPr>
+          <p:cNvSpPr>
+            <a:spLocks noGrp="1"/>
+          </p:cNvSpPr>
+          <p:nvPr>
+            <p:ph type="title"/>
+          </p:nvPr>
+        </p:nvSpPr>
+        <p:spPr/>
+        <p:txBody>
+          <a:bodyPr/>
+          <a:lstStyle/>
+          <a:p>
+            <a:r>
+              <a:rPr lang="en-US" dirty="0"/>
+              <a:t>All Tasks All Models</a:t>
+            </a:r>
+          </a:p>
+        </p:txBody>
+      </p:sp>
+      <p:pic>
+        <p:nvPicPr>
+          <p:cNvPr id="5" name="Picture 4">
+            <a:extLst>
+              <a:ext uri="{FF2B5EF4-FFF2-40B4-BE49-F238E27FC236}">
+                <a16:creationId xmlns:a16="http://schemas.microsoft.com/office/drawing/2014/main" id="{D3579540-1B40-E44D-91AE-5F0E62E769BB}"/>
+              </a:ext>
+            </a:extLst>
+          </p:cNvPr>
+          <p:cNvPicPr>
+            <a:picLocks noChangeAspect="1"/>
+          </p:cNvPicPr>
+          <p:nvPr/>
+        </p:nvPicPr>
+        <p:blipFill>
+          <a:blip r:embed="rId2"/>
+          <a:stretch>
+            <a:fillRect/>
+          </a:stretch>
+        </p:blipFill>
+        <p:spPr>
+          <a:xfrm>
+            <a:off x="1981200" y="1690688"/>
+            <a:ext cx="6400800" cy="4914900"/>
+          </a:xfrm>
+          <a:prstGeom prst="rect">
+            <a:avLst/>
+          </a:prstGeom>
+        </p:spPr>
+      </p:pic>
+    </p:spTree>
+    <p:extLst>
+      <p:ext uri="{BB962C8B-B14F-4D97-AF65-F5344CB8AC3E}">
+        <p14:creationId xmlns:p14="http://schemas.microsoft.com/office/powerpoint/2010/main" val="522187803"/>
+      </p:ext>
+    </p:extLst>
+  </p:cSld>
+  <p:clrMapOvr>
+    <a:masterClrMapping/>
+  </p:clrMapOvr>
+</p:sld>
+</file>
+
+<file path=ppt/slides/slide19.xml><?xml version="1.0" encoding="utf-8"?>
+<p:sld xmlns:a="http://schemas.openxmlformats.org/drawingml/2006/main" xmlns:r="http://schemas.openxmlformats.org/officeDocument/2006/relationships" xmlns:p="http://schemas.openxmlformats.org/presentationml/2006/main">
+  <p:cSld>
+    <p:spTree>
+      <p:nvGrpSpPr>
+        <p:cNvPr id="1" name=""/>
+        <p:cNvGrpSpPr/>
+        <p:nvPr/>
+      </p:nvGrpSpPr>
+      <p:grpSpPr>
+        <a:xfrm>
+          <a:off x="0" y="0"/>
+          <a:ext cx="0" cy="0"/>
+          <a:chOff x="0" y="0"/>
+          <a:chExt cx="0" cy="0"/>
+        </a:xfrm>
+      </p:grpSpPr>
+      <p:pic>
+        <p:nvPicPr>
+          <p:cNvPr id="5" name="Picture 4">
+            <a:extLst>
+              <a:ext uri="{FF2B5EF4-FFF2-40B4-BE49-F238E27FC236}">
+                <a16:creationId xmlns:a16="http://schemas.microsoft.com/office/drawing/2014/main" id="{281ECA40-537B-934E-910A-0E8DFB5FAA21}"/>
+              </a:ext>
+            </a:extLst>
+          </p:cNvPr>
+          <p:cNvPicPr>
+            <a:picLocks noChangeAspect="1"/>
+          </p:cNvPicPr>
+          <p:nvPr/>
+        </p:nvPicPr>
+        <p:blipFill>
+          <a:blip r:embed="rId2"/>
+          <a:stretch>
+            <a:fillRect/>
+          </a:stretch>
+        </p:blipFill>
+        <p:spPr>
+          <a:xfrm>
+            <a:off x="1955800" y="896192"/>
+            <a:ext cx="7099300" cy="5034708"/>
+          </a:xfrm>
+          <a:prstGeom prst="rect">
+            <a:avLst/>
+          </a:prstGeom>
+        </p:spPr>
+      </p:pic>
+    </p:spTree>
+    <p:extLst>
+      <p:ext uri="{BB962C8B-B14F-4D97-AF65-F5344CB8AC3E}">
+        <p14:creationId xmlns:p14="http://schemas.microsoft.com/office/powerpoint/2010/main" val="634347561"/>
+      </p:ext>
+    </p:extLst>
+  </p:cSld>
+  <p:clrMapOvr>
+    <a:masterClrMapping/>
+  </p:clrMapOvr>
+</p:sld>
+</file>
+
 <file path=ppt/slides/slide2.xml><?xml version="1.0" encoding="utf-8"?>
 <p:sld xmlns:a="http://schemas.openxmlformats.org/drawingml/2006/main" xmlns:r="http://schemas.openxmlformats.org/officeDocument/2006/relationships" xmlns:p="http://schemas.openxmlformats.org/presentationml/2006/main">
   <p:cSld>
@@ -6754,6 +6999,778 @@
     <p:extLst>
       <p:ext uri="{BB962C8B-B14F-4D97-AF65-F5344CB8AC3E}">
         <p14:creationId xmlns:p14="http://schemas.microsoft.com/office/powerpoint/2010/main" val="920488280"/>
+      </p:ext>
+    </p:extLst>
+  </p:cSld>
+  <p:clrMapOvr>
+    <a:masterClrMapping/>
+  </p:clrMapOvr>
+</p:sld>
+</file>
+
+<file path=ppt/slides/slide20.xml><?xml version="1.0" encoding="utf-8"?>
+<p:sld xmlns:a="http://schemas.openxmlformats.org/drawingml/2006/main" xmlns:r="http://schemas.openxmlformats.org/officeDocument/2006/relationships" xmlns:p="http://schemas.openxmlformats.org/presentationml/2006/main">
+  <p:cSld>
+    <p:spTree>
+      <p:nvGrpSpPr>
+        <p:cNvPr id="1" name=""/>
+        <p:cNvGrpSpPr/>
+        <p:nvPr/>
+      </p:nvGrpSpPr>
+      <p:grpSpPr>
+        <a:xfrm>
+          <a:off x="0" y="0"/>
+          <a:ext cx="0" cy="0"/>
+          <a:chOff x="0" y="0"/>
+          <a:chExt cx="0" cy="0"/>
+        </a:xfrm>
+      </p:grpSpPr>
+      <p:pic>
+        <p:nvPicPr>
+          <p:cNvPr id="5" name="Picture 4">
+            <a:extLst>
+              <a:ext uri="{FF2B5EF4-FFF2-40B4-BE49-F238E27FC236}">
+                <a16:creationId xmlns:a16="http://schemas.microsoft.com/office/drawing/2014/main" id="{0717D923-C961-2D4F-B120-03A9E91D1428}"/>
+              </a:ext>
+            </a:extLst>
+          </p:cNvPr>
+          <p:cNvPicPr>
+            <a:picLocks noChangeAspect="1"/>
+          </p:cNvPicPr>
+          <p:nvPr/>
+        </p:nvPicPr>
+        <p:blipFill>
+          <a:blip r:embed="rId2"/>
+          <a:stretch>
+            <a:fillRect/>
+          </a:stretch>
+        </p:blipFill>
+        <p:spPr>
+          <a:xfrm>
+            <a:off x="1892300" y="671739"/>
+            <a:ext cx="7188200" cy="5519511"/>
+          </a:xfrm>
+          <a:prstGeom prst="rect">
+            <a:avLst/>
+          </a:prstGeom>
+        </p:spPr>
+      </p:pic>
+    </p:spTree>
+    <p:extLst>
+      <p:ext uri="{BB962C8B-B14F-4D97-AF65-F5344CB8AC3E}">
+        <p14:creationId xmlns:p14="http://schemas.microsoft.com/office/powerpoint/2010/main" val="3083407804"/>
+      </p:ext>
+    </p:extLst>
+  </p:cSld>
+  <p:clrMapOvr>
+    <a:masterClrMapping/>
+  </p:clrMapOvr>
+</p:sld>
+</file>
+
+<file path=ppt/slides/slide21.xml><?xml version="1.0" encoding="utf-8"?>
+<p:sld xmlns:a="http://schemas.openxmlformats.org/drawingml/2006/main" xmlns:r="http://schemas.openxmlformats.org/officeDocument/2006/relationships" xmlns:p="http://schemas.openxmlformats.org/presentationml/2006/main">
+  <p:cSld>
+    <p:spTree>
+      <p:nvGrpSpPr>
+        <p:cNvPr id="1" name=""/>
+        <p:cNvGrpSpPr/>
+        <p:nvPr/>
+      </p:nvGrpSpPr>
+      <p:grpSpPr>
+        <a:xfrm>
+          <a:off x="0" y="0"/>
+          <a:ext cx="0" cy="0"/>
+          <a:chOff x="0" y="0"/>
+          <a:chExt cx="0" cy="0"/>
+        </a:xfrm>
+      </p:grpSpPr>
+      <p:pic>
+        <p:nvPicPr>
+          <p:cNvPr id="5" name="Picture 4">
+            <a:extLst>
+              <a:ext uri="{FF2B5EF4-FFF2-40B4-BE49-F238E27FC236}">
+                <a16:creationId xmlns:a16="http://schemas.microsoft.com/office/drawing/2014/main" id="{BCDE6764-8F4F-444F-9F40-E1D8CA838AB6}"/>
+              </a:ext>
+            </a:extLst>
+          </p:cNvPr>
+          <p:cNvPicPr>
+            <a:picLocks noChangeAspect="1"/>
+          </p:cNvPicPr>
+          <p:nvPr/>
+        </p:nvPicPr>
+        <p:blipFill>
+          <a:blip r:embed="rId2"/>
+          <a:stretch>
+            <a:fillRect/>
+          </a:stretch>
+        </p:blipFill>
+        <p:spPr>
+          <a:xfrm>
+            <a:off x="2108200" y="563336"/>
+            <a:ext cx="7213600" cy="5539014"/>
+          </a:xfrm>
+          <a:prstGeom prst="rect">
+            <a:avLst/>
+          </a:prstGeom>
+        </p:spPr>
+      </p:pic>
+    </p:spTree>
+    <p:extLst>
+      <p:ext uri="{BB962C8B-B14F-4D97-AF65-F5344CB8AC3E}">
+        <p14:creationId xmlns:p14="http://schemas.microsoft.com/office/powerpoint/2010/main" val="2934727361"/>
+      </p:ext>
+    </p:extLst>
+  </p:cSld>
+  <p:clrMapOvr>
+    <a:masterClrMapping/>
+  </p:clrMapOvr>
+</p:sld>
+</file>
+
+<file path=ppt/slides/slide22.xml><?xml version="1.0" encoding="utf-8"?>
+<p:sld xmlns:a="http://schemas.openxmlformats.org/drawingml/2006/main" xmlns:r="http://schemas.openxmlformats.org/officeDocument/2006/relationships" xmlns:p="http://schemas.openxmlformats.org/presentationml/2006/main">
+  <p:cSld>
+    <p:spTree>
+      <p:nvGrpSpPr>
+        <p:cNvPr id="1" name=""/>
+        <p:cNvGrpSpPr/>
+        <p:nvPr/>
+      </p:nvGrpSpPr>
+      <p:grpSpPr>
+        <a:xfrm>
+          <a:off x="0" y="0"/>
+          <a:ext cx="0" cy="0"/>
+          <a:chOff x="0" y="0"/>
+          <a:chExt cx="0" cy="0"/>
+        </a:xfrm>
+      </p:grpSpPr>
+      <p:sp>
+        <p:nvSpPr>
+          <p:cNvPr id="2" name="Title 1">
+            <a:extLst>
+              <a:ext uri="{FF2B5EF4-FFF2-40B4-BE49-F238E27FC236}">
+                <a16:creationId xmlns:a16="http://schemas.microsoft.com/office/drawing/2014/main" id="{6AA74B26-BBF2-7A48-AE2B-EA5B2E1D0668}"/>
+              </a:ext>
+            </a:extLst>
+          </p:cNvPr>
+          <p:cNvSpPr>
+            <a:spLocks noGrp="1"/>
+          </p:cNvSpPr>
+          <p:nvPr>
+            <p:ph type="title"/>
+          </p:nvPr>
+        </p:nvSpPr>
+        <p:spPr/>
+        <p:txBody>
+          <a:bodyPr/>
+          <a:lstStyle/>
+          <a:p>
+            <a:r>
+              <a:rPr lang="en-US" dirty="0"/>
+              <a:t>Comparisons of CO and FP</a:t>
+            </a:r>
+          </a:p>
+        </p:txBody>
+      </p:sp>
+      <p:pic>
+        <p:nvPicPr>
+          <p:cNvPr id="5" name="Picture 4">
+            <a:extLst>
+              <a:ext uri="{FF2B5EF4-FFF2-40B4-BE49-F238E27FC236}">
+                <a16:creationId xmlns:a16="http://schemas.microsoft.com/office/drawing/2014/main" id="{9DB3D3CD-0C5F-0544-9D0F-9479CB26A762}"/>
+              </a:ext>
+            </a:extLst>
+          </p:cNvPr>
+          <p:cNvPicPr>
+            <a:picLocks noChangeAspect="1"/>
+          </p:cNvPicPr>
+          <p:nvPr/>
+        </p:nvPicPr>
+        <p:blipFill>
+          <a:blip r:embed="rId2"/>
+          <a:stretch>
+            <a:fillRect/>
+          </a:stretch>
+        </p:blipFill>
+        <p:spPr>
+          <a:xfrm>
+            <a:off x="2260600" y="1549400"/>
+            <a:ext cx="6400800" cy="4927600"/>
+          </a:xfrm>
+          <a:prstGeom prst="rect">
+            <a:avLst/>
+          </a:prstGeom>
+        </p:spPr>
+      </p:pic>
+    </p:spTree>
+    <p:extLst>
+      <p:ext uri="{BB962C8B-B14F-4D97-AF65-F5344CB8AC3E}">
+        <p14:creationId xmlns:p14="http://schemas.microsoft.com/office/powerpoint/2010/main" val="1879362687"/>
+      </p:ext>
+    </p:extLst>
+  </p:cSld>
+  <p:clrMapOvr>
+    <a:masterClrMapping/>
+  </p:clrMapOvr>
+</p:sld>
+</file>
+
+<file path=ppt/slides/slide23.xml><?xml version="1.0" encoding="utf-8"?>
+<p:sld xmlns:a="http://schemas.openxmlformats.org/drawingml/2006/main" xmlns:r="http://schemas.openxmlformats.org/officeDocument/2006/relationships" xmlns:p="http://schemas.openxmlformats.org/presentationml/2006/main">
+  <p:cSld>
+    <p:spTree>
+      <p:nvGrpSpPr>
+        <p:cNvPr id="1" name=""/>
+        <p:cNvGrpSpPr/>
+        <p:nvPr/>
+      </p:nvGrpSpPr>
+      <p:grpSpPr>
+        <a:xfrm>
+          <a:off x="0" y="0"/>
+          <a:ext cx="0" cy="0"/>
+          <a:chOff x="0" y="0"/>
+          <a:chExt cx="0" cy="0"/>
+        </a:xfrm>
+      </p:grpSpPr>
+      <p:pic>
+        <p:nvPicPr>
+          <p:cNvPr id="7" name="Picture 6">
+            <a:extLst>
+              <a:ext uri="{FF2B5EF4-FFF2-40B4-BE49-F238E27FC236}">
+                <a16:creationId xmlns:a16="http://schemas.microsoft.com/office/drawing/2014/main" id="{2ECB8E4F-A231-D949-900B-813A4347C628}"/>
+              </a:ext>
+            </a:extLst>
+          </p:cNvPr>
+          <p:cNvPicPr>
+            <a:picLocks noChangeAspect="1"/>
+          </p:cNvPicPr>
+          <p:nvPr/>
+        </p:nvPicPr>
+        <p:blipFill>
+          <a:blip r:embed="rId2"/>
+          <a:stretch>
+            <a:fillRect/>
+          </a:stretch>
+        </p:blipFill>
+        <p:spPr>
+          <a:xfrm>
+            <a:off x="1752600" y="315484"/>
+            <a:ext cx="8102600" cy="6237716"/>
+          </a:xfrm>
+          <a:prstGeom prst="rect">
+            <a:avLst/>
+          </a:prstGeom>
+        </p:spPr>
+      </p:pic>
+    </p:spTree>
+    <p:extLst>
+      <p:ext uri="{BB962C8B-B14F-4D97-AF65-F5344CB8AC3E}">
+        <p14:creationId xmlns:p14="http://schemas.microsoft.com/office/powerpoint/2010/main" val="3230980732"/>
+      </p:ext>
+    </p:extLst>
+  </p:cSld>
+  <p:clrMapOvr>
+    <a:masterClrMapping/>
+  </p:clrMapOvr>
+</p:sld>
+</file>
+
+<file path=ppt/slides/slide24.xml><?xml version="1.0" encoding="utf-8"?>
+<p:sld xmlns:a="http://schemas.openxmlformats.org/drawingml/2006/main" xmlns:r="http://schemas.openxmlformats.org/officeDocument/2006/relationships" xmlns:p="http://schemas.openxmlformats.org/presentationml/2006/main">
+  <p:cSld>
+    <p:spTree>
+      <p:nvGrpSpPr>
+        <p:cNvPr id="1" name=""/>
+        <p:cNvGrpSpPr/>
+        <p:nvPr/>
+      </p:nvGrpSpPr>
+      <p:grpSpPr>
+        <a:xfrm>
+          <a:off x="0" y="0"/>
+          <a:ext cx="0" cy="0"/>
+          <a:chOff x="0" y="0"/>
+          <a:chExt cx="0" cy="0"/>
+        </a:xfrm>
+      </p:grpSpPr>
+      <p:pic>
+        <p:nvPicPr>
+          <p:cNvPr id="5" name="Picture 4">
+            <a:extLst>
+              <a:ext uri="{FF2B5EF4-FFF2-40B4-BE49-F238E27FC236}">
+                <a16:creationId xmlns:a16="http://schemas.microsoft.com/office/drawing/2014/main" id="{0BEE52B1-8E81-9440-86C4-E71DCE9EA376}"/>
+              </a:ext>
+            </a:extLst>
+          </p:cNvPr>
+          <p:cNvPicPr>
+            <a:picLocks noChangeAspect="1"/>
+          </p:cNvPicPr>
+          <p:nvPr/>
+        </p:nvPicPr>
+        <p:blipFill>
+          <a:blip r:embed="rId2"/>
+          <a:stretch>
+            <a:fillRect/>
+          </a:stretch>
+        </p:blipFill>
+        <p:spPr>
+          <a:xfrm>
+            <a:off x="1917700" y="417588"/>
+            <a:ext cx="7277100" cy="5602212"/>
+          </a:xfrm>
+          <a:prstGeom prst="rect">
+            <a:avLst/>
+          </a:prstGeom>
+        </p:spPr>
+      </p:pic>
+    </p:spTree>
+    <p:extLst>
+      <p:ext uri="{BB962C8B-B14F-4D97-AF65-F5344CB8AC3E}">
+        <p14:creationId xmlns:p14="http://schemas.microsoft.com/office/powerpoint/2010/main" val="794167906"/>
+      </p:ext>
+    </p:extLst>
+  </p:cSld>
+  <p:clrMapOvr>
+    <a:masterClrMapping/>
+  </p:clrMapOvr>
+</p:sld>
+</file>
+
+<file path=ppt/slides/slide25.xml><?xml version="1.0" encoding="utf-8"?>
+<p:sld xmlns:a="http://schemas.openxmlformats.org/drawingml/2006/main" xmlns:r="http://schemas.openxmlformats.org/officeDocument/2006/relationships" xmlns:p="http://schemas.openxmlformats.org/presentationml/2006/main">
+  <p:cSld>
+    <p:spTree>
+      <p:nvGrpSpPr>
+        <p:cNvPr id="1" name=""/>
+        <p:cNvGrpSpPr/>
+        <p:nvPr/>
+      </p:nvGrpSpPr>
+      <p:grpSpPr>
+        <a:xfrm>
+          <a:off x="0" y="0"/>
+          <a:ext cx="0" cy="0"/>
+          <a:chOff x="0" y="0"/>
+          <a:chExt cx="0" cy="0"/>
+        </a:xfrm>
+      </p:grpSpPr>
+      <p:pic>
+        <p:nvPicPr>
+          <p:cNvPr id="5" name="Picture 4">
+            <a:extLst>
+              <a:ext uri="{FF2B5EF4-FFF2-40B4-BE49-F238E27FC236}">
+                <a16:creationId xmlns:a16="http://schemas.microsoft.com/office/drawing/2014/main" id="{76FF8A4E-04ED-8749-BAE5-7361A297B6D5}"/>
+              </a:ext>
+            </a:extLst>
+          </p:cNvPr>
+          <p:cNvPicPr>
+            <a:picLocks noChangeAspect="1"/>
+          </p:cNvPicPr>
+          <p:nvPr/>
+        </p:nvPicPr>
+        <p:blipFill>
+          <a:blip r:embed="rId2"/>
+          <a:stretch>
+            <a:fillRect/>
+          </a:stretch>
+        </p:blipFill>
+        <p:spPr>
+          <a:xfrm>
+            <a:off x="1714500" y="690033"/>
+            <a:ext cx="7467600" cy="5748867"/>
+          </a:xfrm>
+          <a:prstGeom prst="rect">
+            <a:avLst/>
+          </a:prstGeom>
+        </p:spPr>
+      </p:pic>
+    </p:spTree>
+    <p:extLst>
+      <p:ext uri="{BB962C8B-B14F-4D97-AF65-F5344CB8AC3E}">
+        <p14:creationId xmlns:p14="http://schemas.microsoft.com/office/powerpoint/2010/main" val="4045656925"/>
+      </p:ext>
+    </p:extLst>
+  </p:cSld>
+  <p:clrMapOvr>
+    <a:masterClrMapping/>
+  </p:clrMapOvr>
+</p:sld>
+</file>
+
+<file path=ppt/slides/slide26.xml><?xml version="1.0" encoding="utf-8"?>
+<p:sld xmlns:a="http://schemas.openxmlformats.org/drawingml/2006/main" xmlns:r="http://schemas.openxmlformats.org/officeDocument/2006/relationships" xmlns:p="http://schemas.openxmlformats.org/presentationml/2006/main">
+  <p:cSld>
+    <p:spTree>
+      <p:nvGrpSpPr>
+        <p:cNvPr id="1" name=""/>
+        <p:cNvGrpSpPr/>
+        <p:nvPr/>
+      </p:nvGrpSpPr>
+      <p:grpSpPr>
+        <a:xfrm>
+          <a:off x="0" y="0"/>
+          <a:ext cx="0" cy="0"/>
+          <a:chOff x="0" y="0"/>
+          <a:chExt cx="0" cy="0"/>
+        </a:xfrm>
+      </p:grpSpPr>
+      <p:sp>
+        <p:nvSpPr>
+          <p:cNvPr id="2" name="Title 1">
+            <a:extLst>
+              <a:ext uri="{FF2B5EF4-FFF2-40B4-BE49-F238E27FC236}">
+                <a16:creationId xmlns:a16="http://schemas.microsoft.com/office/drawing/2014/main" id="{589FE656-34CF-3641-93BE-59A70082ACBF}"/>
+              </a:ext>
+            </a:extLst>
+          </p:cNvPr>
+          <p:cNvSpPr>
+            <a:spLocks noGrp="1"/>
+          </p:cNvSpPr>
+          <p:nvPr>
+            <p:ph type="title"/>
+          </p:nvPr>
+        </p:nvSpPr>
+        <p:spPr>
+          <a:xfrm>
+            <a:off x="0" y="0"/>
+            <a:ext cx="10515600" cy="1325563"/>
+          </a:xfrm>
+        </p:spPr>
+        <p:txBody>
+          <a:bodyPr>
+            <a:normAutofit/>
+          </a:bodyPr>
+          <a:lstStyle/>
+          <a:p>
+            <a:r>
+              <a:rPr lang="en-US" sz="3600" dirty="0"/>
+              <a:t>Ridge Regression</a:t>
+            </a:r>
+          </a:p>
+        </p:txBody>
+      </p:sp>
+      <p:pic>
+        <p:nvPicPr>
+          <p:cNvPr id="5" name="Picture 4">
+            <a:extLst>
+              <a:ext uri="{FF2B5EF4-FFF2-40B4-BE49-F238E27FC236}">
+                <a16:creationId xmlns:a16="http://schemas.microsoft.com/office/drawing/2014/main" id="{B8DCB6C0-9850-BC46-9033-742495DCFC1F}"/>
+              </a:ext>
+            </a:extLst>
+          </p:cNvPr>
+          <p:cNvPicPr>
+            <a:picLocks noChangeAspect="1"/>
+          </p:cNvPicPr>
+          <p:nvPr/>
+        </p:nvPicPr>
+        <p:blipFill>
+          <a:blip r:embed="rId2"/>
+          <a:stretch>
+            <a:fillRect/>
+          </a:stretch>
+        </p:blipFill>
+        <p:spPr>
+          <a:xfrm>
+            <a:off x="7742200" y="3502988"/>
+            <a:ext cx="4297400" cy="3299789"/>
+          </a:xfrm>
+          <a:prstGeom prst="rect">
+            <a:avLst/>
+          </a:prstGeom>
+        </p:spPr>
+      </p:pic>
+      <p:pic>
+        <p:nvPicPr>
+          <p:cNvPr id="7" name="Picture 6">
+            <a:extLst>
+              <a:ext uri="{FF2B5EF4-FFF2-40B4-BE49-F238E27FC236}">
+                <a16:creationId xmlns:a16="http://schemas.microsoft.com/office/drawing/2014/main" id="{1041E646-9520-7E4C-976F-03734F412634}"/>
+              </a:ext>
+            </a:extLst>
+          </p:cNvPr>
+          <p:cNvPicPr>
+            <a:picLocks noChangeAspect="1"/>
+          </p:cNvPicPr>
+          <p:nvPr/>
+        </p:nvPicPr>
+        <p:blipFill>
+          <a:blip r:embed="rId3"/>
+          <a:stretch>
+            <a:fillRect/>
+          </a:stretch>
+        </p:blipFill>
+        <p:spPr>
+          <a:xfrm>
+            <a:off x="3238500" y="3502988"/>
+            <a:ext cx="4369436" cy="3355103"/>
+          </a:xfrm>
+          <a:prstGeom prst="rect">
+            <a:avLst/>
+          </a:prstGeom>
+        </p:spPr>
+      </p:pic>
+      <p:pic>
+        <p:nvPicPr>
+          <p:cNvPr id="9" name="Picture 8">
+            <a:extLst>
+              <a:ext uri="{FF2B5EF4-FFF2-40B4-BE49-F238E27FC236}">
+                <a16:creationId xmlns:a16="http://schemas.microsoft.com/office/drawing/2014/main" id="{084E08D5-B16D-8648-A8AE-EE62A659DB57}"/>
+              </a:ext>
+            </a:extLst>
+          </p:cNvPr>
+          <p:cNvPicPr>
+            <a:picLocks noChangeAspect="1"/>
+          </p:cNvPicPr>
+          <p:nvPr/>
+        </p:nvPicPr>
+        <p:blipFill>
+          <a:blip r:embed="rId4"/>
+          <a:stretch>
+            <a:fillRect/>
+          </a:stretch>
+        </p:blipFill>
+        <p:spPr>
+          <a:xfrm>
+            <a:off x="7742200" y="101600"/>
+            <a:ext cx="4297400" cy="3299789"/>
+          </a:xfrm>
+          <a:prstGeom prst="rect">
+            <a:avLst/>
+          </a:prstGeom>
+        </p:spPr>
+      </p:pic>
+      <p:pic>
+        <p:nvPicPr>
+          <p:cNvPr id="11" name="Picture 10">
+            <a:extLst>
+              <a:ext uri="{FF2B5EF4-FFF2-40B4-BE49-F238E27FC236}">
+                <a16:creationId xmlns:a16="http://schemas.microsoft.com/office/drawing/2014/main" id="{50F0C326-D96F-E44E-A0FF-9096F24CFA39}"/>
+              </a:ext>
+            </a:extLst>
+          </p:cNvPr>
+          <p:cNvPicPr>
+            <a:picLocks noChangeAspect="1"/>
+          </p:cNvPicPr>
+          <p:nvPr/>
+        </p:nvPicPr>
+        <p:blipFill>
+          <a:blip r:embed="rId5"/>
+          <a:stretch>
+            <a:fillRect/>
+          </a:stretch>
+        </p:blipFill>
+        <p:spPr>
+          <a:xfrm>
+            <a:off x="3238500" y="-6009"/>
+            <a:ext cx="4503700" cy="3458198"/>
+          </a:xfrm>
+          <a:prstGeom prst="rect">
+            <a:avLst/>
+          </a:prstGeom>
+        </p:spPr>
+      </p:pic>
+    </p:spTree>
+    <p:extLst>
+      <p:ext uri="{BB962C8B-B14F-4D97-AF65-F5344CB8AC3E}">
+        <p14:creationId xmlns:p14="http://schemas.microsoft.com/office/powerpoint/2010/main" val="2590292093"/>
+      </p:ext>
+    </p:extLst>
+  </p:cSld>
+  <p:clrMapOvr>
+    <a:masterClrMapping/>
+  </p:clrMapOvr>
+</p:sld>
+</file>
+
+<file path=ppt/slides/slide27.xml><?xml version="1.0" encoding="utf-8"?>
+<p:sld xmlns:a="http://schemas.openxmlformats.org/drawingml/2006/main" xmlns:r="http://schemas.openxmlformats.org/officeDocument/2006/relationships" xmlns:p="http://schemas.openxmlformats.org/presentationml/2006/main">
+  <p:cSld>
+    <p:spTree>
+      <p:nvGrpSpPr>
+        <p:cNvPr id="1" name=""/>
+        <p:cNvGrpSpPr/>
+        <p:nvPr/>
+      </p:nvGrpSpPr>
+      <p:grpSpPr>
+        <a:xfrm>
+          <a:off x="0" y="0"/>
+          <a:ext cx="0" cy="0"/>
+          <a:chOff x="0" y="0"/>
+          <a:chExt cx="0" cy="0"/>
+        </a:xfrm>
+      </p:grpSpPr>
+      <p:sp>
+        <p:nvSpPr>
+          <p:cNvPr id="2" name="Title 1">
+            <a:extLst>
+              <a:ext uri="{FF2B5EF4-FFF2-40B4-BE49-F238E27FC236}">
+                <a16:creationId xmlns:a16="http://schemas.microsoft.com/office/drawing/2014/main" id="{95FA132E-930E-5D41-B97D-AE338A6EA531}"/>
+              </a:ext>
+            </a:extLst>
+          </p:cNvPr>
+          <p:cNvSpPr>
+            <a:spLocks noGrp="1"/>
+          </p:cNvSpPr>
+          <p:nvPr>
+            <p:ph type="title"/>
+          </p:nvPr>
+        </p:nvSpPr>
+        <p:spPr>
+          <a:xfrm>
+            <a:off x="5260" y="0"/>
+            <a:ext cx="5163640" cy="3556000"/>
+          </a:xfrm>
+        </p:spPr>
+        <p:txBody>
+          <a:bodyPr>
+            <a:normAutofit/>
+          </a:bodyPr>
+          <a:lstStyle/>
+          <a:p>
+            <a:r>
+              <a:rPr lang="en-US" sz="2800" dirty="0"/>
+              <a:t>Number of Features</a:t>
+            </a:r>
+            <a:br>
+              <a:rPr lang="en-US" sz="2800" dirty="0"/>
+            </a:br>
+            <a:r>
+              <a:rPr lang="en-US" sz="2800" dirty="0"/>
+              <a:t>per Network and </a:t>
+            </a:r>
+            <a:br>
+              <a:rPr lang="en-US" sz="2800" dirty="0"/>
+            </a:br>
+            <a:r>
+              <a:rPr lang="en-US" sz="2800" dirty="0"/>
+              <a:t>performance</a:t>
+            </a:r>
+          </a:p>
+        </p:txBody>
+      </p:sp>
+      <p:pic>
+        <p:nvPicPr>
+          <p:cNvPr id="5" name="Picture 4">
+            <a:extLst>
+              <a:ext uri="{FF2B5EF4-FFF2-40B4-BE49-F238E27FC236}">
+                <a16:creationId xmlns:a16="http://schemas.microsoft.com/office/drawing/2014/main" id="{92422300-A495-954B-AAFC-FB512F0F9C58}"/>
+              </a:ext>
+            </a:extLst>
+          </p:cNvPr>
+          <p:cNvPicPr>
+            <a:picLocks noChangeAspect="1"/>
+          </p:cNvPicPr>
+          <p:nvPr/>
+        </p:nvPicPr>
+        <p:blipFill>
+          <a:blip r:embed="rId2"/>
+          <a:stretch>
+            <a:fillRect/>
+          </a:stretch>
+        </p:blipFill>
+        <p:spPr>
+          <a:xfrm>
+            <a:off x="7491392" y="3321049"/>
+            <a:ext cx="4420749" cy="3354569"/>
+          </a:xfrm>
+          <a:prstGeom prst="rect">
+            <a:avLst/>
+          </a:prstGeom>
+        </p:spPr>
+      </p:pic>
+      <p:pic>
+        <p:nvPicPr>
+          <p:cNvPr id="7" name="Picture 6">
+            <a:extLst>
+              <a:ext uri="{FF2B5EF4-FFF2-40B4-BE49-F238E27FC236}">
+                <a16:creationId xmlns:a16="http://schemas.microsoft.com/office/drawing/2014/main" id="{E7193EFB-8FBB-AD48-8F34-475498E8F5E2}"/>
+              </a:ext>
+            </a:extLst>
+          </p:cNvPr>
+          <p:cNvPicPr>
+            <a:picLocks noChangeAspect="1"/>
+          </p:cNvPicPr>
+          <p:nvPr/>
+        </p:nvPicPr>
+        <p:blipFill>
+          <a:blip r:embed="rId3"/>
+          <a:stretch>
+            <a:fillRect/>
+          </a:stretch>
+        </p:blipFill>
+        <p:spPr>
+          <a:xfrm>
+            <a:off x="3012066" y="3257550"/>
+            <a:ext cx="4435155" cy="3365500"/>
+          </a:xfrm>
+          <a:prstGeom prst="rect">
+            <a:avLst/>
+          </a:prstGeom>
+        </p:spPr>
+      </p:pic>
+      <p:pic>
+        <p:nvPicPr>
+          <p:cNvPr id="9" name="Picture 8">
+            <a:extLst>
+              <a:ext uri="{FF2B5EF4-FFF2-40B4-BE49-F238E27FC236}">
+                <a16:creationId xmlns:a16="http://schemas.microsoft.com/office/drawing/2014/main" id="{9F470266-211C-DB45-B1FB-DB39637FB791}"/>
+              </a:ext>
+            </a:extLst>
+          </p:cNvPr>
+          <p:cNvPicPr>
+            <a:picLocks noChangeAspect="1"/>
+          </p:cNvPicPr>
+          <p:nvPr/>
+        </p:nvPicPr>
+        <p:blipFill>
+          <a:blip r:embed="rId4"/>
+          <a:stretch>
+            <a:fillRect/>
+          </a:stretch>
+        </p:blipFill>
+        <p:spPr>
+          <a:xfrm>
+            <a:off x="7491393" y="0"/>
+            <a:ext cx="4376577" cy="3321050"/>
+          </a:xfrm>
+          <a:prstGeom prst="rect">
+            <a:avLst/>
+          </a:prstGeom>
+        </p:spPr>
+      </p:pic>
+      <p:pic>
+        <p:nvPicPr>
+          <p:cNvPr id="11" name="Picture 10">
+            <a:extLst>
+              <a:ext uri="{FF2B5EF4-FFF2-40B4-BE49-F238E27FC236}">
+                <a16:creationId xmlns:a16="http://schemas.microsoft.com/office/drawing/2014/main" id="{4E6D668E-B5CB-654C-A78C-CAD37B5128CF}"/>
+              </a:ext>
+            </a:extLst>
+          </p:cNvPr>
+          <p:cNvPicPr>
+            <a:picLocks noChangeAspect="1"/>
+          </p:cNvPicPr>
+          <p:nvPr/>
+        </p:nvPicPr>
+        <p:blipFill>
+          <a:blip r:embed="rId5"/>
+          <a:stretch>
+            <a:fillRect/>
+          </a:stretch>
+        </p:blipFill>
+        <p:spPr>
+          <a:xfrm>
+            <a:off x="3056238" y="0"/>
+            <a:ext cx="4292895" cy="3257550"/>
+          </a:xfrm>
+          <a:prstGeom prst="rect">
+            <a:avLst/>
+          </a:prstGeom>
+        </p:spPr>
+      </p:pic>
+    </p:spTree>
+    <p:extLst>
+      <p:ext uri="{BB962C8B-B14F-4D97-AF65-F5344CB8AC3E}">
+        <p14:creationId xmlns:p14="http://schemas.microsoft.com/office/powerpoint/2010/main" val="3412422553"/>
       </p:ext>
     </p:extLst>
   </p:cSld>

--- a/analysis/output/mL/presentation/updated_mL.pptx
+++ b/analysis/output/mL/presentation/updated_mL.pptx
@@ -5,7 +5,7 @@
     <p:sldMasterId id="2147483648" r:id="rId1"/>
   </p:sldMasterIdLst>
   <p:notesMasterIdLst>
-    <p:notesMasterId r:id="rId29"/>
+    <p:notesMasterId r:id="rId30"/>
   </p:notesMasterIdLst>
   <p:sldIdLst>
     <p:sldId id="256" r:id="rId2"/>
@@ -35,6 +35,7 @@
     <p:sldId id="283" r:id="rId26"/>
     <p:sldId id="284" r:id="rId27"/>
     <p:sldId id="285" r:id="rId28"/>
+    <p:sldId id="286" r:id="rId29"/>
   </p:sldIdLst>
   <p:sldSz cx="12192000" cy="6858000"/>
   <p:notesSz cx="6858000" cy="9144000"/>
@@ -223,7 +224,7 @@
           <a:p>
             <a:fld id="{B867A404-75F8-EE4B-8665-239A00A102E8}" type="datetimeFigureOut">
               <a:rPr lang="en-US" smtClean="0"/>
-              <a:t>6/30/20</a:t>
+              <a:t>7/2/20</a:t>
             </a:fld>
             <a:endParaRPr lang="en-US"/>
           </a:p>
@@ -1001,7 +1002,7 @@
           <a:p>
             <a:fld id="{30E6044F-6CD6-FA47-BEE6-35ACDD53B394}" type="datetimeFigureOut">
               <a:rPr lang="en-US" smtClean="0"/>
-              <a:t>6/30/20</a:t>
+              <a:t>7/2/20</a:t>
             </a:fld>
             <a:endParaRPr lang="en-US"/>
           </a:p>
@@ -1199,7 +1200,7 @@
           <a:p>
             <a:fld id="{30E6044F-6CD6-FA47-BEE6-35ACDD53B394}" type="datetimeFigureOut">
               <a:rPr lang="en-US" smtClean="0"/>
-              <a:t>6/30/20</a:t>
+              <a:t>7/2/20</a:t>
             </a:fld>
             <a:endParaRPr lang="en-US"/>
           </a:p>
@@ -1407,7 +1408,7 @@
           <a:p>
             <a:fld id="{30E6044F-6CD6-FA47-BEE6-35ACDD53B394}" type="datetimeFigureOut">
               <a:rPr lang="en-US" smtClean="0"/>
-              <a:t>6/30/20</a:t>
+              <a:t>7/2/20</a:t>
             </a:fld>
             <a:endParaRPr lang="en-US"/>
           </a:p>
@@ -1605,7 +1606,7 @@
           <a:p>
             <a:fld id="{30E6044F-6CD6-FA47-BEE6-35ACDD53B394}" type="datetimeFigureOut">
               <a:rPr lang="en-US" smtClean="0"/>
-              <a:t>6/30/20</a:t>
+              <a:t>7/2/20</a:t>
             </a:fld>
             <a:endParaRPr lang="en-US"/>
           </a:p>
@@ -1880,7 +1881,7 @@
           <a:p>
             <a:fld id="{30E6044F-6CD6-FA47-BEE6-35ACDD53B394}" type="datetimeFigureOut">
               <a:rPr lang="en-US" smtClean="0"/>
-              <a:t>6/30/20</a:t>
+              <a:t>7/2/20</a:t>
             </a:fld>
             <a:endParaRPr lang="en-US"/>
           </a:p>
@@ -2145,7 +2146,7 @@
           <a:p>
             <a:fld id="{30E6044F-6CD6-FA47-BEE6-35ACDD53B394}" type="datetimeFigureOut">
               <a:rPr lang="en-US" smtClean="0"/>
-              <a:t>6/30/20</a:t>
+              <a:t>7/2/20</a:t>
             </a:fld>
             <a:endParaRPr lang="en-US"/>
           </a:p>
@@ -2557,7 +2558,7 @@
           <a:p>
             <a:fld id="{30E6044F-6CD6-FA47-BEE6-35ACDD53B394}" type="datetimeFigureOut">
               <a:rPr lang="en-US" smtClean="0"/>
-              <a:t>6/30/20</a:t>
+              <a:t>7/2/20</a:t>
             </a:fld>
             <a:endParaRPr lang="en-US"/>
           </a:p>
@@ -2698,7 +2699,7 @@
           <a:p>
             <a:fld id="{30E6044F-6CD6-FA47-BEE6-35ACDD53B394}" type="datetimeFigureOut">
               <a:rPr lang="en-US" smtClean="0"/>
-              <a:t>6/30/20</a:t>
+              <a:t>7/2/20</a:t>
             </a:fld>
             <a:endParaRPr lang="en-US"/>
           </a:p>
@@ -2811,7 +2812,7 @@
           <a:p>
             <a:fld id="{30E6044F-6CD6-FA47-BEE6-35ACDD53B394}" type="datetimeFigureOut">
               <a:rPr lang="en-US" smtClean="0"/>
-              <a:t>6/30/20</a:t>
+              <a:t>7/2/20</a:t>
             </a:fld>
             <a:endParaRPr lang="en-US"/>
           </a:p>
@@ -3122,7 +3123,7 @@
           <a:p>
             <a:fld id="{30E6044F-6CD6-FA47-BEE6-35ACDD53B394}" type="datetimeFigureOut">
               <a:rPr lang="en-US" smtClean="0"/>
-              <a:t>6/30/20</a:t>
+              <a:t>7/2/20</a:t>
             </a:fld>
             <a:endParaRPr lang="en-US"/>
           </a:p>
@@ -3410,7 +3411,7 @@
           <a:p>
             <a:fld id="{30E6044F-6CD6-FA47-BEE6-35ACDD53B394}" type="datetimeFigureOut">
               <a:rPr lang="en-US" smtClean="0"/>
-              <a:t>6/30/20</a:t>
+              <a:t>7/2/20</a:t>
             </a:fld>
             <a:endParaRPr lang="en-US"/>
           </a:p>
@@ -3651,7 +3652,7 @@
           <a:p>
             <a:fld id="{30E6044F-6CD6-FA47-BEE6-35ACDD53B394}" type="datetimeFigureOut">
               <a:rPr lang="en-US" smtClean="0"/>
-              <a:t>6/30/20</a:t>
+              <a:t>7/2/20</a:t>
             </a:fld>
             <a:endParaRPr lang="en-US"/>
           </a:p>
@@ -6410,10 +6411,10 @@
       </p:sp>
       <p:pic>
         <p:nvPicPr>
-          <p:cNvPr id="5" name="Picture 4">
-            <a:extLst>
-              <a:ext uri="{FF2B5EF4-FFF2-40B4-BE49-F238E27FC236}">
-                <a16:creationId xmlns:a16="http://schemas.microsoft.com/office/drawing/2014/main" id="{D3579540-1B40-E44D-91AE-5F0E62E769BB}"/>
+          <p:cNvPr id="4" name="Picture 3">
+            <a:extLst>
+              <a:ext uri="{FF2B5EF4-FFF2-40B4-BE49-F238E27FC236}">
+                <a16:creationId xmlns:a16="http://schemas.microsoft.com/office/drawing/2014/main" id="{5BE69C66-1FB9-D643-B204-E550F71E7375}"/>
               </a:ext>
             </a:extLst>
           </p:cNvPr>
@@ -6430,8 +6431,8 @@
         </p:blipFill>
         <p:spPr>
           <a:xfrm>
-            <a:off x="1981200" y="1690688"/>
-            <a:ext cx="6400800" cy="4914900"/>
+            <a:off x="2120900" y="1407886"/>
+            <a:ext cx="6769100" cy="5197702"/>
           </a:xfrm>
           <a:prstGeom prst="rect">
             <a:avLst/>
@@ -6470,10 +6471,10 @@
       </p:grpSpPr>
       <p:pic>
         <p:nvPicPr>
-          <p:cNvPr id="5" name="Picture 4">
-            <a:extLst>
-              <a:ext uri="{FF2B5EF4-FFF2-40B4-BE49-F238E27FC236}">
-                <a16:creationId xmlns:a16="http://schemas.microsoft.com/office/drawing/2014/main" id="{281ECA40-537B-934E-910A-0E8DFB5FAA21}"/>
+          <p:cNvPr id="3" name="Picture 2">
+            <a:extLst>
+              <a:ext uri="{FF2B5EF4-FFF2-40B4-BE49-F238E27FC236}">
+                <a16:creationId xmlns:a16="http://schemas.microsoft.com/office/drawing/2014/main" id="{E2E8DCA2-0F97-1545-AC46-B12D67DF51C6}"/>
               </a:ext>
             </a:extLst>
           </p:cNvPr>
@@ -6490,8 +6491,8 @@
         </p:blipFill>
         <p:spPr>
           <a:xfrm>
-            <a:off x="1955800" y="896192"/>
-            <a:ext cx="7099300" cy="5034708"/>
+            <a:off x="2019300" y="610313"/>
+            <a:ext cx="7251700" cy="5142787"/>
           </a:xfrm>
           <a:prstGeom prst="rect">
             <a:avLst/>
@@ -7027,10 +7028,10 @@
       </p:grpSpPr>
       <p:pic>
         <p:nvPicPr>
-          <p:cNvPr id="5" name="Picture 4">
-            <a:extLst>
-              <a:ext uri="{FF2B5EF4-FFF2-40B4-BE49-F238E27FC236}">
-                <a16:creationId xmlns:a16="http://schemas.microsoft.com/office/drawing/2014/main" id="{0717D923-C961-2D4F-B120-03A9E91D1428}"/>
+          <p:cNvPr id="4" name="Picture 3">
+            <a:extLst>
+              <a:ext uri="{FF2B5EF4-FFF2-40B4-BE49-F238E27FC236}">
+                <a16:creationId xmlns:a16="http://schemas.microsoft.com/office/drawing/2014/main" id="{7E204BF2-CC4D-E24B-95C8-1063FC13CE6F}"/>
               </a:ext>
             </a:extLst>
           </p:cNvPr>
@@ -7047,8 +7048,8 @@
         </p:blipFill>
         <p:spPr>
           <a:xfrm>
-            <a:off x="1892300" y="671739"/>
-            <a:ext cx="7188200" cy="5519511"/>
+            <a:off x="2222500" y="341312"/>
+            <a:ext cx="7734300" cy="5938838"/>
           </a:xfrm>
           <a:prstGeom prst="rect">
             <a:avLst/>
@@ -7087,10 +7088,10 @@
       </p:grpSpPr>
       <p:pic>
         <p:nvPicPr>
-          <p:cNvPr id="5" name="Picture 4">
-            <a:extLst>
-              <a:ext uri="{FF2B5EF4-FFF2-40B4-BE49-F238E27FC236}">
-                <a16:creationId xmlns:a16="http://schemas.microsoft.com/office/drawing/2014/main" id="{BCDE6764-8F4F-444F-9F40-E1D8CA838AB6}"/>
+          <p:cNvPr id="3" name="Picture 2">
+            <a:extLst>
+              <a:ext uri="{FF2B5EF4-FFF2-40B4-BE49-F238E27FC236}">
+                <a16:creationId xmlns:a16="http://schemas.microsoft.com/office/drawing/2014/main" id="{1E4C9F57-B8EA-A24A-8CAE-9806C7D1DBB2}"/>
               </a:ext>
             </a:extLst>
           </p:cNvPr>
@@ -7107,8 +7108,8 @@
         </p:blipFill>
         <p:spPr>
           <a:xfrm>
-            <a:off x="2108200" y="563336"/>
-            <a:ext cx="7213600" cy="5539014"/>
+            <a:off x="1905000" y="479652"/>
+            <a:ext cx="7454900" cy="5724298"/>
           </a:xfrm>
           <a:prstGeom prst="rect">
             <a:avLst/>
@@ -7175,10 +7176,10 @@
       </p:sp>
       <p:pic>
         <p:nvPicPr>
-          <p:cNvPr id="5" name="Picture 4">
-            <a:extLst>
-              <a:ext uri="{FF2B5EF4-FFF2-40B4-BE49-F238E27FC236}">
-                <a16:creationId xmlns:a16="http://schemas.microsoft.com/office/drawing/2014/main" id="{9DB3D3CD-0C5F-0544-9D0F-9479CB26A762}"/>
+          <p:cNvPr id="4" name="Picture 3">
+            <a:extLst>
+              <a:ext uri="{FF2B5EF4-FFF2-40B4-BE49-F238E27FC236}">
+                <a16:creationId xmlns:a16="http://schemas.microsoft.com/office/drawing/2014/main" id="{18059B95-0F8A-6243-9AE9-BE97F5CB0E1B}"/>
               </a:ext>
             </a:extLst>
           </p:cNvPr>
@@ -7195,8 +7196,8 @@
         </p:blipFill>
         <p:spPr>
           <a:xfrm>
-            <a:off x="2260600" y="1549400"/>
-            <a:ext cx="6400800" cy="4927600"/>
+            <a:off x="2165350" y="1638300"/>
+            <a:ext cx="6743700" cy="5219700"/>
           </a:xfrm>
           <a:prstGeom prst="rect">
             <a:avLst/>
@@ -7235,10 +7236,10 @@
       </p:grpSpPr>
       <p:pic>
         <p:nvPicPr>
-          <p:cNvPr id="7" name="Picture 6">
-            <a:extLst>
-              <a:ext uri="{FF2B5EF4-FFF2-40B4-BE49-F238E27FC236}">
-                <a16:creationId xmlns:a16="http://schemas.microsoft.com/office/drawing/2014/main" id="{2ECB8E4F-A231-D949-900B-813A4347C628}"/>
+          <p:cNvPr id="3" name="Picture 2">
+            <a:extLst>
+              <a:ext uri="{FF2B5EF4-FFF2-40B4-BE49-F238E27FC236}">
+                <a16:creationId xmlns:a16="http://schemas.microsoft.com/office/drawing/2014/main" id="{4F1E52C7-089F-7348-8ED6-BF826CBE51E6}"/>
               </a:ext>
             </a:extLst>
           </p:cNvPr>
@@ -7255,8 +7256,8 @@
         </p:blipFill>
         <p:spPr>
           <a:xfrm>
-            <a:off x="1752600" y="315484"/>
-            <a:ext cx="8102600" cy="6237716"/>
+            <a:off x="1803400" y="328624"/>
+            <a:ext cx="7670800" cy="5926126"/>
           </a:xfrm>
           <a:prstGeom prst="rect">
             <a:avLst/>
@@ -7295,10 +7296,10 @@
       </p:grpSpPr>
       <p:pic>
         <p:nvPicPr>
-          <p:cNvPr id="5" name="Picture 4">
-            <a:extLst>
-              <a:ext uri="{FF2B5EF4-FFF2-40B4-BE49-F238E27FC236}">
-                <a16:creationId xmlns:a16="http://schemas.microsoft.com/office/drawing/2014/main" id="{0BEE52B1-8E81-9440-86C4-E71DCE9EA376}"/>
+          <p:cNvPr id="3" name="Picture 2">
+            <a:extLst>
+              <a:ext uri="{FF2B5EF4-FFF2-40B4-BE49-F238E27FC236}">
+                <a16:creationId xmlns:a16="http://schemas.microsoft.com/office/drawing/2014/main" id="{6A87A367-CA4C-1146-8D4C-4A5BA145D932}"/>
               </a:ext>
             </a:extLst>
           </p:cNvPr>
@@ -7315,8 +7316,8 @@
         </p:blipFill>
         <p:spPr>
           <a:xfrm>
-            <a:off x="1917700" y="417588"/>
-            <a:ext cx="7277100" cy="5602212"/>
+            <a:off x="2120900" y="615950"/>
+            <a:ext cx="6883400" cy="5219700"/>
           </a:xfrm>
           <a:prstGeom prst="rect">
             <a:avLst/>
@@ -7355,10 +7356,10 @@
       </p:grpSpPr>
       <p:pic>
         <p:nvPicPr>
-          <p:cNvPr id="5" name="Picture 4">
-            <a:extLst>
-              <a:ext uri="{FF2B5EF4-FFF2-40B4-BE49-F238E27FC236}">
-                <a16:creationId xmlns:a16="http://schemas.microsoft.com/office/drawing/2014/main" id="{76FF8A4E-04ED-8749-BAE5-7361A297B6D5}"/>
+          <p:cNvPr id="3" name="Picture 2">
+            <a:extLst>
+              <a:ext uri="{FF2B5EF4-FFF2-40B4-BE49-F238E27FC236}">
+                <a16:creationId xmlns:a16="http://schemas.microsoft.com/office/drawing/2014/main" id="{20F7C71C-17F3-A441-9291-9E16D10FA1A4}"/>
               </a:ext>
             </a:extLst>
           </p:cNvPr>
@@ -7375,8 +7376,8 @@
         </p:blipFill>
         <p:spPr>
           <a:xfrm>
-            <a:off x="1714500" y="690033"/>
-            <a:ext cx="7467600" cy="5748867"/>
+            <a:off x="1394218" y="0"/>
+            <a:ext cx="9032481" cy="6849354"/>
           </a:xfrm>
           <a:prstGeom prst="rect">
             <a:avLst/>
@@ -7453,7 +7454,7 @@
           <p:cNvPr id="5" name="Picture 4">
             <a:extLst>
               <a:ext uri="{FF2B5EF4-FFF2-40B4-BE49-F238E27FC236}">
-                <a16:creationId xmlns:a16="http://schemas.microsoft.com/office/drawing/2014/main" id="{B8DCB6C0-9850-BC46-9033-742495DCFC1F}"/>
+                <a16:creationId xmlns:a16="http://schemas.microsoft.com/office/drawing/2014/main" id="{887CC386-0217-7944-85F8-8D9B6A69357B}"/>
               </a:ext>
             </a:extLst>
           </p:cNvPr>
@@ -7470,8 +7471,8 @@
         </p:blipFill>
         <p:spPr>
           <a:xfrm>
-            <a:off x="7742200" y="3502988"/>
-            <a:ext cx="4297400" cy="3299789"/>
+            <a:off x="7440944" y="3536951"/>
+            <a:ext cx="4060456" cy="3117850"/>
           </a:xfrm>
           <a:prstGeom prst="rect">
             <a:avLst/>
@@ -7483,7 +7484,7 @@
           <p:cNvPr id="7" name="Picture 6">
             <a:extLst>
               <a:ext uri="{FF2B5EF4-FFF2-40B4-BE49-F238E27FC236}">
-                <a16:creationId xmlns:a16="http://schemas.microsoft.com/office/drawing/2014/main" id="{1041E646-9520-7E4C-976F-03734F412634}"/>
+                <a16:creationId xmlns:a16="http://schemas.microsoft.com/office/drawing/2014/main" id="{2CF46D03-1997-6747-BC0E-70C1E4112F42}"/>
               </a:ext>
             </a:extLst>
           </p:cNvPr>
@@ -7500,8 +7501,8 @@
         </p:blipFill>
         <p:spPr>
           <a:xfrm>
-            <a:off x="3238500" y="3502988"/>
-            <a:ext cx="4369436" cy="3355103"/>
+            <a:off x="3380488" y="3540126"/>
+            <a:ext cx="4060456" cy="3117850"/>
           </a:xfrm>
           <a:prstGeom prst="rect">
             <a:avLst/>
@@ -7510,10 +7511,10 @@
       </p:pic>
       <p:pic>
         <p:nvPicPr>
-          <p:cNvPr id="9" name="Picture 8">
-            <a:extLst>
-              <a:ext uri="{FF2B5EF4-FFF2-40B4-BE49-F238E27FC236}">
-                <a16:creationId xmlns:a16="http://schemas.microsoft.com/office/drawing/2014/main" id="{084E08D5-B16D-8648-A8AE-EE62A659DB57}"/>
+          <p:cNvPr id="12" name="Picture 11">
+            <a:extLst>
+              <a:ext uri="{FF2B5EF4-FFF2-40B4-BE49-F238E27FC236}">
+                <a16:creationId xmlns:a16="http://schemas.microsoft.com/office/drawing/2014/main" id="{F7B9D3D2-5FD4-BA43-AE59-09331DCC2166}"/>
               </a:ext>
             </a:extLst>
           </p:cNvPr>
@@ -7530,8 +7531,8 @@
         </p:blipFill>
         <p:spPr>
           <a:xfrm>
-            <a:off x="7742200" y="101600"/>
-            <a:ext cx="4297400" cy="3299789"/>
+            <a:off x="7440944" y="211138"/>
+            <a:ext cx="4060456" cy="3117850"/>
           </a:xfrm>
           <a:prstGeom prst="rect">
             <a:avLst/>
@@ -7540,10 +7541,10 @@
       </p:pic>
       <p:pic>
         <p:nvPicPr>
-          <p:cNvPr id="11" name="Picture 10">
-            <a:extLst>
-              <a:ext uri="{FF2B5EF4-FFF2-40B4-BE49-F238E27FC236}">
-                <a16:creationId xmlns:a16="http://schemas.microsoft.com/office/drawing/2014/main" id="{50F0C326-D96F-E44E-A0FF-9096F24CFA39}"/>
+          <p:cNvPr id="14" name="Picture 13">
+            <a:extLst>
+              <a:ext uri="{FF2B5EF4-FFF2-40B4-BE49-F238E27FC236}">
+                <a16:creationId xmlns:a16="http://schemas.microsoft.com/office/drawing/2014/main" id="{B481A90F-2522-3D41-AD8C-015DC405267F}"/>
               </a:ext>
             </a:extLst>
           </p:cNvPr>
@@ -7560,8 +7561,8 @@
         </p:blipFill>
         <p:spPr>
           <a:xfrm>
-            <a:off x="3238500" y="-6009"/>
-            <a:ext cx="4503700" cy="3458198"/>
+            <a:off x="3355716" y="211138"/>
+            <a:ext cx="4060456" cy="3117850"/>
           </a:xfrm>
           <a:prstGeom prst="rect">
             <a:avLst/>
@@ -7652,7 +7653,7 @@
           <p:cNvPr id="5" name="Picture 4">
             <a:extLst>
               <a:ext uri="{FF2B5EF4-FFF2-40B4-BE49-F238E27FC236}">
-                <a16:creationId xmlns:a16="http://schemas.microsoft.com/office/drawing/2014/main" id="{92422300-A495-954B-AAFC-FB512F0F9C58}"/>
+                <a16:creationId xmlns:a16="http://schemas.microsoft.com/office/drawing/2014/main" id="{C528EFF9-1FDE-1E4E-96E6-AB1B9D51E896}"/>
               </a:ext>
             </a:extLst>
           </p:cNvPr>
@@ -7669,8 +7670,8 @@
         </p:blipFill>
         <p:spPr>
           <a:xfrm>
-            <a:off x="7491392" y="3321049"/>
-            <a:ext cx="4420749" cy="3354569"/>
+            <a:off x="7503955" y="3344059"/>
+            <a:ext cx="4406900" cy="3344059"/>
           </a:xfrm>
           <a:prstGeom prst="rect">
             <a:avLst/>
@@ -7682,7 +7683,7 @@
           <p:cNvPr id="7" name="Picture 6">
             <a:extLst>
               <a:ext uri="{FF2B5EF4-FFF2-40B4-BE49-F238E27FC236}">
-                <a16:creationId xmlns:a16="http://schemas.microsoft.com/office/drawing/2014/main" id="{E7193EFB-8FBB-AD48-8F34-475498E8F5E2}"/>
+                <a16:creationId xmlns:a16="http://schemas.microsoft.com/office/drawing/2014/main" id="{BDC9F355-8E63-EE44-B382-44C3D941C772}"/>
               </a:ext>
             </a:extLst>
           </p:cNvPr>
@@ -7699,8 +7700,8 @@
         </p:blipFill>
         <p:spPr>
           <a:xfrm>
-            <a:off x="3012066" y="3257550"/>
-            <a:ext cx="4435155" cy="3365500"/>
+            <a:off x="3152240" y="3344059"/>
+            <a:ext cx="4406900" cy="3344059"/>
           </a:xfrm>
           <a:prstGeom prst="rect">
             <a:avLst/>
@@ -7709,10 +7710,10 @@
       </p:pic>
       <p:pic>
         <p:nvPicPr>
-          <p:cNvPr id="9" name="Picture 8">
-            <a:extLst>
-              <a:ext uri="{FF2B5EF4-FFF2-40B4-BE49-F238E27FC236}">
-                <a16:creationId xmlns:a16="http://schemas.microsoft.com/office/drawing/2014/main" id="{9F470266-211C-DB45-B1FB-DB39637FB791}"/>
+          <p:cNvPr id="12" name="Picture 11">
+            <a:extLst>
+              <a:ext uri="{FF2B5EF4-FFF2-40B4-BE49-F238E27FC236}">
+                <a16:creationId xmlns:a16="http://schemas.microsoft.com/office/drawing/2014/main" id="{6B18A75C-A779-3E47-8A5F-DF3510F28871}"/>
               </a:ext>
             </a:extLst>
           </p:cNvPr>
@@ -7729,8 +7730,8 @@
         </p:blipFill>
         <p:spPr>
           <a:xfrm>
-            <a:off x="7491393" y="0"/>
-            <a:ext cx="4376577" cy="3321050"/>
+            <a:off x="7522350" y="0"/>
+            <a:ext cx="4406900" cy="3344059"/>
           </a:xfrm>
           <a:prstGeom prst="rect">
             <a:avLst/>
@@ -7739,10 +7740,10 @@
       </p:pic>
       <p:pic>
         <p:nvPicPr>
-          <p:cNvPr id="11" name="Picture 10">
-            <a:extLst>
-              <a:ext uri="{FF2B5EF4-FFF2-40B4-BE49-F238E27FC236}">
-                <a16:creationId xmlns:a16="http://schemas.microsoft.com/office/drawing/2014/main" id="{4E6D668E-B5CB-654C-A78C-CAD37B5128CF}"/>
+          <p:cNvPr id="14" name="Picture 13">
+            <a:extLst>
+              <a:ext uri="{FF2B5EF4-FFF2-40B4-BE49-F238E27FC236}">
+                <a16:creationId xmlns:a16="http://schemas.microsoft.com/office/drawing/2014/main" id="{8B9F1C1B-5A1C-4A43-BFC2-AD31458FF12B}"/>
               </a:ext>
             </a:extLst>
           </p:cNvPr>
@@ -7759,8 +7760,8 @@
         </p:blipFill>
         <p:spPr>
           <a:xfrm>
-            <a:off x="3056238" y="0"/>
-            <a:ext cx="4292895" cy="3257550"/>
+            <a:off x="3115450" y="0"/>
+            <a:ext cx="4406900" cy="3344059"/>
           </a:xfrm>
           <a:prstGeom prst="rect">
             <a:avLst/>
@@ -7771,6 +7772,191 @@
     <p:extLst>
       <p:ext uri="{BB962C8B-B14F-4D97-AF65-F5344CB8AC3E}">
         <p14:creationId xmlns:p14="http://schemas.microsoft.com/office/powerpoint/2010/main" val="3412422553"/>
+      </p:ext>
+    </p:extLst>
+  </p:cSld>
+  <p:clrMapOvr>
+    <a:masterClrMapping/>
+  </p:clrMapOvr>
+</p:sld>
+</file>
+
+<file path=ppt/slides/slide28.xml><?xml version="1.0" encoding="utf-8"?>
+<p:sld xmlns:a="http://schemas.openxmlformats.org/drawingml/2006/main" xmlns:r="http://schemas.openxmlformats.org/officeDocument/2006/relationships" xmlns:p="http://schemas.openxmlformats.org/presentationml/2006/main">
+  <p:cSld>
+    <p:spTree>
+      <p:nvGrpSpPr>
+        <p:cNvPr id="1" name=""/>
+        <p:cNvGrpSpPr/>
+        <p:nvPr/>
+      </p:nvGrpSpPr>
+      <p:grpSpPr>
+        <a:xfrm>
+          <a:off x="0" y="0"/>
+          <a:ext cx="0" cy="0"/>
+          <a:chOff x="0" y="0"/>
+          <a:chExt cx="0" cy="0"/>
+        </a:xfrm>
+      </p:grpSpPr>
+      <p:sp>
+        <p:nvSpPr>
+          <p:cNvPr id="2" name="Title 1">
+            <a:extLst>
+              <a:ext uri="{FF2B5EF4-FFF2-40B4-BE49-F238E27FC236}">
+                <a16:creationId xmlns:a16="http://schemas.microsoft.com/office/drawing/2014/main" id="{A9A2F3A0-A2E2-DB4F-B784-B24DE27A0ECE}"/>
+              </a:ext>
+            </a:extLst>
+          </p:cNvPr>
+          <p:cNvSpPr>
+            <a:spLocks noGrp="1"/>
+          </p:cNvSpPr>
+          <p:nvPr>
+            <p:ph type="title"/>
+          </p:nvPr>
+        </p:nvSpPr>
+        <p:spPr>
+          <a:xfrm>
+            <a:off x="838200" y="365125"/>
+            <a:ext cx="4749800" cy="1325563"/>
+          </a:xfrm>
+        </p:spPr>
+        <p:txBody>
+          <a:bodyPr>
+            <a:normAutofit/>
+          </a:bodyPr>
+          <a:lstStyle/>
+          <a:p>
+            <a:r>
+              <a:rPr lang="en-US" sz="2800" dirty="0"/>
+              <a:t>Only taking blocks of networks</a:t>
+            </a:r>
+          </a:p>
+        </p:txBody>
+      </p:sp>
+      <p:pic>
+        <p:nvPicPr>
+          <p:cNvPr id="5" name="Picture 4">
+            <a:extLst>
+              <a:ext uri="{FF2B5EF4-FFF2-40B4-BE49-F238E27FC236}">
+                <a16:creationId xmlns:a16="http://schemas.microsoft.com/office/drawing/2014/main" id="{92EA5130-DFD2-FC45-BA75-627354354A10}"/>
+              </a:ext>
+            </a:extLst>
+          </p:cNvPr>
+          <p:cNvPicPr>
+            <a:picLocks noChangeAspect="1"/>
+          </p:cNvPicPr>
+          <p:nvPr/>
+        </p:nvPicPr>
+        <p:blipFill>
+          <a:blip r:embed="rId2"/>
+          <a:stretch>
+            <a:fillRect/>
+          </a:stretch>
+        </p:blipFill>
+        <p:spPr>
+          <a:xfrm>
+            <a:off x="0" y="1349552"/>
+            <a:ext cx="6663598" cy="2161715"/>
+          </a:xfrm>
+          <a:prstGeom prst="rect">
+            <a:avLst/>
+          </a:prstGeom>
+        </p:spPr>
+      </p:pic>
+      <p:pic>
+        <p:nvPicPr>
+          <p:cNvPr id="7" name="Picture 6">
+            <a:extLst>
+              <a:ext uri="{FF2B5EF4-FFF2-40B4-BE49-F238E27FC236}">
+                <a16:creationId xmlns:a16="http://schemas.microsoft.com/office/drawing/2014/main" id="{61E6A34B-6A4A-854D-A265-AA474FED3AC1}"/>
+              </a:ext>
+            </a:extLst>
+          </p:cNvPr>
+          <p:cNvPicPr>
+            <a:picLocks noChangeAspect="1"/>
+          </p:cNvPicPr>
+          <p:nvPr/>
+        </p:nvPicPr>
+        <p:blipFill>
+          <a:blip r:embed="rId3"/>
+          <a:stretch>
+            <a:fillRect/>
+          </a:stretch>
+        </p:blipFill>
+        <p:spPr>
+          <a:xfrm>
+            <a:off x="6681350" y="3798736"/>
+            <a:ext cx="5251849" cy="2982958"/>
+          </a:xfrm>
+          <a:prstGeom prst="rect">
+            <a:avLst/>
+          </a:prstGeom>
+        </p:spPr>
+      </p:pic>
+      <p:pic>
+        <p:nvPicPr>
+          <p:cNvPr id="9" name="Picture 8">
+            <a:extLst>
+              <a:ext uri="{FF2B5EF4-FFF2-40B4-BE49-F238E27FC236}">
+                <a16:creationId xmlns:a16="http://schemas.microsoft.com/office/drawing/2014/main" id="{00F2111F-3921-6D43-917B-69E9384E9A7A}"/>
+              </a:ext>
+            </a:extLst>
+          </p:cNvPr>
+          <p:cNvPicPr>
+            <a:picLocks noChangeAspect="1"/>
+          </p:cNvPicPr>
+          <p:nvPr/>
+        </p:nvPicPr>
+        <p:blipFill>
+          <a:blip r:embed="rId4"/>
+          <a:stretch>
+            <a:fillRect/>
+          </a:stretch>
+        </p:blipFill>
+        <p:spPr>
+          <a:xfrm>
+            <a:off x="6830188" y="970290"/>
+            <a:ext cx="5103011" cy="2667977"/>
+          </a:xfrm>
+          <a:prstGeom prst="rect">
+            <a:avLst/>
+          </a:prstGeom>
+        </p:spPr>
+      </p:pic>
+      <p:pic>
+        <p:nvPicPr>
+          <p:cNvPr id="11" name="Picture 10">
+            <a:extLst>
+              <a:ext uri="{FF2B5EF4-FFF2-40B4-BE49-F238E27FC236}">
+                <a16:creationId xmlns:a16="http://schemas.microsoft.com/office/drawing/2014/main" id="{94F48265-EE18-6640-9C18-EC7E6C479B09}"/>
+              </a:ext>
+            </a:extLst>
+          </p:cNvPr>
+          <p:cNvPicPr>
+            <a:picLocks noChangeAspect="1"/>
+          </p:cNvPicPr>
+          <p:nvPr/>
+        </p:nvPicPr>
+        <p:blipFill>
+          <a:blip r:embed="rId5"/>
+          <a:stretch>
+            <a:fillRect/>
+          </a:stretch>
+        </p:blipFill>
+        <p:spPr>
+          <a:xfrm>
+            <a:off x="247982" y="3638267"/>
+            <a:ext cx="5098718" cy="2864573"/>
+          </a:xfrm>
+          <a:prstGeom prst="rect">
+            <a:avLst/>
+          </a:prstGeom>
+        </p:spPr>
+      </p:pic>
+    </p:spTree>
+    <p:extLst>
+      <p:ext uri="{BB962C8B-B14F-4D97-AF65-F5344CB8AC3E}">
+        <p14:creationId xmlns:p14="http://schemas.microsoft.com/office/powerpoint/2010/main" val="2522675749"/>
       </p:ext>
     </p:extLst>
   </p:cSld>

--- a/analysis/output/mL/presentation/updated_mL.pptx
+++ b/analysis/output/mL/presentation/updated_mL.pptx
@@ -7650,10 +7650,10 @@
       </p:sp>
       <p:pic>
         <p:nvPicPr>
-          <p:cNvPr id="5" name="Picture 4">
-            <a:extLst>
-              <a:ext uri="{FF2B5EF4-FFF2-40B4-BE49-F238E27FC236}">
-                <a16:creationId xmlns:a16="http://schemas.microsoft.com/office/drawing/2014/main" id="{C528EFF9-1FDE-1E4E-96E6-AB1B9D51E896}"/>
+          <p:cNvPr id="4" name="Picture 3">
+            <a:extLst>
+              <a:ext uri="{FF2B5EF4-FFF2-40B4-BE49-F238E27FC236}">
+                <a16:creationId xmlns:a16="http://schemas.microsoft.com/office/drawing/2014/main" id="{706FD324-EF0A-A545-B902-7C29C70A2570}"/>
               </a:ext>
             </a:extLst>
           </p:cNvPr>
@@ -7670,8 +7670,8 @@
         </p:blipFill>
         <p:spPr>
           <a:xfrm>
-            <a:off x="7503955" y="3344059"/>
-            <a:ext cx="4406900" cy="3344059"/>
+            <a:off x="7630300" y="3422650"/>
+            <a:ext cx="4473944" cy="3435350"/>
           </a:xfrm>
           <a:prstGeom prst="rect">
             <a:avLst/>
@@ -7680,10 +7680,10 @@
       </p:pic>
       <p:pic>
         <p:nvPicPr>
-          <p:cNvPr id="7" name="Picture 6">
-            <a:extLst>
-              <a:ext uri="{FF2B5EF4-FFF2-40B4-BE49-F238E27FC236}">
-                <a16:creationId xmlns:a16="http://schemas.microsoft.com/office/drawing/2014/main" id="{BDC9F355-8E63-EE44-B382-44C3D941C772}"/>
+          <p:cNvPr id="8" name="Picture 7">
+            <a:extLst>
+              <a:ext uri="{FF2B5EF4-FFF2-40B4-BE49-F238E27FC236}">
+                <a16:creationId xmlns:a16="http://schemas.microsoft.com/office/drawing/2014/main" id="{EECE0677-FDF4-0D46-8D21-4E5D2E4AC00D}"/>
               </a:ext>
             </a:extLst>
           </p:cNvPr>
@@ -7700,8 +7700,8 @@
         </p:blipFill>
         <p:spPr>
           <a:xfrm>
-            <a:off x="3152240" y="3344059"/>
-            <a:ext cx="4406900" cy="3344059"/>
+            <a:off x="3222256" y="3422650"/>
+            <a:ext cx="4473944" cy="3435350"/>
           </a:xfrm>
           <a:prstGeom prst="rect">
             <a:avLst/>
@@ -7710,10 +7710,10 @@
       </p:pic>
       <p:pic>
         <p:nvPicPr>
-          <p:cNvPr id="12" name="Picture 11">
-            <a:extLst>
-              <a:ext uri="{FF2B5EF4-FFF2-40B4-BE49-F238E27FC236}">
-                <a16:creationId xmlns:a16="http://schemas.microsoft.com/office/drawing/2014/main" id="{6B18A75C-A779-3E47-8A5F-DF3510F28871}"/>
+          <p:cNvPr id="10" name="Picture 9">
+            <a:extLst>
+              <a:ext uri="{FF2B5EF4-FFF2-40B4-BE49-F238E27FC236}">
+                <a16:creationId xmlns:a16="http://schemas.microsoft.com/office/drawing/2014/main" id="{E64E9F55-6DB8-764F-81F6-F6B4FEDC9D58}"/>
               </a:ext>
             </a:extLst>
           </p:cNvPr>
@@ -7730,8 +7730,8 @@
         </p:blipFill>
         <p:spPr>
           <a:xfrm>
-            <a:off x="7522350" y="0"/>
-            <a:ext cx="4406900" cy="3344059"/>
+            <a:off x="7630300" y="25400"/>
+            <a:ext cx="4473944" cy="3435350"/>
           </a:xfrm>
           <a:prstGeom prst="rect">
             <a:avLst/>
@@ -7740,10 +7740,10 @@
       </p:pic>
       <p:pic>
         <p:nvPicPr>
-          <p:cNvPr id="14" name="Picture 13">
-            <a:extLst>
-              <a:ext uri="{FF2B5EF4-FFF2-40B4-BE49-F238E27FC236}">
-                <a16:creationId xmlns:a16="http://schemas.microsoft.com/office/drawing/2014/main" id="{8B9F1C1B-5A1C-4A43-BFC2-AD31458FF12B}"/>
+          <p:cNvPr id="13" name="Picture 12">
+            <a:extLst>
+              <a:ext uri="{FF2B5EF4-FFF2-40B4-BE49-F238E27FC236}">
+                <a16:creationId xmlns:a16="http://schemas.microsoft.com/office/drawing/2014/main" id="{AB0A8357-01C3-C048-A84A-12D049DF357A}"/>
               </a:ext>
             </a:extLst>
           </p:cNvPr>
@@ -7760,8 +7760,8 @@
         </p:blipFill>
         <p:spPr>
           <a:xfrm>
-            <a:off x="3115450" y="0"/>
-            <a:ext cx="4406900" cy="3344059"/>
+            <a:off x="3222256" y="25400"/>
+            <a:ext cx="4473944" cy="3435350"/>
           </a:xfrm>
           <a:prstGeom prst="rect">
             <a:avLst/>

--- a/analysis/output/mL/presentation/updated_mL.pptx
+++ b/analysis/output/mL/presentation/updated_mL.pptx
@@ -5,7 +5,7 @@
     <p:sldMasterId id="2147483648" r:id="rId1"/>
   </p:sldMasterIdLst>
   <p:notesMasterIdLst>
-    <p:notesMasterId r:id="rId30"/>
+    <p:notesMasterId r:id="rId34"/>
   </p:notesMasterIdLst>
   <p:sldIdLst>
     <p:sldId id="256" r:id="rId2"/>
@@ -36,6 +36,10 @@
     <p:sldId id="284" r:id="rId27"/>
     <p:sldId id="285" r:id="rId28"/>
     <p:sldId id="286" r:id="rId29"/>
+    <p:sldId id="287" r:id="rId30"/>
+    <p:sldId id="288" r:id="rId31"/>
+    <p:sldId id="289" r:id="rId32"/>
+    <p:sldId id="290" r:id="rId33"/>
   </p:sldIdLst>
   <p:sldSz cx="12192000" cy="6858000"/>
   <p:notesSz cx="6858000" cy="9144000"/>
@@ -224,7 +228,7 @@
           <a:p>
             <a:fld id="{B867A404-75F8-EE4B-8665-239A00A102E8}" type="datetimeFigureOut">
               <a:rPr lang="en-US" smtClean="0"/>
-              <a:t>7/2/20</a:t>
+              <a:t>7/9/20</a:t>
             </a:fld>
             <a:endParaRPr lang="en-US"/>
           </a:p>
@@ -855,6 +859,364 @@
 </p:notes>
 </file>
 
+<file path=ppt/notesSlides/notesSlide5.xml><?xml version="1.0" encoding="utf-8"?>
+<p:notes xmlns:a="http://schemas.openxmlformats.org/drawingml/2006/main" xmlns:r="http://schemas.openxmlformats.org/officeDocument/2006/relationships" xmlns:p="http://schemas.openxmlformats.org/presentationml/2006/main">
+  <p:cSld>
+    <p:spTree>
+      <p:nvGrpSpPr>
+        <p:cNvPr id="1" name=""/>
+        <p:cNvGrpSpPr/>
+        <p:nvPr/>
+      </p:nvGrpSpPr>
+      <p:grpSpPr>
+        <a:xfrm>
+          <a:off x="0" y="0"/>
+          <a:ext cx="0" cy="0"/>
+          <a:chOff x="0" y="0"/>
+          <a:chExt cx="0" cy="0"/>
+        </a:xfrm>
+      </p:grpSpPr>
+      <p:sp>
+        <p:nvSpPr>
+          <p:cNvPr id="2" name="Slide Image Placeholder 1"/>
+          <p:cNvSpPr>
+            <a:spLocks noGrp="1" noRot="1" noChangeAspect="1"/>
+          </p:cNvSpPr>
+          <p:nvPr>
+            <p:ph type="sldImg"/>
+          </p:nvPr>
+        </p:nvSpPr>
+        <p:spPr/>
+      </p:sp>
+      <p:sp>
+        <p:nvSpPr>
+          <p:cNvPr id="3" name="Notes Placeholder 2"/>
+          <p:cNvSpPr>
+            <a:spLocks noGrp="1"/>
+          </p:cNvSpPr>
+          <p:nvPr>
+            <p:ph type="body" idx="1"/>
+          </p:nvPr>
+        </p:nvSpPr>
+        <p:spPr/>
+        <p:txBody>
+          <a:bodyPr/>
+          <a:lstStyle/>
+          <a:p>
+            <a:endParaRPr lang="en-US" dirty="0"/>
+          </a:p>
+        </p:txBody>
+      </p:sp>
+      <p:sp>
+        <p:nvSpPr>
+          <p:cNvPr id="4" name="Slide Number Placeholder 3"/>
+          <p:cNvSpPr>
+            <a:spLocks noGrp="1"/>
+          </p:cNvSpPr>
+          <p:nvPr>
+            <p:ph type="sldNum" sz="quarter" idx="5"/>
+          </p:nvPr>
+        </p:nvSpPr>
+        <p:spPr/>
+        <p:txBody>
+          <a:bodyPr/>
+          <a:lstStyle/>
+          <a:p>
+            <a:fld id="{7966DBB1-7F97-C344-B0D6-0799E2CF9DF0}" type="slidenum">
+              <a:rPr lang="en-US" smtClean="0"/>
+              <a:t>27</a:t>
+            </a:fld>
+            <a:endParaRPr lang="en-US"/>
+          </a:p>
+        </p:txBody>
+      </p:sp>
+    </p:spTree>
+    <p:extLst>
+      <p:ext uri="{BB962C8B-B14F-4D97-AF65-F5344CB8AC3E}">
+        <p14:creationId xmlns:p14="http://schemas.microsoft.com/office/powerpoint/2010/main" val="1744366179"/>
+      </p:ext>
+    </p:extLst>
+  </p:cSld>
+  <p:clrMapOvr>
+    <a:masterClrMapping/>
+  </p:clrMapOvr>
+</p:notes>
+</file>
+
+<file path=ppt/notesSlides/notesSlide6.xml><?xml version="1.0" encoding="utf-8"?>
+<p:notes xmlns:a="http://schemas.openxmlformats.org/drawingml/2006/main" xmlns:r="http://schemas.openxmlformats.org/officeDocument/2006/relationships" xmlns:p="http://schemas.openxmlformats.org/presentationml/2006/main">
+  <p:cSld>
+    <p:spTree>
+      <p:nvGrpSpPr>
+        <p:cNvPr id="1" name=""/>
+        <p:cNvGrpSpPr/>
+        <p:nvPr/>
+      </p:nvGrpSpPr>
+      <p:grpSpPr>
+        <a:xfrm>
+          <a:off x="0" y="0"/>
+          <a:ext cx="0" cy="0"/>
+          <a:chOff x="0" y="0"/>
+          <a:chExt cx="0" cy="0"/>
+        </a:xfrm>
+      </p:grpSpPr>
+      <p:sp>
+        <p:nvSpPr>
+          <p:cNvPr id="2" name="Slide Image Placeholder 1"/>
+          <p:cNvSpPr>
+            <a:spLocks noGrp="1" noRot="1" noChangeAspect="1"/>
+          </p:cNvSpPr>
+          <p:nvPr>
+            <p:ph type="sldImg"/>
+          </p:nvPr>
+        </p:nvSpPr>
+        <p:spPr/>
+      </p:sp>
+      <p:sp>
+        <p:nvSpPr>
+          <p:cNvPr id="3" name="Notes Placeholder 2"/>
+          <p:cNvSpPr>
+            <a:spLocks noGrp="1"/>
+          </p:cNvSpPr>
+          <p:nvPr>
+            <p:ph type="body" idx="1"/>
+          </p:nvPr>
+        </p:nvSpPr>
+        <p:spPr/>
+        <p:txBody>
+          <a:bodyPr/>
+          <a:lstStyle/>
+          <a:p>
+            <a:r>
+              <a:rPr lang="en-US" dirty="0"/>
+              <a:t>On average it would seem that using within subject yielded higher performance independent of number of samples while examining different subjects did start out much lower</a:t>
+            </a:r>
+          </a:p>
+        </p:txBody>
+      </p:sp>
+      <p:sp>
+        <p:nvSpPr>
+          <p:cNvPr id="4" name="Slide Number Placeholder 3"/>
+          <p:cNvSpPr>
+            <a:spLocks noGrp="1"/>
+          </p:cNvSpPr>
+          <p:nvPr>
+            <p:ph type="sldNum" sz="quarter" idx="5"/>
+          </p:nvPr>
+        </p:nvSpPr>
+        <p:spPr/>
+        <p:txBody>
+          <a:bodyPr/>
+          <a:lstStyle/>
+          <a:p>
+            <a:fld id="{7966DBB1-7F97-C344-B0D6-0799E2CF9DF0}" type="slidenum">
+              <a:rPr lang="en-US" smtClean="0"/>
+              <a:t>30</a:t>
+            </a:fld>
+            <a:endParaRPr lang="en-US"/>
+          </a:p>
+        </p:txBody>
+      </p:sp>
+    </p:spTree>
+    <p:extLst>
+      <p:ext uri="{BB962C8B-B14F-4D97-AF65-F5344CB8AC3E}">
+        <p14:creationId xmlns:p14="http://schemas.microsoft.com/office/powerpoint/2010/main" val="1473917854"/>
+      </p:ext>
+    </p:extLst>
+  </p:cSld>
+  <p:clrMapOvr>
+    <a:masterClrMapping/>
+  </p:clrMapOvr>
+</p:notes>
+</file>
+
+<file path=ppt/notesSlides/notesSlide7.xml><?xml version="1.0" encoding="utf-8"?>
+<p:notes xmlns:a="http://schemas.openxmlformats.org/drawingml/2006/main" xmlns:r="http://schemas.openxmlformats.org/officeDocument/2006/relationships" xmlns:p="http://schemas.openxmlformats.org/presentationml/2006/main">
+  <p:cSld>
+    <p:spTree>
+      <p:nvGrpSpPr>
+        <p:cNvPr id="1" name=""/>
+        <p:cNvGrpSpPr/>
+        <p:nvPr/>
+      </p:nvGrpSpPr>
+      <p:grpSpPr>
+        <a:xfrm>
+          <a:off x="0" y="0"/>
+          <a:ext cx="0" cy="0"/>
+          <a:chOff x="0" y="0"/>
+          <a:chExt cx="0" cy="0"/>
+        </a:xfrm>
+      </p:grpSpPr>
+      <p:sp>
+        <p:nvSpPr>
+          <p:cNvPr id="2" name="Slide Image Placeholder 1"/>
+          <p:cNvSpPr>
+            <a:spLocks noGrp="1" noRot="1" noChangeAspect="1"/>
+          </p:cNvSpPr>
+          <p:nvPr>
+            <p:ph type="sldImg"/>
+          </p:nvPr>
+        </p:nvSpPr>
+        <p:spPr/>
+      </p:sp>
+      <p:sp>
+        <p:nvSpPr>
+          <p:cNvPr id="3" name="Notes Placeholder 2"/>
+          <p:cNvSpPr>
+            <a:spLocks noGrp="1"/>
+          </p:cNvSpPr>
+          <p:nvPr>
+            <p:ph type="body" idx="1"/>
+          </p:nvPr>
+        </p:nvSpPr>
+        <p:spPr/>
+        <p:txBody>
+          <a:bodyPr/>
+          <a:lstStyle/>
+          <a:p>
+            <a:r>
+              <a:rPr lang="en-US" dirty="0"/>
+              <a:t>Ridge only</a:t>
+            </a:r>
+          </a:p>
+        </p:txBody>
+      </p:sp>
+      <p:sp>
+        <p:nvSpPr>
+          <p:cNvPr id="4" name="Slide Number Placeholder 3"/>
+          <p:cNvSpPr>
+            <a:spLocks noGrp="1"/>
+          </p:cNvSpPr>
+          <p:nvPr>
+            <p:ph type="sldNum" sz="quarter" idx="5"/>
+          </p:nvPr>
+        </p:nvSpPr>
+        <p:spPr/>
+        <p:txBody>
+          <a:bodyPr/>
+          <a:lstStyle/>
+          <a:p>
+            <a:fld id="{7966DBB1-7F97-C344-B0D6-0799E2CF9DF0}" type="slidenum">
+              <a:rPr lang="en-US" smtClean="0"/>
+              <a:t>31</a:t>
+            </a:fld>
+            <a:endParaRPr lang="en-US"/>
+          </a:p>
+        </p:txBody>
+      </p:sp>
+    </p:spTree>
+    <p:extLst>
+      <p:ext uri="{BB962C8B-B14F-4D97-AF65-F5344CB8AC3E}">
+        <p14:creationId xmlns:p14="http://schemas.microsoft.com/office/powerpoint/2010/main" val="301245282"/>
+      </p:ext>
+    </p:extLst>
+  </p:cSld>
+  <p:clrMapOvr>
+    <a:masterClrMapping/>
+  </p:clrMapOvr>
+</p:notes>
+</file>
+
+<file path=ppt/notesSlides/notesSlide8.xml><?xml version="1.0" encoding="utf-8"?>
+<p:notes xmlns:a="http://schemas.openxmlformats.org/drawingml/2006/main" xmlns:r="http://schemas.openxmlformats.org/officeDocument/2006/relationships" xmlns:p="http://schemas.openxmlformats.org/presentationml/2006/main">
+  <p:cSld>
+    <p:spTree>
+      <p:nvGrpSpPr>
+        <p:cNvPr id="1" name=""/>
+        <p:cNvGrpSpPr/>
+        <p:nvPr/>
+      </p:nvGrpSpPr>
+      <p:grpSpPr>
+        <a:xfrm>
+          <a:off x="0" y="0"/>
+          <a:ext cx="0" cy="0"/>
+          <a:chOff x="0" y="0"/>
+          <a:chExt cx="0" cy="0"/>
+        </a:xfrm>
+      </p:grpSpPr>
+      <p:sp>
+        <p:nvSpPr>
+          <p:cNvPr id="2" name="Slide Image Placeholder 1"/>
+          <p:cNvSpPr>
+            <a:spLocks noGrp="1" noRot="1" noChangeAspect="1"/>
+          </p:cNvSpPr>
+          <p:nvPr>
+            <p:ph type="sldImg"/>
+          </p:nvPr>
+        </p:nvSpPr>
+        <p:spPr/>
+      </p:sp>
+      <p:sp>
+        <p:nvSpPr>
+          <p:cNvPr id="3" name="Notes Placeholder 2"/>
+          <p:cNvSpPr>
+            <a:spLocks noGrp="1"/>
+          </p:cNvSpPr>
+          <p:nvPr>
+            <p:ph type="body" idx="1"/>
+          </p:nvPr>
+        </p:nvSpPr>
+        <p:spPr/>
+        <p:txBody>
+          <a:bodyPr/>
+          <a:lstStyle/>
+          <a:p>
+            <a:r>
+              <a:rPr lang="en-US" dirty="0"/>
+              <a:t>Ridge only. Regular mL script but instead of taking each fold just take the whole dataset and fit to the model and then take the absolute value of the coefficients and revert back into the 333x333 matrix form. </a:t>
+            </a:r>
+            <a:r>
+              <a:rPr lang="en-US" dirty="0" err="1"/>
+              <a:t>Groupby</a:t>
+            </a:r>
+            <a:r>
+              <a:rPr lang="en-US" dirty="0"/>
+              <a:t> sum the regions and for each subject in each task take the largest total sum. Then store all the subs for all the tasks and plot into a sanky diagram. This diagram would suggest that a lot of the models rely on default mode network and CO network based on the total sum </a:t>
+            </a:r>
+            <a:r>
+              <a:rPr lang="en-US"/>
+              <a:t>of feature weights. </a:t>
+            </a:r>
+            <a:endParaRPr lang="en-US" dirty="0"/>
+          </a:p>
+        </p:txBody>
+      </p:sp>
+      <p:sp>
+        <p:nvSpPr>
+          <p:cNvPr id="4" name="Slide Number Placeholder 3"/>
+          <p:cNvSpPr>
+            <a:spLocks noGrp="1"/>
+          </p:cNvSpPr>
+          <p:nvPr>
+            <p:ph type="sldNum" sz="quarter" idx="5"/>
+          </p:nvPr>
+        </p:nvSpPr>
+        <p:spPr/>
+        <p:txBody>
+          <a:bodyPr/>
+          <a:lstStyle/>
+          <a:p>
+            <a:fld id="{7966DBB1-7F97-C344-B0D6-0799E2CF9DF0}" type="slidenum">
+              <a:rPr lang="en-US" smtClean="0"/>
+              <a:t>32</a:t>
+            </a:fld>
+            <a:endParaRPr lang="en-US"/>
+          </a:p>
+        </p:txBody>
+      </p:sp>
+    </p:spTree>
+    <p:extLst>
+      <p:ext uri="{BB962C8B-B14F-4D97-AF65-F5344CB8AC3E}">
+        <p14:creationId xmlns:p14="http://schemas.microsoft.com/office/powerpoint/2010/main" val="2450001762"/>
+      </p:ext>
+    </p:extLst>
+  </p:cSld>
+  <p:clrMapOvr>
+    <a:masterClrMapping/>
+  </p:clrMapOvr>
+</p:notes>
+</file>
+
 <file path=ppt/slideLayouts/slideLayout1.xml><?xml version="1.0" encoding="utf-8"?>
 <p:sldLayout xmlns:a="http://schemas.openxmlformats.org/drawingml/2006/main" xmlns:r="http://schemas.openxmlformats.org/officeDocument/2006/relationships" xmlns:p="http://schemas.openxmlformats.org/presentationml/2006/main" type="title" preserve="1">
   <p:cSld name="Title Slide">
@@ -1002,7 +1364,7 @@
           <a:p>
             <a:fld id="{30E6044F-6CD6-FA47-BEE6-35ACDD53B394}" type="datetimeFigureOut">
               <a:rPr lang="en-US" smtClean="0"/>
-              <a:t>7/2/20</a:t>
+              <a:t>7/9/20</a:t>
             </a:fld>
             <a:endParaRPr lang="en-US"/>
           </a:p>
@@ -1200,7 +1562,7 @@
           <a:p>
             <a:fld id="{30E6044F-6CD6-FA47-BEE6-35ACDD53B394}" type="datetimeFigureOut">
               <a:rPr lang="en-US" smtClean="0"/>
-              <a:t>7/2/20</a:t>
+              <a:t>7/9/20</a:t>
             </a:fld>
             <a:endParaRPr lang="en-US"/>
           </a:p>
@@ -1408,7 +1770,7 @@
           <a:p>
             <a:fld id="{30E6044F-6CD6-FA47-BEE6-35ACDD53B394}" type="datetimeFigureOut">
               <a:rPr lang="en-US" smtClean="0"/>
-              <a:t>7/2/20</a:t>
+              <a:t>7/9/20</a:t>
             </a:fld>
             <a:endParaRPr lang="en-US"/>
           </a:p>
@@ -1606,7 +1968,7 @@
           <a:p>
             <a:fld id="{30E6044F-6CD6-FA47-BEE6-35ACDD53B394}" type="datetimeFigureOut">
               <a:rPr lang="en-US" smtClean="0"/>
-              <a:t>7/2/20</a:t>
+              <a:t>7/9/20</a:t>
             </a:fld>
             <a:endParaRPr lang="en-US"/>
           </a:p>
@@ -1881,7 +2243,7 @@
           <a:p>
             <a:fld id="{30E6044F-6CD6-FA47-BEE6-35ACDD53B394}" type="datetimeFigureOut">
               <a:rPr lang="en-US" smtClean="0"/>
-              <a:t>7/2/20</a:t>
+              <a:t>7/9/20</a:t>
             </a:fld>
             <a:endParaRPr lang="en-US"/>
           </a:p>
@@ -2146,7 +2508,7 @@
           <a:p>
             <a:fld id="{30E6044F-6CD6-FA47-BEE6-35ACDD53B394}" type="datetimeFigureOut">
               <a:rPr lang="en-US" smtClean="0"/>
-              <a:t>7/2/20</a:t>
+              <a:t>7/9/20</a:t>
             </a:fld>
             <a:endParaRPr lang="en-US"/>
           </a:p>
@@ -2558,7 +2920,7 @@
           <a:p>
             <a:fld id="{30E6044F-6CD6-FA47-BEE6-35ACDD53B394}" type="datetimeFigureOut">
               <a:rPr lang="en-US" smtClean="0"/>
-              <a:t>7/2/20</a:t>
+              <a:t>7/9/20</a:t>
             </a:fld>
             <a:endParaRPr lang="en-US"/>
           </a:p>
@@ -2699,7 +3061,7 @@
           <a:p>
             <a:fld id="{30E6044F-6CD6-FA47-BEE6-35ACDD53B394}" type="datetimeFigureOut">
               <a:rPr lang="en-US" smtClean="0"/>
-              <a:t>7/2/20</a:t>
+              <a:t>7/9/20</a:t>
             </a:fld>
             <a:endParaRPr lang="en-US"/>
           </a:p>
@@ -2812,7 +3174,7 @@
           <a:p>
             <a:fld id="{30E6044F-6CD6-FA47-BEE6-35ACDD53B394}" type="datetimeFigureOut">
               <a:rPr lang="en-US" smtClean="0"/>
-              <a:t>7/2/20</a:t>
+              <a:t>7/9/20</a:t>
             </a:fld>
             <a:endParaRPr lang="en-US"/>
           </a:p>
@@ -3123,7 +3485,7 @@
           <a:p>
             <a:fld id="{30E6044F-6CD6-FA47-BEE6-35ACDD53B394}" type="datetimeFigureOut">
               <a:rPr lang="en-US" smtClean="0"/>
-              <a:t>7/2/20</a:t>
+              <a:t>7/9/20</a:t>
             </a:fld>
             <a:endParaRPr lang="en-US"/>
           </a:p>
@@ -3411,7 +3773,7 @@
           <a:p>
             <a:fld id="{30E6044F-6CD6-FA47-BEE6-35ACDD53B394}" type="datetimeFigureOut">
               <a:rPr lang="en-US" smtClean="0"/>
-              <a:t>7/2/20</a:t>
+              <a:t>7/9/20</a:t>
             </a:fld>
             <a:endParaRPr lang="en-US"/>
           </a:p>
@@ -3652,7 +4014,7 @@
           <a:p>
             <a:fld id="{30E6044F-6CD6-FA47-BEE6-35ACDD53B394}" type="datetimeFigureOut">
               <a:rPr lang="en-US" smtClean="0"/>
-              <a:t>7/2/20</a:t>
+              <a:t>7/9/20</a:t>
             </a:fld>
             <a:endParaRPr lang="en-US"/>
           </a:p>
@@ -6346,8 +6708,13 @@
           <a:p>
             <a:r>
               <a:rPr lang="en-US" dirty="0"/>
-              <a:t>Could some networks be more individual specific and result in greater performance of accuracy classification?</a:t>
-            </a:r>
+              <a:t>Could some networks be more individual specific and result in </a:t>
+            </a:r>
+            <a:r>
+              <a:rPr lang="en-US"/>
+              <a:t>greater performance?</a:t>
+            </a:r>
+            <a:endParaRPr lang="en-US" dirty="0"/>
           </a:p>
         </p:txBody>
       </p:sp>
@@ -7663,36 +8030,6 @@
           <p:nvPr/>
         </p:nvPicPr>
         <p:blipFill>
-          <a:blip r:embed="rId2"/>
-          <a:stretch>
-            <a:fillRect/>
-          </a:stretch>
-        </p:blipFill>
-        <p:spPr>
-          <a:xfrm>
-            <a:off x="7630300" y="3422650"/>
-            <a:ext cx="4473944" cy="3435350"/>
-          </a:xfrm>
-          <a:prstGeom prst="rect">
-            <a:avLst/>
-          </a:prstGeom>
-        </p:spPr>
-      </p:pic>
-      <p:pic>
-        <p:nvPicPr>
-          <p:cNvPr id="8" name="Picture 7">
-            <a:extLst>
-              <a:ext uri="{FF2B5EF4-FFF2-40B4-BE49-F238E27FC236}">
-                <a16:creationId xmlns:a16="http://schemas.microsoft.com/office/drawing/2014/main" id="{EECE0677-FDF4-0D46-8D21-4E5D2E4AC00D}"/>
-              </a:ext>
-            </a:extLst>
-          </p:cNvPr>
-          <p:cNvPicPr>
-            <a:picLocks noChangeAspect="1"/>
-          </p:cNvPicPr>
-          <p:nvPr/>
-        </p:nvPicPr>
-        <p:blipFill>
           <a:blip r:embed="rId3"/>
           <a:stretch>
             <a:fillRect/>
@@ -7700,7 +8037,7 @@
         </p:blipFill>
         <p:spPr>
           <a:xfrm>
-            <a:off x="3222256" y="3422650"/>
+            <a:off x="7630300" y="3422650"/>
             <a:ext cx="4473944" cy="3435350"/>
           </a:xfrm>
           <a:prstGeom prst="rect">
@@ -7710,10 +8047,10 @@
       </p:pic>
       <p:pic>
         <p:nvPicPr>
-          <p:cNvPr id="10" name="Picture 9">
-            <a:extLst>
-              <a:ext uri="{FF2B5EF4-FFF2-40B4-BE49-F238E27FC236}">
-                <a16:creationId xmlns:a16="http://schemas.microsoft.com/office/drawing/2014/main" id="{E64E9F55-6DB8-764F-81F6-F6B4FEDC9D58}"/>
+          <p:cNvPr id="8" name="Picture 7">
+            <a:extLst>
+              <a:ext uri="{FF2B5EF4-FFF2-40B4-BE49-F238E27FC236}">
+                <a16:creationId xmlns:a16="http://schemas.microsoft.com/office/drawing/2014/main" id="{EECE0677-FDF4-0D46-8D21-4E5D2E4AC00D}"/>
               </a:ext>
             </a:extLst>
           </p:cNvPr>
@@ -7730,7 +8067,7 @@
         </p:blipFill>
         <p:spPr>
           <a:xfrm>
-            <a:off x="7630300" y="25400"/>
+            <a:off x="3222256" y="3422650"/>
             <a:ext cx="4473944" cy="3435350"/>
           </a:xfrm>
           <a:prstGeom prst="rect">
@@ -7740,10 +8077,10 @@
       </p:pic>
       <p:pic>
         <p:nvPicPr>
-          <p:cNvPr id="13" name="Picture 12">
-            <a:extLst>
-              <a:ext uri="{FF2B5EF4-FFF2-40B4-BE49-F238E27FC236}">
-                <a16:creationId xmlns:a16="http://schemas.microsoft.com/office/drawing/2014/main" id="{AB0A8357-01C3-C048-A84A-12D049DF357A}"/>
+          <p:cNvPr id="10" name="Picture 9">
+            <a:extLst>
+              <a:ext uri="{FF2B5EF4-FFF2-40B4-BE49-F238E27FC236}">
+                <a16:creationId xmlns:a16="http://schemas.microsoft.com/office/drawing/2014/main" id="{E64E9F55-6DB8-764F-81F6-F6B4FEDC9D58}"/>
               </a:ext>
             </a:extLst>
           </p:cNvPr>
@@ -7754,6 +8091,36 @@
         </p:nvPicPr>
         <p:blipFill>
           <a:blip r:embed="rId5"/>
+          <a:stretch>
+            <a:fillRect/>
+          </a:stretch>
+        </p:blipFill>
+        <p:spPr>
+          <a:xfrm>
+            <a:off x="7630300" y="25400"/>
+            <a:ext cx="4473944" cy="3435350"/>
+          </a:xfrm>
+          <a:prstGeom prst="rect">
+            <a:avLst/>
+          </a:prstGeom>
+        </p:spPr>
+      </p:pic>
+      <p:pic>
+        <p:nvPicPr>
+          <p:cNvPr id="13" name="Picture 12">
+            <a:extLst>
+              <a:ext uri="{FF2B5EF4-FFF2-40B4-BE49-F238E27FC236}">
+                <a16:creationId xmlns:a16="http://schemas.microsoft.com/office/drawing/2014/main" id="{AB0A8357-01C3-C048-A84A-12D049DF357A}"/>
+              </a:ext>
+            </a:extLst>
+          </p:cNvPr>
+          <p:cNvPicPr>
+            <a:picLocks noChangeAspect="1"/>
+          </p:cNvPicPr>
+          <p:nvPr/>
+        </p:nvPicPr>
+        <p:blipFill>
+          <a:blip r:embed="rId6"/>
           <a:stretch>
             <a:fillRect/>
           </a:stretch>
@@ -7966,6 +8333,64 @@
 </p:sld>
 </file>
 
+<file path=ppt/slides/slide29.xml><?xml version="1.0" encoding="utf-8"?>
+<p:sld xmlns:a="http://schemas.openxmlformats.org/drawingml/2006/main" xmlns:r="http://schemas.openxmlformats.org/officeDocument/2006/relationships" xmlns:p="http://schemas.openxmlformats.org/presentationml/2006/main">
+  <p:cSld>
+    <p:spTree>
+      <p:nvGrpSpPr>
+        <p:cNvPr id="1" name=""/>
+        <p:cNvGrpSpPr/>
+        <p:nvPr/>
+      </p:nvGrpSpPr>
+      <p:grpSpPr>
+        <a:xfrm>
+          <a:off x="0" y="0"/>
+          <a:ext cx="0" cy="0"/>
+          <a:chOff x="0" y="0"/>
+          <a:chExt cx="0" cy="0"/>
+        </a:xfrm>
+      </p:grpSpPr>
+      <p:sp>
+        <p:nvSpPr>
+          <p:cNvPr id="2" name="Title 1">
+            <a:extLst>
+              <a:ext uri="{FF2B5EF4-FFF2-40B4-BE49-F238E27FC236}">
+                <a16:creationId xmlns:a16="http://schemas.microsoft.com/office/drawing/2014/main" id="{3144F889-E436-FC4F-899F-96E0B90E9995}"/>
+              </a:ext>
+            </a:extLst>
+          </p:cNvPr>
+          <p:cNvSpPr>
+            <a:spLocks noGrp="1"/>
+          </p:cNvSpPr>
+          <p:nvPr>
+            <p:ph type="title"/>
+          </p:nvPr>
+        </p:nvSpPr>
+        <p:spPr/>
+        <p:txBody>
+          <a:bodyPr/>
+          <a:lstStyle/>
+          <a:p>
+            <a:r>
+              <a:rPr lang="en-US" dirty="0"/>
+              <a:t>Feature Manipulation</a:t>
+            </a:r>
+          </a:p>
+        </p:txBody>
+      </p:sp>
+    </p:spTree>
+    <p:extLst>
+      <p:ext uri="{BB962C8B-B14F-4D97-AF65-F5344CB8AC3E}">
+        <p14:creationId xmlns:p14="http://schemas.microsoft.com/office/powerpoint/2010/main" val="2760976429"/>
+      </p:ext>
+    </p:extLst>
+  </p:cSld>
+  <p:clrMapOvr>
+    <a:masterClrMapping/>
+  </p:clrMapOvr>
+</p:sld>
+</file>
+
 <file path=ppt/slides/slide3.xml><?xml version="1.0" encoding="utf-8"?>
 <p:sld xmlns:a="http://schemas.openxmlformats.org/drawingml/2006/main" xmlns:r="http://schemas.openxmlformats.org/officeDocument/2006/relationships" xmlns:p="http://schemas.openxmlformats.org/presentationml/2006/main">
   <p:cSld>
@@ -8083,6 +8508,422 @@
     <p:extLst>
       <p:ext uri="{BB962C8B-B14F-4D97-AF65-F5344CB8AC3E}">
         <p14:creationId xmlns:p14="http://schemas.microsoft.com/office/powerpoint/2010/main" val="3832662472"/>
+      </p:ext>
+    </p:extLst>
+  </p:cSld>
+  <p:clrMapOvr>
+    <a:masterClrMapping/>
+  </p:clrMapOvr>
+</p:sld>
+</file>
+
+<file path=ppt/slides/slide30.xml><?xml version="1.0" encoding="utf-8"?>
+<p:sld xmlns:a="http://schemas.openxmlformats.org/drawingml/2006/main" xmlns:r="http://schemas.openxmlformats.org/officeDocument/2006/relationships" xmlns:p="http://schemas.openxmlformats.org/presentationml/2006/main">
+  <p:cSld>
+    <p:spTree>
+      <p:nvGrpSpPr>
+        <p:cNvPr id="1" name=""/>
+        <p:cNvGrpSpPr/>
+        <p:nvPr/>
+      </p:nvGrpSpPr>
+      <p:grpSpPr>
+        <a:xfrm>
+          <a:off x="0" y="0"/>
+          <a:ext cx="0" cy="0"/>
+          <a:chOff x="0" y="0"/>
+          <a:chExt cx="0" cy="0"/>
+        </a:xfrm>
+      </p:grpSpPr>
+      <p:sp>
+        <p:nvSpPr>
+          <p:cNvPr id="2" name="Title 1">
+            <a:extLst>
+              <a:ext uri="{FF2B5EF4-FFF2-40B4-BE49-F238E27FC236}">
+                <a16:creationId xmlns:a16="http://schemas.microsoft.com/office/drawing/2014/main" id="{7C3B8292-495A-5344-A3D6-EC50070B1BE9}"/>
+              </a:ext>
+            </a:extLst>
+          </p:cNvPr>
+          <p:cNvSpPr>
+            <a:spLocks noGrp="1"/>
+          </p:cNvSpPr>
+          <p:nvPr>
+            <p:ph type="title"/>
+          </p:nvPr>
+        </p:nvSpPr>
+        <p:spPr/>
+        <p:txBody>
+          <a:bodyPr/>
+          <a:lstStyle/>
+          <a:p>
+            <a:r>
+              <a:rPr lang="en-US" dirty="0"/>
+              <a:t>Subset datasets by number of features. Ridge regression only </a:t>
+            </a:r>
+          </a:p>
+        </p:txBody>
+      </p:sp>
+      <p:pic>
+        <p:nvPicPr>
+          <p:cNvPr id="7" name="Picture 6">
+            <a:extLst>
+              <a:ext uri="{FF2B5EF4-FFF2-40B4-BE49-F238E27FC236}">
+                <a16:creationId xmlns:a16="http://schemas.microsoft.com/office/drawing/2014/main" id="{B97B9594-C30F-FC47-BA7F-9FA9B88F6B30}"/>
+              </a:ext>
+            </a:extLst>
+          </p:cNvPr>
+          <p:cNvPicPr>
+            <a:picLocks noChangeAspect="1"/>
+          </p:cNvPicPr>
+          <p:nvPr/>
+        </p:nvPicPr>
+        <p:blipFill>
+          <a:blip r:embed="rId3"/>
+          <a:stretch>
+            <a:fillRect/>
+          </a:stretch>
+        </p:blipFill>
+        <p:spPr>
+          <a:xfrm>
+            <a:off x="4483198" y="4284690"/>
+            <a:ext cx="3727351" cy="2345504"/>
+          </a:xfrm>
+          <a:prstGeom prst="rect">
+            <a:avLst/>
+          </a:prstGeom>
+        </p:spPr>
+      </p:pic>
+      <p:pic>
+        <p:nvPicPr>
+          <p:cNvPr id="9" name="Picture 8">
+            <a:extLst>
+              <a:ext uri="{FF2B5EF4-FFF2-40B4-BE49-F238E27FC236}">
+                <a16:creationId xmlns:a16="http://schemas.microsoft.com/office/drawing/2014/main" id="{F9AF91F0-D327-A641-A4C9-BE561DB59993}"/>
+              </a:ext>
+            </a:extLst>
+          </p:cNvPr>
+          <p:cNvPicPr>
+            <a:picLocks noChangeAspect="1"/>
+          </p:cNvPicPr>
+          <p:nvPr/>
+        </p:nvPicPr>
+        <p:blipFill>
+          <a:blip r:embed="rId4"/>
+          <a:stretch>
+            <a:fillRect/>
+          </a:stretch>
+        </p:blipFill>
+        <p:spPr>
+          <a:xfrm>
+            <a:off x="4483197" y="1690688"/>
+            <a:ext cx="3727351" cy="2345504"/>
+          </a:xfrm>
+          <a:prstGeom prst="rect">
+            <a:avLst/>
+          </a:prstGeom>
+        </p:spPr>
+      </p:pic>
+      <p:pic>
+        <p:nvPicPr>
+          <p:cNvPr id="11" name="Picture 10">
+            <a:extLst>
+              <a:ext uri="{FF2B5EF4-FFF2-40B4-BE49-F238E27FC236}">
+                <a16:creationId xmlns:a16="http://schemas.microsoft.com/office/drawing/2014/main" id="{7EA64068-0B05-664E-A056-5A12FF77D8FE}"/>
+              </a:ext>
+            </a:extLst>
+          </p:cNvPr>
+          <p:cNvPicPr>
+            <a:picLocks noChangeAspect="1"/>
+          </p:cNvPicPr>
+          <p:nvPr/>
+        </p:nvPicPr>
+        <p:blipFill>
+          <a:blip r:embed="rId5"/>
+          <a:stretch>
+            <a:fillRect/>
+          </a:stretch>
+        </p:blipFill>
+        <p:spPr>
+          <a:xfrm>
+            <a:off x="161926" y="4284690"/>
+            <a:ext cx="3727351" cy="2345504"/>
+          </a:xfrm>
+          <a:prstGeom prst="rect">
+            <a:avLst/>
+          </a:prstGeom>
+        </p:spPr>
+      </p:pic>
+      <p:pic>
+        <p:nvPicPr>
+          <p:cNvPr id="5" name="Picture 4">
+            <a:extLst>
+              <a:ext uri="{FF2B5EF4-FFF2-40B4-BE49-F238E27FC236}">
+                <a16:creationId xmlns:a16="http://schemas.microsoft.com/office/drawing/2014/main" id="{B6DCE689-B6E0-5A44-BFD0-9C1C96BAC674}"/>
+              </a:ext>
+            </a:extLst>
+          </p:cNvPr>
+          <p:cNvPicPr>
+            <a:picLocks noChangeAspect="1"/>
+          </p:cNvPicPr>
+          <p:nvPr/>
+        </p:nvPicPr>
+        <p:blipFill>
+          <a:blip r:embed="rId6"/>
+          <a:stretch>
+            <a:fillRect/>
+          </a:stretch>
+        </p:blipFill>
+        <p:spPr>
+          <a:xfrm>
+            <a:off x="161926" y="1614579"/>
+            <a:ext cx="3727352" cy="2368613"/>
+          </a:xfrm>
+          <a:prstGeom prst="rect">
+            <a:avLst/>
+          </a:prstGeom>
+        </p:spPr>
+      </p:pic>
+    </p:spTree>
+    <p:extLst>
+      <p:ext uri="{BB962C8B-B14F-4D97-AF65-F5344CB8AC3E}">
+        <p14:creationId xmlns:p14="http://schemas.microsoft.com/office/powerpoint/2010/main" val="2580863224"/>
+      </p:ext>
+    </p:extLst>
+  </p:cSld>
+  <p:clrMapOvr>
+    <a:masterClrMapping/>
+  </p:clrMapOvr>
+</p:sld>
+</file>
+
+<file path=ppt/slides/slide31.xml><?xml version="1.0" encoding="utf-8"?>
+<p:sld xmlns:a="http://schemas.openxmlformats.org/drawingml/2006/main" xmlns:r="http://schemas.openxmlformats.org/officeDocument/2006/relationships" xmlns:p="http://schemas.openxmlformats.org/presentationml/2006/main">
+  <p:cSld>
+    <p:spTree>
+      <p:nvGrpSpPr>
+        <p:cNvPr id="1" name=""/>
+        <p:cNvGrpSpPr/>
+        <p:nvPr/>
+      </p:nvGrpSpPr>
+      <p:grpSpPr>
+        <a:xfrm>
+          <a:off x="0" y="0"/>
+          <a:ext cx="0" cy="0"/>
+          <a:chOff x="0" y="0"/>
+          <a:chExt cx="0" cy="0"/>
+        </a:xfrm>
+      </p:grpSpPr>
+      <p:sp>
+        <p:nvSpPr>
+          <p:cNvPr id="2" name="Title 1">
+            <a:extLst>
+              <a:ext uri="{FF2B5EF4-FFF2-40B4-BE49-F238E27FC236}">
+                <a16:creationId xmlns:a16="http://schemas.microsoft.com/office/drawing/2014/main" id="{78C03E7C-B9F2-0741-AAD9-B0EFB5E1BCC9}"/>
+              </a:ext>
+            </a:extLst>
+          </p:cNvPr>
+          <p:cNvSpPr>
+            <a:spLocks noGrp="1"/>
+          </p:cNvSpPr>
+          <p:nvPr>
+            <p:ph type="title"/>
+          </p:nvPr>
+        </p:nvSpPr>
+        <p:spPr/>
+        <p:txBody>
+          <a:bodyPr/>
+          <a:lstStyle/>
+          <a:p>
+            <a:r>
+              <a:rPr lang="en-US" dirty="0"/>
+              <a:t>Randomly sample features</a:t>
+            </a:r>
+          </a:p>
+        </p:txBody>
+      </p:sp>
+      <p:pic>
+        <p:nvPicPr>
+          <p:cNvPr id="5" name="Picture 4">
+            <a:extLst>
+              <a:ext uri="{FF2B5EF4-FFF2-40B4-BE49-F238E27FC236}">
+                <a16:creationId xmlns:a16="http://schemas.microsoft.com/office/drawing/2014/main" id="{78D56022-DB63-4F47-A8AF-16DDB9D52B9D}"/>
+              </a:ext>
+            </a:extLst>
+          </p:cNvPr>
+          <p:cNvPicPr>
+            <a:picLocks noChangeAspect="1"/>
+          </p:cNvPicPr>
+          <p:nvPr/>
+        </p:nvPicPr>
+        <p:blipFill>
+          <a:blip r:embed="rId3"/>
+          <a:stretch>
+            <a:fillRect/>
+          </a:stretch>
+        </p:blipFill>
+        <p:spPr>
+          <a:xfrm>
+            <a:off x="4998889" y="4129086"/>
+            <a:ext cx="4294336" cy="2728913"/>
+          </a:xfrm>
+          <a:prstGeom prst="rect">
+            <a:avLst/>
+          </a:prstGeom>
+        </p:spPr>
+      </p:pic>
+      <p:pic>
+        <p:nvPicPr>
+          <p:cNvPr id="7" name="Picture 6">
+            <a:extLst>
+              <a:ext uri="{FF2B5EF4-FFF2-40B4-BE49-F238E27FC236}">
+                <a16:creationId xmlns:a16="http://schemas.microsoft.com/office/drawing/2014/main" id="{835B5BDB-FADE-B247-919A-D86B801E129D}"/>
+              </a:ext>
+            </a:extLst>
+          </p:cNvPr>
+          <p:cNvPicPr>
+            <a:picLocks noChangeAspect="1"/>
+          </p:cNvPicPr>
+          <p:nvPr/>
+        </p:nvPicPr>
+        <p:blipFill>
+          <a:blip r:embed="rId4"/>
+          <a:stretch>
+            <a:fillRect/>
+          </a:stretch>
+        </p:blipFill>
+        <p:spPr>
+          <a:xfrm>
+            <a:off x="125264" y="4129087"/>
+            <a:ext cx="4294336" cy="2728913"/>
+          </a:xfrm>
+          <a:prstGeom prst="rect">
+            <a:avLst/>
+          </a:prstGeom>
+        </p:spPr>
+      </p:pic>
+      <p:pic>
+        <p:nvPicPr>
+          <p:cNvPr id="9" name="Picture 8">
+            <a:extLst>
+              <a:ext uri="{FF2B5EF4-FFF2-40B4-BE49-F238E27FC236}">
+                <a16:creationId xmlns:a16="http://schemas.microsoft.com/office/drawing/2014/main" id="{05C17F8B-286A-F448-A9E1-0BD3CFA8C7F4}"/>
+              </a:ext>
+            </a:extLst>
+          </p:cNvPr>
+          <p:cNvPicPr>
+            <a:picLocks noChangeAspect="1"/>
+          </p:cNvPicPr>
+          <p:nvPr/>
+        </p:nvPicPr>
+        <p:blipFill>
+          <a:blip r:embed="rId5"/>
+          <a:stretch>
+            <a:fillRect/>
+          </a:stretch>
+        </p:blipFill>
+        <p:spPr>
+          <a:xfrm>
+            <a:off x="125264" y="1369218"/>
+            <a:ext cx="4294336" cy="2728913"/>
+          </a:xfrm>
+          <a:prstGeom prst="rect">
+            <a:avLst/>
+          </a:prstGeom>
+        </p:spPr>
+      </p:pic>
+      <p:pic>
+        <p:nvPicPr>
+          <p:cNvPr id="11" name="Picture 10">
+            <a:extLst>
+              <a:ext uri="{FF2B5EF4-FFF2-40B4-BE49-F238E27FC236}">
+                <a16:creationId xmlns:a16="http://schemas.microsoft.com/office/drawing/2014/main" id="{000EAC3F-797D-214C-9A48-08FA72D1598D}"/>
+              </a:ext>
+            </a:extLst>
+          </p:cNvPr>
+          <p:cNvPicPr>
+            <a:picLocks noChangeAspect="1"/>
+          </p:cNvPicPr>
+          <p:nvPr/>
+        </p:nvPicPr>
+        <p:blipFill>
+          <a:blip r:embed="rId6"/>
+          <a:stretch>
+            <a:fillRect/>
+          </a:stretch>
+        </p:blipFill>
+        <p:spPr>
+          <a:xfrm>
+            <a:off x="4998889" y="1529953"/>
+            <a:ext cx="4294336" cy="2728913"/>
+          </a:xfrm>
+          <a:prstGeom prst="rect">
+            <a:avLst/>
+          </a:prstGeom>
+        </p:spPr>
+      </p:pic>
+    </p:spTree>
+    <p:extLst>
+      <p:ext uri="{BB962C8B-B14F-4D97-AF65-F5344CB8AC3E}">
+        <p14:creationId xmlns:p14="http://schemas.microsoft.com/office/powerpoint/2010/main" val="1675912083"/>
+      </p:ext>
+    </p:extLst>
+  </p:cSld>
+  <p:clrMapOvr>
+    <a:masterClrMapping/>
+  </p:clrMapOvr>
+</p:sld>
+</file>
+
+<file path=ppt/slides/slide32.xml><?xml version="1.0" encoding="utf-8"?>
+<p:sld xmlns:a="http://schemas.openxmlformats.org/drawingml/2006/main" xmlns:r="http://schemas.openxmlformats.org/officeDocument/2006/relationships" xmlns:p="http://schemas.openxmlformats.org/presentationml/2006/main">
+  <p:cSld>
+    <p:spTree>
+      <p:nvGrpSpPr>
+        <p:cNvPr id="1" name=""/>
+        <p:cNvGrpSpPr/>
+        <p:nvPr/>
+      </p:nvGrpSpPr>
+      <p:grpSpPr>
+        <a:xfrm>
+          <a:off x="0" y="0"/>
+          <a:ext cx="0" cy="0"/>
+          <a:chOff x="0" y="0"/>
+          <a:chExt cx="0" cy="0"/>
+        </a:xfrm>
+      </p:grpSpPr>
+      <p:pic>
+        <p:nvPicPr>
+          <p:cNvPr id="5" name="Picture 4">
+            <a:extLst>
+              <a:ext uri="{FF2B5EF4-FFF2-40B4-BE49-F238E27FC236}">
+                <a16:creationId xmlns:a16="http://schemas.microsoft.com/office/drawing/2014/main" id="{B293B868-10A2-AB49-AD10-57775EBC8AE6}"/>
+              </a:ext>
+            </a:extLst>
+          </p:cNvPr>
+          <p:cNvPicPr>
+            <a:picLocks noChangeAspect="1"/>
+          </p:cNvPicPr>
+          <p:nvPr/>
+        </p:nvPicPr>
+        <p:blipFill>
+          <a:blip r:embed="rId3"/>
+          <a:stretch>
+            <a:fillRect/>
+          </a:stretch>
+        </p:blipFill>
+        <p:spPr>
+          <a:xfrm>
+            <a:off x="0" y="811008"/>
+            <a:ext cx="12192000" cy="5235983"/>
+          </a:xfrm>
+          <a:prstGeom prst="rect">
+            <a:avLst/>
+          </a:prstGeom>
+        </p:spPr>
+      </p:pic>
+    </p:spTree>
+    <p:extLst>
+      <p:ext uri="{BB962C8B-B14F-4D97-AF65-F5344CB8AC3E}">
+        <p14:creationId xmlns:p14="http://schemas.microsoft.com/office/powerpoint/2010/main" val="3078197667"/>
       </p:ext>
     </p:extLst>
   </p:cSld>

--- a/analysis/output/mL/presentation/updated_mL.pptx
+++ b/analysis/output/mL/presentation/updated_mL.pptx
@@ -5,7 +5,7 @@
     <p:sldMasterId id="2147483648" r:id="rId1"/>
   </p:sldMasterIdLst>
   <p:notesMasterIdLst>
-    <p:notesMasterId r:id="rId34"/>
+    <p:notesMasterId r:id="rId33"/>
   </p:notesMasterIdLst>
   <p:sldIdLst>
     <p:sldId id="256" r:id="rId2"/>
@@ -38,8 +38,7 @@
     <p:sldId id="286" r:id="rId29"/>
     <p:sldId id="287" r:id="rId30"/>
     <p:sldId id="288" r:id="rId31"/>
-    <p:sldId id="289" r:id="rId32"/>
-    <p:sldId id="290" r:id="rId33"/>
+    <p:sldId id="290" r:id="rId32"/>
   </p:sldIdLst>
   <p:sldSz cx="12192000" cy="6858000"/>
   <p:notesSz cx="6858000" cy="9144000"/>
@@ -228,7 +227,7 @@
           <a:p>
             <a:fld id="{B867A404-75F8-EE4B-8665-239A00A102E8}" type="datetimeFigureOut">
               <a:rPr lang="en-US" smtClean="0"/>
-              <a:t>7/9/20</a:t>
+              <a:t>7/10/20</a:t>
             </a:fld>
             <a:endParaRPr lang="en-US"/>
           </a:p>
@@ -1076,8 +1075,21 @@
           <a:p>
             <a:r>
               <a:rPr lang="en-US" dirty="0"/>
-              <a:t>Ridge only</a:t>
-            </a:r>
+              <a:t>Ridge only. Regular mL script but instead of taking each fold just take the whole dataset and fit to the model and then take the absolute value of the coefficients and revert back into the 333x333 matrix form. </a:t>
+            </a:r>
+            <a:r>
+              <a:rPr lang="en-US" dirty="0" err="1"/>
+              <a:t>Groupby</a:t>
+            </a:r>
+            <a:r>
+              <a:rPr lang="en-US" dirty="0"/>
+              <a:t> sum the regions and for each subject in each task take the largest total sum. Then store all the subs for all the tasks and plot into a sanky diagram. This diagram would suggest that a lot of the models rely on default mode network and CO network based on the total sum </a:t>
+            </a:r>
+            <a:r>
+              <a:rPr lang="en-US"/>
+              <a:t>of feature weights. </a:t>
+            </a:r>
+            <a:endParaRPr lang="en-US" dirty="0"/>
           </a:p>
         </p:txBody>
       </p:sp>
@@ -1099,106 +1111,6 @@
             <a:fld id="{7966DBB1-7F97-C344-B0D6-0799E2CF9DF0}" type="slidenum">
               <a:rPr lang="en-US" smtClean="0"/>
               <a:t>31</a:t>
-            </a:fld>
-            <a:endParaRPr lang="en-US"/>
-          </a:p>
-        </p:txBody>
-      </p:sp>
-    </p:spTree>
-    <p:extLst>
-      <p:ext uri="{BB962C8B-B14F-4D97-AF65-F5344CB8AC3E}">
-        <p14:creationId xmlns:p14="http://schemas.microsoft.com/office/powerpoint/2010/main" val="301245282"/>
-      </p:ext>
-    </p:extLst>
-  </p:cSld>
-  <p:clrMapOvr>
-    <a:masterClrMapping/>
-  </p:clrMapOvr>
-</p:notes>
-</file>
-
-<file path=ppt/notesSlides/notesSlide8.xml><?xml version="1.0" encoding="utf-8"?>
-<p:notes xmlns:a="http://schemas.openxmlformats.org/drawingml/2006/main" xmlns:r="http://schemas.openxmlformats.org/officeDocument/2006/relationships" xmlns:p="http://schemas.openxmlformats.org/presentationml/2006/main">
-  <p:cSld>
-    <p:spTree>
-      <p:nvGrpSpPr>
-        <p:cNvPr id="1" name=""/>
-        <p:cNvGrpSpPr/>
-        <p:nvPr/>
-      </p:nvGrpSpPr>
-      <p:grpSpPr>
-        <a:xfrm>
-          <a:off x="0" y="0"/>
-          <a:ext cx="0" cy="0"/>
-          <a:chOff x="0" y="0"/>
-          <a:chExt cx="0" cy="0"/>
-        </a:xfrm>
-      </p:grpSpPr>
-      <p:sp>
-        <p:nvSpPr>
-          <p:cNvPr id="2" name="Slide Image Placeholder 1"/>
-          <p:cNvSpPr>
-            <a:spLocks noGrp="1" noRot="1" noChangeAspect="1"/>
-          </p:cNvSpPr>
-          <p:nvPr>
-            <p:ph type="sldImg"/>
-          </p:nvPr>
-        </p:nvSpPr>
-        <p:spPr/>
-      </p:sp>
-      <p:sp>
-        <p:nvSpPr>
-          <p:cNvPr id="3" name="Notes Placeholder 2"/>
-          <p:cNvSpPr>
-            <a:spLocks noGrp="1"/>
-          </p:cNvSpPr>
-          <p:nvPr>
-            <p:ph type="body" idx="1"/>
-          </p:nvPr>
-        </p:nvSpPr>
-        <p:spPr/>
-        <p:txBody>
-          <a:bodyPr/>
-          <a:lstStyle/>
-          <a:p>
-            <a:r>
-              <a:rPr lang="en-US" dirty="0"/>
-              <a:t>Ridge only. Regular mL script but instead of taking each fold just take the whole dataset and fit to the model and then take the absolute value of the coefficients and revert back into the 333x333 matrix form. </a:t>
-            </a:r>
-            <a:r>
-              <a:rPr lang="en-US" dirty="0" err="1"/>
-              <a:t>Groupby</a:t>
-            </a:r>
-            <a:r>
-              <a:rPr lang="en-US" dirty="0"/>
-              <a:t> sum the regions and for each subject in each task take the largest total sum. Then store all the subs for all the tasks and plot into a sanky diagram. This diagram would suggest that a lot of the models rely on default mode network and CO network based on the total sum </a:t>
-            </a:r>
-            <a:r>
-              <a:rPr lang="en-US"/>
-              <a:t>of feature weights. </a:t>
-            </a:r>
-            <a:endParaRPr lang="en-US" dirty="0"/>
-          </a:p>
-        </p:txBody>
-      </p:sp>
-      <p:sp>
-        <p:nvSpPr>
-          <p:cNvPr id="4" name="Slide Number Placeholder 3"/>
-          <p:cNvSpPr>
-            <a:spLocks noGrp="1"/>
-          </p:cNvSpPr>
-          <p:nvPr>
-            <p:ph type="sldNum" sz="quarter" idx="5"/>
-          </p:nvPr>
-        </p:nvSpPr>
-        <p:spPr/>
-        <p:txBody>
-          <a:bodyPr/>
-          <a:lstStyle/>
-          <a:p>
-            <a:fld id="{7966DBB1-7F97-C344-B0D6-0799E2CF9DF0}" type="slidenum">
-              <a:rPr lang="en-US" smtClean="0"/>
-              <a:t>32</a:t>
             </a:fld>
             <a:endParaRPr lang="en-US"/>
           </a:p>
@@ -1364,7 +1276,7 @@
           <a:p>
             <a:fld id="{30E6044F-6CD6-FA47-BEE6-35ACDD53B394}" type="datetimeFigureOut">
               <a:rPr lang="en-US" smtClean="0"/>
-              <a:t>7/9/20</a:t>
+              <a:t>7/10/20</a:t>
             </a:fld>
             <a:endParaRPr lang="en-US"/>
           </a:p>
@@ -1562,7 +1474,7 @@
           <a:p>
             <a:fld id="{30E6044F-6CD6-FA47-BEE6-35ACDD53B394}" type="datetimeFigureOut">
               <a:rPr lang="en-US" smtClean="0"/>
-              <a:t>7/9/20</a:t>
+              <a:t>7/10/20</a:t>
             </a:fld>
             <a:endParaRPr lang="en-US"/>
           </a:p>
@@ -1770,7 +1682,7 @@
           <a:p>
             <a:fld id="{30E6044F-6CD6-FA47-BEE6-35ACDD53B394}" type="datetimeFigureOut">
               <a:rPr lang="en-US" smtClean="0"/>
-              <a:t>7/9/20</a:t>
+              <a:t>7/10/20</a:t>
             </a:fld>
             <a:endParaRPr lang="en-US"/>
           </a:p>
@@ -1968,7 +1880,7 @@
           <a:p>
             <a:fld id="{30E6044F-6CD6-FA47-BEE6-35ACDD53B394}" type="datetimeFigureOut">
               <a:rPr lang="en-US" smtClean="0"/>
-              <a:t>7/9/20</a:t>
+              <a:t>7/10/20</a:t>
             </a:fld>
             <a:endParaRPr lang="en-US"/>
           </a:p>
@@ -2243,7 +2155,7 @@
           <a:p>
             <a:fld id="{30E6044F-6CD6-FA47-BEE6-35ACDD53B394}" type="datetimeFigureOut">
               <a:rPr lang="en-US" smtClean="0"/>
-              <a:t>7/9/20</a:t>
+              <a:t>7/10/20</a:t>
             </a:fld>
             <a:endParaRPr lang="en-US"/>
           </a:p>
@@ -2508,7 +2420,7 @@
           <a:p>
             <a:fld id="{30E6044F-6CD6-FA47-BEE6-35ACDD53B394}" type="datetimeFigureOut">
               <a:rPr lang="en-US" smtClean="0"/>
-              <a:t>7/9/20</a:t>
+              <a:t>7/10/20</a:t>
             </a:fld>
             <a:endParaRPr lang="en-US"/>
           </a:p>
@@ -2920,7 +2832,7 @@
           <a:p>
             <a:fld id="{30E6044F-6CD6-FA47-BEE6-35ACDD53B394}" type="datetimeFigureOut">
               <a:rPr lang="en-US" smtClean="0"/>
-              <a:t>7/9/20</a:t>
+              <a:t>7/10/20</a:t>
             </a:fld>
             <a:endParaRPr lang="en-US"/>
           </a:p>
@@ -3061,7 +2973,7 @@
           <a:p>
             <a:fld id="{30E6044F-6CD6-FA47-BEE6-35ACDD53B394}" type="datetimeFigureOut">
               <a:rPr lang="en-US" smtClean="0"/>
-              <a:t>7/9/20</a:t>
+              <a:t>7/10/20</a:t>
             </a:fld>
             <a:endParaRPr lang="en-US"/>
           </a:p>
@@ -3174,7 +3086,7 @@
           <a:p>
             <a:fld id="{30E6044F-6CD6-FA47-BEE6-35ACDD53B394}" type="datetimeFigureOut">
               <a:rPr lang="en-US" smtClean="0"/>
-              <a:t>7/9/20</a:t>
+              <a:t>7/10/20</a:t>
             </a:fld>
             <a:endParaRPr lang="en-US"/>
           </a:p>
@@ -3485,7 +3397,7 @@
           <a:p>
             <a:fld id="{30E6044F-6CD6-FA47-BEE6-35ACDD53B394}" type="datetimeFigureOut">
               <a:rPr lang="en-US" smtClean="0"/>
-              <a:t>7/9/20</a:t>
+              <a:t>7/10/20</a:t>
             </a:fld>
             <a:endParaRPr lang="en-US"/>
           </a:p>
@@ -3773,7 +3685,7 @@
           <a:p>
             <a:fld id="{30E6044F-6CD6-FA47-BEE6-35ACDD53B394}" type="datetimeFigureOut">
               <a:rPr lang="en-US" smtClean="0"/>
-              <a:t>7/9/20</a:t>
+              <a:t>7/10/20</a:t>
             </a:fld>
             <a:endParaRPr lang="en-US"/>
           </a:p>
@@ -4014,7 +3926,7 @@
           <a:p>
             <a:fld id="{30E6044F-6CD6-FA47-BEE6-35ACDD53B394}" type="datetimeFigureOut">
               <a:rPr lang="en-US" smtClean="0"/>
-              <a:t>7/9/20</a:t>
+              <a:t>7/10/20</a:t>
             </a:fld>
             <a:endParaRPr lang="en-US"/>
           </a:p>
@@ -8564,10 +8476,10 @@
       </p:sp>
       <p:pic>
         <p:nvPicPr>
-          <p:cNvPr id="7" name="Picture 6">
-            <a:extLst>
-              <a:ext uri="{FF2B5EF4-FFF2-40B4-BE49-F238E27FC236}">
-                <a16:creationId xmlns:a16="http://schemas.microsoft.com/office/drawing/2014/main" id="{B97B9594-C30F-FC47-BA7F-9FA9B88F6B30}"/>
+          <p:cNvPr id="4" name="Picture 3">
+            <a:extLst>
+              <a:ext uri="{FF2B5EF4-FFF2-40B4-BE49-F238E27FC236}">
+                <a16:creationId xmlns:a16="http://schemas.microsoft.com/office/drawing/2014/main" id="{C546F40A-1ACF-DE44-819B-7C439AF989A1}"/>
               </a:ext>
             </a:extLst>
           </p:cNvPr>
@@ -8584,8 +8496,8 @@
         </p:blipFill>
         <p:spPr>
           <a:xfrm>
-            <a:off x="4483198" y="4284690"/>
-            <a:ext cx="3727351" cy="2345504"/>
+            <a:off x="4962886" y="4272286"/>
+            <a:ext cx="3951210" cy="2512070"/>
           </a:xfrm>
           <a:prstGeom prst="rect">
             <a:avLst/>
@@ -8594,10 +8506,10 @@
       </p:pic>
       <p:pic>
         <p:nvPicPr>
-          <p:cNvPr id="9" name="Picture 8">
-            <a:extLst>
-              <a:ext uri="{FF2B5EF4-FFF2-40B4-BE49-F238E27FC236}">
-                <a16:creationId xmlns:a16="http://schemas.microsoft.com/office/drawing/2014/main" id="{F9AF91F0-D327-A641-A4C9-BE561DB59993}"/>
+          <p:cNvPr id="8" name="Picture 7">
+            <a:extLst>
+              <a:ext uri="{FF2B5EF4-FFF2-40B4-BE49-F238E27FC236}">
+                <a16:creationId xmlns:a16="http://schemas.microsoft.com/office/drawing/2014/main" id="{EACD3384-4705-2D4E-8099-10C6C558EF70}"/>
               </a:ext>
             </a:extLst>
           </p:cNvPr>
@@ -8614,8 +8526,8 @@
         </p:blipFill>
         <p:spPr>
           <a:xfrm>
-            <a:off x="4483197" y="1690688"/>
-            <a:ext cx="3727351" cy="2345504"/>
+            <a:off x="4962886" y="1690688"/>
+            <a:ext cx="3951210" cy="2512070"/>
           </a:xfrm>
           <a:prstGeom prst="rect">
             <a:avLst/>
@@ -8624,10 +8536,10 @@
       </p:pic>
       <p:pic>
         <p:nvPicPr>
-          <p:cNvPr id="11" name="Picture 10">
-            <a:extLst>
-              <a:ext uri="{FF2B5EF4-FFF2-40B4-BE49-F238E27FC236}">
-                <a16:creationId xmlns:a16="http://schemas.microsoft.com/office/drawing/2014/main" id="{7EA64068-0B05-664E-A056-5A12FF77D8FE}"/>
+          <p:cNvPr id="12" name="Picture 11">
+            <a:extLst>
+              <a:ext uri="{FF2B5EF4-FFF2-40B4-BE49-F238E27FC236}">
+                <a16:creationId xmlns:a16="http://schemas.microsoft.com/office/drawing/2014/main" id="{209AE868-88E7-334A-BE28-0F2D372E93A9}"/>
               </a:ext>
             </a:extLst>
           </p:cNvPr>
@@ -8644,8 +8556,8 @@
         </p:blipFill>
         <p:spPr>
           <a:xfrm>
-            <a:off x="161926" y="4284690"/>
-            <a:ext cx="3727351" cy="2345504"/>
+            <a:off x="303810" y="1690688"/>
+            <a:ext cx="3951210" cy="2512070"/>
           </a:xfrm>
           <a:prstGeom prst="rect">
             <a:avLst/>
@@ -8654,10 +8566,10 @@
       </p:pic>
       <p:pic>
         <p:nvPicPr>
-          <p:cNvPr id="5" name="Picture 4">
-            <a:extLst>
-              <a:ext uri="{FF2B5EF4-FFF2-40B4-BE49-F238E27FC236}">
-                <a16:creationId xmlns:a16="http://schemas.microsoft.com/office/drawing/2014/main" id="{B6DCE689-B6E0-5A44-BFD0-9C1C96BAC674}"/>
+          <p:cNvPr id="14" name="Picture 13">
+            <a:extLst>
+              <a:ext uri="{FF2B5EF4-FFF2-40B4-BE49-F238E27FC236}">
+                <a16:creationId xmlns:a16="http://schemas.microsoft.com/office/drawing/2014/main" id="{294C95F8-5787-0947-9574-4CC9B08C7392}"/>
               </a:ext>
             </a:extLst>
           </p:cNvPr>
@@ -8674,8 +8586,8 @@
         </p:blipFill>
         <p:spPr>
           <a:xfrm>
-            <a:off x="161926" y="1614579"/>
-            <a:ext cx="3727352" cy="2368613"/>
+            <a:off x="303810" y="4202758"/>
+            <a:ext cx="3951210" cy="2512070"/>
           </a:xfrm>
           <a:prstGeom prst="rect">
             <a:avLst/>
@@ -8696,184 +8608,6 @@
 </file>
 
 <file path=ppt/slides/slide31.xml><?xml version="1.0" encoding="utf-8"?>
-<p:sld xmlns:a="http://schemas.openxmlformats.org/drawingml/2006/main" xmlns:r="http://schemas.openxmlformats.org/officeDocument/2006/relationships" xmlns:p="http://schemas.openxmlformats.org/presentationml/2006/main">
-  <p:cSld>
-    <p:spTree>
-      <p:nvGrpSpPr>
-        <p:cNvPr id="1" name=""/>
-        <p:cNvGrpSpPr/>
-        <p:nvPr/>
-      </p:nvGrpSpPr>
-      <p:grpSpPr>
-        <a:xfrm>
-          <a:off x="0" y="0"/>
-          <a:ext cx="0" cy="0"/>
-          <a:chOff x="0" y="0"/>
-          <a:chExt cx="0" cy="0"/>
-        </a:xfrm>
-      </p:grpSpPr>
-      <p:sp>
-        <p:nvSpPr>
-          <p:cNvPr id="2" name="Title 1">
-            <a:extLst>
-              <a:ext uri="{FF2B5EF4-FFF2-40B4-BE49-F238E27FC236}">
-                <a16:creationId xmlns:a16="http://schemas.microsoft.com/office/drawing/2014/main" id="{78C03E7C-B9F2-0741-AAD9-B0EFB5E1BCC9}"/>
-              </a:ext>
-            </a:extLst>
-          </p:cNvPr>
-          <p:cNvSpPr>
-            <a:spLocks noGrp="1"/>
-          </p:cNvSpPr>
-          <p:nvPr>
-            <p:ph type="title"/>
-          </p:nvPr>
-        </p:nvSpPr>
-        <p:spPr/>
-        <p:txBody>
-          <a:bodyPr/>
-          <a:lstStyle/>
-          <a:p>
-            <a:r>
-              <a:rPr lang="en-US" dirty="0"/>
-              <a:t>Randomly sample features</a:t>
-            </a:r>
-          </a:p>
-        </p:txBody>
-      </p:sp>
-      <p:pic>
-        <p:nvPicPr>
-          <p:cNvPr id="5" name="Picture 4">
-            <a:extLst>
-              <a:ext uri="{FF2B5EF4-FFF2-40B4-BE49-F238E27FC236}">
-                <a16:creationId xmlns:a16="http://schemas.microsoft.com/office/drawing/2014/main" id="{78D56022-DB63-4F47-A8AF-16DDB9D52B9D}"/>
-              </a:ext>
-            </a:extLst>
-          </p:cNvPr>
-          <p:cNvPicPr>
-            <a:picLocks noChangeAspect="1"/>
-          </p:cNvPicPr>
-          <p:nvPr/>
-        </p:nvPicPr>
-        <p:blipFill>
-          <a:blip r:embed="rId3"/>
-          <a:stretch>
-            <a:fillRect/>
-          </a:stretch>
-        </p:blipFill>
-        <p:spPr>
-          <a:xfrm>
-            <a:off x="4998889" y="4129086"/>
-            <a:ext cx="4294336" cy="2728913"/>
-          </a:xfrm>
-          <a:prstGeom prst="rect">
-            <a:avLst/>
-          </a:prstGeom>
-        </p:spPr>
-      </p:pic>
-      <p:pic>
-        <p:nvPicPr>
-          <p:cNvPr id="7" name="Picture 6">
-            <a:extLst>
-              <a:ext uri="{FF2B5EF4-FFF2-40B4-BE49-F238E27FC236}">
-                <a16:creationId xmlns:a16="http://schemas.microsoft.com/office/drawing/2014/main" id="{835B5BDB-FADE-B247-919A-D86B801E129D}"/>
-              </a:ext>
-            </a:extLst>
-          </p:cNvPr>
-          <p:cNvPicPr>
-            <a:picLocks noChangeAspect="1"/>
-          </p:cNvPicPr>
-          <p:nvPr/>
-        </p:nvPicPr>
-        <p:blipFill>
-          <a:blip r:embed="rId4"/>
-          <a:stretch>
-            <a:fillRect/>
-          </a:stretch>
-        </p:blipFill>
-        <p:spPr>
-          <a:xfrm>
-            <a:off x="125264" y="4129087"/>
-            <a:ext cx="4294336" cy="2728913"/>
-          </a:xfrm>
-          <a:prstGeom prst="rect">
-            <a:avLst/>
-          </a:prstGeom>
-        </p:spPr>
-      </p:pic>
-      <p:pic>
-        <p:nvPicPr>
-          <p:cNvPr id="9" name="Picture 8">
-            <a:extLst>
-              <a:ext uri="{FF2B5EF4-FFF2-40B4-BE49-F238E27FC236}">
-                <a16:creationId xmlns:a16="http://schemas.microsoft.com/office/drawing/2014/main" id="{05C17F8B-286A-F448-A9E1-0BD3CFA8C7F4}"/>
-              </a:ext>
-            </a:extLst>
-          </p:cNvPr>
-          <p:cNvPicPr>
-            <a:picLocks noChangeAspect="1"/>
-          </p:cNvPicPr>
-          <p:nvPr/>
-        </p:nvPicPr>
-        <p:blipFill>
-          <a:blip r:embed="rId5"/>
-          <a:stretch>
-            <a:fillRect/>
-          </a:stretch>
-        </p:blipFill>
-        <p:spPr>
-          <a:xfrm>
-            <a:off x="125264" y="1369218"/>
-            <a:ext cx="4294336" cy="2728913"/>
-          </a:xfrm>
-          <a:prstGeom prst="rect">
-            <a:avLst/>
-          </a:prstGeom>
-        </p:spPr>
-      </p:pic>
-      <p:pic>
-        <p:nvPicPr>
-          <p:cNvPr id="11" name="Picture 10">
-            <a:extLst>
-              <a:ext uri="{FF2B5EF4-FFF2-40B4-BE49-F238E27FC236}">
-                <a16:creationId xmlns:a16="http://schemas.microsoft.com/office/drawing/2014/main" id="{000EAC3F-797D-214C-9A48-08FA72D1598D}"/>
-              </a:ext>
-            </a:extLst>
-          </p:cNvPr>
-          <p:cNvPicPr>
-            <a:picLocks noChangeAspect="1"/>
-          </p:cNvPicPr>
-          <p:nvPr/>
-        </p:nvPicPr>
-        <p:blipFill>
-          <a:blip r:embed="rId6"/>
-          <a:stretch>
-            <a:fillRect/>
-          </a:stretch>
-        </p:blipFill>
-        <p:spPr>
-          <a:xfrm>
-            <a:off x="4998889" y="1529953"/>
-            <a:ext cx="4294336" cy="2728913"/>
-          </a:xfrm>
-          <a:prstGeom prst="rect">
-            <a:avLst/>
-          </a:prstGeom>
-        </p:spPr>
-      </p:pic>
-    </p:spTree>
-    <p:extLst>
-      <p:ext uri="{BB962C8B-B14F-4D97-AF65-F5344CB8AC3E}">
-        <p14:creationId xmlns:p14="http://schemas.microsoft.com/office/powerpoint/2010/main" val="1675912083"/>
-      </p:ext>
-    </p:extLst>
-  </p:cSld>
-  <p:clrMapOvr>
-    <a:masterClrMapping/>
-  </p:clrMapOvr>
-</p:sld>
-</file>
-
-<file path=ppt/slides/slide32.xml><?xml version="1.0" encoding="utf-8"?>
 <p:sld xmlns:a="http://schemas.openxmlformats.org/drawingml/2006/main" xmlns:r="http://schemas.openxmlformats.org/officeDocument/2006/relationships" xmlns:p="http://schemas.openxmlformats.org/presentationml/2006/main">
   <p:cSld>
     <p:spTree>
